--- a/Report/pre.pptx
+++ b/Report/pre.pptx
@@ -3836,10 +3836,10 @@
           <a:p>
             <a:pPr algn="l"/>
             <a:r>
-              <a:rPr lang="en-US" sz="2400" dirty="0" err="1" smtClean="0">
+              <a:rPr lang="en-US" sz="2400" smtClean="0">
                 <a:latin typeface="+mj-lt"/>
               </a:rPr>
-              <a:t>Ngô</a:t>
+              <a:t>	Ngô</a:t>
             </a:r>
             <a:r>
               <a:rPr lang="en-US" sz="2400" dirty="0" smtClean="0">
@@ -4839,13 +4839,8 @@
             </a:r>
             <a:r>
               <a:rPr lang="en-US" dirty="0" smtClean="0"/>
-              <a:t>Distance instead of </a:t>
-            </a:r>
-            <a:r>
-              <a:rPr lang="en-US" dirty="0" smtClean="0"/>
-              <a:t>DTW</a:t>
-            </a:r>
-            <a:endParaRPr lang="en-US" dirty="0" smtClean="0"/>
+              <a:t>Distance instead of DTW</a:t>
+            </a:r>
           </a:p>
         </p:txBody>
       </p:sp>
@@ -4894,7 +4889,7 @@
           <a:graphicData uri="http://schemas.openxmlformats.org/presentationml/2006/ole">
             <mc:AlternateContent xmlns:mc="http://schemas.openxmlformats.org/markup-compatibility/2006">
               <mc:Choice xmlns:v="urn:schemas-microsoft-com:vml" Requires="v">
-                <p:oleObj spid="_x0000_s9223" name="Equation" r:id="rId3" imgW="2590560" imgH="304560" progId="Equation.3">
+                <p:oleObj spid="_x0000_s9224" name="Equation" r:id="rId3" imgW="2590560" imgH="304560" progId="Equation.3">
                   <p:embed/>
                 </p:oleObj>
               </mc:Choice>
@@ -5011,7 +5006,6 @@
               <a:rPr lang="en-US" dirty="0"/>
               <a:t>Homothetic Transformation</a:t>
             </a:r>
-            <a:endParaRPr lang="en-US" dirty="0"/>
           </a:p>
         </p:txBody>
       </p:sp>
@@ -5074,7 +5068,6 @@
               <a:rPr lang="en-US" dirty="0" smtClean="0"/>
               <a:t> such that  </a:t>
             </a:r>
-            <a:endParaRPr lang="en-US" dirty="0" smtClean="0"/>
           </a:p>
           <a:p>
             <a:endParaRPr lang="en-US" dirty="0"/>
@@ -5216,7 +5209,6 @@
               <a:rPr lang="en-US" dirty="0"/>
               <a:t>Homothetic Transformation</a:t>
             </a:r>
-            <a:endParaRPr lang="en-US" dirty="0"/>
           </a:p>
         </p:txBody>
       </p:sp>
@@ -5502,7 +5494,6 @@
               <a:rPr lang="en-US" dirty="0"/>
               <a:t>Modified Euclidean Distance</a:t>
             </a:r>
-            <a:endParaRPr lang="en-US" dirty="0"/>
           </a:p>
         </p:txBody>
       </p:sp>
@@ -5529,13 +5520,8 @@
             </a:r>
             <a:r>
               <a:rPr lang="en-US" dirty="0" smtClean="0"/>
-              <a:t>Distance </a:t>
-            </a:r>
-            <a:r>
-              <a:rPr lang="en-US" dirty="0" smtClean="0"/>
-              <a:t>between</a:t>
-            </a:r>
-            <a:endParaRPr lang="en-US" dirty="0" smtClean="0"/>
+              <a:t>Distance between</a:t>
+            </a:r>
           </a:p>
           <a:p>
             <a:pPr marL="0" indent="0">
@@ -5705,7 +5691,7 @@
           <a:graphicData uri="http://schemas.openxmlformats.org/presentationml/2006/ole">
             <mc:AlternateContent xmlns:mc="http://schemas.openxmlformats.org/markup-compatibility/2006">
               <mc:Choice xmlns:v="urn:schemas-microsoft-com:vml" Requires="v">
-                <p:oleObj spid="_x0000_s6272" name="Equation" r:id="rId3" imgW="2197080" imgH="482400" progId="Equation.3">
+                <p:oleObj spid="_x0000_s6274" name="Equation" r:id="rId3" imgW="2197080" imgH="482400" progId="Equation.3">
                   <p:embed/>
                 </p:oleObj>
               </mc:Choice>
@@ -5762,7 +5748,7 @@
           <a:graphicData uri="http://schemas.openxmlformats.org/presentationml/2006/ole">
             <mc:AlternateContent xmlns:mc="http://schemas.openxmlformats.org/markup-compatibility/2006">
               <mc:Choice xmlns:v="urn:schemas-microsoft-com:vml" Requires="v">
-                <p:oleObj spid="_x0000_s6273" name="Equation" r:id="rId5" imgW="1257120" imgH="431640" progId="Equation.3">
+                <p:oleObj spid="_x0000_s6275" name="Equation" r:id="rId5" imgW="1257120" imgH="431640" progId="Equation.3">
                   <p:embed/>
                 </p:oleObj>
               </mc:Choice>
@@ -5912,7 +5898,6 @@
               <a:rPr lang="en-US" dirty="0" smtClean="0"/>
               <a:t> </a:t>
             </a:r>
-            <a:endParaRPr lang="en-US" dirty="0" smtClean="0"/>
           </a:p>
           <a:p>
             <a:pPr marL="0" indent="0">
@@ -6598,9 +6583,6 @@
               </a:rPr>
               <a:t>Introduction</a:t>
             </a:r>
-            <a:endParaRPr lang="en-US" sz="2400" dirty="0" smtClean="0">
-              <a:latin typeface="+mj-lt"/>
-            </a:endParaRPr>
           </a:p>
           <a:p>
             <a:pPr marL="285750" indent="-285750">
@@ -6611,17 +6593,8 @@
               <a:rPr lang="en-US" sz="2400" dirty="0" smtClean="0">
                 <a:latin typeface="+mj-lt"/>
               </a:rPr>
-              <a:t>Proposed </a:t>
-            </a:r>
-            <a:r>
-              <a:rPr lang="en-US" sz="2400" dirty="0" smtClean="0">
-                <a:latin typeface="+mj-lt"/>
-              </a:rPr>
-              <a:t>Algorithm</a:t>
-            </a:r>
-            <a:endParaRPr lang="en-US" sz="2400" dirty="0" smtClean="0">
-              <a:latin typeface="+mj-lt"/>
-            </a:endParaRPr>
+              <a:t>Proposed Algorithm</a:t>
+            </a:r>
           </a:p>
           <a:p>
             <a:pPr marL="285750" indent="-285750">
@@ -9195,7 +9168,6 @@
               <a:rPr lang="en-US" dirty="0" smtClean="0"/>
               <a:t>There are many algorithms developed to find anomaly patterns such as HOT SAX, WAT,…But they require the user to specify the length of anomaly as an input parameter.</a:t>
             </a:r>
-            <a:endParaRPr lang="en-US" dirty="0" smtClean="0"/>
           </a:p>
           <a:p>
             <a:r>
@@ -9226,7 +9198,6 @@
               <a:rPr lang="en-US" dirty="0" smtClean="0"/>
               <a:t>.</a:t>
             </a:r>
-            <a:endParaRPr lang="en-US" dirty="0" smtClean="0"/>
           </a:p>
         </p:txBody>
       </p:sp>
@@ -9541,7 +9512,6 @@
               <a:rPr lang="en-US" dirty="0"/>
               <a:t>Introduction</a:t>
             </a:r>
-            <a:endParaRPr lang="en-US" dirty="0"/>
           </a:p>
         </p:txBody>
       </p:sp>
@@ -9889,7 +9859,6 @@
               <a:rPr lang="en-US" i="1" dirty="0" smtClean="0"/>
               <a:t>.</a:t>
             </a:r>
-            <a:endParaRPr lang="en-US" i="1" dirty="0" smtClean="0"/>
           </a:p>
           <a:p>
             <a:r>

--- a/Report/pre.pptx
+++ b/Report/pre.pptx
@@ -20,11 +20,11 @@
     <p:sldId id="343" r:id="rId11"/>
     <p:sldId id="375" r:id="rId12"/>
     <p:sldId id="376" r:id="rId13"/>
-    <p:sldId id="345" r:id="rId14"/>
-    <p:sldId id="357" r:id="rId15"/>
-    <p:sldId id="346" r:id="rId16"/>
-    <p:sldId id="358" r:id="rId17"/>
-    <p:sldId id="348" r:id="rId18"/>
+    <p:sldId id="378" r:id="rId14"/>
+    <p:sldId id="345" r:id="rId15"/>
+    <p:sldId id="357" r:id="rId16"/>
+    <p:sldId id="346" r:id="rId17"/>
+    <p:sldId id="358" r:id="rId18"/>
     <p:sldId id="361" r:id="rId19"/>
     <p:sldId id="362" r:id="rId20"/>
     <p:sldId id="366" r:id="rId21"/>
@@ -221,7 +221,7 @@
           <a:p>
             <a:fld id="{B254F1C8-CC3D-498E-B2CE-23BA4A379260}" type="datetimeFigureOut">
               <a:rPr lang="en-US" smtClean="0"/>
-              <a:t>6/22/2016</a:t>
+              <a:t>6/24/2016</a:t>
             </a:fld>
             <a:endParaRPr lang="en-US"/>
           </a:p>
@@ -722,7 +722,7 @@
           <a:p>
             <a:fld id="{BC663BB4-9255-4792-9F47-E7C34FE09A84}" type="slidenum">
               <a:rPr lang="en-US" smtClean="0"/>
-              <a:t>14</a:t>
+              <a:t>15</a:t>
             </a:fld>
             <a:endParaRPr lang="en-US"/>
           </a:p>
@@ -732,6 +732,90 @@
     <p:extLst>
       <p:ext uri="{BB962C8B-B14F-4D97-AF65-F5344CB8AC3E}">
         <p14:creationId xmlns:p14="http://schemas.microsoft.com/office/powerpoint/2010/main" val="315127219"/>
+      </p:ext>
+    </p:extLst>
+  </p:cSld>
+  <p:clrMapOvr>
+    <a:masterClrMapping/>
+  </p:clrMapOvr>
+</p:notes>
+</file>
+
+<file path=ppt/notesSlides/notesSlide4.xml><?xml version="1.0" encoding="utf-8"?>
+<p:notes xmlns:a="http://schemas.openxmlformats.org/drawingml/2006/main" xmlns:r="http://schemas.openxmlformats.org/officeDocument/2006/relationships" xmlns:p="http://schemas.openxmlformats.org/presentationml/2006/main">
+  <p:cSld>
+    <p:spTree>
+      <p:nvGrpSpPr>
+        <p:cNvPr id="1" name=""/>
+        <p:cNvGrpSpPr/>
+        <p:nvPr/>
+      </p:nvGrpSpPr>
+      <p:grpSpPr>
+        <a:xfrm>
+          <a:off x="0" y="0"/>
+          <a:ext cx="0" cy="0"/>
+          <a:chOff x="0" y="0"/>
+          <a:chExt cx="0" cy="0"/>
+        </a:xfrm>
+      </p:grpSpPr>
+      <p:sp>
+        <p:nvSpPr>
+          <p:cNvPr id="2" name="Slide Image Placeholder 1"/>
+          <p:cNvSpPr>
+            <a:spLocks noGrp="1" noRot="1" noChangeAspect="1"/>
+          </p:cNvSpPr>
+          <p:nvPr>
+            <p:ph type="sldImg"/>
+          </p:nvPr>
+        </p:nvSpPr>
+        <p:spPr/>
+      </p:sp>
+      <p:sp>
+        <p:nvSpPr>
+          <p:cNvPr id="3" name="Notes Placeholder 2"/>
+          <p:cNvSpPr>
+            <a:spLocks noGrp="1"/>
+          </p:cNvSpPr>
+          <p:nvPr>
+            <p:ph type="body" idx="1"/>
+          </p:nvPr>
+        </p:nvSpPr>
+        <p:spPr/>
+        <p:txBody>
+          <a:bodyPr/>
+          <a:lstStyle/>
+          <a:p>
+            <a:endParaRPr lang="en-US" dirty="0"/>
+          </a:p>
+        </p:txBody>
+      </p:sp>
+      <p:sp>
+        <p:nvSpPr>
+          <p:cNvPr id="4" name="Slide Number Placeholder 3"/>
+          <p:cNvSpPr>
+            <a:spLocks noGrp="1"/>
+          </p:cNvSpPr>
+          <p:nvPr>
+            <p:ph type="sldNum" sz="quarter" idx="10"/>
+          </p:nvPr>
+        </p:nvSpPr>
+        <p:spPr/>
+        <p:txBody>
+          <a:bodyPr/>
+          <a:lstStyle/>
+          <a:p>
+            <a:fld id="{BC663BB4-9255-4792-9F47-E7C34FE09A84}" type="slidenum">
+              <a:rPr lang="en-US" smtClean="0"/>
+              <a:t>27</a:t>
+            </a:fld>
+            <a:endParaRPr lang="en-US"/>
+          </a:p>
+        </p:txBody>
+      </p:sp>
+    </p:spTree>
+    <p:extLst>
+      <p:ext uri="{BB962C8B-B14F-4D97-AF65-F5344CB8AC3E}">
+        <p14:creationId xmlns:p14="http://schemas.microsoft.com/office/powerpoint/2010/main" val="2062950355"/>
       </p:ext>
     </p:extLst>
   </p:cSld>
@@ -922,7 +1006,7 @@
           <a:p>
             <a:fld id="{B329DD22-3901-4017-BEC8-FE8750DFA061}" type="datetime1">
               <a:rPr lang="en-US" smtClean="0"/>
-              <a:t>6/22/2016</a:t>
+              <a:t>6/24/2016</a:t>
             </a:fld>
             <a:endParaRPr lang="en-US"/>
           </a:p>
@@ -1096,7 +1180,7 @@
           <a:p>
             <a:fld id="{115BC933-04EF-4125-ADB5-D4BD0A1A7597}" type="datetime1">
               <a:rPr lang="en-US" smtClean="0"/>
-              <a:t>6/22/2016</a:t>
+              <a:t>6/24/2016</a:t>
             </a:fld>
             <a:endParaRPr lang="en-US"/>
           </a:p>
@@ -1280,7 +1364,7 @@
           <a:p>
             <a:fld id="{17EB61BA-192C-433C-B416-72651F1A78EB}" type="datetime1">
               <a:rPr lang="en-US" smtClean="0"/>
-              <a:t>6/22/2016</a:t>
+              <a:t>6/24/2016</a:t>
             </a:fld>
             <a:endParaRPr lang="en-US"/>
           </a:p>
@@ -1454,7 +1538,7 @@
           <a:p>
             <a:fld id="{A7AAD14A-2C09-4031-875B-FB5485C85F52}" type="datetime1">
               <a:rPr lang="en-US" smtClean="0"/>
-              <a:t>6/22/2016</a:t>
+              <a:t>6/24/2016</a:t>
             </a:fld>
             <a:endParaRPr lang="en-US"/>
           </a:p>
@@ -1704,7 +1788,7 @@
           <a:p>
             <a:fld id="{5F71CD92-15F1-49C0-B076-705046C4361F}" type="datetime1">
               <a:rPr lang="en-US" smtClean="0"/>
-              <a:t>6/22/2016</a:t>
+              <a:t>6/24/2016</a:t>
             </a:fld>
             <a:endParaRPr lang="en-US"/>
           </a:p>
@@ -1996,7 +2080,7 @@
           <a:p>
             <a:fld id="{114BFDAB-3BD4-4BC8-9BA6-6E4ABE132CE6}" type="datetime1">
               <a:rPr lang="en-US" smtClean="0"/>
-              <a:t>6/22/2016</a:t>
+              <a:t>6/24/2016</a:t>
             </a:fld>
             <a:endParaRPr lang="en-US"/>
           </a:p>
@@ -2422,7 +2506,7 @@
           <a:p>
             <a:fld id="{34FCCD49-AB6B-49EC-B1AF-BDD79E29A726}" type="datetime1">
               <a:rPr lang="en-US" smtClean="0"/>
-              <a:t>6/22/2016</a:t>
+              <a:t>6/24/2016</a:t>
             </a:fld>
             <a:endParaRPr lang="en-US"/>
           </a:p>
@@ -2544,7 +2628,7 @@
           <a:p>
             <a:fld id="{0E5F5D71-C980-4D30-8EE3-BAE218D8A89F}" type="datetime1">
               <a:rPr lang="en-US" smtClean="0"/>
-              <a:t>6/22/2016</a:t>
+              <a:t>6/24/2016</a:t>
             </a:fld>
             <a:endParaRPr lang="en-US"/>
           </a:p>
@@ -2643,7 +2727,7 @@
           <a:p>
             <a:fld id="{3AF8CC4E-4914-4E8E-BF6E-87F5D8F00C88}" type="datetime1">
               <a:rPr lang="en-US" smtClean="0"/>
-              <a:t>6/22/2016</a:t>
+              <a:t>6/24/2016</a:t>
             </a:fld>
             <a:endParaRPr lang="en-US"/>
           </a:p>
@@ -2924,7 +3008,7 @@
           <a:p>
             <a:fld id="{40A97A51-EA70-40F7-9C72-010BE2156940}" type="datetime1">
               <a:rPr lang="en-US" smtClean="0"/>
-              <a:t>6/22/2016</a:t>
+              <a:t>6/24/2016</a:t>
             </a:fld>
             <a:endParaRPr lang="en-US"/>
           </a:p>
@@ -3181,7 +3265,7 @@
           <a:p>
             <a:fld id="{81C508AD-95BA-4196-BE39-DD6DCC1516CB}" type="datetime1">
               <a:rPr lang="en-US" smtClean="0"/>
-              <a:t>6/22/2016</a:t>
+              <a:t>6/24/2016</a:t>
             </a:fld>
             <a:endParaRPr lang="en-US"/>
           </a:p>
@@ -3398,7 +3482,7 @@
           <a:p>
             <a:fld id="{21D2C01F-FF40-4B38-A4B4-3E540EF55F9E}" type="datetime1">
               <a:rPr lang="en-US" smtClean="0"/>
-              <a:t>6/22/2016</a:t>
+              <a:t>6/24/2016</a:t>
             </a:fld>
             <a:endParaRPr lang="en-US"/>
           </a:p>
@@ -4172,12 +4256,8 @@
           <a:lstStyle/>
           <a:p>
             <a:r>
-              <a:rPr lang="en-US" dirty="0"/>
-              <a:t>B</a:t>
-            </a:r>
-            <a:r>
-              <a:rPr lang="en-US" dirty="0" smtClean="0"/>
-              <a:t>ased </a:t>
+              <a:rPr lang="en-US" dirty="0" smtClean="0"/>
+              <a:t>Based </a:t>
             </a:r>
             <a:r>
               <a:rPr lang="en-US" dirty="0"/>
@@ -4305,7 +4385,7 @@
           <p:nvPr>
             <p:extLst>
               <p:ext uri="{D42A27DB-BD31-4B8C-83A1-F6EECF244321}">
-                <p14:modId xmlns:p14="http://schemas.microsoft.com/office/powerpoint/2010/main" val="1527227674"/>
+                <p14:modId xmlns:p14="http://schemas.microsoft.com/office/powerpoint/2010/main" val="2670669551"/>
               </p:ext>
             </p:extLst>
           </p:nvPr>
@@ -4441,7 +4521,7 @@
                         <a:t>	2. For </a:t>
                       </a:r>
                       <a:r>
-                        <a:rPr lang="en-US" sz="2200" dirty="0" err="1" smtClean="0">
+                        <a:rPr lang="en-US" sz="2200" i="1" dirty="0" err="1" smtClean="0">
                           <a:latin typeface="Times New Roman" panose="02020603050405020304" pitchFamily="18" charset="0"/>
                           <a:cs typeface="Times New Roman" panose="02020603050405020304" pitchFamily="18" charset="0"/>
                         </a:rPr>
@@ -4492,7 +4572,21 @@
                           <a:latin typeface="Times New Roman" panose="02020603050405020304" pitchFamily="18" charset="0"/>
                           <a:cs typeface="Times New Roman" panose="02020603050405020304" pitchFamily="18" charset="0"/>
                         </a:rPr>
-                        <a:t>)  is the subsequence of </a:t>
+                        <a:t>)  </a:t>
+                      </a:r>
+                      <a:r>
+                        <a:rPr lang="en-US" sz="2200" dirty="0" smtClean="0">
+                          <a:latin typeface="Times New Roman" panose="02020603050405020304" pitchFamily="18" charset="0"/>
+                          <a:cs typeface="Times New Roman" panose="02020603050405020304" pitchFamily="18" charset="0"/>
+                        </a:rPr>
+                        <a:t>which is </a:t>
+                      </a:r>
+                      <a:r>
+                        <a:rPr lang="en-US" sz="2200" dirty="0" smtClean="0">
+                          <a:latin typeface="Times New Roman" panose="02020603050405020304" pitchFamily="18" charset="0"/>
+                          <a:cs typeface="Times New Roman" panose="02020603050405020304" pitchFamily="18" charset="0"/>
+                        </a:rPr>
+                        <a:t>the subsequence of </a:t>
                       </a:r>
                       <a:r>
                         <a:rPr lang="en-US" sz="2200" i="1" dirty="0" smtClean="0">
@@ -4678,7 +4772,7 @@
       </p:sp>
       <p:pic>
         <p:nvPicPr>
-          <p:cNvPr id="8194" name="Picture 2"/>
+          <p:cNvPr id="10242" name="Picture 2"/>
           <p:cNvPicPr>
             <a:picLocks noGrp="1" noChangeAspect="1" noChangeArrowheads="1"/>
           </p:cNvPicPr>
@@ -4701,8 +4795,8 @@
         </p:blipFill>
         <p:spPr bwMode="auto">
           <a:xfrm>
-            <a:off x="457200" y="1690350"/>
-            <a:ext cx="8229600" cy="4345663"/>
+            <a:off x="685800" y="1066800"/>
+            <a:ext cx="8010525" cy="4076700"/>
           </a:xfrm>
           <a:prstGeom prst="rect">
             <a:avLst/>
@@ -4782,6 +4876,393 @@
         <p:spPr/>
         <p:txBody>
           <a:bodyPr>
+            <a:normAutofit/>
+          </a:bodyPr>
+          <a:lstStyle/>
+          <a:p>
+            <a:r>
+              <a:rPr lang="en-US" dirty="0" smtClean="0"/>
+              <a:t>Find </a:t>
+            </a:r>
+            <a:r>
+              <a:rPr lang="en-US" i="1" dirty="0" err="1" smtClean="0"/>
+              <a:t>l</a:t>
+            </a:r>
+            <a:r>
+              <a:rPr lang="en-US" i="1" baseline="-25000" dirty="0" err="1" smtClean="0"/>
+              <a:t>upper</a:t>
+            </a:r>
+            <a:r>
+              <a:rPr lang="en-US" i="1" baseline="30000" dirty="0"/>
+              <a:t> </a:t>
+            </a:r>
+            <a:r>
+              <a:rPr lang="en-US" i="1" dirty="0" smtClean="0"/>
+              <a:t>and </a:t>
+            </a:r>
+            <a:r>
+              <a:rPr lang="en-US" i="1" dirty="0" err="1"/>
+              <a:t>l</a:t>
+            </a:r>
+            <a:r>
+              <a:rPr lang="en-US" i="1" baseline="-25000" dirty="0" err="1"/>
+              <a:t>lower</a:t>
+            </a:r>
+            <a:endParaRPr lang="en-US" dirty="0"/>
+          </a:p>
+        </p:txBody>
+      </p:sp>
+      <p:sp>
+        <p:nvSpPr>
+          <p:cNvPr id="3" name="Content Placeholder 2"/>
+          <p:cNvSpPr>
+            <a:spLocks noGrp="1"/>
+          </p:cNvSpPr>
+          <p:nvPr>
+            <p:ph idx="1"/>
+          </p:nvPr>
+        </p:nvSpPr>
+        <p:spPr/>
+        <p:txBody>
+          <a:bodyPr>
+            <a:normAutofit/>
+          </a:bodyPr>
+          <a:lstStyle/>
+          <a:p>
+            <a:r>
+              <a:rPr lang="en-US" dirty="0" smtClean="0"/>
+              <a:t>Propose parameter </a:t>
+            </a:r>
+            <a:r>
+              <a:rPr lang="en-US" i="1" dirty="0" smtClean="0"/>
+              <a:t>r</a:t>
+            </a:r>
+            <a:r>
+              <a:rPr lang="en-US" dirty="0" smtClean="0"/>
+              <a:t> </a:t>
+            </a:r>
+          </a:p>
+          <a:p>
+            <a:pPr marL="0" indent="0">
+              <a:buNone/>
+            </a:pPr>
+            <a:r>
+              <a:rPr lang="en-US" i="1" dirty="0" smtClean="0"/>
+              <a:t>	</a:t>
+            </a:r>
+            <a:r>
+              <a:rPr lang="en-US" i="1" dirty="0" err="1" smtClean="0"/>
+              <a:t>l</a:t>
+            </a:r>
+            <a:r>
+              <a:rPr lang="en-US" i="1" baseline="-25000" dirty="0" err="1" smtClean="0"/>
+              <a:t>upper</a:t>
+            </a:r>
+            <a:r>
+              <a:rPr lang="en-US" dirty="0" smtClean="0"/>
+              <a:t> </a:t>
+            </a:r>
+            <a:r>
+              <a:rPr lang="en-US" dirty="0"/>
+              <a:t>= </a:t>
+            </a:r>
+            <a:r>
+              <a:rPr lang="en-US" dirty="0">
+                <a:sym typeface="Symbol"/>
+              </a:rPr>
+              <a:t></a:t>
+            </a:r>
+            <a:r>
+              <a:rPr lang="en-US" i="1" dirty="0" err="1"/>
+              <a:t>l</a:t>
+            </a:r>
+            <a:r>
+              <a:rPr lang="en-US" i="1" baseline="-25000" dirty="0" err="1"/>
+              <a:t>avg</a:t>
+            </a:r>
+            <a:r>
+              <a:rPr lang="en-US" dirty="0"/>
+              <a:t>(1+ </a:t>
+            </a:r>
+            <a:r>
+              <a:rPr lang="en-US" i="1" dirty="0"/>
+              <a:t>r</a:t>
+            </a:r>
+            <a:r>
+              <a:rPr lang="en-US" dirty="0"/>
+              <a:t>)</a:t>
+            </a:r>
+            <a:r>
+              <a:rPr lang="en-US" dirty="0">
+                <a:sym typeface="Symbol"/>
+              </a:rPr>
+              <a:t></a:t>
+            </a:r>
+            <a:r>
+              <a:rPr lang="en-US" dirty="0"/>
+              <a:t>                       </a:t>
+            </a:r>
+          </a:p>
+          <a:p>
+            <a:pPr marL="0" indent="0">
+              <a:buNone/>
+            </a:pPr>
+            <a:r>
+              <a:rPr lang="en-US" dirty="0"/>
+              <a:t>	</a:t>
+            </a:r>
+            <a:r>
+              <a:rPr lang="en-US" i="1" dirty="0" err="1"/>
+              <a:t>l</a:t>
+            </a:r>
+            <a:r>
+              <a:rPr lang="en-US" i="1" baseline="-25000" dirty="0" err="1"/>
+              <a:t>lower</a:t>
+            </a:r>
+            <a:r>
+              <a:rPr lang="en-US" dirty="0"/>
+              <a:t> = </a:t>
+            </a:r>
+            <a:r>
+              <a:rPr lang="en-US" dirty="0">
+                <a:sym typeface="Symbol"/>
+              </a:rPr>
+              <a:t></a:t>
+            </a:r>
+            <a:r>
+              <a:rPr lang="en-US" i="1" dirty="0" err="1"/>
+              <a:t>l</a:t>
+            </a:r>
+            <a:r>
+              <a:rPr lang="en-US" i="1" baseline="-25000" dirty="0" err="1"/>
+              <a:t>avg</a:t>
+            </a:r>
+            <a:r>
+              <a:rPr lang="en-US" dirty="0"/>
+              <a:t>(1- </a:t>
+            </a:r>
+            <a:r>
+              <a:rPr lang="en-US" i="1" dirty="0"/>
+              <a:t>r</a:t>
+            </a:r>
+            <a:r>
+              <a:rPr lang="en-US" dirty="0"/>
+              <a:t>)</a:t>
+            </a:r>
+            <a:r>
+              <a:rPr lang="en-US" dirty="0">
+                <a:sym typeface="Symbol"/>
+              </a:rPr>
+              <a:t></a:t>
+            </a:r>
+          </a:p>
+          <a:p>
+            <a:pPr marL="0" indent="0">
+              <a:buNone/>
+            </a:pPr>
+            <a:r>
+              <a:rPr lang="en-US" dirty="0">
+                <a:sym typeface="Symbol"/>
+              </a:rPr>
+              <a:t>	</a:t>
+            </a:r>
+            <a:r>
+              <a:rPr lang="en-US" i="1" dirty="0" err="1"/>
+              <a:t>l</a:t>
+            </a:r>
+            <a:r>
+              <a:rPr lang="en-US" i="1" baseline="-25000" dirty="0" err="1"/>
+              <a:t>avg</a:t>
+            </a:r>
+            <a:r>
+              <a:rPr lang="en-US" i="1" dirty="0"/>
+              <a:t> </a:t>
+            </a:r>
+            <a:r>
+              <a:rPr lang="en-US" dirty="0"/>
+              <a:t>is mean length of the subsequences.</a:t>
+            </a:r>
+          </a:p>
+          <a:p>
+            <a:pPr marL="0" indent="0">
+              <a:buNone/>
+            </a:pPr>
+            <a:endParaRPr lang="en-US" dirty="0" smtClean="0"/>
+          </a:p>
+          <a:p>
+            <a:r>
+              <a:rPr lang="en-US" dirty="0" err="1" smtClean="0"/>
+              <a:t>Leng</a:t>
+            </a:r>
+            <a:r>
+              <a:rPr lang="en-US" dirty="0" smtClean="0"/>
+              <a:t> et al </a:t>
+            </a:r>
+            <a:r>
+              <a:rPr lang="en-US" dirty="0" smtClean="0"/>
+              <a:t>chose </a:t>
+            </a:r>
+            <a:r>
+              <a:rPr lang="en-US" i="1" dirty="0" err="1" smtClean="0"/>
+              <a:t>l</a:t>
+            </a:r>
+            <a:r>
+              <a:rPr lang="en-US" i="1" baseline="-25000" dirty="0" err="1" smtClean="0"/>
+              <a:t>upper</a:t>
+            </a:r>
+            <a:r>
+              <a:rPr lang="en-US" i="1" dirty="0" smtClean="0"/>
+              <a:t> = </a:t>
+            </a:r>
+            <a:r>
+              <a:rPr lang="en-US" i="1" dirty="0" err="1" smtClean="0"/>
+              <a:t>l</a:t>
+            </a:r>
+            <a:r>
+              <a:rPr lang="en-US" i="1" baseline="-25000" dirty="0" err="1" smtClean="0"/>
+              <a:t>max</a:t>
+            </a:r>
+            <a:r>
+              <a:rPr lang="en-US" i="1" dirty="0"/>
+              <a:t> </a:t>
+            </a:r>
+            <a:r>
+              <a:rPr lang="en-US" i="1" dirty="0" smtClean="0"/>
+              <a:t>and </a:t>
+            </a:r>
+            <a:r>
+              <a:rPr lang="en-US" i="1" dirty="0" err="1" smtClean="0"/>
+              <a:t>l</a:t>
+            </a:r>
+            <a:r>
+              <a:rPr lang="en-US" i="1" baseline="-25000" dirty="0" err="1" smtClean="0"/>
+              <a:t>lower</a:t>
+            </a:r>
+            <a:r>
+              <a:rPr lang="en-US" i="1" dirty="0"/>
+              <a:t> </a:t>
+            </a:r>
+            <a:r>
+              <a:rPr lang="en-US" i="1" dirty="0" smtClean="0"/>
+              <a:t>= </a:t>
+            </a:r>
+            <a:r>
+              <a:rPr lang="en-US" i="1" dirty="0" err="1" smtClean="0"/>
+              <a:t>l</a:t>
+            </a:r>
+            <a:r>
+              <a:rPr lang="en-US" i="1" baseline="-25000" dirty="0" err="1" smtClean="0"/>
+              <a:t>min</a:t>
+            </a:r>
+            <a:r>
+              <a:rPr lang="en-US" i="1" dirty="0" smtClean="0"/>
+              <a:t> </a:t>
+            </a:r>
+            <a:endParaRPr lang="en-US" dirty="0" smtClean="0"/>
+          </a:p>
+          <a:p>
+            <a:pPr marL="0" indent="0">
+              <a:buNone/>
+            </a:pPr>
+            <a:r>
+              <a:rPr lang="en-US" dirty="0"/>
+              <a:t>	</a:t>
+            </a:r>
+          </a:p>
+          <a:p>
+            <a:pPr marL="0" indent="0">
+              <a:buNone/>
+            </a:pPr>
+            <a:endParaRPr lang="en-US" dirty="0"/>
+          </a:p>
+        </p:txBody>
+      </p:sp>
+      <p:sp>
+        <p:nvSpPr>
+          <p:cNvPr id="4" name="Slide Number Placeholder 3"/>
+          <p:cNvSpPr>
+            <a:spLocks noGrp="1"/>
+          </p:cNvSpPr>
+          <p:nvPr>
+            <p:ph type="sldNum" sz="quarter" idx="12"/>
+          </p:nvPr>
+        </p:nvSpPr>
+        <p:spPr/>
+        <p:txBody>
+          <a:bodyPr/>
+          <a:lstStyle/>
+          <a:p>
+            <a:fld id="{38324C1E-6E2F-465B-B7AC-362036DEB808}" type="slidenum">
+              <a:rPr lang="en-US" smtClean="0">
+                <a:solidFill>
+                  <a:prstClr val="black">
+                    <a:tint val="75000"/>
+                  </a:prstClr>
+                </a:solidFill>
+              </a:rPr>
+              <a:pPr/>
+              <a:t>13</a:t>
+            </a:fld>
+            <a:endParaRPr lang="en-US">
+              <a:solidFill>
+                <a:prstClr val="black">
+                  <a:tint val="75000"/>
+                </a:prstClr>
+              </a:solidFill>
+            </a:endParaRPr>
+          </a:p>
+        </p:txBody>
+      </p:sp>
+    </p:spTree>
+    <p:extLst>
+      <p:ext uri="{BB962C8B-B14F-4D97-AF65-F5344CB8AC3E}">
+        <p14:creationId xmlns:p14="http://schemas.microsoft.com/office/powerpoint/2010/main" val="3522981951"/>
+      </p:ext>
+    </p:extLst>
+  </p:cSld>
+  <p:clrMapOvr>
+    <a:masterClrMapping/>
+  </p:clrMapOvr>
+  <p:timing>
+    <p:tnLst>
+      <p:par>
+        <p:cTn id="1" dur="indefinite" restart="never" nodeType="tmRoot"/>
+      </p:par>
+    </p:tnLst>
+  </p:timing>
+</p:sld>
+</file>
+
+<file path=ppt/slides/slide14.xml><?xml version="1.0" encoding="utf-8"?>
+<p:sld xmlns:a="http://schemas.openxmlformats.org/drawingml/2006/main" xmlns:r="http://schemas.openxmlformats.org/officeDocument/2006/relationships" xmlns:p="http://schemas.openxmlformats.org/presentationml/2006/main">
+  <p:cSld>
+    <p:spTree>
+      <p:nvGrpSpPr>
+        <p:cNvPr id="1" name=""/>
+        <p:cNvGrpSpPr/>
+        <p:nvPr/>
+      </p:nvGrpSpPr>
+      <p:grpSpPr>
+        <a:xfrm>
+          <a:off x="0" y="0"/>
+          <a:ext cx="0" cy="0"/>
+          <a:chOff x="0" y="0"/>
+          <a:chExt cx="0" cy="0"/>
+        </a:xfrm>
+      </p:grpSpPr>
+      <p:sp>
+        <p:nvSpPr>
+          <p:cNvPr id="2" name="Title 1"/>
+          <p:cNvSpPr>
+            <a:spLocks noGrp="1"/>
+          </p:cNvSpPr>
+          <p:nvPr>
+            <p:ph type="title"/>
+          </p:nvPr>
+        </p:nvSpPr>
+        <p:spPr/>
+        <p:txBody>
+          <a:bodyPr>
             <a:normAutofit fontScale="90000"/>
           </a:bodyPr>
           <a:lstStyle/>
@@ -4811,16 +5292,29 @@
           <a:p>
             <a:r>
               <a:rPr lang="en-US" dirty="0" smtClean="0"/>
-              <a:t>To reduce computation time</a:t>
-            </a:r>
-          </a:p>
-          <a:p>
+              <a:t>To reduce computation </a:t>
+            </a:r>
+            <a:r>
+              <a:rPr lang="en-US" dirty="0" smtClean="0"/>
+              <a:t>time for </a:t>
+            </a:r>
+            <a:r>
+              <a:rPr lang="en-US" i="1" dirty="0" err="1" smtClean="0"/>
+              <a:t>Dist</a:t>
+            </a:r>
+            <a:r>
+              <a:rPr lang="en-US" dirty="0" smtClean="0"/>
+              <a:t> function</a:t>
+            </a:r>
             <a:endParaRPr lang="en-US" dirty="0" smtClean="0"/>
           </a:p>
           <a:p>
             <a:endParaRPr lang="en-US" dirty="0" smtClean="0"/>
           </a:p>
           <a:p>
+            <a:endParaRPr lang="en-US" dirty="0" smtClean="0"/>
+          </a:p>
+          <a:p>
             <a:r>
               <a:rPr lang="en-US" dirty="0" smtClean="0"/>
               <a:t>Use </a:t>
@@ -4861,7 +5355,7 @@
           <a:p>
             <a:fld id="{38324C1E-6E2F-465B-B7AC-362036DEB808}" type="slidenum">
               <a:rPr lang="en-US" smtClean="0"/>
-              <a:t>13</a:t>
+              <a:t>14</a:t>
             </a:fld>
             <a:endParaRPr lang="en-US"/>
           </a:p>
@@ -4876,7 +5370,7 @@
           <p:nvPr>
             <p:extLst>
               <p:ext uri="{D42A27DB-BD31-4B8C-83A1-F6EECF244321}">
-                <p14:modId xmlns:p14="http://schemas.microsoft.com/office/powerpoint/2010/main" val="3351685434"/>
+                <p14:modId xmlns:p14="http://schemas.microsoft.com/office/powerpoint/2010/main" val="1990488516"/>
               </p:ext>
             </p:extLst>
           </p:nvPr>
@@ -4889,7 +5383,7 @@
           <a:graphicData uri="http://schemas.openxmlformats.org/presentationml/2006/ole">
             <mc:AlternateContent xmlns:mc="http://schemas.openxmlformats.org/markup-compatibility/2006">
               <mc:Choice xmlns:v="urn:schemas-microsoft-com:vml" Requires="v">
-                <p:oleObj spid="_x0000_s9224" name="Equation" r:id="rId3" imgW="2590560" imgH="304560" progId="Equation.3">
+                <p:oleObj spid="_x0000_s9248" name="Equation" r:id="rId3" imgW="2590560" imgH="304560" progId="Equation.3">
                   <p:embed/>
                 </p:oleObj>
               </mc:Choice>
@@ -4970,7 +5464,7 @@
 </p:sld>
 </file>
 
-<file path=ppt/slides/slide14.xml><?xml version="1.0" encoding="utf-8"?>
+<file path=ppt/slides/slide15.xml><?xml version="1.0" encoding="utf-8"?>
 <p:sld xmlns:a="http://schemas.openxmlformats.org/drawingml/2006/main" xmlns:r="http://schemas.openxmlformats.org/officeDocument/2006/relationships" xmlns:p="http://schemas.openxmlformats.org/presentationml/2006/main">
   <p:cSld>
     <p:spTree>
@@ -5066,8 +5560,17 @@
             </a:r>
             <a:r>
               <a:rPr lang="en-US" dirty="0" smtClean="0"/>
-              <a:t> such that  </a:t>
-            </a:r>
+              <a:t> </a:t>
+            </a:r>
+            <a:r>
+              <a:rPr lang="en-US" dirty="0" smtClean="0"/>
+              <a:t>such </a:t>
+            </a:r>
+            <a:r>
+              <a:rPr lang="en-US" dirty="0" smtClean="0"/>
+              <a:t>that  </a:t>
+            </a:r>
+            <a:endParaRPr lang="en-US" dirty="0" smtClean="0"/>
           </a:p>
           <a:p>
             <a:endParaRPr lang="en-US" dirty="0"/>
@@ -5091,7 +5594,7 @@
           <a:p>
             <a:fld id="{38324C1E-6E2F-465B-B7AC-362036DEB808}" type="slidenum">
               <a:rPr lang="en-US" smtClean="0"/>
-              <a:t>14</a:t>
+              <a:t>15</a:t>
             </a:fld>
             <a:endParaRPr lang="en-US"/>
           </a:p>
@@ -5099,7 +5602,7 @@
       </p:sp>
       <p:pic>
         <p:nvPicPr>
-          <p:cNvPr id="4099" name="Picture 3"/>
+          <p:cNvPr id="7" name="Picture 3"/>
           <p:cNvPicPr>
             <a:picLocks noChangeAspect="1" noChangeArrowheads="1"/>
           </p:cNvPicPr>
@@ -5120,8 +5623,8 @@
         </p:blipFill>
         <p:spPr bwMode="auto">
           <a:xfrm>
-            <a:off x="4060373" y="2604188"/>
-            <a:ext cx="2286000" cy="520262"/>
+            <a:off x="4038600" y="2542452"/>
+            <a:ext cx="2747489" cy="625291"/>
           </a:xfrm>
           <a:prstGeom prst="rect">
             <a:avLst/>
@@ -5151,295 +5654,32 @@
           </a:extLst>
         </p:spPr>
       </p:pic>
+      <p:pic>
+        <p:nvPicPr>
+          <p:cNvPr id="8" name="Picture 7"/>
+          <p:cNvPicPr/>
+          <p:nvPr/>
+        </p:nvPicPr>
+        <p:blipFill>
+          <a:blip r:embed="rId4"/>
+          <a:stretch>
+            <a:fillRect/>
+          </a:stretch>
+        </p:blipFill>
+        <p:spPr>
+          <a:xfrm>
+            <a:off x="1112611" y="3167742"/>
+            <a:ext cx="5440589" cy="3080657"/>
+          </a:xfrm>
+          <a:prstGeom prst="rect">
+            <a:avLst/>
+          </a:prstGeom>
+        </p:spPr>
+      </p:pic>
     </p:spTree>
     <p:extLst>
       <p:ext uri="{BB962C8B-B14F-4D97-AF65-F5344CB8AC3E}">
         <p14:creationId xmlns:p14="http://schemas.microsoft.com/office/powerpoint/2010/main" val="1259418231"/>
-      </p:ext>
-    </p:extLst>
-  </p:cSld>
-  <p:clrMapOvr>
-    <a:masterClrMapping/>
-  </p:clrMapOvr>
-  <p:timing>
-    <p:tnLst>
-      <p:par>
-        <p:cTn id="1" dur="indefinite" restart="never" nodeType="tmRoot"/>
-      </p:par>
-    </p:tnLst>
-  </p:timing>
-</p:sld>
-</file>
-
-<file path=ppt/slides/slide15.xml><?xml version="1.0" encoding="utf-8"?>
-<p:sld xmlns:a="http://schemas.openxmlformats.org/drawingml/2006/main" xmlns:r="http://schemas.openxmlformats.org/officeDocument/2006/relationships" xmlns:p="http://schemas.openxmlformats.org/presentationml/2006/main">
-  <p:cSld>
-    <p:spTree>
-      <p:nvGrpSpPr>
-        <p:cNvPr id="1" name=""/>
-        <p:cNvGrpSpPr/>
-        <p:nvPr/>
-      </p:nvGrpSpPr>
-      <p:grpSpPr>
-        <a:xfrm>
-          <a:off x="0" y="0"/>
-          <a:ext cx="0" cy="0"/>
-          <a:chOff x="0" y="0"/>
-          <a:chExt cx="0" cy="0"/>
-        </a:xfrm>
-      </p:grpSpPr>
-      <p:sp>
-        <p:nvSpPr>
-          <p:cNvPr id="2" name="Title 1"/>
-          <p:cNvSpPr>
-            <a:spLocks noGrp="1"/>
-          </p:cNvSpPr>
-          <p:nvPr>
-            <p:ph type="title"/>
-          </p:nvPr>
-        </p:nvSpPr>
-        <p:spPr/>
-        <p:txBody>
-          <a:bodyPr>
-            <a:normAutofit/>
-          </a:bodyPr>
-          <a:lstStyle/>
-          <a:p>
-            <a:r>
-              <a:rPr lang="en-US" dirty="0"/>
-              <a:t>Homothetic Transformation</a:t>
-            </a:r>
-          </a:p>
-        </p:txBody>
-      </p:sp>
-      <p:sp>
-        <p:nvSpPr>
-          <p:cNvPr id="3" name="Content Placeholder 2"/>
-          <p:cNvSpPr>
-            <a:spLocks noGrp="1"/>
-          </p:cNvSpPr>
-          <p:nvPr>
-            <p:ph idx="1"/>
-          </p:nvPr>
-        </p:nvSpPr>
-        <p:spPr/>
-        <p:txBody>
-          <a:bodyPr>
-            <a:normAutofit fontScale="92500" lnSpcReduction="10000"/>
-          </a:bodyPr>
-          <a:lstStyle/>
-          <a:p>
-            <a:r>
-              <a:rPr lang="en-US" dirty="0" smtClean="0"/>
-              <a:t>Apply to time series, a </a:t>
-            </a:r>
-            <a:r>
-              <a:rPr lang="en-US" dirty="0" err="1" smtClean="0"/>
-              <a:t>homothety</a:t>
-            </a:r>
-            <a:r>
-              <a:rPr lang="en-US" dirty="0" smtClean="0"/>
-              <a:t> transforms </a:t>
-            </a:r>
-            <a:r>
-              <a:rPr lang="en-US" dirty="0"/>
-              <a:t>a time series </a:t>
-            </a:r>
-            <a:r>
-              <a:rPr lang="en-US" i="1" dirty="0"/>
-              <a:t>T</a:t>
-            </a:r>
-            <a:r>
-              <a:rPr lang="en-US" dirty="0"/>
-              <a:t> of length </a:t>
-            </a:r>
-            <a:r>
-              <a:rPr lang="en-US" i="1" dirty="0"/>
-              <a:t>n</a:t>
-            </a:r>
-            <a:r>
-              <a:rPr lang="en-US" dirty="0"/>
-              <a:t> </a:t>
-            </a:r>
-            <a:r>
-              <a:rPr lang="en-US" i="1" dirty="0"/>
-              <a:t>(T = {y1, y2, …, </a:t>
-            </a:r>
-            <a:r>
-              <a:rPr lang="en-US" i="1" dirty="0" err="1"/>
-              <a:t>yn</a:t>
-            </a:r>
-            <a:r>
-              <a:rPr lang="en-US" i="1" dirty="0"/>
-              <a:t>})</a:t>
-            </a:r>
-            <a:r>
-              <a:rPr lang="en-US" dirty="0"/>
-              <a:t> to time </a:t>
-            </a:r>
-            <a:r>
-              <a:rPr lang="en-US" dirty="0" smtClean="0"/>
-              <a:t>series  </a:t>
-            </a:r>
-            <a:r>
-              <a:rPr lang="en-US" i="1" dirty="0"/>
-              <a:t>T’ </a:t>
-            </a:r>
-            <a:r>
-              <a:rPr lang="en-US" dirty="0"/>
-              <a:t>of length  </a:t>
-            </a:r>
-            <a:r>
-              <a:rPr lang="en-US" i="1" dirty="0"/>
-              <a:t>n’ </a:t>
-            </a:r>
-            <a:r>
-              <a:rPr lang="en-US" dirty="0" smtClean="0"/>
-              <a:t>by performing </a:t>
-            </a:r>
-            <a:r>
-              <a:rPr lang="en-US" dirty="0"/>
-              <a:t>the following steps</a:t>
-            </a:r>
-            <a:r>
-              <a:rPr lang="en-US" dirty="0" smtClean="0"/>
-              <a:t>.</a:t>
-            </a:r>
-          </a:p>
-          <a:p>
-            <a:r>
-              <a:rPr lang="en-US" dirty="0" smtClean="0"/>
-              <a:t> </a:t>
-            </a:r>
-            <a:r>
-              <a:rPr lang="en-US" dirty="0"/>
-              <a:t>First, compute  </a:t>
-            </a:r>
-            <a:r>
-              <a:rPr lang="en-US" i="1" dirty="0"/>
-              <a:t>Y_MAX = </a:t>
-            </a:r>
-            <a:r>
-              <a:rPr lang="en-US" i="1" dirty="0" smtClean="0"/>
-              <a:t>MAX </a:t>
-            </a:r>
-            <a:r>
-              <a:rPr lang="en-US" i="1" dirty="0"/>
-              <a:t>(y1, …, </a:t>
-            </a:r>
-            <a:r>
-              <a:rPr lang="en-US" i="1" dirty="0" err="1"/>
-              <a:t>yn</a:t>
-            </a:r>
-            <a:r>
-              <a:rPr lang="en-US" i="1" dirty="0"/>
-              <a:t>), Y_MIN = MIN(y1, …,</a:t>
-            </a:r>
-            <a:r>
-              <a:rPr lang="en-US" i="1" dirty="0" err="1"/>
-              <a:t>yn</a:t>
-            </a:r>
-            <a:r>
-              <a:rPr lang="en-US" i="1" dirty="0"/>
-              <a:t> ). </a:t>
-            </a:r>
-            <a:endParaRPr lang="en-US" i="1" dirty="0" smtClean="0"/>
-          </a:p>
-          <a:p>
-            <a:r>
-              <a:rPr lang="en-US" dirty="0" smtClean="0"/>
-              <a:t>Second</a:t>
-            </a:r>
-            <a:r>
-              <a:rPr lang="en-US" dirty="0"/>
-              <a:t>, set the center I of </a:t>
-            </a:r>
-            <a:r>
-              <a:rPr lang="en-US" dirty="0" err="1"/>
-              <a:t>homothety</a:t>
-            </a:r>
-            <a:r>
-              <a:rPr lang="en-US" dirty="0"/>
-              <a:t> with </a:t>
-            </a:r>
-            <a:r>
-              <a:rPr lang="en-US" dirty="0" smtClean="0"/>
-              <a:t>the </a:t>
-            </a:r>
-            <a:r>
-              <a:rPr lang="en-US" dirty="0"/>
-              <a:t>coordinates  </a:t>
-            </a:r>
-            <a:r>
-              <a:rPr lang="en-US" i="1" dirty="0"/>
-              <a:t>X_C = n/2, Y_C =  (Y_MAX </a:t>
-            </a:r>
-            <a:r>
-              <a:rPr lang="en-US" i="1" dirty="0" smtClean="0"/>
-              <a:t>+ Y_MIN</a:t>
-            </a:r>
-            <a:r>
-              <a:rPr lang="en-US" i="1" dirty="0"/>
-              <a:t>)/2</a:t>
-            </a:r>
-            <a:r>
-              <a:rPr lang="en-US" dirty="0"/>
-              <a:t>. Next, perform the </a:t>
-            </a:r>
-            <a:r>
-              <a:rPr lang="en-US" dirty="0" err="1" smtClean="0"/>
-              <a:t>homothety</a:t>
-            </a:r>
-            <a:r>
-              <a:rPr lang="en-US" dirty="0" smtClean="0"/>
-              <a:t> </a:t>
-            </a:r>
-            <a:r>
-              <a:rPr lang="en-US" dirty="0"/>
-              <a:t>with the center </a:t>
-            </a:r>
-            <a:r>
-              <a:rPr lang="en-US" i="1" dirty="0"/>
-              <a:t>I</a:t>
-            </a:r>
-            <a:r>
-              <a:rPr lang="en-US" dirty="0"/>
-              <a:t> and the ratio </a:t>
-            </a:r>
-            <a:r>
-              <a:rPr lang="en-US" i="1" dirty="0"/>
-              <a:t>n’/n</a:t>
-            </a:r>
-          </a:p>
-        </p:txBody>
-      </p:sp>
-      <p:sp>
-        <p:nvSpPr>
-          <p:cNvPr id="4" name="Slide Number Placeholder 3"/>
-          <p:cNvSpPr>
-            <a:spLocks noGrp="1"/>
-          </p:cNvSpPr>
-          <p:nvPr>
-            <p:ph type="sldNum" sz="quarter" idx="12"/>
-          </p:nvPr>
-        </p:nvSpPr>
-        <p:spPr/>
-        <p:txBody>
-          <a:bodyPr/>
-          <a:lstStyle/>
-          <a:p>
-            <a:fld id="{38324C1E-6E2F-465B-B7AC-362036DEB808}" type="slidenum">
-              <a:rPr lang="en-US" smtClean="0"/>
-              <a:t>15</a:t>
-            </a:fld>
-            <a:endParaRPr lang="en-US"/>
-          </a:p>
-        </p:txBody>
-      </p:sp>
-    </p:spTree>
-    <p:extLst>
-      <p:ext uri="{BB962C8B-B14F-4D97-AF65-F5344CB8AC3E}">
-        <p14:creationId xmlns:p14="http://schemas.microsoft.com/office/powerpoint/2010/main" val="435722213"/>
       </p:ext>
     </p:extLst>
   </p:cSld>
@@ -5492,7 +5732,7 @@
           <a:p>
             <a:r>
               <a:rPr lang="en-US" dirty="0"/>
-              <a:t>Modified Euclidean Distance</a:t>
+              <a:t>Homothetic Transformation</a:t>
             </a:r>
           </a:p>
         </p:txBody>
@@ -5510,139 +5750,187 @@
         <p:spPr/>
         <p:txBody>
           <a:bodyPr>
-            <a:normAutofit/>
+            <a:normAutofit fontScale="92500" lnSpcReduction="20000"/>
           </a:bodyPr>
           <a:lstStyle/>
           <a:p>
             <a:r>
-              <a:rPr lang="en-US" dirty="0"/>
-              <a:t>Minimum Euclidean </a:t>
-            </a:r>
-            <a:r>
-              <a:rPr lang="en-US" dirty="0" smtClean="0"/>
-              <a:t>Distance between</a:t>
-            </a:r>
-          </a:p>
-          <a:p>
-            <a:pPr marL="0" indent="0">
-              <a:buNone/>
-            </a:pPr>
+              <a:rPr lang="en-US" dirty="0" smtClean="0"/>
+              <a:t>Apply to time series, a </a:t>
+            </a:r>
+            <a:r>
+              <a:rPr lang="en-US" dirty="0" smtClean="0"/>
+              <a:t>homothetic transformation </a:t>
+            </a:r>
+            <a:r>
+              <a:rPr lang="en-US" dirty="0" smtClean="0"/>
+              <a:t>transforms </a:t>
+            </a:r>
+            <a:r>
+              <a:rPr lang="en-US" dirty="0"/>
+              <a:t>a time series </a:t>
+            </a:r>
             <a:r>
               <a:rPr lang="en-US" i="1" dirty="0"/>
-              <a:t>T’</a:t>
-            </a:r>
-            <a:r>
-              <a:rPr lang="en-US" dirty="0"/>
-              <a:t> = {</a:t>
+              <a:t>T</a:t>
+            </a:r>
+            <a:r>
+              <a:rPr lang="en-US" dirty="0"/>
+              <a:t> of length </a:t>
             </a:r>
             <a:r>
               <a:rPr lang="en-US" i="1" dirty="0"/>
-              <a:t>T’</a:t>
-            </a:r>
-            <a:r>
-              <a:rPr lang="en-US" i="1" baseline="-25000" dirty="0"/>
-              <a:t>1</a:t>
-            </a:r>
-            <a:r>
-              <a:rPr lang="en-US" dirty="0"/>
-              <a:t>, </a:t>
+              <a:t>n</a:t>
+            </a:r>
+            <a:r>
+              <a:rPr lang="en-US" dirty="0"/>
+              <a:t> </a:t>
             </a:r>
             <a:r>
               <a:rPr lang="en-US" i="1" dirty="0"/>
-              <a:t>T’</a:t>
-            </a:r>
-            <a:r>
-              <a:rPr lang="en-US" i="1" baseline="-25000" dirty="0"/>
-              <a:t>2</a:t>
-            </a:r>
-            <a:r>
-              <a:rPr lang="en-US" dirty="0"/>
-              <a:t>,…, </a:t>
+              <a:t>(T = {y1, y2, …, </a:t>
+            </a:r>
+            <a:r>
+              <a:rPr lang="en-US" i="1" dirty="0" err="1"/>
+              <a:t>yn</a:t>
+            </a:r>
+            <a:r>
+              <a:rPr lang="en-US" i="1" dirty="0"/>
+              <a:t>})</a:t>
+            </a:r>
+            <a:r>
+              <a:rPr lang="en-US" dirty="0"/>
+              <a:t> to time </a:t>
+            </a:r>
+            <a:r>
+              <a:rPr lang="en-US" dirty="0" smtClean="0"/>
+              <a:t>series  </a:t>
+            </a:r>
+            <a:r>
+              <a:rPr lang="en-US" i="1" dirty="0"/>
+              <a:t>T’ </a:t>
+            </a:r>
+            <a:r>
+              <a:rPr lang="en-US" dirty="0"/>
+              <a:t>of length  </a:t>
+            </a:r>
+            <a:r>
+              <a:rPr lang="en-US" i="1" dirty="0"/>
+              <a:t>n’ </a:t>
+            </a:r>
+            <a:r>
+              <a:rPr lang="en-US" dirty="0" smtClean="0"/>
+              <a:t>by performing </a:t>
+            </a:r>
+            <a:r>
+              <a:rPr lang="en-US" dirty="0"/>
+              <a:t>the following steps</a:t>
+            </a:r>
+            <a:r>
+              <a:rPr lang="en-US" dirty="0" smtClean="0"/>
+              <a:t>.</a:t>
+            </a:r>
+          </a:p>
+          <a:p>
+            <a:r>
+              <a:rPr lang="en-US" dirty="0" smtClean="0"/>
+              <a:t> </a:t>
+            </a:r>
+            <a:r>
+              <a:rPr lang="en-US" dirty="0"/>
+              <a:t>First, compute  </a:t>
+            </a:r>
+            <a:r>
+              <a:rPr lang="en-US" i="1" dirty="0"/>
+              <a:t>Y_MAX = </a:t>
             </a:r>
             <a:r>
               <a:rPr lang="en-US" i="1" dirty="0" smtClean="0"/>
-              <a:t>T’</a:t>
-            </a:r>
-            <a:r>
-              <a:rPr lang="en-US" i="1" baseline="-25000" dirty="0" smtClean="0"/>
-              <a:t>N’</a:t>
-            </a:r>
-            <a:r>
-              <a:rPr lang="en-US" dirty="0" smtClean="0"/>
-              <a:t>} </a:t>
-            </a:r>
-            <a:r>
-              <a:rPr lang="en-US" dirty="0"/>
-              <a:t>and </a:t>
+              <a:t>MAX </a:t>
             </a:r>
             <a:r>
               <a:rPr lang="en-US" i="1" dirty="0"/>
-              <a:t>Q’</a:t>
-            </a:r>
-            <a:r>
-              <a:rPr lang="en-US" dirty="0"/>
-              <a:t> = {</a:t>
+              <a:t>(y1, …, </a:t>
+            </a:r>
+            <a:r>
+              <a:rPr lang="en-US" i="1" dirty="0" err="1"/>
+              <a:t>yn</a:t>
             </a:r>
             <a:r>
               <a:rPr lang="en-US" i="1" dirty="0"/>
-              <a:t>Q’</a:t>
-            </a:r>
-            <a:r>
-              <a:rPr lang="en-US" i="1" baseline="-25000" dirty="0"/>
-              <a:t>1</a:t>
-            </a:r>
-            <a:r>
-              <a:rPr lang="en-US" dirty="0"/>
-              <a:t>, </a:t>
+              <a:t>), Y_MIN = MIN(y1, …,</a:t>
+            </a:r>
+            <a:r>
+              <a:rPr lang="en-US" i="1" dirty="0" err="1"/>
+              <a:t>yn</a:t>
             </a:r>
             <a:r>
               <a:rPr lang="en-US" i="1" dirty="0"/>
-              <a:t>Q’</a:t>
-            </a:r>
-            <a:r>
-              <a:rPr lang="en-US" i="1" baseline="-25000" dirty="0"/>
-              <a:t>2</a:t>
-            </a:r>
-            <a:r>
-              <a:rPr lang="en-US" dirty="0"/>
-              <a:t>,…, </a:t>
+              <a:t> ). </a:t>
+            </a:r>
+            <a:endParaRPr lang="en-US" i="1" dirty="0" smtClean="0"/>
+          </a:p>
+          <a:p>
+            <a:r>
+              <a:rPr lang="en-US" dirty="0" smtClean="0"/>
+              <a:t>Second</a:t>
+            </a:r>
+            <a:r>
+              <a:rPr lang="en-US" dirty="0"/>
+              <a:t>, set the center I of </a:t>
+            </a:r>
+            <a:r>
+              <a:rPr lang="en-US" dirty="0" smtClean="0"/>
+              <a:t>homothetic transformation </a:t>
+            </a:r>
+            <a:r>
+              <a:rPr lang="en-US" dirty="0"/>
+              <a:t>with </a:t>
+            </a:r>
+            <a:r>
+              <a:rPr lang="en-US" dirty="0" smtClean="0"/>
+              <a:t>the </a:t>
+            </a:r>
+            <a:r>
+              <a:rPr lang="en-US" dirty="0"/>
+              <a:t>coordinates  </a:t>
+            </a:r>
+            <a:r>
+              <a:rPr lang="en-US" i="1" dirty="0"/>
+              <a:t>X_C = n/2, Y_C =  (Y_MAX </a:t>
             </a:r>
             <a:r>
               <a:rPr lang="en-US" i="1" dirty="0" smtClean="0"/>
-              <a:t>Q’</a:t>
-            </a:r>
-            <a:r>
-              <a:rPr lang="en-US" i="1" baseline="-25000" dirty="0" smtClean="0"/>
-              <a:t>N’</a:t>
-            </a:r>
-            <a:r>
-              <a:rPr lang="en-US" dirty="0" smtClean="0"/>
-              <a:t>}</a:t>
-            </a:r>
-          </a:p>
-          <a:p>
-            <a:pPr marL="0" indent="0">
-              <a:buNone/>
-            </a:pPr>
-            <a:endParaRPr lang="en-US" dirty="0" smtClean="0"/>
-          </a:p>
-          <a:p>
-            <a:pPr marL="0" indent="0">
-              <a:buNone/>
-            </a:pPr>
-            <a:endParaRPr lang="en-US" dirty="0" smtClean="0"/>
-          </a:p>
-          <a:p>
-            <a:pPr marL="0" indent="0">
-              <a:buNone/>
-            </a:pPr>
-            <a:endParaRPr lang="en-US" dirty="0"/>
-          </a:p>
-          <a:p>
-            <a:pPr marL="0" indent="0">
-              <a:buNone/>
-            </a:pPr>
-            <a:endParaRPr lang="en-US" dirty="0" smtClean="0"/>
+              <a:t>+ Y_MIN</a:t>
+            </a:r>
+            <a:r>
+              <a:rPr lang="en-US" i="1" dirty="0"/>
+              <a:t>)/2</a:t>
+            </a:r>
+            <a:r>
+              <a:rPr lang="en-US" dirty="0"/>
+              <a:t>. Next, perform the </a:t>
+            </a:r>
+            <a:r>
+              <a:rPr lang="en-US" dirty="0" smtClean="0"/>
+              <a:t>homothetic transformation </a:t>
+            </a:r>
+            <a:r>
+              <a:rPr lang="en-US" dirty="0"/>
+              <a:t>with the center </a:t>
+            </a:r>
+            <a:r>
+              <a:rPr lang="en-US" i="1" dirty="0"/>
+              <a:t>I</a:t>
+            </a:r>
+            <a:r>
+              <a:rPr lang="en-US" dirty="0"/>
+              <a:t> and the ratio </a:t>
+            </a:r>
+            <a:r>
+              <a:rPr lang="en-US" i="1" dirty="0"/>
+              <a:t>n’/n</a:t>
+            </a:r>
           </a:p>
         </p:txBody>
       </p:sp>
@@ -5669,124 +5957,10 @@
           </a:p>
         </p:txBody>
       </p:sp>
-      <p:graphicFrame>
-        <p:nvGraphicFramePr>
-          <p:cNvPr id="5" name="Object 4"/>
-          <p:cNvGraphicFramePr>
-            <a:graphicFrameLocks noChangeAspect="1"/>
-          </p:cNvGraphicFramePr>
-          <p:nvPr>
-            <p:extLst>
-              <p:ext uri="{D42A27DB-BD31-4B8C-83A1-F6EECF244321}">
-                <p14:modId xmlns:p14="http://schemas.microsoft.com/office/powerpoint/2010/main" val="849813664"/>
-              </p:ext>
-            </p:extLst>
-          </p:nvPr>
-        </p:nvGraphicFramePr>
-        <p:xfrm>
-          <a:off x="1600200" y="2895600"/>
-          <a:ext cx="4162926" cy="914400"/>
-        </p:xfrm>
-        <a:graphic>
-          <a:graphicData uri="http://schemas.openxmlformats.org/presentationml/2006/ole">
-            <mc:AlternateContent xmlns:mc="http://schemas.openxmlformats.org/markup-compatibility/2006">
-              <mc:Choice xmlns:v="urn:schemas-microsoft-com:vml" Requires="v">
-                <p:oleObj spid="_x0000_s6274" name="Equation" r:id="rId3" imgW="2197080" imgH="482400" progId="Equation.3">
-                  <p:embed/>
-                </p:oleObj>
-              </mc:Choice>
-              <mc:Fallback>
-                <p:oleObj name="Equation" r:id="rId3" imgW="2197080" imgH="482400" progId="Equation.3">
-                  <p:embed/>
-                  <p:pic>
-                    <p:nvPicPr>
-                      <p:cNvPr id="0" name=""/>
-                      <p:cNvPicPr/>
-                      <p:nvPr/>
-                    </p:nvPicPr>
-                    <p:blipFill>
-                      <a:blip r:embed="rId4"/>
-                      <a:stretch>
-                        <a:fillRect/>
-                      </a:stretch>
-                    </p:blipFill>
-                    <p:spPr>
-                      <a:xfrm>
-                        <a:off x="1600200" y="2895600"/>
-                        <a:ext cx="4162926" cy="914400"/>
-                      </a:xfrm>
-                      <a:prstGeom prst="rect">
-                        <a:avLst/>
-                      </a:prstGeom>
-                    </p:spPr>
-                  </p:pic>
-                </p:oleObj>
-              </mc:Fallback>
-            </mc:AlternateContent>
-          </a:graphicData>
-        </a:graphic>
-      </p:graphicFrame>
-      <p:graphicFrame>
-        <p:nvGraphicFramePr>
-          <p:cNvPr id="6" name="Object 5"/>
-          <p:cNvGraphicFramePr>
-            <a:graphicFrameLocks noChangeAspect="1"/>
-          </p:cNvGraphicFramePr>
-          <p:nvPr>
-            <p:extLst>
-              <p:ext uri="{D42A27DB-BD31-4B8C-83A1-F6EECF244321}">
-                <p14:modId xmlns:p14="http://schemas.microsoft.com/office/powerpoint/2010/main" val="707594612"/>
-              </p:ext>
-            </p:extLst>
-          </p:nvPr>
-        </p:nvGraphicFramePr>
-        <p:xfrm>
-          <a:off x="1981200" y="3810000"/>
-          <a:ext cx="3106271" cy="1066800"/>
-        </p:xfrm>
-        <a:graphic>
-          <a:graphicData uri="http://schemas.openxmlformats.org/presentationml/2006/ole">
-            <mc:AlternateContent xmlns:mc="http://schemas.openxmlformats.org/markup-compatibility/2006">
-              <mc:Choice xmlns:v="urn:schemas-microsoft-com:vml" Requires="v">
-                <p:oleObj spid="_x0000_s6275" name="Equation" r:id="rId5" imgW="1257120" imgH="431640" progId="Equation.3">
-                  <p:embed/>
-                </p:oleObj>
-              </mc:Choice>
-              <mc:Fallback>
-                <p:oleObj name="Equation" r:id="rId5" imgW="1257120" imgH="431640" progId="Equation.3">
-                  <p:embed/>
-                  <p:pic>
-                    <p:nvPicPr>
-                      <p:cNvPr id="0" name=""/>
-                      <p:cNvPicPr/>
-                      <p:nvPr/>
-                    </p:nvPicPr>
-                    <p:blipFill>
-                      <a:blip r:embed="rId6"/>
-                      <a:stretch>
-                        <a:fillRect/>
-                      </a:stretch>
-                    </p:blipFill>
-                    <p:spPr>
-                      <a:xfrm>
-                        <a:off x="1981200" y="3810000"/>
-                        <a:ext cx="3106271" cy="1066800"/>
-                      </a:xfrm>
-                      <a:prstGeom prst="rect">
-                        <a:avLst/>
-                      </a:prstGeom>
-                    </p:spPr>
-                  </p:pic>
-                </p:oleObj>
-              </mc:Fallback>
-            </mc:AlternateContent>
-          </a:graphicData>
-        </a:graphic>
-      </p:graphicFrame>
     </p:spTree>
     <p:extLst>
       <p:ext uri="{BB962C8B-B14F-4D97-AF65-F5344CB8AC3E}">
-        <p14:creationId xmlns:p14="http://schemas.microsoft.com/office/powerpoint/2010/main" val="181969054"/>
+        <p14:creationId xmlns:p14="http://schemas.microsoft.com/office/powerpoint/2010/main" val="435722213"/>
       </p:ext>
     </p:extLst>
   </p:cSld>
@@ -5838,34 +6012,9 @@
           <a:lstStyle/>
           <a:p>
             <a:r>
-              <a:rPr lang="en-US" dirty="0" smtClean="0"/>
-              <a:t>Find </a:t>
-            </a:r>
-            <a:r>
-              <a:rPr lang="en-US" i="1" dirty="0" err="1" smtClean="0"/>
-              <a:t>l</a:t>
-            </a:r>
-            <a:r>
-              <a:rPr lang="en-US" i="1" baseline="-25000" dirty="0" err="1" smtClean="0"/>
-              <a:t>upper</a:t>
-            </a:r>
-            <a:r>
-              <a:rPr lang="en-US" i="1" baseline="30000" dirty="0"/>
-              <a:t> </a:t>
-            </a:r>
-            <a:r>
-              <a:rPr lang="en-US" i="1" dirty="0" smtClean="0"/>
-              <a:t>and </a:t>
-            </a:r>
-            <a:r>
-              <a:rPr lang="en-US" i="1" dirty="0" err="1"/>
-              <a:t>l</a:t>
-            </a:r>
-            <a:r>
-              <a:rPr lang="en-US" i="1" baseline="-25000" dirty="0" err="1"/>
-              <a:t>lower</a:t>
-            </a:r>
-            <a:endParaRPr lang="en-US" dirty="0"/>
+              <a:rPr lang="en-US" dirty="0"/>
+              <a:t>Modified Euclidean Distance</a:t>
+            </a:r>
           </a:p>
         </p:txBody>
       </p:sp>
@@ -5888,15 +6037,15 @@
           <a:p>
             <a:r>
               <a:rPr lang="en-US" dirty="0" smtClean="0"/>
-              <a:t>Propose parameter </a:t>
-            </a:r>
-            <a:r>
-              <a:rPr lang="en-US" i="1" dirty="0" smtClean="0"/>
-              <a:t>r</a:t>
-            </a:r>
-            <a:r>
-              <a:rPr lang="en-US" dirty="0" smtClean="0"/>
-              <a:t> </a:t>
+              <a:t>Minimum </a:t>
+            </a:r>
+            <a:r>
+              <a:rPr lang="en-US" dirty="0"/>
+              <a:t>Euclidean </a:t>
+            </a:r>
+            <a:r>
+              <a:rPr lang="en-US" dirty="0" smtClean="0"/>
+              <a:t>Distance between</a:t>
             </a:r>
           </a:p>
           <a:p>
@@ -5904,141 +6053,98 @@
               <a:buNone/>
             </a:pPr>
             <a:r>
+              <a:rPr lang="en-US" i="1" dirty="0"/>
+              <a:t>T’</a:t>
+            </a:r>
+            <a:r>
+              <a:rPr lang="en-US" dirty="0"/>
+              <a:t> = {</a:t>
+            </a:r>
+            <a:r>
+              <a:rPr lang="en-US" i="1" dirty="0"/>
+              <a:t>T’</a:t>
+            </a:r>
+            <a:r>
+              <a:rPr lang="en-US" i="1" baseline="-25000" dirty="0"/>
+              <a:t>1</a:t>
+            </a:r>
+            <a:r>
+              <a:rPr lang="en-US" dirty="0"/>
+              <a:t>, </a:t>
+            </a:r>
+            <a:r>
+              <a:rPr lang="en-US" i="1" dirty="0"/>
+              <a:t>T’</a:t>
+            </a:r>
+            <a:r>
+              <a:rPr lang="en-US" i="1" baseline="-25000" dirty="0"/>
+              <a:t>2</a:t>
+            </a:r>
+            <a:r>
+              <a:rPr lang="en-US" dirty="0"/>
+              <a:t>,…, </a:t>
+            </a:r>
+            <a:r>
               <a:rPr lang="en-US" i="1" dirty="0" smtClean="0"/>
-              <a:t>	</a:t>
-            </a:r>
-            <a:r>
-              <a:rPr lang="en-US" i="1" dirty="0" err="1" smtClean="0"/>
-              <a:t>l</a:t>
-            </a:r>
-            <a:r>
-              <a:rPr lang="en-US" i="1" baseline="-25000" dirty="0" err="1" smtClean="0"/>
-              <a:t>upper</a:t>
-            </a:r>
-            <a:r>
-              <a:rPr lang="en-US" dirty="0" smtClean="0"/>
-              <a:t> </a:t>
-            </a:r>
-            <a:r>
-              <a:rPr lang="en-US" dirty="0"/>
-              <a:t>= </a:t>
-            </a:r>
-            <a:r>
-              <a:rPr lang="en-US" dirty="0">
-                <a:sym typeface="Symbol"/>
-              </a:rPr>
-              <a:t></a:t>
-            </a:r>
-            <a:r>
-              <a:rPr lang="en-US" i="1" dirty="0" err="1"/>
-              <a:t>l</a:t>
-            </a:r>
-            <a:r>
-              <a:rPr lang="en-US" i="1" baseline="-25000" dirty="0" err="1"/>
-              <a:t>avg</a:t>
-            </a:r>
-            <a:r>
-              <a:rPr lang="en-US" dirty="0"/>
-              <a:t>(1+ </a:t>
+              <a:t>T’</a:t>
+            </a:r>
+            <a:r>
+              <a:rPr lang="en-US" i="1" baseline="-25000" dirty="0" smtClean="0"/>
+              <a:t>N</a:t>
+            </a:r>
+            <a:r>
+              <a:rPr lang="en-US" dirty="0" smtClean="0"/>
+              <a:t>} </a:t>
+            </a:r>
+            <a:r>
+              <a:rPr lang="en-US" dirty="0"/>
+              <a:t>and </a:t>
             </a:r>
             <a:r>
               <a:rPr lang="en-US" i="1" dirty="0"/>
-              <a:t>r</a:t>
-            </a:r>
-            <a:r>
-              <a:rPr lang="en-US" dirty="0"/>
-              <a:t>)</a:t>
-            </a:r>
-            <a:r>
-              <a:rPr lang="en-US" dirty="0">
-                <a:sym typeface="Symbol"/>
-              </a:rPr>
-              <a:t></a:t>
-            </a:r>
-            <a:r>
-              <a:rPr lang="en-US" dirty="0"/>
-              <a:t>                       </a:t>
-            </a:r>
-          </a:p>
-          <a:p>
-            <a:pPr marL="0" indent="0">
-              <a:buNone/>
-            </a:pPr>
-            <a:r>
-              <a:rPr lang="en-US" dirty="0"/>
-              <a:t>	</a:t>
-            </a:r>
-            <a:r>
-              <a:rPr lang="en-US" i="1" dirty="0" err="1"/>
-              <a:t>l</a:t>
-            </a:r>
-            <a:r>
-              <a:rPr lang="en-US" i="1" baseline="-25000" dirty="0" err="1"/>
-              <a:t>lower</a:t>
-            </a:r>
-            <a:r>
-              <a:rPr lang="en-US" dirty="0"/>
-              <a:t> = </a:t>
-            </a:r>
-            <a:r>
-              <a:rPr lang="en-US" dirty="0">
-                <a:sym typeface="Symbol"/>
-              </a:rPr>
-              <a:t></a:t>
-            </a:r>
-            <a:r>
-              <a:rPr lang="en-US" i="1" dirty="0" err="1"/>
-              <a:t>l</a:t>
-            </a:r>
-            <a:r>
-              <a:rPr lang="en-US" i="1" baseline="-25000" dirty="0" err="1"/>
-              <a:t>avg</a:t>
-            </a:r>
-            <a:r>
-              <a:rPr lang="en-US" dirty="0"/>
-              <a:t>(1- </a:t>
+              <a:t>Q’</a:t>
+            </a:r>
+            <a:r>
+              <a:rPr lang="en-US" dirty="0"/>
+              <a:t> = {</a:t>
             </a:r>
             <a:r>
               <a:rPr lang="en-US" i="1" dirty="0"/>
-              <a:t>r</a:t>
-            </a:r>
-            <a:r>
-              <a:rPr lang="en-US" dirty="0"/>
-              <a:t>)</a:t>
-            </a:r>
-            <a:r>
-              <a:rPr lang="en-US" dirty="0">
-                <a:sym typeface="Symbol"/>
-              </a:rPr>
-              <a:t></a:t>
-            </a:r>
-          </a:p>
-          <a:p>
-            <a:pPr marL="0" indent="0">
-              <a:buNone/>
-            </a:pPr>
-            <a:r>
-              <a:rPr lang="en-US" dirty="0">
-                <a:sym typeface="Symbol"/>
-              </a:rPr>
-              <a:t>	</a:t>
-            </a:r>
-            <a:r>
-              <a:rPr lang="en-US" i="1" dirty="0" err="1"/>
-              <a:t>l</a:t>
-            </a:r>
-            <a:r>
-              <a:rPr lang="en-US" i="1" baseline="-25000" dirty="0" err="1"/>
-              <a:t>avg</a:t>
+              <a:t>Q’</a:t>
+            </a:r>
+            <a:r>
+              <a:rPr lang="en-US" i="1" baseline="-25000" dirty="0"/>
+              <a:t>1</a:t>
+            </a:r>
+            <a:r>
+              <a:rPr lang="en-US" dirty="0"/>
+              <a:t>, </a:t>
             </a:r>
             <a:r>
               <a:rPr lang="en-US" i="1" dirty="0"/>
-              <a:t> </a:t>
-            </a:r>
-            <a:r>
-              <a:rPr lang="en-US" dirty="0"/>
-              <a:t>is mean length of the subsequences.</a:t>
-            </a:r>
+              <a:t>Q’</a:t>
+            </a:r>
+            <a:r>
+              <a:rPr lang="en-US" i="1" baseline="-25000" dirty="0"/>
+              <a:t>2</a:t>
+            </a:r>
+            <a:r>
+              <a:rPr lang="en-US" dirty="0"/>
+              <a:t>,…, </a:t>
+            </a:r>
+            <a:r>
+              <a:rPr lang="en-US" i="1" dirty="0" smtClean="0"/>
+              <a:t>Q’</a:t>
+            </a:r>
+            <a:r>
+              <a:rPr lang="en-US" i="1" baseline="-25000" dirty="0" smtClean="0"/>
+              <a:t>N</a:t>
+            </a:r>
+            <a:r>
+              <a:rPr lang="en-US" dirty="0" smtClean="0"/>
+              <a:t>}</a:t>
+            </a:r>
+            <a:endParaRPr lang="en-US" dirty="0" smtClean="0"/>
           </a:p>
           <a:p>
             <a:pPr marL="0" indent="0">
@@ -6047,88 +6153,10 @@
             <a:endParaRPr lang="en-US" dirty="0" smtClean="0"/>
           </a:p>
           <a:p>
-            <a:r>
-              <a:rPr lang="en-US" dirty="0" err="1" smtClean="0"/>
-              <a:t>Leng</a:t>
-            </a:r>
-            <a:r>
-              <a:rPr lang="en-US" dirty="0" smtClean="0"/>
-              <a:t> et al </a:t>
-            </a:r>
-            <a:r>
-              <a:rPr lang="en-US" dirty="0" err="1" smtClean="0"/>
-              <a:t>choosed</a:t>
-            </a:r>
-            <a:r>
-              <a:rPr lang="en-US" dirty="0" smtClean="0"/>
-              <a:t> </a:t>
-            </a:r>
-            <a:r>
-              <a:rPr lang="en-US" i="1" dirty="0" err="1" smtClean="0"/>
-              <a:t>l</a:t>
-            </a:r>
-            <a:r>
-              <a:rPr lang="en-US" i="1" baseline="-25000" dirty="0" err="1" smtClean="0"/>
-              <a:t>upper</a:t>
-            </a:r>
-            <a:r>
-              <a:rPr lang="en-US" i="1" dirty="0" smtClean="0"/>
-              <a:t> = </a:t>
-            </a:r>
-            <a:r>
-              <a:rPr lang="en-US" i="1" dirty="0" err="1" smtClean="0"/>
-              <a:t>l</a:t>
-            </a:r>
-            <a:r>
-              <a:rPr lang="en-US" i="1" baseline="-25000" dirty="0" err="1" smtClean="0"/>
-              <a:t>max</a:t>
-            </a:r>
-            <a:r>
-              <a:rPr lang="en-US" i="1" dirty="0"/>
-              <a:t> </a:t>
-            </a:r>
-            <a:r>
-              <a:rPr lang="en-US" i="1" dirty="0" smtClean="0"/>
-              <a:t>and </a:t>
-            </a:r>
-            <a:r>
-              <a:rPr lang="en-US" i="1" dirty="0" err="1" smtClean="0"/>
-              <a:t>l</a:t>
-            </a:r>
-            <a:r>
-              <a:rPr lang="en-US" i="1" baseline="-25000" dirty="0" err="1" smtClean="0"/>
-              <a:t>lower</a:t>
-            </a:r>
-            <a:r>
-              <a:rPr lang="en-US" i="1" dirty="0"/>
-              <a:t> </a:t>
-            </a:r>
-            <a:r>
-              <a:rPr lang="en-US" i="1" dirty="0" smtClean="0"/>
-              <a:t>= </a:t>
-            </a:r>
-            <a:r>
-              <a:rPr lang="en-US" i="1" dirty="0" err="1" smtClean="0"/>
-              <a:t>l</a:t>
-            </a:r>
-            <a:r>
-              <a:rPr lang="en-US" i="1" baseline="-25000" dirty="0" err="1" smtClean="0"/>
-              <a:t>min</a:t>
-            </a:r>
-            <a:r>
-              <a:rPr lang="en-US" i="1" dirty="0" smtClean="0"/>
-              <a:t> </a:t>
-            </a:r>
-            <a:endParaRPr lang="en-US" dirty="0" smtClean="0"/>
-          </a:p>
-          <a:p>
             <a:pPr marL="0" indent="0">
               <a:buNone/>
             </a:pPr>
-            <a:r>
-              <a:rPr lang="en-US" dirty="0"/>
-              <a:t>	</a:t>
-            </a:r>
+            <a:endParaRPr lang="en-US" dirty="0" smtClean="0"/>
           </a:p>
           <a:p>
             <a:pPr marL="0" indent="0">
@@ -6136,6 +6164,12 @@
             </a:pPr>
             <a:endParaRPr lang="en-US" dirty="0"/>
           </a:p>
+          <a:p>
+            <a:pPr marL="0" indent="0">
+              <a:buNone/>
+            </a:pPr>
+            <a:endParaRPr lang="en-US" dirty="0" smtClean="0"/>
+          </a:p>
         </p:txBody>
       </p:sp>
       <p:sp>
@@ -6161,10 +6195,238 @@
           </a:p>
         </p:txBody>
       </p:sp>
+      <p:graphicFrame>
+        <p:nvGraphicFramePr>
+          <p:cNvPr id="5" name="Object 4"/>
+          <p:cNvGraphicFramePr>
+            <a:graphicFrameLocks noChangeAspect="1"/>
+          </p:cNvGraphicFramePr>
+          <p:nvPr>
+            <p:extLst>
+              <p:ext uri="{D42A27DB-BD31-4B8C-83A1-F6EECF244321}">
+                <p14:modId xmlns:p14="http://schemas.microsoft.com/office/powerpoint/2010/main" val="4239237310"/>
+              </p:ext>
+            </p:extLst>
+          </p:nvPr>
+        </p:nvGraphicFramePr>
+        <p:xfrm>
+          <a:off x="1589088" y="2895600"/>
+          <a:ext cx="4186237" cy="914400"/>
+        </p:xfrm>
+        <a:graphic>
+          <a:graphicData uri="http://schemas.openxmlformats.org/presentationml/2006/ole">
+            <mc:AlternateContent xmlns:mc="http://schemas.openxmlformats.org/markup-compatibility/2006">
+              <mc:Choice xmlns:v="urn:schemas-microsoft-com:vml" Requires="v">
+                <p:oleObj spid="_x0000_s6336" name="Equation" r:id="rId3" imgW="2209680" imgH="482400" progId="Equation.3">
+                  <p:embed/>
+                </p:oleObj>
+              </mc:Choice>
+              <mc:Fallback>
+                <p:oleObj name="Equation" r:id="rId3" imgW="2209680" imgH="482400" progId="Equation.3">
+                  <p:embed/>
+                  <p:pic>
+                    <p:nvPicPr>
+                      <p:cNvPr id="0" name=""/>
+                      <p:cNvPicPr/>
+                      <p:nvPr/>
+                    </p:nvPicPr>
+                    <p:blipFill>
+                      <a:blip r:embed="rId4"/>
+                      <a:stretch>
+                        <a:fillRect/>
+                      </a:stretch>
+                    </p:blipFill>
+                    <p:spPr>
+                      <a:xfrm>
+                        <a:off x="1589088" y="2895600"/>
+                        <a:ext cx="4186237" cy="914400"/>
+                      </a:xfrm>
+                      <a:prstGeom prst="rect">
+                        <a:avLst/>
+                      </a:prstGeom>
+                    </p:spPr>
+                  </p:pic>
+                </p:oleObj>
+              </mc:Fallback>
+            </mc:AlternateContent>
+          </a:graphicData>
+        </a:graphic>
+      </p:graphicFrame>
+      <p:graphicFrame>
+        <p:nvGraphicFramePr>
+          <p:cNvPr id="6" name="Object 5"/>
+          <p:cNvGraphicFramePr>
+            <a:graphicFrameLocks noChangeAspect="1"/>
+          </p:cNvGraphicFramePr>
+          <p:nvPr>
+            <p:extLst>
+              <p:ext uri="{D42A27DB-BD31-4B8C-83A1-F6EECF244321}">
+                <p14:modId xmlns:p14="http://schemas.microsoft.com/office/powerpoint/2010/main" val="1219773907"/>
+              </p:ext>
+            </p:extLst>
+          </p:nvPr>
+        </p:nvGraphicFramePr>
+        <p:xfrm>
+          <a:off x="2027238" y="3810000"/>
+          <a:ext cx="3013075" cy="1066800"/>
+        </p:xfrm>
+        <a:graphic>
+          <a:graphicData uri="http://schemas.openxmlformats.org/presentationml/2006/ole">
+            <mc:AlternateContent xmlns:mc="http://schemas.openxmlformats.org/markup-compatibility/2006">
+              <mc:Choice xmlns:v="urn:schemas-microsoft-com:vml" Requires="v">
+                <p:oleObj spid="_x0000_s6337" name="Equation" r:id="rId5" imgW="1218960" imgH="431640" progId="Equation.3">
+                  <p:embed/>
+                </p:oleObj>
+              </mc:Choice>
+              <mc:Fallback>
+                <p:oleObj name="Equation" r:id="rId5" imgW="1218960" imgH="431640" progId="Equation.3">
+                  <p:embed/>
+                  <p:pic>
+                    <p:nvPicPr>
+                      <p:cNvPr id="0" name=""/>
+                      <p:cNvPicPr/>
+                      <p:nvPr/>
+                    </p:nvPicPr>
+                    <p:blipFill>
+                      <a:blip r:embed="rId6"/>
+                      <a:stretch>
+                        <a:fillRect/>
+                      </a:stretch>
+                    </p:blipFill>
+                    <p:spPr>
+                      <a:xfrm>
+                        <a:off x="2027238" y="3810000"/>
+                        <a:ext cx="3013075" cy="1066800"/>
+                      </a:xfrm>
+                      <a:prstGeom prst="rect">
+                        <a:avLst/>
+                      </a:prstGeom>
+                    </p:spPr>
+                  </p:pic>
+                </p:oleObj>
+              </mc:Fallback>
+            </mc:AlternateContent>
+          </a:graphicData>
+        </a:graphic>
+      </p:graphicFrame>
+      <p:graphicFrame>
+        <p:nvGraphicFramePr>
+          <p:cNvPr id="7" name="Object 6"/>
+          <p:cNvGraphicFramePr>
+            <a:graphicFrameLocks noChangeAspect="1"/>
+          </p:cNvGraphicFramePr>
+          <p:nvPr>
+            <p:extLst>
+              <p:ext uri="{D42A27DB-BD31-4B8C-83A1-F6EECF244321}">
+                <p14:modId xmlns:p14="http://schemas.microsoft.com/office/powerpoint/2010/main" val="2158430000"/>
+              </p:ext>
+            </p:extLst>
+          </p:nvPr>
+        </p:nvGraphicFramePr>
+        <p:xfrm>
+          <a:off x="4114800" y="2463800"/>
+          <a:ext cx="914400" cy="198438"/>
+        </p:xfrm>
+        <a:graphic>
+          <a:graphicData uri="http://schemas.openxmlformats.org/presentationml/2006/ole">
+            <mc:AlternateContent xmlns:mc="http://schemas.openxmlformats.org/markup-compatibility/2006">
+              <mc:Choice xmlns:v="urn:schemas-microsoft-com:vml" Requires="v">
+                <p:oleObj spid="_x0000_s6338" name="Equation" r:id="rId7" imgW="914400" imgH="198720" progId="Equation.DSMT4">
+                  <p:embed/>
+                </p:oleObj>
+              </mc:Choice>
+              <mc:Fallback>
+                <p:oleObj name="Equation" r:id="rId7" imgW="914400" imgH="198720" progId="Equation.DSMT4">
+                  <p:embed/>
+                  <p:pic>
+                    <p:nvPicPr>
+                      <p:cNvPr id="0" name=""/>
+                      <p:cNvPicPr/>
+                      <p:nvPr/>
+                    </p:nvPicPr>
+                    <p:blipFill>
+                      <a:blip r:embed="rId8"/>
+                      <a:stretch>
+                        <a:fillRect/>
+                      </a:stretch>
+                    </p:blipFill>
+                    <p:spPr>
+                      <a:xfrm>
+                        <a:off x="4114800" y="2463800"/>
+                        <a:ext cx="914400" cy="198438"/>
+                      </a:xfrm>
+                      <a:prstGeom prst="rect">
+                        <a:avLst/>
+                      </a:prstGeom>
+                    </p:spPr>
+                  </p:pic>
+                </p:oleObj>
+              </mc:Fallback>
+            </mc:AlternateContent>
+          </a:graphicData>
+        </a:graphic>
+      </p:graphicFrame>
+      <p:graphicFrame>
+        <p:nvGraphicFramePr>
+          <p:cNvPr id="8" name="Object 7"/>
+          <p:cNvGraphicFramePr>
+            <a:graphicFrameLocks noChangeAspect="1"/>
+          </p:cNvGraphicFramePr>
+          <p:nvPr>
+            <p:extLst>
+              <p:ext uri="{D42A27DB-BD31-4B8C-83A1-F6EECF244321}">
+                <p14:modId xmlns:p14="http://schemas.microsoft.com/office/powerpoint/2010/main" val="2769003036"/>
+              </p:ext>
+            </p:extLst>
+          </p:nvPr>
+        </p:nvGraphicFramePr>
+        <p:xfrm>
+          <a:off x="4114800" y="2463800"/>
+          <a:ext cx="914400" cy="198438"/>
+        </p:xfrm>
+        <a:graphic>
+          <a:graphicData uri="http://schemas.openxmlformats.org/presentationml/2006/ole">
+            <mc:AlternateContent xmlns:mc="http://schemas.openxmlformats.org/markup-compatibility/2006">
+              <mc:Choice xmlns:v="urn:schemas-microsoft-com:vml" Requires="v">
+                <p:oleObj spid="_x0000_s6339" name="Equation" r:id="rId9" imgW="914400" imgH="198720" progId="Equation.DSMT4">
+                  <p:embed/>
+                </p:oleObj>
+              </mc:Choice>
+              <mc:Fallback>
+                <p:oleObj name="Equation" r:id="rId9" imgW="914400" imgH="198720" progId="Equation.DSMT4">
+                  <p:embed/>
+                  <p:pic>
+                    <p:nvPicPr>
+                      <p:cNvPr id="0" name=""/>
+                      <p:cNvPicPr/>
+                      <p:nvPr/>
+                    </p:nvPicPr>
+                    <p:blipFill>
+                      <a:blip r:embed="rId8"/>
+                      <a:stretch>
+                        <a:fillRect/>
+                      </a:stretch>
+                    </p:blipFill>
+                    <p:spPr>
+                      <a:xfrm>
+                        <a:off x="4114800" y="2463800"/>
+                        <a:ext cx="914400" cy="198438"/>
+                      </a:xfrm>
+                      <a:prstGeom prst="rect">
+                        <a:avLst/>
+                      </a:prstGeom>
+                    </p:spPr>
+                  </p:pic>
+                </p:oleObj>
+              </mc:Fallback>
+            </mc:AlternateContent>
+          </a:graphicData>
+        </a:graphic>
+      </p:graphicFrame>
     </p:spTree>
     <p:extLst>
       <p:ext uri="{BB962C8B-B14F-4D97-AF65-F5344CB8AC3E}">
-        <p14:creationId xmlns:p14="http://schemas.microsoft.com/office/powerpoint/2010/main" val="2580562023"/>
+        <p14:creationId xmlns:p14="http://schemas.microsoft.com/office/powerpoint/2010/main" val="181969054"/>
       </p:ext>
     </p:extLst>
   </p:cSld>
@@ -6708,14 +6970,35 @@
         <p:spPr/>
         <p:txBody>
           <a:bodyPr>
-            <a:normAutofit fontScale="92500" lnSpcReduction="20000"/>
+            <a:normAutofit fontScale="85000" lnSpcReduction="10000"/>
           </a:bodyPr>
           <a:lstStyle/>
           <a:p>
             <a:r>
               <a:rPr lang="en-US" dirty="0" smtClean="0"/>
-              <a:t>Use 8 time series in diverse domains:</a:t>
-            </a:r>
+              <a:t>Use 8 time series in diverse </a:t>
+            </a:r>
+            <a:r>
+              <a:rPr lang="en-US" dirty="0" smtClean="0"/>
+              <a:t>domains </a:t>
+            </a:r>
+            <a:r>
+              <a:rPr lang="en-US" dirty="0"/>
+              <a:t>from the UCR Time Series </a:t>
+            </a:r>
+            <a:r>
+              <a:rPr lang="en-US" dirty="0" smtClean="0"/>
+              <a:t>Data Mining </a:t>
+            </a:r>
+            <a:r>
+              <a:rPr lang="en-US" dirty="0"/>
+              <a:t>Archive for discord discovery</a:t>
+            </a:r>
+            <a:r>
+              <a:rPr lang="en-US" dirty="0" smtClean="0"/>
+              <a:t>:</a:t>
+            </a:r>
+            <a:endParaRPr lang="en-US" dirty="0" smtClean="0"/>
           </a:p>
           <a:p>
             <a:pPr marL="0" indent="0">
@@ -7141,15 +7424,50 @@
           </a:p>
         </p:txBody>
       </p:sp>
+      <p:sp>
+        <p:nvSpPr>
+          <p:cNvPr id="3" name="Content Placeholder 2"/>
+          <p:cNvSpPr>
+            <a:spLocks noGrp="1"/>
+          </p:cNvSpPr>
+          <p:nvPr>
+            <p:ph idx="1"/>
+          </p:nvPr>
+        </p:nvSpPr>
+        <p:spPr/>
+        <p:txBody>
+          <a:bodyPr/>
+          <a:lstStyle/>
+          <a:p>
+            <a:endParaRPr lang="en-US" dirty="0" smtClean="0"/>
+          </a:p>
+          <a:p>
+            <a:endParaRPr lang="en-US" dirty="0"/>
+          </a:p>
+          <a:p>
+            <a:endParaRPr lang="en-US" dirty="0" smtClean="0"/>
+          </a:p>
+          <a:p>
+            <a:endParaRPr lang="en-US" dirty="0"/>
+          </a:p>
+          <a:p>
+            <a:endParaRPr lang="en-US" dirty="0" smtClean="0"/>
+          </a:p>
+          <a:p>
+            <a:endParaRPr lang="en-US" dirty="0"/>
+          </a:p>
+          <a:p>
+            <a:endParaRPr lang="en-US" dirty="0"/>
+          </a:p>
+        </p:txBody>
+      </p:sp>
       <p:pic>
         <p:nvPicPr>
-          <p:cNvPr id="10242" name="Picture 2"/>
+          <p:cNvPr id="12290" name="Picture 2"/>
           <p:cNvPicPr>
-            <a:picLocks noGrp="1" noChangeAspect="1" noChangeArrowheads="1"/>
+            <a:picLocks noChangeAspect="1" noChangeArrowheads="1"/>
           </p:cNvPicPr>
-          <p:nvPr>
-            <p:ph idx="1"/>
-          </p:nvPr>
+          <p:nvPr/>
         </p:nvPicPr>
         <p:blipFill>
           <a:blip r:embed="rId2">
@@ -7166,8 +7484,8 @@
         </p:blipFill>
         <p:spPr bwMode="auto">
           <a:xfrm>
-            <a:off x="909126" y="1948389"/>
-            <a:ext cx="7325747" cy="3829584"/>
+            <a:off x="762000" y="1828800"/>
+            <a:ext cx="7313825" cy="3429000"/>
           </a:xfrm>
           <a:prstGeom prst="rect">
             <a:avLst/>
@@ -7818,7 +8136,25 @@
           <a:bodyPr/>
           <a:lstStyle/>
           <a:p>
-            <a:endParaRPr lang="en-US"/>
+            <a:endParaRPr lang="en-US" dirty="0" smtClean="0"/>
+          </a:p>
+          <a:p>
+            <a:endParaRPr lang="en-US" dirty="0"/>
+          </a:p>
+          <a:p>
+            <a:endParaRPr lang="en-US" dirty="0" smtClean="0"/>
+          </a:p>
+          <a:p>
+            <a:endParaRPr lang="en-US" dirty="0"/>
+          </a:p>
+          <a:p>
+            <a:endParaRPr lang="en-US" dirty="0" smtClean="0"/>
+          </a:p>
+          <a:p>
+            <a:endParaRPr lang="en-US" dirty="0"/>
+          </a:p>
+          <a:p>
+            <a:endParaRPr lang="en-US" dirty="0"/>
           </a:p>
         </p:txBody>
       </p:sp>
@@ -7969,18 +8305,75 @@
           </a:p>
         </p:txBody>
       </p:sp>
+      <p:sp>
+        <p:nvSpPr>
+          <p:cNvPr id="3" name="Content Placeholder 2"/>
+          <p:cNvSpPr>
+            <a:spLocks noGrp="1"/>
+          </p:cNvSpPr>
+          <p:nvPr>
+            <p:ph idx="1"/>
+          </p:nvPr>
+        </p:nvSpPr>
+        <p:spPr/>
+        <p:txBody>
+          <a:bodyPr>
+            <a:normAutofit lnSpcReduction="10000"/>
+          </a:bodyPr>
+          <a:lstStyle/>
+          <a:p>
+            <a:endParaRPr lang="en-US" dirty="0" smtClean="0"/>
+          </a:p>
+          <a:p>
+            <a:endParaRPr lang="en-US" dirty="0" smtClean="0"/>
+          </a:p>
+          <a:p>
+            <a:endParaRPr lang="en-US" dirty="0"/>
+          </a:p>
+          <a:p>
+            <a:endParaRPr lang="en-US" dirty="0" smtClean="0"/>
+          </a:p>
+          <a:p>
+            <a:endParaRPr lang="en-US" dirty="0"/>
+          </a:p>
+          <a:p>
+            <a:endParaRPr lang="en-US" dirty="0" smtClean="0"/>
+          </a:p>
+          <a:p>
+            <a:r>
+              <a:rPr lang="en-US" dirty="0"/>
+              <a:t>The </a:t>
+            </a:r>
+            <a:r>
+              <a:rPr lang="en-US" dirty="0" smtClean="0"/>
+              <a:t>speedup: from </a:t>
+            </a:r>
+            <a:r>
+              <a:rPr lang="en-US" dirty="0"/>
+              <a:t>4 (dataset Memory) to 97 times (dataset </a:t>
+            </a:r>
+            <a:r>
+              <a:rPr lang="en-US" dirty="0" smtClean="0"/>
+              <a:t>Stock20), average </a:t>
+            </a:r>
+            <a:r>
+              <a:rPr lang="en-US" dirty="0"/>
+              <a:t>33.6.</a:t>
+            </a:r>
+            <a:endParaRPr lang="en-US" dirty="0"/>
+          </a:p>
+        </p:txBody>
+      </p:sp>
       <p:pic>
         <p:nvPicPr>
-          <p:cNvPr id="13314" name="Picture 2"/>
+          <p:cNvPr id="5" name="Picture 2"/>
           <p:cNvPicPr>
-            <a:picLocks noGrp="1" noChangeAspect="1" noChangeArrowheads="1"/>
+            <a:picLocks noChangeAspect="1" noChangeArrowheads="1"/>
           </p:cNvPicPr>
-          <p:nvPr>
-            <p:ph idx="1"/>
-          </p:nvPr>
+          <p:nvPr/>
         </p:nvPicPr>
         <p:blipFill>
-          <a:blip r:embed="rId2">
+          <a:blip r:embed="rId3">
             <a:extLst>
               <a:ext uri="{28A0092B-C50C-407E-A947-70E740481C1C}">
                 <a14:useLocalDpi xmlns:a14="http://schemas.microsoft.com/office/drawing/2010/main" val="0"/>
@@ -7994,8 +8387,8 @@
         </p:blipFill>
         <p:spPr bwMode="auto">
           <a:xfrm>
-            <a:off x="228600" y="1752600"/>
-            <a:ext cx="8295542" cy="3886200"/>
+            <a:off x="761999" y="1447800"/>
+            <a:ext cx="7439025" cy="3438525"/>
           </a:xfrm>
           <a:prstGeom prst="rect">
             <a:avLst/>
@@ -8243,7 +8636,7 @@
             </a:r>
             <a:r>
               <a:rPr lang="en-US" dirty="0" smtClean="0"/>
-              <a:t>segmentation.</a:t>
+              <a:t>segmentation Which is easy to find suitable parameters</a:t>
             </a:r>
             <a:endParaRPr lang="en-US" dirty="0"/>
           </a:p>
@@ -8374,66 +8767,18 @@
         </p:spPr>
         <p:txBody>
           <a:bodyPr>
-            <a:normAutofit fontScale="40000" lnSpcReduction="20000"/>
+            <a:normAutofit fontScale="77500" lnSpcReduction="20000"/>
           </a:bodyPr>
           <a:lstStyle/>
           <a:p>
             <a:pPr lvl="0"/>
             <a:r>
+              <a:rPr lang="en-US" sz="2700" dirty="0" smtClean="0"/>
+              <a:t>E</a:t>
+            </a:r>
+            <a:r>
               <a:rPr lang="en-US" sz="2700" dirty="0"/>
-              <a:t>D. Berndt, J. Clifford, “Finding patterns in time series: a dynamic programming approach”, Journal of Advances in Knowledge Discovery and Data Mining, AAA/MIT Press, Menlo Park, CA, pp. 229-248, 1996.</a:t>
-            </a:r>
-          </a:p>
-          <a:p>
-            <a:pPr lvl="0"/>
-            <a:r>
-              <a:rPr lang="en-US" sz="2700" dirty="0"/>
-              <a:t>Y. Bu, T.W. Leung, A. Fu, E. Keogh, J. Pei, and S. </a:t>
-            </a:r>
-            <a:r>
-              <a:rPr lang="en-US" sz="2700" dirty="0" err="1"/>
-              <a:t>Meshkin</a:t>
-            </a:r>
-            <a:r>
-              <a:rPr lang="en-US" sz="2700" dirty="0"/>
-              <a:t>, “WAT: Finding top-K discords in time series database”, Proceedings of the 2007 SIAM International Conference on Data Mining (SDM'07), Minneapolis, MN, USA, April 26-28, 2007.</a:t>
-            </a:r>
-          </a:p>
-          <a:p>
-            <a:pPr lvl="0"/>
-            <a:r>
-              <a:rPr lang="en-US" sz="2700" dirty="0"/>
-              <a:t>V. T. </a:t>
-            </a:r>
-            <a:r>
-              <a:rPr lang="en-US" sz="2700" dirty="0" err="1"/>
-              <a:t>Huy</a:t>
-            </a:r>
-            <a:r>
-              <a:rPr lang="en-US" sz="2700" dirty="0"/>
-              <a:t>, “Anytime k-</a:t>
-            </a:r>
-            <a:r>
-              <a:rPr lang="en-US" sz="2700" dirty="0" err="1"/>
-              <a:t>medoids</a:t>
-            </a:r>
-            <a:r>
-              <a:rPr lang="en-US" sz="2700" dirty="0"/>
-              <a:t> clustering of time series under dynamic time warping using an approximation technique”, Master Thesis, Faculty of Computer Science and Engineering, Ho Chi Minh City University of Technology, Vietnam, 2015.</a:t>
-            </a:r>
-          </a:p>
-          <a:p>
-            <a:pPr lvl="0"/>
-            <a:r>
-              <a:rPr lang="en-US" sz="2700" dirty="0"/>
-              <a:t>E. Keogh, “Exact indexing of dynamic time warping”, Proceedings of 28th International Conference on Very Large Data Bases , Hong Kong,  pp. 406-417, 2002.</a:t>
-            </a:r>
-          </a:p>
-          <a:p>
-            <a:pPr lvl="0"/>
-            <a:r>
-              <a:rPr lang="en-US" sz="2700" dirty="0"/>
-              <a:t>E. Keogh, J. Lin, and A. Fu, “HOT SAX: efficiently finding the most unusual time series subsequence”, Proc. of 5th  ICDM, Houston, Texas, pp. 226–233, 2005.</a:t>
+              <a:t>. Keogh, J. Lin, and A. Fu, “HOT SAX: efficiently finding the most unusual time series subsequence”, Proc. of 5th  ICDM, Houston, Texas, pp. 226–233, 2005.</a:t>
             </a:r>
           </a:p>
           <a:p>
@@ -8446,46 +8791,12 @@
           <a:p>
             <a:pPr lvl="0"/>
             <a:r>
+              <a:rPr lang="en-US" sz="2700" dirty="0" smtClean="0"/>
+              <a:t>M</a:t>
+            </a:r>
+            <a:r>
               <a:rPr lang="en-US" sz="2700" dirty="0"/>
-              <a:t>N.H. </a:t>
-            </a:r>
-            <a:r>
-              <a:rPr lang="en-US" sz="2700" dirty="0" err="1"/>
-              <a:t>Kha</a:t>
-            </a:r>
-            <a:r>
-              <a:rPr lang="en-US" sz="2700" dirty="0"/>
-              <a:t>  and D. T. Anh,  “From cluster-based outlier detection to time series discord discovery”, In: Trends and Applications in Knowledge Discovery and Data Mining – PAKDD 2015 Workshops: </a:t>
-            </a:r>
-            <a:r>
-              <a:rPr lang="en-US" sz="2700" dirty="0" err="1"/>
-              <a:t>Big_PMA</a:t>
-            </a:r>
-            <a:r>
-              <a:rPr lang="en-US" sz="2700" dirty="0"/>
-              <a:t>, VLSP, QIMIE, BAEBH, Ho Chi Minh City, Vietnam, May 19-21, X. L. Li et al. (Eds.), LNAI 9441, Springer, pp. 16-28,  2015.</a:t>
-            </a:r>
-          </a:p>
-          <a:p>
-            <a:pPr lvl="0"/>
-            <a:r>
-              <a:rPr lang="en-US" sz="2700" dirty="0"/>
-              <a:t>D. </a:t>
-            </a:r>
-            <a:r>
-              <a:rPr lang="en-US" sz="2700" dirty="0" err="1"/>
-              <a:t>Lemire</a:t>
-            </a:r>
-            <a:r>
-              <a:rPr lang="en-US" sz="2700" dirty="0"/>
-              <a:t>,   “Faster retrieval with a two-pass dynamic-time-warping lower bound”, Pattern Recognition, vol. 42, no. 9, pp. 2169-2180, 2009.</a:t>
-            </a:r>
-          </a:p>
-          <a:p>
-            <a:pPr lvl="0"/>
-            <a:r>
-              <a:rPr lang="en-US" sz="2700" dirty="0"/>
-              <a:t>M. </a:t>
+              <a:t>. </a:t>
             </a:r>
             <a:r>
               <a:rPr lang="en-US" sz="2700" dirty="0" err="1"/>
@@ -8499,54 +8810,12 @@
           <a:p>
             <a:pPr lvl="0"/>
             <a:r>
+              <a:rPr lang="en-US" sz="2700" dirty="0" smtClean="0"/>
+              <a:t>K</a:t>
+            </a:r>
+            <a:r>
               <a:rPr lang="en-US" sz="2700" dirty="0"/>
-              <a:t>G. Li, O. </a:t>
-            </a:r>
-            <a:r>
-              <a:rPr lang="en-US" sz="2700" dirty="0" err="1"/>
-              <a:t>Braysy</a:t>
-            </a:r>
-            <a:r>
-              <a:rPr lang="en-US" sz="2700" dirty="0"/>
-              <a:t>, L. Jiang, Z. Wu, Y. Wang, “Finding time series discord based on bit representation clustering”, Knowledge-Based Systems, vol.52, pp. 243-254, 2013.</a:t>
-            </a:r>
-          </a:p>
-          <a:p>
-            <a:pPr lvl="0"/>
-            <a:r>
-              <a:rPr lang="en-US" sz="2700" dirty="0"/>
-              <a:t>A. L. I. Oliveira, F.B.L. </a:t>
-            </a:r>
-            <a:r>
-              <a:rPr lang="en-US" sz="2700" dirty="0" err="1"/>
-              <a:t>Neto</a:t>
-            </a:r>
-            <a:r>
-              <a:rPr lang="en-US" sz="2700" dirty="0"/>
-              <a:t>, and S.R. L. </a:t>
-            </a:r>
-            <a:r>
-              <a:rPr lang="en-US" sz="2700" dirty="0" err="1"/>
-              <a:t>Meira</a:t>
-            </a:r>
-            <a:r>
-              <a:rPr lang="en-US" sz="2700" dirty="0"/>
-              <a:t>., “A method based on RBF-DAA neural network for improving Novelty detection in time series”, Proc. of 17</a:t>
-            </a:r>
-            <a:r>
-              <a:rPr lang="en-US" sz="2700" baseline="30000" dirty="0"/>
-              <a:t>th</a:t>
-            </a:r>
-            <a:r>
-              <a:rPr lang="en-US" sz="2700" dirty="0"/>
-              <a:t> International FLAIRS Conference, AAAI Press, Miami Beach, Florida, USA, 2004.</a:t>
-            </a:r>
-          </a:p>
-          <a:p>
-            <a:pPr lvl="0"/>
-            <a:r>
-              <a:rPr lang="en-US" sz="2700" dirty="0"/>
-              <a:t>K. B. Pratt and E. Fink, “Search for patterns in compressed time series”, International Journal of Image and Graphics , vol. 2, no. 1, pp. 89-106, 2002.</a:t>
+              <a:t>. B. Pratt and E. Fink, “Search for patterns in compressed time series”, International Journal of Image and Graphics , vol. 2, no. 1, pp. 89-106, 2002.</a:t>
             </a:r>
           </a:p>
           <a:p>
@@ -8567,15 +8836,12 @@
           <a:p>
             <a:pPr lvl="0"/>
             <a:r>
+              <a:rPr lang="en-US" sz="2700" dirty="0" smtClean="0"/>
+              <a:t>C</a:t>
+            </a:r>
+            <a:r>
               <a:rPr lang="en-US" sz="2700" dirty="0"/>
-              <a:t>S. Salvador, P. Chan, “Learning states and rules for time series anomaly detection”, Applied Intelligence, vol. 23, no.3, pp. 241 -255. 2005.</a:t>
-            </a:r>
-          </a:p>
-          <a:p>
-            <a:pPr lvl="0"/>
-            <a:r>
-              <a:rPr lang="en-US" sz="2700" dirty="0"/>
-              <a:t>C. D. Truong, H. N. Tin, D. T. Anh,  “ Combining motif information and neural network for time series prediction”, Int. Journal of Business Intelligence and Data Mining,  vol. 7, no. 4, pp. 318-339, 2012.</a:t>
+              <a:t>. D. Truong, H. N. Tin, D. T. Anh,  “ Combining motif information and neural network for time series prediction”, Int. Journal of Business Intelligence and Data Mining,  vol. 7, no. 4, pp. 318-339, 2012.</a:t>
             </a:r>
           </a:p>
           <a:p>
@@ -9431,7 +9697,7 @@
             </a:r>
             <a:r>
               <a:rPr lang="en-US" dirty="0" smtClean="0"/>
-              <a:t>consuming because of STW distance.</a:t>
+              <a:t>consuming because of DTW distance.</a:t>
             </a:r>
             <a:endParaRPr lang="en-US" dirty="0"/>
           </a:p>
@@ -9509,9 +9775,10 @@
           <a:lstStyle/>
           <a:p>
             <a:r>
-              <a:rPr lang="en-US" dirty="0"/>
-              <a:t>Introduction</a:t>
-            </a:r>
+              <a:rPr lang="en-US" dirty="0" smtClean="0"/>
+              <a:t>Definitions</a:t>
+            </a:r>
+            <a:endParaRPr lang="en-US" dirty="0"/>
           </a:p>
         </p:txBody>
       </p:sp>
@@ -10182,7 +10449,11 @@
           <a:p>
             <a:r>
               <a:rPr lang="en-US" dirty="0" smtClean="0"/>
-              <a:t>Base on method proposed by </a:t>
+              <a:t>Based </a:t>
+            </a:r>
+            <a:r>
+              <a:rPr lang="en-US" dirty="0" smtClean="0"/>
+              <a:t>on method proposed by </a:t>
             </a:r>
             <a:r>
               <a:rPr lang="en-US" dirty="0" err="1" smtClean="0"/>
@@ -10357,7 +10628,15 @@
             </a:r>
             <a:r>
               <a:rPr lang="en-US" dirty="0" smtClean="0"/>
-              <a:t> et al), segmentation base on extreme points.</a:t>
+              <a:t> et al), segmentation base on </a:t>
+            </a:r>
+            <a:r>
+              <a:rPr lang="en-US" dirty="0" smtClean="0"/>
+              <a:t>important extreme </a:t>
+            </a:r>
+            <a:r>
+              <a:rPr lang="en-US" dirty="0" smtClean="0"/>
+              <a:t>points.</a:t>
             </a:r>
           </a:p>
         </p:txBody>

--- a/Report/pre.pptx
+++ b/Report/pre.pptx
@@ -5,7 +5,7 @@
     <p:sldMasterId id="2147483900" r:id="rId1"/>
   </p:sldMasterIdLst>
   <p:notesMasterIdLst>
-    <p:notesMasterId r:id="rId32"/>
+    <p:notesMasterId r:id="rId60"/>
   </p:notesMasterIdLst>
   <p:sldIdLst>
     <p:sldId id="256" r:id="rId2"/>
@@ -38,6 +38,34 @@
     <p:sldId id="372" r:id="rId29"/>
     <p:sldId id="301" r:id="rId30"/>
     <p:sldId id="314" r:id="rId31"/>
+    <p:sldId id="379" r:id="rId32"/>
+    <p:sldId id="381" r:id="rId33"/>
+    <p:sldId id="382" r:id="rId34"/>
+    <p:sldId id="383" r:id="rId35"/>
+    <p:sldId id="384" r:id="rId36"/>
+    <p:sldId id="385" r:id="rId37"/>
+    <p:sldId id="386" r:id="rId38"/>
+    <p:sldId id="387" r:id="rId39"/>
+    <p:sldId id="388" r:id="rId40"/>
+    <p:sldId id="389" r:id="rId41"/>
+    <p:sldId id="390" r:id="rId42"/>
+    <p:sldId id="391" r:id="rId43"/>
+    <p:sldId id="392" r:id="rId44"/>
+    <p:sldId id="393" r:id="rId45"/>
+    <p:sldId id="394" r:id="rId46"/>
+    <p:sldId id="395" r:id="rId47"/>
+    <p:sldId id="396" r:id="rId48"/>
+    <p:sldId id="397" r:id="rId49"/>
+    <p:sldId id="398" r:id="rId50"/>
+    <p:sldId id="399" r:id="rId51"/>
+    <p:sldId id="400" r:id="rId52"/>
+    <p:sldId id="401" r:id="rId53"/>
+    <p:sldId id="402" r:id="rId54"/>
+    <p:sldId id="403" r:id="rId55"/>
+    <p:sldId id="404" r:id="rId56"/>
+    <p:sldId id="405" r:id="rId57"/>
+    <p:sldId id="406" r:id="rId58"/>
+    <p:sldId id="407" r:id="rId59"/>
   </p:sldIdLst>
   <p:sldSz cx="9144000" cy="6858000" type="screen4x3"/>
   <p:notesSz cx="6858000" cy="9144000"/>
@@ -221,7 +249,7 @@
           <a:p>
             <a:fld id="{B254F1C8-CC3D-498E-B2CE-23BA4A379260}" type="datetimeFigureOut">
               <a:rPr lang="en-US" smtClean="0"/>
-              <a:t>6/24/2016</a:t>
+              <a:t>6/25/2016</a:t>
             </a:fld>
             <a:endParaRPr lang="en-US"/>
           </a:p>
@@ -1006,7 +1034,7 @@
           <a:p>
             <a:fld id="{B329DD22-3901-4017-BEC8-FE8750DFA061}" type="datetime1">
               <a:rPr lang="en-US" smtClean="0"/>
-              <a:t>6/24/2016</a:t>
+              <a:t>6/25/2016</a:t>
             </a:fld>
             <a:endParaRPr lang="en-US"/>
           </a:p>
@@ -1180,7 +1208,7 @@
           <a:p>
             <a:fld id="{115BC933-04EF-4125-ADB5-D4BD0A1A7597}" type="datetime1">
               <a:rPr lang="en-US" smtClean="0"/>
-              <a:t>6/24/2016</a:t>
+              <a:t>6/25/2016</a:t>
             </a:fld>
             <a:endParaRPr lang="en-US"/>
           </a:p>
@@ -1364,7 +1392,7 @@
           <a:p>
             <a:fld id="{17EB61BA-192C-433C-B416-72651F1A78EB}" type="datetime1">
               <a:rPr lang="en-US" smtClean="0"/>
-              <a:t>6/24/2016</a:t>
+              <a:t>6/25/2016</a:t>
             </a:fld>
             <a:endParaRPr lang="en-US"/>
           </a:p>
@@ -1538,7 +1566,7 @@
           <a:p>
             <a:fld id="{A7AAD14A-2C09-4031-875B-FB5485C85F52}" type="datetime1">
               <a:rPr lang="en-US" smtClean="0"/>
-              <a:t>6/24/2016</a:t>
+              <a:t>6/25/2016</a:t>
             </a:fld>
             <a:endParaRPr lang="en-US"/>
           </a:p>
@@ -1788,7 +1816,7 @@
           <a:p>
             <a:fld id="{5F71CD92-15F1-49C0-B076-705046C4361F}" type="datetime1">
               <a:rPr lang="en-US" smtClean="0"/>
-              <a:t>6/24/2016</a:t>
+              <a:t>6/25/2016</a:t>
             </a:fld>
             <a:endParaRPr lang="en-US"/>
           </a:p>
@@ -2080,7 +2108,7 @@
           <a:p>
             <a:fld id="{114BFDAB-3BD4-4BC8-9BA6-6E4ABE132CE6}" type="datetime1">
               <a:rPr lang="en-US" smtClean="0"/>
-              <a:t>6/24/2016</a:t>
+              <a:t>6/25/2016</a:t>
             </a:fld>
             <a:endParaRPr lang="en-US"/>
           </a:p>
@@ -2506,7 +2534,7 @@
           <a:p>
             <a:fld id="{34FCCD49-AB6B-49EC-B1AF-BDD79E29A726}" type="datetime1">
               <a:rPr lang="en-US" smtClean="0"/>
-              <a:t>6/24/2016</a:t>
+              <a:t>6/25/2016</a:t>
             </a:fld>
             <a:endParaRPr lang="en-US"/>
           </a:p>
@@ -2628,7 +2656,7 @@
           <a:p>
             <a:fld id="{0E5F5D71-C980-4D30-8EE3-BAE218D8A89F}" type="datetime1">
               <a:rPr lang="en-US" smtClean="0"/>
-              <a:t>6/24/2016</a:t>
+              <a:t>6/25/2016</a:t>
             </a:fld>
             <a:endParaRPr lang="en-US"/>
           </a:p>
@@ -2727,7 +2755,7 @@
           <a:p>
             <a:fld id="{3AF8CC4E-4914-4E8E-BF6E-87F5D8F00C88}" type="datetime1">
               <a:rPr lang="en-US" smtClean="0"/>
-              <a:t>6/24/2016</a:t>
+              <a:t>6/25/2016</a:t>
             </a:fld>
             <a:endParaRPr lang="en-US"/>
           </a:p>
@@ -3008,7 +3036,7 @@
           <a:p>
             <a:fld id="{40A97A51-EA70-40F7-9C72-010BE2156940}" type="datetime1">
               <a:rPr lang="en-US" smtClean="0"/>
-              <a:t>6/24/2016</a:t>
+              <a:t>6/25/2016</a:t>
             </a:fld>
             <a:endParaRPr lang="en-US"/>
           </a:p>
@@ -3265,7 +3293,7 @@
           <a:p>
             <a:fld id="{81C508AD-95BA-4196-BE39-DD6DCC1516CB}" type="datetime1">
               <a:rPr lang="en-US" smtClean="0"/>
-              <a:t>6/24/2016</a:t>
+              <a:t>6/25/2016</a:t>
             </a:fld>
             <a:endParaRPr lang="en-US"/>
           </a:p>
@@ -3482,7 +3510,7 @@
           <a:p>
             <a:fld id="{21D2C01F-FF40-4B38-A4B4-3E540EF55F9E}" type="datetime1">
               <a:rPr lang="en-US" smtClean="0"/>
-              <a:t>6/24/2016</a:t>
+              <a:t>6/25/2016</a:t>
             </a:fld>
             <a:endParaRPr lang="en-US"/>
           </a:p>
@@ -4572,21 +4600,7 @@
                           <a:latin typeface="Times New Roman" panose="02020603050405020304" pitchFamily="18" charset="0"/>
                           <a:cs typeface="Times New Roman" panose="02020603050405020304" pitchFamily="18" charset="0"/>
                         </a:rPr>
-                        <a:t>)  </a:t>
-                      </a:r>
-                      <a:r>
-                        <a:rPr lang="en-US" sz="2200" dirty="0" smtClean="0">
-                          <a:latin typeface="Times New Roman" panose="02020603050405020304" pitchFamily="18" charset="0"/>
-                          <a:cs typeface="Times New Roman" panose="02020603050405020304" pitchFamily="18" charset="0"/>
-                        </a:rPr>
-                        <a:t>which is </a:t>
-                      </a:r>
-                      <a:r>
-                        <a:rPr lang="en-US" sz="2200" dirty="0" smtClean="0">
-                          <a:latin typeface="Times New Roman" panose="02020603050405020304" pitchFamily="18" charset="0"/>
-                          <a:cs typeface="Times New Roman" panose="02020603050405020304" pitchFamily="18" charset="0"/>
-                        </a:rPr>
-                        <a:t>the subsequence of </a:t>
+                        <a:t>)  which is the subsequence of </a:t>
                       </a:r>
                       <a:r>
                         <a:rPr lang="en-US" sz="2200" i="1" dirty="0" smtClean="0">
@@ -5096,11 +5110,7 @@
             </a:r>
             <a:r>
               <a:rPr lang="en-US" dirty="0" smtClean="0"/>
-              <a:t> et al </a:t>
-            </a:r>
-            <a:r>
-              <a:rPr lang="en-US" dirty="0" smtClean="0"/>
-              <a:t>chose </a:t>
+              <a:t> et al chose </a:t>
             </a:r>
             <a:r>
               <a:rPr lang="en-US" i="1" dirty="0" err="1" smtClean="0"/>
@@ -5292,11 +5302,7 @@
           <a:p>
             <a:r>
               <a:rPr lang="en-US" dirty="0" smtClean="0"/>
-              <a:t>To reduce computation </a:t>
-            </a:r>
-            <a:r>
-              <a:rPr lang="en-US" dirty="0" smtClean="0"/>
-              <a:t>time for </a:t>
+              <a:t>To reduce computation time for </a:t>
             </a:r>
             <a:r>
               <a:rPr lang="en-US" i="1" dirty="0" err="1" smtClean="0"/>
@@ -5306,7 +5312,6 @@
               <a:rPr lang="en-US" dirty="0" smtClean="0"/>
               <a:t> function</a:t>
             </a:r>
-            <a:endParaRPr lang="en-US" dirty="0" smtClean="0"/>
           </a:p>
           <a:p>
             <a:endParaRPr lang="en-US" dirty="0" smtClean="0"/>
@@ -5383,7 +5388,7 @@
           <a:graphicData uri="http://schemas.openxmlformats.org/presentationml/2006/ole">
             <mc:AlternateContent xmlns:mc="http://schemas.openxmlformats.org/markup-compatibility/2006">
               <mc:Choice xmlns:v="urn:schemas-microsoft-com:vml" Requires="v">
-                <p:oleObj spid="_x0000_s9248" name="Equation" r:id="rId3" imgW="2590560" imgH="304560" progId="Equation.3">
+                <p:oleObj spid="_x0000_s9250" name="Equation" r:id="rId3" imgW="2590560" imgH="304560" progId="Equation.3">
                   <p:embed/>
                 </p:oleObj>
               </mc:Choice>
@@ -5560,17 +5565,8 @@
             </a:r>
             <a:r>
               <a:rPr lang="en-US" dirty="0" smtClean="0"/>
-              <a:t> </a:t>
-            </a:r>
-            <a:r>
-              <a:rPr lang="en-US" dirty="0" smtClean="0"/>
-              <a:t>such </a:t>
-            </a:r>
-            <a:r>
-              <a:rPr lang="en-US" dirty="0" smtClean="0"/>
-              <a:t>that  </a:t>
-            </a:r>
-            <a:endParaRPr lang="en-US" dirty="0" smtClean="0"/>
+              <a:t> such that  </a:t>
+            </a:r>
           </a:p>
           <a:p>
             <a:endParaRPr lang="en-US" dirty="0"/>
@@ -5756,15 +5752,7 @@
           <a:p>
             <a:r>
               <a:rPr lang="en-US" dirty="0" smtClean="0"/>
-              <a:t>Apply to time series, a </a:t>
-            </a:r>
-            <a:r>
-              <a:rPr lang="en-US" dirty="0" smtClean="0"/>
-              <a:t>homothetic transformation </a:t>
-            </a:r>
-            <a:r>
-              <a:rPr lang="en-US" dirty="0" smtClean="0"/>
-              <a:t>transforms </a:t>
+              <a:t>Apply to time series, a homothetic transformation transforms </a:t>
             </a:r>
             <a:r>
               <a:rPr lang="en-US" dirty="0"/>
@@ -6144,7 +6132,6 @@
               <a:rPr lang="en-US" dirty="0" smtClean="0"/>
               <a:t>}</a:t>
             </a:r>
-            <a:endParaRPr lang="en-US" dirty="0" smtClean="0"/>
           </a:p>
           <a:p>
             <a:pPr marL="0" indent="0">
@@ -6217,7 +6204,7 @@
           <a:graphicData uri="http://schemas.openxmlformats.org/presentationml/2006/ole">
             <mc:AlternateContent xmlns:mc="http://schemas.openxmlformats.org/markup-compatibility/2006">
               <mc:Choice xmlns:v="urn:schemas-microsoft-com:vml" Requires="v">
-                <p:oleObj spid="_x0000_s6336" name="Equation" r:id="rId3" imgW="2209680" imgH="482400" progId="Equation.3">
+                <p:oleObj spid="_x0000_s6344" name="Equation" r:id="rId3" imgW="2209680" imgH="482400" progId="Equation.3">
                   <p:embed/>
                 </p:oleObj>
               </mc:Choice>
@@ -6274,7 +6261,7 @@
           <a:graphicData uri="http://schemas.openxmlformats.org/presentationml/2006/ole">
             <mc:AlternateContent xmlns:mc="http://schemas.openxmlformats.org/markup-compatibility/2006">
               <mc:Choice xmlns:v="urn:schemas-microsoft-com:vml" Requires="v">
-                <p:oleObj spid="_x0000_s6337" name="Equation" r:id="rId5" imgW="1218960" imgH="431640" progId="Equation.3">
+                <p:oleObj spid="_x0000_s6345" name="Equation" r:id="rId5" imgW="1218960" imgH="431640" progId="Equation.3">
                   <p:embed/>
                 </p:oleObj>
               </mc:Choice>
@@ -6331,7 +6318,7 @@
           <a:graphicData uri="http://schemas.openxmlformats.org/presentationml/2006/ole">
             <mc:AlternateContent xmlns:mc="http://schemas.openxmlformats.org/markup-compatibility/2006">
               <mc:Choice xmlns:v="urn:schemas-microsoft-com:vml" Requires="v">
-                <p:oleObj spid="_x0000_s6338" name="Equation" r:id="rId7" imgW="914400" imgH="198720" progId="Equation.DSMT4">
+                <p:oleObj spid="_x0000_s6346" name="Equation" r:id="rId7" imgW="914400" imgH="198720" progId="Equation.DSMT4">
                   <p:embed/>
                 </p:oleObj>
               </mc:Choice>
@@ -6388,7 +6375,7 @@
           <a:graphicData uri="http://schemas.openxmlformats.org/presentationml/2006/ole">
             <mc:AlternateContent xmlns:mc="http://schemas.openxmlformats.org/markup-compatibility/2006">
               <mc:Choice xmlns:v="urn:schemas-microsoft-com:vml" Requires="v">
-                <p:oleObj spid="_x0000_s6339" name="Equation" r:id="rId9" imgW="914400" imgH="198720" progId="Equation.DSMT4">
+                <p:oleObj spid="_x0000_s6347" name="Equation" r:id="rId9" imgW="914400" imgH="198720" progId="Equation.DSMT4">
                   <p:embed/>
                 </p:oleObj>
               </mc:Choice>
@@ -6976,11 +6963,7 @@
           <a:p>
             <a:r>
               <a:rPr lang="en-US" dirty="0" smtClean="0"/>
-              <a:t>Use 8 time series in diverse </a:t>
-            </a:r>
-            <a:r>
-              <a:rPr lang="en-US" dirty="0" smtClean="0"/>
-              <a:t>domains </a:t>
+              <a:t>Use 8 time series in diverse domains </a:t>
             </a:r>
             <a:r>
               <a:rPr lang="en-US" dirty="0"/>
@@ -6998,7 +6981,6 @@
               <a:rPr lang="en-US" dirty="0" smtClean="0"/>
               <a:t>:</a:t>
             </a:r>
-            <a:endParaRPr lang="en-US" dirty="0" smtClean="0"/>
           </a:p>
           <a:p>
             <a:pPr marL="0" indent="0">
@@ -8360,7 +8342,6 @@
               <a:rPr lang="en-US" dirty="0"/>
               <a:t>33.6.</a:t>
             </a:r>
-            <a:endParaRPr lang="en-US" dirty="0"/>
           </a:p>
         </p:txBody>
       </p:sp>
@@ -9183,6 +9164,847 @@
 </p:sld>
 </file>
 
+<file path=ppt/slides/slide31.xml><?xml version="1.0" encoding="utf-8"?>
+<p:sld xmlns:a="http://schemas.openxmlformats.org/drawingml/2006/main" xmlns:r="http://schemas.openxmlformats.org/officeDocument/2006/relationships" xmlns:p="http://schemas.openxmlformats.org/presentationml/2006/main">
+  <p:cSld>
+    <p:spTree>
+      <p:nvGrpSpPr>
+        <p:cNvPr id="1" name=""/>
+        <p:cNvGrpSpPr/>
+        <p:nvPr/>
+      </p:nvGrpSpPr>
+      <p:grpSpPr>
+        <a:xfrm>
+          <a:off x="0" y="0"/>
+          <a:ext cx="0" cy="0"/>
+          <a:chOff x="0" y="0"/>
+          <a:chExt cx="0" cy="0"/>
+        </a:xfrm>
+      </p:grpSpPr>
+      <p:sp>
+        <p:nvSpPr>
+          <p:cNvPr id="2" name="Title 1"/>
+          <p:cNvSpPr>
+            <a:spLocks noGrp="1"/>
+          </p:cNvSpPr>
+          <p:nvPr>
+            <p:ph type="title"/>
+          </p:nvPr>
+        </p:nvSpPr>
+        <p:spPr/>
+        <p:txBody>
+          <a:bodyPr/>
+          <a:lstStyle/>
+          <a:p>
+            <a:endParaRPr lang="en-US"/>
+          </a:p>
+        </p:txBody>
+      </p:sp>
+      <p:sp>
+        <p:nvSpPr>
+          <p:cNvPr id="3" name="Content Placeholder 2"/>
+          <p:cNvSpPr>
+            <a:spLocks noGrp="1"/>
+          </p:cNvSpPr>
+          <p:nvPr>
+            <p:ph idx="1"/>
+          </p:nvPr>
+        </p:nvSpPr>
+        <p:spPr/>
+        <p:txBody>
+          <a:bodyPr/>
+          <a:lstStyle/>
+          <a:p>
+            <a:endParaRPr lang="en-US"/>
+          </a:p>
+        </p:txBody>
+      </p:sp>
+      <p:sp>
+        <p:nvSpPr>
+          <p:cNvPr id="4" name="Slide Number Placeholder 3"/>
+          <p:cNvSpPr>
+            <a:spLocks noGrp="1"/>
+          </p:cNvSpPr>
+          <p:nvPr>
+            <p:ph type="sldNum" sz="quarter" idx="12"/>
+          </p:nvPr>
+        </p:nvSpPr>
+        <p:spPr/>
+        <p:txBody>
+          <a:bodyPr/>
+          <a:lstStyle/>
+          <a:p>
+            <a:fld id="{38324C1E-6E2F-465B-B7AC-362036DEB808}" type="slidenum">
+              <a:rPr lang="en-US" smtClean="0"/>
+              <a:t>31</a:t>
+            </a:fld>
+            <a:endParaRPr lang="en-US"/>
+          </a:p>
+        </p:txBody>
+      </p:sp>
+    </p:spTree>
+    <p:extLst>
+      <p:ext uri="{BB962C8B-B14F-4D97-AF65-F5344CB8AC3E}">
+        <p14:creationId xmlns:p14="http://schemas.microsoft.com/office/powerpoint/2010/main" val="585367954"/>
+      </p:ext>
+    </p:extLst>
+  </p:cSld>
+  <p:clrMapOvr>
+    <a:masterClrMapping/>
+  </p:clrMapOvr>
+</p:sld>
+</file>
+
+<file path=ppt/slides/slide32.xml><?xml version="1.0" encoding="utf-8"?>
+<p:sld xmlns:a="http://schemas.openxmlformats.org/drawingml/2006/main" xmlns:r="http://schemas.openxmlformats.org/officeDocument/2006/relationships" xmlns:p="http://schemas.openxmlformats.org/presentationml/2006/main">
+  <p:cSld>
+    <p:spTree>
+      <p:nvGrpSpPr>
+        <p:cNvPr id="1" name=""/>
+        <p:cNvGrpSpPr/>
+        <p:nvPr/>
+      </p:nvGrpSpPr>
+      <p:grpSpPr>
+        <a:xfrm>
+          <a:off x="0" y="0"/>
+          <a:ext cx="0" cy="0"/>
+          <a:chOff x="0" y="0"/>
+          <a:chExt cx="0" cy="0"/>
+        </a:xfrm>
+      </p:grpSpPr>
+      <p:sp>
+        <p:nvSpPr>
+          <p:cNvPr id="2" name="Title 1"/>
+          <p:cNvSpPr>
+            <a:spLocks noGrp="1"/>
+          </p:cNvSpPr>
+          <p:nvPr>
+            <p:ph type="title"/>
+          </p:nvPr>
+        </p:nvSpPr>
+        <p:spPr/>
+        <p:txBody>
+          <a:bodyPr/>
+          <a:lstStyle/>
+          <a:p>
+            <a:r>
+              <a:rPr lang="en-US" dirty="0" smtClean="0"/>
+              <a:t>ECG 108 / VL_QR|HT</a:t>
+            </a:r>
+            <a:endParaRPr lang="en-US" dirty="0"/>
+          </a:p>
+        </p:txBody>
+      </p:sp>
+      <p:pic>
+        <p:nvPicPr>
+          <p:cNvPr id="4" name="Content Placeholder 3"/>
+          <p:cNvPicPr>
+            <a:picLocks noGrp="1"/>
+          </p:cNvPicPr>
+          <p:nvPr>
+            <p:ph idx="1"/>
+          </p:nvPr>
+        </p:nvPicPr>
+        <p:blipFill>
+          <a:blip r:embed="rId2">
+            <a:extLst>
+              <a:ext uri="{28A0092B-C50C-407E-A947-70E740481C1C}">
+                <a14:useLocalDpi xmlns:a14="http://schemas.microsoft.com/office/drawing/2010/main" val="0"/>
+              </a:ext>
+            </a:extLst>
+          </a:blip>
+          <a:srcRect/>
+          <a:stretch>
+            <a:fillRect/>
+          </a:stretch>
+        </p:blipFill>
+        <p:spPr bwMode="auto">
+          <a:xfrm>
+            <a:off x="457200" y="1659773"/>
+            <a:ext cx="8229600" cy="4406817"/>
+          </a:xfrm>
+          <a:prstGeom prst="rect">
+            <a:avLst/>
+          </a:prstGeom>
+          <a:noFill/>
+          <a:ln>
+            <a:noFill/>
+          </a:ln>
+        </p:spPr>
+      </p:pic>
+    </p:spTree>
+    <p:extLst>
+      <p:ext uri="{BB962C8B-B14F-4D97-AF65-F5344CB8AC3E}">
+        <p14:creationId xmlns:p14="http://schemas.microsoft.com/office/powerpoint/2010/main" val="3403853800"/>
+      </p:ext>
+    </p:extLst>
+  </p:cSld>
+  <p:clrMapOvr>
+    <a:masterClrMapping/>
+  </p:clrMapOvr>
+</p:sld>
+</file>
+
+<file path=ppt/slides/slide33.xml><?xml version="1.0" encoding="utf-8"?>
+<p:sld xmlns:a="http://schemas.openxmlformats.org/drawingml/2006/main" xmlns:r="http://schemas.openxmlformats.org/officeDocument/2006/relationships" xmlns:p="http://schemas.openxmlformats.org/presentationml/2006/main">
+  <p:cSld>
+    <p:spTree>
+      <p:nvGrpSpPr>
+        <p:cNvPr id="1" name=""/>
+        <p:cNvGrpSpPr/>
+        <p:nvPr/>
+      </p:nvGrpSpPr>
+      <p:grpSpPr>
+        <a:xfrm>
+          <a:off x="0" y="0"/>
+          <a:ext cx="0" cy="0"/>
+          <a:chOff x="0" y="0"/>
+          <a:chExt cx="0" cy="0"/>
+        </a:xfrm>
+      </p:grpSpPr>
+      <p:sp>
+        <p:nvSpPr>
+          <p:cNvPr id="2" name="Title 1"/>
+          <p:cNvSpPr>
+            <a:spLocks noGrp="1"/>
+          </p:cNvSpPr>
+          <p:nvPr>
+            <p:ph type="title"/>
+          </p:nvPr>
+        </p:nvSpPr>
+        <p:spPr/>
+        <p:txBody>
+          <a:bodyPr/>
+          <a:lstStyle/>
+          <a:p>
+            <a:r>
+              <a:rPr lang="en-US" dirty="0" smtClean="0"/>
+              <a:t>ECG 108 / VL_EP|HT</a:t>
+            </a:r>
+            <a:endParaRPr lang="en-US" dirty="0"/>
+          </a:p>
+        </p:txBody>
+      </p:sp>
+      <p:sp>
+        <p:nvSpPr>
+          <p:cNvPr id="3" name="Content Placeholder 2"/>
+          <p:cNvSpPr>
+            <a:spLocks noGrp="1"/>
+          </p:cNvSpPr>
+          <p:nvPr>
+            <p:ph idx="1"/>
+          </p:nvPr>
+        </p:nvSpPr>
+        <p:spPr/>
+        <p:txBody>
+          <a:bodyPr/>
+          <a:lstStyle/>
+          <a:p>
+            <a:endParaRPr lang="en-US"/>
+          </a:p>
+        </p:txBody>
+      </p:sp>
+      <p:pic>
+        <p:nvPicPr>
+          <p:cNvPr id="5" name="Picture 4"/>
+          <p:cNvPicPr/>
+          <p:nvPr/>
+        </p:nvPicPr>
+        <p:blipFill>
+          <a:blip r:embed="rId2">
+            <a:extLst>
+              <a:ext uri="{28A0092B-C50C-407E-A947-70E740481C1C}">
+                <a14:useLocalDpi xmlns:a14="http://schemas.microsoft.com/office/drawing/2010/main" val="0"/>
+              </a:ext>
+            </a:extLst>
+          </a:blip>
+          <a:srcRect/>
+          <a:stretch>
+            <a:fillRect/>
+          </a:stretch>
+        </p:blipFill>
+        <p:spPr bwMode="auto">
+          <a:xfrm>
+            <a:off x="609600" y="1676400"/>
+            <a:ext cx="7848600" cy="4343400"/>
+          </a:xfrm>
+          <a:prstGeom prst="rect">
+            <a:avLst/>
+          </a:prstGeom>
+          <a:noFill/>
+          <a:ln>
+            <a:noFill/>
+          </a:ln>
+        </p:spPr>
+      </p:pic>
+    </p:spTree>
+    <p:extLst>
+      <p:ext uri="{BB962C8B-B14F-4D97-AF65-F5344CB8AC3E}">
+        <p14:creationId xmlns:p14="http://schemas.microsoft.com/office/powerpoint/2010/main" val="503372952"/>
+      </p:ext>
+    </p:extLst>
+  </p:cSld>
+  <p:clrMapOvr>
+    <a:masterClrMapping/>
+  </p:clrMapOvr>
+</p:sld>
+</file>
+
+<file path=ppt/slides/slide34.xml><?xml version="1.0" encoding="utf-8"?>
+<p:sld xmlns:a="http://schemas.openxmlformats.org/drawingml/2006/main" xmlns:r="http://schemas.openxmlformats.org/officeDocument/2006/relationships" xmlns:p="http://schemas.openxmlformats.org/presentationml/2006/main">
+  <p:cSld>
+    <p:spTree>
+      <p:nvGrpSpPr>
+        <p:cNvPr id="1" name=""/>
+        <p:cNvGrpSpPr/>
+        <p:nvPr/>
+      </p:nvGrpSpPr>
+      <p:grpSpPr>
+        <a:xfrm>
+          <a:off x="0" y="0"/>
+          <a:ext cx="0" cy="0"/>
+          <a:chOff x="0" y="0"/>
+          <a:chExt cx="0" cy="0"/>
+        </a:xfrm>
+      </p:grpSpPr>
+      <p:sp>
+        <p:nvSpPr>
+          <p:cNvPr id="2" name="Title 1"/>
+          <p:cNvSpPr>
+            <a:spLocks noGrp="1"/>
+          </p:cNvSpPr>
+          <p:nvPr>
+            <p:ph type="title"/>
+          </p:nvPr>
+        </p:nvSpPr>
+        <p:spPr/>
+        <p:txBody>
+          <a:bodyPr/>
+          <a:lstStyle/>
+          <a:p>
+            <a:r>
+              <a:rPr lang="en-US" dirty="0" smtClean="0"/>
+              <a:t>ECG 108 /HOT SAX</a:t>
+            </a:r>
+            <a:endParaRPr lang="en-US" dirty="0"/>
+          </a:p>
+        </p:txBody>
+      </p:sp>
+      <p:pic>
+        <p:nvPicPr>
+          <p:cNvPr id="5" name="Content Placeholder 4"/>
+          <p:cNvPicPr>
+            <a:picLocks noGrp="1"/>
+          </p:cNvPicPr>
+          <p:nvPr>
+            <p:ph idx="1"/>
+          </p:nvPr>
+        </p:nvPicPr>
+        <p:blipFill>
+          <a:blip r:embed="rId2">
+            <a:extLst>
+              <a:ext uri="{28A0092B-C50C-407E-A947-70E740481C1C}">
+                <a14:useLocalDpi xmlns:a14="http://schemas.microsoft.com/office/drawing/2010/main" val="0"/>
+              </a:ext>
+            </a:extLst>
+          </a:blip>
+          <a:srcRect/>
+          <a:stretch>
+            <a:fillRect/>
+          </a:stretch>
+        </p:blipFill>
+        <p:spPr bwMode="auto">
+          <a:xfrm>
+            <a:off x="457200" y="1667031"/>
+            <a:ext cx="8229600" cy="4392300"/>
+          </a:xfrm>
+          <a:prstGeom prst="rect">
+            <a:avLst/>
+          </a:prstGeom>
+          <a:noFill/>
+          <a:ln>
+            <a:noFill/>
+          </a:ln>
+        </p:spPr>
+      </p:pic>
+    </p:spTree>
+    <p:extLst>
+      <p:ext uri="{BB962C8B-B14F-4D97-AF65-F5344CB8AC3E}">
+        <p14:creationId xmlns:p14="http://schemas.microsoft.com/office/powerpoint/2010/main" val="3451686197"/>
+      </p:ext>
+    </p:extLst>
+  </p:cSld>
+  <p:clrMapOvr>
+    <a:masterClrMapping/>
+  </p:clrMapOvr>
+</p:sld>
+</file>
+
+<file path=ppt/slides/slide35.xml><?xml version="1.0" encoding="utf-8"?>
+<p:sld xmlns:a="http://schemas.openxmlformats.org/drawingml/2006/main" xmlns:r="http://schemas.openxmlformats.org/officeDocument/2006/relationships" xmlns:p="http://schemas.openxmlformats.org/presentationml/2006/main">
+  <p:cSld>
+    <p:spTree>
+      <p:nvGrpSpPr>
+        <p:cNvPr id="1" name=""/>
+        <p:cNvGrpSpPr/>
+        <p:nvPr/>
+      </p:nvGrpSpPr>
+      <p:grpSpPr>
+        <a:xfrm>
+          <a:off x="0" y="0"/>
+          <a:ext cx="0" cy="0"/>
+          <a:chOff x="0" y="0"/>
+          <a:chExt cx="0" cy="0"/>
+        </a:xfrm>
+      </p:grpSpPr>
+      <p:sp>
+        <p:nvSpPr>
+          <p:cNvPr id="2" name="Title 1"/>
+          <p:cNvSpPr>
+            <a:spLocks noGrp="1"/>
+          </p:cNvSpPr>
+          <p:nvPr>
+            <p:ph type="title"/>
+          </p:nvPr>
+        </p:nvSpPr>
+        <p:spPr/>
+        <p:txBody>
+          <a:bodyPr/>
+          <a:lstStyle/>
+          <a:p>
+            <a:r>
+              <a:rPr lang="en-US" dirty="0"/>
+              <a:t>ECG </a:t>
+            </a:r>
+            <a:r>
+              <a:rPr lang="en-US" dirty="0" smtClean="0"/>
+              <a:t>308 /VL_QR | HT</a:t>
+            </a:r>
+            <a:endParaRPr lang="en-US" dirty="0"/>
+          </a:p>
+        </p:txBody>
+      </p:sp>
+      <p:pic>
+        <p:nvPicPr>
+          <p:cNvPr id="4" name="Content Placeholder 3"/>
+          <p:cNvPicPr>
+            <a:picLocks noGrp="1"/>
+          </p:cNvPicPr>
+          <p:nvPr>
+            <p:ph idx="1"/>
+          </p:nvPr>
+        </p:nvPicPr>
+        <p:blipFill>
+          <a:blip r:embed="rId2">
+            <a:extLst>
+              <a:ext uri="{28A0092B-C50C-407E-A947-70E740481C1C}">
+                <a14:useLocalDpi xmlns:a14="http://schemas.microsoft.com/office/drawing/2010/main" val="0"/>
+              </a:ext>
+            </a:extLst>
+          </a:blip>
+          <a:srcRect/>
+          <a:stretch>
+            <a:fillRect/>
+          </a:stretch>
+        </p:blipFill>
+        <p:spPr bwMode="auto">
+          <a:xfrm>
+            <a:off x="457200" y="1675183"/>
+            <a:ext cx="8229600" cy="4375997"/>
+          </a:xfrm>
+          <a:prstGeom prst="rect">
+            <a:avLst/>
+          </a:prstGeom>
+          <a:noFill/>
+          <a:ln>
+            <a:noFill/>
+          </a:ln>
+        </p:spPr>
+      </p:pic>
+    </p:spTree>
+    <p:extLst>
+      <p:ext uri="{BB962C8B-B14F-4D97-AF65-F5344CB8AC3E}">
+        <p14:creationId xmlns:p14="http://schemas.microsoft.com/office/powerpoint/2010/main" val="3664079152"/>
+      </p:ext>
+    </p:extLst>
+  </p:cSld>
+  <p:clrMapOvr>
+    <a:masterClrMapping/>
+  </p:clrMapOvr>
+</p:sld>
+</file>
+
+<file path=ppt/slides/slide36.xml><?xml version="1.0" encoding="utf-8"?>
+<p:sld xmlns:a="http://schemas.openxmlformats.org/drawingml/2006/main" xmlns:r="http://schemas.openxmlformats.org/officeDocument/2006/relationships" xmlns:p="http://schemas.openxmlformats.org/presentationml/2006/main">
+  <p:cSld>
+    <p:spTree>
+      <p:nvGrpSpPr>
+        <p:cNvPr id="1" name=""/>
+        <p:cNvGrpSpPr/>
+        <p:nvPr/>
+      </p:nvGrpSpPr>
+      <p:grpSpPr>
+        <a:xfrm>
+          <a:off x="0" y="0"/>
+          <a:ext cx="0" cy="0"/>
+          <a:chOff x="0" y="0"/>
+          <a:chExt cx="0" cy="0"/>
+        </a:xfrm>
+      </p:grpSpPr>
+      <p:sp>
+        <p:nvSpPr>
+          <p:cNvPr id="2" name="Title 1"/>
+          <p:cNvSpPr>
+            <a:spLocks noGrp="1"/>
+          </p:cNvSpPr>
+          <p:nvPr>
+            <p:ph type="title"/>
+          </p:nvPr>
+        </p:nvSpPr>
+        <p:spPr/>
+        <p:txBody>
+          <a:bodyPr/>
+          <a:lstStyle/>
+          <a:p>
+            <a:r>
+              <a:rPr lang="en-US" dirty="0"/>
+              <a:t>ECG 308 /</a:t>
+            </a:r>
+            <a:r>
+              <a:rPr lang="en-US" dirty="0" smtClean="0"/>
+              <a:t>VL_EP </a:t>
+            </a:r>
+            <a:r>
+              <a:rPr lang="en-US" dirty="0"/>
+              <a:t>| HT</a:t>
+            </a:r>
+          </a:p>
+        </p:txBody>
+      </p:sp>
+      <p:pic>
+        <p:nvPicPr>
+          <p:cNvPr id="4" name="Content Placeholder 3"/>
+          <p:cNvPicPr>
+            <a:picLocks noGrp="1"/>
+          </p:cNvPicPr>
+          <p:nvPr>
+            <p:ph idx="1"/>
+          </p:nvPr>
+        </p:nvPicPr>
+        <p:blipFill>
+          <a:blip r:embed="rId2">
+            <a:extLst>
+              <a:ext uri="{28A0092B-C50C-407E-A947-70E740481C1C}">
+                <a14:useLocalDpi xmlns:a14="http://schemas.microsoft.com/office/drawing/2010/main" val="0"/>
+              </a:ext>
+            </a:extLst>
+          </a:blip>
+          <a:srcRect/>
+          <a:stretch>
+            <a:fillRect/>
+          </a:stretch>
+        </p:blipFill>
+        <p:spPr bwMode="auto">
+          <a:xfrm>
+            <a:off x="457200" y="1677772"/>
+            <a:ext cx="8229600" cy="4370818"/>
+          </a:xfrm>
+          <a:prstGeom prst="rect">
+            <a:avLst/>
+          </a:prstGeom>
+          <a:noFill/>
+          <a:ln>
+            <a:noFill/>
+          </a:ln>
+        </p:spPr>
+      </p:pic>
+    </p:spTree>
+    <p:extLst>
+      <p:ext uri="{BB962C8B-B14F-4D97-AF65-F5344CB8AC3E}">
+        <p14:creationId xmlns:p14="http://schemas.microsoft.com/office/powerpoint/2010/main" val="619946526"/>
+      </p:ext>
+    </p:extLst>
+  </p:cSld>
+  <p:clrMapOvr>
+    <a:masterClrMapping/>
+  </p:clrMapOvr>
+</p:sld>
+</file>
+
+<file path=ppt/slides/slide37.xml><?xml version="1.0" encoding="utf-8"?>
+<p:sld xmlns:a="http://schemas.openxmlformats.org/drawingml/2006/main" xmlns:r="http://schemas.openxmlformats.org/officeDocument/2006/relationships" xmlns:p="http://schemas.openxmlformats.org/presentationml/2006/main">
+  <p:cSld>
+    <p:spTree>
+      <p:nvGrpSpPr>
+        <p:cNvPr id="1" name=""/>
+        <p:cNvGrpSpPr/>
+        <p:nvPr/>
+      </p:nvGrpSpPr>
+      <p:grpSpPr>
+        <a:xfrm>
+          <a:off x="0" y="0"/>
+          <a:ext cx="0" cy="0"/>
+          <a:chOff x="0" y="0"/>
+          <a:chExt cx="0" cy="0"/>
+        </a:xfrm>
+      </p:grpSpPr>
+      <p:sp>
+        <p:nvSpPr>
+          <p:cNvPr id="2" name="Title 1"/>
+          <p:cNvSpPr>
+            <a:spLocks noGrp="1"/>
+          </p:cNvSpPr>
+          <p:nvPr>
+            <p:ph type="title"/>
+          </p:nvPr>
+        </p:nvSpPr>
+        <p:spPr/>
+        <p:txBody>
+          <a:bodyPr/>
+          <a:lstStyle/>
+          <a:p>
+            <a:r>
+              <a:rPr lang="en-US" dirty="0"/>
+              <a:t>ECG 308 </a:t>
+            </a:r>
+            <a:r>
+              <a:rPr lang="en-US" dirty="0" smtClean="0"/>
+              <a:t>/HOT SAX</a:t>
+            </a:r>
+            <a:endParaRPr lang="en-US" dirty="0"/>
+          </a:p>
+        </p:txBody>
+      </p:sp>
+      <p:pic>
+        <p:nvPicPr>
+          <p:cNvPr id="4" name="Content Placeholder 3"/>
+          <p:cNvPicPr>
+            <a:picLocks noGrp="1"/>
+          </p:cNvPicPr>
+          <p:nvPr>
+            <p:ph idx="1"/>
+          </p:nvPr>
+        </p:nvPicPr>
+        <p:blipFill>
+          <a:blip r:embed="rId2">
+            <a:extLst>
+              <a:ext uri="{28A0092B-C50C-407E-A947-70E740481C1C}">
+                <a14:useLocalDpi xmlns:a14="http://schemas.microsoft.com/office/drawing/2010/main" val="0"/>
+              </a:ext>
+            </a:extLst>
+          </a:blip>
+          <a:srcRect/>
+          <a:stretch>
+            <a:fillRect/>
+          </a:stretch>
+        </p:blipFill>
+        <p:spPr bwMode="auto">
+          <a:xfrm>
+            <a:off x="457200" y="1673748"/>
+            <a:ext cx="8229600" cy="4378867"/>
+          </a:xfrm>
+          <a:prstGeom prst="rect">
+            <a:avLst/>
+          </a:prstGeom>
+          <a:noFill/>
+          <a:ln>
+            <a:noFill/>
+          </a:ln>
+        </p:spPr>
+      </p:pic>
+    </p:spTree>
+    <p:extLst>
+      <p:ext uri="{BB962C8B-B14F-4D97-AF65-F5344CB8AC3E}">
+        <p14:creationId xmlns:p14="http://schemas.microsoft.com/office/powerpoint/2010/main" val="3519186136"/>
+      </p:ext>
+    </p:extLst>
+  </p:cSld>
+  <p:clrMapOvr>
+    <a:masterClrMapping/>
+  </p:clrMapOvr>
+</p:sld>
+</file>
+
+<file path=ppt/slides/slide38.xml><?xml version="1.0" encoding="utf-8"?>
+<p:sld xmlns:a="http://schemas.openxmlformats.org/drawingml/2006/main" xmlns:r="http://schemas.openxmlformats.org/officeDocument/2006/relationships" xmlns:p="http://schemas.openxmlformats.org/presentationml/2006/main">
+  <p:cSld>
+    <p:spTree>
+      <p:nvGrpSpPr>
+        <p:cNvPr id="1" name=""/>
+        <p:cNvGrpSpPr/>
+        <p:nvPr/>
+      </p:nvGrpSpPr>
+      <p:grpSpPr>
+        <a:xfrm>
+          <a:off x="0" y="0"/>
+          <a:ext cx="0" cy="0"/>
+          <a:chOff x="0" y="0"/>
+          <a:chExt cx="0" cy="0"/>
+        </a:xfrm>
+      </p:grpSpPr>
+      <p:sp>
+        <p:nvSpPr>
+          <p:cNvPr id="2" name="Title 1"/>
+          <p:cNvSpPr>
+            <a:spLocks noGrp="1"/>
+          </p:cNvSpPr>
+          <p:nvPr>
+            <p:ph type="title"/>
+          </p:nvPr>
+        </p:nvSpPr>
+        <p:spPr/>
+        <p:txBody>
+          <a:bodyPr/>
+          <a:lstStyle/>
+          <a:p>
+            <a:r>
+              <a:rPr lang="en-US" dirty="0" smtClean="0"/>
+              <a:t>ERP / VL_QR |HT</a:t>
+            </a:r>
+            <a:endParaRPr lang="en-US" dirty="0"/>
+          </a:p>
+        </p:txBody>
+      </p:sp>
+      <p:pic>
+        <p:nvPicPr>
+          <p:cNvPr id="4" name="Content Placeholder 3"/>
+          <p:cNvPicPr>
+            <a:picLocks noGrp="1"/>
+          </p:cNvPicPr>
+          <p:nvPr>
+            <p:ph idx="1"/>
+          </p:nvPr>
+        </p:nvPicPr>
+        <p:blipFill>
+          <a:blip r:embed="rId2">
+            <a:extLst>
+              <a:ext uri="{28A0092B-C50C-407E-A947-70E740481C1C}">
+                <a14:useLocalDpi xmlns:a14="http://schemas.microsoft.com/office/drawing/2010/main" val="0"/>
+              </a:ext>
+            </a:extLst>
+          </a:blip>
+          <a:srcRect/>
+          <a:stretch>
+            <a:fillRect/>
+          </a:stretch>
+        </p:blipFill>
+        <p:spPr bwMode="auto">
+          <a:xfrm>
+            <a:off x="457200" y="1671150"/>
+            <a:ext cx="8229600" cy="4384063"/>
+          </a:xfrm>
+          <a:prstGeom prst="rect">
+            <a:avLst/>
+          </a:prstGeom>
+          <a:noFill/>
+          <a:ln>
+            <a:noFill/>
+          </a:ln>
+        </p:spPr>
+      </p:pic>
+    </p:spTree>
+    <p:extLst>
+      <p:ext uri="{BB962C8B-B14F-4D97-AF65-F5344CB8AC3E}">
+        <p14:creationId xmlns:p14="http://schemas.microsoft.com/office/powerpoint/2010/main" val="650910819"/>
+      </p:ext>
+    </p:extLst>
+  </p:cSld>
+  <p:clrMapOvr>
+    <a:masterClrMapping/>
+  </p:clrMapOvr>
+</p:sld>
+</file>
+
+<file path=ppt/slides/slide39.xml><?xml version="1.0" encoding="utf-8"?>
+<p:sld xmlns:a="http://schemas.openxmlformats.org/drawingml/2006/main" xmlns:r="http://schemas.openxmlformats.org/officeDocument/2006/relationships" xmlns:p="http://schemas.openxmlformats.org/presentationml/2006/main">
+  <p:cSld>
+    <p:spTree>
+      <p:nvGrpSpPr>
+        <p:cNvPr id="1" name=""/>
+        <p:cNvGrpSpPr/>
+        <p:nvPr/>
+      </p:nvGrpSpPr>
+      <p:grpSpPr>
+        <a:xfrm>
+          <a:off x="0" y="0"/>
+          <a:ext cx="0" cy="0"/>
+          <a:chOff x="0" y="0"/>
+          <a:chExt cx="0" cy="0"/>
+        </a:xfrm>
+      </p:grpSpPr>
+      <p:sp>
+        <p:nvSpPr>
+          <p:cNvPr id="2" name="Title 1"/>
+          <p:cNvSpPr>
+            <a:spLocks noGrp="1"/>
+          </p:cNvSpPr>
+          <p:nvPr>
+            <p:ph type="title"/>
+          </p:nvPr>
+        </p:nvSpPr>
+        <p:spPr/>
+        <p:txBody>
+          <a:bodyPr/>
+          <a:lstStyle/>
+          <a:p>
+            <a:r>
+              <a:rPr lang="en-US" dirty="0" smtClean="0"/>
+              <a:t>ERP / VL_EP | HT</a:t>
+            </a:r>
+            <a:endParaRPr lang="en-US" dirty="0"/>
+          </a:p>
+        </p:txBody>
+      </p:sp>
+      <p:pic>
+        <p:nvPicPr>
+          <p:cNvPr id="4" name="Content Placeholder 3"/>
+          <p:cNvPicPr>
+            <a:picLocks noGrp="1"/>
+          </p:cNvPicPr>
+          <p:nvPr>
+            <p:ph idx="1"/>
+          </p:nvPr>
+        </p:nvPicPr>
+        <p:blipFill>
+          <a:blip r:embed="rId2">
+            <a:extLst>
+              <a:ext uri="{28A0092B-C50C-407E-A947-70E740481C1C}">
+                <a14:useLocalDpi xmlns:a14="http://schemas.microsoft.com/office/drawing/2010/main" val="0"/>
+              </a:ext>
+            </a:extLst>
+          </a:blip>
+          <a:srcRect/>
+          <a:stretch>
+            <a:fillRect/>
+          </a:stretch>
+        </p:blipFill>
+        <p:spPr bwMode="auto">
+          <a:xfrm>
+            <a:off x="457200" y="1673748"/>
+            <a:ext cx="8229600" cy="4378867"/>
+          </a:xfrm>
+          <a:prstGeom prst="rect">
+            <a:avLst/>
+          </a:prstGeom>
+          <a:noFill/>
+          <a:ln>
+            <a:noFill/>
+          </a:ln>
+        </p:spPr>
+      </p:pic>
+    </p:spTree>
+    <p:extLst>
+      <p:ext uri="{BB962C8B-B14F-4D97-AF65-F5344CB8AC3E}">
+        <p14:creationId xmlns:p14="http://schemas.microsoft.com/office/powerpoint/2010/main" val="3722054974"/>
+      </p:ext>
+    </p:extLst>
+  </p:cSld>
+  <p:clrMapOvr>
+    <a:masterClrMapping/>
+  </p:clrMapOvr>
+</p:sld>
+</file>
+
 <file path=ppt/slides/slide4.xml><?xml version="1.0" encoding="utf-8"?>
 <p:sld xmlns:a="http://schemas.openxmlformats.org/drawingml/2006/main" xmlns:r="http://schemas.openxmlformats.org/officeDocument/2006/relationships" xmlns:p="http://schemas.openxmlformats.org/presentationml/2006/main">
   <p:cSld>
@@ -9368,6 +10190,944 @@
 </p:sld>
 </file>
 
+<file path=ppt/slides/slide40.xml><?xml version="1.0" encoding="utf-8"?>
+<p:sld xmlns:a="http://schemas.openxmlformats.org/drawingml/2006/main" xmlns:r="http://schemas.openxmlformats.org/officeDocument/2006/relationships" xmlns:p="http://schemas.openxmlformats.org/presentationml/2006/main">
+  <p:cSld>
+    <p:spTree>
+      <p:nvGrpSpPr>
+        <p:cNvPr id="1" name=""/>
+        <p:cNvGrpSpPr/>
+        <p:nvPr/>
+      </p:nvGrpSpPr>
+      <p:grpSpPr>
+        <a:xfrm>
+          <a:off x="0" y="0"/>
+          <a:ext cx="0" cy="0"/>
+          <a:chOff x="0" y="0"/>
+          <a:chExt cx="0" cy="0"/>
+        </a:xfrm>
+      </p:grpSpPr>
+      <p:sp>
+        <p:nvSpPr>
+          <p:cNvPr id="2" name="Title 1"/>
+          <p:cNvSpPr>
+            <a:spLocks noGrp="1"/>
+          </p:cNvSpPr>
+          <p:nvPr>
+            <p:ph type="title"/>
+          </p:nvPr>
+        </p:nvSpPr>
+        <p:spPr/>
+        <p:txBody>
+          <a:bodyPr/>
+          <a:lstStyle/>
+          <a:p>
+            <a:r>
+              <a:rPr lang="en-US" dirty="0" smtClean="0"/>
+              <a:t>ERP / HOT SAX</a:t>
+            </a:r>
+            <a:endParaRPr lang="en-US" dirty="0"/>
+          </a:p>
+        </p:txBody>
+      </p:sp>
+      <p:pic>
+        <p:nvPicPr>
+          <p:cNvPr id="4" name="Content Placeholder 3"/>
+          <p:cNvPicPr>
+            <a:picLocks noGrp="1"/>
+          </p:cNvPicPr>
+          <p:nvPr>
+            <p:ph idx="1"/>
+          </p:nvPr>
+        </p:nvPicPr>
+        <p:blipFill>
+          <a:blip r:embed="rId2">
+            <a:extLst>
+              <a:ext uri="{28A0092B-C50C-407E-A947-70E740481C1C}">
+                <a14:useLocalDpi xmlns:a14="http://schemas.microsoft.com/office/drawing/2010/main" val="0"/>
+              </a:ext>
+            </a:extLst>
+          </a:blip>
+          <a:srcRect/>
+          <a:stretch>
+            <a:fillRect/>
+          </a:stretch>
+        </p:blipFill>
+        <p:spPr bwMode="auto">
+          <a:xfrm>
+            <a:off x="457200" y="1674942"/>
+            <a:ext cx="8229600" cy="4376478"/>
+          </a:xfrm>
+          <a:prstGeom prst="rect">
+            <a:avLst/>
+          </a:prstGeom>
+          <a:noFill/>
+          <a:ln>
+            <a:noFill/>
+          </a:ln>
+        </p:spPr>
+      </p:pic>
+    </p:spTree>
+    <p:extLst>
+      <p:ext uri="{BB962C8B-B14F-4D97-AF65-F5344CB8AC3E}">
+        <p14:creationId xmlns:p14="http://schemas.microsoft.com/office/powerpoint/2010/main" val="1587208046"/>
+      </p:ext>
+    </p:extLst>
+  </p:cSld>
+  <p:clrMapOvr>
+    <a:masterClrMapping/>
+  </p:clrMapOvr>
+</p:sld>
+</file>
+
+<file path=ppt/slides/slide41.xml><?xml version="1.0" encoding="utf-8"?>
+<p:sld xmlns:a="http://schemas.openxmlformats.org/drawingml/2006/main" xmlns:r="http://schemas.openxmlformats.org/officeDocument/2006/relationships" xmlns:p="http://schemas.openxmlformats.org/presentationml/2006/main">
+  <p:cSld>
+    <p:spTree>
+      <p:nvGrpSpPr>
+        <p:cNvPr id="1" name=""/>
+        <p:cNvGrpSpPr/>
+        <p:nvPr/>
+      </p:nvGrpSpPr>
+      <p:grpSpPr>
+        <a:xfrm>
+          <a:off x="0" y="0"/>
+          <a:ext cx="0" cy="0"/>
+          <a:chOff x="0" y="0"/>
+          <a:chExt cx="0" cy="0"/>
+        </a:xfrm>
+      </p:grpSpPr>
+      <p:sp>
+        <p:nvSpPr>
+          <p:cNvPr id="2" name="Title 1"/>
+          <p:cNvSpPr>
+            <a:spLocks noGrp="1"/>
+          </p:cNvSpPr>
+          <p:nvPr>
+            <p:ph type="title"/>
+          </p:nvPr>
+        </p:nvSpPr>
+        <p:spPr/>
+        <p:txBody>
+          <a:bodyPr/>
+          <a:lstStyle/>
+          <a:p>
+            <a:r>
+              <a:rPr lang="en-US" dirty="0" smtClean="0"/>
+              <a:t>Memory/ VL_QR | HT</a:t>
+            </a:r>
+            <a:endParaRPr lang="en-US" dirty="0"/>
+          </a:p>
+        </p:txBody>
+      </p:sp>
+      <p:pic>
+        <p:nvPicPr>
+          <p:cNvPr id="4" name="Content Placeholder 3"/>
+          <p:cNvPicPr>
+            <a:picLocks noGrp="1"/>
+          </p:cNvPicPr>
+          <p:nvPr>
+            <p:ph idx="1"/>
+          </p:nvPr>
+        </p:nvPicPr>
+        <p:blipFill>
+          <a:blip r:embed="rId2">
+            <a:extLst>
+              <a:ext uri="{28A0092B-C50C-407E-A947-70E740481C1C}">
+                <a14:useLocalDpi xmlns:a14="http://schemas.microsoft.com/office/drawing/2010/main" val="0"/>
+              </a:ext>
+            </a:extLst>
+          </a:blip>
+          <a:srcRect/>
+          <a:stretch>
+            <a:fillRect/>
+          </a:stretch>
+        </p:blipFill>
+        <p:spPr bwMode="auto">
+          <a:xfrm>
+            <a:off x="457200" y="1662983"/>
+            <a:ext cx="8229600" cy="4400397"/>
+          </a:xfrm>
+          <a:prstGeom prst="rect">
+            <a:avLst/>
+          </a:prstGeom>
+          <a:noFill/>
+          <a:ln>
+            <a:noFill/>
+          </a:ln>
+        </p:spPr>
+      </p:pic>
+    </p:spTree>
+    <p:extLst>
+      <p:ext uri="{BB962C8B-B14F-4D97-AF65-F5344CB8AC3E}">
+        <p14:creationId xmlns:p14="http://schemas.microsoft.com/office/powerpoint/2010/main" val="1923979567"/>
+      </p:ext>
+    </p:extLst>
+  </p:cSld>
+  <p:clrMapOvr>
+    <a:masterClrMapping/>
+  </p:clrMapOvr>
+</p:sld>
+</file>
+
+<file path=ppt/slides/slide42.xml><?xml version="1.0" encoding="utf-8"?>
+<p:sld xmlns:a="http://schemas.openxmlformats.org/drawingml/2006/main" xmlns:r="http://schemas.openxmlformats.org/officeDocument/2006/relationships" xmlns:p="http://schemas.openxmlformats.org/presentationml/2006/main">
+  <p:cSld>
+    <p:spTree>
+      <p:nvGrpSpPr>
+        <p:cNvPr id="1" name=""/>
+        <p:cNvGrpSpPr/>
+        <p:nvPr/>
+      </p:nvGrpSpPr>
+      <p:grpSpPr>
+        <a:xfrm>
+          <a:off x="0" y="0"/>
+          <a:ext cx="0" cy="0"/>
+          <a:chOff x="0" y="0"/>
+          <a:chExt cx="0" cy="0"/>
+        </a:xfrm>
+      </p:grpSpPr>
+      <p:sp>
+        <p:nvSpPr>
+          <p:cNvPr id="2" name="Title 1"/>
+          <p:cNvSpPr>
+            <a:spLocks noGrp="1"/>
+          </p:cNvSpPr>
+          <p:nvPr>
+            <p:ph type="title"/>
+          </p:nvPr>
+        </p:nvSpPr>
+        <p:spPr/>
+        <p:txBody>
+          <a:bodyPr/>
+          <a:lstStyle/>
+          <a:p>
+            <a:r>
+              <a:rPr lang="en-US" dirty="0"/>
+              <a:t>Memory/ </a:t>
+            </a:r>
+            <a:r>
+              <a:rPr lang="en-US" dirty="0" smtClean="0"/>
+              <a:t>VL_EP </a:t>
+            </a:r>
+            <a:r>
+              <a:rPr lang="en-US" dirty="0"/>
+              <a:t>| HT</a:t>
+            </a:r>
+          </a:p>
+        </p:txBody>
+      </p:sp>
+      <p:pic>
+        <p:nvPicPr>
+          <p:cNvPr id="4" name="Content Placeholder 3"/>
+          <p:cNvPicPr>
+            <a:picLocks noGrp="1"/>
+          </p:cNvPicPr>
+          <p:nvPr>
+            <p:ph idx="1"/>
+          </p:nvPr>
+        </p:nvPicPr>
+        <p:blipFill>
+          <a:blip r:embed="rId2">
+            <a:extLst>
+              <a:ext uri="{28A0092B-C50C-407E-A947-70E740481C1C}">
+                <a14:useLocalDpi xmlns:a14="http://schemas.microsoft.com/office/drawing/2010/main" val="0"/>
+              </a:ext>
+            </a:extLst>
+          </a:blip>
+          <a:srcRect/>
+          <a:stretch>
+            <a:fillRect/>
+          </a:stretch>
+        </p:blipFill>
+        <p:spPr bwMode="auto">
+          <a:xfrm>
+            <a:off x="457200" y="1671397"/>
+            <a:ext cx="8229600" cy="4383568"/>
+          </a:xfrm>
+          <a:prstGeom prst="rect">
+            <a:avLst/>
+          </a:prstGeom>
+          <a:noFill/>
+          <a:ln>
+            <a:noFill/>
+          </a:ln>
+        </p:spPr>
+      </p:pic>
+    </p:spTree>
+    <p:extLst>
+      <p:ext uri="{BB962C8B-B14F-4D97-AF65-F5344CB8AC3E}">
+        <p14:creationId xmlns:p14="http://schemas.microsoft.com/office/powerpoint/2010/main" val="864994464"/>
+      </p:ext>
+    </p:extLst>
+  </p:cSld>
+  <p:clrMapOvr>
+    <a:masterClrMapping/>
+  </p:clrMapOvr>
+</p:sld>
+</file>
+
+<file path=ppt/slides/slide43.xml><?xml version="1.0" encoding="utf-8"?>
+<p:sld xmlns:a="http://schemas.openxmlformats.org/drawingml/2006/main" xmlns:r="http://schemas.openxmlformats.org/officeDocument/2006/relationships" xmlns:p="http://schemas.openxmlformats.org/presentationml/2006/main">
+  <p:cSld>
+    <p:spTree>
+      <p:nvGrpSpPr>
+        <p:cNvPr id="1" name=""/>
+        <p:cNvGrpSpPr/>
+        <p:nvPr/>
+      </p:nvGrpSpPr>
+      <p:grpSpPr>
+        <a:xfrm>
+          <a:off x="0" y="0"/>
+          <a:ext cx="0" cy="0"/>
+          <a:chOff x="0" y="0"/>
+          <a:chExt cx="0" cy="0"/>
+        </a:xfrm>
+      </p:grpSpPr>
+      <p:sp>
+        <p:nvSpPr>
+          <p:cNvPr id="2" name="Title 1"/>
+          <p:cNvSpPr>
+            <a:spLocks noGrp="1"/>
+          </p:cNvSpPr>
+          <p:nvPr>
+            <p:ph type="title"/>
+          </p:nvPr>
+        </p:nvSpPr>
+        <p:spPr/>
+        <p:txBody>
+          <a:bodyPr/>
+          <a:lstStyle/>
+          <a:p>
+            <a:r>
+              <a:rPr lang="en-US" dirty="0"/>
+              <a:t>Memory/ </a:t>
+            </a:r>
+            <a:r>
+              <a:rPr lang="en-US" dirty="0" smtClean="0"/>
+              <a:t>HOT SAX</a:t>
+            </a:r>
+            <a:endParaRPr lang="en-US" dirty="0"/>
+          </a:p>
+        </p:txBody>
+      </p:sp>
+      <p:pic>
+        <p:nvPicPr>
+          <p:cNvPr id="4" name="Content Placeholder 3"/>
+          <p:cNvPicPr>
+            <a:picLocks noGrp="1"/>
+          </p:cNvPicPr>
+          <p:nvPr>
+            <p:ph idx="1"/>
+          </p:nvPr>
+        </p:nvPicPr>
+        <p:blipFill>
+          <a:blip r:embed="rId2">
+            <a:extLst>
+              <a:ext uri="{28A0092B-C50C-407E-A947-70E740481C1C}">
+                <a14:useLocalDpi xmlns:a14="http://schemas.microsoft.com/office/drawing/2010/main" val="0"/>
+              </a:ext>
+            </a:extLst>
+          </a:blip>
+          <a:srcRect/>
+          <a:stretch>
+            <a:fillRect/>
+          </a:stretch>
+        </p:blipFill>
+        <p:spPr bwMode="auto">
+          <a:xfrm>
+            <a:off x="990600" y="1447800"/>
+            <a:ext cx="7467600" cy="4267199"/>
+          </a:xfrm>
+          <a:prstGeom prst="rect">
+            <a:avLst/>
+          </a:prstGeom>
+          <a:noFill/>
+          <a:ln>
+            <a:noFill/>
+          </a:ln>
+        </p:spPr>
+      </p:pic>
+    </p:spTree>
+    <p:extLst>
+      <p:ext uri="{BB962C8B-B14F-4D97-AF65-F5344CB8AC3E}">
+        <p14:creationId xmlns:p14="http://schemas.microsoft.com/office/powerpoint/2010/main" val="3537526271"/>
+      </p:ext>
+    </p:extLst>
+  </p:cSld>
+  <p:clrMapOvr>
+    <a:masterClrMapping/>
+  </p:clrMapOvr>
+</p:sld>
+</file>
+
+<file path=ppt/slides/slide44.xml><?xml version="1.0" encoding="utf-8"?>
+<p:sld xmlns:a="http://schemas.openxmlformats.org/drawingml/2006/main" xmlns:r="http://schemas.openxmlformats.org/officeDocument/2006/relationships" xmlns:p="http://schemas.openxmlformats.org/presentationml/2006/main">
+  <p:cSld>
+    <p:spTree>
+      <p:nvGrpSpPr>
+        <p:cNvPr id="1" name=""/>
+        <p:cNvGrpSpPr/>
+        <p:nvPr/>
+      </p:nvGrpSpPr>
+      <p:grpSpPr>
+        <a:xfrm>
+          <a:off x="0" y="0"/>
+          <a:ext cx="0" cy="0"/>
+          <a:chOff x="0" y="0"/>
+          <a:chExt cx="0" cy="0"/>
+        </a:xfrm>
+      </p:grpSpPr>
+      <p:sp>
+        <p:nvSpPr>
+          <p:cNvPr id="2" name="Title 1"/>
+          <p:cNvSpPr>
+            <a:spLocks noGrp="1"/>
+          </p:cNvSpPr>
+          <p:nvPr>
+            <p:ph type="title"/>
+          </p:nvPr>
+        </p:nvSpPr>
+        <p:spPr/>
+        <p:txBody>
+          <a:bodyPr/>
+          <a:lstStyle/>
+          <a:p>
+            <a:r>
+              <a:rPr lang="en-US" dirty="0"/>
+              <a:t>Power Demand In </a:t>
+            </a:r>
+            <a:r>
+              <a:rPr lang="en-US" dirty="0" smtClean="0"/>
+              <a:t>Italy/ VL_QR|HT</a:t>
+            </a:r>
+            <a:endParaRPr lang="en-US" dirty="0"/>
+          </a:p>
+        </p:txBody>
+      </p:sp>
+      <p:pic>
+        <p:nvPicPr>
+          <p:cNvPr id="5" name="Content Placeholder 4"/>
+          <p:cNvPicPr>
+            <a:picLocks noGrp="1"/>
+          </p:cNvPicPr>
+          <p:nvPr>
+            <p:ph idx="1"/>
+          </p:nvPr>
+        </p:nvPicPr>
+        <p:blipFill>
+          <a:blip r:embed="rId2">
+            <a:extLst>
+              <a:ext uri="{28A0092B-C50C-407E-A947-70E740481C1C}">
+                <a14:useLocalDpi xmlns:a14="http://schemas.microsoft.com/office/drawing/2010/main" val="0"/>
+              </a:ext>
+            </a:extLst>
+          </a:blip>
+          <a:srcRect/>
+          <a:stretch>
+            <a:fillRect/>
+          </a:stretch>
+        </p:blipFill>
+        <p:spPr bwMode="auto">
+          <a:xfrm>
+            <a:off x="838201" y="1676400"/>
+            <a:ext cx="6800466" cy="3829638"/>
+          </a:xfrm>
+          <a:prstGeom prst="rect">
+            <a:avLst/>
+          </a:prstGeom>
+          <a:noFill/>
+          <a:ln>
+            <a:noFill/>
+          </a:ln>
+        </p:spPr>
+      </p:pic>
+    </p:spTree>
+    <p:extLst>
+      <p:ext uri="{BB962C8B-B14F-4D97-AF65-F5344CB8AC3E}">
+        <p14:creationId xmlns:p14="http://schemas.microsoft.com/office/powerpoint/2010/main" val="2090889323"/>
+      </p:ext>
+    </p:extLst>
+  </p:cSld>
+  <p:clrMapOvr>
+    <a:masterClrMapping/>
+  </p:clrMapOvr>
+</p:sld>
+</file>
+
+<file path=ppt/slides/slide45.xml><?xml version="1.0" encoding="utf-8"?>
+<p:sld xmlns:a="http://schemas.openxmlformats.org/drawingml/2006/main" xmlns:r="http://schemas.openxmlformats.org/officeDocument/2006/relationships" xmlns:p="http://schemas.openxmlformats.org/presentationml/2006/main">
+  <p:cSld>
+    <p:spTree>
+      <p:nvGrpSpPr>
+        <p:cNvPr id="1" name=""/>
+        <p:cNvGrpSpPr/>
+        <p:nvPr/>
+      </p:nvGrpSpPr>
+      <p:grpSpPr>
+        <a:xfrm>
+          <a:off x="0" y="0"/>
+          <a:ext cx="0" cy="0"/>
+          <a:chOff x="0" y="0"/>
+          <a:chExt cx="0" cy="0"/>
+        </a:xfrm>
+      </p:grpSpPr>
+      <p:sp>
+        <p:nvSpPr>
+          <p:cNvPr id="2" name="Title 1"/>
+          <p:cNvSpPr>
+            <a:spLocks noGrp="1"/>
+          </p:cNvSpPr>
+          <p:nvPr>
+            <p:ph type="title"/>
+          </p:nvPr>
+        </p:nvSpPr>
+        <p:spPr/>
+        <p:txBody>
+          <a:bodyPr/>
+          <a:lstStyle/>
+          <a:p>
+            <a:r>
+              <a:rPr lang="en-US" dirty="0"/>
+              <a:t>Power Demand In Italy/ </a:t>
+            </a:r>
+            <a:r>
+              <a:rPr lang="en-US" dirty="0" smtClean="0"/>
+              <a:t>VL_EP|HT</a:t>
+            </a:r>
+            <a:endParaRPr lang="en-US" dirty="0"/>
+          </a:p>
+        </p:txBody>
+      </p:sp>
+      <p:pic>
+        <p:nvPicPr>
+          <p:cNvPr id="4" name="Content Placeholder 3"/>
+          <p:cNvPicPr>
+            <a:picLocks noGrp="1"/>
+          </p:cNvPicPr>
+          <p:nvPr>
+            <p:ph idx="1"/>
+          </p:nvPr>
+        </p:nvPicPr>
+        <p:blipFill>
+          <a:blip r:embed="rId2">
+            <a:extLst>
+              <a:ext uri="{28A0092B-C50C-407E-A947-70E740481C1C}">
+                <a14:useLocalDpi xmlns:a14="http://schemas.microsoft.com/office/drawing/2010/main" val="0"/>
+              </a:ext>
+            </a:extLst>
+          </a:blip>
+          <a:srcRect/>
+          <a:stretch>
+            <a:fillRect/>
+          </a:stretch>
+        </p:blipFill>
+        <p:spPr bwMode="auto">
+          <a:xfrm>
+            <a:off x="838200" y="1524000"/>
+            <a:ext cx="6790943" cy="4030105"/>
+          </a:xfrm>
+          <a:prstGeom prst="rect">
+            <a:avLst/>
+          </a:prstGeom>
+          <a:noFill/>
+          <a:ln>
+            <a:noFill/>
+          </a:ln>
+        </p:spPr>
+      </p:pic>
+    </p:spTree>
+    <p:extLst>
+      <p:ext uri="{BB962C8B-B14F-4D97-AF65-F5344CB8AC3E}">
+        <p14:creationId xmlns:p14="http://schemas.microsoft.com/office/powerpoint/2010/main" val="1940668120"/>
+      </p:ext>
+    </p:extLst>
+  </p:cSld>
+  <p:clrMapOvr>
+    <a:masterClrMapping/>
+  </p:clrMapOvr>
+</p:sld>
+</file>
+
+<file path=ppt/slides/slide46.xml><?xml version="1.0" encoding="utf-8"?>
+<p:sld xmlns:a="http://schemas.openxmlformats.org/drawingml/2006/main" xmlns:r="http://schemas.openxmlformats.org/officeDocument/2006/relationships" xmlns:p="http://schemas.openxmlformats.org/presentationml/2006/main">
+  <p:cSld>
+    <p:spTree>
+      <p:nvGrpSpPr>
+        <p:cNvPr id="1" name=""/>
+        <p:cNvGrpSpPr/>
+        <p:nvPr/>
+      </p:nvGrpSpPr>
+      <p:grpSpPr>
+        <a:xfrm>
+          <a:off x="0" y="0"/>
+          <a:ext cx="0" cy="0"/>
+          <a:chOff x="0" y="0"/>
+          <a:chExt cx="0" cy="0"/>
+        </a:xfrm>
+      </p:grpSpPr>
+      <p:sp>
+        <p:nvSpPr>
+          <p:cNvPr id="2" name="Title 1"/>
+          <p:cNvSpPr>
+            <a:spLocks noGrp="1"/>
+          </p:cNvSpPr>
+          <p:nvPr>
+            <p:ph type="title"/>
+          </p:nvPr>
+        </p:nvSpPr>
+        <p:spPr/>
+        <p:txBody>
+          <a:bodyPr/>
+          <a:lstStyle/>
+          <a:p>
+            <a:r>
+              <a:rPr lang="en-US" dirty="0"/>
+              <a:t>Power Demand In Italy/ </a:t>
+            </a:r>
+            <a:r>
+              <a:rPr lang="en-US" dirty="0" smtClean="0"/>
+              <a:t>HOT SAX</a:t>
+            </a:r>
+            <a:endParaRPr lang="en-US" dirty="0"/>
+          </a:p>
+        </p:txBody>
+      </p:sp>
+      <p:pic>
+        <p:nvPicPr>
+          <p:cNvPr id="4" name="Content Placeholder 3"/>
+          <p:cNvPicPr>
+            <a:picLocks noGrp="1"/>
+          </p:cNvPicPr>
+          <p:nvPr>
+            <p:ph idx="1"/>
+          </p:nvPr>
+        </p:nvPicPr>
+        <p:blipFill>
+          <a:blip r:embed="rId2">
+            <a:extLst>
+              <a:ext uri="{28A0092B-C50C-407E-A947-70E740481C1C}">
+                <a14:useLocalDpi xmlns:a14="http://schemas.microsoft.com/office/drawing/2010/main" val="0"/>
+              </a:ext>
+            </a:extLst>
+          </a:blip>
+          <a:srcRect/>
+          <a:stretch>
+            <a:fillRect/>
+          </a:stretch>
+        </p:blipFill>
+        <p:spPr bwMode="auto">
+          <a:xfrm>
+            <a:off x="1066800" y="1676400"/>
+            <a:ext cx="6577441" cy="3858652"/>
+          </a:xfrm>
+          <a:prstGeom prst="rect">
+            <a:avLst/>
+          </a:prstGeom>
+          <a:noFill/>
+          <a:ln>
+            <a:noFill/>
+          </a:ln>
+        </p:spPr>
+      </p:pic>
+    </p:spTree>
+    <p:extLst>
+      <p:ext uri="{BB962C8B-B14F-4D97-AF65-F5344CB8AC3E}">
+        <p14:creationId xmlns:p14="http://schemas.microsoft.com/office/powerpoint/2010/main" val="2408211715"/>
+      </p:ext>
+    </p:extLst>
+  </p:cSld>
+  <p:clrMapOvr>
+    <a:masterClrMapping/>
+  </p:clrMapOvr>
+</p:sld>
+</file>
+
+<file path=ppt/slides/slide47.xml><?xml version="1.0" encoding="utf-8"?>
+<p:sld xmlns:a="http://schemas.openxmlformats.org/drawingml/2006/main" xmlns:r="http://schemas.openxmlformats.org/officeDocument/2006/relationships" xmlns:p="http://schemas.openxmlformats.org/presentationml/2006/main">
+  <p:cSld>
+    <p:spTree>
+      <p:nvGrpSpPr>
+        <p:cNvPr id="1" name=""/>
+        <p:cNvGrpSpPr/>
+        <p:nvPr/>
+      </p:nvGrpSpPr>
+      <p:grpSpPr>
+        <a:xfrm>
+          <a:off x="0" y="0"/>
+          <a:ext cx="0" cy="0"/>
+          <a:chOff x="0" y="0"/>
+          <a:chExt cx="0" cy="0"/>
+        </a:xfrm>
+      </p:grpSpPr>
+      <p:sp>
+        <p:nvSpPr>
+          <p:cNvPr id="2" name="Title 1"/>
+          <p:cNvSpPr>
+            <a:spLocks noGrp="1"/>
+          </p:cNvSpPr>
+          <p:nvPr>
+            <p:ph type="title"/>
+          </p:nvPr>
+        </p:nvSpPr>
+        <p:spPr/>
+        <p:txBody>
+          <a:bodyPr/>
+          <a:lstStyle/>
+          <a:p>
+            <a:r>
+              <a:rPr lang="en-US" dirty="0"/>
+              <a:t>Dutch Power </a:t>
+            </a:r>
+            <a:r>
+              <a:rPr lang="en-US" dirty="0" smtClean="0"/>
+              <a:t>Demand/ VL_QR | HT</a:t>
+            </a:r>
+            <a:endParaRPr lang="en-US" dirty="0"/>
+          </a:p>
+        </p:txBody>
+      </p:sp>
+      <p:pic>
+        <p:nvPicPr>
+          <p:cNvPr id="4" name="Content Placeholder 3"/>
+          <p:cNvPicPr>
+            <a:picLocks noGrp="1"/>
+          </p:cNvPicPr>
+          <p:nvPr>
+            <p:ph idx="1"/>
+          </p:nvPr>
+        </p:nvPicPr>
+        <p:blipFill>
+          <a:blip r:embed="rId2">
+            <a:extLst>
+              <a:ext uri="{28A0092B-C50C-407E-A947-70E740481C1C}">
+                <a14:useLocalDpi xmlns:a14="http://schemas.microsoft.com/office/drawing/2010/main" val="0"/>
+              </a:ext>
+            </a:extLst>
+          </a:blip>
+          <a:srcRect/>
+          <a:stretch>
+            <a:fillRect/>
+          </a:stretch>
+        </p:blipFill>
+        <p:spPr bwMode="auto">
+          <a:xfrm>
+            <a:off x="457200" y="1666429"/>
+            <a:ext cx="8229600" cy="4393504"/>
+          </a:xfrm>
+          <a:prstGeom prst="rect">
+            <a:avLst/>
+          </a:prstGeom>
+          <a:noFill/>
+          <a:ln>
+            <a:noFill/>
+          </a:ln>
+        </p:spPr>
+      </p:pic>
+    </p:spTree>
+    <p:extLst>
+      <p:ext uri="{BB962C8B-B14F-4D97-AF65-F5344CB8AC3E}">
+        <p14:creationId xmlns:p14="http://schemas.microsoft.com/office/powerpoint/2010/main" val="4097262120"/>
+      </p:ext>
+    </p:extLst>
+  </p:cSld>
+  <p:clrMapOvr>
+    <a:masterClrMapping/>
+  </p:clrMapOvr>
+</p:sld>
+</file>
+
+<file path=ppt/slides/slide48.xml><?xml version="1.0" encoding="utf-8"?>
+<p:sld xmlns:a="http://schemas.openxmlformats.org/drawingml/2006/main" xmlns:r="http://schemas.openxmlformats.org/officeDocument/2006/relationships" xmlns:p="http://schemas.openxmlformats.org/presentationml/2006/main">
+  <p:cSld>
+    <p:spTree>
+      <p:nvGrpSpPr>
+        <p:cNvPr id="1" name=""/>
+        <p:cNvGrpSpPr/>
+        <p:nvPr/>
+      </p:nvGrpSpPr>
+      <p:grpSpPr>
+        <a:xfrm>
+          <a:off x="0" y="0"/>
+          <a:ext cx="0" cy="0"/>
+          <a:chOff x="0" y="0"/>
+          <a:chExt cx="0" cy="0"/>
+        </a:xfrm>
+      </p:grpSpPr>
+      <p:sp>
+        <p:nvSpPr>
+          <p:cNvPr id="2" name="Title 1"/>
+          <p:cNvSpPr>
+            <a:spLocks noGrp="1"/>
+          </p:cNvSpPr>
+          <p:nvPr>
+            <p:ph type="title"/>
+          </p:nvPr>
+        </p:nvSpPr>
+        <p:spPr/>
+        <p:txBody>
+          <a:bodyPr/>
+          <a:lstStyle/>
+          <a:p>
+            <a:r>
+              <a:rPr lang="en-US" dirty="0"/>
+              <a:t>Dutch Power Demand/ </a:t>
+            </a:r>
+            <a:r>
+              <a:rPr lang="en-US" dirty="0" smtClean="0"/>
+              <a:t>VL_EP </a:t>
+            </a:r>
+            <a:r>
+              <a:rPr lang="en-US" dirty="0"/>
+              <a:t>| HT</a:t>
+            </a:r>
+          </a:p>
+        </p:txBody>
+      </p:sp>
+      <p:pic>
+        <p:nvPicPr>
+          <p:cNvPr id="4" name="Content Placeholder 3"/>
+          <p:cNvPicPr>
+            <a:picLocks noGrp="1"/>
+          </p:cNvPicPr>
+          <p:nvPr>
+            <p:ph idx="1"/>
+          </p:nvPr>
+        </p:nvPicPr>
+        <p:blipFill>
+          <a:blip r:embed="rId2">
+            <a:extLst>
+              <a:ext uri="{28A0092B-C50C-407E-A947-70E740481C1C}">
+                <a14:useLocalDpi xmlns:a14="http://schemas.microsoft.com/office/drawing/2010/main" val="0"/>
+              </a:ext>
+            </a:extLst>
+          </a:blip>
+          <a:srcRect/>
+          <a:stretch>
+            <a:fillRect/>
+          </a:stretch>
+        </p:blipFill>
+        <p:spPr bwMode="auto">
+          <a:xfrm>
+            <a:off x="457200" y="1677536"/>
+            <a:ext cx="8229600" cy="4371291"/>
+          </a:xfrm>
+          <a:prstGeom prst="rect">
+            <a:avLst/>
+          </a:prstGeom>
+          <a:noFill/>
+          <a:ln>
+            <a:noFill/>
+          </a:ln>
+        </p:spPr>
+      </p:pic>
+    </p:spTree>
+    <p:extLst>
+      <p:ext uri="{BB962C8B-B14F-4D97-AF65-F5344CB8AC3E}">
+        <p14:creationId xmlns:p14="http://schemas.microsoft.com/office/powerpoint/2010/main" val="570495450"/>
+      </p:ext>
+    </p:extLst>
+  </p:cSld>
+  <p:clrMapOvr>
+    <a:masterClrMapping/>
+  </p:clrMapOvr>
+</p:sld>
+</file>
+
+<file path=ppt/slides/slide49.xml><?xml version="1.0" encoding="utf-8"?>
+<p:sld xmlns:a="http://schemas.openxmlformats.org/drawingml/2006/main" xmlns:r="http://schemas.openxmlformats.org/officeDocument/2006/relationships" xmlns:p="http://schemas.openxmlformats.org/presentationml/2006/main">
+  <p:cSld>
+    <p:spTree>
+      <p:nvGrpSpPr>
+        <p:cNvPr id="1" name=""/>
+        <p:cNvGrpSpPr/>
+        <p:nvPr/>
+      </p:nvGrpSpPr>
+      <p:grpSpPr>
+        <a:xfrm>
+          <a:off x="0" y="0"/>
+          <a:ext cx="0" cy="0"/>
+          <a:chOff x="0" y="0"/>
+          <a:chExt cx="0" cy="0"/>
+        </a:xfrm>
+      </p:grpSpPr>
+      <p:sp>
+        <p:nvSpPr>
+          <p:cNvPr id="2" name="Title 1"/>
+          <p:cNvSpPr>
+            <a:spLocks noGrp="1"/>
+          </p:cNvSpPr>
+          <p:nvPr>
+            <p:ph type="title"/>
+          </p:nvPr>
+        </p:nvSpPr>
+        <p:spPr/>
+        <p:txBody>
+          <a:bodyPr/>
+          <a:lstStyle/>
+          <a:p>
+            <a:r>
+              <a:rPr lang="en-US" dirty="0"/>
+              <a:t>Dutch Power Demand/ </a:t>
+            </a:r>
+            <a:r>
+              <a:rPr lang="en-US" dirty="0" smtClean="0"/>
+              <a:t>HOT SAX</a:t>
+            </a:r>
+            <a:endParaRPr lang="en-US" dirty="0"/>
+          </a:p>
+        </p:txBody>
+      </p:sp>
+      <p:pic>
+        <p:nvPicPr>
+          <p:cNvPr id="4" name="Content Placeholder 3"/>
+          <p:cNvPicPr>
+            <a:picLocks noGrp="1"/>
+          </p:cNvPicPr>
+          <p:nvPr>
+            <p:ph idx="1"/>
+          </p:nvPr>
+        </p:nvPicPr>
+        <p:blipFill>
+          <a:blip r:embed="rId2">
+            <a:extLst>
+              <a:ext uri="{28A0092B-C50C-407E-A947-70E740481C1C}">
+                <a14:useLocalDpi xmlns:a14="http://schemas.microsoft.com/office/drawing/2010/main" val="0"/>
+              </a:ext>
+            </a:extLst>
+          </a:blip>
+          <a:srcRect/>
+          <a:stretch>
+            <a:fillRect/>
+          </a:stretch>
+        </p:blipFill>
+        <p:spPr bwMode="auto">
+          <a:xfrm>
+            <a:off x="457200" y="1667031"/>
+            <a:ext cx="8229600" cy="4392300"/>
+          </a:xfrm>
+          <a:prstGeom prst="rect">
+            <a:avLst/>
+          </a:prstGeom>
+          <a:noFill/>
+          <a:ln>
+            <a:noFill/>
+          </a:ln>
+        </p:spPr>
+      </p:pic>
+    </p:spTree>
+    <p:extLst>
+      <p:ext uri="{BB962C8B-B14F-4D97-AF65-F5344CB8AC3E}">
+        <p14:creationId xmlns:p14="http://schemas.microsoft.com/office/powerpoint/2010/main" val="699681163"/>
+      </p:ext>
+    </p:extLst>
+  </p:cSld>
+  <p:clrMapOvr>
+    <a:masterClrMapping/>
+  </p:clrMapOvr>
+</p:sld>
+</file>
+
 <file path=ppt/slides/slide5.xml><?xml version="1.0" encoding="utf-8"?>
 <p:sld xmlns:a="http://schemas.openxmlformats.org/drawingml/2006/main" xmlns:r="http://schemas.openxmlformats.org/officeDocument/2006/relationships" xmlns:p="http://schemas.openxmlformats.org/presentationml/2006/main">
   <p:cSld>
@@ -9494,6 +11254,1849 @@
     <p:extLst>
       <p:ext uri="{BB962C8B-B14F-4D97-AF65-F5344CB8AC3E}">
         <p14:creationId xmlns:p14="http://schemas.microsoft.com/office/powerpoint/2010/main" val="2947361703"/>
+      </p:ext>
+    </p:extLst>
+  </p:cSld>
+  <p:clrMapOvr>
+    <a:masterClrMapping/>
+  </p:clrMapOvr>
+  <p:timing>
+    <p:tnLst>
+      <p:par>
+        <p:cTn id="1" dur="indefinite" restart="never" nodeType="tmRoot"/>
+      </p:par>
+    </p:tnLst>
+  </p:timing>
+</p:sld>
+</file>
+
+<file path=ppt/slides/slide50.xml><?xml version="1.0" encoding="utf-8"?>
+<p:sld xmlns:a="http://schemas.openxmlformats.org/drawingml/2006/main" xmlns:r="http://schemas.openxmlformats.org/officeDocument/2006/relationships" xmlns:p="http://schemas.openxmlformats.org/presentationml/2006/main">
+  <p:cSld>
+    <p:spTree>
+      <p:nvGrpSpPr>
+        <p:cNvPr id="1" name=""/>
+        <p:cNvGrpSpPr/>
+        <p:nvPr/>
+      </p:nvGrpSpPr>
+      <p:grpSpPr>
+        <a:xfrm>
+          <a:off x="0" y="0"/>
+          <a:ext cx="0" cy="0"/>
+          <a:chOff x="0" y="0"/>
+          <a:chExt cx="0" cy="0"/>
+        </a:xfrm>
+      </p:grpSpPr>
+      <p:sp>
+        <p:nvSpPr>
+          <p:cNvPr id="2" name="Title 1"/>
+          <p:cNvSpPr>
+            <a:spLocks noGrp="1"/>
+          </p:cNvSpPr>
+          <p:nvPr>
+            <p:ph type="title"/>
+          </p:nvPr>
+        </p:nvSpPr>
+        <p:spPr/>
+        <p:txBody>
+          <a:bodyPr/>
+          <a:lstStyle/>
+          <a:p>
+            <a:r>
+              <a:rPr lang="en-US" dirty="0"/>
+              <a:t>Stock20/ VL_QR | HT</a:t>
+            </a:r>
+          </a:p>
+        </p:txBody>
+      </p:sp>
+      <p:pic>
+        <p:nvPicPr>
+          <p:cNvPr id="4" name="Content Placeholder 3"/>
+          <p:cNvPicPr>
+            <a:picLocks noGrp="1"/>
+          </p:cNvPicPr>
+          <p:nvPr>
+            <p:ph idx="1"/>
+          </p:nvPr>
+        </p:nvPicPr>
+        <p:blipFill>
+          <a:blip r:embed="rId2">
+            <a:extLst>
+              <a:ext uri="{28A0092B-C50C-407E-A947-70E740481C1C}">
+                <a14:useLocalDpi xmlns:a14="http://schemas.microsoft.com/office/drawing/2010/main" val="0"/>
+              </a:ext>
+            </a:extLst>
+          </a:blip>
+          <a:srcRect/>
+          <a:stretch>
+            <a:fillRect/>
+          </a:stretch>
+        </p:blipFill>
+        <p:spPr bwMode="auto">
+          <a:xfrm>
+            <a:off x="914400" y="1752600"/>
+            <a:ext cx="6752838" cy="3801505"/>
+          </a:xfrm>
+          <a:prstGeom prst="rect">
+            <a:avLst/>
+          </a:prstGeom>
+          <a:noFill/>
+          <a:ln>
+            <a:noFill/>
+          </a:ln>
+        </p:spPr>
+      </p:pic>
+    </p:spTree>
+    <p:extLst>
+      <p:ext uri="{BB962C8B-B14F-4D97-AF65-F5344CB8AC3E}">
+        <p14:creationId xmlns:p14="http://schemas.microsoft.com/office/powerpoint/2010/main" val="3239381696"/>
+      </p:ext>
+    </p:extLst>
+  </p:cSld>
+  <p:clrMapOvr>
+    <a:masterClrMapping/>
+  </p:clrMapOvr>
+</p:sld>
+</file>
+
+<file path=ppt/slides/slide51.xml><?xml version="1.0" encoding="utf-8"?>
+<p:sld xmlns:a="http://schemas.openxmlformats.org/drawingml/2006/main" xmlns:r="http://schemas.openxmlformats.org/officeDocument/2006/relationships" xmlns:p="http://schemas.openxmlformats.org/presentationml/2006/main">
+  <p:cSld>
+    <p:spTree>
+      <p:nvGrpSpPr>
+        <p:cNvPr id="1" name=""/>
+        <p:cNvGrpSpPr/>
+        <p:nvPr/>
+      </p:nvGrpSpPr>
+      <p:grpSpPr>
+        <a:xfrm>
+          <a:off x="0" y="0"/>
+          <a:ext cx="0" cy="0"/>
+          <a:chOff x="0" y="0"/>
+          <a:chExt cx="0" cy="0"/>
+        </a:xfrm>
+      </p:grpSpPr>
+      <p:sp>
+        <p:nvSpPr>
+          <p:cNvPr id="2" name="Title 1"/>
+          <p:cNvSpPr>
+            <a:spLocks noGrp="1"/>
+          </p:cNvSpPr>
+          <p:nvPr>
+            <p:ph type="title"/>
+          </p:nvPr>
+        </p:nvSpPr>
+        <p:spPr/>
+        <p:txBody>
+          <a:bodyPr/>
+          <a:lstStyle/>
+          <a:p>
+            <a:r>
+              <a:rPr lang="en-US" dirty="0"/>
+              <a:t>Stock20/ </a:t>
+            </a:r>
+            <a:r>
+              <a:rPr lang="en-US" dirty="0" smtClean="0"/>
+              <a:t>VL_EP </a:t>
+            </a:r>
+            <a:r>
+              <a:rPr lang="en-US" dirty="0"/>
+              <a:t>| HT</a:t>
+            </a:r>
+          </a:p>
+        </p:txBody>
+      </p:sp>
+      <p:pic>
+        <p:nvPicPr>
+          <p:cNvPr id="4" name="Content Placeholder 3"/>
+          <p:cNvPicPr>
+            <a:picLocks noGrp="1"/>
+          </p:cNvPicPr>
+          <p:nvPr>
+            <p:ph idx="1"/>
+          </p:nvPr>
+        </p:nvPicPr>
+        <p:blipFill>
+          <a:blip r:embed="rId2">
+            <a:extLst>
+              <a:ext uri="{28A0092B-C50C-407E-A947-70E740481C1C}">
+                <a14:useLocalDpi xmlns:a14="http://schemas.microsoft.com/office/drawing/2010/main" val="0"/>
+              </a:ext>
+            </a:extLst>
+          </a:blip>
+          <a:srcRect/>
+          <a:stretch>
+            <a:fillRect/>
+          </a:stretch>
+        </p:blipFill>
+        <p:spPr bwMode="auto">
+          <a:xfrm>
+            <a:off x="609601" y="1524000"/>
+            <a:ext cx="7038590" cy="4034419"/>
+          </a:xfrm>
+          <a:prstGeom prst="rect">
+            <a:avLst/>
+          </a:prstGeom>
+          <a:noFill/>
+          <a:ln>
+            <a:noFill/>
+          </a:ln>
+        </p:spPr>
+      </p:pic>
+    </p:spTree>
+    <p:extLst>
+      <p:ext uri="{BB962C8B-B14F-4D97-AF65-F5344CB8AC3E}">
+        <p14:creationId xmlns:p14="http://schemas.microsoft.com/office/powerpoint/2010/main" val="311695517"/>
+      </p:ext>
+    </p:extLst>
+  </p:cSld>
+  <p:clrMapOvr>
+    <a:masterClrMapping/>
+  </p:clrMapOvr>
+</p:sld>
+</file>
+
+<file path=ppt/slides/slide52.xml><?xml version="1.0" encoding="utf-8"?>
+<p:sld xmlns:a="http://schemas.openxmlformats.org/drawingml/2006/main" xmlns:r="http://schemas.openxmlformats.org/officeDocument/2006/relationships" xmlns:p="http://schemas.openxmlformats.org/presentationml/2006/main">
+  <p:cSld>
+    <p:spTree>
+      <p:nvGrpSpPr>
+        <p:cNvPr id="1" name=""/>
+        <p:cNvGrpSpPr/>
+        <p:nvPr/>
+      </p:nvGrpSpPr>
+      <p:grpSpPr>
+        <a:xfrm>
+          <a:off x="0" y="0"/>
+          <a:ext cx="0" cy="0"/>
+          <a:chOff x="0" y="0"/>
+          <a:chExt cx="0" cy="0"/>
+        </a:xfrm>
+      </p:grpSpPr>
+      <p:sp>
+        <p:nvSpPr>
+          <p:cNvPr id="2" name="Title 1"/>
+          <p:cNvSpPr>
+            <a:spLocks noGrp="1"/>
+          </p:cNvSpPr>
+          <p:nvPr>
+            <p:ph type="title"/>
+          </p:nvPr>
+        </p:nvSpPr>
+        <p:spPr/>
+        <p:txBody>
+          <a:bodyPr/>
+          <a:lstStyle/>
+          <a:p>
+            <a:r>
+              <a:rPr lang="en-US" dirty="0" smtClean="0"/>
+              <a:t>Stock20/ HOT SAX</a:t>
+            </a:r>
+            <a:endParaRPr lang="en-US" dirty="0"/>
+          </a:p>
+        </p:txBody>
+      </p:sp>
+      <p:pic>
+        <p:nvPicPr>
+          <p:cNvPr id="4" name="Content Placeholder 3"/>
+          <p:cNvPicPr>
+            <a:picLocks noGrp="1"/>
+          </p:cNvPicPr>
+          <p:nvPr>
+            <p:ph idx="1"/>
+          </p:nvPr>
+        </p:nvPicPr>
+        <p:blipFill>
+          <a:blip r:embed="rId2">
+            <a:extLst>
+              <a:ext uri="{28A0092B-C50C-407E-A947-70E740481C1C}">
+                <a14:useLocalDpi xmlns:a14="http://schemas.microsoft.com/office/drawing/2010/main" val="0"/>
+              </a:ext>
+            </a:extLst>
+          </a:blip>
+          <a:srcRect/>
+          <a:stretch>
+            <a:fillRect/>
+          </a:stretch>
+        </p:blipFill>
+        <p:spPr bwMode="auto">
+          <a:xfrm>
+            <a:off x="914400" y="1600200"/>
+            <a:ext cx="6695695" cy="3905838"/>
+          </a:xfrm>
+          <a:prstGeom prst="rect">
+            <a:avLst/>
+          </a:prstGeom>
+          <a:noFill/>
+          <a:ln>
+            <a:noFill/>
+          </a:ln>
+        </p:spPr>
+      </p:pic>
+    </p:spTree>
+    <p:extLst>
+      <p:ext uri="{BB962C8B-B14F-4D97-AF65-F5344CB8AC3E}">
+        <p14:creationId xmlns:p14="http://schemas.microsoft.com/office/powerpoint/2010/main" val="3279528844"/>
+      </p:ext>
+    </p:extLst>
+  </p:cSld>
+  <p:clrMapOvr>
+    <a:masterClrMapping/>
+  </p:clrMapOvr>
+  <p:timing>
+    <p:tnLst>
+      <p:par>
+        <p:cTn id="1" dur="indefinite" restart="never" nodeType="tmRoot"/>
+      </p:par>
+    </p:tnLst>
+  </p:timing>
+</p:sld>
+</file>
+
+<file path=ppt/slides/slide53.xml><?xml version="1.0" encoding="utf-8"?>
+<p:sld xmlns:a="http://schemas.openxmlformats.org/drawingml/2006/main" xmlns:r="http://schemas.openxmlformats.org/officeDocument/2006/relationships" xmlns:p="http://schemas.openxmlformats.org/presentationml/2006/main">
+  <p:cSld>
+    <p:spTree>
+      <p:nvGrpSpPr>
+        <p:cNvPr id="1" name=""/>
+        <p:cNvGrpSpPr/>
+        <p:nvPr/>
+      </p:nvGrpSpPr>
+      <p:grpSpPr>
+        <a:xfrm>
+          <a:off x="0" y="0"/>
+          <a:ext cx="0" cy="0"/>
+          <a:chOff x="0" y="0"/>
+          <a:chExt cx="0" cy="0"/>
+        </a:xfrm>
+      </p:grpSpPr>
+      <p:sp>
+        <p:nvSpPr>
+          <p:cNvPr id="2" name="Title 1"/>
+          <p:cNvSpPr>
+            <a:spLocks noGrp="1"/>
+          </p:cNvSpPr>
+          <p:nvPr>
+            <p:ph type="title"/>
+          </p:nvPr>
+        </p:nvSpPr>
+        <p:spPr/>
+        <p:txBody>
+          <a:bodyPr/>
+          <a:lstStyle/>
+          <a:p>
+            <a:r>
+              <a:rPr lang="en-US" dirty="0" smtClean="0"/>
+              <a:t>TEK16/ </a:t>
+            </a:r>
+            <a:r>
+              <a:rPr lang="en-US" dirty="0"/>
+              <a:t>VL_QR | HT</a:t>
+            </a:r>
+          </a:p>
+        </p:txBody>
+      </p:sp>
+      <p:pic>
+        <p:nvPicPr>
+          <p:cNvPr id="4" name="Content Placeholder 3"/>
+          <p:cNvPicPr>
+            <a:picLocks noGrp="1"/>
+          </p:cNvPicPr>
+          <p:nvPr>
+            <p:ph idx="1"/>
+          </p:nvPr>
+        </p:nvPicPr>
+        <p:blipFill>
+          <a:blip r:embed="rId2">
+            <a:extLst>
+              <a:ext uri="{28A0092B-C50C-407E-A947-70E740481C1C}">
+                <a14:useLocalDpi xmlns:a14="http://schemas.microsoft.com/office/drawing/2010/main" val="0"/>
+              </a:ext>
+            </a:extLst>
+          </a:blip>
+          <a:srcRect/>
+          <a:stretch>
+            <a:fillRect/>
+          </a:stretch>
+        </p:blipFill>
+        <p:spPr bwMode="auto">
+          <a:xfrm>
+            <a:off x="990600" y="1676401"/>
+            <a:ext cx="6614733" cy="3825310"/>
+          </a:xfrm>
+          <a:prstGeom prst="rect">
+            <a:avLst/>
+          </a:prstGeom>
+          <a:noFill/>
+          <a:ln>
+            <a:noFill/>
+          </a:ln>
+        </p:spPr>
+      </p:pic>
+    </p:spTree>
+    <p:extLst>
+      <p:ext uri="{BB962C8B-B14F-4D97-AF65-F5344CB8AC3E}">
+        <p14:creationId xmlns:p14="http://schemas.microsoft.com/office/powerpoint/2010/main" val="291088050"/>
+      </p:ext>
+    </p:extLst>
+  </p:cSld>
+  <p:clrMapOvr>
+    <a:masterClrMapping/>
+  </p:clrMapOvr>
+  <p:timing>
+    <p:tnLst>
+      <p:par>
+        <p:cTn id="1" dur="indefinite" restart="never" nodeType="tmRoot"/>
+      </p:par>
+    </p:tnLst>
+  </p:timing>
+</p:sld>
+</file>
+
+<file path=ppt/slides/slide54.xml><?xml version="1.0" encoding="utf-8"?>
+<p:sld xmlns:a="http://schemas.openxmlformats.org/drawingml/2006/main" xmlns:r="http://schemas.openxmlformats.org/officeDocument/2006/relationships" xmlns:p="http://schemas.openxmlformats.org/presentationml/2006/main">
+  <p:cSld>
+    <p:spTree>
+      <p:nvGrpSpPr>
+        <p:cNvPr id="1" name=""/>
+        <p:cNvGrpSpPr/>
+        <p:nvPr/>
+      </p:nvGrpSpPr>
+      <p:grpSpPr>
+        <a:xfrm>
+          <a:off x="0" y="0"/>
+          <a:ext cx="0" cy="0"/>
+          <a:chOff x="0" y="0"/>
+          <a:chExt cx="0" cy="0"/>
+        </a:xfrm>
+      </p:grpSpPr>
+      <p:sp>
+        <p:nvSpPr>
+          <p:cNvPr id="2" name="Title 1"/>
+          <p:cNvSpPr>
+            <a:spLocks noGrp="1"/>
+          </p:cNvSpPr>
+          <p:nvPr>
+            <p:ph type="title"/>
+          </p:nvPr>
+        </p:nvSpPr>
+        <p:spPr/>
+        <p:txBody>
+          <a:bodyPr/>
+          <a:lstStyle/>
+          <a:p>
+            <a:r>
+              <a:rPr lang="en-US" dirty="0"/>
+              <a:t>TEK16/ </a:t>
+            </a:r>
+            <a:r>
+              <a:rPr lang="en-US" dirty="0" smtClean="0"/>
+              <a:t>VL_EP </a:t>
+            </a:r>
+            <a:r>
+              <a:rPr lang="en-US" dirty="0"/>
+              <a:t>| HT</a:t>
+            </a:r>
+          </a:p>
+        </p:txBody>
+      </p:sp>
+      <p:pic>
+        <p:nvPicPr>
+          <p:cNvPr id="4" name="Content Placeholder 3"/>
+          <p:cNvPicPr>
+            <a:picLocks noGrp="1"/>
+          </p:cNvPicPr>
+          <p:nvPr>
+            <p:ph idx="1"/>
+          </p:nvPr>
+        </p:nvPicPr>
+        <p:blipFill>
+          <a:blip r:embed="rId2">
+            <a:extLst>
+              <a:ext uri="{28A0092B-C50C-407E-A947-70E740481C1C}">
+                <a14:useLocalDpi xmlns:a14="http://schemas.microsoft.com/office/drawing/2010/main" val="0"/>
+              </a:ext>
+            </a:extLst>
+          </a:blip>
+          <a:srcRect/>
+          <a:stretch>
+            <a:fillRect/>
+          </a:stretch>
+        </p:blipFill>
+        <p:spPr bwMode="auto">
+          <a:xfrm>
+            <a:off x="457200" y="1669960"/>
+            <a:ext cx="8229600" cy="4386443"/>
+          </a:xfrm>
+          <a:prstGeom prst="rect">
+            <a:avLst/>
+          </a:prstGeom>
+          <a:noFill/>
+          <a:ln>
+            <a:noFill/>
+          </a:ln>
+        </p:spPr>
+      </p:pic>
+    </p:spTree>
+    <p:extLst>
+      <p:ext uri="{BB962C8B-B14F-4D97-AF65-F5344CB8AC3E}">
+        <p14:creationId xmlns:p14="http://schemas.microsoft.com/office/powerpoint/2010/main" val="354796819"/>
+      </p:ext>
+    </p:extLst>
+  </p:cSld>
+  <p:clrMapOvr>
+    <a:masterClrMapping/>
+  </p:clrMapOvr>
+  <p:timing>
+    <p:tnLst>
+      <p:par>
+        <p:cTn id="1" dur="indefinite" restart="never" nodeType="tmRoot"/>
+      </p:par>
+    </p:tnLst>
+  </p:timing>
+</p:sld>
+</file>
+
+<file path=ppt/slides/slide55.xml><?xml version="1.0" encoding="utf-8"?>
+<p:sld xmlns:a="http://schemas.openxmlformats.org/drawingml/2006/main" xmlns:r="http://schemas.openxmlformats.org/officeDocument/2006/relationships" xmlns:p="http://schemas.openxmlformats.org/presentationml/2006/main">
+  <p:cSld>
+    <p:spTree>
+      <p:nvGrpSpPr>
+        <p:cNvPr id="1" name=""/>
+        <p:cNvGrpSpPr/>
+        <p:nvPr/>
+      </p:nvGrpSpPr>
+      <p:grpSpPr>
+        <a:xfrm>
+          <a:off x="0" y="0"/>
+          <a:ext cx="0" cy="0"/>
+          <a:chOff x="0" y="0"/>
+          <a:chExt cx="0" cy="0"/>
+        </a:xfrm>
+      </p:grpSpPr>
+      <p:sp>
+        <p:nvSpPr>
+          <p:cNvPr id="2" name="Title 1"/>
+          <p:cNvSpPr>
+            <a:spLocks noGrp="1"/>
+          </p:cNvSpPr>
+          <p:nvPr>
+            <p:ph type="title"/>
+          </p:nvPr>
+        </p:nvSpPr>
+        <p:spPr/>
+        <p:txBody>
+          <a:bodyPr/>
+          <a:lstStyle/>
+          <a:p>
+            <a:r>
+              <a:rPr lang="en-US" dirty="0"/>
+              <a:t>TEK16/ </a:t>
+            </a:r>
+            <a:r>
+              <a:rPr lang="en-US" dirty="0" smtClean="0"/>
+              <a:t>HOT SAX</a:t>
+            </a:r>
+            <a:endParaRPr lang="en-US" dirty="0"/>
+          </a:p>
+        </p:txBody>
+      </p:sp>
+      <p:pic>
+        <p:nvPicPr>
+          <p:cNvPr id="4" name="Content Placeholder 3"/>
+          <p:cNvPicPr>
+            <a:picLocks noGrp="1"/>
+          </p:cNvPicPr>
+          <p:nvPr>
+            <p:ph idx="1"/>
+          </p:nvPr>
+        </p:nvPicPr>
+        <p:blipFill>
+          <a:blip r:embed="rId2">
+            <a:extLst>
+              <a:ext uri="{28A0092B-C50C-407E-A947-70E740481C1C}">
+                <a14:useLocalDpi xmlns:a14="http://schemas.microsoft.com/office/drawing/2010/main" val="0"/>
+              </a:ext>
+            </a:extLst>
+          </a:blip>
+          <a:srcRect/>
+          <a:stretch>
+            <a:fillRect/>
+          </a:stretch>
+        </p:blipFill>
+        <p:spPr bwMode="auto">
+          <a:xfrm>
+            <a:off x="990600" y="1600200"/>
+            <a:ext cx="6614733" cy="3896315"/>
+          </a:xfrm>
+          <a:prstGeom prst="rect">
+            <a:avLst/>
+          </a:prstGeom>
+          <a:noFill/>
+          <a:ln>
+            <a:noFill/>
+          </a:ln>
+        </p:spPr>
+      </p:pic>
+    </p:spTree>
+    <p:extLst>
+      <p:ext uri="{BB962C8B-B14F-4D97-AF65-F5344CB8AC3E}">
+        <p14:creationId xmlns:p14="http://schemas.microsoft.com/office/powerpoint/2010/main" val="433064806"/>
+      </p:ext>
+    </p:extLst>
+  </p:cSld>
+  <p:clrMapOvr>
+    <a:masterClrMapping/>
+  </p:clrMapOvr>
+  <p:timing>
+    <p:tnLst>
+      <p:par>
+        <p:cTn id="1" dur="indefinite" restart="never" nodeType="tmRoot"/>
+      </p:par>
+    </p:tnLst>
+  </p:timing>
+</p:sld>
+</file>
+
+<file path=ppt/slides/slide56.xml><?xml version="1.0" encoding="utf-8"?>
+<p:sld xmlns:a="http://schemas.openxmlformats.org/drawingml/2006/main" xmlns:r="http://schemas.openxmlformats.org/officeDocument/2006/relationships" xmlns:p="http://schemas.openxmlformats.org/presentationml/2006/main">
+  <p:cSld>
+    <p:spTree>
+      <p:nvGrpSpPr>
+        <p:cNvPr id="1" name=""/>
+        <p:cNvGrpSpPr/>
+        <p:nvPr/>
+      </p:nvGrpSpPr>
+      <p:grpSpPr>
+        <a:xfrm>
+          <a:off x="0" y="0"/>
+          <a:ext cx="0" cy="0"/>
+          <a:chOff x="0" y="0"/>
+          <a:chExt cx="0" cy="0"/>
+        </a:xfrm>
+      </p:grpSpPr>
+      <p:sp>
+        <p:nvSpPr>
+          <p:cNvPr id="2" name="Title 1"/>
+          <p:cNvSpPr>
+            <a:spLocks noGrp="1"/>
+          </p:cNvSpPr>
+          <p:nvPr>
+            <p:ph type="title"/>
+          </p:nvPr>
+        </p:nvSpPr>
+        <p:spPr/>
+        <p:txBody>
+          <a:bodyPr/>
+          <a:lstStyle/>
+          <a:p>
+            <a:endParaRPr lang="en-US"/>
+          </a:p>
+        </p:txBody>
+      </p:sp>
+      <p:sp>
+        <p:nvSpPr>
+          <p:cNvPr id="4" name="Slide Number Placeholder 3"/>
+          <p:cNvSpPr>
+            <a:spLocks noGrp="1"/>
+          </p:cNvSpPr>
+          <p:nvPr>
+            <p:ph type="sldNum" sz="quarter" idx="12"/>
+          </p:nvPr>
+        </p:nvSpPr>
+        <p:spPr/>
+        <p:txBody>
+          <a:bodyPr/>
+          <a:lstStyle/>
+          <a:p>
+            <a:fld id="{38324C1E-6E2F-465B-B7AC-362036DEB808}" type="slidenum">
+              <a:rPr lang="en-US" smtClean="0"/>
+              <a:t>56</a:t>
+            </a:fld>
+            <a:endParaRPr lang="en-US"/>
+          </a:p>
+        </p:txBody>
+      </p:sp>
+      <p:sp>
+        <p:nvSpPr>
+          <p:cNvPr id="5" name="Content Placeholder 4"/>
+          <p:cNvSpPr>
+            <a:spLocks noGrp="1"/>
+          </p:cNvSpPr>
+          <p:nvPr>
+            <p:ph idx="1"/>
+          </p:nvPr>
+        </p:nvSpPr>
+        <p:spPr/>
+        <p:txBody>
+          <a:bodyPr/>
+          <a:lstStyle/>
+          <a:p>
+            <a:endParaRPr lang="en-US"/>
+          </a:p>
+        </p:txBody>
+      </p:sp>
+      <p:pic>
+        <p:nvPicPr>
+          <p:cNvPr id="10243" name="Picture 3"/>
+          <p:cNvPicPr>
+            <a:picLocks noChangeAspect="1" noChangeArrowheads="1"/>
+          </p:cNvPicPr>
+          <p:nvPr/>
+        </p:nvPicPr>
+        <p:blipFill>
+          <a:blip r:embed="rId2">
+            <a:extLst>
+              <a:ext uri="{28A0092B-C50C-407E-A947-70E740481C1C}">
+                <a14:useLocalDpi xmlns:a14="http://schemas.microsoft.com/office/drawing/2010/main" val="0"/>
+              </a:ext>
+            </a:extLst>
+          </a:blip>
+          <a:srcRect/>
+          <a:stretch>
+            <a:fillRect/>
+          </a:stretch>
+        </p:blipFill>
+        <p:spPr bwMode="auto">
+          <a:xfrm>
+            <a:off x="446359" y="533400"/>
+            <a:ext cx="7930995" cy="5638800"/>
+          </a:xfrm>
+          <a:prstGeom prst="rect">
+            <a:avLst/>
+          </a:prstGeom>
+          <a:noFill/>
+          <a:ln>
+            <a:noFill/>
+          </a:ln>
+          <a:extLst>
+            <a:ext uri="{909E8E84-426E-40DD-AFC4-6F175D3DCCD1}">
+              <a14:hiddenFill xmlns:a14="http://schemas.microsoft.com/office/drawing/2010/main">
+                <a:solidFill>
+                  <a:schemeClr val="accent1"/>
+                </a:solidFill>
+              </a14:hiddenFill>
+            </a:ext>
+            <a:ext uri="{91240B29-F687-4F45-9708-019B960494DF}">
+              <a14:hiddenLine xmlns:a14="http://schemas.microsoft.com/office/drawing/2010/main" w="9525">
+                <a:solidFill>
+                  <a:schemeClr val="tx1"/>
+                </a:solidFill>
+                <a:miter lim="800000"/>
+                <a:headEnd/>
+                <a:tailEnd/>
+              </a14:hiddenLine>
+            </a:ext>
+          </a:extLst>
+        </p:spPr>
+      </p:pic>
+    </p:spTree>
+    <p:extLst>
+      <p:ext uri="{BB962C8B-B14F-4D97-AF65-F5344CB8AC3E}">
+        <p14:creationId xmlns:p14="http://schemas.microsoft.com/office/powerpoint/2010/main" val="663171300"/>
+      </p:ext>
+    </p:extLst>
+  </p:cSld>
+  <p:clrMapOvr>
+    <a:masterClrMapping/>
+  </p:clrMapOvr>
+  <p:timing>
+    <p:tnLst>
+      <p:par>
+        <p:cTn id="1" dur="indefinite" restart="never" nodeType="tmRoot"/>
+      </p:par>
+    </p:tnLst>
+  </p:timing>
+</p:sld>
+</file>
+
+<file path=ppt/slides/slide57.xml><?xml version="1.0" encoding="utf-8"?>
+<p:sld xmlns:a="http://schemas.openxmlformats.org/drawingml/2006/main" xmlns:r="http://schemas.openxmlformats.org/officeDocument/2006/relationships" xmlns:p="http://schemas.openxmlformats.org/presentationml/2006/main">
+  <p:cSld>
+    <p:spTree>
+      <p:nvGrpSpPr>
+        <p:cNvPr id="1" name=""/>
+        <p:cNvGrpSpPr/>
+        <p:nvPr/>
+      </p:nvGrpSpPr>
+      <p:grpSpPr>
+        <a:xfrm>
+          <a:off x="0" y="0"/>
+          <a:ext cx="0" cy="0"/>
+          <a:chOff x="0" y="0"/>
+          <a:chExt cx="0" cy="0"/>
+        </a:xfrm>
+      </p:grpSpPr>
+      <p:sp>
+        <p:nvSpPr>
+          <p:cNvPr id="2" name="Title 1"/>
+          <p:cNvSpPr>
+            <a:spLocks noGrp="1"/>
+          </p:cNvSpPr>
+          <p:nvPr>
+            <p:ph type="title"/>
+          </p:nvPr>
+        </p:nvSpPr>
+        <p:spPr/>
+        <p:txBody>
+          <a:bodyPr/>
+          <a:lstStyle/>
+          <a:p>
+            <a:endParaRPr lang="en-US"/>
+          </a:p>
+        </p:txBody>
+      </p:sp>
+      <p:sp>
+        <p:nvSpPr>
+          <p:cNvPr id="3" name="Content Placeholder 2"/>
+          <p:cNvSpPr>
+            <a:spLocks noGrp="1"/>
+          </p:cNvSpPr>
+          <p:nvPr>
+            <p:ph idx="1"/>
+          </p:nvPr>
+        </p:nvSpPr>
+        <p:spPr/>
+        <p:txBody>
+          <a:bodyPr>
+            <a:normAutofit fontScale="70000" lnSpcReduction="20000"/>
+          </a:bodyPr>
+          <a:lstStyle/>
+          <a:p>
+            <a:r>
+              <a:rPr lang="en-US" i="1" dirty="0" err="1"/>
+              <a:t>i</a:t>
+            </a:r>
+            <a:r>
+              <a:rPr lang="en-US" i="1" dirty="0"/>
+              <a:t> = FIND-FIRST-TWO </a:t>
+            </a:r>
+            <a:endParaRPr lang="en-US" dirty="0"/>
+          </a:p>
+          <a:p>
+            <a:r>
+              <a:rPr lang="en-US" b="1" i="1" dirty="0"/>
+              <a:t>if</a:t>
+            </a:r>
+            <a:r>
+              <a:rPr lang="en-US" i="1" dirty="0"/>
+              <a:t> </a:t>
+            </a:r>
+            <a:r>
+              <a:rPr lang="en-US" i="1" dirty="0" err="1"/>
+              <a:t>i</a:t>
+            </a:r>
+            <a:r>
+              <a:rPr lang="en-US" i="1" dirty="0"/>
+              <a:t> &lt; n and T[</a:t>
+            </a:r>
+            <a:r>
+              <a:rPr lang="en-US" i="1" dirty="0" err="1"/>
+              <a:t>i</a:t>
+            </a:r>
+            <a:r>
+              <a:rPr lang="en-US" i="1" dirty="0"/>
+              <a:t>] &gt; T[1] </a:t>
+            </a:r>
+            <a:r>
+              <a:rPr lang="en-US" b="1" i="1" dirty="0"/>
+              <a:t>then</a:t>
+            </a:r>
+            <a:r>
+              <a:rPr lang="en-US" i="1" dirty="0"/>
+              <a:t> </a:t>
+            </a:r>
+            <a:r>
+              <a:rPr lang="en-US" i="1" dirty="0" err="1"/>
+              <a:t>i</a:t>
+            </a:r>
+            <a:r>
+              <a:rPr lang="en-US" i="1" dirty="0"/>
+              <a:t> = FIND-MIN(</a:t>
+            </a:r>
+            <a:r>
+              <a:rPr lang="en-US" i="1" dirty="0" err="1"/>
+              <a:t>i</a:t>
+            </a:r>
+            <a:r>
+              <a:rPr lang="en-US" i="1" dirty="0"/>
+              <a:t>) </a:t>
+            </a:r>
+            <a:endParaRPr lang="en-US" dirty="0"/>
+          </a:p>
+          <a:p>
+            <a:r>
+              <a:rPr lang="en-US" b="1" i="1" dirty="0"/>
+              <a:t>while</a:t>
+            </a:r>
+            <a:r>
+              <a:rPr lang="en-US" i="1" dirty="0"/>
+              <a:t> </a:t>
+            </a:r>
+            <a:r>
+              <a:rPr lang="en-US" i="1" dirty="0" err="1"/>
+              <a:t>i</a:t>
+            </a:r>
+            <a:r>
+              <a:rPr lang="en-US" i="1" dirty="0"/>
+              <a:t> &lt; n </a:t>
+            </a:r>
+            <a:r>
+              <a:rPr lang="en-US" b="1" i="1" dirty="0"/>
+              <a:t>do</a:t>
+            </a:r>
+            <a:r>
+              <a:rPr lang="en-US" i="1" dirty="0"/>
+              <a:t>   </a:t>
+            </a:r>
+            <a:r>
+              <a:rPr lang="en-US" i="1" dirty="0" err="1"/>
+              <a:t>i</a:t>
+            </a:r>
+            <a:r>
+              <a:rPr lang="en-US" i="1" dirty="0"/>
+              <a:t> = FIND-MAX(</a:t>
+            </a:r>
+            <a:r>
+              <a:rPr lang="en-US" i="1" dirty="0" err="1"/>
+              <a:t>i</a:t>
+            </a:r>
+            <a:r>
+              <a:rPr lang="en-US" i="1" dirty="0"/>
+              <a:t>);  </a:t>
+            </a:r>
+            <a:r>
+              <a:rPr lang="en-US" i="1" dirty="0" err="1"/>
+              <a:t>i</a:t>
+            </a:r>
+            <a:r>
+              <a:rPr lang="en-US" i="1" dirty="0"/>
+              <a:t> = FIND-MIN(</a:t>
+            </a:r>
+            <a:r>
+              <a:rPr lang="en-US" i="1" dirty="0" err="1"/>
+              <a:t>i</a:t>
+            </a:r>
+            <a:r>
+              <a:rPr lang="en-US" i="1" dirty="0"/>
+              <a:t>) </a:t>
+            </a:r>
+            <a:endParaRPr lang="en-US" dirty="0"/>
+          </a:p>
+          <a:p>
+            <a:r>
+              <a:rPr lang="en-US" i="1" dirty="0"/>
+              <a:t>---------------------------------------------------------------------------------</a:t>
+            </a:r>
+            <a:endParaRPr lang="en-US" dirty="0"/>
+          </a:p>
+          <a:p>
+            <a:r>
+              <a:rPr lang="en-US" i="1" dirty="0"/>
+              <a:t>FIND-FIRST-TWO </a:t>
+            </a:r>
+            <a:endParaRPr lang="en-US" dirty="0"/>
+          </a:p>
+          <a:p>
+            <a:r>
+              <a:rPr lang="en-US" i="1" dirty="0" err="1"/>
+              <a:t>iMin</a:t>
+            </a:r>
+            <a:r>
+              <a:rPr lang="en-US" i="1" dirty="0"/>
+              <a:t> = 1; </a:t>
+            </a:r>
+            <a:r>
+              <a:rPr lang="en-US" i="1" dirty="0" err="1"/>
+              <a:t>iMax</a:t>
+            </a:r>
+            <a:r>
+              <a:rPr lang="en-US" i="1" dirty="0"/>
+              <a:t> = 1; </a:t>
+            </a:r>
+            <a:r>
+              <a:rPr lang="en-US" i="1" dirty="0" err="1"/>
+              <a:t>i</a:t>
+            </a:r>
+            <a:r>
+              <a:rPr lang="en-US" i="1" dirty="0"/>
+              <a:t> = 2 </a:t>
+            </a:r>
+            <a:endParaRPr lang="en-US" dirty="0"/>
+          </a:p>
+          <a:p>
+            <a:r>
+              <a:rPr lang="en-US" b="1" i="1" dirty="0"/>
+              <a:t>while</a:t>
+            </a:r>
+            <a:r>
+              <a:rPr lang="en-US" i="1" dirty="0"/>
+              <a:t> </a:t>
+            </a:r>
+            <a:r>
+              <a:rPr lang="en-US" i="1" dirty="0" err="1"/>
+              <a:t>i</a:t>
+            </a:r>
+            <a:r>
+              <a:rPr lang="en-US" i="1" dirty="0"/>
+              <a:t> &lt; n </a:t>
+            </a:r>
+            <a:r>
+              <a:rPr lang="en-US" b="1" i="1" dirty="0"/>
+              <a:t>and</a:t>
+            </a:r>
+            <a:r>
+              <a:rPr lang="en-US" i="1" dirty="0"/>
+              <a:t> T[</a:t>
+            </a:r>
+            <a:r>
+              <a:rPr lang="en-US" i="1" dirty="0" err="1"/>
+              <a:t>i</a:t>
+            </a:r>
+            <a:r>
+              <a:rPr lang="en-US" i="1" dirty="0"/>
+              <a:t>] / T[</a:t>
+            </a:r>
+            <a:r>
+              <a:rPr lang="en-US" i="1" dirty="0" err="1"/>
+              <a:t>iMin</a:t>
+            </a:r>
+            <a:r>
+              <a:rPr lang="en-US" i="1" dirty="0"/>
+              <a:t>] &lt; R </a:t>
+            </a:r>
+            <a:r>
+              <a:rPr lang="en-US" b="1" i="1" dirty="0"/>
+              <a:t>and</a:t>
+            </a:r>
+            <a:r>
+              <a:rPr lang="en-US" i="1" dirty="0"/>
+              <a:t> T[</a:t>
+            </a:r>
+            <a:r>
+              <a:rPr lang="en-US" i="1" dirty="0" err="1"/>
+              <a:t>iMax</a:t>
+            </a:r>
+            <a:r>
+              <a:rPr lang="en-US" i="1" dirty="0"/>
+              <a:t>] / T[</a:t>
+            </a:r>
+            <a:r>
+              <a:rPr lang="en-US" i="1" dirty="0" err="1"/>
+              <a:t>i</a:t>
+            </a:r>
+            <a:r>
+              <a:rPr lang="en-US" i="1" dirty="0"/>
+              <a:t>] &lt; R </a:t>
+            </a:r>
+            <a:r>
+              <a:rPr lang="en-US" b="1" i="1" dirty="0"/>
+              <a:t>do</a:t>
+            </a:r>
+            <a:r>
+              <a:rPr lang="en-US" i="1" dirty="0"/>
+              <a:t> </a:t>
+            </a:r>
+            <a:endParaRPr lang="en-US" dirty="0"/>
+          </a:p>
+          <a:p>
+            <a:r>
+              <a:rPr lang="en-US" i="1" dirty="0"/>
+              <a:t>  </a:t>
+            </a:r>
+            <a:r>
+              <a:rPr lang="en-US" b="1" i="1" dirty="0"/>
+              <a:t>if</a:t>
+            </a:r>
+            <a:r>
+              <a:rPr lang="en-US" i="1" dirty="0"/>
+              <a:t> T[</a:t>
+            </a:r>
+            <a:r>
+              <a:rPr lang="en-US" i="1" dirty="0" err="1"/>
+              <a:t>i</a:t>
+            </a:r>
+            <a:r>
+              <a:rPr lang="en-US" i="1" dirty="0"/>
+              <a:t>] &lt; T[</a:t>
+            </a:r>
+            <a:r>
+              <a:rPr lang="en-US" i="1" dirty="0" err="1"/>
+              <a:t>iMin</a:t>
+            </a:r>
+            <a:r>
+              <a:rPr lang="en-US" i="1" dirty="0"/>
+              <a:t>] </a:t>
+            </a:r>
+            <a:r>
+              <a:rPr lang="en-US" b="1" i="1" dirty="0"/>
+              <a:t>then</a:t>
+            </a:r>
+            <a:r>
+              <a:rPr lang="en-US" i="1" dirty="0"/>
+              <a:t> </a:t>
+            </a:r>
+            <a:r>
+              <a:rPr lang="en-US" i="1" dirty="0" err="1"/>
+              <a:t>iMin</a:t>
+            </a:r>
+            <a:r>
+              <a:rPr lang="en-US" i="1" dirty="0"/>
+              <a:t> = </a:t>
+            </a:r>
+            <a:r>
+              <a:rPr lang="en-US" i="1" dirty="0" err="1"/>
+              <a:t>i</a:t>
+            </a:r>
+            <a:r>
+              <a:rPr lang="en-US" i="1" dirty="0"/>
+              <a:t> </a:t>
+            </a:r>
+            <a:endParaRPr lang="en-US" dirty="0"/>
+          </a:p>
+          <a:p>
+            <a:r>
+              <a:rPr lang="en-US" i="1" dirty="0"/>
+              <a:t>  </a:t>
+            </a:r>
+            <a:r>
+              <a:rPr lang="en-US" b="1" i="1" dirty="0"/>
+              <a:t>if</a:t>
+            </a:r>
+            <a:r>
+              <a:rPr lang="en-US" i="1" dirty="0"/>
+              <a:t> T[</a:t>
+            </a:r>
+            <a:r>
+              <a:rPr lang="en-US" i="1" dirty="0" err="1"/>
+              <a:t>i</a:t>
+            </a:r>
+            <a:r>
+              <a:rPr lang="en-US" i="1" dirty="0"/>
+              <a:t>] &gt; T[</a:t>
+            </a:r>
+            <a:r>
+              <a:rPr lang="en-US" i="1" dirty="0" err="1"/>
+              <a:t>iMax</a:t>
+            </a:r>
+            <a:r>
+              <a:rPr lang="en-US" i="1" dirty="0"/>
+              <a:t>] </a:t>
+            </a:r>
+            <a:r>
+              <a:rPr lang="en-US" b="1" i="1" dirty="0"/>
+              <a:t>then</a:t>
+            </a:r>
+            <a:r>
+              <a:rPr lang="en-US" i="1" dirty="0"/>
+              <a:t> </a:t>
+            </a:r>
+            <a:r>
+              <a:rPr lang="en-US" i="1" dirty="0" err="1"/>
+              <a:t>iMax</a:t>
+            </a:r>
+            <a:r>
+              <a:rPr lang="en-US" i="1" dirty="0"/>
+              <a:t> = </a:t>
+            </a:r>
+            <a:r>
+              <a:rPr lang="en-US" i="1" dirty="0" err="1"/>
+              <a:t>i</a:t>
+            </a:r>
+            <a:r>
+              <a:rPr lang="en-US" i="1" dirty="0"/>
+              <a:t> </a:t>
+            </a:r>
+            <a:endParaRPr lang="en-US" dirty="0"/>
+          </a:p>
+          <a:p>
+            <a:r>
+              <a:rPr lang="en-US" b="1" i="1" dirty="0"/>
+              <a:t>if</a:t>
+            </a:r>
+            <a:r>
+              <a:rPr lang="en-US" i="1" dirty="0"/>
+              <a:t> </a:t>
+            </a:r>
+            <a:r>
+              <a:rPr lang="en-US" i="1" dirty="0" err="1"/>
+              <a:t>iMin</a:t>
+            </a:r>
+            <a:r>
+              <a:rPr lang="en-US" i="1" dirty="0"/>
+              <a:t> &lt; </a:t>
+            </a:r>
+            <a:r>
+              <a:rPr lang="en-US" i="1" dirty="0" err="1"/>
+              <a:t>iMax</a:t>
+            </a:r>
+            <a:r>
+              <a:rPr lang="en-US" i="1" dirty="0"/>
+              <a:t> </a:t>
+            </a:r>
+            <a:r>
+              <a:rPr lang="en-US" b="1" i="1" dirty="0"/>
+              <a:t>then</a:t>
+            </a:r>
+            <a:r>
+              <a:rPr lang="en-US" i="1" dirty="0"/>
+              <a:t>  output(T[</a:t>
+            </a:r>
+            <a:r>
+              <a:rPr lang="en-US" i="1" dirty="0" err="1"/>
+              <a:t>iMin</a:t>
+            </a:r>
+            <a:r>
+              <a:rPr lang="en-US" i="1" dirty="0"/>
+              <a:t>], </a:t>
+            </a:r>
+            <a:r>
+              <a:rPr lang="en-US" i="1" dirty="0" err="1"/>
+              <a:t>iMin</a:t>
+            </a:r>
+            <a:r>
+              <a:rPr lang="en-US" i="1" dirty="0"/>
+              <a:t>); output(T[</a:t>
+            </a:r>
+            <a:r>
+              <a:rPr lang="en-US" i="1" dirty="0" err="1"/>
+              <a:t>iMax</a:t>
+            </a:r>
+            <a:r>
+              <a:rPr lang="en-US" i="1" dirty="0"/>
+              <a:t>], </a:t>
+            </a:r>
+            <a:r>
+              <a:rPr lang="en-US" i="1" dirty="0" err="1"/>
+              <a:t>iMax</a:t>
+            </a:r>
+            <a:r>
+              <a:rPr lang="en-US" i="1" dirty="0"/>
+              <a:t>) </a:t>
+            </a:r>
+            <a:endParaRPr lang="en-US" dirty="0"/>
+          </a:p>
+          <a:p>
+            <a:r>
+              <a:rPr lang="en-US" b="1" i="1" dirty="0"/>
+              <a:t>else </a:t>
+            </a:r>
+            <a:r>
+              <a:rPr lang="en-US" i="1" dirty="0"/>
+              <a:t> output(T[</a:t>
+            </a:r>
+            <a:r>
+              <a:rPr lang="en-US" i="1" dirty="0" err="1"/>
+              <a:t>iMax</a:t>
+            </a:r>
+            <a:r>
+              <a:rPr lang="en-US" i="1" dirty="0"/>
+              <a:t>], </a:t>
+            </a:r>
+            <a:r>
+              <a:rPr lang="en-US" i="1" dirty="0" err="1"/>
+              <a:t>iMax</a:t>
+            </a:r>
+            <a:r>
+              <a:rPr lang="en-US" i="1" dirty="0"/>
+              <a:t>); output(T[</a:t>
+            </a:r>
+            <a:r>
+              <a:rPr lang="en-US" i="1" dirty="0" err="1"/>
+              <a:t>iMin</a:t>
+            </a:r>
+            <a:r>
+              <a:rPr lang="en-US" i="1" dirty="0"/>
+              <a:t>], </a:t>
+            </a:r>
+            <a:r>
+              <a:rPr lang="en-US" i="1" dirty="0" err="1"/>
+              <a:t>iMin</a:t>
+            </a:r>
+            <a:r>
+              <a:rPr lang="en-US" i="1" dirty="0"/>
+              <a:t>) </a:t>
+            </a:r>
+            <a:endParaRPr lang="en-US" dirty="0"/>
+          </a:p>
+          <a:p>
+            <a:r>
+              <a:rPr lang="en-US" b="1" i="1" dirty="0"/>
+              <a:t>return</a:t>
+            </a:r>
+            <a:r>
+              <a:rPr lang="en-US" i="1" dirty="0"/>
+              <a:t> </a:t>
+            </a:r>
+            <a:r>
+              <a:rPr lang="en-US" i="1" dirty="0" err="1"/>
+              <a:t>i</a:t>
+            </a:r>
+            <a:r>
+              <a:rPr lang="en-US" i="1" dirty="0"/>
+              <a:t> </a:t>
+            </a:r>
+            <a:endParaRPr lang="en-US" dirty="0"/>
+          </a:p>
+          <a:p>
+            <a:endParaRPr lang="en-US" dirty="0"/>
+          </a:p>
+        </p:txBody>
+      </p:sp>
+      <p:sp>
+        <p:nvSpPr>
+          <p:cNvPr id="4" name="Slide Number Placeholder 3"/>
+          <p:cNvSpPr>
+            <a:spLocks noGrp="1"/>
+          </p:cNvSpPr>
+          <p:nvPr>
+            <p:ph type="sldNum" sz="quarter" idx="12"/>
+          </p:nvPr>
+        </p:nvSpPr>
+        <p:spPr/>
+        <p:txBody>
+          <a:bodyPr/>
+          <a:lstStyle/>
+          <a:p>
+            <a:fld id="{38324C1E-6E2F-465B-B7AC-362036DEB808}" type="slidenum">
+              <a:rPr lang="en-US" smtClean="0"/>
+              <a:t>57</a:t>
+            </a:fld>
+            <a:endParaRPr lang="en-US"/>
+          </a:p>
+        </p:txBody>
+      </p:sp>
+    </p:spTree>
+    <p:extLst>
+      <p:ext uri="{BB962C8B-B14F-4D97-AF65-F5344CB8AC3E}">
+        <p14:creationId xmlns:p14="http://schemas.microsoft.com/office/powerpoint/2010/main" val="1561471715"/>
+      </p:ext>
+    </p:extLst>
+  </p:cSld>
+  <p:clrMapOvr>
+    <a:masterClrMapping/>
+  </p:clrMapOvr>
+  <p:timing>
+    <p:tnLst>
+      <p:par>
+        <p:cTn id="1" dur="indefinite" restart="never" nodeType="tmRoot"/>
+      </p:par>
+    </p:tnLst>
+  </p:timing>
+</p:sld>
+</file>
+
+<file path=ppt/slides/slide58.xml><?xml version="1.0" encoding="utf-8"?>
+<p:sld xmlns:a="http://schemas.openxmlformats.org/drawingml/2006/main" xmlns:r="http://schemas.openxmlformats.org/officeDocument/2006/relationships" xmlns:p="http://schemas.openxmlformats.org/presentationml/2006/main">
+  <p:cSld>
+    <p:spTree>
+      <p:nvGrpSpPr>
+        <p:cNvPr id="1" name=""/>
+        <p:cNvGrpSpPr/>
+        <p:nvPr/>
+      </p:nvGrpSpPr>
+      <p:grpSpPr>
+        <a:xfrm>
+          <a:off x="0" y="0"/>
+          <a:ext cx="0" cy="0"/>
+          <a:chOff x="0" y="0"/>
+          <a:chExt cx="0" cy="0"/>
+        </a:xfrm>
+      </p:grpSpPr>
+      <p:sp>
+        <p:nvSpPr>
+          <p:cNvPr id="2" name="Title 1"/>
+          <p:cNvSpPr>
+            <a:spLocks noGrp="1"/>
+          </p:cNvSpPr>
+          <p:nvPr>
+            <p:ph type="title"/>
+          </p:nvPr>
+        </p:nvSpPr>
+        <p:spPr/>
+        <p:txBody>
+          <a:bodyPr/>
+          <a:lstStyle/>
+          <a:p>
+            <a:endParaRPr lang="en-US"/>
+          </a:p>
+        </p:txBody>
+      </p:sp>
+      <p:sp>
+        <p:nvSpPr>
+          <p:cNvPr id="3" name="Content Placeholder 2"/>
+          <p:cNvSpPr>
+            <a:spLocks noGrp="1"/>
+          </p:cNvSpPr>
+          <p:nvPr>
+            <p:ph idx="1"/>
+          </p:nvPr>
+        </p:nvSpPr>
+        <p:spPr/>
+        <p:txBody>
+          <a:bodyPr/>
+          <a:lstStyle/>
+          <a:p>
+            <a:endParaRPr lang="en-US" dirty="0"/>
+          </a:p>
+        </p:txBody>
+      </p:sp>
+      <p:sp>
+        <p:nvSpPr>
+          <p:cNvPr id="4" name="Slide Number Placeholder 3"/>
+          <p:cNvSpPr>
+            <a:spLocks noGrp="1"/>
+          </p:cNvSpPr>
+          <p:nvPr>
+            <p:ph type="sldNum" sz="quarter" idx="12"/>
+          </p:nvPr>
+        </p:nvSpPr>
+        <p:spPr/>
+        <p:txBody>
+          <a:bodyPr/>
+          <a:lstStyle/>
+          <a:p>
+            <a:fld id="{38324C1E-6E2F-465B-B7AC-362036DEB808}" type="slidenum">
+              <a:rPr lang="en-US" smtClean="0"/>
+              <a:t>58</a:t>
+            </a:fld>
+            <a:endParaRPr lang="en-US"/>
+          </a:p>
+        </p:txBody>
+      </p:sp>
+      <p:sp>
+        <p:nvSpPr>
+          <p:cNvPr id="5" name="Rectangle 4"/>
+          <p:cNvSpPr/>
+          <p:nvPr/>
+        </p:nvSpPr>
+        <p:spPr>
+          <a:xfrm>
+            <a:off x="990600" y="1981200"/>
+            <a:ext cx="6248400" cy="3693319"/>
+          </a:xfrm>
+          <a:prstGeom prst="rect">
+            <a:avLst/>
+          </a:prstGeom>
+        </p:spPr>
+        <p:txBody>
+          <a:bodyPr wrap="square">
+            <a:spAutoFit/>
+          </a:bodyPr>
+          <a:lstStyle/>
+          <a:p>
+            <a:r>
+              <a:rPr lang="en-US" i="1" dirty="0"/>
+              <a:t>FIND-MIN(</a:t>
+            </a:r>
+            <a:r>
+              <a:rPr lang="en-US" i="1" dirty="0" err="1"/>
+              <a:t>i</a:t>
+            </a:r>
+            <a:r>
+              <a:rPr lang="en-US" i="1" dirty="0"/>
+              <a:t>)</a:t>
+            </a:r>
+            <a:endParaRPr lang="en-US" dirty="0"/>
+          </a:p>
+          <a:p>
+            <a:r>
+              <a:rPr lang="en-US" i="1" dirty="0" err="1"/>
+              <a:t>iMin</a:t>
+            </a:r>
+            <a:r>
+              <a:rPr lang="en-US" i="1" dirty="0"/>
+              <a:t> = </a:t>
+            </a:r>
+            <a:r>
+              <a:rPr lang="en-US" i="1" dirty="0" err="1"/>
+              <a:t>i</a:t>
+            </a:r>
+            <a:endParaRPr lang="en-US" dirty="0"/>
+          </a:p>
+          <a:p>
+            <a:r>
+              <a:rPr lang="en-US" b="1" i="1" dirty="0"/>
+              <a:t>while</a:t>
+            </a:r>
+            <a:r>
+              <a:rPr lang="en-US" i="1" dirty="0"/>
+              <a:t> </a:t>
+            </a:r>
+            <a:r>
+              <a:rPr lang="en-US" i="1" dirty="0" err="1"/>
+              <a:t>i</a:t>
+            </a:r>
+            <a:r>
+              <a:rPr lang="en-US" i="1" dirty="0"/>
+              <a:t> &lt; n </a:t>
+            </a:r>
+            <a:r>
+              <a:rPr lang="en-US" b="1" i="1" dirty="0"/>
+              <a:t>and</a:t>
+            </a:r>
+            <a:r>
+              <a:rPr lang="en-US" i="1" dirty="0"/>
+              <a:t> T[</a:t>
+            </a:r>
+            <a:r>
+              <a:rPr lang="en-US" i="1" dirty="0" err="1"/>
+              <a:t>i</a:t>
+            </a:r>
+            <a:r>
+              <a:rPr lang="en-US" i="1" dirty="0"/>
+              <a:t>]/T[</a:t>
+            </a:r>
+            <a:r>
+              <a:rPr lang="en-US" i="1" dirty="0" err="1"/>
+              <a:t>iMin</a:t>
+            </a:r>
+            <a:r>
+              <a:rPr lang="en-US" i="1" dirty="0"/>
+              <a:t>] &lt; R </a:t>
+            </a:r>
+            <a:r>
+              <a:rPr lang="en-US" b="1" i="1" dirty="0"/>
+              <a:t>do</a:t>
+            </a:r>
+            <a:r>
+              <a:rPr lang="en-US" i="1" dirty="0"/>
+              <a:t> </a:t>
+            </a:r>
+            <a:endParaRPr lang="en-US" dirty="0"/>
+          </a:p>
+          <a:p>
+            <a:r>
+              <a:rPr lang="en-US" i="1" dirty="0"/>
+              <a:t>  </a:t>
+            </a:r>
+            <a:r>
+              <a:rPr lang="en-US" b="1" i="1" dirty="0"/>
+              <a:t>if</a:t>
+            </a:r>
+            <a:r>
+              <a:rPr lang="en-US" i="1" dirty="0"/>
+              <a:t> T[</a:t>
+            </a:r>
+            <a:r>
+              <a:rPr lang="en-US" i="1" dirty="0" err="1"/>
+              <a:t>i</a:t>
+            </a:r>
+            <a:r>
+              <a:rPr lang="en-US" i="1" dirty="0"/>
+              <a:t>] &lt; T[</a:t>
+            </a:r>
+            <a:r>
+              <a:rPr lang="en-US" i="1" dirty="0" err="1"/>
+              <a:t>iMin</a:t>
+            </a:r>
+            <a:r>
+              <a:rPr lang="en-US" i="1" dirty="0"/>
+              <a:t>] </a:t>
+            </a:r>
+            <a:r>
+              <a:rPr lang="en-US" b="1" i="1" dirty="0"/>
+              <a:t>then</a:t>
+            </a:r>
+            <a:r>
+              <a:rPr lang="en-US" i="1" dirty="0"/>
+              <a:t> </a:t>
+            </a:r>
+            <a:r>
+              <a:rPr lang="en-US" i="1" dirty="0" err="1"/>
+              <a:t>iMin</a:t>
+            </a:r>
+            <a:r>
+              <a:rPr lang="en-US" i="1" dirty="0"/>
+              <a:t> = </a:t>
+            </a:r>
+            <a:r>
+              <a:rPr lang="en-US" i="1" dirty="0" err="1"/>
+              <a:t>i</a:t>
+            </a:r>
+            <a:r>
+              <a:rPr lang="en-US" i="1" dirty="0"/>
+              <a:t> </a:t>
+            </a:r>
+            <a:endParaRPr lang="en-US" dirty="0"/>
+          </a:p>
+          <a:p>
+            <a:r>
+              <a:rPr lang="en-US" i="1" dirty="0"/>
+              <a:t>  </a:t>
+            </a:r>
+            <a:r>
+              <a:rPr lang="en-US" i="1" dirty="0" err="1"/>
+              <a:t>i</a:t>
+            </a:r>
+            <a:r>
+              <a:rPr lang="en-US" i="1" dirty="0"/>
+              <a:t> = </a:t>
+            </a:r>
+            <a:r>
+              <a:rPr lang="en-US" i="1" dirty="0" err="1"/>
+              <a:t>i</a:t>
+            </a:r>
+            <a:r>
+              <a:rPr lang="en-US" i="1" dirty="0"/>
+              <a:t> + 1; output(T[</a:t>
+            </a:r>
+            <a:r>
+              <a:rPr lang="en-US" i="1" dirty="0" err="1"/>
+              <a:t>iMin</a:t>
+            </a:r>
+            <a:r>
+              <a:rPr lang="en-US" i="1" dirty="0"/>
+              <a:t>], </a:t>
+            </a:r>
+            <a:r>
+              <a:rPr lang="en-US" i="1" dirty="0" err="1"/>
+              <a:t>iMin</a:t>
+            </a:r>
+            <a:r>
+              <a:rPr lang="en-US" i="1" dirty="0"/>
+              <a:t>) </a:t>
+            </a:r>
+            <a:endParaRPr lang="en-US" dirty="0"/>
+          </a:p>
+          <a:p>
+            <a:r>
+              <a:rPr lang="en-US" b="1" i="1" dirty="0"/>
+              <a:t>return</a:t>
+            </a:r>
+            <a:r>
+              <a:rPr lang="en-US" i="1" dirty="0"/>
+              <a:t> </a:t>
+            </a:r>
+            <a:r>
+              <a:rPr lang="en-US" i="1" dirty="0" err="1"/>
+              <a:t>i</a:t>
+            </a:r>
+            <a:r>
+              <a:rPr lang="en-US" i="1" dirty="0"/>
+              <a:t> </a:t>
+            </a:r>
+            <a:endParaRPr lang="en-US" dirty="0"/>
+          </a:p>
+          <a:p>
+            <a:r>
+              <a:rPr lang="en-US" i="1" dirty="0"/>
+              <a:t>------------------------------------------------------------------------------------</a:t>
+            </a:r>
+            <a:endParaRPr lang="en-US" dirty="0"/>
+          </a:p>
+          <a:p>
+            <a:r>
+              <a:rPr lang="en-US" i="1" dirty="0"/>
+              <a:t>FIND-MAX(</a:t>
+            </a:r>
+            <a:r>
+              <a:rPr lang="en-US" i="1" dirty="0" err="1"/>
+              <a:t>i</a:t>
+            </a:r>
+            <a:r>
+              <a:rPr lang="en-US" i="1" dirty="0"/>
+              <a:t>) </a:t>
+            </a:r>
+            <a:endParaRPr lang="en-US" dirty="0"/>
+          </a:p>
+          <a:p>
+            <a:r>
+              <a:rPr lang="en-US" i="1" dirty="0"/>
+              <a:t>Finding the first significant maximum after the </a:t>
+            </a:r>
+            <a:r>
+              <a:rPr lang="en-US" i="1" dirty="0" err="1"/>
+              <a:t>i-th</a:t>
+            </a:r>
+            <a:r>
+              <a:rPr lang="en-US" i="1" dirty="0"/>
+              <a:t> point </a:t>
+            </a:r>
+            <a:endParaRPr lang="en-US" dirty="0"/>
+          </a:p>
+          <a:p>
+            <a:r>
+              <a:rPr lang="en-US" i="1" dirty="0" err="1"/>
+              <a:t>iMax</a:t>
+            </a:r>
+            <a:r>
+              <a:rPr lang="en-US" i="1" dirty="0"/>
+              <a:t> = </a:t>
+            </a:r>
+            <a:r>
+              <a:rPr lang="en-US" i="1" dirty="0" err="1"/>
+              <a:t>i</a:t>
+            </a:r>
+            <a:r>
+              <a:rPr lang="en-US" i="1" dirty="0"/>
+              <a:t> </a:t>
+            </a:r>
+            <a:endParaRPr lang="en-US" dirty="0"/>
+          </a:p>
+          <a:p>
+            <a:r>
+              <a:rPr lang="en-US" b="1" i="1" dirty="0"/>
+              <a:t>while</a:t>
+            </a:r>
+            <a:r>
+              <a:rPr lang="en-US" i="1" dirty="0"/>
+              <a:t> </a:t>
+            </a:r>
+            <a:r>
+              <a:rPr lang="en-US" i="1" dirty="0" err="1"/>
+              <a:t>i</a:t>
+            </a:r>
+            <a:r>
+              <a:rPr lang="en-US" i="1" dirty="0"/>
+              <a:t> &lt; n </a:t>
+            </a:r>
+            <a:r>
+              <a:rPr lang="en-US" b="1" i="1" dirty="0"/>
+              <a:t>and</a:t>
+            </a:r>
+            <a:r>
+              <a:rPr lang="en-US" i="1" dirty="0"/>
+              <a:t> T[</a:t>
+            </a:r>
+            <a:r>
+              <a:rPr lang="en-US" i="1" dirty="0" err="1"/>
+              <a:t>iMax</a:t>
+            </a:r>
+            <a:r>
+              <a:rPr lang="en-US" i="1" dirty="0"/>
+              <a:t>] / T[</a:t>
+            </a:r>
+            <a:r>
+              <a:rPr lang="en-US" i="1" dirty="0" err="1"/>
+              <a:t>i</a:t>
+            </a:r>
+            <a:r>
+              <a:rPr lang="en-US" i="1" dirty="0"/>
+              <a:t>] &lt; R </a:t>
+            </a:r>
+            <a:r>
+              <a:rPr lang="en-US" b="1" i="1" dirty="0"/>
+              <a:t>do</a:t>
+            </a:r>
+            <a:r>
+              <a:rPr lang="en-US" i="1" dirty="0"/>
+              <a:t> </a:t>
+            </a:r>
+            <a:endParaRPr lang="en-US" dirty="0"/>
+          </a:p>
+          <a:p>
+            <a:r>
+              <a:rPr lang="en-US" i="1" dirty="0"/>
+              <a:t>  </a:t>
+            </a:r>
+            <a:r>
+              <a:rPr lang="en-US" b="1" i="1" dirty="0"/>
+              <a:t>if</a:t>
+            </a:r>
+            <a:r>
+              <a:rPr lang="en-US" i="1" dirty="0"/>
+              <a:t> T[</a:t>
+            </a:r>
+            <a:r>
+              <a:rPr lang="en-US" i="1" dirty="0" err="1"/>
+              <a:t>i</a:t>
+            </a:r>
+            <a:r>
+              <a:rPr lang="en-US" i="1" dirty="0"/>
+              <a:t>] &gt; T[</a:t>
+            </a:r>
+            <a:r>
+              <a:rPr lang="en-US" i="1" dirty="0" err="1"/>
+              <a:t>iMax</a:t>
+            </a:r>
+            <a:r>
+              <a:rPr lang="en-US" i="1" dirty="0"/>
+              <a:t>] </a:t>
+            </a:r>
+            <a:r>
+              <a:rPr lang="en-US" b="1" i="1" dirty="0"/>
+              <a:t>then</a:t>
+            </a:r>
+            <a:r>
+              <a:rPr lang="en-US" i="1" dirty="0"/>
+              <a:t> </a:t>
+            </a:r>
+            <a:r>
+              <a:rPr lang="en-US" i="1" dirty="0" err="1"/>
+              <a:t>iMax</a:t>
+            </a:r>
+            <a:r>
+              <a:rPr lang="en-US" i="1" dirty="0"/>
+              <a:t> = </a:t>
+            </a:r>
+            <a:r>
+              <a:rPr lang="en-US" i="1" dirty="0" err="1"/>
+              <a:t>i</a:t>
+            </a:r>
+            <a:r>
+              <a:rPr lang="en-US" i="1" dirty="0"/>
+              <a:t> </a:t>
+            </a:r>
+            <a:endParaRPr lang="en-US" dirty="0"/>
+          </a:p>
+          <a:p>
+            <a:r>
+              <a:rPr lang="en-US" i="1" dirty="0"/>
+              <a:t>  </a:t>
+            </a:r>
+            <a:r>
+              <a:rPr lang="en-US" i="1" dirty="0" err="1"/>
+              <a:t>i</a:t>
+            </a:r>
+            <a:r>
+              <a:rPr lang="en-US" i="1" dirty="0"/>
+              <a:t> = </a:t>
+            </a:r>
+            <a:r>
+              <a:rPr lang="en-US" i="1" dirty="0" err="1"/>
+              <a:t>i</a:t>
+            </a:r>
+            <a:r>
+              <a:rPr lang="en-US" i="1" dirty="0"/>
+              <a:t> + 1; output(T[</a:t>
+            </a:r>
+            <a:r>
+              <a:rPr lang="en-US" i="1" dirty="0" err="1"/>
+              <a:t>iMax</a:t>
+            </a:r>
+            <a:r>
+              <a:rPr lang="en-US" i="1" dirty="0"/>
+              <a:t>], </a:t>
+            </a:r>
+            <a:r>
+              <a:rPr lang="en-US" i="1" dirty="0" err="1"/>
+              <a:t>iMax</a:t>
+            </a:r>
+            <a:r>
+              <a:rPr lang="en-US" i="1" dirty="0"/>
+              <a:t>); </a:t>
+            </a:r>
+            <a:r>
+              <a:rPr lang="en-US" b="1" i="1" dirty="0"/>
+              <a:t>return</a:t>
+            </a:r>
+            <a:r>
+              <a:rPr lang="en-US" i="1" dirty="0"/>
+              <a:t> </a:t>
+            </a:r>
+            <a:r>
+              <a:rPr lang="en-US" i="1" dirty="0" err="1"/>
+              <a:t>i</a:t>
+            </a:r>
+            <a:endParaRPr lang="en-US" dirty="0"/>
+          </a:p>
+        </p:txBody>
+      </p:sp>
+    </p:spTree>
+    <p:extLst>
+      <p:ext uri="{BB962C8B-B14F-4D97-AF65-F5344CB8AC3E}">
+        <p14:creationId xmlns:p14="http://schemas.microsoft.com/office/powerpoint/2010/main" val="4071987681"/>
       </p:ext>
     </p:extLst>
   </p:cSld>
@@ -10449,11 +14052,7 @@
           <a:p>
             <a:r>
               <a:rPr lang="en-US" dirty="0" smtClean="0"/>
-              <a:t>Based </a:t>
-            </a:r>
-            <a:r>
-              <a:rPr lang="en-US" dirty="0" smtClean="0"/>
-              <a:t>on method proposed by </a:t>
+              <a:t>Based on method proposed by </a:t>
             </a:r>
             <a:r>
               <a:rPr lang="en-US" dirty="0" err="1" smtClean="0"/>
@@ -10628,15 +14227,7 @@
             </a:r>
             <a:r>
               <a:rPr lang="en-US" dirty="0" smtClean="0"/>
-              <a:t> et al), segmentation base on </a:t>
-            </a:r>
-            <a:r>
-              <a:rPr lang="en-US" dirty="0" smtClean="0"/>
-              <a:t>important extreme </a:t>
-            </a:r>
-            <a:r>
-              <a:rPr lang="en-US" dirty="0" smtClean="0"/>
-              <a:t>points.</a:t>
+              <a:t> et al), segmentation base on important extreme points.</a:t>
             </a:r>
           </a:p>
         </p:txBody>

--- a/Report/pre.pptx
+++ b/Report/pre.pptx
@@ -5,7 +5,7 @@
     <p:sldMasterId id="2147483900" r:id="rId1"/>
   </p:sldMasterIdLst>
   <p:notesMasterIdLst>
-    <p:notesMasterId r:id="rId57"/>
+    <p:notesMasterId r:id="rId58"/>
   </p:notesMasterIdLst>
   <p:sldIdLst>
     <p:sldId id="256" r:id="rId2"/>
@@ -40,29 +40,30 @@
     <p:sldId id="365" r:id="rId31"/>
     <p:sldId id="418" r:id="rId32"/>
     <p:sldId id="419" r:id="rId33"/>
-    <p:sldId id="420" r:id="rId34"/>
-    <p:sldId id="421" r:id="rId35"/>
-    <p:sldId id="422" r:id="rId36"/>
-    <p:sldId id="423" r:id="rId37"/>
-    <p:sldId id="424" r:id="rId38"/>
-    <p:sldId id="425" r:id="rId39"/>
-    <p:sldId id="426" r:id="rId40"/>
-    <p:sldId id="427" r:id="rId41"/>
-    <p:sldId id="429" r:id="rId42"/>
-    <p:sldId id="430" r:id="rId43"/>
-    <p:sldId id="431" r:id="rId44"/>
-    <p:sldId id="432" r:id="rId45"/>
-    <p:sldId id="433" r:id="rId46"/>
-    <p:sldId id="434" r:id="rId47"/>
-    <p:sldId id="435" r:id="rId48"/>
-    <p:sldId id="436" r:id="rId49"/>
-    <p:sldId id="372" r:id="rId50"/>
-    <p:sldId id="301" r:id="rId51"/>
-    <p:sldId id="314" r:id="rId52"/>
-    <p:sldId id="417" r:id="rId53"/>
-    <p:sldId id="405" r:id="rId54"/>
-    <p:sldId id="406" r:id="rId55"/>
-    <p:sldId id="407" r:id="rId56"/>
+    <p:sldId id="437" r:id="rId34"/>
+    <p:sldId id="420" r:id="rId35"/>
+    <p:sldId id="421" r:id="rId36"/>
+    <p:sldId id="422" r:id="rId37"/>
+    <p:sldId id="423" r:id="rId38"/>
+    <p:sldId id="424" r:id="rId39"/>
+    <p:sldId id="425" r:id="rId40"/>
+    <p:sldId id="426" r:id="rId41"/>
+    <p:sldId id="427" r:id="rId42"/>
+    <p:sldId id="429" r:id="rId43"/>
+    <p:sldId id="430" r:id="rId44"/>
+    <p:sldId id="431" r:id="rId45"/>
+    <p:sldId id="432" r:id="rId46"/>
+    <p:sldId id="433" r:id="rId47"/>
+    <p:sldId id="434" r:id="rId48"/>
+    <p:sldId id="435" r:id="rId49"/>
+    <p:sldId id="436" r:id="rId50"/>
+    <p:sldId id="372" r:id="rId51"/>
+    <p:sldId id="301" r:id="rId52"/>
+    <p:sldId id="314" r:id="rId53"/>
+    <p:sldId id="417" r:id="rId54"/>
+    <p:sldId id="405" r:id="rId55"/>
+    <p:sldId id="406" r:id="rId56"/>
+    <p:sldId id="407" r:id="rId57"/>
   </p:sldIdLst>
   <p:sldSz cx="9144000" cy="6858000" type="screen4x3"/>
   <p:notesSz cx="6858000" cy="9144000"/>
@@ -246,7 +247,7 @@
           <a:p>
             <a:fld id="{B254F1C8-CC3D-498E-B2CE-23BA4A379260}" type="datetimeFigureOut">
               <a:rPr lang="en-US" smtClean="0"/>
-              <a:t>7/6/2016</a:t>
+              <a:t>7/9/2016</a:t>
             </a:fld>
             <a:endParaRPr lang="en-US"/>
           </a:p>
@@ -1110,7 +1111,7 @@
           <a:p>
             <a:fld id="{B329DD22-3901-4017-BEC8-FE8750DFA061}" type="datetime1">
               <a:rPr lang="en-US" smtClean="0"/>
-              <a:t>7/6/2016</a:t>
+              <a:t>7/9/2016</a:t>
             </a:fld>
             <a:endParaRPr lang="en-US"/>
           </a:p>
@@ -1284,7 +1285,7 @@
           <a:p>
             <a:fld id="{115BC933-04EF-4125-ADB5-D4BD0A1A7597}" type="datetime1">
               <a:rPr lang="en-US" smtClean="0"/>
-              <a:t>7/6/2016</a:t>
+              <a:t>7/9/2016</a:t>
             </a:fld>
             <a:endParaRPr lang="en-US"/>
           </a:p>
@@ -1468,7 +1469,7 @@
           <a:p>
             <a:fld id="{17EB61BA-192C-433C-B416-72651F1A78EB}" type="datetime1">
               <a:rPr lang="en-US" smtClean="0"/>
-              <a:t>7/6/2016</a:t>
+              <a:t>7/9/2016</a:t>
             </a:fld>
             <a:endParaRPr lang="en-US"/>
           </a:p>
@@ -1642,7 +1643,7 @@
           <a:p>
             <a:fld id="{A7AAD14A-2C09-4031-875B-FB5485C85F52}" type="datetime1">
               <a:rPr lang="en-US" smtClean="0"/>
-              <a:t>7/6/2016</a:t>
+              <a:t>7/9/2016</a:t>
             </a:fld>
             <a:endParaRPr lang="en-US"/>
           </a:p>
@@ -1892,7 +1893,7 @@
           <a:p>
             <a:fld id="{5F71CD92-15F1-49C0-B076-705046C4361F}" type="datetime1">
               <a:rPr lang="en-US" smtClean="0"/>
-              <a:t>7/6/2016</a:t>
+              <a:t>7/9/2016</a:t>
             </a:fld>
             <a:endParaRPr lang="en-US"/>
           </a:p>
@@ -2184,7 +2185,7 @@
           <a:p>
             <a:fld id="{114BFDAB-3BD4-4BC8-9BA6-6E4ABE132CE6}" type="datetime1">
               <a:rPr lang="en-US" smtClean="0"/>
-              <a:t>7/6/2016</a:t>
+              <a:t>7/9/2016</a:t>
             </a:fld>
             <a:endParaRPr lang="en-US"/>
           </a:p>
@@ -2610,7 +2611,7 @@
           <a:p>
             <a:fld id="{34FCCD49-AB6B-49EC-B1AF-BDD79E29A726}" type="datetime1">
               <a:rPr lang="en-US" smtClean="0"/>
-              <a:t>7/6/2016</a:t>
+              <a:t>7/9/2016</a:t>
             </a:fld>
             <a:endParaRPr lang="en-US"/>
           </a:p>
@@ -2732,7 +2733,7 @@
           <a:p>
             <a:fld id="{0E5F5D71-C980-4D30-8EE3-BAE218D8A89F}" type="datetime1">
               <a:rPr lang="en-US" smtClean="0"/>
-              <a:t>7/6/2016</a:t>
+              <a:t>7/9/2016</a:t>
             </a:fld>
             <a:endParaRPr lang="en-US"/>
           </a:p>
@@ -2831,7 +2832,7 @@
           <a:p>
             <a:fld id="{3AF8CC4E-4914-4E8E-BF6E-87F5D8F00C88}" type="datetime1">
               <a:rPr lang="en-US" smtClean="0"/>
-              <a:t>7/6/2016</a:t>
+              <a:t>7/9/2016</a:t>
             </a:fld>
             <a:endParaRPr lang="en-US"/>
           </a:p>
@@ -3112,7 +3113,7 @@
           <a:p>
             <a:fld id="{40A97A51-EA70-40F7-9C72-010BE2156940}" type="datetime1">
               <a:rPr lang="en-US" smtClean="0"/>
-              <a:t>7/6/2016</a:t>
+              <a:t>7/9/2016</a:t>
             </a:fld>
             <a:endParaRPr lang="en-US"/>
           </a:p>
@@ -3369,7 +3370,7 @@
           <a:p>
             <a:fld id="{81C508AD-95BA-4196-BE39-DD6DCC1516CB}" type="datetime1">
               <a:rPr lang="en-US" smtClean="0"/>
-              <a:t>7/6/2016</a:t>
+              <a:t>7/9/2016</a:t>
             </a:fld>
             <a:endParaRPr lang="en-US"/>
           </a:p>
@@ -3586,7 +3587,7 @@
           <a:p>
             <a:fld id="{21D2C01F-FF40-4B38-A4B4-3E540EF55F9E}" type="datetime1">
               <a:rPr lang="en-US" smtClean="0"/>
-              <a:t>7/6/2016</a:t>
+              <a:t>7/9/2016</a:t>
             </a:fld>
             <a:endParaRPr lang="en-US"/>
           </a:p>
@@ -6117,14 +6118,7 @@
                           <a:latin typeface="Times New Roman" panose="02020603050405020304" pitchFamily="18" charset="0"/>
                           <a:cs typeface="Times New Roman" panose="02020603050405020304" pitchFamily="18" charset="0"/>
                         </a:rPr>
-                        <a:t>)</a:t>
-                      </a:r>
-                      <a:r>
-                        <a:rPr lang="en-US" sz="3200" dirty="0" smtClean="0">
-                          <a:latin typeface="Times New Roman" panose="02020603050405020304" pitchFamily="18" charset="0"/>
-                          <a:cs typeface="Times New Roman" panose="02020603050405020304" pitchFamily="18" charset="0"/>
-                        </a:rPr>
-                        <a:t>	</a:t>
+                        <a:t>)	</a:t>
                       </a:r>
                     </a:p>
                     <a:p>
@@ -6136,14 +6130,7 @@
                           <a:latin typeface="Times New Roman" panose="02020603050405020304" pitchFamily="18" charset="0"/>
                           <a:cs typeface="Times New Roman" panose="02020603050405020304" pitchFamily="18" charset="0"/>
                         </a:rPr>
-                        <a:t>2</a:t>
-                      </a:r>
-                      <a:r>
-                        <a:rPr lang="en-US" sz="3200" dirty="0" smtClean="0">
-                          <a:latin typeface="Times New Roman" panose="02020603050405020304" pitchFamily="18" charset="0"/>
-                          <a:cs typeface="Times New Roman" panose="02020603050405020304" pitchFamily="18" charset="0"/>
-                        </a:rPr>
-                        <a:t>. For </a:t>
+                        <a:t>2. For </a:t>
                       </a:r>
                       <a:r>
                         <a:rPr lang="en-US" sz="3200" i="1" dirty="0" err="1" smtClean="0">
@@ -6556,6 +6543,11 @@
               <a:rPr lang="en-US" dirty="0" smtClean="0"/>
               <a:t> </a:t>
             </a:r>
+            <a:r>
+              <a:rPr lang="en-US" dirty="0" smtClean="0"/>
+              <a:t>(small value in 0.1..0.3)</a:t>
+            </a:r>
+            <a:endParaRPr lang="en-US" dirty="0" smtClean="0"/>
           </a:p>
           <a:p>
             <a:pPr marL="0" indent="0">
@@ -6702,16 +6694,25 @@
             <a:pPr marL="0" indent="0">
               <a:buNone/>
             </a:pPr>
-            <a:endParaRPr lang="en-US" dirty="0" smtClean="0"/>
-          </a:p>
-          <a:p>
-            <a:r>
-              <a:rPr lang="en-US" dirty="0" err="1" smtClean="0"/>
-              <a:t>Leng</a:t>
+            <a:r>
+              <a:rPr lang="en-US" i="1" dirty="0" err="1" smtClean="0"/>
+              <a:t>L</a:t>
+            </a:r>
+            <a:r>
+              <a:rPr lang="en-US" i="1" baseline="-25000" dirty="0" err="1" smtClean="0"/>
+              <a:t>upper</a:t>
+            </a:r>
+            <a:r>
+              <a:rPr lang="en-US" i="1" baseline="-25000" dirty="0" smtClean="0"/>
+              <a:t> </a:t>
+            </a:r>
+            <a:r>
+              <a:rPr lang="en-US" i="1" dirty="0" smtClean="0"/>
+              <a:t>   = </a:t>
             </a:r>
             <a:r>
               <a:rPr lang="en-US" dirty="0" smtClean="0"/>
-              <a:t> et al chose </a:t>
+              <a:t>(</a:t>
             </a:r>
             <a:r>
               <a:rPr lang="en-US" i="1" dirty="0" err="1" smtClean="0"/>
@@ -6722,8 +6723,40 @@
               <a:t>upper</a:t>
             </a:r>
             <a:r>
-              <a:rPr lang="en-US" i="1" dirty="0" smtClean="0"/>
-              <a:t> = </a:t>
+              <a:rPr lang="en-US" dirty="0" smtClean="0"/>
+              <a:t>  </a:t>
+            </a:r>
+            <a:r>
+              <a:rPr lang="en-US" dirty="0"/>
+              <a:t>≤ </a:t>
+            </a:r>
+            <a:r>
+              <a:rPr lang="en-US" i="1" dirty="0" err="1"/>
+              <a:t>l</a:t>
+            </a:r>
+            <a:r>
+              <a:rPr lang="en-US" i="1" baseline="-25000" dirty="0" err="1"/>
+              <a:t>max</a:t>
+            </a:r>
+            <a:r>
+              <a:rPr lang="en-US" i="1" dirty="0"/>
+              <a:t> </a:t>
+            </a:r>
+            <a:r>
+              <a:rPr lang="en-US" dirty="0"/>
+              <a:t>)? </a:t>
+            </a:r>
+            <a:r>
+              <a:rPr lang="en-US" i="1" dirty="0" err="1"/>
+              <a:t>l</a:t>
+            </a:r>
+            <a:r>
+              <a:rPr lang="en-US" i="1" baseline="-25000" dirty="0" err="1"/>
+              <a:t>upper</a:t>
+            </a:r>
+            <a:r>
+              <a:rPr lang="en-US" dirty="0"/>
+              <a:t>  : </a:t>
             </a:r>
             <a:r>
               <a:rPr lang="en-US" i="1" dirty="0" err="1" smtClean="0"/>
@@ -6733,52 +6766,155 @@
               <a:rPr lang="en-US" i="1" baseline="-25000" dirty="0" err="1" smtClean="0"/>
               <a:t>max</a:t>
             </a:r>
-            <a:r>
-              <a:rPr lang="en-US" i="1" dirty="0"/>
-              <a:t> </a:t>
-            </a:r>
-            <a:r>
-              <a:rPr lang="en-US" i="1" dirty="0" smtClean="0"/>
-              <a:t>and </a:t>
-            </a:r>
-            <a:r>
-              <a:rPr lang="en-US" i="1" dirty="0" err="1" smtClean="0"/>
-              <a:t>l</a:t>
-            </a:r>
-            <a:r>
-              <a:rPr lang="en-US" i="1" baseline="-25000" dirty="0" err="1" smtClean="0"/>
-              <a:t>lower</a:t>
-            </a:r>
-            <a:r>
-              <a:rPr lang="en-US" i="1" dirty="0"/>
-              <a:t> </a:t>
-            </a:r>
-            <a:r>
-              <a:rPr lang="en-US" i="1" dirty="0" smtClean="0"/>
-              <a:t>= </a:t>
-            </a:r>
-            <a:r>
-              <a:rPr lang="en-US" i="1" dirty="0" err="1" smtClean="0"/>
-              <a:t>l</a:t>
-            </a:r>
-            <a:r>
-              <a:rPr lang="en-US" i="1" baseline="-25000" dirty="0" err="1" smtClean="0"/>
-              <a:t>min</a:t>
-            </a:r>
-            <a:r>
-              <a:rPr lang="en-US" i="1" dirty="0" smtClean="0"/>
-              <a:t> </a:t>
-            </a:r>
-            <a:endParaRPr lang="en-US" dirty="0" smtClean="0"/>
+            <a:endParaRPr lang="en-US" i="1" baseline="-25000" dirty="0" smtClean="0"/>
           </a:p>
           <a:p>
             <a:pPr marL="0" indent="0">
               <a:buNone/>
             </a:pPr>
             <a:r>
-              <a:rPr lang="en-US" dirty="0"/>
-              <a:t>	</a:t>
-            </a:r>
+              <a:rPr lang="en-US" i="1" dirty="0" err="1" smtClean="0"/>
+              <a:t>L</a:t>
+            </a:r>
+            <a:r>
+              <a:rPr lang="en-US" i="1" baseline="-25000" dirty="0" err="1" smtClean="0"/>
+              <a:t>lower</a:t>
+            </a:r>
+            <a:r>
+              <a:rPr lang="en-US" i="1" baseline="-25000" dirty="0" smtClean="0"/>
+              <a:t>      </a:t>
+            </a:r>
+            <a:r>
+              <a:rPr lang="en-US" i="1" dirty="0" smtClean="0"/>
+              <a:t>= </a:t>
+            </a:r>
+            <a:r>
+              <a:rPr lang="en-US" dirty="0" smtClean="0"/>
+              <a:t>(</a:t>
+            </a:r>
+            <a:r>
+              <a:rPr lang="en-US" i="1" dirty="0" err="1" smtClean="0"/>
+              <a:t>l</a:t>
+            </a:r>
+            <a:r>
+              <a:rPr lang="en-US" i="1" baseline="-25000" dirty="0" err="1" smtClean="0"/>
+              <a:t>lower</a:t>
+            </a:r>
+            <a:r>
+              <a:rPr lang="en-US" dirty="0" smtClean="0"/>
+              <a:t> </a:t>
+            </a:r>
+            <a:r>
+              <a:rPr lang="en-US" dirty="0"/>
+              <a:t>≥</a:t>
+            </a:r>
+            <a:r>
+              <a:rPr lang="en-US" dirty="0" smtClean="0"/>
+              <a:t> </a:t>
+            </a:r>
+            <a:r>
+              <a:rPr lang="en-US" i="1" dirty="0" err="1"/>
+              <a:t>l</a:t>
+            </a:r>
+            <a:r>
+              <a:rPr lang="en-US" i="1" baseline="-25000" dirty="0" err="1"/>
+              <a:t>min</a:t>
+            </a:r>
+            <a:r>
+              <a:rPr lang="en-US" dirty="0" smtClean="0"/>
+              <a:t>)? </a:t>
+            </a:r>
+            <a:r>
+              <a:rPr lang="en-US" i="1" dirty="0" err="1"/>
+              <a:t>l</a:t>
+            </a:r>
+            <a:r>
+              <a:rPr lang="en-US" i="1" baseline="-25000" dirty="0" err="1"/>
+              <a:t>lower</a:t>
+            </a:r>
+            <a:r>
+              <a:rPr lang="en-US" dirty="0"/>
+              <a:t> </a:t>
+            </a:r>
+            <a:r>
+              <a:rPr lang="en-US" dirty="0" smtClean="0"/>
+              <a:t>: </a:t>
+            </a:r>
+            <a:r>
+              <a:rPr lang="en-US" i="1" dirty="0" err="1"/>
+              <a:t>l</a:t>
+            </a:r>
+            <a:r>
+              <a:rPr lang="en-US" i="1" baseline="-25000" dirty="0" err="1"/>
+              <a:t>min</a:t>
+            </a:r>
+            <a:endParaRPr lang="en-US" dirty="0" smtClean="0"/>
+          </a:p>
+          <a:p>
+            <a:r>
+              <a:rPr lang="en-US" dirty="0" err="1" smtClean="0"/>
+              <a:t>Leng</a:t>
+            </a:r>
+            <a:r>
+              <a:rPr lang="en-US" dirty="0" smtClean="0"/>
+              <a:t> et al chose </a:t>
+            </a:r>
+            <a:r>
+              <a:rPr lang="en-US" i="1" dirty="0" err="1" smtClean="0"/>
+              <a:t>l</a:t>
+            </a:r>
+            <a:r>
+              <a:rPr lang="en-US" i="1" baseline="-25000" dirty="0" err="1" smtClean="0"/>
+              <a:t>upper</a:t>
+            </a:r>
+            <a:r>
+              <a:rPr lang="en-US" i="1" dirty="0" smtClean="0"/>
+              <a:t> = </a:t>
+            </a:r>
+            <a:r>
+              <a:rPr lang="en-US" i="1" dirty="0" err="1" smtClean="0"/>
+              <a:t>l</a:t>
+            </a:r>
+            <a:r>
+              <a:rPr lang="en-US" i="1" baseline="-25000" dirty="0" err="1" smtClean="0"/>
+              <a:t>max</a:t>
+            </a:r>
+            <a:r>
+              <a:rPr lang="en-US" i="1" dirty="0"/>
+              <a:t> </a:t>
+            </a:r>
+            <a:r>
+              <a:rPr lang="en-US" i="1" dirty="0" smtClean="0"/>
+              <a:t>and </a:t>
+            </a:r>
+            <a:r>
+              <a:rPr lang="en-US" i="1" dirty="0" err="1" smtClean="0"/>
+              <a:t>l</a:t>
+            </a:r>
+            <a:r>
+              <a:rPr lang="en-US" i="1" baseline="-25000" dirty="0" err="1" smtClean="0"/>
+              <a:t>lower</a:t>
+            </a:r>
+            <a:r>
+              <a:rPr lang="en-US" i="1" dirty="0"/>
+              <a:t> </a:t>
+            </a:r>
+            <a:r>
+              <a:rPr lang="en-US" i="1" dirty="0" smtClean="0"/>
+              <a:t>= </a:t>
+            </a:r>
+            <a:r>
+              <a:rPr lang="en-US" i="1" dirty="0" err="1" smtClean="0"/>
+              <a:t>l</a:t>
+            </a:r>
+            <a:r>
+              <a:rPr lang="en-US" i="1" baseline="-25000" dirty="0" err="1" smtClean="0"/>
+              <a:t>min</a:t>
+            </a:r>
+            <a:endParaRPr lang="en-US" i="1" baseline="-25000" dirty="0" smtClean="0"/>
+          </a:p>
+          <a:p>
+            <a:endParaRPr lang="en-US" dirty="0"/>
           </a:p>
           <a:p>
             <a:pPr marL="0" indent="0">
@@ -6989,7 +7125,7 @@
           <a:graphicData uri="http://schemas.openxmlformats.org/presentationml/2006/ole">
             <mc:AlternateContent xmlns:mc="http://schemas.openxmlformats.org/markup-compatibility/2006">
               <mc:Choice xmlns:v="urn:schemas-microsoft-com:vml" Requires="v">
-                <p:oleObj spid="_x0000_s9281" name="Equation" r:id="rId3" imgW="2590560" imgH="304560" progId="Equation.3">
+                <p:oleObj spid="_x0000_s9286" name="Equation" r:id="rId3" imgW="2590560" imgH="304560" progId="Equation.3">
                   <p:embed/>
                 </p:oleObj>
               </mc:Choice>
@@ -7770,7 +7906,6 @@
               <a:rPr lang="en-US" dirty="0" smtClean="0"/>
               <a:t>Complexity: O(n)</a:t>
             </a:r>
-            <a:endParaRPr lang="en-US" dirty="0" smtClean="0"/>
           </a:p>
         </p:txBody>
       </p:sp>
@@ -7819,7 +7954,7 @@
           <a:graphicData uri="http://schemas.openxmlformats.org/presentationml/2006/ole">
             <mc:AlternateContent xmlns:mc="http://schemas.openxmlformats.org/markup-compatibility/2006">
               <mc:Choice xmlns:v="urn:schemas-microsoft-com:vml" Requires="v">
-                <p:oleObj spid="_x0000_s6472" name="Equation" r:id="rId3" imgW="2209680" imgH="482400" progId="Equation.3">
+                <p:oleObj spid="_x0000_s6492" name="Equation" r:id="rId3" imgW="2209680" imgH="482400" progId="Equation.3">
                   <p:embed/>
                 </p:oleObj>
               </mc:Choice>
@@ -7876,7 +8011,7 @@
           <a:graphicData uri="http://schemas.openxmlformats.org/presentationml/2006/ole">
             <mc:AlternateContent xmlns:mc="http://schemas.openxmlformats.org/markup-compatibility/2006">
               <mc:Choice xmlns:v="urn:schemas-microsoft-com:vml" Requires="v">
-                <p:oleObj spid="_x0000_s6473" name="Equation" r:id="rId5" imgW="1218960" imgH="431640" progId="Equation.3">
+                <p:oleObj spid="_x0000_s6493" name="Equation" r:id="rId5" imgW="1218960" imgH="431640" progId="Equation.3">
                   <p:embed/>
                 </p:oleObj>
               </mc:Choice>
@@ -7933,7 +8068,7 @@
           <a:graphicData uri="http://schemas.openxmlformats.org/presentationml/2006/ole">
             <mc:AlternateContent xmlns:mc="http://schemas.openxmlformats.org/markup-compatibility/2006">
               <mc:Choice xmlns:v="urn:schemas-microsoft-com:vml" Requires="v">
-                <p:oleObj spid="_x0000_s6474" name="Equation" r:id="rId7" imgW="914400" imgH="198720" progId="Equation.DSMT4">
+                <p:oleObj spid="_x0000_s6494" name="Equation" r:id="rId7" imgW="914400" imgH="198720" progId="Equation.DSMT4">
                   <p:embed/>
                 </p:oleObj>
               </mc:Choice>
@@ -7990,7 +8125,7 @@
           <a:graphicData uri="http://schemas.openxmlformats.org/presentationml/2006/ole">
             <mc:AlternateContent xmlns:mc="http://schemas.openxmlformats.org/markup-compatibility/2006">
               <mc:Choice xmlns:v="urn:schemas-microsoft-com:vml" Requires="v">
-                <p:oleObj spid="_x0000_s6475" name="Equation" r:id="rId9" imgW="914400" imgH="198720" progId="Equation.DSMT4">
+                <p:oleObj spid="_x0000_s6495" name="Equation" r:id="rId9" imgW="914400" imgH="198720" progId="Equation.DSMT4">
                   <p:embed/>
                 </p:oleObj>
               </mc:Choice>
@@ -8475,7 +8610,6 @@
               <a:rPr lang="en-US" dirty="0" smtClean="0"/>
               <a:t>TEK16 (5000)</a:t>
             </a:r>
-            <a:endParaRPr lang="en-US" dirty="0" smtClean="0"/>
           </a:p>
           <a:p>
             <a:r>
@@ -9341,28 +9475,9 @@
           <a:p>
             <a:r>
               <a:rPr lang="en-US" dirty="0" smtClean="0"/>
-              <a:t>ECG 108: VL_QR|HT vs HOT SAX(135) </a:t>
+              <a:t>Parameters between VL_QR|HT and VL_EP|HT</a:t>
             </a:r>
             <a:endParaRPr lang="en-US" dirty="0"/>
-          </a:p>
-        </p:txBody>
-      </p:sp>
-      <p:sp>
-        <p:nvSpPr>
-          <p:cNvPr id="3" name="Content Placeholder 2"/>
-          <p:cNvSpPr>
-            <a:spLocks noGrp="1"/>
-          </p:cNvSpPr>
-          <p:nvPr>
-            <p:ph idx="1"/>
-          </p:nvPr>
-        </p:nvSpPr>
-        <p:spPr/>
-        <p:txBody>
-          <a:bodyPr/>
-          <a:lstStyle/>
-          <a:p>
-            <a:endParaRPr lang="en-US" dirty="0" smtClean="0"/>
           </a:p>
         </p:txBody>
       </p:sp>
@@ -9384,6 +9499,176 @@
             <a:fld id="{38324C1E-6E2F-465B-B7AC-362036DEB808}" type="slidenum">
               <a:rPr lang="en-US" smtClean="0"/>
               <a:t>33</a:t>
+            </a:fld>
+            <a:endParaRPr lang="en-US"/>
+          </a:p>
+        </p:txBody>
+      </p:sp>
+      <p:pic>
+        <p:nvPicPr>
+          <p:cNvPr id="10243" name="Picture 3"/>
+          <p:cNvPicPr>
+            <a:picLocks noGrp="1" noChangeAspect="1" noChangeArrowheads="1"/>
+          </p:cNvPicPr>
+          <p:nvPr>
+            <p:ph idx="1"/>
+          </p:nvPr>
+        </p:nvPicPr>
+        <p:blipFill>
+          <a:blip r:embed="rId2" cstate="print">
+            <a:extLst>
+              <a:ext uri="{28A0092B-C50C-407E-A947-70E740481C1C}">
+                <a14:useLocalDpi xmlns:a14="http://schemas.microsoft.com/office/drawing/2010/main" val="0"/>
+              </a:ext>
+            </a:extLst>
+          </a:blip>
+          <a:srcRect/>
+          <a:stretch>
+            <a:fillRect/>
+          </a:stretch>
+        </p:blipFill>
+        <p:spPr bwMode="auto">
+          <a:xfrm>
+            <a:off x="1066800" y="1828800"/>
+            <a:ext cx="6914240" cy="4267200"/>
+          </a:xfrm>
+          <a:prstGeom prst="rect">
+            <a:avLst/>
+          </a:prstGeom>
+          <a:noFill/>
+          <a:ln>
+            <a:noFill/>
+          </a:ln>
+          <a:effectLst/>
+          <a:extLst>
+            <a:ext uri="{909E8E84-426E-40DD-AFC4-6F175D3DCCD1}">
+              <a14:hiddenFill xmlns:a14="http://schemas.microsoft.com/office/drawing/2010/main">
+                <a:solidFill>
+                  <a:schemeClr val="accent1"/>
+                </a:solidFill>
+              </a14:hiddenFill>
+            </a:ext>
+            <a:ext uri="{91240B29-F687-4F45-9708-019B960494DF}">
+              <a14:hiddenLine xmlns:a14="http://schemas.microsoft.com/office/drawing/2010/main" w="9525">
+                <a:solidFill>
+                  <a:schemeClr val="tx1"/>
+                </a:solidFill>
+                <a:miter lim="800000"/>
+                <a:headEnd/>
+                <a:tailEnd/>
+              </a14:hiddenLine>
+            </a:ext>
+            <a:ext uri="{AF507438-7753-43E0-B8FC-AC1667EBCBE1}">
+              <a14:hiddenEffects xmlns:a14="http://schemas.microsoft.com/office/drawing/2010/main">
+                <a:effectLst>
+                  <a:outerShdw dist="35921" dir="2700000" algn="ctr" rotWithShape="0">
+                    <a:schemeClr val="bg2"/>
+                  </a:outerShdw>
+                </a:effectLst>
+              </a14:hiddenEffects>
+            </a:ext>
+          </a:extLst>
+        </p:spPr>
+      </p:pic>
+    </p:spTree>
+    <p:extLst>
+      <p:ext uri="{BB962C8B-B14F-4D97-AF65-F5344CB8AC3E}">
+        <p14:creationId xmlns:p14="http://schemas.microsoft.com/office/powerpoint/2010/main" val="2163489341"/>
+      </p:ext>
+    </p:extLst>
+  </p:cSld>
+  <p:clrMapOvr>
+    <a:masterClrMapping/>
+  </p:clrMapOvr>
+  <p:timing>
+    <p:tnLst>
+      <p:par>
+        <p:cTn id="1" dur="indefinite" restart="never" nodeType="tmRoot"/>
+      </p:par>
+    </p:tnLst>
+  </p:timing>
+</p:sld>
+</file>
+
+<file path=ppt/slides/slide34.xml><?xml version="1.0" encoding="utf-8"?>
+<p:sld xmlns:a="http://schemas.openxmlformats.org/drawingml/2006/main" xmlns:r="http://schemas.openxmlformats.org/officeDocument/2006/relationships" xmlns:p="http://schemas.openxmlformats.org/presentationml/2006/main">
+  <p:cSld>
+    <p:spTree>
+      <p:nvGrpSpPr>
+        <p:cNvPr id="1" name=""/>
+        <p:cNvGrpSpPr/>
+        <p:nvPr/>
+      </p:nvGrpSpPr>
+      <p:grpSpPr>
+        <a:xfrm>
+          <a:off x="0" y="0"/>
+          <a:ext cx="0" cy="0"/>
+          <a:chOff x="0" y="0"/>
+          <a:chExt cx="0" cy="0"/>
+        </a:xfrm>
+      </p:grpSpPr>
+      <p:sp>
+        <p:nvSpPr>
+          <p:cNvPr id="2" name="Title 1"/>
+          <p:cNvSpPr>
+            <a:spLocks noGrp="1"/>
+          </p:cNvSpPr>
+          <p:nvPr>
+            <p:ph type="title"/>
+          </p:nvPr>
+        </p:nvSpPr>
+        <p:spPr/>
+        <p:txBody>
+          <a:bodyPr>
+            <a:normAutofit fontScale="90000"/>
+          </a:bodyPr>
+          <a:lstStyle/>
+          <a:p>
+            <a:r>
+              <a:rPr lang="en-US" dirty="0" smtClean="0"/>
+              <a:t>ECG 108: VL_QR|HT vs HOT SAX(135) </a:t>
+            </a:r>
+            <a:endParaRPr lang="en-US" dirty="0"/>
+          </a:p>
+        </p:txBody>
+      </p:sp>
+      <p:sp>
+        <p:nvSpPr>
+          <p:cNvPr id="3" name="Content Placeholder 2"/>
+          <p:cNvSpPr>
+            <a:spLocks noGrp="1"/>
+          </p:cNvSpPr>
+          <p:nvPr>
+            <p:ph idx="1"/>
+          </p:nvPr>
+        </p:nvSpPr>
+        <p:spPr/>
+        <p:txBody>
+          <a:bodyPr/>
+          <a:lstStyle/>
+          <a:p>
+            <a:endParaRPr lang="en-US" dirty="0" smtClean="0"/>
+          </a:p>
+        </p:txBody>
+      </p:sp>
+      <p:sp>
+        <p:nvSpPr>
+          <p:cNvPr id="4" name="Slide Number Placeholder 3"/>
+          <p:cNvSpPr>
+            <a:spLocks noGrp="1"/>
+          </p:cNvSpPr>
+          <p:nvPr>
+            <p:ph type="sldNum" sz="quarter" idx="12"/>
+          </p:nvPr>
+        </p:nvSpPr>
+        <p:spPr/>
+        <p:txBody>
+          <a:bodyPr/>
+          <a:lstStyle/>
+          <a:p>
+            <a:fld id="{38324C1E-6E2F-465B-B7AC-362036DEB808}" type="slidenum">
+              <a:rPr lang="en-US" smtClean="0"/>
+              <a:t>34</a:t>
             </a:fld>
             <a:endParaRPr lang="en-US"/>
           </a:p>
@@ -9475,7 +9760,7 @@
 </p:sld>
 </file>
 
-<file path=ppt/slides/slide34.xml><?xml version="1.0" encoding="utf-8"?>
+<file path=ppt/slides/slide35.xml><?xml version="1.0" encoding="utf-8"?>
 <p:sld xmlns:a="http://schemas.openxmlformats.org/drawingml/2006/main" xmlns:r="http://schemas.openxmlformats.org/officeDocument/2006/relationships" xmlns:p="http://schemas.openxmlformats.org/presentationml/2006/main">
   <p:cSld>
     <p:spTree>
@@ -9538,7 +9823,7 @@
           <a:p>
             <a:fld id="{38324C1E-6E2F-465B-B7AC-362036DEB808}" type="slidenum">
               <a:rPr lang="en-US" smtClean="0"/>
-              <a:t>34</a:t>
+              <a:t>35</a:t>
             </a:fld>
             <a:endParaRPr lang="en-US"/>
           </a:p>
@@ -9634,7 +9919,7 @@
 </p:sld>
 </file>
 
-<file path=ppt/slides/slide35.xml><?xml version="1.0" encoding="utf-8"?>
+<file path=ppt/slides/slide36.xml><?xml version="1.0" encoding="utf-8"?>
 <p:sld xmlns:a="http://schemas.openxmlformats.org/drawingml/2006/main" xmlns:r="http://schemas.openxmlformats.org/officeDocument/2006/relationships" xmlns:p="http://schemas.openxmlformats.org/presentationml/2006/main">
   <p:cSld>
     <p:spTree>
@@ -9712,7 +9997,7 @@
           <a:p>
             <a:fld id="{38324C1E-6E2F-465B-B7AC-362036DEB808}" type="slidenum">
               <a:rPr lang="en-US" smtClean="0"/>
-              <a:t>35</a:t>
+              <a:t>36</a:t>
             </a:fld>
             <a:endParaRPr lang="en-US"/>
           </a:p>
@@ -9804,7 +10089,7 @@
 </p:sld>
 </file>
 
-<file path=ppt/slides/slide36.xml><?xml version="1.0" encoding="utf-8"?>
+<file path=ppt/slides/slide37.xml><?xml version="1.0" encoding="utf-8"?>
 <p:sld xmlns:a="http://schemas.openxmlformats.org/drawingml/2006/main" xmlns:r="http://schemas.openxmlformats.org/officeDocument/2006/relationships" xmlns:p="http://schemas.openxmlformats.org/presentationml/2006/main">
   <p:cSld>
     <p:spTree>
@@ -9867,7 +10152,7 @@
           <a:p>
             <a:fld id="{38324C1E-6E2F-465B-B7AC-362036DEB808}" type="slidenum">
               <a:rPr lang="en-US" smtClean="0"/>
-              <a:t>36</a:t>
+              <a:t>37</a:t>
             </a:fld>
             <a:endParaRPr lang="en-US" dirty="0"/>
           </a:p>
@@ -9993,7 +10278,7 @@
 </p:sld>
 </file>
 
-<file path=ppt/slides/slide37.xml><?xml version="1.0" encoding="utf-8"?>
+<file path=ppt/slides/slide38.xml><?xml version="1.0" encoding="utf-8"?>
 <p:sld xmlns:a="http://schemas.openxmlformats.org/drawingml/2006/main" xmlns:r="http://schemas.openxmlformats.org/officeDocument/2006/relationships" xmlns:p="http://schemas.openxmlformats.org/presentationml/2006/main">
   <p:cSld>
     <p:spTree>
@@ -10071,7 +10356,7 @@
           <a:p>
             <a:fld id="{38324C1E-6E2F-465B-B7AC-362036DEB808}" type="slidenum">
               <a:rPr lang="en-US" smtClean="0"/>
-              <a:t>37</a:t>
+              <a:t>38</a:t>
             </a:fld>
             <a:endParaRPr lang="en-US"/>
           </a:p>
@@ -10163,7 +10448,7 @@
 </p:sld>
 </file>
 
-<file path=ppt/slides/slide38.xml><?xml version="1.0" encoding="utf-8"?>
+<file path=ppt/slides/slide39.xml><?xml version="1.0" encoding="utf-8"?>
 <p:sld xmlns:a="http://schemas.openxmlformats.org/drawingml/2006/main" xmlns:r="http://schemas.openxmlformats.org/officeDocument/2006/relationships" xmlns:p="http://schemas.openxmlformats.org/presentationml/2006/main">
   <p:cSld>
     <p:spTree>
@@ -10222,7 +10507,7 @@
           <a:p>
             <a:fld id="{38324C1E-6E2F-465B-B7AC-362036DEB808}" type="slidenum">
               <a:rPr lang="en-US" smtClean="0"/>
-              <a:t>38</a:t>
+              <a:t>39</a:t>
             </a:fld>
             <a:endParaRPr lang="en-US" dirty="0"/>
           </a:p>
@@ -10332,161 +10617,6 @@
     <p:extLst>
       <p:ext uri="{BB962C8B-B14F-4D97-AF65-F5344CB8AC3E}">
         <p14:creationId xmlns:p14="http://schemas.microsoft.com/office/powerpoint/2010/main" val="3171596041"/>
-      </p:ext>
-    </p:extLst>
-  </p:cSld>
-  <p:clrMapOvr>
-    <a:masterClrMapping/>
-  </p:clrMapOvr>
-  <p:timing>
-    <p:tnLst>
-      <p:par>
-        <p:cTn id="1" dur="indefinite" restart="never" nodeType="tmRoot"/>
-      </p:par>
-    </p:tnLst>
-  </p:timing>
-</p:sld>
-</file>
-
-<file path=ppt/slides/slide39.xml><?xml version="1.0" encoding="utf-8"?>
-<p:sld xmlns:a="http://schemas.openxmlformats.org/drawingml/2006/main" xmlns:r="http://schemas.openxmlformats.org/officeDocument/2006/relationships" xmlns:p="http://schemas.openxmlformats.org/presentationml/2006/main">
-  <p:cSld>
-    <p:spTree>
-      <p:nvGrpSpPr>
-        <p:cNvPr id="1" name=""/>
-        <p:cNvGrpSpPr/>
-        <p:nvPr/>
-      </p:nvGrpSpPr>
-      <p:grpSpPr>
-        <a:xfrm>
-          <a:off x="0" y="0"/>
-          <a:ext cx="0" cy="0"/>
-          <a:chOff x="0" y="0"/>
-          <a:chExt cx="0" cy="0"/>
-        </a:xfrm>
-      </p:grpSpPr>
-      <p:sp>
-        <p:nvSpPr>
-          <p:cNvPr id="2" name="Title 1"/>
-          <p:cNvSpPr>
-            <a:spLocks noGrp="1"/>
-          </p:cNvSpPr>
-          <p:nvPr>
-            <p:ph type="title"/>
-          </p:nvPr>
-        </p:nvSpPr>
-        <p:spPr/>
-        <p:txBody>
-          <a:bodyPr>
-            <a:normAutofit fontScale="90000"/>
-          </a:bodyPr>
-          <a:lstStyle/>
-          <a:p>
-            <a:r>
-              <a:rPr lang="en-US" dirty="0" smtClean="0"/>
-              <a:t>Memory: VL_QR|HT vs HOT SAX(165)</a:t>
-            </a:r>
-            <a:endParaRPr lang="en-US" dirty="0"/>
-          </a:p>
-        </p:txBody>
-      </p:sp>
-      <p:sp>
-        <p:nvSpPr>
-          <p:cNvPr id="4" name="Slide Number Placeholder 3"/>
-          <p:cNvSpPr>
-            <a:spLocks noGrp="1"/>
-          </p:cNvSpPr>
-          <p:nvPr>
-            <p:ph type="sldNum" sz="quarter" idx="12"/>
-          </p:nvPr>
-        </p:nvSpPr>
-        <p:spPr/>
-        <p:txBody>
-          <a:bodyPr/>
-          <a:lstStyle/>
-          <a:p>
-            <a:fld id="{38324C1E-6E2F-465B-B7AC-362036DEB808}" type="slidenum">
-              <a:rPr lang="en-US" smtClean="0"/>
-              <a:t>39</a:t>
-            </a:fld>
-            <a:endParaRPr lang="en-US"/>
-          </a:p>
-        </p:txBody>
-      </p:sp>
-      <p:pic>
-        <p:nvPicPr>
-          <p:cNvPr id="5" name="Content Placeholder 4"/>
-          <p:cNvPicPr>
-            <a:picLocks noGrp="1"/>
-          </p:cNvPicPr>
-          <p:nvPr>
-            <p:ph idx="1"/>
-          </p:nvPr>
-        </p:nvPicPr>
-        <p:blipFill>
-          <a:blip r:embed="rId2">
-            <a:extLst>
-              <a:ext uri="{28A0092B-C50C-407E-A947-70E740481C1C}">
-                <a14:useLocalDpi xmlns:a14="http://schemas.microsoft.com/office/drawing/2010/main" val="0"/>
-              </a:ext>
-            </a:extLst>
-          </a:blip>
-          <a:srcRect/>
-          <a:stretch>
-            <a:fillRect/>
-          </a:stretch>
-        </p:blipFill>
-        <p:spPr bwMode="auto">
-          <a:xfrm>
-            <a:off x="914400" y="1143000"/>
-            <a:ext cx="6629400" cy="2528017"/>
-          </a:xfrm>
-          <a:prstGeom prst="rect">
-            <a:avLst/>
-          </a:prstGeom>
-          <a:noFill/>
-          <a:ln>
-            <a:noFill/>
-          </a:ln>
-        </p:spPr>
-      </p:pic>
-      <p:pic>
-        <p:nvPicPr>
-          <p:cNvPr id="6" name="Picture 5"/>
-          <p:cNvPicPr/>
-          <p:nvPr/>
-        </p:nvPicPr>
-        <p:blipFill>
-          <a:blip r:embed="rId3">
-            <a:extLst>
-              <a:ext uri="{28A0092B-C50C-407E-A947-70E740481C1C}">
-                <a14:useLocalDpi xmlns:a14="http://schemas.microsoft.com/office/drawing/2010/main" val="0"/>
-              </a:ext>
-            </a:extLst>
-          </a:blip>
-          <a:srcRect/>
-          <a:stretch>
-            <a:fillRect/>
-          </a:stretch>
-        </p:blipFill>
-        <p:spPr bwMode="auto">
-          <a:xfrm>
-            <a:off x="838200" y="3733800"/>
-            <a:ext cx="6781800" cy="3009900"/>
-          </a:xfrm>
-          <a:prstGeom prst="rect">
-            <a:avLst/>
-          </a:prstGeom>
-          <a:noFill/>
-          <a:ln>
-            <a:noFill/>
-          </a:ln>
-        </p:spPr>
-      </p:pic>
-    </p:spTree>
-    <p:extLst>
-      <p:ext uri="{BB962C8B-B14F-4D97-AF65-F5344CB8AC3E}">
-        <p14:creationId xmlns:p14="http://schemas.microsoft.com/office/powerpoint/2010/main" val="3013944064"/>
       </p:ext>
     </p:extLst>
   </p:cSld>
@@ -10724,7 +10854,7 @@
           <a:p>
             <a:r>
               <a:rPr lang="en-US" dirty="0" smtClean="0"/>
-              <a:t>Memory: VL_EP|HT vs HOT SAX(504)</a:t>
+              <a:t>Memory: VL_QR|HT vs HOT SAX(165)</a:t>
             </a:r>
             <a:endParaRPr lang="en-US" dirty="0"/>
           </a:p>
@@ -10748,6 +10878,161 @@
             <a:fld id="{38324C1E-6E2F-465B-B7AC-362036DEB808}" type="slidenum">
               <a:rPr lang="en-US" smtClean="0"/>
               <a:t>40</a:t>
+            </a:fld>
+            <a:endParaRPr lang="en-US"/>
+          </a:p>
+        </p:txBody>
+      </p:sp>
+      <p:pic>
+        <p:nvPicPr>
+          <p:cNvPr id="5" name="Content Placeholder 4"/>
+          <p:cNvPicPr>
+            <a:picLocks noGrp="1"/>
+          </p:cNvPicPr>
+          <p:nvPr>
+            <p:ph idx="1"/>
+          </p:nvPr>
+        </p:nvPicPr>
+        <p:blipFill>
+          <a:blip r:embed="rId2">
+            <a:extLst>
+              <a:ext uri="{28A0092B-C50C-407E-A947-70E740481C1C}">
+                <a14:useLocalDpi xmlns:a14="http://schemas.microsoft.com/office/drawing/2010/main" val="0"/>
+              </a:ext>
+            </a:extLst>
+          </a:blip>
+          <a:srcRect/>
+          <a:stretch>
+            <a:fillRect/>
+          </a:stretch>
+        </p:blipFill>
+        <p:spPr bwMode="auto">
+          <a:xfrm>
+            <a:off x="914400" y="1143000"/>
+            <a:ext cx="6629400" cy="2528017"/>
+          </a:xfrm>
+          <a:prstGeom prst="rect">
+            <a:avLst/>
+          </a:prstGeom>
+          <a:noFill/>
+          <a:ln>
+            <a:noFill/>
+          </a:ln>
+        </p:spPr>
+      </p:pic>
+      <p:pic>
+        <p:nvPicPr>
+          <p:cNvPr id="6" name="Picture 5"/>
+          <p:cNvPicPr/>
+          <p:nvPr/>
+        </p:nvPicPr>
+        <p:blipFill>
+          <a:blip r:embed="rId3">
+            <a:extLst>
+              <a:ext uri="{28A0092B-C50C-407E-A947-70E740481C1C}">
+                <a14:useLocalDpi xmlns:a14="http://schemas.microsoft.com/office/drawing/2010/main" val="0"/>
+              </a:ext>
+            </a:extLst>
+          </a:blip>
+          <a:srcRect/>
+          <a:stretch>
+            <a:fillRect/>
+          </a:stretch>
+        </p:blipFill>
+        <p:spPr bwMode="auto">
+          <a:xfrm>
+            <a:off x="838200" y="3733800"/>
+            <a:ext cx="6781800" cy="3009900"/>
+          </a:xfrm>
+          <a:prstGeom prst="rect">
+            <a:avLst/>
+          </a:prstGeom>
+          <a:noFill/>
+          <a:ln>
+            <a:noFill/>
+          </a:ln>
+        </p:spPr>
+      </p:pic>
+    </p:spTree>
+    <p:extLst>
+      <p:ext uri="{BB962C8B-B14F-4D97-AF65-F5344CB8AC3E}">
+        <p14:creationId xmlns:p14="http://schemas.microsoft.com/office/powerpoint/2010/main" val="3013944064"/>
+      </p:ext>
+    </p:extLst>
+  </p:cSld>
+  <p:clrMapOvr>
+    <a:masterClrMapping/>
+  </p:clrMapOvr>
+  <p:timing>
+    <p:tnLst>
+      <p:par>
+        <p:cTn id="1" dur="indefinite" restart="never" nodeType="tmRoot"/>
+      </p:par>
+    </p:tnLst>
+  </p:timing>
+</p:sld>
+</file>
+
+<file path=ppt/slides/slide41.xml><?xml version="1.0" encoding="utf-8"?>
+<p:sld xmlns:a="http://schemas.openxmlformats.org/drawingml/2006/main" xmlns:r="http://schemas.openxmlformats.org/officeDocument/2006/relationships" xmlns:p="http://schemas.openxmlformats.org/presentationml/2006/main">
+  <p:cSld>
+    <p:spTree>
+      <p:nvGrpSpPr>
+        <p:cNvPr id="1" name=""/>
+        <p:cNvGrpSpPr/>
+        <p:nvPr/>
+      </p:nvGrpSpPr>
+      <p:grpSpPr>
+        <a:xfrm>
+          <a:off x="0" y="0"/>
+          <a:ext cx="0" cy="0"/>
+          <a:chOff x="0" y="0"/>
+          <a:chExt cx="0" cy="0"/>
+        </a:xfrm>
+      </p:grpSpPr>
+      <p:sp>
+        <p:nvSpPr>
+          <p:cNvPr id="2" name="Title 1"/>
+          <p:cNvSpPr>
+            <a:spLocks noGrp="1"/>
+          </p:cNvSpPr>
+          <p:nvPr>
+            <p:ph type="title"/>
+          </p:nvPr>
+        </p:nvSpPr>
+        <p:spPr/>
+        <p:txBody>
+          <a:bodyPr>
+            <a:normAutofit fontScale="90000"/>
+          </a:bodyPr>
+          <a:lstStyle/>
+          <a:p>
+            <a:r>
+              <a:rPr lang="en-US" dirty="0" smtClean="0"/>
+              <a:t>Memory: VL_EP|HT vs HOT SAX(504)</a:t>
+            </a:r>
+            <a:endParaRPr lang="en-US" dirty="0"/>
+          </a:p>
+        </p:txBody>
+      </p:sp>
+      <p:sp>
+        <p:nvSpPr>
+          <p:cNvPr id="4" name="Slide Number Placeholder 3"/>
+          <p:cNvSpPr>
+            <a:spLocks noGrp="1"/>
+          </p:cNvSpPr>
+          <p:nvPr>
+            <p:ph type="sldNum" sz="quarter" idx="12"/>
+          </p:nvPr>
+        </p:nvSpPr>
+        <p:spPr/>
+        <p:txBody>
+          <a:bodyPr/>
+          <a:lstStyle/>
+          <a:p>
+            <a:fld id="{38324C1E-6E2F-465B-B7AC-362036DEB808}" type="slidenum">
+              <a:rPr lang="en-US" smtClean="0"/>
+              <a:t>41</a:t>
             </a:fld>
             <a:endParaRPr lang="en-US"/>
           </a:p>
@@ -10843,7 +11128,7 @@
 </p:sld>
 </file>
 
-<file path=ppt/slides/slide41.xml><?xml version="1.0" encoding="utf-8"?>
+<file path=ppt/slides/slide42.xml><?xml version="1.0" encoding="utf-8"?>
 <p:sld xmlns:a="http://schemas.openxmlformats.org/drawingml/2006/main" xmlns:r="http://schemas.openxmlformats.org/officeDocument/2006/relationships" xmlns:p="http://schemas.openxmlformats.org/presentationml/2006/main">
   <p:cSld>
     <p:spTree>
@@ -10906,7 +11191,7 @@
           <a:p>
             <a:fld id="{38324C1E-6E2F-465B-B7AC-362036DEB808}" type="slidenum">
               <a:rPr lang="en-US" smtClean="0"/>
-              <a:t>41</a:t>
+              <a:t>42</a:t>
             </a:fld>
             <a:endParaRPr lang="en-US"/>
           </a:p>
@@ -11002,7 +11287,7 @@
 </p:sld>
 </file>
 
-<file path=ppt/slides/slide42.xml><?xml version="1.0" encoding="utf-8"?>
+<file path=ppt/slides/slide43.xml><?xml version="1.0" encoding="utf-8"?>
 <p:sld xmlns:a="http://schemas.openxmlformats.org/drawingml/2006/main" xmlns:r="http://schemas.openxmlformats.org/officeDocument/2006/relationships" xmlns:p="http://schemas.openxmlformats.org/presentationml/2006/main">
   <p:cSld>
     <p:spTree>
@@ -11096,7 +11381,7 @@
           <a:p>
             <a:fld id="{38324C1E-6E2F-465B-B7AC-362036DEB808}" type="slidenum">
               <a:rPr lang="en-US" smtClean="0"/>
-              <a:t>42</a:t>
+              <a:t>43</a:t>
             </a:fld>
             <a:endParaRPr lang="en-US"/>
           </a:p>
@@ -11188,7 +11473,7 @@
 </p:sld>
 </file>
 
-<file path=ppt/slides/slide43.xml><?xml version="1.0" encoding="utf-8"?>
+<file path=ppt/slides/slide44.xml><?xml version="1.0" encoding="utf-8"?>
 <p:sld xmlns:a="http://schemas.openxmlformats.org/drawingml/2006/main" xmlns:r="http://schemas.openxmlformats.org/officeDocument/2006/relationships" xmlns:p="http://schemas.openxmlformats.org/presentationml/2006/main">
   <p:cSld>
     <p:spTree>
@@ -11251,7 +11536,7 @@
           <a:p>
             <a:fld id="{38324C1E-6E2F-465B-B7AC-362036DEB808}" type="slidenum">
               <a:rPr lang="en-US" smtClean="0"/>
-              <a:t>43</a:t>
+              <a:t>44</a:t>
             </a:fld>
             <a:endParaRPr lang="en-US"/>
           </a:p>
@@ -11347,7 +11632,7 @@
 </p:sld>
 </file>
 
-<file path=ppt/slides/slide44.xml><?xml version="1.0" encoding="utf-8"?>
+<file path=ppt/slides/slide45.xml><?xml version="1.0" encoding="utf-8"?>
 <p:sld xmlns:a="http://schemas.openxmlformats.org/drawingml/2006/main" xmlns:r="http://schemas.openxmlformats.org/officeDocument/2006/relationships" xmlns:p="http://schemas.openxmlformats.org/presentationml/2006/main">
   <p:cSld>
     <p:spTree>
@@ -11422,7 +11707,7 @@
           <a:p>
             <a:fld id="{38324C1E-6E2F-465B-B7AC-362036DEB808}" type="slidenum">
               <a:rPr lang="en-US" smtClean="0"/>
-              <a:t>44</a:t>
+              <a:t>45</a:t>
             </a:fld>
             <a:endParaRPr lang="en-US"/>
           </a:p>
@@ -11518,7 +11803,7 @@
 </p:sld>
 </file>
 
-<file path=ppt/slides/slide45.xml><?xml version="1.0" encoding="utf-8"?>
+<file path=ppt/slides/slide46.xml><?xml version="1.0" encoding="utf-8"?>
 <p:sld xmlns:a="http://schemas.openxmlformats.org/drawingml/2006/main" xmlns:r="http://schemas.openxmlformats.org/officeDocument/2006/relationships" xmlns:p="http://schemas.openxmlformats.org/presentationml/2006/main">
   <p:cSld>
     <p:spTree>
@@ -11577,7 +11862,7 @@
           <a:p>
             <a:fld id="{38324C1E-6E2F-465B-B7AC-362036DEB808}" type="slidenum">
               <a:rPr lang="en-US" smtClean="0"/>
-              <a:t>45</a:t>
+              <a:t>46</a:t>
             </a:fld>
             <a:endParaRPr lang="en-US"/>
           </a:p>
@@ -11673,7 +11958,7 @@
 </p:sld>
 </file>
 
-<file path=ppt/slides/slide46.xml><?xml version="1.0" encoding="utf-8"?>
+<file path=ppt/slides/slide47.xml><?xml version="1.0" encoding="utf-8"?>
 <p:sld xmlns:a="http://schemas.openxmlformats.org/drawingml/2006/main" xmlns:r="http://schemas.openxmlformats.org/officeDocument/2006/relationships" xmlns:p="http://schemas.openxmlformats.org/presentationml/2006/main">
   <p:cSld>
     <p:spTree>
@@ -11744,7 +12029,7 @@
           <a:p>
             <a:fld id="{38324C1E-6E2F-465B-B7AC-362036DEB808}" type="slidenum">
               <a:rPr lang="en-US" smtClean="0"/>
-              <a:t>46</a:t>
+              <a:t>47</a:t>
             </a:fld>
             <a:endParaRPr lang="en-US"/>
           </a:p>
@@ -11840,7 +12125,7 @@
 </p:sld>
 </file>
 
-<file path=ppt/slides/slide47.xml><?xml version="1.0" encoding="utf-8"?>
+<file path=ppt/slides/slide48.xml><?xml version="1.0" encoding="utf-8"?>
 <p:sld xmlns:a="http://schemas.openxmlformats.org/drawingml/2006/main" xmlns:r="http://schemas.openxmlformats.org/officeDocument/2006/relationships" xmlns:p="http://schemas.openxmlformats.org/presentationml/2006/main">
   <p:cSld>
     <p:spTree>
@@ -11897,7 +12182,7 @@
           <a:p>
             <a:fld id="{38324C1E-6E2F-465B-B7AC-362036DEB808}" type="slidenum">
               <a:rPr lang="en-US" smtClean="0"/>
-              <a:t>47</a:t>
+              <a:t>48</a:t>
             </a:fld>
             <a:endParaRPr lang="en-US"/>
           </a:p>
@@ -11993,7 +12278,7 @@
 </p:sld>
 </file>
 
-<file path=ppt/slides/slide48.xml><?xml version="1.0" encoding="utf-8"?>
+<file path=ppt/slides/slide49.xml><?xml version="1.0" encoding="utf-8"?>
 <p:sld xmlns:a="http://schemas.openxmlformats.org/drawingml/2006/main" xmlns:r="http://schemas.openxmlformats.org/officeDocument/2006/relationships" xmlns:p="http://schemas.openxmlformats.org/presentationml/2006/main">
   <p:cSld>
     <p:spTree>
@@ -12073,7 +12358,7 @@
           <a:p>
             <a:fld id="{38324C1E-6E2F-465B-B7AC-362036DEB808}" type="slidenum">
               <a:rPr lang="en-US" smtClean="0"/>
-              <a:t>48</a:t>
+              <a:t>49</a:t>
             </a:fld>
             <a:endParaRPr lang="en-US"/>
           </a:p>
@@ -12165,271 +12450,6 @@
 </p:sld>
 </file>
 
-<file path=ppt/slides/slide49.xml><?xml version="1.0" encoding="utf-8"?>
-<p:sld xmlns:a="http://schemas.openxmlformats.org/drawingml/2006/main" xmlns:r="http://schemas.openxmlformats.org/officeDocument/2006/relationships" xmlns:p="http://schemas.openxmlformats.org/presentationml/2006/main">
-  <p:cSld>
-    <p:spTree>
-      <p:nvGrpSpPr>
-        <p:cNvPr id="1" name=""/>
-        <p:cNvGrpSpPr/>
-        <p:nvPr/>
-      </p:nvGrpSpPr>
-      <p:grpSpPr>
-        <a:xfrm>
-          <a:off x="0" y="0"/>
-          <a:ext cx="0" cy="0"/>
-          <a:chOff x="0" y="0"/>
-          <a:chExt cx="0" cy="0"/>
-        </a:xfrm>
-      </p:grpSpPr>
-      <p:sp>
-        <p:nvSpPr>
-          <p:cNvPr id="2" name="Title 1"/>
-          <p:cNvSpPr>
-            <a:spLocks noGrp="1"/>
-          </p:cNvSpPr>
-          <p:nvPr>
-            <p:ph type="title"/>
-          </p:nvPr>
-        </p:nvSpPr>
-        <p:spPr/>
-        <p:txBody>
-          <a:bodyPr/>
-          <a:lstStyle/>
-          <a:p>
-            <a:r>
-              <a:rPr lang="en-US" dirty="0" smtClean="0"/>
-              <a:t>Conclusion</a:t>
-            </a:r>
-            <a:endParaRPr lang="en-US" dirty="0"/>
-          </a:p>
-        </p:txBody>
-      </p:sp>
-      <p:sp>
-        <p:nvSpPr>
-          <p:cNvPr id="3" name="Content Placeholder 2"/>
-          <p:cNvSpPr>
-            <a:spLocks noGrp="1"/>
-          </p:cNvSpPr>
-          <p:nvPr>
-            <p:ph idx="1"/>
-          </p:nvPr>
-        </p:nvSpPr>
-        <p:spPr/>
-        <p:txBody>
-          <a:bodyPr>
-            <a:normAutofit fontScale="77500" lnSpcReduction="20000"/>
-          </a:bodyPr>
-          <a:lstStyle/>
-          <a:p>
-            <a:r>
-              <a:rPr lang="en-US" dirty="0" smtClean="0"/>
-              <a:t>VL_QR|HT </a:t>
-            </a:r>
-            <a:r>
-              <a:rPr lang="en-US" dirty="0"/>
-              <a:t>and </a:t>
-            </a:r>
-            <a:r>
-              <a:rPr lang="en-US" dirty="0" smtClean="0"/>
-              <a:t>VL_EP|HT bring </a:t>
-            </a:r>
-            <a:r>
-              <a:rPr lang="en-US" dirty="0"/>
-              <a:t>out a remarkable improvement for the original algorithm in time efficiency without compromising anomaly detection accuracy. </a:t>
-            </a:r>
-            <a:endParaRPr lang="en-US" dirty="0" smtClean="0"/>
-          </a:p>
-          <a:p>
-            <a:r>
-              <a:rPr lang="en-US" dirty="0" smtClean="0"/>
-              <a:t>Experimental </a:t>
-            </a:r>
-            <a:r>
-              <a:rPr lang="en-US" dirty="0"/>
-              <a:t>results on eight datasets demonstrate </a:t>
-            </a:r>
-            <a:r>
-              <a:rPr lang="en-US" dirty="0" smtClean="0"/>
-              <a:t>these algorithms </a:t>
-            </a:r>
-            <a:r>
-              <a:rPr lang="en-US" dirty="0"/>
-              <a:t>outperform the VL_QR|DTW in time efficiency. </a:t>
-            </a:r>
-            <a:endParaRPr lang="en-US" dirty="0" smtClean="0"/>
-          </a:p>
-          <a:p>
-            <a:r>
-              <a:rPr lang="en-US" dirty="0" smtClean="0"/>
-              <a:t>Not </a:t>
-            </a:r>
-            <a:r>
-              <a:rPr lang="en-US" dirty="0"/>
-              <a:t>easy to estimate the regression error threshold </a:t>
-            </a:r>
-            <a:r>
-              <a:rPr lang="en-US" i="1" dirty="0">
-                <a:sym typeface="Symbol"/>
-              </a:rPr>
-              <a:t></a:t>
-            </a:r>
-            <a:r>
-              <a:rPr lang="en-US" i="1" baseline="-25000" dirty="0"/>
-              <a:t>1</a:t>
-            </a:r>
-            <a:r>
-              <a:rPr lang="en-US" baseline="-25000" dirty="0"/>
-              <a:t> </a:t>
-            </a:r>
-            <a:r>
-              <a:rPr lang="en-US" dirty="0"/>
-              <a:t>and the non-self match threshold </a:t>
-            </a:r>
-            <a:r>
-              <a:rPr lang="en-US" i="1" dirty="0">
-                <a:sym typeface="Symbol"/>
-              </a:rPr>
-              <a:t></a:t>
-            </a:r>
-            <a:r>
-              <a:rPr lang="en-US" i="1" baseline="-25000" dirty="0"/>
-              <a:t>2</a:t>
-            </a:r>
-            <a:r>
-              <a:rPr lang="en-US" baseline="-25000" dirty="0"/>
-              <a:t> </a:t>
-            </a:r>
-            <a:r>
-              <a:rPr lang="en-US" dirty="0"/>
-              <a:t>in the segmentation phase </a:t>
-            </a:r>
-            <a:r>
-              <a:rPr lang="en-US" dirty="0" smtClean="0"/>
-              <a:t>of </a:t>
-            </a:r>
-            <a:r>
-              <a:rPr lang="en-US" dirty="0"/>
-              <a:t>VL_QR|HT.  </a:t>
-            </a:r>
-            <a:endParaRPr lang="en-US" dirty="0" smtClean="0"/>
-          </a:p>
-          <a:p>
-            <a:r>
-              <a:rPr lang="en-US" dirty="0" smtClean="0"/>
-              <a:t>Not </a:t>
-            </a:r>
-            <a:r>
-              <a:rPr lang="en-US" dirty="0"/>
-              <a:t>easy to find </a:t>
-            </a:r>
-            <a:r>
-              <a:rPr lang="en-US" dirty="0" smtClean="0"/>
-              <a:t>the </a:t>
-            </a:r>
-            <a:r>
-              <a:rPr lang="en-US" i="1" dirty="0" smtClean="0"/>
-              <a:t>R</a:t>
-            </a:r>
-            <a:r>
-              <a:rPr lang="en-US" dirty="0" smtClean="0"/>
-              <a:t> </a:t>
-            </a:r>
-            <a:r>
-              <a:rPr lang="en-US" dirty="0"/>
-              <a:t>in </a:t>
-            </a:r>
-            <a:r>
-              <a:rPr lang="en-US" dirty="0" smtClean="0"/>
-              <a:t>VL_EP|HT</a:t>
-            </a:r>
-            <a:r>
-              <a:rPr lang="en-US" dirty="0" smtClean="0"/>
-              <a:t>.</a:t>
-            </a:r>
-          </a:p>
-          <a:p>
-            <a:r>
-              <a:rPr lang="en-US" dirty="0" smtClean="0"/>
-              <a:t>Anomaly threshold </a:t>
-            </a:r>
-            <a:r>
-              <a:rPr lang="en-US" i="1" dirty="0" smtClean="0"/>
-              <a:t>a </a:t>
-            </a:r>
-            <a:r>
-              <a:rPr lang="en-US" dirty="0" smtClean="0"/>
-              <a:t>belong to data.</a:t>
-            </a:r>
-            <a:endParaRPr lang="en-US" i="1" dirty="0" smtClean="0"/>
-          </a:p>
-          <a:p>
-            <a:r>
-              <a:rPr lang="en-US" dirty="0" smtClean="0"/>
-              <a:t>Future </a:t>
-            </a:r>
-            <a:r>
-              <a:rPr lang="en-US" dirty="0" smtClean="0"/>
-              <a:t>work:  apply </a:t>
-            </a:r>
-            <a:r>
-              <a:rPr lang="en-US" dirty="0"/>
-              <a:t>some more advanced method of time series </a:t>
-            </a:r>
-            <a:r>
-              <a:rPr lang="en-US" dirty="0" smtClean="0"/>
-              <a:t>segmentation Which is easy to find suitable parameters</a:t>
-            </a:r>
-            <a:endParaRPr lang="en-US" dirty="0"/>
-          </a:p>
-          <a:p>
-            <a:endParaRPr lang="en-US" dirty="0"/>
-          </a:p>
-        </p:txBody>
-      </p:sp>
-      <p:sp>
-        <p:nvSpPr>
-          <p:cNvPr id="4" name="Slide Number Placeholder 3"/>
-          <p:cNvSpPr>
-            <a:spLocks noGrp="1"/>
-          </p:cNvSpPr>
-          <p:nvPr>
-            <p:ph type="sldNum" sz="quarter" idx="12"/>
-          </p:nvPr>
-        </p:nvSpPr>
-        <p:spPr/>
-        <p:txBody>
-          <a:bodyPr/>
-          <a:lstStyle/>
-          <a:p>
-            <a:fld id="{38324C1E-6E2F-465B-B7AC-362036DEB808}" type="slidenum">
-              <a:rPr lang="en-US" smtClean="0"/>
-              <a:t>49</a:t>
-            </a:fld>
-            <a:endParaRPr lang="en-US"/>
-          </a:p>
-        </p:txBody>
-      </p:sp>
-    </p:spTree>
-    <p:extLst>
-      <p:ext uri="{BB962C8B-B14F-4D97-AF65-F5344CB8AC3E}">
-        <p14:creationId xmlns:p14="http://schemas.microsoft.com/office/powerpoint/2010/main" val="2678675720"/>
-      </p:ext>
-    </p:extLst>
-  </p:cSld>
-  <p:clrMapOvr>
-    <a:masterClrMapping/>
-  </p:clrMapOvr>
-  <p:timing>
-    <p:tnLst>
-      <p:par>
-        <p:cTn id="1" dur="indefinite" restart="never" nodeType="tmRoot"/>
-      </p:par>
-    </p:tnLst>
-  </p:timing>
-</p:sld>
-</file>
-
 <file path=ppt/slides/slide5.xml><?xml version="1.0" encoding="utf-8"?>
 <p:sld xmlns:a="http://schemas.openxmlformats.org/drawingml/2006/main" xmlns:r="http://schemas.openxmlformats.org/officeDocument/2006/relationships" xmlns:p="http://schemas.openxmlformats.org/presentationml/2006/main">
   <p:cSld>
@@ -12599,37 +12619,16 @@
             <p:ph type="title"/>
           </p:nvPr>
         </p:nvSpPr>
-        <p:spPr>
-          <a:xfrm>
-            <a:off x="457200" y="152400"/>
-            <a:ext cx="8229600" cy="609600"/>
-          </a:xfrm>
-        </p:spPr>
-        <p:txBody>
-          <a:bodyPr>
-            <a:normAutofit fontScale="90000"/>
-          </a:bodyPr>
-          <a:lstStyle/>
-          <a:p>
-            <a:r>
-              <a:rPr lang="en-US" sz="3600" cap="small" dirty="0" smtClean="0"/>
-              <a:t/>
-            </a:r>
-            <a:br>
-              <a:rPr lang="en-US" sz="3600" cap="small" dirty="0" smtClean="0"/>
-            </a:br>
-            <a:r>
-              <a:rPr lang="en-US" sz="3600" cap="small" dirty="0" smtClean="0"/>
-              <a:t>References</a:t>
-            </a:r>
-            <a:r>
-              <a:rPr lang="en-US" sz="3600" cap="small" dirty="0"/>
-              <a:t/>
-            </a:r>
-            <a:br>
-              <a:rPr lang="en-US" sz="3600" cap="small" dirty="0"/>
-            </a:br>
-            <a:endParaRPr lang="en-US" sz="4100" dirty="0"/>
+        <p:spPr/>
+        <p:txBody>
+          <a:bodyPr/>
+          <a:lstStyle/>
+          <a:p>
+            <a:r>
+              <a:rPr lang="en-US" dirty="0" smtClean="0"/>
+              <a:t>Conclusion</a:t>
+            </a:r>
+            <a:endParaRPr lang="en-US" dirty="0"/>
           </a:p>
         </p:txBody>
       </p:sp>
@@ -12643,93 +12642,167 @@
             <p:ph idx="1"/>
           </p:nvPr>
         </p:nvSpPr>
-        <p:spPr>
-          <a:xfrm>
-            <a:off x="533400" y="1066800"/>
-            <a:ext cx="7696200" cy="5105400"/>
-          </a:xfrm>
-        </p:spPr>
+        <p:spPr/>
         <p:txBody>
           <a:bodyPr>
             <a:normAutofit fontScale="77500" lnSpcReduction="20000"/>
           </a:bodyPr>
           <a:lstStyle/>
           <a:p>
-            <a:pPr lvl="0"/>
-            <a:r>
-              <a:rPr lang="en-US" sz="2700" dirty="0" smtClean="0"/>
-              <a:t>E</a:t>
-            </a:r>
-            <a:r>
-              <a:rPr lang="en-US" sz="2700" dirty="0"/>
-              <a:t>. Keogh, J. Lin, and A. Fu, “HOT SAX: efficiently finding the most unusual time series subsequence”, Proc. of 5th  ICDM, Houston, Texas, pp. 226–233, 2005.</a:t>
-            </a:r>
-          </a:p>
-          <a:p>
-            <a:pPr lvl="0"/>
-            <a:r>
-              <a:rPr lang="en-US" sz="2700" dirty="0"/>
-              <a:t>E. Keogh, www.cs.ucr.edu/~eamonn/discords/ (accessed on January 24 - 2015).</a:t>
-            </a:r>
-          </a:p>
-          <a:p>
-            <a:pPr lvl="0"/>
-            <a:r>
-              <a:rPr lang="en-US" sz="2700" dirty="0" smtClean="0"/>
-              <a:t>M</a:t>
-            </a:r>
-            <a:r>
-              <a:rPr lang="en-US" sz="2700" dirty="0"/>
-              <a:t>. </a:t>
-            </a:r>
-            <a:r>
-              <a:rPr lang="en-US" sz="2700" dirty="0" err="1"/>
-              <a:t>Leng</a:t>
-            </a:r>
-            <a:r>
-              <a:rPr lang="en-US" sz="2700" dirty="0"/>
-              <a:t>, X. Chen and L. Li, “Variable length methods for detecting anomaly patterns in time series”, Proc. of Int. Symposium on. Computational Intelligence and Design (ISCID'08), Vol. 2, 2008.</a:t>
-            </a:r>
-          </a:p>
-          <a:p>
-            <a:pPr lvl="0"/>
-            <a:r>
-              <a:rPr lang="en-US" sz="2700" dirty="0" smtClean="0"/>
-              <a:t>K</a:t>
-            </a:r>
-            <a:r>
-              <a:rPr lang="en-US" sz="2700" dirty="0"/>
-              <a:t>. B. Pratt and E. Fink, “Search for patterns in compressed time series”, International Journal of Image and Graphics , vol. 2, no. 1, pp. 89-106, 2002.</a:t>
-            </a:r>
-          </a:p>
-          <a:p>
-            <a:pPr lvl="0"/>
-            <a:r>
-              <a:rPr lang="en-US" sz="2700" dirty="0"/>
-              <a:t>H. </a:t>
-            </a:r>
-            <a:r>
-              <a:rPr lang="en-US" sz="2700" dirty="0" err="1"/>
-              <a:t>Sakoe</a:t>
-            </a:r>
-            <a:r>
-              <a:rPr lang="en-US" sz="2700" dirty="0"/>
-              <a:t> and S. Chiba, “Dynamic programming algorithm optimization for spoken word recognition”, IEEE Trans. Acoustics, Speech, and Signal Proc., vol. ASSP-26, pp. 43-49, 1978.</a:t>
-            </a:r>
-          </a:p>
-          <a:p>
-            <a:pPr lvl="0"/>
-            <a:r>
-              <a:rPr lang="en-US" sz="2700" dirty="0" smtClean="0"/>
-              <a:t>C</a:t>
-            </a:r>
-            <a:r>
-              <a:rPr lang="en-US" sz="2700" dirty="0"/>
-              <a:t>. D. Truong, H. N. Tin, D. T. Anh,  “ Combining motif information and neural network for time series prediction”, Int. Journal of Business Intelligence and Data Mining,  vol. 7, no. 4, pp. 318-339, 2012.</a:t>
-            </a:r>
-          </a:p>
-          <a:p>
-            <a:endParaRPr lang="en-US" sz="2000" dirty="0"/>
+            <a:r>
+              <a:rPr lang="en-US" dirty="0" smtClean="0"/>
+              <a:t>VL_QR|HT </a:t>
+            </a:r>
+            <a:r>
+              <a:rPr lang="en-US" dirty="0"/>
+              <a:t>and </a:t>
+            </a:r>
+            <a:r>
+              <a:rPr lang="en-US" dirty="0" smtClean="0"/>
+              <a:t>VL_EP|HT bring </a:t>
+            </a:r>
+            <a:r>
+              <a:rPr lang="en-US" dirty="0"/>
+              <a:t>out a remarkable improvement for the original algorithm in time efficiency without compromising anomaly detection accuracy. </a:t>
+            </a:r>
+            <a:endParaRPr lang="en-US" dirty="0" smtClean="0"/>
+          </a:p>
+          <a:p>
+            <a:r>
+              <a:rPr lang="en-US" dirty="0" smtClean="0"/>
+              <a:t>Experimental </a:t>
+            </a:r>
+            <a:r>
+              <a:rPr lang="en-US" dirty="0"/>
+              <a:t>results on eight datasets demonstrate </a:t>
+            </a:r>
+            <a:r>
+              <a:rPr lang="en-US" dirty="0" smtClean="0"/>
+              <a:t>these algorithms </a:t>
+            </a:r>
+            <a:r>
+              <a:rPr lang="en-US" dirty="0"/>
+              <a:t>outperform the VL_QR|DTW in time efficiency. </a:t>
+            </a:r>
+            <a:endParaRPr lang="en-US" dirty="0" smtClean="0"/>
+          </a:p>
+          <a:p>
+            <a:r>
+              <a:rPr lang="en-US" dirty="0" smtClean="0"/>
+              <a:t>Not </a:t>
+            </a:r>
+            <a:r>
+              <a:rPr lang="en-US" dirty="0"/>
+              <a:t>easy to estimate the regression error threshold </a:t>
+            </a:r>
+            <a:r>
+              <a:rPr lang="en-US" i="1" dirty="0">
+                <a:sym typeface="Symbol"/>
+              </a:rPr>
+              <a:t></a:t>
+            </a:r>
+            <a:r>
+              <a:rPr lang="en-US" i="1" baseline="-25000" dirty="0"/>
+              <a:t>1</a:t>
+            </a:r>
+            <a:r>
+              <a:rPr lang="en-US" baseline="-25000" dirty="0"/>
+              <a:t> </a:t>
+            </a:r>
+            <a:r>
+              <a:rPr lang="en-US" dirty="0"/>
+              <a:t>and the non-self match threshold </a:t>
+            </a:r>
+            <a:r>
+              <a:rPr lang="en-US" i="1" dirty="0">
+                <a:sym typeface="Symbol"/>
+              </a:rPr>
+              <a:t></a:t>
+            </a:r>
+            <a:r>
+              <a:rPr lang="en-US" i="1" baseline="-25000" dirty="0"/>
+              <a:t>2</a:t>
+            </a:r>
+            <a:r>
+              <a:rPr lang="en-US" baseline="-25000" dirty="0"/>
+              <a:t> </a:t>
+            </a:r>
+            <a:r>
+              <a:rPr lang="en-US" dirty="0"/>
+              <a:t>in the segmentation phase </a:t>
+            </a:r>
+            <a:r>
+              <a:rPr lang="en-US" dirty="0" smtClean="0"/>
+              <a:t>of </a:t>
+            </a:r>
+            <a:r>
+              <a:rPr lang="en-US" dirty="0"/>
+              <a:t>VL_QR|HT.  </a:t>
+            </a:r>
+            <a:endParaRPr lang="en-US" dirty="0" smtClean="0"/>
+          </a:p>
+          <a:p>
+            <a:r>
+              <a:rPr lang="en-US" dirty="0" smtClean="0"/>
+              <a:t>Not </a:t>
+            </a:r>
+            <a:r>
+              <a:rPr lang="en-US" dirty="0"/>
+              <a:t>easy to find </a:t>
+            </a:r>
+            <a:r>
+              <a:rPr lang="en-US" dirty="0" smtClean="0"/>
+              <a:t>the </a:t>
+            </a:r>
+            <a:r>
+              <a:rPr lang="en-US" i="1" dirty="0" smtClean="0"/>
+              <a:t>R</a:t>
+            </a:r>
+            <a:r>
+              <a:rPr lang="en-US" dirty="0" smtClean="0"/>
+              <a:t> </a:t>
+            </a:r>
+            <a:r>
+              <a:rPr lang="en-US" dirty="0"/>
+              <a:t>in </a:t>
+            </a:r>
+            <a:r>
+              <a:rPr lang="en-US" dirty="0" smtClean="0"/>
+              <a:t>VL_EP|HT.</a:t>
+            </a:r>
+          </a:p>
+          <a:p>
+            <a:r>
+              <a:rPr lang="en-US" dirty="0" smtClean="0"/>
+              <a:t>Anomaly threshold </a:t>
+            </a:r>
+            <a:r>
+              <a:rPr lang="en-US" i="1" dirty="0" smtClean="0"/>
+              <a:t>a </a:t>
+            </a:r>
+            <a:r>
+              <a:rPr lang="en-US" dirty="0" smtClean="0"/>
+              <a:t>belong to data.</a:t>
+            </a:r>
+            <a:endParaRPr lang="en-US" i="1" dirty="0" smtClean="0"/>
+          </a:p>
+          <a:p>
+            <a:r>
+              <a:rPr lang="en-US" dirty="0" smtClean="0"/>
+              <a:t>Future work:  apply </a:t>
+            </a:r>
+            <a:r>
+              <a:rPr lang="en-US" dirty="0"/>
+              <a:t>some more advanced method of time series </a:t>
+            </a:r>
+            <a:r>
+              <a:rPr lang="en-US" dirty="0" smtClean="0"/>
+              <a:t>segmentation Which is easy to find suitable parameters</a:t>
+            </a:r>
+            <a:endParaRPr lang="en-US" dirty="0"/>
+          </a:p>
+          <a:p>
+            <a:endParaRPr lang="en-US" dirty="0"/>
           </a:p>
         </p:txBody>
       </p:sp>
@@ -12759,7 +12832,7 @@
     </p:spTree>
     <p:extLst>
       <p:ext uri="{BB962C8B-B14F-4D97-AF65-F5344CB8AC3E}">
-        <p14:creationId xmlns:p14="http://schemas.microsoft.com/office/powerpoint/2010/main" val="3386409769"/>
+        <p14:creationId xmlns:p14="http://schemas.microsoft.com/office/powerpoint/2010/main" val="2678675720"/>
       </p:ext>
     </p:extLst>
   </p:cSld>
@@ -12805,27 +12878,141 @@
         </p:nvSpPr>
         <p:spPr>
           <a:xfrm>
-            <a:off x="457200" y="655638"/>
-            <a:ext cx="8229600" cy="868362"/>
+            <a:off x="457200" y="152400"/>
+            <a:ext cx="8229600" cy="609600"/>
           </a:xfrm>
         </p:spPr>
         <p:txBody>
           <a:bodyPr>
-            <a:normAutofit/>
+            <a:normAutofit fontScale="90000"/>
           </a:bodyPr>
           <a:lstStyle/>
           <a:p>
             <a:r>
-              <a:rPr lang="en-US" sz="4100" dirty="0" smtClean="0"/>
-              <a:t>Q &amp; A</a:t>
-            </a:r>
+              <a:rPr lang="en-US" sz="3600" cap="small" dirty="0" smtClean="0"/>
+              <a:t/>
+            </a:r>
+            <a:br>
+              <a:rPr lang="en-US" sz="3600" cap="small" dirty="0" smtClean="0"/>
+            </a:br>
+            <a:r>
+              <a:rPr lang="en-US" sz="3600" cap="small" dirty="0" smtClean="0"/>
+              <a:t>References</a:t>
+            </a:r>
+            <a:r>
+              <a:rPr lang="en-US" sz="3600" cap="small" dirty="0"/>
+              <a:t/>
+            </a:r>
+            <a:br>
+              <a:rPr lang="en-US" sz="3600" cap="small" dirty="0"/>
+            </a:br>
             <a:endParaRPr lang="en-US" sz="4100" dirty="0"/>
           </a:p>
         </p:txBody>
       </p:sp>
       <p:sp>
         <p:nvSpPr>
-          <p:cNvPr id="3" name="Slide Number Placeholder 2"/>
+          <p:cNvPr id="3" name="Content Placeholder 2"/>
+          <p:cNvSpPr>
+            <a:spLocks noGrp="1"/>
+          </p:cNvSpPr>
+          <p:nvPr>
+            <p:ph idx="1"/>
+          </p:nvPr>
+        </p:nvSpPr>
+        <p:spPr>
+          <a:xfrm>
+            <a:off x="533400" y="1066800"/>
+            <a:ext cx="7696200" cy="5105400"/>
+          </a:xfrm>
+        </p:spPr>
+        <p:txBody>
+          <a:bodyPr>
+            <a:normAutofit fontScale="77500" lnSpcReduction="20000"/>
+          </a:bodyPr>
+          <a:lstStyle/>
+          <a:p>
+            <a:pPr lvl="0"/>
+            <a:r>
+              <a:rPr lang="en-US" sz="2700" dirty="0" smtClean="0"/>
+              <a:t>E</a:t>
+            </a:r>
+            <a:r>
+              <a:rPr lang="en-US" sz="2700" dirty="0"/>
+              <a:t>. Keogh, J. Lin, and A. Fu, “HOT SAX: efficiently finding the most unusual time series subsequence”, Proc. of 5th  ICDM, Houston, Texas, pp. 226–233, 2005.</a:t>
+            </a:r>
+          </a:p>
+          <a:p>
+            <a:pPr lvl="0"/>
+            <a:r>
+              <a:rPr lang="en-US" sz="2700" dirty="0"/>
+              <a:t>E. Keogh, www.cs.ucr.edu/~eamonn/discords/ (accessed on January 24 - 2015).</a:t>
+            </a:r>
+          </a:p>
+          <a:p>
+            <a:pPr lvl="0"/>
+            <a:r>
+              <a:rPr lang="en-US" sz="2700" dirty="0" smtClean="0"/>
+              <a:t>M</a:t>
+            </a:r>
+            <a:r>
+              <a:rPr lang="en-US" sz="2700" dirty="0"/>
+              <a:t>. </a:t>
+            </a:r>
+            <a:r>
+              <a:rPr lang="en-US" sz="2700" dirty="0" err="1"/>
+              <a:t>Leng</a:t>
+            </a:r>
+            <a:r>
+              <a:rPr lang="en-US" sz="2700" dirty="0"/>
+              <a:t>, X. Chen and L. Li, “Variable length methods for detecting anomaly patterns in time series”, Proc. of Int. Symposium on. Computational Intelligence and Design (ISCID'08), Vol. 2, 2008.</a:t>
+            </a:r>
+          </a:p>
+          <a:p>
+            <a:pPr lvl="0"/>
+            <a:r>
+              <a:rPr lang="en-US" sz="2700" dirty="0" smtClean="0"/>
+              <a:t>K</a:t>
+            </a:r>
+            <a:r>
+              <a:rPr lang="en-US" sz="2700" dirty="0"/>
+              <a:t>. B. Pratt and E. Fink, “Search for patterns in compressed time series”, International Journal of Image and Graphics , vol. 2, no. 1, pp. 89-106, 2002.</a:t>
+            </a:r>
+          </a:p>
+          <a:p>
+            <a:pPr lvl="0"/>
+            <a:r>
+              <a:rPr lang="en-US" sz="2700" dirty="0"/>
+              <a:t>H. </a:t>
+            </a:r>
+            <a:r>
+              <a:rPr lang="en-US" sz="2700" dirty="0" err="1"/>
+              <a:t>Sakoe</a:t>
+            </a:r>
+            <a:r>
+              <a:rPr lang="en-US" sz="2700" dirty="0"/>
+              <a:t> and S. Chiba, “Dynamic programming algorithm optimization for spoken word recognition”, IEEE Trans. Acoustics, Speech, and Signal Proc., vol. ASSP-26, pp. 43-49, 1978.</a:t>
+            </a:r>
+          </a:p>
+          <a:p>
+            <a:pPr lvl="0"/>
+            <a:r>
+              <a:rPr lang="en-US" sz="2700" dirty="0" smtClean="0"/>
+              <a:t>C</a:t>
+            </a:r>
+            <a:r>
+              <a:rPr lang="en-US" sz="2700" dirty="0"/>
+              <a:t>. D. Truong, H. N. Tin, D. T. Anh,  “ Combining motif information and neural network for time series prediction”, Int. Journal of Business Intelligence and Data Mining,  vol. 7, no. 4, pp. 318-339, 2012.</a:t>
+            </a:r>
+          </a:p>
+          <a:p>
+            <a:endParaRPr lang="en-US" sz="2000" dirty="0"/>
+          </a:p>
+        </p:txBody>
+      </p:sp>
+      <p:sp>
+        <p:nvSpPr>
+          <p:cNvPr id="4" name="Slide Number Placeholder 3"/>
           <p:cNvSpPr>
             <a:spLocks noGrp="1"/>
           </p:cNvSpPr>
@@ -12846,45 +13033,10 @@
           </a:p>
         </p:txBody>
       </p:sp>
-      <p:sp>
-        <p:nvSpPr>
-          <p:cNvPr id="4" name="TextBox 3"/>
-          <p:cNvSpPr txBox="1"/>
-          <p:nvPr/>
-        </p:nvSpPr>
-        <p:spPr>
-          <a:xfrm>
-            <a:off x="1143000" y="3086725"/>
-            <a:ext cx="6858000" cy="723275"/>
-          </a:xfrm>
-          <a:prstGeom prst="rect">
-            <a:avLst/>
-          </a:prstGeom>
-          <a:noFill/>
-        </p:spPr>
-        <p:txBody>
-          <a:bodyPr wrap="square" rtlCol="0">
-            <a:spAutoFit/>
-          </a:bodyPr>
-          <a:lstStyle/>
-          <a:p>
-            <a:pPr algn="ctr"/>
-            <a:r>
-              <a:rPr lang="en-US" sz="4100" dirty="0" smtClean="0">
-                <a:latin typeface="+mj-lt"/>
-              </a:rPr>
-              <a:t>Thank you!</a:t>
-            </a:r>
-            <a:endParaRPr lang="en-US" sz="4100" dirty="0">
-              <a:latin typeface="+mj-lt"/>
-            </a:endParaRPr>
-          </a:p>
-        </p:txBody>
-      </p:sp>
     </p:spTree>
     <p:extLst>
       <p:ext uri="{BB962C8B-B14F-4D97-AF65-F5344CB8AC3E}">
-        <p14:creationId xmlns:p14="http://schemas.microsoft.com/office/powerpoint/2010/main" val="1866054366"/>
+        <p14:creationId xmlns:p14="http://schemas.microsoft.com/office/powerpoint/2010/main" val="3386409769"/>
       </p:ext>
     </p:extLst>
   </p:cSld>
@@ -12928,37 +13080,29 @@
             <p:ph type="title"/>
           </p:nvPr>
         </p:nvSpPr>
-        <p:spPr/>
-        <p:txBody>
-          <a:bodyPr/>
-          <a:lstStyle/>
-          <a:p>
-            <a:endParaRPr lang="en-US"/>
-          </a:p>
-        </p:txBody>
-      </p:sp>
-      <p:sp>
-        <p:nvSpPr>
-          <p:cNvPr id="3" name="Content Placeholder 2"/>
-          <p:cNvSpPr>
-            <a:spLocks noGrp="1"/>
-          </p:cNvSpPr>
-          <p:nvPr>
-            <p:ph idx="1"/>
-          </p:nvPr>
-        </p:nvSpPr>
-        <p:spPr/>
-        <p:txBody>
-          <a:bodyPr/>
-          <a:lstStyle/>
-          <a:p>
-            <a:endParaRPr lang="en-US"/>
-          </a:p>
-        </p:txBody>
-      </p:sp>
-      <p:sp>
-        <p:nvSpPr>
-          <p:cNvPr id="4" name="Slide Number Placeholder 3"/>
+        <p:spPr>
+          <a:xfrm>
+            <a:off x="457200" y="655638"/>
+            <a:ext cx="8229600" cy="868362"/>
+          </a:xfrm>
+        </p:spPr>
+        <p:txBody>
+          <a:bodyPr>
+            <a:normAutofit/>
+          </a:bodyPr>
+          <a:lstStyle/>
+          <a:p>
+            <a:r>
+              <a:rPr lang="en-US" sz="4100" dirty="0" smtClean="0"/>
+              <a:t>Q &amp; A</a:t>
+            </a:r>
+            <a:endParaRPr lang="en-US" sz="4100" dirty="0"/>
+          </a:p>
+        </p:txBody>
+      </p:sp>
+      <p:sp>
+        <p:nvSpPr>
+          <p:cNvPr id="3" name="Slide Number Placeholder 2"/>
           <p:cNvSpPr>
             <a:spLocks noGrp="1"/>
           </p:cNvSpPr>
@@ -12979,10 +13123,45 @@
           </a:p>
         </p:txBody>
       </p:sp>
+      <p:sp>
+        <p:nvSpPr>
+          <p:cNvPr id="4" name="TextBox 3"/>
+          <p:cNvSpPr txBox="1"/>
+          <p:nvPr/>
+        </p:nvSpPr>
+        <p:spPr>
+          <a:xfrm>
+            <a:off x="1143000" y="3086725"/>
+            <a:ext cx="6858000" cy="723275"/>
+          </a:xfrm>
+          <a:prstGeom prst="rect">
+            <a:avLst/>
+          </a:prstGeom>
+          <a:noFill/>
+        </p:spPr>
+        <p:txBody>
+          <a:bodyPr wrap="square" rtlCol="0">
+            <a:spAutoFit/>
+          </a:bodyPr>
+          <a:lstStyle/>
+          <a:p>
+            <a:pPr algn="ctr"/>
+            <a:r>
+              <a:rPr lang="en-US" sz="4100" dirty="0" smtClean="0">
+                <a:latin typeface="+mj-lt"/>
+              </a:rPr>
+              <a:t>Thank you!</a:t>
+            </a:r>
+            <a:endParaRPr lang="en-US" sz="4100" dirty="0">
+              <a:latin typeface="+mj-lt"/>
+            </a:endParaRPr>
+          </a:p>
+        </p:txBody>
+      </p:sp>
     </p:spTree>
     <p:extLst>
       <p:ext uri="{BB962C8B-B14F-4D97-AF65-F5344CB8AC3E}">
-        <p14:creationId xmlns:p14="http://schemas.microsoft.com/office/powerpoint/2010/main" val="1528571006"/>
+        <p14:creationId xmlns:p14="http://schemas.microsoft.com/office/powerpoint/2010/main" val="1866054366"/>
       </p:ext>
     </p:extLst>
   </p:cSld>
@@ -13037,6 +13216,25 @@
       </p:sp>
       <p:sp>
         <p:nvSpPr>
+          <p:cNvPr id="3" name="Content Placeholder 2"/>
+          <p:cNvSpPr>
+            <a:spLocks noGrp="1"/>
+          </p:cNvSpPr>
+          <p:nvPr>
+            <p:ph idx="1"/>
+          </p:nvPr>
+        </p:nvSpPr>
+        <p:spPr/>
+        <p:txBody>
+          <a:bodyPr/>
+          <a:lstStyle/>
+          <a:p>
+            <a:endParaRPr lang="en-US"/>
+          </a:p>
+        </p:txBody>
+      </p:sp>
+      <p:sp>
+        <p:nvSpPr>
           <p:cNvPr id="4" name="Slide Number Placeholder 3"/>
           <p:cNvSpPr>
             <a:spLocks noGrp="1"/>
@@ -13053,6 +13251,85 @@
             <a:fld id="{38324C1E-6E2F-465B-B7AC-362036DEB808}" type="slidenum">
               <a:rPr lang="en-US" smtClean="0"/>
               <a:t>53</a:t>
+            </a:fld>
+            <a:endParaRPr lang="en-US"/>
+          </a:p>
+        </p:txBody>
+      </p:sp>
+    </p:spTree>
+    <p:extLst>
+      <p:ext uri="{BB962C8B-B14F-4D97-AF65-F5344CB8AC3E}">
+        <p14:creationId xmlns:p14="http://schemas.microsoft.com/office/powerpoint/2010/main" val="1528571006"/>
+      </p:ext>
+    </p:extLst>
+  </p:cSld>
+  <p:clrMapOvr>
+    <a:masterClrMapping/>
+  </p:clrMapOvr>
+  <p:timing>
+    <p:tnLst>
+      <p:par>
+        <p:cTn id="1" dur="indefinite" restart="never" nodeType="tmRoot"/>
+      </p:par>
+    </p:tnLst>
+  </p:timing>
+</p:sld>
+</file>
+
+<file path=ppt/slides/slide54.xml><?xml version="1.0" encoding="utf-8"?>
+<p:sld xmlns:a="http://schemas.openxmlformats.org/drawingml/2006/main" xmlns:r="http://schemas.openxmlformats.org/officeDocument/2006/relationships" xmlns:p="http://schemas.openxmlformats.org/presentationml/2006/main">
+  <p:cSld>
+    <p:spTree>
+      <p:nvGrpSpPr>
+        <p:cNvPr id="1" name=""/>
+        <p:cNvGrpSpPr/>
+        <p:nvPr/>
+      </p:nvGrpSpPr>
+      <p:grpSpPr>
+        <a:xfrm>
+          <a:off x="0" y="0"/>
+          <a:ext cx="0" cy="0"/>
+          <a:chOff x="0" y="0"/>
+          <a:chExt cx="0" cy="0"/>
+        </a:xfrm>
+      </p:grpSpPr>
+      <p:sp>
+        <p:nvSpPr>
+          <p:cNvPr id="2" name="Title 1"/>
+          <p:cNvSpPr>
+            <a:spLocks noGrp="1"/>
+          </p:cNvSpPr>
+          <p:nvPr>
+            <p:ph type="title"/>
+          </p:nvPr>
+        </p:nvSpPr>
+        <p:spPr/>
+        <p:txBody>
+          <a:bodyPr/>
+          <a:lstStyle/>
+          <a:p>
+            <a:endParaRPr lang="en-US"/>
+          </a:p>
+        </p:txBody>
+      </p:sp>
+      <p:sp>
+        <p:nvSpPr>
+          <p:cNvPr id="4" name="Slide Number Placeholder 3"/>
+          <p:cNvSpPr>
+            <a:spLocks noGrp="1"/>
+          </p:cNvSpPr>
+          <p:nvPr>
+            <p:ph type="sldNum" sz="quarter" idx="12"/>
+          </p:nvPr>
+        </p:nvSpPr>
+        <p:spPr/>
+        <p:txBody>
+          <a:bodyPr/>
+          <a:lstStyle/>
+          <a:p>
+            <a:fld id="{38324C1E-6E2F-465B-B7AC-362036DEB808}" type="slidenum">
+              <a:rPr lang="en-US" smtClean="0"/>
+              <a:t>54</a:t>
             </a:fld>
             <a:endParaRPr lang="en-US"/>
           </a:p>
@@ -13151,7 +13428,7 @@
 </p:sld>
 </file>
 
-<file path=ppt/slides/slide54.xml><?xml version="1.0" encoding="utf-8"?>
+<file path=ppt/slides/slide55.xml><?xml version="1.0" encoding="utf-8"?>
 <p:sld xmlns:a="http://schemas.openxmlformats.org/drawingml/2006/main" xmlns:r="http://schemas.openxmlformats.org/officeDocument/2006/relationships" xmlns:p="http://schemas.openxmlformats.org/presentationml/2006/main">
   <p:cSld>
     <p:spTree>
@@ -13701,7 +13978,7 @@
           <a:p>
             <a:fld id="{38324C1E-6E2F-465B-B7AC-362036DEB808}" type="slidenum">
               <a:rPr lang="en-US" smtClean="0"/>
-              <a:t>54</a:t>
+              <a:t>55</a:t>
             </a:fld>
             <a:endParaRPr lang="en-US"/>
           </a:p>
@@ -13727,7 +14004,7 @@
 </p:sld>
 </file>
 
-<file path=ppt/slides/slide55.xml><?xml version="1.0" encoding="utf-8"?>
+<file path=ppt/slides/slide56.xml><?xml version="1.0" encoding="utf-8"?>
 <p:sld xmlns:a="http://schemas.openxmlformats.org/drawingml/2006/main" xmlns:r="http://schemas.openxmlformats.org/officeDocument/2006/relationships" xmlns:p="http://schemas.openxmlformats.org/presentationml/2006/main">
   <p:cSld>
     <p:spTree>
@@ -13799,7 +14076,7 @@
           <a:p>
             <a:fld id="{38324C1E-6E2F-465B-B7AC-362036DEB808}" type="slidenum">
               <a:rPr lang="en-US" smtClean="0"/>
-              <a:t>55</a:t>
+              <a:t>56</a:t>
             </a:fld>
             <a:endParaRPr lang="en-US"/>
           </a:p>

--- a/Report/pre.pptx
+++ b/Report/pre.pptx
@@ -5,7 +5,7 @@
     <p:sldMasterId id="2147483900" r:id="rId1"/>
   </p:sldMasterIdLst>
   <p:notesMasterIdLst>
-    <p:notesMasterId r:id="rId63"/>
+    <p:notesMasterId r:id="rId71"/>
   </p:notesMasterIdLst>
   <p:sldIdLst>
     <p:sldId id="256" r:id="rId2"/>
@@ -34,41 +34,49 @@
     <p:sldId id="362" r:id="rId25"/>
     <p:sldId id="366" r:id="rId26"/>
     <p:sldId id="365" r:id="rId27"/>
-    <p:sldId id="418" r:id="rId28"/>
-    <p:sldId id="419" r:id="rId29"/>
-    <p:sldId id="437" r:id="rId30"/>
-    <p:sldId id="372" r:id="rId31"/>
-    <p:sldId id="301" r:id="rId32"/>
-    <p:sldId id="314" r:id="rId33"/>
-    <p:sldId id="417" r:id="rId34"/>
-    <p:sldId id="443" r:id="rId35"/>
-    <p:sldId id="444" r:id="rId36"/>
-    <p:sldId id="445" r:id="rId37"/>
-    <p:sldId id="446" r:id="rId38"/>
-    <p:sldId id="447" r:id="rId39"/>
-    <p:sldId id="448" r:id="rId40"/>
-    <p:sldId id="449" r:id="rId41"/>
-    <p:sldId id="450" r:id="rId42"/>
-    <p:sldId id="451" r:id="rId43"/>
-    <p:sldId id="452" r:id="rId44"/>
-    <p:sldId id="453" r:id="rId45"/>
-    <p:sldId id="454" r:id="rId46"/>
-    <p:sldId id="455" r:id="rId47"/>
-    <p:sldId id="456" r:id="rId48"/>
-    <p:sldId id="457" r:id="rId49"/>
-    <p:sldId id="458" r:id="rId50"/>
-    <p:sldId id="459" r:id="rId51"/>
-    <p:sldId id="405" r:id="rId52"/>
-    <p:sldId id="406" r:id="rId53"/>
-    <p:sldId id="407" r:id="rId54"/>
-    <p:sldId id="439" r:id="rId55"/>
-    <p:sldId id="440" r:id="rId56"/>
-    <p:sldId id="441" r:id="rId57"/>
-    <p:sldId id="442" r:id="rId58"/>
-    <p:sldId id="461" r:id="rId59"/>
-    <p:sldId id="464" r:id="rId60"/>
-    <p:sldId id="467" r:id="rId61"/>
-    <p:sldId id="468" r:id="rId62"/>
+    <p:sldId id="473" r:id="rId28"/>
+    <p:sldId id="474" r:id="rId29"/>
+    <p:sldId id="475" r:id="rId30"/>
+    <p:sldId id="476" r:id="rId31"/>
+    <p:sldId id="418" r:id="rId32"/>
+    <p:sldId id="437" r:id="rId33"/>
+    <p:sldId id="472" r:id="rId34"/>
+    <p:sldId id="372" r:id="rId35"/>
+    <p:sldId id="301" r:id="rId36"/>
+    <p:sldId id="314" r:id="rId37"/>
+    <p:sldId id="417" r:id="rId38"/>
+    <p:sldId id="443" r:id="rId39"/>
+    <p:sldId id="444" r:id="rId40"/>
+    <p:sldId id="445" r:id="rId41"/>
+    <p:sldId id="446" r:id="rId42"/>
+    <p:sldId id="447" r:id="rId43"/>
+    <p:sldId id="448" r:id="rId44"/>
+    <p:sldId id="449" r:id="rId45"/>
+    <p:sldId id="450" r:id="rId46"/>
+    <p:sldId id="451" r:id="rId47"/>
+    <p:sldId id="452" r:id="rId48"/>
+    <p:sldId id="453" r:id="rId49"/>
+    <p:sldId id="454" r:id="rId50"/>
+    <p:sldId id="455" r:id="rId51"/>
+    <p:sldId id="456" r:id="rId52"/>
+    <p:sldId id="457" r:id="rId53"/>
+    <p:sldId id="458" r:id="rId54"/>
+    <p:sldId id="459" r:id="rId55"/>
+    <p:sldId id="477" r:id="rId56"/>
+    <p:sldId id="405" r:id="rId57"/>
+    <p:sldId id="406" r:id="rId58"/>
+    <p:sldId id="407" r:id="rId59"/>
+    <p:sldId id="439" r:id="rId60"/>
+    <p:sldId id="440" r:id="rId61"/>
+    <p:sldId id="441" r:id="rId62"/>
+    <p:sldId id="442" r:id="rId63"/>
+    <p:sldId id="461" r:id="rId64"/>
+    <p:sldId id="464" r:id="rId65"/>
+    <p:sldId id="467" r:id="rId66"/>
+    <p:sldId id="468" r:id="rId67"/>
+    <p:sldId id="469" r:id="rId68"/>
+    <p:sldId id="470" r:id="rId69"/>
+    <p:sldId id="471" r:id="rId70"/>
   </p:sldIdLst>
   <p:sldSz cx="9144000" cy="6858000" type="screen4x3"/>
   <p:notesSz cx="6858000" cy="9144000"/>
@@ -168,6 +176,728 @@
     </a:lvl9pPr>
   </p:defaultTextStyle>
 </p:presentation>
+</file>
+
+<file path=ppt/charts/chart1.xml><?xml version="1.0" encoding="utf-8"?>
+<c:chartSpace xmlns:c="http://schemas.openxmlformats.org/drawingml/2006/chart" xmlns:a="http://schemas.openxmlformats.org/drawingml/2006/main" xmlns:r="http://schemas.openxmlformats.org/officeDocument/2006/relationships">
+  <c:date1904 val="0"/>
+  <c:lang val="en-US"/>
+  <c:roundedCorners val="0"/>
+  <mc:AlternateContent xmlns:mc="http://schemas.openxmlformats.org/markup-compatibility/2006">
+    <mc:Choice xmlns:c14="http://schemas.microsoft.com/office/drawing/2007/8/2/chart" Requires="c14">
+      <c14:style val="102"/>
+    </mc:Choice>
+    <mc:Fallback>
+      <c:style val="2"/>
+    </mc:Fallback>
+  </mc:AlternateContent>
+  <c:chart>
+    <c:autoTitleDeleted val="1"/>
+    <c:plotArea>
+      <c:layout>
+        <c:manualLayout>
+          <c:layoutTarget val="inner"/>
+          <c:xMode val="edge"/>
+          <c:yMode val="edge"/>
+          <c:x val="5.7306172316857536E-2"/>
+          <c:y val="0.18570852110903249"/>
+          <c:w val="0.79051247381956047"/>
+          <c:h val="0.73572925253342947"/>
+        </c:manualLayout>
+      </c:layout>
+      <c:lineChart>
+        <c:grouping val="standard"/>
+        <c:varyColors val="0"/>
+        <c:ser>
+          <c:idx val="0"/>
+          <c:order val="0"/>
+          <c:spPr>
+            <a:ln w="28800">
+              <a:solidFill>
+                <a:srgbClr val="004586"/>
+              </a:solidFill>
+            </a:ln>
+          </c:spPr>
+          <c:marker>
+            <c:symbol val="none"/>
+          </c:marker>
+          <c:val>
+            <c:numRef>
+              <c:f>Sheet1!$C$1:$C$65</c:f>
+              <c:numCache>
+                <c:formatCode>General</c:formatCode>
+                <c:ptCount val="65"/>
+                <c:pt idx="0">
+                  <c:v>589</c:v>
+                </c:pt>
+                <c:pt idx="1">
+                  <c:v>561</c:v>
+                </c:pt>
+                <c:pt idx="2">
+                  <c:v>640</c:v>
+                </c:pt>
+                <c:pt idx="3">
+                  <c:v>656</c:v>
+                </c:pt>
+                <c:pt idx="4">
+                  <c:v>727</c:v>
+                </c:pt>
+                <c:pt idx="5">
+                  <c:v>697</c:v>
+                </c:pt>
+                <c:pt idx="6">
+                  <c:v>640</c:v>
+                </c:pt>
+                <c:pt idx="7">
+                  <c:v>599</c:v>
+                </c:pt>
+                <c:pt idx="8">
+                  <c:v>568</c:v>
+                </c:pt>
+                <c:pt idx="9">
+                  <c:v>577</c:v>
+                </c:pt>
+                <c:pt idx="10">
+                  <c:v>553</c:v>
+                </c:pt>
+                <c:pt idx="11">
+                  <c:v>582</c:v>
+                </c:pt>
+                <c:pt idx="12">
+                  <c:v>600</c:v>
+                </c:pt>
+                <c:pt idx="13">
+                  <c:v>566</c:v>
+                </c:pt>
+                <c:pt idx="14">
+                  <c:v>653</c:v>
+                </c:pt>
+                <c:pt idx="15">
+                  <c:v>673</c:v>
+                </c:pt>
+                <c:pt idx="16">
+                  <c:v>742</c:v>
+                </c:pt>
+                <c:pt idx="17">
+                  <c:v>716</c:v>
+                </c:pt>
+                <c:pt idx="18">
+                  <c:v>660</c:v>
+                </c:pt>
+                <c:pt idx="19">
+                  <c:v>617</c:v>
+                </c:pt>
+                <c:pt idx="20">
+                  <c:v>583</c:v>
+                </c:pt>
+                <c:pt idx="21">
+                  <c:v>587</c:v>
+                </c:pt>
+                <c:pt idx="22">
+                  <c:v>565</c:v>
+                </c:pt>
+                <c:pt idx="23">
+                  <c:v>598</c:v>
+                </c:pt>
+                <c:pt idx="24">
+                  <c:v>628</c:v>
+                </c:pt>
+                <c:pt idx="25">
+                  <c:v>618</c:v>
+                </c:pt>
+                <c:pt idx="26">
+                  <c:v>688</c:v>
+                </c:pt>
+                <c:pt idx="27">
+                  <c:v>705</c:v>
+                </c:pt>
+                <c:pt idx="28">
+                  <c:v>770</c:v>
+                </c:pt>
+                <c:pt idx="29">
+                  <c:v>736</c:v>
+                </c:pt>
+                <c:pt idx="30">
+                  <c:v>678</c:v>
+                </c:pt>
+                <c:pt idx="31">
+                  <c:v>639</c:v>
+                </c:pt>
+                <c:pt idx="32">
+                  <c:v>604</c:v>
+                </c:pt>
+                <c:pt idx="33">
+                  <c:v>611</c:v>
+                </c:pt>
+                <c:pt idx="34">
+                  <c:v>594</c:v>
+                </c:pt>
+                <c:pt idx="35">
+                  <c:v>634</c:v>
+                </c:pt>
+                <c:pt idx="36">
+                  <c:v>658</c:v>
+                </c:pt>
+                <c:pt idx="37">
+                  <c:v>622</c:v>
+                </c:pt>
+                <c:pt idx="38">
+                  <c:v>709</c:v>
+                </c:pt>
+                <c:pt idx="39">
+                  <c:v>722</c:v>
+                </c:pt>
+                <c:pt idx="40">
+                  <c:v>782</c:v>
+                </c:pt>
+                <c:pt idx="41">
+                  <c:v>756</c:v>
+                </c:pt>
+                <c:pt idx="42">
+                  <c:v>702</c:v>
+                </c:pt>
+                <c:pt idx="43">
+                  <c:v>653</c:v>
+                </c:pt>
+                <c:pt idx="44">
+                  <c:v>615</c:v>
+                </c:pt>
+                <c:pt idx="45">
+                  <c:v>621</c:v>
+                </c:pt>
+                <c:pt idx="46">
+                  <c:v>602</c:v>
+                </c:pt>
+                <c:pt idx="47">
+                  <c:v>635</c:v>
+                </c:pt>
+                <c:pt idx="48">
+                  <c:v>677</c:v>
+                </c:pt>
+                <c:pt idx="49">
+                  <c:v>635</c:v>
+                </c:pt>
+                <c:pt idx="50">
+                  <c:v>736</c:v>
+                </c:pt>
+                <c:pt idx="51">
+                  <c:v>755</c:v>
+                </c:pt>
+                <c:pt idx="52">
+                  <c:v>811</c:v>
+                </c:pt>
+                <c:pt idx="53">
+                  <c:v>798</c:v>
+                </c:pt>
+                <c:pt idx="54">
+                  <c:v>735</c:v>
+                </c:pt>
+                <c:pt idx="55">
+                  <c:v>697</c:v>
+                </c:pt>
+                <c:pt idx="56">
+                  <c:v>661</c:v>
+                </c:pt>
+                <c:pt idx="57">
+                  <c:v>667</c:v>
+                </c:pt>
+                <c:pt idx="58">
+                  <c:v>645</c:v>
+                </c:pt>
+                <c:pt idx="59">
+                  <c:v>688</c:v>
+                </c:pt>
+                <c:pt idx="60">
+                  <c:v>713</c:v>
+                </c:pt>
+                <c:pt idx="61">
+                  <c:v>667</c:v>
+                </c:pt>
+                <c:pt idx="62">
+                  <c:v>762</c:v>
+                </c:pt>
+                <c:pt idx="63">
+                  <c:v>784</c:v>
+                </c:pt>
+                <c:pt idx="64">
+                  <c:v>837</c:v>
+                </c:pt>
+              </c:numCache>
+            </c:numRef>
+          </c:val>
+          <c:smooth val="0"/>
+        </c:ser>
+        <c:dLbls>
+          <c:showLegendKey val="0"/>
+          <c:showVal val="0"/>
+          <c:showCatName val="0"/>
+          <c:showSerName val="0"/>
+          <c:showPercent val="0"/>
+          <c:showBubbleSize val="0"/>
+        </c:dLbls>
+        <c:marker val="1"/>
+        <c:smooth val="0"/>
+        <c:axId val="152190976"/>
+        <c:axId val="151898752"/>
+      </c:lineChart>
+      <c:valAx>
+        <c:axId val="151898752"/>
+        <c:scaling>
+          <c:orientation val="minMax"/>
+        </c:scaling>
+        <c:delete val="0"/>
+        <c:axPos val="l"/>
+        <c:majorGridlines>
+          <c:spPr>
+            <a:ln>
+              <a:solidFill>
+                <a:srgbClr val="B3B3B3"/>
+              </a:solidFill>
+            </a:ln>
+          </c:spPr>
+        </c:majorGridlines>
+        <c:numFmt formatCode="General" sourceLinked="1"/>
+        <c:majorTickMark val="none"/>
+        <c:minorTickMark val="none"/>
+        <c:tickLblPos val="nextTo"/>
+        <c:spPr>
+          <a:ln>
+            <a:solidFill>
+              <a:srgbClr val="B3B3B3"/>
+            </a:solidFill>
+          </a:ln>
+        </c:spPr>
+        <c:txPr>
+          <a:bodyPr/>
+          <a:lstStyle/>
+          <a:p>
+            <a:pPr>
+              <a:defRPr sz="1000" b="0"/>
+            </a:pPr>
+            <a:endParaRPr lang="en-US"/>
+          </a:p>
+        </c:txPr>
+        <c:crossAx val="152190976"/>
+        <c:crosses val="autoZero"/>
+        <c:crossBetween val="between"/>
+      </c:valAx>
+      <c:catAx>
+        <c:axId val="152190976"/>
+        <c:scaling>
+          <c:orientation val="minMax"/>
+        </c:scaling>
+        <c:delete val="0"/>
+        <c:axPos val="b"/>
+        <c:numFmt formatCode="General" sourceLinked="1"/>
+        <c:majorTickMark val="none"/>
+        <c:minorTickMark val="none"/>
+        <c:tickLblPos val="nextTo"/>
+        <c:spPr>
+          <a:ln>
+            <a:solidFill>
+              <a:srgbClr val="B3B3B3"/>
+            </a:solidFill>
+          </a:ln>
+        </c:spPr>
+        <c:txPr>
+          <a:bodyPr/>
+          <a:lstStyle/>
+          <a:p>
+            <a:pPr>
+              <a:defRPr sz="1000" b="0"/>
+            </a:pPr>
+            <a:endParaRPr lang="en-US"/>
+          </a:p>
+        </c:txPr>
+        <c:crossAx val="151898752"/>
+        <c:crosses val="autoZero"/>
+        <c:auto val="1"/>
+        <c:lblAlgn val="ctr"/>
+        <c:lblOffset val="100"/>
+        <c:noMultiLvlLbl val="0"/>
+      </c:catAx>
+      <c:spPr>
+        <a:noFill/>
+        <a:ln>
+          <a:solidFill>
+            <a:srgbClr val="B3B3B3"/>
+          </a:solidFill>
+          <a:prstDash val="solid"/>
+        </a:ln>
+      </c:spPr>
+    </c:plotArea>
+    <c:legend>
+      <c:legendPos val="r"/>
+      <c:layout/>
+      <c:overlay val="0"/>
+      <c:spPr>
+        <a:noFill/>
+        <a:ln>
+          <a:noFill/>
+        </a:ln>
+      </c:spPr>
+      <c:txPr>
+        <a:bodyPr/>
+        <a:lstStyle/>
+        <a:p>
+          <a:pPr>
+            <a:defRPr sz="1000" b="0"/>
+          </a:pPr>
+          <a:endParaRPr lang="en-US"/>
+        </a:p>
+      </c:txPr>
+    </c:legend>
+    <c:plotVisOnly val="1"/>
+    <c:dispBlanksAs val="gap"/>
+    <c:showDLblsOverMax val="0"/>
+  </c:chart>
+  <c:spPr>
+    <a:ln>
+      <a:noFill/>
+    </a:ln>
+  </c:spPr>
+  <c:externalData r:id="rId1">
+    <c:autoUpdate val="0"/>
+  </c:externalData>
+</c:chartSpace>
+</file>
+
+<file path=ppt/charts/chart2.xml><?xml version="1.0" encoding="utf-8"?>
+<c:chartSpace xmlns:c="http://schemas.openxmlformats.org/drawingml/2006/chart" xmlns:a="http://schemas.openxmlformats.org/drawingml/2006/main" xmlns:r="http://schemas.openxmlformats.org/officeDocument/2006/relationships">
+  <c:date1904 val="0"/>
+  <c:lang val="en-US"/>
+  <c:roundedCorners val="0"/>
+  <mc:AlternateContent xmlns:mc="http://schemas.openxmlformats.org/markup-compatibility/2006">
+    <mc:Choice xmlns:c14="http://schemas.microsoft.com/office/drawing/2007/8/2/chart" Requires="c14">
+      <c14:style val="102"/>
+    </mc:Choice>
+    <mc:Fallback>
+      <c:style val="2"/>
+    </mc:Fallback>
+  </mc:AlternateContent>
+  <c:chart>
+    <c:autoTitleDeleted val="1"/>
+    <c:plotArea>
+      <c:layout>
+        <c:manualLayout>
+          <c:xMode val="edge"/>
+          <c:yMode val="edge"/>
+          <c:x val="4.806851690984236E-2"/>
+          <c:y val="9.4947251526929483E-2"/>
+          <c:w val="0.73377917617812927"/>
+          <c:h val="0.83842278980813134"/>
+        </c:manualLayout>
+      </c:layout>
+      <c:lineChart>
+        <c:grouping val="standard"/>
+        <c:varyColors val="0"/>
+        <c:ser>
+          <c:idx val="0"/>
+          <c:order val="0"/>
+          <c:spPr>
+            <a:ln w="28800">
+              <a:solidFill>
+                <a:srgbClr val="004586"/>
+              </a:solidFill>
+            </a:ln>
+          </c:spPr>
+          <c:marker>
+            <c:symbol val="none"/>
+          </c:marker>
+          <c:val>
+            <c:numRef>
+              <c:f>Sheet1!$A$1:$A$50</c:f>
+              <c:numCache>
+                <c:formatCode>General</c:formatCode>
+                <c:ptCount val="50"/>
+                <c:pt idx="0">
+                  <c:v>597.30769230769204</c:v>
+                </c:pt>
+                <c:pt idx="1">
+                  <c:v>604.23076923076906</c:v>
+                </c:pt>
+                <c:pt idx="2">
+                  <c:v>585.76923076923094</c:v>
+                </c:pt>
+                <c:pt idx="3">
+                  <c:v>608.07692307692298</c:v>
+                </c:pt>
+                <c:pt idx="4">
+                  <c:v>621.92307692307702</c:v>
+                </c:pt>
+                <c:pt idx="5">
+                  <c:v>595.76923076923094</c:v>
+                </c:pt>
+                <c:pt idx="6">
+                  <c:v>662.69230769230796</c:v>
+                </c:pt>
+                <c:pt idx="7">
+                  <c:v>678.07692307692298</c:v>
+                </c:pt>
+                <c:pt idx="8">
+                  <c:v>731.15384615384596</c:v>
+                </c:pt>
+                <c:pt idx="9">
+                  <c:v>711.15384615384596</c:v>
+                </c:pt>
+                <c:pt idx="10">
+                  <c:v>668.07692307692298</c:v>
+                </c:pt>
+                <c:pt idx="11">
+                  <c:v>635</c:v>
+                </c:pt>
+                <c:pt idx="12">
+                  <c:v>608.84615384615404</c:v>
+                </c:pt>
+                <c:pt idx="13">
+                  <c:v>611.92307692307702</c:v>
+                </c:pt>
+                <c:pt idx="14">
+                  <c:v>595</c:v>
+                </c:pt>
+                <c:pt idx="15">
+                  <c:v>620.38461538461502</c:v>
+                </c:pt>
+                <c:pt idx="16">
+                  <c:v>643.46153846153902</c:v>
+                </c:pt>
+                <c:pt idx="17">
+                  <c:v>635.76923076923094</c:v>
+                </c:pt>
+                <c:pt idx="18">
+                  <c:v>689.61538461538498</c:v>
+                </c:pt>
+                <c:pt idx="19">
+                  <c:v>702.69230769230796</c:v>
+                </c:pt>
+                <c:pt idx="20">
+                  <c:v>752.69230769230796</c:v>
+                </c:pt>
+                <c:pt idx="21">
+                  <c:v>726.538461538462</c:v>
+                </c:pt>
+                <c:pt idx="22">
+                  <c:v>681.92307692307702</c:v>
+                </c:pt>
+                <c:pt idx="23">
+                  <c:v>651.92307692307702</c:v>
+                </c:pt>
+                <c:pt idx="24">
+                  <c:v>625</c:v>
+                </c:pt>
+                <c:pt idx="25">
+                  <c:v>630.38461538461502</c:v>
+                </c:pt>
+                <c:pt idx="26">
+                  <c:v>617.30769230769204</c:v>
+                </c:pt>
+                <c:pt idx="27">
+                  <c:v>648.07692307692298</c:v>
+                </c:pt>
+                <c:pt idx="28">
+                  <c:v>666.538461538462</c:v>
+                </c:pt>
+                <c:pt idx="29">
+                  <c:v>638.84615384615404</c:v>
+                </c:pt>
+                <c:pt idx="30">
+                  <c:v>705.76923076923094</c:v>
+                </c:pt>
+                <c:pt idx="31">
+                  <c:v>715.76923076923094</c:v>
+                </c:pt>
+                <c:pt idx="32">
+                  <c:v>761.92307692307702</c:v>
+                </c:pt>
+                <c:pt idx="33">
+                  <c:v>741.92307692307702</c:v>
+                </c:pt>
+                <c:pt idx="34">
+                  <c:v>700.38461538461502</c:v>
+                </c:pt>
+                <c:pt idx="35">
+                  <c:v>662.69230769230796</c:v>
+                </c:pt>
+                <c:pt idx="36">
+                  <c:v>633.461538461538</c:v>
+                </c:pt>
+                <c:pt idx="37">
+                  <c:v>638.07692307692298</c:v>
+                </c:pt>
+                <c:pt idx="38">
+                  <c:v>623.461538461538</c:v>
+                </c:pt>
+                <c:pt idx="39">
+                  <c:v>648.84615384615404</c:v>
+                </c:pt>
+                <c:pt idx="40">
+                  <c:v>681.15384615384596</c:v>
+                </c:pt>
+                <c:pt idx="41">
+                  <c:v>648.84615384615404</c:v>
+                </c:pt>
+                <c:pt idx="42">
+                  <c:v>726.538461538462</c:v>
+                </c:pt>
+                <c:pt idx="43">
+                  <c:v>741.15384615384596</c:v>
+                </c:pt>
+                <c:pt idx="44">
+                  <c:v>784.23076923076906</c:v>
+                </c:pt>
+                <c:pt idx="45">
+                  <c:v>774.23076923076906</c:v>
+                </c:pt>
+                <c:pt idx="46">
+                  <c:v>725.76923076923094</c:v>
+                </c:pt>
+                <c:pt idx="47">
+                  <c:v>696.538461538462</c:v>
+                </c:pt>
+                <c:pt idx="48">
+                  <c:v>668.84615384615404</c:v>
+                </c:pt>
+                <c:pt idx="49">
+                  <c:v>673.461538461538</c:v>
+                </c:pt>
+              </c:numCache>
+            </c:numRef>
+          </c:val>
+          <c:smooth val="0"/>
+        </c:ser>
+        <c:dLbls>
+          <c:showLegendKey val="0"/>
+          <c:showVal val="0"/>
+          <c:showCatName val="0"/>
+          <c:showSerName val="0"/>
+          <c:showPercent val="0"/>
+          <c:showBubbleSize val="0"/>
+        </c:dLbls>
+        <c:marker val="1"/>
+        <c:smooth val="0"/>
+        <c:axId val="152618112"/>
+        <c:axId val="152616320"/>
+      </c:lineChart>
+      <c:valAx>
+        <c:axId val="152616320"/>
+        <c:scaling>
+          <c:orientation val="minMax"/>
+        </c:scaling>
+        <c:delete val="0"/>
+        <c:axPos val="l"/>
+        <c:majorGridlines>
+          <c:spPr>
+            <a:ln>
+              <a:solidFill>
+                <a:srgbClr val="B3B3B3"/>
+              </a:solidFill>
+            </a:ln>
+          </c:spPr>
+        </c:majorGridlines>
+        <c:numFmt formatCode="General" sourceLinked="1"/>
+        <c:majorTickMark val="none"/>
+        <c:minorTickMark val="none"/>
+        <c:tickLblPos val="nextTo"/>
+        <c:spPr>
+          <a:ln>
+            <a:solidFill>
+              <a:srgbClr val="B3B3B3"/>
+            </a:solidFill>
+          </a:ln>
+        </c:spPr>
+        <c:txPr>
+          <a:bodyPr/>
+          <a:lstStyle/>
+          <a:p>
+            <a:pPr>
+              <a:defRPr sz="1000" b="0"/>
+            </a:pPr>
+            <a:endParaRPr lang="en-US"/>
+          </a:p>
+        </c:txPr>
+        <c:crossAx val="152618112"/>
+        <c:crosses val="autoZero"/>
+        <c:crossBetween val="between"/>
+      </c:valAx>
+      <c:catAx>
+        <c:axId val="152618112"/>
+        <c:scaling>
+          <c:orientation val="minMax"/>
+        </c:scaling>
+        <c:delete val="0"/>
+        <c:axPos val="b"/>
+        <c:numFmt formatCode="General" sourceLinked="1"/>
+        <c:majorTickMark val="none"/>
+        <c:minorTickMark val="none"/>
+        <c:tickLblPos val="nextTo"/>
+        <c:spPr>
+          <a:ln>
+            <a:solidFill>
+              <a:srgbClr val="B3B3B3"/>
+            </a:solidFill>
+          </a:ln>
+        </c:spPr>
+        <c:txPr>
+          <a:bodyPr/>
+          <a:lstStyle/>
+          <a:p>
+            <a:pPr>
+              <a:defRPr sz="1000" b="0"/>
+            </a:pPr>
+            <a:endParaRPr lang="en-US"/>
+          </a:p>
+        </c:txPr>
+        <c:crossAx val="152616320"/>
+        <c:crosses val="autoZero"/>
+        <c:auto val="1"/>
+        <c:lblAlgn val="ctr"/>
+        <c:lblOffset val="100"/>
+        <c:noMultiLvlLbl val="0"/>
+      </c:catAx>
+      <c:spPr>
+        <a:noFill/>
+        <a:ln>
+          <a:solidFill>
+            <a:srgbClr val="B3B3B3"/>
+          </a:solidFill>
+          <a:prstDash val="solid"/>
+        </a:ln>
+      </c:spPr>
+    </c:plotArea>
+    <c:legend>
+      <c:legendPos val="r"/>
+      <c:layout/>
+      <c:overlay val="0"/>
+      <c:spPr>
+        <a:noFill/>
+        <a:ln>
+          <a:noFill/>
+        </a:ln>
+      </c:spPr>
+      <c:txPr>
+        <a:bodyPr/>
+        <a:lstStyle/>
+        <a:p>
+          <a:pPr>
+            <a:defRPr sz="1000" b="0"/>
+          </a:pPr>
+          <a:endParaRPr lang="en-US"/>
+        </a:p>
+      </c:txPr>
+    </c:legend>
+    <c:plotVisOnly val="1"/>
+    <c:dispBlanksAs val="gap"/>
+    <c:showDLblsOverMax val="0"/>
+  </c:chart>
+  <c:spPr>
+    <a:ln>
+      <a:noFill/>
+    </a:ln>
+  </c:spPr>
+  <c:externalData r:id="rId1">
+    <c:autoUpdate val="0"/>
+  </c:externalData>
+</c:chartSpace>
 </file>
 
 <file path=ppt/notesMasters/notesMaster1.xml><?xml version="1.0" encoding="utf-8"?>
@@ -1464,7 +2194,7 @@
                 </a:solidFill>
               </a:rPr>
               <a:pPr/>
-              <a:t>55</a:t>
+              <a:t>60</a:t>
             </a:fld>
             <a:endParaRPr lang="en-US">
               <a:solidFill>
@@ -1557,7 +2287,7 @@
                 </a:solidFill>
               </a:rPr>
               <a:pPr/>
-              <a:t>59</a:t>
+              <a:t>64</a:t>
             </a:fld>
             <a:endParaRPr lang="en-US">
               <a:solidFill>
@@ -5114,11 +5844,7 @@
             </a:r>
             <a:r>
               <a:rPr lang="en-US" b="1" dirty="0" smtClean="0"/>
-              <a:t>uadratic </a:t>
-            </a:r>
-            <a:r>
-              <a:rPr lang="en-US" b="1" dirty="0" smtClean="0"/>
-              <a:t>regression </a:t>
+              <a:t>uadratic regression </a:t>
             </a:r>
             <a:r>
               <a:rPr lang="en-US" dirty="0" smtClean="0"/>
@@ -5136,7 +5862,6 @@
               <a:rPr lang="en-US" dirty="0" smtClean="0"/>
               <a:t> et al), </a:t>
             </a:r>
-            <a:endParaRPr lang="en-US" dirty="0" smtClean="0"/>
           </a:p>
           <a:p>
             <a:r>
@@ -5145,11 +5870,7 @@
             </a:r>
             <a:r>
               <a:rPr lang="en-US" b="1" dirty="0" smtClean="0"/>
-              <a:t>egmentation </a:t>
-            </a:r>
-            <a:r>
-              <a:rPr lang="en-US" b="1" dirty="0" smtClean="0"/>
-              <a:t>base on important extreme points</a:t>
+              <a:t>egmentation base on important extreme points</a:t>
             </a:r>
             <a:r>
               <a:rPr lang="en-US" dirty="0" smtClean="0"/>
@@ -6053,8 +6774,8 @@
           </a:p>
         </p:txBody>
       </p:sp>
-      <mc:AlternateContent xmlns:mc="http://schemas.openxmlformats.org/markup-compatibility/2006">
-        <mc:Choice xmlns:a14="http://schemas.microsoft.com/office/drawing/2010/main" Requires="a14">
+      <mc:AlternateContent xmlns:mc="http://schemas.openxmlformats.org/markup-compatibility/2006" xmlns:a14="http://schemas.microsoft.com/office/drawing/2010/main">
+        <mc:Choice Requires="a14">
           <p:sp>
             <p:nvSpPr>
               <p:cNvPr id="3" name="Content Placeholder 2"/>
@@ -6080,33 +6801,45 @@
                       <m:dPr>
                         <m:begChr m:val=""/>
                         <m:ctrlPr>
-                          <a:rPr lang="en-US"/>
+                          <a:rPr lang="en-US" i="1">
+                            <a:latin typeface="Cambria Math"/>
+                          </a:rPr>
                         </m:ctrlPr>
                       </m:dPr>
                       <m:e>
                         <m:r>
-                          <a:rPr lang="en-US" i="1"/>
+                          <a:rPr lang="en-US" i="1">
+                            <a:latin typeface="Cambria Math"/>
+                          </a:rPr>
                           <m:t>𝐷</m:t>
                         </m:r>
                         <m:r>
-                          <a:rPr lang="en-US"/>
+                          <a:rPr lang="en-US">
+                            <a:latin typeface="Cambria Math"/>
+                          </a:rPr>
                           <m:t>=(</m:t>
                         </m:r>
                         <m:sSub>
                           <m:sSubPr>
                             <m:ctrlPr>
-                              <a:rPr lang="en-US" i="1"/>
+                              <a:rPr lang="en-US" i="1">
+                                <a:latin typeface="Cambria Math"/>
+                              </a:rPr>
                             </m:ctrlPr>
                           </m:sSubPr>
                           <m:e>
                             <m:r>
-                              <a:rPr lang="en-US" i="1"/>
+                              <a:rPr lang="en-US" i="1">
+                                <a:latin typeface="Cambria Math"/>
+                              </a:rPr>
                               <m:t>𝑑</m:t>
                             </m:r>
                           </m:e>
                           <m:sub>
                             <m:r>
-                              <a:rPr lang="en-US" i="1"/>
+                              <a:rPr lang="en-US" i="1">
+                                <a:latin typeface="Cambria Math"/>
+                              </a:rPr>
                               <m:t>𝑖𝑗</m:t>
                             </m:r>
                           </m:sub>
@@ -6170,7 +6903,7 @@
             </p:txBody>
           </p:sp>
         </mc:Choice>
-        <mc:Fallback>
+        <mc:Fallback xmlns="">
           <p:sp>
             <p:nvSpPr>
               <p:cNvPr id="3" name="Content Placeholder 2"/>
@@ -6226,7 +6959,7 @@
           <a:graphicData uri="http://schemas.openxmlformats.org/presentationml/2006/ole">
             <mc:AlternateContent xmlns:mc="http://schemas.openxmlformats.org/markup-compatibility/2006">
               <mc:Choice xmlns:v="urn:schemas-microsoft-com:vml" Requires="v">
-                <p:oleObj spid="_x0000_s13320" name="Equation" r:id="rId4" imgW="2590560" imgH="304560" progId="Equation.3">
+                <p:oleObj spid="_x0000_s13326" name="Equation" r:id="rId4" imgW="2590560" imgH="304560" progId="Equation.3">
                   <p:embed/>
                 </p:oleObj>
               </mc:Choice>
@@ -6953,7 +7686,7 @@
           <a:graphicData uri="http://schemas.openxmlformats.org/presentationml/2006/ole">
             <mc:AlternateContent xmlns:mc="http://schemas.openxmlformats.org/markup-compatibility/2006">
               <mc:Choice xmlns:v="urn:schemas-microsoft-com:vml" Requires="v">
-                <p:oleObj spid="_x0000_s9297" name="Equation" r:id="rId3" imgW="2590560" imgH="304560" progId="Equation.3">
+                <p:oleObj spid="_x0000_s9303" name="Equation" r:id="rId3" imgW="2590560" imgH="304560" progId="Equation.3">
                   <p:embed/>
                 </p:oleObj>
               </mc:Choice>
@@ -7948,7 +8681,7 @@
           <a:graphicData uri="http://schemas.openxmlformats.org/presentationml/2006/ole">
             <mc:AlternateContent xmlns:mc="http://schemas.openxmlformats.org/markup-compatibility/2006">
               <mc:Choice xmlns:v="urn:schemas-microsoft-com:vml" Requires="v">
-                <p:oleObj spid="_x0000_s6524" name="Equation" r:id="rId3" imgW="2209680" imgH="482400" progId="Equation.3">
+                <p:oleObj spid="_x0000_s6548" name="Equation" r:id="rId3" imgW="2209680" imgH="482400" progId="Equation.3">
                   <p:embed/>
                 </p:oleObj>
               </mc:Choice>
@@ -8005,7 +8738,7 @@
           <a:graphicData uri="http://schemas.openxmlformats.org/presentationml/2006/ole">
             <mc:AlternateContent xmlns:mc="http://schemas.openxmlformats.org/markup-compatibility/2006">
               <mc:Choice xmlns:v="urn:schemas-microsoft-com:vml" Requires="v">
-                <p:oleObj spid="_x0000_s6525" name="Equation" r:id="rId5" imgW="1218960" imgH="431640" progId="Equation.3">
+                <p:oleObj spid="_x0000_s6549" name="Equation" r:id="rId5" imgW="1218960" imgH="431640" progId="Equation.3">
                   <p:embed/>
                 </p:oleObj>
               </mc:Choice>
@@ -8062,7 +8795,7 @@
           <a:graphicData uri="http://schemas.openxmlformats.org/presentationml/2006/ole">
             <mc:AlternateContent xmlns:mc="http://schemas.openxmlformats.org/markup-compatibility/2006">
               <mc:Choice xmlns:v="urn:schemas-microsoft-com:vml" Requires="v">
-                <p:oleObj spid="_x0000_s6526" name="Equation" r:id="rId7" imgW="914400" imgH="198720" progId="Equation.DSMT4">
+                <p:oleObj spid="_x0000_s6550" name="Equation" r:id="rId7" imgW="914400" imgH="198720" progId="Equation.DSMT4">
                   <p:embed/>
                 </p:oleObj>
               </mc:Choice>
@@ -8119,7 +8852,7 @@
           <a:graphicData uri="http://schemas.openxmlformats.org/presentationml/2006/ole">
             <mc:AlternateContent xmlns:mc="http://schemas.openxmlformats.org/markup-compatibility/2006">
               <mc:Choice xmlns:v="urn:schemas-microsoft-com:vml" Requires="v">
-                <p:oleObj spid="_x0000_s6527" name="Equation" r:id="rId9" imgW="914400" imgH="198720" progId="Equation.DSMT4">
+                <p:oleObj spid="_x0000_s6551" name="Equation" r:id="rId9" imgW="914400" imgH="198720" progId="Equation.DSMT4">
                   <p:embed/>
                 </p:oleObj>
               </mc:Choice>
@@ -8383,57 +9116,45 @@
           <a:lstStyle/>
           <a:p>
             <a:r>
+              <a:rPr lang="en-US" dirty="0" smtClean="0"/>
+              <a:t>Data</a:t>
+            </a:r>
+            <a:endParaRPr lang="en-US" dirty="0"/>
+          </a:p>
+        </p:txBody>
+      </p:sp>
+      <p:sp>
+        <p:nvSpPr>
+          <p:cNvPr id="3" name="Content Placeholder 2"/>
+          <p:cNvSpPr>
+            <a:spLocks noGrp="1"/>
+          </p:cNvSpPr>
+          <p:nvPr>
+            <p:ph idx="1"/>
+          </p:nvPr>
+        </p:nvSpPr>
+        <p:spPr/>
+        <p:txBody>
+          <a:bodyPr/>
+          <a:lstStyle/>
+          <a:p>
+            <a:r>
+              <a:rPr lang="en-US" dirty="0" smtClean="0"/>
+              <a:t>In </a:t>
+            </a:r>
+            <a:r>
               <a:rPr lang="en-US" dirty="0"/>
-              <a:t>Experimental Evaluation</a:t>
-            </a:r>
-          </a:p>
-        </p:txBody>
-      </p:sp>
-      <p:sp>
-        <p:nvSpPr>
-          <p:cNvPr id="3" name="Content Placeholder 2"/>
-          <p:cNvSpPr>
-            <a:spLocks noGrp="1"/>
-          </p:cNvSpPr>
-          <p:nvPr>
-            <p:ph idx="1"/>
-          </p:nvPr>
-        </p:nvSpPr>
-        <p:spPr/>
-        <p:txBody>
-          <a:bodyPr/>
-          <a:lstStyle/>
-          <a:p>
-            <a:r>
-              <a:rPr lang="en-ZA" dirty="0"/>
-              <a:t>Experiments environment : </a:t>
+              <a:t>diverse domains from the UCR Time Series Data Mining Archive for discord </a:t>
             </a:r>
             <a:r>
               <a:rPr lang="en-US" dirty="0" smtClean="0"/>
-              <a:t> Intel</a:t>
-            </a:r>
-            <a:r>
-              <a:rPr lang="en-US" dirty="0"/>
-              <a:t>® Core™ 2 Duo 2.0GHz, Ram 3072MB </a:t>
-            </a:r>
-            <a:r>
-              <a:rPr lang="en-US" dirty="0" smtClean="0"/>
-              <a:t>PC</a:t>
-            </a:r>
-          </a:p>
-          <a:p>
-            <a:r>
-              <a:rPr lang="en-US" dirty="0" smtClean="0"/>
-              <a:t>All algorithms are implemented in </a:t>
-            </a:r>
-            <a:r>
-              <a:rPr lang="en-US" dirty="0"/>
-              <a:t>Microsoft Visual C</a:t>
-            </a:r>
-            <a:r>
-              <a:rPr lang="en-US" dirty="0" smtClean="0"/>
-              <a:t># programing language</a:t>
-            </a:r>
+              <a:t>discovery</a:t>
+            </a:r>
+          </a:p>
+          <a:p>
+            <a:endParaRPr lang="en-US" dirty="0" smtClean="0"/>
+          </a:p>
+          <a:p>
             <a:endParaRPr lang="en-US" dirty="0"/>
           </a:p>
         </p:txBody>
@@ -8461,6 +9182,1188 @@
           </a:p>
         </p:txBody>
       </p:sp>
+      <p:graphicFrame>
+        <p:nvGraphicFramePr>
+          <p:cNvPr id="8" name="Table 7"/>
+          <p:cNvGraphicFramePr>
+            <a:graphicFrameLocks noGrp="1"/>
+          </p:cNvGraphicFramePr>
+          <p:nvPr>
+            <p:extLst>
+              <p:ext uri="{D42A27DB-BD31-4B8C-83A1-F6EECF244321}">
+                <p14:modId xmlns:p14="http://schemas.microsoft.com/office/powerpoint/2010/main" val="3228796955"/>
+              </p:ext>
+            </p:extLst>
+          </p:nvPr>
+        </p:nvGraphicFramePr>
+        <p:xfrm>
+          <a:off x="457200" y="2995645"/>
+          <a:ext cx="6705600" cy="3405159"/>
+        </p:xfrm>
+        <a:graphic>
+          <a:graphicData uri="http://schemas.openxmlformats.org/drawingml/2006/table">
+            <a:tbl>
+              <a:tblPr firstRow="1" firstCol="1" bandRow="1"/>
+              <a:tblGrid>
+                <a:gridCol w="3352800"/>
+                <a:gridCol w="3352800"/>
+              </a:tblGrid>
+              <a:tr h="378351">
+                <a:tc>
+                  <a:txBody>
+                    <a:bodyPr/>
+                    <a:lstStyle/>
+                    <a:p>
+                      <a:pPr>
+                        <a:lnSpc>
+                          <a:spcPct val="115000"/>
+                        </a:lnSpc>
+                        <a:spcAft>
+                          <a:spcPts val="0"/>
+                        </a:spcAft>
+                      </a:pPr>
+                      <a:r>
+                        <a:rPr lang="en-US" sz="2000" b="1" dirty="0">
+                          <a:effectLst/>
+                          <a:latin typeface="Calibri"/>
+                          <a:ea typeface="Calibri"/>
+                          <a:cs typeface="Times New Roman"/>
+                        </a:rPr>
+                        <a:t>Data</a:t>
+                      </a:r>
+                    </a:p>
+                  </a:txBody>
+                  <a:tcPr marL="68580" marR="68580" marT="0" marB="0">
+                    <a:lnL w="12700" cap="flat" cmpd="sng" algn="ctr">
+                      <a:solidFill>
+                        <a:srgbClr val="000000"/>
+                      </a:solidFill>
+                      <a:prstDash val="solid"/>
+                      <a:round/>
+                      <a:headEnd type="none" w="med" len="med"/>
+                      <a:tailEnd type="none" w="med" len="med"/>
+                    </a:lnL>
+                    <a:lnR w="12700" cap="flat" cmpd="sng" algn="ctr">
+                      <a:solidFill>
+                        <a:srgbClr val="000000"/>
+                      </a:solidFill>
+                      <a:prstDash val="solid"/>
+                      <a:round/>
+                      <a:headEnd type="none" w="med" len="med"/>
+                      <a:tailEnd type="none" w="med" len="med"/>
+                    </a:lnR>
+                    <a:lnT w="12700" cap="flat" cmpd="sng" algn="ctr">
+                      <a:solidFill>
+                        <a:srgbClr val="000000"/>
+                      </a:solidFill>
+                      <a:prstDash val="solid"/>
+                      <a:round/>
+                      <a:headEnd type="none" w="med" len="med"/>
+                      <a:tailEnd type="none" w="med" len="med"/>
+                    </a:lnT>
+                    <a:lnB w="12700" cap="flat" cmpd="sng" algn="ctr">
+                      <a:solidFill>
+                        <a:srgbClr val="000000"/>
+                      </a:solidFill>
+                      <a:prstDash val="solid"/>
+                      <a:round/>
+                      <a:headEnd type="none" w="med" len="med"/>
+                      <a:tailEnd type="none" w="med" len="med"/>
+                    </a:lnB>
+                  </a:tcPr>
+                </a:tc>
+                <a:tc>
+                  <a:txBody>
+                    <a:bodyPr/>
+                    <a:lstStyle/>
+                    <a:p>
+                      <a:pPr>
+                        <a:lnSpc>
+                          <a:spcPct val="115000"/>
+                        </a:lnSpc>
+                        <a:spcAft>
+                          <a:spcPts val="0"/>
+                        </a:spcAft>
+                      </a:pPr>
+                      <a:r>
+                        <a:rPr lang="en-US" sz="2000" b="1" dirty="0">
+                          <a:effectLst/>
+                          <a:latin typeface="Calibri"/>
+                          <a:ea typeface="Calibri"/>
+                          <a:cs typeface="Times New Roman"/>
+                        </a:rPr>
+                        <a:t>Length</a:t>
+                      </a:r>
+                    </a:p>
+                  </a:txBody>
+                  <a:tcPr marL="68580" marR="68580" marT="0" marB="0">
+                    <a:lnL w="12700" cap="flat" cmpd="sng" algn="ctr">
+                      <a:solidFill>
+                        <a:srgbClr val="000000"/>
+                      </a:solidFill>
+                      <a:prstDash val="solid"/>
+                      <a:round/>
+                      <a:headEnd type="none" w="med" len="med"/>
+                      <a:tailEnd type="none" w="med" len="med"/>
+                    </a:lnL>
+                    <a:lnR w="12700" cap="flat" cmpd="sng" algn="ctr">
+                      <a:solidFill>
+                        <a:srgbClr val="000000"/>
+                      </a:solidFill>
+                      <a:prstDash val="solid"/>
+                      <a:round/>
+                      <a:headEnd type="none" w="med" len="med"/>
+                      <a:tailEnd type="none" w="med" len="med"/>
+                    </a:lnR>
+                    <a:lnT w="12700" cap="flat" cmpd="sng" algn="ctr">
+                      <a:solidFill>
+                        <a:srgbClr val="000000"/>
+                      </a:solidFill>
+                      <a:prstDash val="solid"/>
+                      <a:round/>
+                      <a:headEnd type="none" w="med" len="med"/>
+                      <a:tailEnd type="none" w="med" len="med"/>
+                    </a:lnT>
+                    <a:lnB w="12700" cap="flat" cmpd="sng" algn="ctr">
+                      <a:solidFill>
+                        <a:srgbClr val="000000"/>
+                      </a:solidFill>
+                      <a:prstDash val="solid"/>
+                      <a:round/>
+                      <a:headEnd type="none" w="med" len="med"/>
+                      <a:tailEnd type="none" w="med" len="med"/>
+                    </a:lnB>
+                  </a:tcPr>
+                </a:tc>
+              </a:tr>
+              <a:tr h="378351">
+                <a:tc>
+                  <a:txBody>
+                    <a:bodyPr/>
+                    <a:lstStyle/>
+                    <a:p>
+                      <a:pPr>
+                        <a:lnSpc>
+                          <a:spcPct val="115000"/>
+                        </a:lnSpc>
+                        <a:spcAft>
+                          <a:spcPts val="0"/>
+                        </a:spcAft>
+                      </a:pPr>
+                      <a:r>
+                        <a:rPr lang="en-US" sz="2000" b="0" dirty="0">
+                          <a:effectLst/>
+                          <a:latin typeface="Calibri"/>
+                          <a:ea typeface="Calibri"/>
+                          <a:cs typeface="Times New Roman"/>
+                        </a:rPr>
+                        <a:t>ECG 108</a:t>
+                      </a:r>
+                    </a:p>
+                  </a:txBody>
+                  <a:tcPr marL="68580" marR="68580" marT="0" marB="0">
+                    <a:lnL w="12700" cap="flat" cmpd="sng" algn="ctr">
+                      <a:solidFill>
+                        <a:srgbClr val="000000"/>
+                      </a:solidFill>
+                      <a:prstDash val="solid"/>
+                      <a:round/>
+                      <a:headEnd type="none" w="med" len="med"/>
+                      <a:tailEnd type="none" w="med" len="med"/>
+                    </a:lnL>
+                    <a:lnR w="12700" cap="flat" cmpd="sng" algn="ctr">
+                      <a:solidFill>
+                        <a:srgbClr val="000000"/>
+                      </a:solidFill>
+                      <a:prstDash val="solid"/>
+                      <a:round/>
+                      <a:headEnd type="none" w="med" len="med"/>
+                      <a:tailEnd type="none" w="med" len="med"/>
+                    </a:lnR>
+                    <a:lnT w="12700" cap="flat" cmpd="sng" algn="ctr">
+                      <a:solidFill>
+                        <a:srgbClr val="000000"/>
+                      </a:solidFill>
+                      <a:prstDash val="solid"/>
+                      <a:round/>
+                      <a:headEnd type="none" w="med" len="med"/>
+                      <a:tailEnd type="none" w="med" len="med"/>
+                    </a:lnT>
+                    <a:lnB w="12700" cap="flat" cmpd="sng" algn="ctr">
+                      <a:solidFill>
+                        <a:srgbClr val="000000"/>
+                      </a:solidFill>
+                      <a:prstDash val="solid"/>
+                      <a:round/>
+                      <a:headEnd type="none" w="med" len="med"/>
+                      <a:tailEnd type="none" w="med" len="med"/>
+                    </a:lnB>
+                  </a:tcPr>
+                </a:tc>
+                <a:tc>
+                  <a:txBody>
+                    <a:bodyPr/>
+                    <a:lstStyle/>
+                    <a:p>
+                      <a:pPr>
+                        <a:lnSpc>
+                          <a:spcPct val="115000"/>
+                        </a:lnSpc>
+                        <a:spcAft>
+                          <a:spcPts val="0"/>
+                        </a:spcAft>
+                      </a:pPr>
+                      <a:r>
+                        <a:rPr lang="en-US" sz="2000" b="0">
+                          <a:effectLst/>
+                          <a:latin typeface="Calibri"/>
+                          <a:ea typeface="Calibri"/>
+                          <a:cs typeface="Times New Roman"/>
+                        </a:rPr>
+                        <a:t>17500</a:t>
+                      </a:r>
+                    </a:p>
+                  </a:txBody>
+                  <a:tcPr marL="68580" marR="68580" marT="0" marB="0">
+                    <a:lnL w="12700" cap="flat" cmpd="sng" algn="ctr">
+                      <a:solidFill>
+                        <a:srgbClr val="000000"/>
+                      </a:solidFill>
+                      <a:prstDash val="solid"/>
+                      <a:round/>
+                      <a:headEnd type="none" w="med" len="med"/>
+                      <a:tailEnd type="none" w="med" len="med"/>
+                    </a:lnL>
+                    <a:lnR w="12700" cap="flat" cmpd="sng" algn="ctr">
+                      <a:solidFill>
+                        <a:srgbClr val="000000"/>
+                      </a:solidFill>
+                      <a:prstDash val="solid"/>
+                      <a:round/>
+                      <a:headEnd type="none" w="med" len="med"/>
+                      <a:tailEnd type="none" w="med" len="med"/>
+                    </a:lnR>
+                    <a:lnT w="12700" cap="flat" cmpd="sng" algn="ctr">
+                      <a:solidFill>
+                        <a:srgbClr val="000000"/>
+                      </a:solidFill>
+                      <a:prstDash val="solid"/>
+                      <a:round/>
+                      <a:headEnd type="none" w="med" len="med"/>
+                      <a:tailEnd type="none" w="med" len="med"/>
+                    </a:lnT>
+                    <a:lnB w="12700" cap="flat" cmpd="sng" algn="ctr">
+                      <a:solidFill>
+                        <a:srgbClr val="000000"/>
+                      </a:solidFill>
+                      <a:prstDash val="solid"/>
+                      <a:round/>
+                      <a:headEnd type="none" w="med" len="med"/>
+                      <a:tailEnd type="none" w="med" len="med"/>
+                    </a:lnB>
+                  </a:tcPr>
+                </a:tc>
+              </a:tr>
+              <a:tr h="378351">
+                <a:tc>
+                  <a:txBody>
+                    <a:bodyPr/>
+                    <a:lstStyle/>
+                    <a:p>
+                      <a:pPr>
+                        <a:lnSpc>
+                          <a:spcPct val="115000"/>
+                        </a:lnSpc>
+                        <a:spcAft>
+                          <a:spcPts val="0"/>
+                        </a:spcAft>
+                      </a:pPr>
+                      <a:r>
+                        <a:rPr lang="en-US" sz="2000" b="0" dirty="0">
+                          <a:effectLst/>
+                          <a:latin typeface="Calibri"/>
+                          <a:ea typeface="Calibri"/>
+                          <a:cs typeface="Times New Roman"/>
+                        </a:rPr>
+                        <a:t>ECG 308</a:t>
+                      </a:r>
+                    </a:p>
+                  </a:txBody>
+                  <a:tcPr marL="68580" marR="68580" marT="0" marB="0">
+                    <a:lnL w="12700" cap="flat" cmpd="sng" algn="ctr">
+                      <a:solidFill>
+                        <a:srgbClr val="000000"/>
+                      </a:solidFill>
+                      <a:prstDash val="solid"/>
+                      <a:round/>
+                      <a:headEnd type="none" w="med" len="med"/>
+                      <a:tailEnd type="none" w="med" len="med"/>
+                    </a:lnL>
+                    <a:lnR w="12700" cap="flat" cmpd="sng" algn="ctr">
+                      <a:solidFill>
+                        <a:srgbClr val="000000"/>
+                      </a:solidFill>
+                      <a:prstDash val="solid"/>
+                      <a:round/>
+                      <a:headEnd type="none" w="med" len="med"/>
+                      <a:tailEnd type="none" w="med" len="med"/>
+                    </a:lnR>
+                    <a:lnT w="12700" cap="flat" cmpd="sng" algn="ctr">
+                      <a:solidFill>
+                        <a:srgbClr val="000000"/>
+                      </a:solidFill>
+                      <a:prstDash val="solid"/>
+                      <a:round/>
+                      <a:headEnd type="none" w="med" len="med"/>
+                      <a:tailEnd type="none" w="med" len="med"/>
+                    </a:lnT>
+                    <a:lnB w="12700" cap="flat" cmpd="sng" algn="ctr">
+                      <a:solidFill>
+                        <a:srgbClr val="000000"/>
+                      </a:solidFill>
+                      <a:prstDash val="solid"/>
+                      <a:round/>
+                      <a:headEnd type="none" w="med" len="med"/>
+                      <a:tailEnd type="none" w="med" len="med"/>
+                    </a:lnB>
+                  </a:tcPr>
+                </a:tc>
+                <a:tc>
+                  <a:txBody>
+                    <a:bodyPr/>
+                    <a:lstStyle/>
+                    <a:p>
+                      <a:pPr>
+                        <a:lnSpc>
+                          <a:spcPct val="115000"/>
+                        </a:lnSpc>
+                        <a:spcAft>
+                          <a:spcPts val="0"/>
+                        </a:spcAft>
+                      </a:pPr>
+                      <a:r>
+                        <a:rPr lang="en-US" sz="2000" b="0">
+                          <a:effectLst/>
+                          <a:latin typeface="Calibri"/>
+                          <a:ea typeface="Calibri"/>
+                          <a:cs typeface="Times New Roman"/>
+                        </a:rPr>
+                        <a:t>1300</a:t>
+                      </a:r>
+                    </a:p>
+                  </a:txBody>
+                  <a:tcPr marL="68580" marR="68580" marT="0" marB="0">
+                    <a:lnL w="12700" cap="flat" cmpd="sng" algn="ctr">
+                      <a:solidFill>
+                        <a:srgbClr val="000000"/>
+                      </a:solidFill>
+                      <a:prstDash val="solid"/>
+                      <a:round/>
+                      <a:headEnd type="none" w="med" len="med"/>
+                      <a:tailEnd type="none" w="med" len="med"/>
+                    </a:lnL>
+                    <a:lnR w="12700" cap="flat" cmpd="sng" algn="ctr">
+                      <a:solidFill>
+                        <a:srgbClr val="000000"/>
+                      </a:solidFill>
+                      <a:prstDash val="solid"/>
+                      <a:round/>
+                      <a:headEnd type="none" w="med" len="med"/>
+                      <a:tailEnd type="none" w="med" len="med"/>
+                    </a:lnR>
+                    <a:lnT w="12700" cap="flat" cmpd="sng" algn="ctr">
+                      <a:solidFill>
+                        <a:srgbClr val="000000"/>
+                      </a:solidFill>
+                      <a:prstDash val="solid"/>
+                      <a:round/>
+                      <a:headEnd type="none" w="med" len="med"/>
+                      <a:tailEnd type="none" w="med" len="med"/>
+                    </a:lnT>
+                    <a:lnB w="12700" cap="flat" cmpd="sng" algn="ctr">
+                      <a:solidFill>
+                        <a:srgbClr val="000000"/>
+                      </a:solidFill>
+                      <a:prstDash val="solid"/>
+                      <a:round/>
+                      <a:headEnd type="none" w="med" len="med"/>
+                      <a:tailEnd type="none" w="med" len="med"/>
+                    </a:lnB>
+                  </a:tcPr>
+                </a:tc>
+              </a:tr>
+              <a:tr h="378351">
+                <a:tc>
+                  <a:txBody>
+                    <a:bodyPr/>
+                    <a:lstStyle/>
+                    <a:p>
+                      <a:pPr>
+                        <a:lnSpc>
+                          <a:spcPct val="115000"/>
+                        </a:lnSpc>
+                        <a:spcAft>
+                          <a:spcPts val="0"/>
+                        </a:spcAft>
+                      </a:pPr>
+                      <a:r>
+                        <a:rPr lang="en-US" sz="2000" b="0" dirty="0">
+                          <a:effectLst/>
+                          <a:latin typeface="Calibri"/>
+                          <a:ea typeface="Calibri"/>
+                          <a:cs typeface="Times New Roman"/>
+                        </a:rPr>
+                        <a:t>ERP</a:t>
+                      </a:r>
+                    </a:p>
+                  </a:txBody>
+                  <a:tcPr marL="68580" marR="68580" marT="0" marB="0">
+                    <a:lnL w="12700" cap="flat" cmpd="sng" algn="ctr">
+                      <a:solidFill>
+                        <a:srgbClr val="000000"/>
+                      </a:solidFill>
+                      <a:prstDash val="solid"/>
+                      <a:round/>
+                      <a:headEnd type="none" w="med" len="med"/>
+                      <a:tailEnd type="none" w="med" len="med"/>
+                    </a:lnL>
+                    <a:lnR w="12700" cap="flat" cmpd="sng" algn="ctr">
+                      <a:solidFill>
+                        <a:srgbClr val="000000"/>
+                      </a:solidFill>
+                      <a:prstDash val="solid"/>
+                      <a:round/>
+                      <a:headEnd type="none" w="med" len="med"/>
+                      <a:tailEnd type="none" w="med" len="med"/>
+                    </a:lnR>
+                    <a:lnT w="12700" cap="flat" cmpd="sng" algn="ctr">
+                      <a:solidFill>
+                        <a:srgbClr val="000000"/>
+                      </a:solidFill>
+                      <a:prstDash val="solid"/>
+                      <a:round/>
+                      <a:headEnd type="none" w="med" len="med"/>
+                      <a:tailEnd type="none" w="med" len="med"/>
+                    </a:lnT>
+                    <a:lnB w="12700" cap="flat" cmpd="sng" algn="ctr">
+                      <a:solidFill>
+                        <a:srgbClr val="000000"/>
+                      </a:solidFill>
+                      <a:prstDash val="solid"/>
+                      <a:round/>
+                      <a:headEnd type="none" w="med" len="med"/>
+                      <a:tailEnd type="none" w="med" len="med"/>
+                    </a:lnB>
+                  </a:tcPr>
+                </a:tc>
+                <a:tc>
+                  <a:txBody>
+                    <a:bodyPr/>
+                    <a:lstStyle/>
+                    <a:p>
+                      <a:pPr>
+                        <a:lnSpc>
+                          <a:spcPct val="115000"/>
+                        </a:lnSpc>
+                        <a:spcAft>
+                          <a:spcPts val="0"/>
+                        </a:spcAft>
+                      </a:pPr>
+                      <a:r>
+                        <a:rPr lang="en-US" sz="2000" b="0">
+                          <a:effectLst/>
+                          <a:latin typeface="Calibri"/>
+                          <a:ea typeface="Calibri"/>
+                          <a:cs typeface="Times New Roman"/>
+                        </a:rPr>
+                        <a:t>5000</a:t>
+                      </a:r>
+                    </a:p>
+                  </a:txBody>
+                  <a:tcPr marL="68580" marR="68580" marT="0" marB="0">
+                    <a:lnL w="12700" cap="flat" cmpd="sng" algn="ctr">
+                      <a:solidFill>
+                        <a:srgbClr val="000000"/>
+                      </a:solidFill>
+                      <a:prstDash val="solid"/>
+                      <a:round/>
+                      <a:headEnd type="none" w="med" len="med"/>
+                      <a:tailEnd type="none" w="med" len="med"/>
+                    </a:lnL>
+                    <a:lnR w="12700" cap="flat" cmpd="sng" algn="ctr">
+                      <a:solidFill>
+                        <a:srgbClr val="000000"/>
+                      </a:solidFill>
+                      <a:prstDash val="solid"/>
+                      <a:round/>
+                      <a:headEnd type="none" w="med" len="med"/>
+                      <a:tailEnd type="none" w="med" len="med"/>
+                    </a:lnR>
+                    <a:lnT w="12700" cap="flat" cmpd="sng" algn="ctr">
+                      <a:solidFill>
+                        <a:srgbClr val="000000"/>
+                      </a:solidFill>
+                      <a:prstDash val="solid"/>
+                      <a:round/>
+                      <a:headEnd type="none" w="med" len="med"/>
+                      <a:tailEnd type="none" w="med" len="med"/>
+                    </a:lnT>
+                    <a:lnB w="12700" cap="flat" cmpd="sng" algn="ctr">
+                      <a:solidFill>
+                        <a:srgbClr val="000000"/>
+                      </a:solidFill>
+                      <a:prstDash val="solid"/>
+                      <a:round/>
+                      <a:headEnd type="none" w="med" len="med"/>
+                      <a:tailEnd type="none" w="med" len="med"/>
+                    </a:lnB>
+                  </a:tcPr>
+                </a:tc>
+              </a:tr>
+              <a:tr h="378351">
+                <a:tc>
+                  <a:txBody>
+                    <a:bodyPr/>
+                    <a:lstStyle/>
+                    <a:p>
+                      <a:pPr>
+                        <a:lnSpc>
+                          <a:spcPct val="115000"/>
+                        </a:lnSpc>
+                        <a:spcAft>
+                          <a:spcPts val="0"/>
+                        </a:spcAft>
+                      </a:pPr>
+                      <a:r>
+                        <a:rPr lang="en-US" sz="2000" b="0" dirty="0">
+                          <a:effectLst/>
+                          <a:latin typeface="Calibri"/>
+                          <a:ea typeface="Calibri"/>
+                          <a:cs typeface="Times New Roman"/>
+                        </a:rPr>
+                        <a:t>Memory</a:t>
+                      </a:r>
+                    </a:p>
+                  </a:txBody>
+                  <a:tcPr marL="68580" marR="68580" marT="0" marB="0">
+                    <a:lnL w="12700" cap="flat" cmpd="sng" algn="ctr">
+                      <a:solidFill>
+                        <a:srgbClr val="000000"/>
+                      </a:solidFill>
+                      <a:prstDash val="solid"/>
+                      <a:round/>
+                      <a:headEnd type="none" w="med" len="med"/>
+                      <a:tailEnd type="none" w="med" len="med"/>
+                    </a:lnL>
+                    <a:lnR w="12700" cap="flat" cmpd="sng" algn="ctr">
+                      <a:solidFill>
+                        <a:srgbClr val="000000"/>
+                      </a:solidFill>
+                      <a:prstDash val="solid"/>
+                      <a:round/>
+                      <a:headEnd type="none" w="med" len="med"/>
+                      <a:tailEnd type="none" w="med" len="med"/>
+                    </a:lnR>
+                    <a:lnT w="12700" cap="flat" cmpd="sng" algn="ctr">
+                      <a:solidFill>
+                        <a:srgbClr val="000000"/>
+                      </a:solidFill>
+                      <a:prstDash val="solid"/>
+                      <a:round/>
+                      <a:headEnd type="none" w="med" len="med"/>
+                      <a:tailEnd type="none" w="med" len="med"/>
+                    </a:lnT>
+                    <a:lnB w="12700" cap="flat" cmpd="sng" algn="ctr">
+                      <a:solidFill>
+                        <a:srgbClr val="000000"/>
+                      </a:solidFill>
+                      <a:prstDash val="solid"/>
+                      <a:round/>
+                      <a:headEnd type="none" w="med" len="med"/>
+                      <a:tailEnd type="none" w="med" len="med"/>
+                    </a:lnB>
+                  </a:tcPr>
+                </a:tc>
+                <a:tc>
+                  <a:txBody>
+                    <a:bodyPr/>
+                    <a:lstStyle/>
+                    <a:p>
+                      <a:pPr>
+                        <a:lnSpc>
+                          <a:spcPct val="115000"/>
+                        </a:lnSpc>
+                        <a:spcAft>
+                          <a:spcPts val="0"/>
+                        </a:spcAft>
+                      </a:pPr>
+                      <a:r>
+                        <a:rPr lang="en-US" sz="2000" b="0" dirty="0">
+                          <a:effectLst/>
+                          <a:latin typeface="Calibri"/>
+                          <a:ea typeface="Calibri"/>
+                          <a:cs typeface="Times New Roman"/>
+                        </a:rPr>
+                        <a:t>6875</a:t>
+                      </a:r>
+                    </a:p>
+                  </a:txBody>
+                  <a:tcPr marL="68580" marR="68580" marT="0" marB="0">
+                    <a:lnL w="12700" cap="flat" cmpd="sng" algn="ctr">
+                      <a:solidFill>
+                        <a:srgbClr val="000000"/>
+                      </a:solidFill>
+                      <a:prstDash val="solid"/>
+                      <a:round/>
+                      <a:headEnd type="none" w="med" len="med"/>
+                      <a:tailEnd type="none" w="med" len="med"/>
+                    </a:lnL>
+                    <a:lnR w="12700" cap="flat" cmpd="sng" algn="ctr">
+                      <a:solidFill>
+                        <a:srgbClr val="000000"/>
+                      </a:solidFill>
+                      <a:prstDash val="solid"/>
+                      <a:round/>
+                      <a:headEnd type="none" w="med" len="med"/>
+                      <a:tailEnd type="none" w="med" len="med"/>
+                    </a:lnR>
+                    <a:lnT w="12700" cap="flat" cmpd="sng" algn="ctr">
+                      <a:solidFill>
+                        <a:srgbClr val="000000"/>
+                      </a:solidFill>
+                      <a:prstDash val="solid"/>
+                      <a:round/>
+                      <a:headEnd type="none" w="med" len="med"/>
+                      <a:tailEnd type="none" w="med" len="med"/>
+                    </a:lnT>
+                    <a:lnB w="12700" cap="flat" cmpd="sng" algn="ctr">
+                      <a:solidFill>
+                        <a:srgbClr val="000000"/>
+                      </a:solidFill>
+                      <a:prstDash val="solid"/>
+                      <a:round/>
+                      <a:headEnd type="none" w="med" len="med"/>
+                      <a:tailEnd type="none" w="med" len="med"/>
+                    </a:lnB>
+                  </a:tcPr>
+                </a:tc>
+              </a:tr>
+              <a:tr h="378351">
+                <a:tc>
+                  <a:txBody>
+                    <a:bodyPr/>
+                    <a:lstStyle/>
+                    <a:p>
+                      <a:pPr>
+                        <a:lnSpc>
+                          <a:spcPct val="115000"/>
+                        </a:lnSpc>
+                        <a:spcAft>
+                          <a:spcPts val="0"/>
+                        </a:spcAft>
+                      </a:pPr>
+                      <a:r>
+                        <a:rPr lang="en-US" sz="2000" b="0" dirty="0">
+                          <a:effectLst/>
+                          <a:latin typeface="Calibri"/>
+                          <a:ea typeface="Calibri"/>
+                          <a:cs typeface="Times New Roman"/>
+                        </a:rPr>
+                        <a:t>Power Demand In Italy</a:t>
+                      </a:r>
+                    </a:p>
+                  </a:txBody>
+                  <a:tcPr marL="68580" marR="68580" marT="0" marB="0">
+                    <a:lnL w="12700" cap="flat" cmpd="sng" algn="ctr">
+                      <a:solidFill>
+                        <a:srgbClr val="000000"/>
+                      </a:solidFill>
+                      <a:prstDash val="solid"/>
+                      <a:round/>
+                      <a:headEnd type="none" w="med" len="med"/>
+                      <a:tailEnd type="none" w="med" len="med"/>
+                    </a:lnL>
+                    <a:lnR w="12700" cap="flat" cmpd="sng" algn="ctr">
+                      <a:solidFill>
+                        <a:srgbClr val="000000"/>
+                      </a:solidFill>
+                      <a:prstDash val="solid"/>
+                      <a:round/>
+                      <a:headEnd type="none" w="med" len="med"/>
+                      <a:tailEnd type="none" w="med" len="med"/>
+                    </a:lnR>
+                    <a:lnT w="12700" cap="flat" cmpd="sng" algn="ctr">
+                      <a:solidFill>
+                        <a:srgbClr val="000000"/>
+                      </a:solidFill>
+                      <a:prstDash val="solid"/>
+                      <a:round/>
+                      <a:headEnd type="none" w="med" len="med"/>
+                      <a:tailEnd type="none" w="med" len="med"/>
+                    </a:lnT>
+                    <a:lnB w="12700" cap="flat" cmpd="sng" algn="ctr">
+                      <a:solidFill>
+                        <a:srgbClr val="000000"/>
+                      </a:solidFill>
+                      <a:prstDash val="solid"/>
+                      <a:round/>
+                      <a:headEnd type="none" w="med" len="med"/>
+                      <a:tailEnd type="none" w="med" len="med"/>
+                    </a:lnB>
+                  </a:tcPr>
+                </a:tc>
+                <a:tc>
+                  <a:txBody>
+                    <a:bodyPr/>
+                    <a:lstStyle/>
+                    <a:p>
+                      <a:pPr>
+                        <a:lnSpc>
+                          <a:spcPct val="115000"/>
+                        </a:lnSpc>
+                        <a:spcAft>
+                          <a:spcPts val="0"/>
+                        </a:spcAft>
+                      </a:pPr>
+                      <a:r>
+                        <a:rPr lang="en-US" sz="2000" b="0" dirty="0">
+                          <a:effectLst/>
+                          <a:latin typeface="Calibri"/>
+                          <a:ea typeface="Calibri"/>
+                          <a:cs typeface="Times New Roman"/>
+                        </a:rPr>
+                        <a:t>7000</a:t>
+                      </a:r>
+                    </a:p>
+                  </a:txBody>
+                  <a:tcPr marL="68580" marR="68580" marT="0" marB="0">
+                    <a:lnL w="12700" cap="flat" cmpd="sng" algn="ctr">
+                      <a:solidFill>
+                        <a:srgbClr val="000000"/>
+                      </a:solidFill>
+                      <a:prstDash val="solid"/>
+                      <a:round/>
+                      <a:headEnd type="none" w="med" len="med"/>
+                      <a:tailEnd type="none" w="med" len="med"/>
+                    </a:lnL>
+                    <a:lnR w="12700" cap="flat" cmpd="sng" algn="ctr">
+                      <a:solidFill>
+                        <a:srgbClr val="000000"/>
+                      </a:solidFill>
+                      <a:prstDash val="solid"/>
+                      <a:round/>
+                      <a:headEnd type="none" w="med" len="med"/>
+                      <a:tailEnd type="none" w="med" len="med"/>
+                    </a:lnR>
+                    <a:lnT w="12700" cap="flat" cmpd="sng" algn="ctr">
+                      <a:solidFill>
+                        <a:srgbClr val="000000"/>
+                      </a:solidFill>
+                      <a:prstDash val="solid"/>
+                      <a:round/>
+                      <a:headEnd type="none" w="med" len="med"/>
+                      <a:tailEnd type="none" w="med" len="med"/>
+                    </a:lnT>
+                    <a:lnB w="12700" cap="flat" cmpd="sng" algn="ctr">
+                      <a:solidFill>
+                        <a:srgbClr val="000000"/>
+                      </a:solidFill>
+                      <a:prstDash val="solid"/>
+                      <a:round/>
+                      <a:headEnd type="none" w="med" len="med"/>
+                      <a:tailEnd type="none" w="med" len="med"/>
+                    </a:lnB>
+                  </a:tcPr>
+                </a:tc>
+              </a:tr>
+              <a:tr h="378351">
+                <a:tc>
+                  <a:txBody>
+                    <a:bodyPr/>
+                    <a:lstStyle/>
+                    <a:p>
+                      <a:pPr>
+                        <a:lnSpc>
+                          <a:spcPct val="115000"/>
+                        </a:lnSpc>
+                        <a:spcAft>
+                          <a:spcPts val="0"/>
+                        </a:spcAft>
+                      </a:pPr>
+                      <a:r>
+                        <a:rPr lang="en-US" sz="2000" b="0" dirty="0">
+                          <a:effectLst/>
+                          <a:latin typeface="Calibri"/>
+                          <a:ea typeface="Calibri"/>
+                          <a:cs typeface="Times New Roman"/>
+                        </a:rPr>
+                        <a:t>Dutch Power Demand</a:t>
+                      </a:r>
+                    </a:p>
+                  </a:txBody>
+                  <a:tcPr marL="68580" marR="68580" marT="0" marB="0">
+                    <a:lnL w="12700" cap="flat" cmpd="sng" algn="ctr">
+                      <a:solidFill>
+                        <a:srgbClr val="000000"/>
+                      </a:solidFill>
+                      <a:prstDash val="solid"/>
+                      <a:round/>
+                      <a:headEnd type="none" w="med" len="med"/>
+                      <a:tailEnd type="none" w="med" len="med"/>
+                    </a:lnL>
+                    <a:lnR w="12700" cap="flat" cmpd="sng" algn="ctr">
+                      <a:solidFill>
+                        <a:srgbClr val="000000"/>
+                      </a:solidFill>
+                      <a:prstDash val="solid"/>
+                      <a:round/>
+                      <a:headEnd type="none" w="med" len="med"/>
+                      <a:tailEnd type="none" w="med" len="med"/>
+                    </a:lnR>
+                    <a:lnT w="12700" cap="flat" cmpd="sng" algn="ctr">
+                      <a:solidFill>
+                        <a:srgbClr val="000000"/>
+                      </a:solidFill>
+                      <a:prstDash val="solid"/>
+                      <a:round/>
+                      <a:headEnd type="none" w="med" len="med"/>
+                      <a:tailEnd type="none" w="med" len="med"/>
+                    </a:lnT>
+                    <a:lnB w="12700" cap="flat" cmpd="sng" algn="ctr">
+                      <a:solidFill>
+                        <a:srgbClr val="000000"/>
+                      </a:solidFill>
+                      <a:prstDash val="solid"/>
+                      <a:round/>
+                      <a:headEnd type="none" w="med" len="med"/>
+                      <a:tailEnd type="none" w="med" len="med"/>
+                    </a:lnB>
+                  </a:tcPr>
+                </a:tc>
+                <a:tc>
+                  <a:txBody>
+                    <a:bodyPr/>
+                    <a:lstStyle/>
+                    <a:p>
+                      <a:pPr>
+                        <a:lnSpc>
+                          <a:spcPct val="115000"/>
+                        </a:lnSpc>
+                        <a:spcAft>
+                          <a:spcPts val="0"/>
+                        </a:spcAft>
+                      </a:pPr>
+                      <a:r>
+                        <a:rPr lang="en-US" sz="2000" b="0" dirty="0">
+                          <a:effectLst/>
+                          <a:latin typeface="Calibri"/>
+                          <a:ea typeface="Calibri"/>
+                          <a:cs typeface="Times New Roman"/>
+                        </a:rPr>
+                        <a:t>9000</a:t>
+                      </a:r>
+                    </a:p>
+                  </a:txBody>
+                  <a:tcPr marL="68580" marR="68580" marT="0" marB="0">
+                    <a:lnL w="12700" cap="flat" cmpd="sng" algn="ctr">
+                      <a:solidFill>
+                        <a:srgbClr val="000000"/>
+                      </a:solidFill>
+                      <a:prstDash val="solid"/>
+                      <a:round/>
+                      <a:headEnd type="none" w="med" len="med"/>
+                      <a:tailEnd type="none" w="med" len="med"/>
+                    </a:lnL>
+                    <a:lnR w="12700" cap="flat" cmpd="sng" algn="ctr">
+                      <a:solidFill>
+                        <a:srgbClr val="000000"/>
+                      </a:solidFill>
+                      <a:prstDash val="solid"/>
+                      <a:round/>
+                      <a:headEnd type="none" w="med" len="med"/>
+                      <a:tailEnd type="none" w="med" len="med"/>
+                    </a:lnR>
+                    <a:lnT w="12700" cap="flat" cmpd="sng" algn="ctr">
+                      <a:solidFill>
+                        <a:srgbClr val="000000"/>
+                      </a:solidFill>
+                      <a:prstDash val="solid"/>
+                      <a:round/>
+                      <a:headEnd type="none" w="med" len="med"/>
+                      <a:tailEnd type="none" w="med" len="med"/>
+                    </a:lnT>
+                    <a:lnB w="12700" cap="flat" cmpd="sng" algn="ctr">
+                      <a:solidFill>
+                        <a:srgbClr val="000000"/>
+                      </a:solidFill>
+                      <a:prstDash val="solid"/>
+                      <a:round/>
+                      <a:headEnd type="none" w="med" len="med"/>
+                      <a:tailEnd type="none" w="med" len="med"/>
+                    </a:lnB>
+                  </a:tcPr>
+                </a:tc>
+              </a:tr>
+              <a:tr h="378351">
+                <a:tc>
+                  <a:txBody>
+                    <a:bodyPr/>
+                    <a:lstStyle/>
+                    <a:p>
+                      <a:pPr>
+                        <a:lnSpc>
+                          <a:spcPct val="115000"/>
+                        </a:lnSpc>
+                        <a:spcAft>
+                          <a:spcPts val="0"/>
+                        </a:spcAft>
+                      </a:pPr>
+                      <a:r>
+                        <a:rPr lang="en-US" sz="2000" b="0" dirty="0">
+                          <a:effectLst/>
+                          <a:latin typeface="Calibri"/>
+                          <a:ea typeface="Calibri"/>
+                          <a:cs typeface="Times New Roman"/>
+                        </a:rPr>
+                        <a:t>Stock20</a:t>
+                      </a:r>
+                    </a:p>
+                  </a:txBody>
+                  <a:tcPr marL="68580" marR="68580" marT="0" marB="0">
+                    <a:lnL w="12700" cap="flat" cmpd="sng" algn="ctr">
+                      <a:solidFill>
+                        <a:srgbClr val="000000"/>
+                      </a:solidFill>
+                      <a:prstDash val="solid"/>
+                      <a:round/>
+                      <a:headEnd type="none" w="med" len="med"/>
+                      <a:tailEnd type="none" w="med" len="med"/>
+                    </a:lnL>
+                    <a:lnR w="12700" cap="flat" cmpd="sng" algn="ctr">
+                      <a:solidFill>
+                        <a:srgbClr val="000000"/>
+                      </a:solidFill>
+                      <a:prstDash val="solid"/>
+                      <a:round/>
+                      <a:headEnd type="none" w="med" len="med"/>
+                      <a:tailEnd type="none" w="med" len="med"/>
+                    </a:lnR>
+                    <a:lnT w="12700" cap="flat" cmpd="sng" algn="ctr">
+                      <a:solidFill>
+                        <a:srgbClr val="000000"/>
+                      </a:solidFill>
+                      <a:prstDash val="solid"/>
+                      <a:round/>
+                      <a:headEnd type="none" w="med" len="med"/>
+                      <a:tailEnd type="none" w="med" len="med"/>
+                    </a:lnT>
+                    <a:lnB w="12700" cap="flat" cmpd="sng" algn="ctr">
+                      <a:solidFill>
+                        <a:srgbClr val="000000"/>
+                      </a:solidFill>
+                      <a:prstDash val="solid"/>
+                      <a:round/>
+                      <a:headEnd type="none" w="med" len="med"/>
+                      <a:tailEnd type="none" w="med" len="med"/>
+                    </a:lnB>
+                  </a:tcPr>
+                </a:tc>
+                <a:tc>
+                  <a:txBody>
+                    <a:bodyPr/>
+                    <a:lstStyle/>
+                    <a:p>
+                      <a:pPr>
+                        <a:lnSpc>
+                          <a:spcPct val="115000"/>
+                        </a:lnSpc>
+                        <a:spcAft>
+                          <a:spcPts val="0"/>
+                        </a:spcAft>
+                      </a:pPr>
+                      <a:r>
+                        <a:rPr lang="en-US" sz="2000" b="0" dirty="0">
+                          <a:effectLst/>
+                          <a:latin typeface="Calibri"/>
+                          <a:ea typeface="Calibri"/>
+                          <a:cs typeface="Times New Roman"/>
+                        </a:rPr>
+                        <a:t>5000</a:t>
+                      </a:r>
+                    </a:p>
+                  </a:txBody>
+                  <a:tcPr marL="68580" marR="68580" marT="0" marB="0">
+                    <a:lnL w="12700" cap="flat" cmpd="sng" algn="ctr">
+                      <a:solidFill>
+                        <a:srgbClr val="000000"/>
+                      </a:solidFill>
+                      <a:prstDash val="solid"/>
+                      <a:round/>
+                      <a:headEnd type="none" w="med" len="med"/>
+                      <a:tailEnd type="none" w="med" len="med"/>
+                    </a:lnL>
+                    <a:lnR w="12700" cap="flat" cmpd="sng" algn="ctr">
+                      <a:solidFill>
+                        <a:srgbClr val="000000"/>
+                      </a:solidFill>
+                      <a:prstDash val="solid"/>
+                      <a:round/>
+                      <a:headEnd type="none" w="med" len="med"/>
+                      <a:tailEnd type="none" w="med" len="med"/>
+                    </a:lnR>
+                    <a:lnT w="12700" cap="flat" cmpd="sng" algn="ctr">
+                      <a:solidFill>
+                        <a:srgbClr val="000000"/>
+                      </a:solidFill>
+                      <a:prstDash val="solid"/>
+                      <a:round/>
+                      <a:headEnd type="none" w="med" len="med"/>
+                      <a:tailEnd type="none" w="med" len="med"/>
+                    </a:lnT>
+                    <a:lnB w="12700" cap="flat" cmpd="sng" algn="ctr">
+                      <a:solidFill>
+                        <a:srgbClr val="000000"/>
+                      </a:solidFill>
+                      <a:prstDash val="solid"/>
+                      <a:round/>
+                      <a:headEnd type="none" w="med" len="med"/>
+                      <a:tailEnd type="none" w="med" len="med"/>
+                    </a:lnB>
+                  </a:tcPr>
+                </a:tc>
+              </a:tr>
+              <a:tr h="378351">
+                <a:tc>
+                  <a:txBody>
+                    <a:bodyPr/>
+                    <a:lstStyle/>
+                    <a:p>
+                      <a:pPr>
+                        <a:lnSpc>
+                          <a:spcPct val="115000"/>
+                        </a:lnSpc>
+                        <a:spcAft>
+                          <a:spcPts val="0"/>
+                        </a:spcAft>
+                      </a:pPr>
+                      <a:r>
+                        <a:rPr lang="en-US" sz="2000" b="0" dirty="0">
+                          <a:effectLst/>
+                          <a:latin typeface="Calibri"/>
+                          <a:ea typeface="Calibri"/>
+                          <a:cs typeface="Times New Roman"/>
+                        </a:rPr>
+                        <a:t>TEK16</a:t>
+                      </a:r>
+                    </a:p>
+                  </a:txBody>
+                  <a:tcPr marL="68580" marR="68580" marT="0" marB="0">
+                    <a:lnL w="12700" cap="flat" cmpd="sng" algn="ctr">
+                      <a:solidFill>
+                        <a:srgbClr val="000000"/>
+                      </a:solidFill>
+                      <a:prstDash val="solid"/>
+                      <a:round/>
+                      <a:headEnd type="none" w="med" len="med"/>
+                      <a:tailEnd type="none" w="med" len="med"/>
+                    </a:lnL>
+                    <a:lnR w="12700" cap="flat" cmpd="sng" algn="ctr">
+                      <a:solidFill>
+                        <a:srgbClr val="000000"/>
+                      </a:solidFill>
+                      <a:prstDash val="solid"/>
+                      <a:round/>
+                      <a:headEnd type="none" w="med" len="med"/>
+                      <a:tailEnd type="none" w="med" len="med"/>
+                    </a:lnR>
+                    <a:lnT w="12700" cap="flat" cmpd="sng" algn="ctr">
+                      <a:solidFill>
+                        <a:srgbClr val="000000"/>
+                      </a:solidFill>
+                      <a:prstDash val="solid"/>
+                      <a:round/>
+                      <a:headEnd type="none" w="med" len="med"/>
+                      <a:tailEnd type="none" w="med" len="med"/>
+                    </a:lnT>
+                    <a:lnB w="12700" cap="flat" cmpd="sng" algn="ctr">
+                      <a:solidFill>
+                        <a:srgbClr val="000000"/>
+                      </a:solidFill>
+                      <a:prstDash val="solid"/>
+                      <a:round/>
+                      <a:headEnd type="none" w="med" len="med"/>
+                      <a:tailEnd type="none" w="med" len="med"/>
+                    </a:lnB>
+                  </a:tcPr>
+                </a:tc>
+                <a:tc>
+                  <a:txBody>
+                    <a:bodyPr/>
+                    <a:lstStyle/>
+                    <a:p>
+                      <a:pPr>
+                        <a:lnSpc>
+                          <a:spcPct val="115000"/>
+                        </a:lnSpc>
+                        <a:spcAft>
+                          <a:spcPts val="0"/>
+                        </a:spcAft>
+                      </a:pPr>
+                      <a:r>
+                        <a:rPr lang="en-US" sz="2000" b="0" dirty="0">
+                          <a:effectLst/>
+                          <a:latin typeface="Calibri"/>
+                          <a:ea typeface="Calibri"/>
+                          <a:cs typeface="Times New Roman"/>
+                        </a:rPr>
+                        <a:t>5000</a:t>
+                      </a:r>
+                    </a:p>
+                  </a:txBody>
+                  <a:tcPr marL="68580" marR="68580" marT="0" marB="0">
+                    <a:lnL w="12700" cap="flat" cmpd="sng" algn="ctr">
+                      <a:solidFill>
+                        <a:srgbClr val="000000"/>
+                      </a:solidFill>
+                      <a:prstDash val="solid"/>
+                      <a:round/>
+                      <a:headEnd type="none" w="med" len="med"/>
+                      <a:tailEnd type="none" w="med" len="med"/>
+                    </a:lnL>
+                    <a:lnR w="12700" cap="flat" cmpd="sng" algn="ctr">
+                      <a:solidFill>
+                        <a:srgbClr val="000000"/>
+                      </a:solidFill>
+                      <a:prstDash val="solid"/>
+                      <a:round/>
+                      <a:headEnd type="none" w="med" len="med"/>
+                      <a:tailEnd type="none" w="med" len="med"/>
+                    </a:lnR>
+                    <a:lnT w="12700" cap="flat" cmpd="sng" algn="ctr">
+                      <a:solidFill>
+                        <a:srgbClr val="000000"/>
+                      </a:solidFill>
+                      <a:prstDash val="solid"/>
+                      <a:round/>
+                      <a:headEnd type="none" w="med" len="med"/>
+                      <a:tailEnd type="none" w="med" len="med"/>
+                    </a:lnT>
+                    <a:lnB w="12700" cap="flat" cmpd="sng" algn="ctr">
+                      <a:solidFill>
+                        <a:srgbClr val="000000"/>
+                      </a:solidFill>
+                      <a:prstDash val="solid"/>
+                      <a:round/>
+                      <a:headEnd type="none" w="med" len="med"/>
+                      <a:tailEnd type="none" w="med" len="med"/>
+                    </a:lnB>
+                  </a:tcPr>
+                </a:tc>
+              </a:tr>
+            </a:tbl>
+          </a:graphicData>
+        </a:graphic>
+      </p:graphicFrame>
     </p:spTree>
     <p:extLst>
       <p:ext uri="{BB962C8B-B14F-4D97-AF65-F5344CB8AC3E}">
@@ -8535,76 +10438,9 @@
         <p:spPr/>
         <p:txBody>
           <a:bodyPr>
-            <a:normAutofit fontScale="85000" lnSpcReduction="10000"/>
+            <a:normAutofit/>
           </a:bodyPr>
           <a:lstStyle/>
-          <a:p>
-            <a:r>
-              <a:rPr lang="en-US" dirty="0" smtClean="0"/>
-              <a:t>Use 8 time series in diverse domains </a:t>
-            </a:r>
-            <a:r>
-              <a:rPr lang="en-US" dirty="0"/>
-              <a:t>from the UCR Time Series </a:t>
-            </a:r>
-            <a:r>
-              <a:rPr lang="en-US" dirty="0" smtClean="0"/>
-              <a:t>Data Mining </a:t>
-            </a:r>
-            <a:r>
-              <a:rPr lang="en-US" dirty="0"/>
-              <a:t>Archive for discord discovery</a:t>
-            </a:r>
-            <a:r>
-              <a:rPr lang="en-US" dirty="0" smtClean="0"/>
-              <a:t>:</a:t>
-            </a:r>
-          </a:p>
-          <a:p>
-            <a:pPr marL="0" indent="0">
-              <a:buNone/>
-            </a:pPr>
-            <a:r>
-              <a:rPr lang="en-US" dirty="0"/>
-              <a:t>ECG </a:t>
-            </a:r>
-            <a:r>
-              <a:rPr lang="en-US" dirty="0" smtClean="0"/>
-              <a:t>108 (17500), </a:t>
-            </a:r>
-            <a:r>
-              <a:rPr lang="en-US" dirty="0"/>
-              <a:t>ECG </a:t>
-            </a:r>
-            <a:r>
-              <a:rPr lang="en-US" dirty="0" smtClean="0"/>
-              <a:t>308 (1300), ERP(5000), Memory (6875), </a:t>
-            </a:r>
-            <a:r>
-              <a:rPr lang="en-US" dirty="0"/>
-              <a:t>Power Demand In </a:t>
-            </a:r>
-            <a:r>
-              <a:rPr lang="en-US" dirty="0" smtClean="0"/>
-              <a:t>Italy (7000), </a:t>
-            </a:r>
-            <a:r>
-              <a:rPr lang="en-US" dirty="0"/>
-              <a:t>Dutch Power </a:t>
-            </a:r>
-            <a:r>
-              <a:rPr lang="en-US" dirty="0" smtClean="0"/>
-              <a:t>Demand (9000), Stock20 (5000) </a:t>
-            </a:r>
-            <a:r>
-              <a:rPr lang="en-US" dirty="0"/>
-              <a:t>and </a:t>
-            </a:r>
-            <a:r>
-              <a:rPr lang="en-US" dirty="0" smtClean="0"/>
-              <a:t>TEK16 (5000)</a:t>
-            </a:r>
-          </a:p>
           <a:p>
             <a:r>
               <a:rPr lang="en-US" dirty="0" smtClean="0"/>
@@ -8983,7 +10819,7 @@
           <a:p>
             <a:r>
               <a:rPr lang="en-US" dirty="0" smtClean="0"/>
-              <a:t>Running time among VL_QR|HT, VL_EP|HT and HOT SAX</a:t>
+              <a:t>ECG 308: VL_QR|HT vs HOT SAX(35) </a:t>
             </a:r>
             <a:endParaRPr lang="en-US" dirty="0"/>
           </a:p>
@@ -9004,6 +10840,174 @@
           <a:bodyPr/>
           <a:lstStyle/>
           <a:p>
+            <a:endParaRPr lang="en-US" dirty="0" smtClean="0"/>
+          </a:p>
+        </p:txBody>
+      </p:sp>
+      <p:sp>
+        <p:nvSpPr>
+          <p:cNvPr id="4" name="Slide Number Placeholder 3"/>
+          <p:cNvSpPr>
+            <a:spLocks noGrp="1"/>
+          </p:cNvSpPr>
+          <p:nvPr>
+            <p:ph type="sldNum" sz="quarter" idx="12"/>
+          </p:nvPr>
+        </p:nvSpPr>
+        <p:spPr/>
+        <p:txBody>
+          <a:bodyPr/>
+          <a:lstStyle/>
+          <a:p>
+            <a:fld id="{38324C1E-6E2F-465B-B7AC-362036DEB808}" type="slidenum">
+              <a:rPr lang="en-US" smtClean="0">
+                <a:solidFill>
+                  <a:prstClr val="black">
+                    <a:tint val="75000"/>
+                  </a:prstClr>
+                </a:solidFill>
+              </a:rPr>
+              <a:pPr/>
+              <a:t>27</a:t>
+            </a:fld>
+            <a:endParaRPr lang="en-US">
+              <a:solidFill>
+                <a:prstClr val="black">
+                  <a:tint val="75000"/>
+                </a:prstClr>
+              </a:solidFill>
+            </a:endParaRPr>
+          </a:p>
+        </p:txBody>
+      </p:sp>
+      <p:pic>
+        <p:nvPicPr>
+          <p:cNvPr id="7" name="Picture 6"/>
+          <p:cNvPicPr/>
+          <p:nvPr/>
+        </p:nvPicPr>
+        <p:blipFill>
+          <a:blip r:embed="rId2">
+            <a:extLst>
+              <a:ext uri="{28A0092B-C50C-407E-A947-70E740481C1C}">
+                <a14:useLocalDpi xmlns:a14="http://schemas.microsoft.com/office/drawing/2010/main" val="0"/>
+              </a:ext>
+            </a:extLst>
+          </a:blip>
+          <a:srcRect/>
+          <a:stretch>
+            <a:fillRect/>
+          </a:stretch>
+        </p:blipFill>
+        <p:spPr bwMode="auto">
+          <a:xfrm>
+            <a:off x="1295400" y="1066800"/>
+            <a:ext cx="5581650" cy="2971800"/>
+          </a:xfrm>
+          <a:prstGeom prst="rect">
+            <a:avLst/>
+          </a:prstGeom>
+          <a:noFill/>
+          <a:ln>
+            <a:noFill/>
+          </a:ln>
+        </p:spPr>
+      </p:pic>
+      <p:pic>
+        <p:nvPicPr>
+          <p:cNvPr id="8" name="Picture 7"/>
+          <p:cNvPicPr/>
+          <p:nvPr/>
+        </p:nvPicPr>
+        <p:blipFill>
+          <a:blip r:embed="rId3">
+            <a:extLst>
+              <a:ext uri="{28A0092B-C50C-407E-A947-70E740481C1C}">
+                <a14:useLocalDpi xmlns:a14="http://schemas.microsoft.com/office/drawing/2010/main" val="0"/>
+              </a:ext>
+            </a:extLst>
+          </a:blip>
+          <a:srcRect/>
+          <a:stretch>
+            <a:fillRect/>
+          </a:stretch>
+        </p:blipFill>
+        <p:spPr bwMode="auto">
+          <a:xfrm>
+            <a:off x="1259568" y="3857625"/>
+            <a:ext cx="5581650" cy="3000375"/>
+          </a:xfrm>
+          <a:prstGeom prst="rect">
+            <a:avLst/>
+          </a:prstGeom>
+          <a:noFill/>
+          <a:ln>
+            <a:noFill/>
+          </a:ln>
+        </p:spPr>
+      </p:pic>
+    </p:spTree>
+    <p:extLst>
+      <p:ext uri="{BB962C8B-B14F-4D97-AF65-F5344CB8AC3E}">
+        <p14:creationId xmlns:p14="http://schemas.microsoft.com/office/powerpoint/2010/main" val="3304889767"/>
+      </p:ext>
+    </p:extLst>
+  </p:cSld>
+  <p:clrMapOvr>
+    <a:masterClrMapping/>
+  </p:clrMapOvr>
+  <p:timing>
+    <p:tnLst>
+      <p:par>
+        <p:cTn id="1" dur="indefinite" restart="never" nodeType="tmRoot"/>
+      </p:par>
+    </p:tnLst>
+  </p:timing>
+</p:sld>
+</file>
+
+<file path=ppt/slides/slide28.xml><?xml version="1.0" encoding="utf-8"?>
+<p:sld xmlns:a="http://schemas.openxmlformats.org/drawingml/2006/main" xmlns:r="http://schemas.openxmlformats.org/officeDocument/2006/relationships" xmlns:p="http://schemas.openxmlformats.org/presentationml/2006/main">
+  <p:cSld>
+    <p:spTree>
+      <p:nvGrpSpPr>
+        <p:cNvPr id="1" name=""/>
+        <p:cNvGrpSpPr/>
+        <p:nvPr/>
+      </p:nvGrpSpPr>
+      <p:grpSpPr>
+        <a:xfrm>
+          <a:off x="0" y="0"/>
+          <a:ext cx="0" cy="0"/>
+          <a:chOff x="0" y="0"/>
+          <a:chExt cx="0" cy="0"/>
+        </a:xfrm>
+      </p:grpSpPr>
+      <p:sp>
+        <p:nvSpPr>
+          <p:cNvPr id="2" name="Title 1"/>
+          <p:cNvSpPr>
+            <a:spLocks noGrp="1"/>
+          </p:cNvSpPr>
+          <p:nvPr>
+            <p:ph type="title"/>
+          </p:nvPr>
+        </p:nvSpPr>
+        <p:spPr/>
+        <p:txBody>
+          <a:bodyPr>
+            <a:normAutofit/>
+          </a:bodyPr>
+          <a:lstStyle/>
+          <a:p>
+            <a:r>
+              <a:rPr lang="en-US" dirty="0"/>
+              <a:t>ECG 3</a:t>
+            </a:r>
+            <a:r>
+              <a:rPr lang="en-US" dirty="0" smtClean="0"/>
+              <a:t>08: VL_EP|HT vs HOT SAX(62)</a:t>
+            </a:r>
             <a:endParaRPr lang="en-US" dirty="0"/>
           </a:p>
         </p:txBody>
@@ -9011,6 +11015,368 @@
       <p:sp>
         <p:nvSpPr>
           <p:cNvPr id="4" name="Slide Number Placeholder 3"/>
+          <p:cNvSpPr>
+            <a:spLocks noGrp="1"/>
+          </p:cNvSpPr>
+          <p:nvPr>
+            <p:ph type="sldNum" sz="quarter" idx="12"/>
+          </p:nvPr>
+        </p:nvSpPr>
+        <p:spPr/>
+        <p:txBody>
+          <a:bodyPr/>
+          <a:lstStyle/>
+          <a:p>
+            <a:fld id="{38324C1E-6E2F-465B-B7AC-362036DEB808}" type="slidenum">
+              <a:rPr lang="en-US" smtClean="0">
+                <a:solidFill>
+                  <a:prstClr val="black">
+                    <a:tint val="75000"/>
+                  </a:prstClr>
+                </a:solidFill>
+              </a:rPr>
+              <a:pPr/>
+              <a:t>28</a:t>
+            </a:fld>
+            <a:endParaRPr lang="en-US" dirty="0">
+              <a:solidFill>
+                <a:prstClr val="black">
+                  <a:tint val="75000"/>
+                </a:prstClr>
+              </a:solidFill>
+            </a:endParaRPr>
+          </a:p>
+        </p:txBody>
+      </p:sp>
+      <p:sp>
+        <p:nvSpPr>
+          <p:cNvPr id="3" name="Content Placeholder 2"/>
+          <p:cNvSpPr>
+            <a:spLocks noGrp="1"/>
+          </p:cNvSpPr>
+          <p:nvPr>
+            <p:ph idx="1"/>
+          </p:nvPr>
+        </p:nvSpPr>
+        <p:spPr/>
+        <p:txBody>
+          <a:bodyPr/>
+          <a:lstStyle/>
+          <a:p>
+            <a:endParaRPr lang="en-US" dirty="0" smtClean="0"/>
+          </a:p>
+          <a:p>
+            <a:endParaRPr lang="en-US" dirty="0"/>
+          </a:p>
+          <a:p>
+            <a:endParaRPr lang="en-US" dirty="0" smtClean="0"/>
+          </a:p>
+          <a:p>
+            <a:endParaRPr lang="en-US" dirty="0"/>
+          </a:p>
+          <a:p>
+            <a:endParaRPr lang="en-US" dirty="0" smtClean="0"/>
+          </a:p>
+          <a:p>
+            <a:endParaRPr lang="en-US" dirty="0"/>
+          </a:p>
+        </p:txBody>
+      </p:sp>
+      <p:pic>
+        <p:nvPicPr>
+          <p:cNvPr id="7" name="Picture 6"/>
+          <p:cNvPicPr/>
+          <p:nvPr/>
+        </p:nvPicPr>
+        <p:blipFill>
+          <a:blip r:embed="rId2">
+            <a:extLst>
+              <a:ext uri="{28A0092B-C50C-407E-A947-70E740481C1C}">
+                <a14:useLocalDpi xmlns:a14="http://schemas.microsoft.com/office/drawing/2010/main" val="0"/>
+              </a:ext>
+            </a:extLst>
+          </a:blip>
+          <a:srcRect/>
+          <a:stretch>
+            <a:fillRect/>
+          </a:stretch>
+        </p:blipFill>
+        <p:spPr bwMode="auto">
+          <a:xfrm>
+            <a:off x="1436915" y="1219200"/>
+            <a:ext cx="5334000" cy="2819400"/>
+          </a:xfrm>
+          <a:prstGeom prst="rect">
+            <a:avLst/>
+          </a:prstGeom>
+          <a:noFill/>
+          <a:ln>
+            <a:noFill/>
+          </a:ln>
+        </p:spPr>
+      </p:pic>
+      <p:pic>
+        <p:nvPicPr>
+          <p:cNvPr id="8" name="Picture 7"/>
+          <p:cNvPicPr/>
+          <p:nvPr/>
+        </p:nvPicPr>
+        <p:blipFill>
+          <a:blip r:embed="rId3">
+            <a:extLst>
+              <a:ext uri="{28A0092B-C50C-407E-A947-70E740481C1C}">
+                <a14:useLocalDpi xmlns:a14="http://schemas.microsoft.com/office/drawing/2010/main" val="0"/>
+              </a:ext>
+            </a:extLst>
+          </a:blip>
+          <a:srcRect/>
+          <a:stretch>
+            <a:fillRect/>
+          </a:stretch>
+        </p:blipFill>
+        <p:spPr bwMode="auto">
+          <a:xfrm>
+            <a:off x="1362075" y="3848100"/>
+            <a:ext cx="5581650" cy="3009900"/>
+          </a:xfrm>
+          <a:prstGeom prst="rect">
+            <a:avLst/>
+          </a:prstGeom>
+          <a:noFill/>
+          <a:ln>
+            <a:noFill/>
+          </a:ln>
+        </p:spPr>
+      </p:pic>
+    </p:spTree>
+    <p:extLst>
+      <p:ext uri="{BB962C8B-B14F-4D97-AF65-F5344CB8AC3E}">
+        <p14:creationId xmlns:p14="http://schemas.microsoft.com/office/powerpoint/2010/main" val="3314007677"/>
+      </p:ext>
+    </p:extLst>
+  </p:cSld>
+  <p:clrMapOvr>
+    <a:masterClrMapping/>
+  </p:clrMapOvr>
+  <p:timing>
+    <p:tnLst>
+      <p:par>
+        <p:cTn id="1" dur="indefinite" restart="never" nodeType="tmRoot"/>
+      </p:par>
+    </p:tnLst>
+  </p:timing>
+</p:sld>
+</file>
+
+<file path=ppt/slides/slide29.xml><?xml version="1.0" encoding="utf-8"?>
+<p:sld xmlns:a="http://schemas.openxmlformats.org/drawingml/2006/main" xmlns:r="http://schemas.openxmlformats.org/officeDocument/2006/relationships" xmlns:p="http://schemas.openxmlformats.org/presentationml/2006/main">
+  <p:cSld>
+    <p:spTree>
+      <p:nvGrpSpPr>
+        <p:cNvPr id="1" name=""/>
+        <p:cNvGrpSpPr/>
+        <p:nvPr/>
+      </p:nvGrpSpPr>
+      <p:grpSpPr>
+        <a:xfrm>
+          <a:off x="0" y="0"/>
+          <a:ext cx="0" cy="0"/>
+          <a:chOff x="0" y="0"/>
+          <a:chExt cx="0" cy="0"/>
+        </a:xfrm>
+      </p:grpSpPr>
+      <p:sp>
+        <p:nvSpPr>
+          <p:cNvPr id="2" name="Title 1"/>
+          <p:cNvSpPr>
+            <a:spLocks noGrp="1"/>
+          </p:cNvSpPr>
+          <p:nvPr>
+            <p:ph type="title"/>
+          </p:nvPr>
+        </p:nvSpPr>
+        <p:spPr/>
+        <p:txBody>
+          <a:bodyPr/>
+          <a:lstStyle/>
+          <a:p>
+            <a:r>
+              <a:rPr lang="en-US" dirty="0" smtClean="0"/>
+              <a:t>TEK16: VL_QR|HT vs HOT SAX(136)</a:t>
+            </a:r>
+            <a:endParaRPr lang="en-US" dirty="0"/>
+          </a:p>
+        </p:txBody>
+      </p:sp>
+      <p:sp>
+        <p:nvSpPr>
+          <p:cNvPr id="4" name="Slide Number Placeholder 3"/>
+          <p:cNvSpPr>
+            <a:spLocks noGrp="1"/>
+          </p:cNvSpPr>
+          <p:nvPr>
+            <p:ph type="sldNum" sz="quarter" idx="12"/>
+          </p:nvPr>
+        </p:nvSpPr>
+        <p:spPr/>
+        <p:txBody>
+          <a:bodyPr/>
+          <a:lstStyle/>
+          <a:p>
+            <a:fld id="{38324C1E-6E2F-465B-B7AC-362036DEB808}" type="slidenum">
+              <a:rPr lang="en-US" smtClean="0">
+                <a:solidFill>
+                  <a:prstClr val="black">
+                    <a:tint val="75000"/>
+                  </a:prstClr>
+                </a:solidFill>
+              </a:rPr>
+              <a:pPr/>
+              <a:t>29</a:t>
+            </a:fld>
+            <a:endParaRPr lang="en-US">
+              <a:solidFill>
+                <a:prstClr val="black">
+                  <a:tint val="75000"/>
+                </a:prstClr>
+              </a:solidFill>
+            </a:endParaRPr>
+          </a:p>
+        </p:txBody>
+      </p:sp>
+      <p:pic>
+        <p:nvPicPr>
+          <p:cNvPr id="5" name="Picture 4"/>
+          <p:cNvPicPr/>
+          <p:nvPr/>
+        </p:nvPicPr>
+        <p:blipFill>
+          <a:blip r:embed="rId2">
+            <a:extLst>
+              <a:ext uri="{28A0092B-C50C-407E-A947-70E740481C1C}">
+                <a14:useLocalDpi xmlns:a14="http://schemas.microsoft.com/office/drawing/2010/main" val="0"/>
+              </a:ext>
+            </a:extLst>
+          </a:blip>
+          <a:srcRect/>
+          <a:stretch>
+            <a:fillRect/>
+          </a:stretch>
+        </p:blipFill>
+        <p:spPr bwMode="auto">
+          <a:xfrm>
+            <a:off x="1447800" y="1066800"/>
+            <a:ext cx="5715000" cy="2533650"/>
+          </a:xfrm>
+          <a:prstGeom prst="rect">
+            <a:avLst/>
+          </a:prstGeom>
+          <a:noFill/>
+          <a:ln>
+            <a:noFill/>
+          </a:ln>
+        </p:spPr>
+      </p:pic>
+      <p:pic>
+        <p:nvPicPr>
+          <p:cNvPr id="6" name="Content Placeholder 5"/>
+          <p:cNvPicPr>
+            <a:picLocks noGrp="1"/>
+          </p:cNvPicPr>
+          <p:nvPr>
+            <p:ph idx="1"/>
+          </p:nvPr>
+        </p:nvPicPr>
+        <p:blipFill>
+          <a:blip r:embed="rId3">
+            <a:extLst>
+              <a:ext uri="{28A0092B-C50C-407E-A947-70E740481C1C}">
+                <a14:useLocalDpi xmlns:a14="http://schemas.microsoft.com/office/drawing/2010/main" val="0"/>
+              </a:ext>
+            </a:extLst>
+          </a:blip>
+          <a:srcRect/>
+          <a:stretch>
+            <a:fillRect/>
+          </a:stretch>
+        </p:blipFill>
+        <p:spPr bwMode="auto">
+          <a:xfrm>
+            <a:off x="1447800" y="3600450"/>
+            <a:ext cx="5649113" cy="2980952"/>
+          </a:xfrm>
+          <a:prstGeom prst="rect">
+            <a:avLst/>
+          </a:prstGeom>
+          <a:noFill/>
+          <a:ln>
+            <a:noFill/>
+          </a:ln>
+        </p:spPr>
+      </p:pic>
+    </p:spTree>
+    <p:extLst>
+      <p:ext uri="{BB962C8B-B14F-4D97-AF65-F5344CB8AC3E}">
+        <p14:creationId xmlns:p14="http://schemas.microsoft.com/office/powerpoint/2010/main" val="3810052803"/>
+      </p:ext>
+    </p:extLst>
+  </p:cSld>
+  <p:clrMapOvr>
+    <a:masterClrMapping/>
+  </p:clrMapOvr>
+  <p:timing>
+    <p:tnLst>
+      <p:par>
+        <p:cTn id="1" dur="indefinite" restart="never" nodeType="tmRoot"/>
+      </p:par>
+    </p:tnLst>
+  </p:timing>
+</p:sld>
+</file>
+
+<file path=ppt/slides/slide3.xml><?xml version="1.0" encoding="utf-8"?>
+<p:sld xmlns:a="http://schemas.openxmlformats.org/drawingml/2006/main" xmlns:r="http://schemas.openxmlformats.org/officeDocument/2006/relationships" xmlns:p="http://schemas.openxmlformats.org/presentationml/2006/main">
+  <p:cSld>
+    <p:spTree>
+      <p:nvGrpSpPr>
+        <p:cNvPr id="1" name=""/>
+        <p:cNvGrpSpPr/>
+        <p:nvPr/>
+      </p:nvGrpSpPr>
+      <p:grpSpPr>
+        <a:xfrm>
+          <a:off x="0" y="0"/>
+          <a:ext cx="0" cy="0"/>
+          <a:chOff x="0" y="0"/>
+          <a:chExt cx="0" cy="0"/>
+        </a:xfrm>
+      </p:grpSpPr>
+      <p:sp>
+        <p:nvSpPr>
+          <p:cNvPr id="2" name="Title 1"/>
+          <p:cNvSpPr>
+            <a:spLocks noGrp="1"/>
+          </p:cNvSpPr>
+          <p:nvPr>
+            <p:ph type="title"/>
+          </p:nvPr>
+        </p:nvSpPr>
+        <p:spPr/>
+        <p:txBody>
+          <a:bodyPr/>
+          <a:lstStyle/>
+          <a:p>
+            <a:r>
+              <a:rPr lang="en-US" dirty="0" smtClean="0"/>
+              <a:t>Introduction</a:t>
+            </a:r>
+            <a:endParaRPr lang="en-US" dirty="0"/>
+          </a:p>
+        </p:txBody>
+      </p:sp>
+      <p:sp>
+        <p:nvSpPr>
+          <p:cNvPr id="3" name="Slide Number Placeholder 2"/>
           <p:cNvSpPr>
             <a:spLocks noGrp="1"/>
           </p:cNvSpPr>
@@ -9025,15 +11391,387 @@
           <a:p>
             <a:fld id="{38324C1E-6E2F-465B-B7AC-362036DEB808}" type="slidenum">
               <a:rPr lang="en-US" smtClean="0"/>
-              <a:t>27</a:t>
+              <a:t>3</a:t>
             </a:fld>
             <a:endParaRPr lang="en-US"/>
           </a:p>
         </p:txBody>
       </p:sp>
+      <p:sp>
+        <p:nvSpPr>
+          <p:cNvPr id="5" name="TextBox 4"/>
+          <p:cNvSpPr txBox="1"/>
+          <p:nvPr/>
+        </p:nvSpPr>
+        <p:spPr>
+          <a:xfrm>
+            <a:off x="533400" y="1524000"/>
+            <a:ext cx="8229600" cy="4647426"/>
+          </a:xfrm>
+          <a:prstGeom prst="rect">
+            <a:avLst/>
+          </a:prstGeom>
+          <a:noFill/>
+        </p:spPr>
+        <p:txBody>
+          <a:bodyPr wrap="square" rtlCol="0">
+            <a:spAutoFit/>
+          </a:bodyPr>
+          <a:lstStyle/>
+          <a:p>
+            <a:pPr marL="285750" indent="-285750">
+              <a:buFont typeface="Arial" pitchFamily="34" charset="0"/>
+              <a:buChar char="•"/>
+            </a:pPr>
+            <a:r>
+              <a:rPr lang="en-US" sz="2800" dirty="0" smtClean="0">
+                <a:latin typeface="+mj-lt"/>
+              </a:rPr>
+              <a:t>A time series is a sequence of data points made over a continuous time interval</a:t>
+            </a:r>
+          </a:p>
+          <a:p>
+            <a:pPr marL="285750" indent="-285750">
+              <a:buFont typeface="Arial" pitchFamily="34" charset="0"/>
+              <a:buChar char="•"/>
+            </a:pPr>
+            <a:r>
+              <a:rPr lang="en-US" sz="2800" dirty="0"/>
+              <a:t>Anomaly </a:t>
+            </a:r>
+            <a:r>
+              <a:rPr lang="en-US" sz="2800" dirty="0" smtClean="0"/>
+              <a:t>Patterns are subsequences that do </a:t>
+            </a:r>
+            <a:r>
+              <a:rPr lang="en-US" sz="2800" dirty="0"/>
+              <a:t>not conform to a well deﬁned notion of </a:t>
+            </a:r>
+            <a:r>
+              <a:rPr lang="en-US" sz="2800" dirty="0" smtClean="0"/>
+              <a:t>normal behavior</a:t>
+            </a:r>
+            <a:endParaRPr lang="en-US" sz="2800" dirty="0" smtClean="0">
+              <a:latin typeface="+mj-lt"/>
+            </a:endParaRPr>
+          </a:p>
+          <a:p>
+            <a:pPr marL="285750" indent="-285750">
+              <a:buFont typeface="Arial" pitchFamily="34" charset="0"/>
+              <a:buChar char="•"/>
+            </a:pPr>
+            <a:r>
+              <a:rPr lang="en-US" sz="3200" dirty="0"/>
+              <a:t>Application areas that explore such time series anomalies include fault diagnostics, intrusion detection, fraud detection, auditing and data cleansing</a:t>
+            </a:r>
+            <a:endParaRPr lang="en-US" sz="3200" dirty="0" smtClean="0">
+              <a:latin typeface="+mj-lt"/>
+            </a:endParaRPr>
+          </a:p>
+          <a:p>
+            <a:endParaRPr lang="en-US" sz="3200" dirty="0" smtClean="0">
+              <a:latin typeface="+mj-lt"/>
+            </a:endParaRPr>
+          </a:p>
+          <a:p>
+            <a:endParaRPr lang="en-US" sz="2400" dirty="0" smtClean="0">
+              <a:latin typeface="+mj-lt"/>
+            </a:endParaRPr>
+          </a:p>
+        </p:txBody>
+      </p:sp>
+    </p:spTree>
+    <p:extLst>
+      <p:ext uri="{BB962C8B-B14F-4D97-AF65-F5344CB8AC3E}">
+        <p14:creationId xmlns:p14="http://schemas.microsoft.com/office/powerpoint/2010/main" val="583393979"/>
+      </p:ext>
+    </p:extLst>
+  </p:cSld>
+  <p:clrMapOvr>
+    <a:masterClrMapping/>
+  </p:clrMapOvr>
+  <p:timing>
+    <p:tnLst>
+      <p:par>
+        <p:cTn id="1" dur="indefinite" restart="never" nodeType="tmRoot"/>
+      </p:par>
+    </p:tnLst>
+  </p:timing>
+</p:sld>
+</file>
+
+<file path=ppt/slides/slide30.xml><?xml version="1.0" encoding="utf-8"?>
+<p:sld xmlns:a="http://schemas.openxmlformats.org/drawingml/2006/main" xmlns:r="http://schemas.openxmlformats.org/officeDocument/2006/relationships" xmlns:p="http://schemas.openxmlformats.org/presentationml/2006/main">
+  <p:cSld>
+    <p:spTree>
+      <p:nvGrpSpPr>
+        <p:cNvPr id="1" name=""/>
+        <p:cNvGrpSpPr/>
+        <p:nvPr/>
+      </p:nvGrpSpPr>
+      <p:grpSpPr>
+        <a:xfrm>
+          <a:off x="0" y="0"/>
+          <a:ext cx="0" cy="0"/>
+          <a:chOff x="0" y="0"/>
+          <a:chExt cx="0" cy="0"/>
+        </a:xfrm>
+      </p:grpSpPr>
+      <p:sp>
+        <p:nvSpPr>
+          <p:cNvPr id="2" name="Title 1"/>
+          <p:cNvSpPr>
+            <a:spLocks noGrp="1"/>
+          </p:cNvSpPr>
+          <p:nvPr>
+            <p:ph type="title"/>
+          </p:nvPr>
+        </p:nvSpPr>
+        <p:spPr/>
+        <p:txBody>
+          <a:bodyPr/>
+          <a:lstStyle/>
+          <a:p>
+            <a:r>
+              <a:rPr lang="en-US" dirty="0"/>
+              <a:t>TEK16: VL_QR|HT vs HOT </a:t>
+            </a:r>
+            <a:r>
+              <a:rPr lang="en-US" dirty="0" smtClean="0"/>
+              <a:t>SAX(328)</a:t>
+            </a:r>
+            <a:endParaRPr lang="en-US" dirty="0"/>
+          </a:p>
+        </p:txBody>
+      </p:sp>
+      <p:sp>
+        <p:nvSpPr>
+          <p:cNvPr id="3" name="Content Placeholder 2"/>
+          <p:cNvSpPr>
+            <a:spLocks noGrp="1"/>
+          </p:cNvSpPr>
+          <p:nvPr>
+            <p:ph idx="1"/>
+          </p:nvPr>
+        </p:nvSpPr>
+        <p:spPr/>
+        <p:txBody>
+          <a:bodyPr/>
+          <a:lstStyle/>
+          <a:p>
+            <a:endParaRPr lang="en-US" dirty="0"/>
+          </a:p>
+        </p:txBody>
+      </p:sp>
+      <p:sp>
+        <p:nvSpPr>
+          <p:cNvPr id="4" name="Slide Number Placeholder 3"/>
+          <p:cNvSpPr>
+            <a:spLocks noGrp="1"/>
+          </p:cNvSpPr>
+          <p:nvPr>
+            <p:ph type="sldNum" sz="quarter" idx="12"/>
+          </p:nvPr>
+        </p:nvSpPr>
+        <p:spPr/>
+        <p:txBody>
+          <a:bodyPr/>
+          <a:lstStyle/>
+          <a:p>
+            <a:fld id="{38324C1E-6E2F-465B-B7AC-362036DEB808}" type="slidenum">
+              <a:rPr lang="en-US" smtClean="0">
+                <a:solidFill>
+                  <a:prstClr val="black">
+                    <a:tint val="75000"/>
+                  </a:prstClr>
+                </a:solidFill>
+              </a:rPr>
+              <a:pPr/>
+              <a:t>30</a:t>
+            </a:fld>
+            <a:endParaRPr lang="en-US">
+              <a:solidFill>
+                <a:prstClr val="black">
+                  <a:tint val="75000"/>
+                </a:prstClr>
+              </a:solidFill>
+            </a:endParaRPr>
+          </a:p>
+        </p:txBody>
+      </p:sp>
       <p:pic>
         <p:nvPicPr>
-          <p:cNvPr id="13315" name="Picture 3"/>
+          <p:cNvPr id="5" name="Picture 4"/>
+          <p:cNvPicPr/>
+          <p:nvPr/>
+        </p:nvPicPr>
+        <p:blipFill>
+          <a:blip r:embed="rId2">
+            <a:extLst>
+              <a:ext uri="{28A0092B-C50C-407E-A947-70E740481C1C}">
+                <a14:useLocalDpi xmlns:a14="http://schemas.microsoft.com/office/drawing/2010/main" val="0"/>
+              </a:ext>
+            </a:extLst>
+          </a:blip>
+          <a:srcRect/>
+          <a:stretch>
+            <a:fillRect/>
+          </a:stretch>
+        </p:blipFill>
+        <p:spPr bwMode="auto">
+          <a:xfrm>
+            <a:off x="1066800" y="1066800"/>
+            <a:ext cx="5715000" cy="2743200"/>
+          </a:xfrm>
+          <a:prstGeom prst="rect">
+            <a:avLst/>
+          </a:prstGeom>
+          <a:noFill/>
+          <a:ln>
+            <a:noFill/>
+          </a:ln>
+        </p:spPr>
+      </p:pic>
+      <p:pic>
+        <p:nvPicPr>
+          <p:cNvPr id="6" name="Picture 5"/>
+          <p:cNvPicPr/>
+          <p:nvPr/>
+        </p:nvPicPr>
+        <p:blipFill>
+          <a:blip r:embed="rId3">
+            <a:extLst>
+              <a:ext uri="{28A0092B-C50C-407E-A947-70E740481C1C}">
+                <a14:useLocalDpi xmlns:a14="http://schemas.microsoft.com/office/drawing/2010/main" val="0"/>
+              </a:ext>
+            </a:extLst>
+          </a:blip>
+          <a:srcRect/>
+          <a:stretch>
+            <a:fillRect/>
+          </a:stretch>
+        </p:blipFill>
+        <p:spPr bwMode="auto">
+          <a:xfrm>
+            <a:off x="1066800" y="3733800"/>
+            <a:ext cx="5715000" cy="2971800"/>
+          </a:xfrm>
+          <a:prstGeom prst="rect">
+            <a:avLst/>
+          </a:prstGeom>
+          <a:noFill/>
+          <a:ln>
+            <a:noFill/>
+          </a:ln>
+        </p:spPr>
+      </p:pic>
+    </p:spTree>
+    <p:extLst>
+      <p:ext uri="{BB962C8B-B14F-4D97-AF65-F5344CB8AC3E}">
+        <p14:creationId xmlns:p14="http://schemas.microsoft.com/office/powerpoint/2010/main" val="126817067"/>
+      </p:ext>
+    </p:extLst>
+  </p:cSld>
+  <p:clrMapOvr>
+    <a:masterClrMapping/>
+  </p:clrMapOvr>
+  <p:timing>
+    <p:tnLst>
+      <p:par>
+        <p:cTn id="1" dur="indefinite" restart="never" nodeType="tmRoot"/>
+      </p:par>
+    </p:tnLst>
+  </p:timing>
+</p:sld>
+</file>
+
+<file path=ppt/slides/slide31.xml><?xml version="1.0" encoding="utf-8"?>
+<p:sld xmlns:a="http://schemas.openxmlformats.org/drawingml/2006/main" xmlns:r="http://schemas.openxmlformats.org/officeDocument/2006/relationships" xmlns:p="http://schemas.openxmlformats.org/presentationml/2006/main">
+  <p:cSld>
+    <p:spTree>
+      <p:nvGrpSpPr>
+        <p:cNvPr id="1" name=""/>
+        <p:cNvGrpSpPr/>
+        <p:nvPr/>
+      </p:nvGrpSpPr>
+      <p:grpSpPr>
+        <a:xfrm>
+          <a:off x="0" y="0"/>
+          <a:ext cx="0" cy="0"/>
+          <a:chOff x="0" y="0"/>
+          <a:chExt cx="0" cy="0"/>
+        </a:xfrm>
+      </p:grpSpPr>
+      <p:sp>
+        <p:nvSpPr>
+          <p:cNvPr id="2" name="Title 1"/>
+          <p:cNvSpPr>
+            <a:spLocks noGrp="1"/>
+          </p:cNvSpPr>
+          <p:nvPr>
+            <p:ph type="title"/>
+          </p:nvPr>
+        </p:nvSpPr>
+        <p:spPr/>
+        <p:txBody>
+          <a:bodyPr>
+            <a:normAutofit fontScale="90000"/>
+          </a:bodyPr>
+          <a:lstStyle/>
+          <a:p>
+            <a:r>
+              <a:rPr lang="en-US" dirty="0" smtClean="0"/>
+              <a:t>Running time among VL_QR|HT, VL_EP|HT and HOT SAX</a:t>
+            </a:r>
+            <a:endParaRPr lang="en-US" dirty="0"/>
+          </a:p>
+        </p:txBody>
+      </p:sp>
+      <p:sp>
+        <p:nvSpPr>
+          <p:cNvPr id="3" name="Content Placeholder 2"/>
+          <p:cNvSpPr>
+            <a:spLocks noGrp="1"/>
+          </p:cNvSpPr>
+          <p:nvPr>
+            <p:ph idx="1"/>
+          </p:nvPr>
+        </p:nvSpPr>
+        <p:spPr/>
+        <p:txBody>
+          <a:bodyPr/>
+          <a:lstStyle/>
+          <a:p>
+            <a:endParaRPr lang="en-US" dirty="0"/>
+          </a:p>
+        </p:txBody>
+      </p:sp>
+      <p:sp>
+        <p:nvSpPr>
+          <p:cNvPr id="4" name="Slide Number Placeholder 3"/>
+          <p:cNvSpPr>
+            <a:spLocks noGrp="1"/>
+          </p:cNvSpPr>
+          <p:nvPr>
+            <p:ph type="sldNum" sz="quarter" idx="12"/>
+          </p:nvPr>
+        </p:nvSpPr>
+        <p:spPr/>
+        <p:txBody>
+          <a:bodyPr/>
+          <a:lstStyle/>
+          <a:p>
+            <a:fld id="{38324C1E-6E2F-465B-B7AC-362036DEB808}" type="slidenum">
+              <a:rPr lang="en-US" smtClean="0"/>
+              <a:t>31</a:t>
+            </a:fld>
+            <a:endParaRPr lang="en-US"/>
+          </a:p>
+        </p:txBody>
+      </p:sp>
+      <p:pic>
+        <p:nvPicPr>
+          <p:cNvPr id="18435" name="Picture 3"/>
           <p:cNvPicPr>
             <a:picLocks noChangeAspect="1" noChangeArrowheads="1"/>
           </p:cNvPicPr>
@@ -9054,8 +11792,8 @@
         </p:blipFill>
         <p:spPr bwMode="auto">
           <a:xfrm>
-            <a:off x="1295400" y="1524000"/>
-            <a:ext cx="6477000" cy="5014091"/>
+            <a:off x="685800" y="1600200"/>
+            <a:ext cx="6607402" cy="4792622"/>
           </a:xfrm>
           <a:prstGeom prst="rect">
             <a:avLst/>
@@ -9105,7 +11843,7 @@
 </p:sld>
 </file>
 
-<file path=ppt/slides/slide28.xml><?xml version="1.0" encoding="utf-8"?>
+<file path=ppt/slides/slide32.xml><?xml version="1.0" encoding="utf-8"?>
 <p:sld xmlns:a="http://schemas.openxmlformats.org/drawingml/2006/main" xmlns:r="http://schemas.openxmlformats.org/officeDocument/2006/relationships" xmlns:p="http://schemas.openxmlformats.org/presentationml/2006/main">
   <p:cSld>
     <p:spTree>
@@ -9140,32 +11878,9 @@
           <a:lstStyle/>
           <a:p>
             <a:r>
-              <a:rPr lang="en-US" dirty="0"/>
-              <a:t>Running </a:t>
-            </a:r>
-            <a:r>
               <a:rPr lang="en-US" dirty="0" smtClean="0"/>
-              <a:t>time between VL_QR|HT and Original Algorithm</a:t>
-            </a:r>
-            <a:endParaRPr lang="en-US" dirty="0"/>
-          </a:p>
-        </p:txBody>
-      </p:sp>
-      <p:sp>
-        <p:nvSpPr>
-          <p:cNvPr id="3" name="Content Placeholder 2"/>
-          <p:cNvSpPr>
-            <a:spLocks noGrp="1"/>
-          </p:cNvSpPr>
-          <p:nvPr>
-            <p:ph idx="1"/>
-          </p:nvPr>
-        </p:nvSpPr>
-        <p:spPr/>
-        <p:txBody>
-          <a:bodyPr/>
-          <a:lstStyle/>
-          <a:p>
+              <a:t>Parameters between VL_QR|HT and VL_EP|HT</a:t>
+            </a:r>
             <a:endParaRPr lang="en-US" dirty="0"/>
           </a:p>
         </p:txBody>
@@ -9187,146 +11902,7 @@
           <a:p>
             <a:fld id="{38324C1E-6E2F-465B-B7AC-362036DEB808}" type="slidenum">
               <a:rPr lang="en-US" smtClean="0"/>
-              <a:t>28</a:t>
-            </a:fld>
-            <a:endParaRPr lang="en-US"/>
-          </a:p>
-        </p:txBody>
-      </p:sp>
-      <p:pic>
-        <p:nvPicPr>
-          <p:cNvPr id="14341" name="Picture 5"/>
-          <p:cNvPicPr>
-            <a:picLocks noChangeAspect="1" noChangeArrowheads="1"/>
-          </p:cNvPicPr>
-          <p:nvPr/>
-        </p:nvPicPr>
-        <p:blipFill>
-          <a:blip r:embed="rId2">
-            <a:extLst>
-              <a:ext uri="{28A0092B-C50C-407E-A947-70E740481C1C}">
-                <a14:useLocalDpi xmlns:a14="http://schemas.microsoft.com/office/drawing/2010/main" val="0"/>
-              </a:ext>
-            </a:extLst>
-          </a:blip>
-          <a:srcRect/>
-          <a:stretch>
-            <a:fillRect/>
-          </a:stretch>
-        </p:blipFill>
-        <p:spPr bwMode="auto">
-          <a:xfrm>
-            <a:off x="1295400" y="1447800"/>
-            <a:ext cx="6629400" cy="5025695"/>
-          </a:xfrm>
-          <a:prstGeom prst="rect">
-            <a:avLst/>
-          </a:prstGeom>
-          <a:noFill/>
-          <a:ln>
-            <a:noFill/>
-          </a:ln>
-          <a:extLst>
-            <a:ext uri="{909E8E84-426E-40DD-AFC4-6F175D3DCCD1}">
-              <a14:hiddenFill xmlns:a14="http://schemas.microsoft.com/office/drawing/2010/main">
-                <a:solidFill>
-                  <a:schemeClr val="accent1"/>
-                </a:solidFill>
-              </a14:hiddenFill>
-            </a:ext>
-            <a:ext uri="{91240B29-F687-4F45-9708-019B960494DF}">
-              <a14:hiddenLine xmlns:a14="http://schemas.microsoft.com/office/drawing/2010/main" w="9525">
-                <a:solidFill>
-                  <a:schemeClr val="tx1"/>
-                </a:solidFill>
-                <a:miter lim="800000"/>
-                <a:headEnd/>
-                <a:tailEnd/>
-              </a14:hiddenLine>
-            </a:ext>
-          </a:extLst>
-        </p:spPr>
-      </p:pic>
-    </p:spTree>
-    <p:extLst>
-      <p:ext uri="{BB962C8B-B14F-4D97-AF65-F5344CB8AC3E}">
-        <p14:creationId xmlns:p14="http://schemas.microsoft.com/office/powerpoint/2010/main" val="1374621572"/>
-      </p:ext>
-    </p:extLst>
-  </p:cSld>
-  <p:clrMapOvr>
-    <a:masterClrMapping/>
-  </p:clrMapOvr>
-  <p:timing>
-    <p:tnLst>
-      <p:par>
-        <p:cTn id="1" dur="indefinite" restart="never" nodeType="tmRoot"/>
-      </p:par>
-    </p:tnLst>
-  </p:timing>
-</p:sld>
-</file>
-
-<file path=ppt/slides/slide29.xml><?xml version="1.0" encoding="utf-8"?>
-<p:sld xmlns:a="http://schemas.openxmlformats.org/drawingml/2006/main" xmlns:r="http://schemas.openxmlformats.org/officeDocument/2006/relationships" xmlns:p="http://schemas.openxmlformats.org/presentationml/2006/main">
-  <p:cSld>
-    <p:spTree>
-      <p:nvGrpSpPr>
-        <p:cNvPr id="1" name=""/>
-        <p:cNvGrpSpPr/>
-        <p:nvPr/>
-      </p:nvGrpSpPr>
-      <p:grpSpPr>
-        <a:xfrm>
-          <a:off x="0" y="0"/>
-          <a:ext cx="0" cy="0"/>
-          <a:chOff x="0" y="0"/>
-          <a:chExt cx="0" cy="0"/>
-        </a:xfrm>
-      </p:grpSpPr>
-      <p:sp>
-        <p:nvSpPr>
-          <p:cNvPr id="2" name="Title 1"/>
-          <p:cNvSpPr>
-            <a:spLocks noGrp="1"/>
-          </p:cNvSpPr>
-          <p:nvPr>
-            <p:ph type="title"/>
-          </p:nvPr>
-        </p:nvSpPr>
-        <p:spPr/>
-        <p:txBody>
-          <a:bodyPr>
-            <a:normAutofit fontScale="90000"/>
-          </a:bodyPr>
-          <a:lstStyle/>
-          <a:p>
-            <a:r>
-              <a:rPr lang="en-US" dirty="0" smtClean="0"/>
-              <a:t>Parameters between VL_QR|HT and VL_EP|HT</a:t>
-            </a:r>
-            <a:endParaRPr lang="en-US" dirty="0"/>
-          </a:p>
-        </p:txBody>
-      </p:sp>
-      <p:sp>
-        <p:nvSpPr>
-          <p:cNvPr id="4" name="Slide Number Placeholder 3"/>
-          <p:cNvSpPr>
-            <a:spLocks noGrp="1"/>
-          </p:cNvSpPr>
-          <p:nvPr>
-            <p:ph type="sldNum" sz="quarter" idx="12"/>
-          </p:nvPr>
-        </p:nvSpPr>
-        <p:spPr/>
-        <p:txBody>
-          <a:bodyPr/>
-          <a:lstStyle/>
-          <a:p>
-            <a:fld id="{38324C1E-6E2F-465B-B7AC-362036DEB808}" type="slidenum">
-              <a:rPr lang="en-US" smtClean="0"/>
-              <a:t>29</a:t>
+              <a:t>32</a:t>
             </a:fld>
             <a:endParaRPr lang="en-US"/>
           </a:p>
@@ -9418,758 +11994,6 @@
 </p:sld>
 </file>
 
-<file path=ppt/slides/slide3.xml><?xml version="1.0" encoding="utf-8"?>
-<p:sld xmlns:a="http://schemas.openxmlformats.org/drawingml/2006/main" xmlns:r="http://schemas.openxmlformats.org/officeDocument/2006/relationships" xmlns:p="http://schemas.openxmlformats.org/presentationml/2006/main">
-  <p:cSld>
-    <p:spTree>
-      <p:nvGrpSpPr>
-        <p:cNvPr id="1" name=""/>
-        <p:cNvGrpSpPr/>
-        <p:nvPr/>
-      </p:nvGrpSpPr>
-      <p:grpSpPr>
-        <a:xfrm>
-          <a:off x="0" y="0"/>
-          <a:ext cx="0" cy="0"/>
-          <a:chOff x="0" y="0"/>
-          <a:chExt cx="0" cy="0"/>
-        </a:xfrm>
-      </p:grpSpPr>
-      <p:sp>
-        <p:nvSpPr>
-          <p:cNvPr id="2" name="Title 1"/>
-          <p:cNvSpPr>
-            <a:spLocks noGrp="1"/>
-          </p:cNvSpPr>
-          <p:nvPr>
-            <p:ph type="title"/>
-          </p:nvPr>
-        </p:nvSpPr>
-        <p:spPr/>
-        <p:txBody>
-          <a:bodyPr/>
-          <a:lstStyle/>
-          <a:p>
-            <a:r>
-              <a:rPr lang="en-US" dirty="0" smtClean="0"/>
-              <a:t>Introduction</a:t>
-            </a:r>
-            <a:endParaRPr lang="en-US" dirty="0"/>
-          </a:p>
-        </p:txBody>
-      </p:sp>
-      <p:sp>
-        <p:nvSpPr>
-          <p:cNvPr id="3" name="Slide Number Placeholder 2"/>
-          <p:cNvSpPr>
-            <a:spLocks noGrp="1"/>
-          </p:cNvSpPr>
-          <p:nvPr>
-            <p:ph type="sldNum" sz="quarter" idx="12"/>
-          </p:nvPr>
-        </p:nvSpPr>
-        <p:spPr/>
-        <p:txBody>
-          <a:bodyPr/>
-          <a:lstStyle/>
-          <a:p>
-            <a:fld id="{38324C1E-6E2F-465B-B7AC-362036DEB808}" type="slidenum">
-              <a:rPr lang="en-US" smtClean="0"/>
-              <a:t>3</a:t>
-            </a:fld>
-            <a:endParaRPr lang="en-US"/>
-          </a:p>
-        </p:txBody>
-      </p:sp>
-      <p:sp>
-        <p:nvSpPr>
-          <p:cNvPr id="5" name="TextBox 4"/>
-          <p:cNvSpPr txBox="1"/>
-          <p:nvPr/>
-        </p:nvSpPr>
-        <p:spPr>
-          <a:xfrm>
-            <a:off x="533400" y="1524000"/>
-            <a:ext cx="8229600" cy="4647426"/>
-          </a:xfrm>
-          <a:prstGeom prst="rect">
-            <a:avLst/>
-          </a:prstGeom>
-          <a:noFill/>
-        </p:spPr>
-        <p:txBody>
-          <a:bodyPr wrap="square" rtlCol="0">
-            <a:spAutoFit/>
-          </a:bodyPr>
-          <a:lstStyle/>
-          <a:p>
-            <a:pPr marL="285750" indent="-285750">
-              <a:buFont typeface="Arial" pitchFamily="34" charset="0"/>
-              <a:buChar char="•"/>
-            </a:pPr>
-            <a:r>
-              <a:rPr lang="en-US" sz="2800" dirty="0" smtClean="0">
-                <a:latin typeface="+mj-lt"/>
-              </a:rPr>
-              <a:t>A time series is a sequence of data points made over a continuous time interval</a:t>
-            </a:r>
-          </a:p>
-          <a:p>
-            <a:pPr marL="285750" indent="-285750">
-              <a:buFont typeface="Arial" pitchFamily="34" charset="0"/>
-              <a:buChar char="•"/>
-            </a:pPr>
-            <a:r>
-              <a:rPr lang="en-US" sz="2800" dirty="0"/>
-              <a:t>Anomaly </a:t>
-            </a:r>
-            <a:r>
-              <a:rPr lang="en-US" sz="2800" dirty="0" smtClean="0"/>
-              <a:t>Patterns are subsequences that do </a:t>
-            </a:r>
-            <a:r>
-              <a:rPr lang="en-US" sz="2800" dirty="0"/>
-              <a:t>not conform to a well deﬁned notion of </a:t>
-            </a:r>
-            <a:r>
-              <a:rPr lang="en-US" sz="2800" dirty="0" smtClean="0"/>
-              <a:t>normal behavior</a:t>
-            </a:r>
-            <a:endParaRPr lang="en-US" sz="2800" dirty="0" smtClean="0">
-              <a:latin typeface="+mj-lt"/>
-            </a:endParaRPr>
-          </a:p>
-          <a:p>
-            <a:pPr marL="285750" indent="-285750">
-              <a:buFont typeface="Arial" pitchFamily="34" charset="0"/>
-              <a:buChar char="•"/>
-            </a:pPr>
-            <a:r>
-              <a:rPr lang="en-US" sz="3200" dirty="0"/>
-              <a:t>Application areas that explore such time series anomalies include fault diagnostics, intrusion detection, fraud detection, auditing and data cleansing</a:t>
-            </a:r>
-            <a:endParaRPr lang="en-US" sz="3200" dirty="0" smtClean="0">
-              <a:latin typeface="+mj-lt"/>
-            </a:endParaRPr>
-          </a:p>
-          <a:p>
-            <a:endParaRPr lang="en-US" sz="3200" dirty="0" smtClean="0">
-              <a:latin typeface="+mj-lt"/>
-            </a:endParaRPr>
-          </a:p>
-          <a:p>
-            <a:endParaRPr lang="en-US" sz="2400" dirty="0" smtClean="0">
-              <a:latin typeface="+mj-lt"/>
-            </a:endParaRPr>
-          </a:p>
-        </p:txBody>
-      </p:sp>
-    </p:spTree>
-    <p:extLst>
-      <p:ext uri="{BB962C8B-B14F-4D97-AF65-F5344CB8AC3E}">
-        <p14:creationId xmlns:p14="http://schemas.microsoft.com/office/powerpoint/2010/main" val="583393979"/>
-      </p:ext>
-    </p:extLst>
-  </p:cSld>
-  <p:clrMapOvr>
-    <a:masterClrMapping/>
-  </p:clrMapOvr>
-  <p:timing>
-    <p:tnLst>
-      <p:par>
-        <p:cTn id="1" dur="indefinite" restart="never" nodeType="tmRoot"/>
-      </p:par>
-    </p:tnLst>
-  </p:timing>
-</p:sld>
-</file>
-
-<file path=ppt/slides/slide30.xml><?xml version="1.0" encoding="utf-8"?>
-<p:sld xmlns:a="http://schemas.openxmlformats.org/drawingml/2006/main" xmlns:r="http://schemas.openxmlformats.org/officeDocument/2006/relationships" xmlns:p="http://schemas.openxmlformats.org/presentationml/2006/main">
-  <p:cSld>
-    <p:spTree>
-      <p:nvGrpSpPr>
-        <p:cNvPr id="1" name=""/>
-        <p:cNvGrpSpPr/>
-        <p:nvPr/>
-      </p:nvGrpSpPr>
-      <p:grpSpPr>
-        <a:xfrm>
-          <a:off x="0" y="0"/>
-          <a:ext cx="0" cy="0"/>
-          <a:chOff x="0" y="0"/>
-          <a:chExt cx="0" cy="0"/>
-        </a:xfrm>
-      </p:grpSpPr>
-      <p:sp>
-        <p:nvSpPr>
-          <p:cNvPr id="2" name="Title 1"/>
-          <p:cNvSpPr>
-            <a:spLocks noGrp="1"/>
-          </p:cNvSpPr>
-          <p:nvPr>
-            <p:ph type="title"/>
-          </p:nvPr>
-        </p:nvSpPr>
-        <p:spPr/>
-        <p:txBody>
-          <a:bodyPr/>
-          <a:lstStyle/>
-          <a:p>
-            <a:r>
-              <a:rPr lang="en-US" dirty="0" smtClean="0"/>
-              <a:t>Conclusion</a:t>
-            </a:r>
-            <a:endParaRPr lang="en-US" dirty="0"/>
-          </a:p>
-        </p:txBody>
-      </p:sp>
-      <p:sp>
-        <p:nvSpPr>
-          <p:cNvPr id="3" name="Content Placeholder 2"/>
-          <p:cNvSpPr>
-            <a:spLocks noGrp="1"/>
-          </p:cNvSpPr>
-          <p:nvPr>
-            <p:ph idx="1"/>
-          </p:nvPr>
-        </p:nvSpPr>
-        <p:spPr/>
-        <p:txBody>
-          <a:bodyPr>
-            <a:normAutofit fontScale="77500" lnSpcReduction="20000"/>
-          </a:bodyPr>
-          <a:lstStyle/>
-          <a:p>
-            <a:r>
-              <a:rPr lang="en-US" dirty="0" smtClean="0"/>
-              <a:t>VL_QR|HT </a:t>
-            </a:r>
-            <a:r>
-              <a:rPr lang="en-US" dirty="0"/>
-              <a:t>and </a:t>
-            </a:r>
-            <a:r>
-              <a:rPr lang="en-US" dirty="0" smtClean="0"/>
-              <a:t>VL_EP|HT bring </a:t>
-            </a:r>
-            <a:r>
-              <a:rPr lang="en-US" dirty="0"/>
-              <a:t>out a remarkable improvement for the original algorithm in time efficiency without compromising anomaly detection accuracy. </a:t>
-            </a:r>
-            <a:endParaRPr lang="en-US" dirty="0" smtClean="0"/>
-          </a:p>
-          <a:p>
-            <a:r>
-              <a:rPr lang="en-US" dirty="0" smtClean="0"/>
-              <a:t>Experimental </a:t>
-            </a:r>
-            <a:r>
-              <a:rPr lang="en-US" dirty="0"/>
-              <a:t>results on eight datasets demonstrate </a:t>
-            </a:r>
-            <a:r>
-              <a:rPr lang="en-US" dirty="0" smtClean="0"/>
-              <a:t>these algorithms </a:t>
-            </a:r>
-            <a:r>
-              <a:rPr lang="en-US" dirty="0"/>
-              <a:t>outperform the VL_QR|DTW in time efficiency. </a:t>
-            </a:r>
-            <a:endParaRPr lang="en-US" dirty="0" smtClean="0"/>
-          </a:p>
-          <a:p>
-            <a:r>
-              <a:rPr lang="en-US" dirty="0" smtClean="0"/>
-              <a:t>Not </a:t>
-            </a:r>
-            <a:r>
-              <a:rPr lang="en-US" dirty="0"/>
-              <a:t>easy to estimate the regression error threshold </a:t>
-            </a:r>
-            <a:r>
-              <a:rPr lang="en-US" i="1" dirty="0">
-                <a:sym typeface="Symbol"/>
-              </a:rPr>
-              <a:t></a:t>
-            </a:r>
-            <a:r>
-              <a:rPr lang="en-US" i="1" baseline="-25000" dirty="0"/>
-              <a:t>1</a:t>
-            </a:r>
-            <a:r>
-              <a:rPr lang="en-US" baseline="-25000" dirty="0"/>
-              <a:t> </a:t>
-            </a:r>
-            <a:r>
-              <a:rPr lang="en-US" dirty="0"/>
-              <a:t>and the non-self match threshold </a:t>
-            </a:r>
-            <a:r>
-              <a:rPr lang="en-US" i="1" dirty="0">
-                <a:sym typeface="Symbol"/>
-              </a:rPr>
-              <a:t></a:t>
-            </a:r>
-            <a:r>
-              <a:rPr lang="en-US" i="1" baseline="-25000" dirty="0"/>
-              <a:t>2</a:t>
-            </a:r>
-            <a:r>
-              <a:rPr lang="en-US" baseline="-25000" dirty="0"/>
-              <a:t> </a:t>
-            </a:r>
-            <a:r>
-              <a:rPr lang="en-US" dirty="0"/>
-              <a:t>in the segmentation phase </a:t>
-            </a:r>
-            <a:r>
-              <a:rPr lang="en-US" dirty="0" smtClean="0"/>
-              <a:t>of </a:t>
-            </a:r>
-            <a:r>
-              <a:rPr lang="en-US" dirty="0"/>
-              <a:t>VL_QR|HT.  </a:t>
-            </a:r>
-            <a:endParaRPr lang="en-US" dirty="0" smtClean="0"/>
-          </a:p>
-          <a:p>
-            <a:r>
-              <a:rPr lang="en-US" dirty="0" smtClean="0"/>
-              <a:t>Not </a:t>
-            </a:r>
-            <a:r>
-              <a:rPr lang="en-US" dirty="0"/>
-              <a:t>easy to find </a:t>
-            </a:r>
-            <a:r>
-              <a:rPr lang="en-US" dirty="0" smtClean="0"/>
-              <a:t>the </a:t>
-            </a:r>
-            <a:r>
-              <a:rPr lang="en-US" i="1" dirty="0" smtClean="0"/>
-              <a:t>R</a:t>
-            </a:r>
-            <a:r>
-              <a:rPr lang="en-US" dirty="0" smtClean="0"/>
-              <a:t> </a:t>
-            </a:r>
-            <a:r>
-              <a:rPr lang="en-US" dirty="0"/>
-              <a:t>in </a:t>
-            </a:r>
-            <a:r>
-              <a:rPr lang="en-US" dirty="0" smtClean="0"/>
-              <a:t>VL_EP|HT.</a:t>
-            </a:r>
-          </a:p>
-          <a:p>
-            <a:r>
-              <a:rPr lang="en-US" dirty="0" smtClean="0"/>
-              <a:t>Anomaly threshold </a:t>
-            </a:r>
-            <a:r>
-              <a:rPr lang="en-US" i="1" dirty="0" smtClean="0"/>
-              <a:t>a </a:t>
-            </a:r>
-            <a:r>
-              <a:rPr lang="en-US" dirty="0" smtClean="0"/>
-              <a:t>belong to data.</a:t>
-            </a:r>
-            <a:endParaRPr lang="en-US" i="1" dirty="0" smtClean="0"/>
-          </a:p>
-          <a:p>
-            <a:r>
-              <a:rPr lang="en-US" dirty="0" smtClean="0"/>
-              <a:t>Future work:  apply </a:t>
-            </a:r>
-            <a:r>
-              <a:rPr lang="en-US" dirty="0"/>
-              <a:t>some more advanced method of time series </a:t>
-            </a:r>
-            <a:r>
-              <a:rPr lang="en-US" dirty="0" smtClean="0"/>
-              <a:t>segmentation Which is easy to find suitable parameters</a:t>
-            </a:r>
-            <a:endParaRPr lang="en-US" dirty="0"/>
-          </a:p>
-          <a:p>
-            <a:endParaRPr lang="en-US" dirty="0"/>
-          </a:p>
-        </p:txBody>
-      </p:sp>
-      <p:sp>
-        <p:nvSpPr>
-          <p:cNvPr id="4" name="Slide Number Placeholder 3"/>
-          <p:cNvSpPr>
-            <a:spLocks noGrp="1"/>
-          </p:cNvSpPr>
-          <p:nvPr>
-            <p:ph type="sldNum" sz="quarter" idx="12"/>
-          </p:nvPr>
-        </p:nvSpPr>
-        <p:spPr/>
-        <p:txBody>
-          <a:bodyPr/>
-          <a:lstStyle/>
-          <a:p>
-            <a:fld id="{38324C1E-6E2F-465B-B7AC-362036DEB808}" type="slidenum">
-              <a:rPr lang="en-US" smtClean="0"/>
-              <a:t>30</a:t>
-            </a:fld>
-            <a:endParaRPr lang="en-US"/>
-          </a:p>
-        </p:txBody>
-      </p:sp>
-    </p:spTree>
-    <p:extLst>
-      <p:ext uri="{BB962C8B-B14F-4D97-AF65-F5344CB8AC3E}">
-        <p14:creationId xmlns:p14="http://schemas.microsoft.com/office/powerpoint/2010/main" val="2678675720"/>
-      </p:ext>
-    </p:extLst>
-  </p:cSld>
-  <p:clrMapOvr>
-    <a:masterClrMapping/>
-  </p:clrMapOvr>
-  <p:timing>
-    <p:tnLst>
-      <p:par>
-        <p:cTn id="1" dur="indefinite" restart="never" nodeType="tmRoot"/>
-      </p:par>
-    </p:tnLst>
-  </p:timing>
-</p:sld>
-</file>
-
-<file path=ppt/slides/slide31.xml><?xml version="1.0" encoding="utf-8"?>
-<p:sld xmlns:a="http://schemas.openxmlformats.org/drawingml/2006/main" xmlns:r="http://schemas.openxmlformats.org/officeDocument/2006/relationships" xmlns:p="http://schemas.openxmlformats.org/presentationml/2006/main">
-  <p:cSld>
-    <p:spTree>
-      <p:nvGrpSpPr>
-        <p:cNvPr id="1" name=""/>
-        <p:cNvGrpSpPr/>
-        <p:nvPr/>
-      </p:nvGrpSpPr>
-      <p:grpSpPr>
-        <a:xfrm>
-          <a:off x="0" y="0"/>
-          <a:ext cx="0" cy="0"/>
-          <a:chOff x="0" y="0"/>
-          <a:chExt cx="0" cy="0"/>
-        </a:xfrm>
-      </p:grpSpPr>
-      <p:sp>
-        <p:nvSpPr>
-          <p:cNvPr id="2" name="Title 1"/>
-          <p:cNvSpPr>
-            <a:spLocks noGrp="1"/>
-          </p:cNvSpPr>
-          <p:nvPr>
-            <p:ph type="title"/>
-          </p:nvPr>
-        </p:nvSpPr>
-        <p:spPr>
-          <a:xfrm>
-            <a:off x="457200" y="152400"/>
-            <a:ext cx="8229600" cy="609600"/>
-          </a:xfrm>
-        </p:spPr>
-        <p:txBody>
-          <a:bodyPr>
-            <a:normAutofit fontScale="90000"/>
-          </a:bodyPr>
-          <a:lstStyle/>
-          <a:p>
-            <a:r>
-              <a:rPr lang="en-US" sz="3600" cap="small" dirty="0" smtClean="0"/>
-              <a:t/>
-            </a:r>
-            <a:br>
-              <a:rPr lang="en-US" sz="3600" cap="small" dirty="0" smtClean="0"/>
-            </a:br>
-            <a:r>
-              <a:rPr lang="en-US" sz="3600" cap="small" dirty="0" smtClean="0"/>
-              <a:t>References</a:t>
-            </a:r>
-            <a:r>
-              <a:rPr lang="en-US" sz="3600" cap="small" dirty="0"/>
-              <a:t/>
-            </a:r>
-            <a:br>
-              <a:rPr lang="en-US" sz="3600" cap="small" dirty="0"/>
-            </a:br>
-            <a:endParaRPr lang="en-US" sz="4100" dirty="0"/>
-          </a:p>
-        </p:txBody>
-      </p:sp>
-      <p:sp>
-        <p:nvSpPr>
-          <p:cNvPr id="3" name="Content Placeholder 2"/>
-          <p:cNvSpPr>
-            <a:spLocks noGrp="1"/>
-          </p:cNvSpPr>
-          <p:nvPr>
-            <p:ph idx="1"/>
-          </p:nvPr>
-        </p:nvSpPr>
-        <p:spPr>
-          <a:xfrm>
-            <a:off x="533400" y="1066800"/>
-            <a:ext cx="7696200" cy="5105400"/>
-          </a:xfrm>
-        </p:spPr>
-        <p:txBody>
-          <a:bodyPr>
-            <a:normAutofit fontScale="77500" lnSpcReduction="20000"/>
-          </a:bodyPr>
-          <a:lstStyle/>
-          <a:p>
-            <a:pPr lvl="0"/>
-            <a:r>
-              <a:rPr lang="en-US" sz="2700" dirty="0" smtClean="0"/>
-              <a:t>E</a:t>
-            </a:r>
-            <a:r>
-              <a:rPr lang="en-US" sz="2700" dirty="0"/>
-              <a:t>. Keogh, J. Lin, and A. Fu, “HOT SAX: efficiently finding the most unusual time series subsequence”, Proc. of 5th  ICDM, Houston, Texas, pp. 226–233, 2005.</a:t>
-            </a:r>
-          </a:p>
-          <a:p>
-            <a:pPr lvl="0"/>
-            <a:r>
-              <a:rPr lang="en-US" sz="2700" dirty="0"/>
-              <a:t>E. Keogh, www.cs.ucr.edu/~eamonn/discords/ (accessed on January 24 - 2015).</a:t>
-            </a:r>
-          </a:p>
-          <a:p>
-            <a:pPr lvl="0"/>
-            <a:r>
-              <a:rPr lang="en-US" sz="2700" dirty="0" smtClean="0"/>
-              <a:t>M</a:t>
-            </a:r>
-            <a:r>
-              <a:rPr lang="en-US" sz="2700" dirty="0"/>
-              <a:t>. </a:t>
-            </a:r>
-            <a:r>
-              <a:rPr lang="en-US" sz="2700" dirty="0" err="1"/>
-              <a:t>Leng</a:t>
-            </a:r>
-            <a:r>
-              <a:rPr lang="en-US" sz="2700" dirty="0"/>
-              <a:t>, X. Chen and L. Li, “Variable length methods for detecting anomaly patterns in time series”, Proc. of Int. Symposium on. Computational Intelligence and Design (ISCID'08), Vol. 2, 2008.</a:t>
-            </a:r>
-          </a:p>
-          <a:p>
-            <a:pPr lvl="0"/>
-            <a:r>
-              <a:rPr lang="en-US" sz="2700" dirty="0" smtClean="0"/>
-              <a:t>K</a:t>
-            </a:r>
-            <a:r>
-              <a:rPr lang="en-US" sz="2700" dirty="0"/>
-              <a:t>. B. Pratt and E. Fink, “Search for patterns in compressed time series”, International Journal of Image and Graphics , vol. 2, no. 1, pp. 89-106, 2002.</a:t>
-            </a:r>
-          </a:p>
-          <a:p>
-            <a:pPr lvl="0"/>
-            <a:r>
-              <a:rPr lang="en-US" sz="2700" dirty="0"/>
-              <a:t>H. </a:t>
-            </a:r>
-            <a:r>
-              <a:rPr lang="en-US" sz="2700" dirty="0" err="1"/>
-              <a:t>Sakoe</a:t>
-            </a:r>
-            <a:r>
-              <a:rPr lang="en-US" sz="2700" dirty="0"/>
-              <a:t> and S. Chiba, “Dynamic programming algorithm optimization for spoken word recognition”, IEEE Trans. Acoustics, Speech, and Signal Proc., vol. ASSP-26, pp. 43-49, 1978.</a:t>
-            </a:r>
-          </a:p>
-          <a:p>
-            <a:pPr lvl="0"/>
-            <a:r>
-              <a:rPr lang="en-US" sz="2700" dirty="0" smtClean="0"/>
-              <a:t>C</a:t>
-            </a:r>
-            <a:r>
-              <a:rPr lang="en-US" sz="2700" dirty="0"/>
-              <a:t>. D. Truong, H. N. Tin, D. T. Anh,  “ Combining motif information and neural network for time series prediction”, Int. Journal of Business Intelligence and Data Mining,  vol. 7, no. 4, pp. 318-339, 2012.</a:t>
-            </a:r>
-          </a:p>
-          <a:p>
-            <a:endParaRPr lang="en-US" sz="2000" dirty="0"/>
-          </a:p>
-        </p:txBody>
-      </p:sp>
-      <p:sp>
-        <p:nvSpPr>
-          <p:cNvPr id="4" name="Slide Number Placeholder 3"/>
-          <p:cNvSpPr>
-            <a:spLocks noGrp="1"/>
-          </p:cNvSpPr>
-          <p:nvPr>
-            <p:ph type="sldNum" sz="quarter" idx="12"/>
-          </p:nvPr>
-        </p:nvSpPr>
-        <p:spPr/>
-        <p:txBody>
-          <a:bodyPr/>
-          <a:lstStyle/>
-          <a:p>
-            <a:fld id="{38324C1E-6E2F-465B-B7AC-362036DEB808}" type="slidenum">
-              <a:rPr lang="en-US" smtClean="0"/>
-              <a:t>31</a:t>
-            </a:fld>
-            <a:endParaRPr lang="en-US"/>
-          </a:p>
-        </p:txBody>
-      </p:sp>
-    </p:spTree>
-    <p:extLst>
-      <p:ext uri="{BB962C8B-B14F-4D97-AF65-F5344CB8AC3E}">
-        <p14:creationId xmlns:p14="http://schemas.microsoft.com/office/powerpoint/2010/main" val="3386409769"/>
-      </p:ext>
-    </p:extLst>
-  </p:cSld>
-  <p:clrMapOvr>
-    <a:masterClrMapping/>
-  </p:clrMapOvr>
-  <p:timing>
-    <p:tnLst>
-      <p:par>
-        <p:cTn id="1" dur="indefinite" restart="never" nodeType="tmRoot"/>
-      </p:par>
-    </p:tnLst>
-  </p:timing>
-</p:sld>
-</file>
-
-<file path=ppt/slides/slide32.xml><?xml version="1.0" encoding="utf-8"?>
-<p:sld xmlns:a="http://schemas.openxmlformats.org/drawingml/2006/main" xmlns:r="http://schemas.openxmlformats.org/officeDocument/2006/relationships" xmlns:p="http://schemas.openxmlformats.org/presentationml/2006/main">
-  <p:cSld>
-    <p:spTree>
-      <p:nvGrpSpPr>
-        <p:cNvPr id="1" name=""/>
-        <p:cNvGrpSpPr/>
-        <p:nvPr/>
-      </p:nvGrpSpPr>
-      <p:grpSpPr>
-        <a:xfrm>
-          <a:off x="0" y="0"/>
-          <a:ext cx="0" cy="0"/>
-          <a:chOff x="0" y="0"/>
-          <a:chExt cx="0" cy="0"/>
-        </a:xfrm>
-      </p:grpSpPr>
-      <p:sp>
-        <p:nvSpPr>
-          <p:cNvPr id="2" name="Title 1"/>
-          <p:cNvSpPr>
-            <a:spLocks noGrp="1"/>
-          </p:cNvSpPr>
-          <p:nvPr>
-            <p:ph type="title"/>
-          </p:nvPr>
-        </p:nvSpPr>
-        <p:spPr>
-          <a:xfrm>
-            <a:off x="457200" y="655638"/>
-            <a:ext cx="8229600" cy="868362"/>
-          </a:xfrm>
-        </p:spPr>
-        <p:txBody>
-          <a:bodyPr>
-            <a:normAutofit/>
-          </a:bodyPr>
-          <a:lstStyle/>
-          <a:p>
-            <a:r>
-              <a:rPr lang="en-US" sz="4100" dirty="0" smtClean="0"/>
-              <a:t>Q &amp; A</a:t>
-            </a:r>
-            <a:endParaRPr lang="en-US" sz="4100" dirty="0"/>
-          </a:p>
-        </p:txBody>
-      </p:sp>
-      <p:sp>
-        <p:nvSpPr>
-          <p:cNvPr id="3" name="Slide Number Placeholder 2"/>
-          <p:cNvSpPr>
-            <a:spLocks noGrp="1"/>
-          </p:cNvSpPr>
-          <p:nvPr>
-            <p:ph type="sldNum" sz="quarter" idx="12"/>
-          </p:nvPr>
-        </p:nvSpPr>
-        <p:spPr/>
-        <p:txBody>
-          <a:bodyPr/>
-          <a:lstStyle/>
-          <a:p>
-            <a:fld id="{38324C1E-6E2F-465B-B7AC-362036DEB808}" type="slidenum">
-              <a:rPr lang="en-US" smtClean="0"/>
-              <a:t>32</a:t>
-            </a:fld>
-            <a:endParaRPr lang="en-US"/>
-          </a:p>
-        </p:txBody>
-      </p:sp>
-      <p:sp>
-        <p:nvSpPr>
-          <p:cNvPr id="4" name="TextBox 3"/>
-          <p:cNvSpPr txBox="1"/>
-          <p:nvPr/>
-        </p:nvSpPr>
-        <p:spPr>
-          <a:xfrm>
-            <a:off x="1143000" y="3086725"/>
-            <a:ext cx="6858000" cy="723275"/>
-          </a:xfrm>
-          <a:prstGeom prst="rect">
-            <a:avLst/>
-          </a:prstGeom>
-          <a:noFill/>
-        </p:spPr>
-        <p:txBody>
-          <a:bodyPr wrap="square" rtlCol="0">
-            <a:spAutoFit/>
-          </a:bodyPr>
-          <a:lstStyle/>
-          <a:p>
-            <a:pPr algn="ctr"/>
-            <a:r>
-              <a:rPr lang="en-US" sz="4100" dirty="0" smtClean="0">
-                <a:latin typeface="+mj-lt"/>
-              </a:rPr>
-              <a:t>Thank you!</a:t>
-            </a:r>
-            <a:endParaRPr lang="en-US" sz="4100" dirty="0">
-              <a:latin typeface="+mj-lt"/>
-            </a:endParaRPr>
-          </a:p>
-        </p:txBody>
-      </p:sp>
-    </p:spTree>
-    <p:extLst>
-      <p:ext uri="{BB962C8B-B14F-4D97-AF65-F5344CB8AC3E}">
-        <p14:creationId xmlns:p14="http://schemas.microsoft.com/office/powerpoint/2010/main" val="1866054366"/>
-      </p:ext>
-    </p:extLst>
-  </p:cSld>
-  <p:clrMapOvr>
-    <a:masterClrMapping/>
-  </p:clrMapOvr>
-  <p:timing>
-    <p:tnLst>
-      <p:par>
-        <p:cTn id="1" dur="indefinite" restart="never" nodeType="tmRoot"/>
-      </p:par>
-    </p:tnLst>
-  </p:timing>
-</p:sld>
-</file>
-
 <file path=ppt/slides/slide33.xml><?xml version="1.0" encoding="utf-8"?>
 <p:sld xmlns:a="http://schemas.openxmlformats.org/drawingml/2006/main" xmlns:r="http://schemas.openxmlformats.org/officeDocument/2006/relationships" xmlns:p="http://schemas.openxmlformats.org/presentationml/2006/main">
   <p:cSld>
@@ -10199,29 +12023,39 @@
         </p:nvSpPr>
         <p:spPr/>
         <p:txBody>
+          <a:bodyPr>
+            <a:normAutofit fontScale="90000"/>
+          </a:bodyPr>
+          <a:lstStyle/>
+          <a:p>
+            <a:r>
+              <a:rPr lang="en-US" dirty="0"/>
+              <a:t>Running </a:t>
+            </a:r>
+            <a:r>
+              <a:rPr lang="en-US" dirty="0" smtClean="0"/>
+              <a:t>time between VL_QR|HT and Original Algorithm</a:t>
+            </a:r>
+            <a:endParaRPr lang="en-US" dirty="0"/>
+          </a:p>
+        </p:txBody>
+      </p:sp>
+      <p:sp>
+        <p:nvSpPr>
+          <p:cNvPr id="3" name="Content Placeholder 2"/>
+          <p:cNvSpPr>
+            <a:spLocks noGrp="1"/>
+          </p:cNvSpPr>
+          <p:nvPr>
+            <p:ph idx="1"/>
+          </p:nvPr>
+        </p:nvSpPr>
+        <p:spPr/>
+        <p:txBody>
           <a:bodyPr/>
           <a:lstStyle/>
           <a:p>
-            <a:endParaRPr lang="en-US"/>
-          </a:p>
-        </p:txBody>
-      </p:sp>
-      <p:sp>
-        <p:nvSpPr>
-          <p:cNvPr id="3" name="Content Placeholder 2"/>
-          <p:cNvSpPr>
-            <a:spLocks noGrp="1"/>
-          </p:cNvSpPr>
-          <p:nvPr>
-            <p:ph idx="1"/>
-          </p:nvPr>
-        </p:nvSpPr>
-        <p:spPr/>
-        <p:txBody>
-          <a:bodyPr/>
-          <a:lstStyle/>
-          <a:p>
-            <a:endParaRPr lang="en-US"/>
+            <a:endParaRPr lang="en-US" dirty="0"/>
           </a:p>
         </p:txBody>
       </p:sp>
@@ -10248,10 +12082,64 @@
           </a:p>
         </p:txBody>
       </p:sp>
+      <p:pic>
+        <p:nvPicPr>
+          <p:cNvPr id="14341" name="Picture 5"/>
+          <p:cNvPicPr>
+            <a:picLocks noChangeAspect="1" noChangeArrowheads="1"/>
+          </p:cNvPicPr>
+          <p:nvPr/>
+        </p:nvPicPr>
+        <p:blipFill>
+          <a:blip r:embed="rId2">
+            <a:extLst>
+              <a:ext uri="{28A0092B-C50C-407E-A947-70E740481C1C}">
+                <a14:useLocalDpi xmlns:a14="http://schemas.microsoft.com/office/drawing/2010/main" val="0"/>
+              </a:ext>
+            </a:extLst>
+          </a:blip>
+          <a:srcRect/>
+          <a:stretch>
+            <a:fillRect/>
+          </a:stretch>
+        </p:blipFill>
+        <p:spPr bwMode="auto">
+          <a:xfrm>
+            <a:off x="1295400" y="1447800"/>
+            <a:ext cx="6629400" cy="5025695"/>
+          </a:xfrm>
+          <a:prstGeom prst="rect">
+            <a:avLst/>
+          </a:prstGeom>
+          <a:noFill/>
+          <a:ln>
+            <a:noFill/>
+          </a:ln>
+          <a:extLst>
+            <a:ext uri="{909E8E84-426E-40DD-AFC4-6F175D3DCCD1}">
+              <a14:hiddenFill xmlns:a14="http://schemas.microsoft.com/office/drawing/2010/main">
+                <a:solidFill>
+                  <a:schemeClr val="accent1"/>
+                </a:solidFill>
+              </a14:hiddenFill>
+            </a:ext>
+            <a:ext uri="{91240B29-F687-4F45-9708-019B960494DF}">
+              <a14:hiddenLine xmlns:a14="http://schemas.microsoft.com/office/drawing/2010/main" w="9525">
+                <a:solidFill>
+                  <a:schemeClr val="tx1"/>
+                </a:solidFill>
+                <a:miter lim="800000"/>
+                <a:headEnd/>
+                <a:tailEnd/>
+              </a14:hiddenLine>
+            </a:ext>
+          </a:extLst>
+        </p:spPr>
+      </p:pic>
     </p:spTree>
     <p:extLst>
       <p:ext uri="{BB962C8B-B14F-4D97-AF65-F5344CB8AC3E}">
-        <p14:creationId xmlns:p14="http://schemas.microsoft.com/office/powerpoint/2010/main" val="1528571006"/>
+        <p14:creationId xmlns:p14="http://schemas.microsoft.com/office/powerpoint/2010/main" val="965049303"/>
       </p:ext>
     </p:extLst>
   </p:cSld>
@@ -10300,7 +12188,11 @@
           <a:bodyPr/>
           <a:lstStyle/>
           <a:p>
-            <a:endParaRPr lang="en-US"/>
+            <a:r>
+              <a:rPr lang="en-US" dirty="0" smtClean="0"/>
+              <a:t>Conclusion</a:t>
+            </a:r>
+            <a:endParaRPr lang="en-US" dirty="0"/>
           </a:p>
         </p:txBody>
       </p:sp>
@@ -10316,10 +12208,163 @@
         </p:nvSpPr>
         <p:spPr/>
         <p:txBody>
-          <a:bodyPr/>
-          <a:lstStyle/>
-          <a:p>
-            <a:endParaRPr lang="en-US"/>
+          <a:bodyPr>
+            <a:normAutofit fontScale="77500" lnSpcReduction="20000"/>
+          </a:bodyPr>
+          <a:lstStyle/>
+          <a:p>
+            <a:r>
+              <a:rPr lang="en-US" dirty="0" smtClean="0"/>
+              <a:t>VL_QR|HT </a:t>
+            </a:r>
+            <a:r>
+              <a:rPr lang="en-US" dirty="0"/>
+              <a:t>and </a:t>
+            </a:r>
+            <a:r>
+              <a:rPr lang="en-US" dirty="0" smtClean="0"/>
+              <a:t>VL_EP|HT bring </a:t>
+            </a:r>
+            <a:r>
+              <a:rPr lang="en-US" dirty="0"/>
+              <a:t>out a remarkable improvement for the original algorithm in time efficiency without compromising anomaly detection accuracy. </a:t>
+            </a:r>
+            <a:endParaRPr lang="en-US" dirty="0" smtClean="0"/>
+          </a:p>
+          <a:p>
+            <a:r>
+              <a:rPr lang="en-US" dirty="0" smtClean="0"/>
+              <a:t>Experimental </a:t>
+            </a:r>
+            <a:r>
+              <a:rPr lang="en-US" dirty="0"/>
+              <a:t>results on eight datasets demonstrate </a:t>
+            </a:r>
+            <a:r>
+              <a:rPr lang="en-US" dirty="0" smtClean="0"/>
+              <a:t>these algorithms </a:t>
+            </a:r>
+            <a:r>
+              <a:rPr lang="en-US" dirty="0"/>
+              <a:t>outperform the VL_QR|DTW in time efficiency. </a:t>
+            </a:r>
+            <a:endParaRPr lang="en-US" dirty="0" smtClean="0"/>
+          </a:p>
+          <a:p>
+            <a:r>
+              <a:rPr lang="en-US" dirty="0" smtClean="0"/>
+              <a:t>Not </a:t>
+            </a:r>
+            <a:r>
+              <a:rPr lang="en-US" dirty="0"/>
+              <a:t>easy to estimate the regression error threshold </a:t>
+            </a:r>
+            <a:r>
+              <a:rPr lang="en-US" i="1" dirty="0">
+                <a:sym typeface="Symbol"/>
+              </a:rPr>
+              <a:t></a:t>
+            </a:r>
+            <a:r>
+              <a:rPr lang="en-US" i="1" baseline="-25000" dirty="0"/>
+              <a:t>1</a:t>
+            </a:r>
+            <a:r>
+              <a:rPr lang="en-US" baseline="-25000" dirty="0"/>
+              <a:t> </a:t>
+            </a:r>
+            <a:r>
+              <a:rPr lang="en-US" dirty="0"/>
+              <a:t>and the non-self match threshold </a:t>
+            </a:r>
+            <a:r>
+              <a:rPr lang="en-US" i="1" dirty="0">
+                <a:sym typeface="Symbol"/>
+              </a:rPr>
+              <a:t></a:t>
+            </a:r>
+            <a:r>
+              <a:rPr lang="en-US" i="1" baseline="-25000" dirty="0"/>
+              <a:t>2</a:t>
+            </a:r>
+            <a:r>
+              <a:rPr lang="en-US" baseline="-25000" dirty="0"/>
+              <a:t> </a:t>
+            </a:r>
+            <a:r>
+              <a:rPr lang="en-US" dirty="0"/>
+              <a:t>in the segmentation phase </a:t>
+            </a:r>
+            <a:r>
+              <a:rPr lang="en-US" dirty="0" smtClean="0"/>
+              <a:t>of </a:t>
+            </a:r>
+            <a:r>
+              <a:rPr lang="en-US" dirty="0"/>
+              <a:t>VL_QR|HT.  </a:t>
+            </a:r>
+            <a:endParaRPr lang="en-US" dirty="0" smtClean="0"/>
+          </a:p>
+          <a:p>
+            <a:r>
+              <a:rPr lang="en-US" dirty="0" smtClean="0"/>
+              <a:t>Not </a:t>
+            </a:r>
+            <a:r>
+              <a:rPr lang="en-US" dirty="0"/>
+              <a:t>easy to find </a:t>
+            </a:r>
+            <a:r>
+              <a:rPr lang="en-US" dirty="0" smtClean="0"/>
+              <a:t>the </a:t>
+            </a:r>
+            <a:r>
+              <a:rPr lang="en-US" i="1" dirty="0" smtClean="0"/>
+              <a:t>R</a:t>
+            </a:r>
+            <a:r>
+              <a:rPr lang="en-US" dirty="0" smtClean="0"/>
+              <a:t> </a:t>
+            </a:r>
+            <a:r>
+              <a:rPr lang="en-US" dirty="0"/>
+              <a:t>in </a:t>
+            </a:r>
+            <a:r>
+              <a:rPr lang="en-US" dirty="0" smtClean="0"/>
+              <a:t>VL_EP|HT</a:t>
+            </a:r>
+            <a:r>
+              <a:rPr lang="en-US" dirty="0" smtClean="0"/>
+              <a:t>.</a:t>
+            </a:r>
+            <a:endParaRPr lang="en-US" i="1" dirty="0" smtClean="0"/>
+          </a:p>
+          <a:p>
+            <a:r>
+              <a:rPr lang="en-US" dirty="0" smtClean="0"/>
+              <a:t>Future work:  apply </a:t>
+            </a:r>
+            <a:r>
+              <a:rPr lang="en-US" dirty="0"/>
+              <a:t>some more advanced method of time series </a:t>
+            </a:r>
+            <a:r>
+              <a:rPr lang="en-US" dirty="0" smtClean="0"/>
+              <a:t>segmentation </a:t>
+            </a:r>
+            <a:r>
+              <a:rPr lang="en-US" dirty="0" smtClean="0"/>
+              <a:t>which </a:t>
+            </a:r>
+            <a:r>
+              <a:rPr lang="en-US" dirty="0" smtClean="0"/>
+              <a:t>is easy to find suitable parameters</a:t>
+            </a:r>
+            <a:endParaRPr lang="en-US" dirty="0"/>
+          </a:p>
+          <a:p>
+            <a:endParaRPr lang="en-US" dirty="0"/>
           </a:p>
         </p:txBody>
       </p:sp>
@@ -10349,13 +12394,20 @@
     </p:spTree>
     <p:extLst>
       <p:ext uri="{BB962C8B-B14F-4D97-AF65-F5344CB8AC3E}">
-        <p14:creationId xmlns:p14="http://schemas.microsoft.com/office/powerpoint/2010/main" val="3191652677"/>
+        <p14:creationId xmlns:p14="http://schemas.microsoft.com/office/powerpoint/2010/main" val="2678675720"/>
       </p:ext>
     </p:extLst>
   </p:cSld>
   <p:clrMapOvr>
     <a:masterClrMapping/>
   </p:clrMapOvr>
+  <p:timing>
+    <p:tnLst>
+      <p:par>
+        <p:cTn id="1" dur="indefinite" restart="never" nodeType="tmRoot"/>
+      </p:par>
+    </p:tnLst>
+  </p:timing>
 </p:sld>
 </file>
 
@@ -10386,6 +12438,524 @@
             <p:ph type="title"/>
           </p:nvPr>
         </p:nvSpPr>
+        <p:spPr>
+          <a:xfrm>
+            <a:off x="457200" y="152400"/>
+            <a:ext cx="8229600" cy="609600"/>
+          </a:xfrm>
+        </p:spPr>
+        <p:txBody>
+          <a:bodyPr>
+            <a:normAutofit fontScale="90000"/>
+          </a:bodyPr>
+          <a:lstStyle/>
+          <a:p>
+            <a:r>
+              <a:rPr lang="en-US" sz="3600" cap="small" dirty="0" smtClean="0"/>
+              <a:t/>
+            </a:r>
+            <a:br>
+              <a:rPr lang="en-US" sz="3600" cap="small" dirty="0" smtClean="0"/>
+            </a:br>
+            <a:r>
+              <a:rPr lang="en-US" sz="3600" cap="small" dirty="0" smtClean="0"/>
+              <a:t>References</a:t>
+            </a:r>
+            <a:r>
+              <a:rPr lang="en-US" sz="3600" cap="small" dirty="0"/>
+              <a:t/>
+            </a:r>
+            <a:br>
+              <a:rPr lang="en-US" sz="3600" cap="small" dirty="0"/>
+            </a:br>
+            <a:endParaRPr lang="en-US" sz="4100" dirty="0"/>
+          </a:p>
+        </p:txBody>
+      </p:sp>
+      <p:sp>
+        <p:nvSpPr>
+          <p:cNvPr id="3" name="Content Placeholder 2"/>
+          <p:cNvSpPr>
+            <a:spLocks noGrp="1"/>
+          </p:cNvSpPr>
+          <p:nvPr>
+            <p:ph idx="1"/>
+          </p:nvPr>
+        </p:nvSpPr>
+        <p:spPr>
+          <a:xfrm>
+            <a:off x="533400" y="1066800"/>
+            <a:ext cx="7696200" cy="5105400"/>
+          </a:xfrm>
+        </p:spPr>
+        <p:txBody>
+          <a:bodyPr>
+            <a:normAutofit fontScale="77500" lnSpcReduction="20000"/>
+          </a:bodyPr>
+          <a:lstStyle/>
+          <a:p>
+            <a:pPr lvl="0"/>
+            <a:r>
+              <a:rPr lang="en-US" sz="2700" dirty="0" smtClean="0"/>
+              <a:t>E</a:t>
+            </a:r>
+            <a:r>
+              <a:rPr lang="en-US" sz="2700" dirty="0"/>
+              <a:t>. Keogh, J. Lin, and A. Fu, “HOT SAX: efficiently finding the most unusual time series subsequence”, Proc. of 5th  ICDM, Houston, Texas, pp. 226–233, 2005.</a:t>
+            </a:r>
+          </a:p>
+          <a:p>
+            <a:pPr lvl="0"/>
+            <a:r>
+              <a:rPr lang="en-US" sz="2700" dirty="0"/>
+              <a:t>E. Keogh, www.cs.ucr.edu/~eamonn/discords/ (accessed on January 24 - 2015).</a:t>
+            </a:r>
+          </a:p>
+          <a:p>
+            <a:pPr lvl="0"/>
+            <a:r>
+              <a:rPr lang="en-US" sz="2700" dirty="0" smtClean="0"/>
+              <a:t>M</a:t>
+            </a:r>
+            <a:r>
+              <a:rPr lang="en-US" sz="2700" dirty="0"/>
+              <a:t>. </a:t>
+            </a:r>
+            <a:r>
+              <a:rPr lang="en-US" sz="2700" dirty="0" err="1"/>
+              <a:t>Leng</a:t>
+            </a:r>
+            <a:r>
+              <a:rPr lang="en-US" sz="2700" dirty="0"/>
+              <a:t>, X. Chen and L. Li, “Variable length methods for detecting anomaly patterns in time series”, Proc. of Int. Symposium on. Computational Intelligence and Design (ISCID'08), Vol. 2, 2008.</a:t>
+            </a:r>
+          </a:p>
+          <a:p>
+            <a:pPr lvl="0"/>
+            <a:r>
+              <a:rPr lang="en-US" sz="2700" dirty="0" smtClean="0"/>
+              <a:t>K</a:t>
+            </a:r>
+            <a:r>
+              <a:rPr lang="en-US" sz="2700" dirty="0"/>
+              <a:t>. B. Pratt and E. Fink, “Search for patterns in compressed time series”, International Journal of Image and Graphics , vol. 2, no. 1, pp. 89-106, 2002.</a:t>
+            </a:r>
+          </a:p>
+          <a:p>
+            <a:pPr lvl="0"/>
+            <a:r>
+              <a:rPr lang="en-US" sz="2700" dirty="0"/>
+              <a:t>H. </a:t>
+            </a:r>
+            <a:r>
+              <a:rPr lang="en-US" sz="2700" dirty="0" err="1"/>
+              <a:t>Sakoe</a:t>
+            </a:r>
+            <a:r>
+              <a:rPr lang="en-US" sz="2700" dirty="0"/>
+              <a:t> and S. Chiba, “Dynamic programming algorithm optimization for spoken word recognition”, IEEE Trans. Acoustics, Speech, and Signal Proc., vol. ASSP-26, pp. 43-49, 1978.</a:t>
+            </a:r>
+          </a:p>
+          <a:p>
+            <a:pPr lvl="0"/>
+            <a:r>
+              <a:rPr lang="en-US" sz="2700" dirty="0" smtClean="0"/>
+              <a:t>C</a:t>
+            </a:r>
+            <a:r>
+              <a:rPr lang="en-US" sz="2700" dirty="0"/>
+              <a:t>. D. Truong, H. N. Tin, D. T. Anh,  “ Combining motif information and neural network for time series prediction”, Int. Journal of Business Intelligence and Data Mining,  vol. 7, no. 4, pp. 318-339, 2012.</a:t>
+            </a:r>
+          </a:p>
+          <a:p>
+            <a:endParaRPr lang="en-US" sz="2000" dirty="0"/>
+          </a:p>
+        </p:txBody>
+      </p:sp>
+      <p:sp>
+        <p:nvSpPr>
+          <p:cNvPr id="4" name="Slide Number Placeholder 3"/>
+          <p:cNvSpPr>
+            <a:spLocks noGrp="1"/>
+          </p:cNvSpPr>
+          <p:nvPr>
+            <p:ph type="sldNum" sz="quarter" idx="12"/>
+          </p:nvPr>
+        </p:nvSpPr>
+        <p:spPr/>
+        <p:txBody>
+          <a:bodyPr/>
+          <a:lstStyle/>
+          <a:p>
+            <a:fld id="{38324C1E-6E2F-465B-B7AC-362036DEB808}" type="slidenum">
+              <a:rPr lang="en-US" smtClean="0"/>
+              <a:t>35</a:t>
+            </a:fld>
+            <a:endParaRPr lang="en-US"/>
+          </a:p>
+        </p:txBody>
+      </p:sp>
+    </p:spTree>
+    <p:extLst>
+      <p:ext uri="{BB962C8B-B14F-4D97-AF65-F5344CB8AC3E}">
+        <p14:creationId xmlns:p14="http://schemas.microsoft.com/office/powerpoint/2010/main" val="3386409769"/>
+      </p:ext>
+    </p:extLst>
+  </p:cSld>
+  <p:clrMapOvr>
+    <a:masterClrMapping/>
+  </p:clrMapOvr>
+  <p:timing>
+    <p:tnLst>
+      <p:par>
+        <p:cTn id="1" dur="indefinite" restart="never" nodeType="tmRoot"/>
+      </p:par>
+    </p:tnLst>
+  </p:timing>
+</p:sld>
+</file>
+
+<file path=ppt/slides/slide36.xml><?xml version="1.0" encoding="utf-8"?>
+<p:sld xmlns:a="http://schemas.openxmlformats.org/drawingml/2006/main" xmlns:r="http://schemas.openxmlformats.org/officeDocument/2006/relationships" xmlns:p="http://schemas.openxmlformats.org/presentationml/2006/main">
+  <p:cSld>
+    <p:spTree>
+      <p:nvGrpSpPr>
+        <p:cNvPr id="1" name=""/>
+        <p:cNvGrpSpPr/>
+        <p:nvPr/>
+      </p:nvGrpSpPr>
+      <p:grpSpPr>
+        <a:xfrm>
+          <a:off x="0" y="0"/>
+          <a:ext cx="0" cy="0"/>
+          <a:chOff x="0" y="0"/>
+          <a:chExt cx="0" cy="0"/>
+        </a:xfrm>
+      </p:grpSpPr>
+      <p:sp>
+        <p:nvSpPr>
+          <p:cNvPr id="2" name="Title 1"/>
+          <p:cNvSpPr>
+            <a:spLocks noGrp="1"/>
+          </p:cNvSpPr>
+          <p:nvPr>
+            <p:ph type="title"/>
+          </p:nvPr>
+        </p:nvSpPr>
+        <p:spPr>
+          <a:xfrm>
+            <a:off x="457200" y="655638"/>
+            <a:ext cx="8229600" cy="868362"/>
+          </a:xfrm>
+        </p:spPr>
+        <p:txBody>
+          <a:bodyPr>
+            <a:normAutofit/>
+          </a:bodyPr>
+          <a:lstStyle/>
+          <a:p>
+            <a:r>
+              <a:rPr lang="en-US" sz="4100" dirty="0" smtClean="0"/>
+              <a:t>Q &amp; A</a:t>
+            </a:r>
+            <a:endParaRPr lang="en-US" sz="4100" dirty="0"/>
+          </a:p>
+        </p:txBody>
+      </p:sp>
+      <p:sp>
+        <p:nvSpPr>
+          <p:cNvPr id="3" name="Slide Number Placeholder 2"/>
+          <p:cNvSpPr>
+            <a:spLocks noGrp="1"/>
+          </p:cNvSpPr>
+          <p:nvPr>
+            <p:ph type="sldNum" sz="quarter" idx="12"/>
+          </p:nvPr>
+        </p:nvSpPr>
+        <p:spPr/>
+        <p:txBody>
+          <a:bodyPr/>
+          <a:lstStyle/>
+          <a:p>
+            <a:fld id="{38324C1E-6E2F-465B-B7AC-362036DEB808}" type="slidenum">
+              <a:rPr lang="en-US" smtClean="0"/>
+              <a:t>36</a:t>
+            </a:fld>
+            <a:endParaRPr lang="en-US"/>
+          </a:p>
+        </p:txBody>
+      </p:sp>
+      <p:sp>
+        <p:nvSpPr>
+          <p:cNvPr id="4" name="TextBox 3"/>
+          <p:cNvSpPr txBox="1"/>
+          <p:nvPr/>
+        </p:nvSpPr>
+        <p:spPr>
+          <a:xfrm>
+            <a:off x="1143000" y="3086725"/>
+            <a:ext cx="6858000" cy="723275"/>
+          </a:xfrm>
+          <a:prstGeom prst="rect">
+            <a:avLst/>
+          </a:prstGeom>
+          <a:noFill/>
+        </p:spPr>
+        <p:txBody>
+          <a:bodyPr wrap="square" rtlCol="0">
+            <a:spAutoFit/>
+          </a:bodyPr>
+          <a:lstStyle/>
+          <a:p>
+            <a:pPr algn="ctr"/>
+            <a:r>
+              <a:rPr lang="en-US" sz="4100" dirty="0" smtClean="0">
+                <a:latin typeface="+mj-lt"/>
+              </a:rPr>
+              <a:t>Thank you!</a:t>
+            </a:r>
+            <a:endParaRPr lang="en-US" sz="4100" dirty="0">
+              <a:latin typeface="+mj-lt"/>
+            </a:endParaRPr>
+          </a:p>
+        </p:txBody>
+      </p:sp>
+    </p:spTree>
+    <p:extLst>
+      <p:ext uri="{BB962C8B-B14F-4D97-AF65-F5344CB8AC3E}">
+        <p14:creationId xmlns:p14="http://schemas.microsoft.com/office/powerpoint/2010/main" val="1866054366"/>
+      </p:ext>
+    </p:extLst>
+  </p:cSld>
+  <p:clrMapOvr>
+    <a:masterClrMapping/>
+  </p:clrMapOvr>
+  <p:timing>
+    <p:tnLst>
+      <p:par>
+        <p:cTn id="1" dur="indefinite" restart="never" nodeType="tmRoot"/>
+      </p:par>
+    </p:tnLst>
+  </p:timing>
+</p:sld>
+</file>
+
+<file path=ppt/slides/slide37.xml><?xml version="1.0" encoding="utf-8"?>
+<p:sld xmlns:a="http://schemas.openxmlformats.org/drawingml/2006/main" xmlns:r="http://schemas.openxmlformats.org/officeDocument/2006/relationships" xmlns:p="http://schemas.openxmlformats.org/presentationml/2006/main">
+  <p:cSld>
+    <p:spTree>
+      <p:nvGrpSpPr>
+        <p:cNvPr id="1" name=""/>
+        <p:cNvGrpSpPr/>
+        <p:nvPr/>
+      </p:nvGrpSpPr>
+      <p:grpSpPr>
+        <a:xfrm>
+          <a:off x="0" y="0"/>
+          <a:ext cx="0" cy="0"/>
+          <a:chOff x="0" y="0"/>
+          <a:chExt cx="0" cy="0"/>
+        </a:xfrm>
+      </p:grpSpPr>
+      <p:sp>
+        <p:nvSpPr>
+          <p:cNvPr id="2" name="Title 1"/>
+          <p:cNvSpPr>
+            <a:spLocks noGrp="1"/>
+          </p:cNvSpPr>
+          <p:nvPr>
+            <p:ph type="title"/>
+          </p:nvPr>
+        </p:nvSpPr>
+        <p:spPr/>
+        <p:txBody>
+          <a:bodyPr/>
+          <a:lstStyle/>
+          <a:p>
+            <a:endParaRPr lang="en-US"/>
+          </a:p>
+        </p:txBody>
+      </p:sp>
+      <p:sp>
+        <p:nvSpPr>
+          <p:cNvPr id="3" name="Content Placeholder 2"/>
+          <p:cNvSpPr>
+            <a:spLocks noGrp="1"/>
+          </p:cNvSpPr>
+          <p:nvPr>
+            <p:ph idx="1"/>
+          </p:nvPr>
+        </p:nvSpPr>
+        <p:spPr/>
+        <p:txBody>
+          <a:bodyPr/>
+          <a:lstStyle/>
+          <a:p>
+            <a:endParaRPr lang="en-US"/>
+          </a:p>
+        </p:txBody>
+      </p:sp>
+      <p:sp>
+        <p:nvSpPr>
+          <p:cNvPr id="4" name="Slide Number Placeholder 3"/>
+          <p:cNvSpPr>
+            <a:spLocks noGrp="1"/>
+          </p:cNvSpPr>
+          <p:nvPr>
+            <p:ph type="sldNum" sz="quarter" idx="12"/>
+          </p:nvPr>
+        </p:nvSpPr>
+        <p:spPr/>
+        <p:txBody>
+          <a:bodyPr/>
+          <a:lstStyle/>
+          <a:p>
+            <a:fld id="{38324C1E-6E2F-465B-B7AC-362036DEB808}" type="slidenum">
+              <a:rPr lang="en-US" smtClean="0"/>
+              <a:t>37</a:t>
+            </a:fld>
+            <a:endParaRPr lang="en-US"/>
+          </a:p>
+        </p:txBody>
+      </p:sp>
+    </p:spTree>
+    <p:extLst>
+      <p:ext uri="{BB962C8B-B14F-4D97-AF65-F5344CB8AC3E}">
+        <p14:creationId xmlns:p14="http://schemas.microsoft.com/office/powerpoint/2010/main" val="1528571006"/>
+      </p:ext>
+    </p:extLst>
+  </p:cSld>
+  <p:clrMapOvr>
+    <a:masterClrMapping/>
+  </p:clrMapOvr>
+  <p:timing>
+    <p:tnLst>
+      <p:par>
+        <p:cTn id="1" dur="indefinite" restart="never" nodeType="tmRoot"/>
+      </p:par>
+    </p:tnLst>
+  </p:timing>
+</p:sld>
+</file>
+
+<file path=ppt/slides/slide38.xml><?xml version="1.0" encoding="utf-8"?>
+<p:sld xmlns:a="http://schemas.openxmlformats.org/drawingml/2006/main" xmlns:r="http://schemas.openxmlformats.org/officeDocument/2006/relationships" xmlns:p="http://schemas.openxmlformats.org/presentationml/2006/main">
+  <p:cSld>
+    <p:spTree>
+      <p:nvGrpSpPr>
+        <p:cNvPr id="1" name=""/>
+        <p:cNvGrpSpPr/>
+        <p:nvPr/>
+      </p:nvGrpSpPr>
+      <p:grpSpPr>
+        <a:xfrm>
+          <a:off x="0" y="0"/>
+          <a:ext cx="0" cy="0"/>
+          <a:chOff x="0" y="0"/>
+          <a:chExt cx="0" cy="0"/>
+        </a:xfrm>
+      </p:grpSpPr>
+      <p:sp>
+        <p:nvSpPr>
+          <p:cNvPr id="2" name="Title 1"/>
+          <p:cNvSpPr>
+            <a:spLocks noGrp="1"/>
+          </p:cNvSpPr>
+          <p:nvPr>
+            <p:ph type="title"/>
+          </p:nvPr>
+        </p:nvSpPr>
+        <p:spPr/>
+        <p:txBody>
+          <a:bodyPr/>
+          <a:lstStyle/>
+          <a:p>
+            <a:endParaRPr lang="en-US"/>
+          </a:p>
+        </p:txBody>
+      </p:sp>
+      <p:sp>
+        <p:nvSpPr>
+          <p:cNvPr id="3" name="Content Placeholder 2"/>
+          <p:cNvSpPr>
+            <a:spLocks noGrp="1"/>
+          </p:cNvSpPr>
+          <p:nvPr>
+            <p:ph idx="1"/>
+          </p:nvPr>
+        </p:nvSpPr>
+        <p:spPr/>
+        <p:txBody>
+          <a:bodyPr/>
+          <a:lstStyle/>
+          <a:p>
+            <a:endParaRPr lang="en-US"/>
+          </a:p>
+        </p:txBody>
+      </p:sp>
+      <p:sp>
+        <p:nvSpPr>
+          <p:cNvPr id="4" name="Slide Number Placeholder 3"/>
+          <p:cNvSpPr>
+            <a:spLocks noGrp="1"/>
+          </p:cNvSpPr>
+          <p:nvPr>
+            <p:ph type="sldNum" sz="quarter" idx="12"/>
+          </p:nvPr>
+        </p:nvSpPr>
+        <p:spPr/>
+        <p:txBody>
+          <a:bodyPr/>
+          <a:lstStyle/>
+          <a:p>
+            <a:fld id="{38324C1E-6E2F-465B-B7AC-362036DEB808}" type="slidenum">
+              <a:rPr lang="en-US" smtClean="0"/>
+              <a:t>38</a:t>
+            </a:fld>
+            <a:endParaRPr lang="en-US"/>
+          </a:p>
+        </p:txBody>
+      </p:sp>
+    </p:spTree>
+    <p:extLst>
+      <p:ext uri="{BB962C8B-B14F-4D97-AF65-F5344CB8AC3E}">
+        <p14:creationId xmlns:p14="http://schemas.microsoft.com/office/powerpoint/2010/main" val="3191652677"/>
+      </p:ext>
+    </p:extLst>
+  </p:cSld>
+  <p:clrMapOvr>
+    <a:masterClrMapping/>
+  </p:clrMapOvr>
+</p:sld>
+</file>
+
+<file path=ppt/slides/slide39.xml><?xml version="1.0" encoding="utf-8"?>
+<p:sld xmlns:a="http://schemas.openxmlformats.org/drawingml/2006/main" xmlns:r="http://schemas.openxmlformats.org/officeDocument/2006/relationships" xmlns:p="http://schemas.openxmlformats.org/presentationml/2006/main">
+  <p:cSld>
+    <p:spTree>
+      <p:nvGrpSpPr>
+        <p:cNvPr id="1" name=""/>
+        <p:cNvGrpSpPr/>
+        <p:nvPr/>
+      </p:nvGrpSpPr>
+      <p:grpSpPr>
+        <a:xfrm>
+          <a:off x="0" y="0"/>
+          <a:ext cx="0" cy="0"/>
+          <a:chOff x="0" y="0"/>
+          <a:chExt cx="0" cy="0"/>
+        </a:xfrm>
+      </p:grpSpPr>
+      <p:sp>
+        <p:nvSpPr>
+          <p:cNvPr id="2" name="Title 1"/>
+          <p:cNvSpPr>
+            <a:spLocks noGrp="1"/>
+          </p:cNvSpPr>
+          <p:nvPr>
+            <p:ph type="title"/>
+          </p:nvPr>
+        </p:nvSpPr>
         <p:spPr/>
         <p:txBody>
           <a:bodyPr>
@@ -10444,7 +13014,7 @@
                 </a:solidFill>
               </a:rPr>
               <a:pPr/>
-              <a:t>35</a:t>
+              <a:t>39</a:t>
             </a:fld>
             <a:endParaRPr lang="en-US">
               <a:solidFill>
@@ -10526,746 +13096,6 @@
     <p:extLst>
       <p:ext uri="{BB962C8B-B14F-4D97-AF65-F5344CB8AC3E}">
         <p14:creationId xmlns:p14="http://schemas.microsoft.com/office/powerpoint/2010/main" val="2737283636"/>
-      </p:ext>
-    </p:extLst>
-  </p:cSld>
-  <p:clrMapOvr>
-    <a:masterClrMapping/>
-  </p:clrMapOvr>
-  <p:timing>
-    <p:tnLst>
-      <p:par>
-        <p:cTn id="1" dur="indefinite" restart="never" nodeType="tmRoot"/>
-      </p:par>
-    </p:tnLst>
-  </p:timing>
-</p:sld>
-</file>
-
-<file path=ppt/slides/slide36.xml><?xml version="1.0" encoding="utf-8"?>
-<p:sld xmlns:a="http://schemas.openxmlformats.org/drawingml/2006/main" xmlns:r="http://schemas.openxmlformats.org/officeDocument/2006/relationships" xmlns:p="http://schemas.openxmlformats.org/presentationml/2006/main">
-  <p:cSld>
-    <p:spTree>
-      <p:nvGrpSpPr>
-        <p:cNvPr id="1" name=""/>
-        <p:cNvGrpSpPr/>
-        <p:nvPr/>
-      </p:nvGrpSpPr>
-      <p:grpSpPr>
-        <a:xfrm>
-          <a:off x="0" y="0"/>
-          <a:ext cx="0" cy="0"/>
-          <a:chOff x="0" y="0"/>
-          <a:chExt cx="0" cy="0"/>
-        </a:xfrm>
-      </p:grpSpPr>
-      <p:sp>
-        <p:nvSpPr>
-          <p:cNvPr id="2" name="Title 1"/>
-          <p:cNvSpPr>
-            <a:spLocks noGrp="1"/>
-          </p:cNvSpPr>
-          <p:nvPr>
-            <p:ph type="title"/>
-          </p:nvPr>
-        </p:nvSpPr>
-        <p:spPr/>
-        <p:txBody>
-          <a:bodyPr>
-            <a:normAutofit fontScale="90000"/>
-          </a:bodyPr>
-          <a:lstStyle/>
-          <a:p>
-            <a:r>
-              <a:rPr lang="en-US" dirty="0"/>
-              <a:t>ECG </a:t>
-            </a:r>
-            <a:r>
-              <a:rPr lang="en-US" dirty="0" smtClean="0"/>
-              <a:t>108: VL_EP|HT vs HOT SAX(588)</a:t>
-            </a:r>
-            <a:endParaRPr lang="en-US" dirty="0"/>
-          </a:p>
-        </p:txBody>
-      </p:sp>
-      <p:sp>
-        <p:nvSpPr>
-          <p:cNvPr id="4" name="Slide Number Placeholder 3"/>
-          <p:cNvSpPr>
-            <a:spLocks noGrp="1"/>
-          </p:cNvSpPr>
-          <p:nvPr>
-            <p:ph type="sldNum" sz="quarter" idx="12"/>
-          </p:nvPr>
-        </p:nvSpPr>
-        <p:spPr/>
-        <p:txBody>
-          <a:bodyPr/>
-          <a:lstStyle/>
-          <a:p>
-            <a:fld id="{38324C1E-6E2F-465B-B7AC-362036DEB808}" type="slidenum">
-              <a:rPr lang="en-US" smtClean="0">
-                <a:solidFill>
-                  <a:prstClr val="black">
-                    <a:tint val="75000"/>
-                  </a:prstClr>
-                </a:solidFill>
-              </a:rPr>
-              <a:pPr/>
-              <a:t>36</a:t>
-            </a:fld>
-            <a:endParaRPr lang="en-US">
-              <a:solidFill>
-                <a:prstClr val="black">
-                  <a:tint val="75000"/>
-                </a:prstClr>
-              </a:solidFill>
-            </a:endParaRPr>
-          </a:p>
-        </p:txBody>
-      </p:sp>
-      <p:pic>
-        <p:nvPicPr>
-          <p:cNvPr id="5" name="Content Placeholder 4"/>
-          <p:cNvPicPr>
-            <a:picLocks noGrp="1"/>
-          </p:cNvPicPr>
-          <p:nvPr>
-            <p:ph idx="1"/>
-          </p:nvPr>
-        </p:nvPicPr>
-        <p:blipFill>
-          <a:blip r:embed="rId2">
-            <a:extLst>
-              <a:ext uri="{28A0092B-C50C-407E-A947-70E740481C1C}">
-                <a14:useLocalDpi xmlns:a14="http://schemas.microsoft.com/office/drawing/2010/main" val="0"/>
-              </a:ext>
-            </a:extLst>
-          </a:blip>
-          <a:srcRect/>
-          <a:stretch>
-            <a:fillRect/>
-          </a:stretch>
-        </p:blipFill>
-        <p:spPr bwMode="auto">
-          <a:xfrm>
-            <a:off x="1219200" y="1066801"/>
-            <a:ext cx="5791200" cy="2819400"/>
-          </a:xfrm>
-          <a:prstGeom prst="rect">
-            <a:avLst/>
-          </a:prstGeom>
-          <a:noFill/>
-          <a:ln>
-            <a:noFill/>
-          </a:ln>
-        </p:spPr>
-      </p:pic>
-      <p:pic>
-        <p:nvPicPr>
-          <p:cNvPr id="6" name="Picture 5"/>
-          <p:cNvPicPr/>
-          <p:nvPr/>
-        </p:nvPicPr>
-        <p:blipFill>
-          <a:blip r:embed="rId3">
-            <a:extLst>
-              <a:ext uri="{28A0092B-C50C-407E-A947-70E740481C1C}">
-                <a14:useLocalDpi xmlns:a14="http://schemas.microsoft.com/office/drawing/2010/main" val="0"/>
-              </a:ext>
-            </a:extLst>
-          </a:blip>
-          <a:srcRect/>
-          <a:stretch>
-            <a:fillRect/>
-          </a:stretch>
-        </p:blipFill>
-        <p:spPr bwMode="auto">
-          <a:xfrm>
-            <a:off x="1219200" y="3838575"/>
-            <a:ext cx="5791200" cy="3019425"/>
-          </a:xfrm>
-          <a:prstGeom prst="rect">
-            <a:avLst/>
-          </a:prstGeom>
-          <a:noFill/>
-          <a:ln>
-            <a:noFill/>
-          </a:ln>
-        </p:spPr>
-      </p:pic>
-    </p:spTree>
-    <p:extLst>
-      <p:ext uri="{BB962C8B-B14F-4D97-AF65-F5344CB8AC3E}">
-        <p14:creationId xmlns:p14="http://schemas.microsoft.com/office/powerpoint/2010/main" val="1727492109"/>
-      </p:ext>
-    </p:extLst>
-  </p:cSld>
-  <p:clrMapOvr>
-    <a:masterClrMapping/>
-  </p:clrMapOvr>
-  <p:timing>
-    <p:tnLst>
-      <p:par>
-        <p:cTn id="1" dur="indefinite" restart="never" nodeType="tmRoot"/>
-      </p:par>
-    </p:tnLst>
-  </p:timing>
-</p:sld>
-</file>
-
-<file path=ppt/slides/slide37.xml><?xml version="1.0" encoding="utf-8"?>
-<p:sld xmlns:a="http://schemas.openxmlformats.org/drawingml/2006/main" xmlns:r="http://schemas.openxmlformats.org/officeDocument/2006/relationships" xmlns:p="http://schemas.openxmlformats.org/presentationml/2006/main">
-  <p:cSld>
-    <p:spTree>
-      <p:nvGrpSpPr>
-        <p:cNvPr id="1" name=""/>
-        <p:cNvGrpSpPr/>
-        <p:nvPr/>
-      </p:nvGrpSpPr>
-      <p:grpSpPr>
-        <a:xfrm>
-          <a:off x="0" y="0"/>
-          <a:ext cx="0" cy="0"/>
-          <a:chOff x="0" y="0"/>
-          <a:chExt cx="0" cy="0"/>
-        </a:xfrm>
-      </p:grpSpPr>
-      <p:sp>
-        <p:nvSpPr>
-          <p:cNvPr id="2" name="Title 1"/>
-          <p:cNvSpPr>
-            <a:spLocks noGrp="1"/>
-          </p:cNvSpPr>
-          <p:nvPr>
-            <p:ph type="title"/>
-          </p:nvPr>
-        </p:nvSpPr>
-        <p:spPr/>
-        <p:txBody>
-          <a:bodyPr>
-            <a:normAutofit fontScale="90000"/>
-          </a:bodyPr>
-          <a:lstStyle/>
-          <a:p>
-            <a:r>
-              <a:rPr lang="en-US" dirty="0" smtClean="0"/>
-              <a:t>ECG 308: VL_QR|HT vs HOT SAX(35) </a:t>
-            </a:r>
-            <a:endParaRPr lang="en-US" dirty="0"/>
-          </a:p>
-        </p:txBody>
-      </p:sp>
-      <p:sp>
-        <p:nvSpPr>
-          <p:cNvPr id="3" name="Content Placeholder 2"/>
-          <p:cNvSpPr>
-            <a:spLocks noGrp="1"/>
-          </p:cNvSpPr>
-          <p:nvPr>
-            <p:ph idx="1"/>
-          </p:nvPr>
-        </p:nvSpPr>
-        <p:spPr/>
-        <p:txBody>
-          <a:bodyPr/>
-          <a:lstStyle/>
-          <a:p>
-            <a:endParaRPr lang="en-US" dirty="0" smtClean="0"/>
-          </a:p>
-        </p:txBody>
-      </p:sp>
-      <p:sp>
-        <p:nvSpPr>
-          <p:cNvPr id="4" name="Slide Number Placeholder 3"/>
-          <p:cNvSpPr>
-            <a:spLocks noGrp="1"/>
-          </p:cNvSpPr>
-          <p:nvPr>
-            <p:ph type="sldNum" sz="quarter" idx="12"/>
-          </p:nvPr>
-        </p:nvSpPr>
-        <p:spPr/>
-        <p:txBody>
-          <a:bodyPr/>
-          <a:lstStyle/>
-          <a:p>
-            <a:fld id="{38324C1E-6E2F-465B-B7AC-362036DEB808}" type="slidenum">
-              <a:rPr lang="en-US" smtClean="0">
-                <a:solidFill>
-                  <a:prstClr val="black">
-                    <a:tint val="75000"/>
-                  </a:prstClr>
-                </a:solidFill>
-              </a:rPr>
-              <a:pPr/>
-              <a:t>37</a:t>
-            </a:fld>
-            <a:endParaRPr lang="en-US">
-              <a:solidFill>
-                <a:prstClr val="black">
-                  <a:tint val="75000"/>
-                </a:prstClr>
-              </a:solidFill>
-            </a:endParaRPr>
-          </a:p>
-        </p:txBody>
-      </p:sp>
-      <p:pic>
-        <p:nvPicPr>
-          <p:cNvPr id="7" name="Picture 6"/>
-          <p:cNvPicPr/>
-          <p:nvPr/>
-        </p:nvPicPr>
-        <p:blipFill>
-          <a:blip r:embed="rId2">
-            <a:extLst>
-              <a:ext uri="{28A0092B-C50C-407E-A947-70E740481C1C}">
-                <a14:useLocalDpi xmlns:a14="http://schemas.microsoft.com/office/drawing/2010/main" val="0"/>
-              </a:ext>
-            </a:extLst>
-          </a:blip>
-          <a:srcRect/>
-          <a:stretch>
-            <a:fillRect/>
-          </a:stretch>
-        </p:blipFill>
-        <p:spPr bwMode="auto">
-          <a:xfrm>
-            <a:off x="1295400" y="1066800"/>
-            <a:ext cx="5581650" cy="2971800"/>
-          </a:xfrm>
-          <a:prstGeom prst="rect">
-            <a:avLst/>
-          </a:prstGeom>
-          <a:noFill/>
-          <a:ln>
-            <a:noFill/>
-          </a:ln>
-        </p:spPr>
-      </p:pic>
-      <p:pic>
-        <p:nvPicPr>
-          <p:cNvPr id="8" name="Picture 7"/>
-          <p:cNvPicPr/>
-          <p:nvPr/>
-        </p:nvPicPr>
-        <p:blipFill>
-          <a:blip r:embed="rId3">
-            <a:extLst>
-              <a:ext uri="{28A0092B-C50C-407E-A947-70E740481C1C}">
-                <a14:useLocalDpi xmlns:a14="http://schemas.microsoft.com/office/drawing/2010/main" val="0"/>
-              </a:ext>
-            </a:extLst>
-          </a:blip>
-          <a:srcRect/>
-          <a:stretch>
-            <a:fillRect/>
-          </a:stretch>
-        </p:blipFill>
-        <p:spPr bwMode="auto">
-          <a:xfrm>
-            <a:off x="1259568" y="3857625"/>
-            <a:ext cx="5581650" cy="3000375"/>
-          </a:xfrm>
-          <a:prstGeom prst="rect">
-            <a:avLst/>
-          </a:prstGeom>
-          <a:noFill/>
-          <a:ln>
-            <a:noFill/>
-          </a:ln>
-        </p:spPr>
-      </p:pic>
-    </p:spTree>
-    <p:extLst>
-      <p:ext uri="{BB962C8B-B14F-4D97-AF65-F5344CB8AC3E}">
-        <p14:creationId xmlns:p14="http://schemas.microsoft.com/office/powerpoint/2010/main" val="2284100696"/>
-      </p:ext>
-    </p:extLst>
-  </p:cSld>
-  <p:clrMapOvr>
-    <a:masterClrMapping/>
-  </p:clrMapOvr>
-  <p:timing>
-    <p:tnLst>
-      <p:par>
-        <p:cTn id="1" dur="indefinite" restart="never" nodeType="tmRoot"/>
-      </p:par>
-    </p:tnLst>
-  </p:timing>
-</p:sld>
-</file>
-
-<file path=ppt/slides/slide38.xml><?xml version="1.0" encoding="utf-8"?>
-<p:sld xmlns:a="http://schemas.openxmlformats.org/drawingml/2006/main" xmlns:r="http://schemas.openxmlformats.org/officeDocument/2006/relationships" xmlns:p="http://schemas.openxmlformats.org/presentationml/2006/main">
-  <p:cSld>
-    <p:spTree>
-      <p:nvGrpSpPr>
-        <p:cNvPr id="1" name=""/>
-        <p:cNvGrpSpPr/>
-        <p:nvPr/>
-      </p:nvGrpSpPr>
-      <p:grpSpPr>
-        <a:xfrm>
-          <a:off x="0" y="0"/>
-          <a:ext cx="0" cy="0"/>
-          <a:chOff x="0" y="0"/>
-          <a:chExt cx="0" cy="0"/>
-        </a:xfrm>
-      </p:grpSpPr>
-      <p:sp>
-        <p:nvSpPr>
-          <p:cNvPr id="2" name="Title 1"/>
-          <p:cNvSpPr>
-            <a:spLocks noGrp="1"/>
-          </p:cNvSpPr>
-          <p:nvPr>
-            <p:ph type="title"/>
-          </p:nvPr>
-        </p:nvSpPr>
-        <p:spPr/>
-        <p:txBody>
-          <a:bodyPr>
-            <a:normAutofit/>
-          </a:bodyPr>
-          <a:lstStyle/>
-          <a:p>
-            <a:r>
-              <a:rPr lang="en-US" dirty="0"/>
-              <a:t>ECG 3</a:t>
-            </a:r>
-            <a:r>
-              <a:rPr lang="en-US" dirty="0" smtClean="0"/>
-              <a:t>08: VL_EP|HT vs HOT SAX(62)</a:t>
-            </a:r>
-            <a:endParaRPr lang="en-US" dirty="0"/>
-          </a:p>
-        </p:txBody>
-      </p:sp>
-      <p:sp>
-        <p:nvSpPr>
-          <p:cNvPr id="4" name="Slide Number Placeholder 3"/>
-          <p:cNvSpPr>
-            <a:spLocks noGrp="1"/>
-          </p:cNvSpPr>
-          <p:nvPr>
-            <p:ph type="sldNum" sz="quarter" idx="12"/>
-          </p:nvPr>
-        </p:nvSpPr>
-        <p:spPr/>
-        <p:txBody>
-          <a:bodyPr/>
-          <a:lstStyle/>
-          <a:p>
-            <a:fld id="{38324C1E-6E2F-465B-B7AC-362036DEB808}" type="slidenum">
-              <a:rPr lang="en-US" smtClean="0">
-                <a:solidFill>
-                  <a:prstClr val="black">
-                    <a:tint val="75000"/>
-                  </a:prstClr>
-                </a:solidFill>
-              </a:rPr>
-              <a:pPr/>
-              <a:t>38</a:t>
-            </a:fld>
-            <a:endParaRPr lang="en-US" dirty="0">
-              <a:solidFill>
-                <a:prstClr val="black">
-                  <a:tint val="75000"/>
-                </a:prstClr>
-              </a:solidFill>
-            </a:endParaRPr>
-          </a:p>
-        </p:txBody>
-      </p:sp>
-      <p:sp>
-        <p:nvSpPr>
-          <p:cNvPr id="3" name="Content Placeholder 2"/>
-          <p:cNvSpPr>
-            <a:spLocks noGrp="1"/>
-          </p:cNvSpPr>
-          <p:nvPr>
-            <p:ph idx="1"/>
-          </p:nvPr>
-        </p:nvSpPr>
-        <p:spPr/>
-        <p:txBody>
-          <a:bodyPr/>
-          <a:lstStyle/>
-          <a:p>
-            <a:endParaRPr lang="en-US" dirty="0" smtClean="0"/>
-          </a:p>
-          <a:p>
-            <a:endParaRPr lang="en-US" dirty="0"/>
-          </a:p>
-          <a:p>
-            <a:endParaRPr lang="en-US" dirty="0" smtClean="0"/>
-          </a:p>
-          <a:p>
-            <a:endParaRPr lang="en-US" dirty="0"/>
-          </a:p>
-          <a:p>
-            <a:endParaRPr lang="en-US" dirty="0" smtClean="0"/>
-          </a:p>
-          <a:p>
-            <a:endParaRPr lang="en-US" dirty="0"/>
-          </a:p>
-        </p:txBody>
-      </p:sp>
-      <p:pic>
-        <p:nvPicPr>
-          <p:cNvPr id="7" name="Picture 6"/>
-          <p:cNvPicPr/>
-          <p:nvPr/>
-        </p:nvPicPr>
-        <p:blipFill>
-          <a:blip r:embed="rId2">
-            <a:extLst>
-              <a:ext uri="{28A0092B-C50C-407E-A947-70E740481C1C}">
-                <a14:useLocalDpi xmlns:a14="http://schemas.microsoft.com/office/drawing/2010/main" val="0"/>
-              </a:ext>
-            </a:extLst>
-          </a:blip>
-          <a:srcRect/>
-          <a:stretch>
-            <a:fillRect/>
-          </a:stretch>
-        </p:blipFill>
-        <p:spPr bwMode="auto">
-          <a:xfrm>
-            <a:off x="1436915" y="1219200"/>
-            <a:ext cx="5334000" cy="2819400"/>
-          </a:xfrm>
-          <a:prstGeom prst="rect">
-            <a:avLst/>
-          </a:prstGeom>
-          <a:noFill/>
-          <a:ln>
-            <a:noFill/>
-          </a:ln>
-        </p:spPr>
-      </p:pic>
-      <p:pic>
-        <p:nvPicPr>
-          <p:cNvPr id="8" name="Picture 7"/>
-          <p:cNvPicPr/>
-          <p:nvPr/>
-        </p:nvPicPr>
-        <p:blipFill>
-          <a:blip r:embed="rId3">
-            <a:extLst>
-              <a:ext uri="{28A0092B-C50C-407E-A947-70E740481C1C}">
-                <a14:useLocalDpi xmlns:a14="http://schemas.microsoft.com/office/drawing/2010/main" val="0"/>
-              </a:ext>
-            </a:extLst>
-          </a:blip>
-          <a:srcRect/>
-          <a:stretch>
-            <a:fillRect/>
-          </a:stretch>
-        </p:blipFill>
-        <p:spPr bwMode="auto">
-          <a:xfrm>
-            <a:off x="1362075" y="3848100"/>
-            <a:ext cx="5581650" cy="3009900"/>
-          </a:xfrm>
-          <a:prstGeom prst="rect">
-            <a:avLst/>
-          </a:prstGeom>
-          <a:noFill/>
-          <a:ln>
-            <a:noFill/>
-          </a:ln>
-        </p:spPr>
-      </p:pic>
-    </p:spTree>
-    <p:extLst>
-      <p:ext uri="{BB962C8B-B14F-4D97-AF65-F5344CB8AC3E}">
-        <p14:creationId xmlns:p14="http://schemas.microsoft.com/office/powerpoint/2010/main" val="1557103203"/>
-      </p:ext>
-    </p:extLst>
-  </p:cSld>
-  <p:clrMapOvr>
-    <a:masterClrMapping/>
-  </p:clrMapOvr>
-  <p:timing>
-    <p:tnLst>
-      <p:par>
-        <p:cTn id="1" dur="indefinite" restart="never" nodeType="tmRoot"/>
-      </p:par>
-    </p:tnLst>
-  </p:timing>
-</p:sld>
-</file>
-
-<file path=ppt/slides/slide39.xml><?xml version="1.0" encoding="utf-8"?>
-<p:sld xmlns:a="http://schemas.openxmlformats.org/drawingml/2006/main" xmlns:r="http://schemas.openxmlformats.org/officeDocument/2006/relationships" xmlns:p="http://schemas.openxmlformats.org/presentationml/2006/main">
-  <p:cSld>
-    <p:spTree>
-      <p:nvGrpSpPr>
-        <p:cNvPr id="1" name=""/>
-        <p:cNvGrpSpPr/>
-        <p:nvPr/>
-      </p:nvGrpSpPr>
-      <p:grpSpPr>
-        <a:xfrm>
-          <a:off x="0" y="0"/>
-          <a:ext cx="0" cy="0"/>
-          <a:chOff x="0" y="0"/>
-          <a:chExt cx="0" cy="0"/>
-        </a:xfrm>
-      </p:grpSpPr>
-      <p:sp>
-        <p:nvSpPr>
-          <p:cNvPr id="2" name="Title 1"/>
-          <p:cNvSpPr>
-            <a:spLocks noGrp="1"/>
-          </p:cNvSpPr>
-          <p:nvPr>
-            <p:ph type="title"/>
-          </p:nvPr>
-        </p:nvSpPr>
-        <p:spPr/>
-        <p:txBody>
-          <a:bodyPr>
-            <a:normAutofit/>
-          </a:bodyPr>
-          <a:lstStyle/>
-          <a:p>
-            <a:r>
-              <a:rPr lang="en-US" dirty="0" smtClean="0"/>
-              <a:t>ERP: VL_QR|HT vs HOT SAX(69) </a:t>
-            </a:r>
-            <a:endParaRPr lang="en-US" dirty="0"/>
-          </a:p>
-        </p:txBody>
-      </p:sp>
-      <p:sp>
-        <p:nvSpPr>
-          <p:cNvPr id="3" name="Content Placeholder 2"/>
-          <p:cNvSpPr>
-            <a:spLocks noGrp="1"/>
-          </p:cNvSpPr>
-          <p:nvPr>
-            <p:ph idx="1"/>
-          </p:nvPr>
-        </p:nvSpPr>
-        <p:spPr/>
-        <p:txBody>
-          <a:bodyPr/>
-          <a:lstStyle/>
-          <a:p>
-            <a:endParaRPr lang="en-US" dirty="0" smtClean="0"/>
-          </a:p>
-        </p:txBody>
-      </p:sp>
-      <p:sp>
-        <p:nvSpPr>
-          <p:cNvPr id="4" name="Slide Number Placeholder 3"/>
-          <p:cNvSpPr>
-            <a:spLocks noGrp="1"/>
-          </p:cNvSpPr>
-          <p:nvPr>
-            <p:ph type="sldNum" sz="quarter" idx="12"/>
-          </p:nvPr>
-        </p:nvSpPr>
-        <p:spPr/>
-        <p:txBody>
-          <a:bodyPr/>
-          <a:lstStyle/>
-          <a:p>
-            <a:fld id="{38324C1E-6E2F-465B-B7AC-362036DEB808}" type="slidenum">
-              <a:rPr lang="en-US" smtClean="0">
-                <a:solidFill>
-                  <a:prstClr val="black">
-                    <a:tint val="75000"/>
-                  </a:prstClr>
-                </a:solidFill>
-              </a:rPr>
-              <a:pPr/>
-              <a:t>39</a:t>
-            </a:fld>
-            <a:endParaRPr lang="en-US">
-              <a:solidFill>
-                <a:prstClr val="black">
-                  <a:tint val="75000"/>
-                </a:prstClr>
-              </a:solidFill>
-            </a:endParaRPr>
-          </a:p>
-        </p:txBody>
-      </p:sp>
-      <p:pic>
-        <p:nvPicPr>
-          <p:cNvPr id="9" name="Picture 8"/>
-          <p:cNvPicPr/>
-          <p:nvPr/>
-        </p:nvPicPr>
-        <p:blipFill>
-          <a:blip r:embed="rId2">
-            <a:extLst>
-              <a:ext uri="{28A0092B-C50C-407E-A947-70E740481C1C}">
-                <a14:useLocalDpi xmlns:a14="http://schemas.microsoft.com/office/drawing/2010/main" val="0"/>
-              </a:ext>
-            </a:extLst>
-          </a:blip>
-          <a:srcRect/>
-          <a:stretch>
-            <a:fillRect/>
-          </a:stretch>
-        </p:blipFill>
-        <p:spPr bwMode="auto">
-          <a:xfrm>
-            <a:off x="1042080" y="1371600"/>
-            <a:ext cx="5581650" cy="2973705"/>
-          </a:xfrm>
-          <a:prstGeom prst="rect">
-            <a:avLst/>
-          </a:prstGeom>
-          <a:noFill/>
-          <a:ln>
-            <a:noFill/>
-          </a:ln>
-        </p:spPr>
-      </p:pic>
-      <p:pic>
-        <p:nvPicPr>
-          <p:cNvPr id="10" name="Picture 9"/>
-          <p:cNvPicPr/>
-          <p:nvPr/>
-        </p:nvPicPr>
-        <p:blipFill>
-          <a:blip r:embed="rId3">
-            <a:extLst>
-              <a:ext uri="{28A0092B-C50C-407E-A947-70E740481C1C}">
-                <a14:useLocalDpi xmlns:a14="http://schemas.microsoft.com/office/drawing/2010/main" val="0"/>
-              </a:ext>
-            </a:extLst>
-          </a:blip>
-          <a:srcRect/>
-          <a:stretch>
-            <a:fillRect/>
-          </a:stretch>
-        </p:blipFill>
-        <p:spPr bwMode="auto">
-          <a:xfrm>
-            <a:off x="990600" y="4105819"/>
-            <a:ext cx="5572125" cy="2933700"/>
-          </a:xfrm>
-          <a:prstGeom prst="rect">
-            <a:avLst/>
-          </a:prstGeom>
-          <a:noFill/>
-          <a:ln>
-            <a:noFill/>
-          </a:ln>
-        </p:spPr>
-      </p:pic>
-    </p:spTree>
-    <p:extLst>
-      <p:ext uri="{BB962C8B-B14F-4D97-AF65-F5344CB8AC3E}">
-        <p14:creationId xmlns:p14="http://schemas.microsoft.com/office/powerpoint/2010/main" val="830493993"/>
       </p:ext>
     </p:extLst>
   </p:cSld>
@@ -11497,13 +13327,17 @@
         <p:spPr/>
         <p:txBody>
           <a:bodyPr>
-            <a:normAutofit/>
+            <a:normAutofit fontScale="90000"/>
           </a:bodyPr>
           <a:lstStyle/>
           <a:p>
             <a:r>
+              <a:rPr lang="en-US" dirty="0"/>
+              <a:t>ECG </a:t>
+            </a:r>
+            <a:r>
               <a:rPr lang="en-US" dirty="0" smtClean="0"/>
-              <a:t>ERP: VL_EP|HT vs HOT SAX(149)</a:t>
+              <a:t>108: VL_EP|HT vs HOT SAX(588)</a:t>
             </a:r>
             <a:endParaRPr lang="en-US" dirty="0"/>
           </a:p>
@@ -11534,6 +13368,742 @@
               </a:rPr>
               <a:pPr/>
               <a:t>40</a:t>
+            </a:fld>
+            <a:endParaRPr lang="en-US">
+              <a:solidFill>
+                <a:prstClr val="black">
+                  <a:tint val="75000"/>
+                </a:prstClr>
+              </a:solidFill>
+            </a:endParaRPr>
+          </a:p>
+        </p:txBody>
+      </p:sp>
+      <p:pic>
+        <p:nvPicPr>
+          <p:cNvPr id="5" name="Content Placeholder 4"/>
+          <p:cNvPicPr>
+            <a:picLocks noGrp="1"/>
+          </p:cNvPicPr>
+          <p:nvPr>
+            <p:ph idx="1"/>
+          </p:nvPr>
+        </p:nvPicPr>
+        <p:blipFill>
+          <a:blip r:embed="rId2">
+            <a:extLst>
+              <a:ext uri="{28A0092B-C50C-407E-A947-70E740481C1C}">
+                <a14:useLocalDpi xmlns:a14="http://schemas.microsoft.com/office/drawing/2010/main" val="0"/>
+              </a:ext>
+            </a:extLst>
+          </a:blip>
+          <a:srcRect/>
+          <a:stretch>
+            <a:fillRect/>
+          </a:stretch>
+        </p:blipFill>
+        <p:spPr bwMode="auto">
+          <a:xfrm>
+            <a:off x="1219200" y="1066801"/>
+            <a:ext cx="5791200" cy="2819400"/>
+          </a:xfrm>
+          <a:prstGeom prst="rect">
+            <a:avLst/>
+          </a:prstGeom>
+          <a:noFill/>
+          <a:ln>
+            <a:noFill/>
+          </a:ln>
+        </p:spPr>
+      </p:pic>
+      <p:pic>
+        <p:nvPicPr>
+          <p:cNvPr id="6" name="Picture 5"/>
+          <p:cNvPicPr/>
+          <p:nvPr/>
+        </p:nvPicPr>
+        <p:blipFill>
+          <a:blip r:embed="rId3">
+            <a:extLst>
+              <a:ext uri="{28A0092B-C50C-407E-A947-70E740481C1C}">
+                <a14:useLocalDpi xmlns:a14="http://schemas.microsoft.com/office/drawing/2010/main" val="0"/>
+              </a:ext>
+            </a:extLst>
+          </a:blip>
+          <a:srcRect/>
+          <a:stretch>
+            <a:fillRect/>
+          </a:stretch>
+        </p:blipFill>
+        <p:spPr bwMode="auto">
+          <a:xfrm>
+            <a:off x="1219200" y="3838575"/>
+            <a:ext cx="5791200" cy="3019425"/>
+          </a:xfrm>
+          <a:prstGeom prst="rect">
+            <a:avLst/>
+          </a:prstGeom>
+          <a:noFill/>
+          <a:ln>
+            <a:noFill/>
+          </a:ln>
+        </p:spPr>
+      </p:pic>
+    </p:spTree>
+    <p:extLst>
+      <p:ext uri="{BB962C8B-B14F-4D97-AF65-F5344CB8AC3E}">
+        <p14:creationId xmlns:p14="http://schemas.microsoft.com/office/powerpoint/2010/main" val="1727492109"/>
+      </p:ext>
+    </p:extLst>
+  </p:cSld>
+  <p:clrMapOvr>
+    <a:masterClrMapping/>
+  </p:clrMapOvr>
+  <p:timing>
+    <p:tnLst>
+      <p:par>
+        <p:cTn id="1" dur="indefinite" restart="never" nodeType="tmRoot"/>
+      </p:par>
+    </p:tnLst>
+  </p:timing>
+</p:sld>
+</file>
+
+<file path=ppt/slides/slide41.xml><?xml version="1.0" encoding="utf-8"?>
+<p:sld xmlns:a="http://schemas.openxmlformats.org/drawingml/2006/main" xmlns:r="http://schemas.openxmlformats.org/officeDocument/2006/relationships" xmlns:p="http://schemas.openxmlformats.org/presentationml/2006/main">
+  <p:cSld>
+    <p:spTree>
+      <p:nvGrpSpPr>
+        <p:cNvPr id="1" name=""/>
+        <p:cNvGrpSpPr/>
+        <p:nvPr/>
+      </p:nvGrpSpPr>
+      <p:grpSpPr>
+        <a:xfrm>
+          <a:off x="0" y="0"/>
+          <a:ext cx="0" cy="0"/>
+          <a:chOff x="0" y="0"/>
+          <a:chExt cx="0" cy="0"/>
+        </a:xfrm>
+      </p:grpSpPr>
+      <p:sp>
+        <p:nvSpPr>
+          <p:cNvPr id="2" name="Title 1"/>
+          <p:cNvSpPr>
+            <a:spLocks noGrp="1"/>
+          </p:cNvSpPr>
+          <p:nvPr>
+            <p:ph type="title"/>
+          </p:nvPr>
+        </p:nvSpPr>
+        <p:spPr/>
+        <p:txBody>
+          <a:bodyPr>
+            <a:normAutofit fontScale="90000"/>
+          </a:bodyPr>
+          <a:lstStyle/>
+          <a:p>
+            <a:r>
+              <a:rPr lang="en-US" dirty="0" smtClean="0"/>
+              <a:t>ECG 308: VL_QR|HT vs HOT SAX(35) </a:t>
+            </a:r>
+            <a:endParaRPr lang="en-US" dirty="0"/>
+          </a:p>
+        </p:txBody>
+      </p:sp>
+      <p:sp>
+        <p:nvSpPr>
+          <p:cNvPr id="3" name="Content Placeholder 2"/>
+          <p:cNvSpPr>
+            <a:spLocks noGrp="1"/>
+          </p:cNvSpPr>
+          <p:nvPr>
+            <p:ph idx="1"/>
+          </p:nvPr>
+        </p:nvSpPr>
+        <p:spPr/>
+        <p:txBody>
+          <a:bodyPr/>
+          <a:lstStyle/>
+          <a:p>
+            <a:endParaRPr lang="en-US" dirty="0" smtClean="0"/>
+          </a:p>
+        </p:txBody>
+      </p:sp>
+      <p:sp>
+        <p:nvSpPr>
+          <p:cNvPr id="4" name="Slide Number Placeholder 3"/>
+          <p:cNvSpPr>
+            <a:spLocks noGrp="1"/>
+          </p:cNvSpPr>
+          <p:nvPr>
+            <p:ph type="sldNum" sz="quarter" idx="12"/>
+          </p:nvPr>
+        </p:nvSpPr>
+        <p:spPr/>
+        <p:txBody>
+          <a:bodyPr/>
+          <a:lstStyle/>
+          <a:p>
+            <a:fld id="{38324C1E-6E2F-465B-B7AC-362036DEB808}" type="slidenum">
+              <a:rPr lang="en-US" smtClean="0">
+                <a:solidFill>
+                  <a:prstClr val="black">
+                    <a:tint val="75000"/>
+                  </a:prstClr>
+                </a:solidFill>
+              </a:rPr>
+              <a:pPr/>
+              <a:t>41</a:t>
+            </a:fld>
+            <a:endParaRPr lang="en-US">
+              <a:solidFill>
+                <a:prstClr val="black">
+                  <a:tint val="75000"/>
+                </a:prstClr>
+              </a:solidFill>
+            </a:endParaRPr>
+          </a:p>
+        </p:txBody>
+      </p:sp>
+      <p:pic>
+        <p:nvPicPr>
+          <p:cNvPr id="7" name="Picture 6"/>
+          <p:cNvPicPr/>
+          <p:nvPr/>
+        </p:nvPicPr>
+        <p:blipFill>
+          <a:blip r:embed="rId2">
+            <a:extLst>
+              <a:ext uri="{28A0092B-C50C-407E-A947-70E740481C1C}">
+                <a14:useLocalDpi xmlns:a14="http://schemas.microsoft.com/office/drawing/2010/main" val="0"/>
+              </a:ext>
+            </a:extLst>
+          </a:blip>
+          <a:srcRect/>
+          <a:stretch>
+            <a:fillRect/>
+          </a:stretch>
+        </p:blipFill>
+        <p:spPr bwMode="auto">
+          <a:xfrm>
+            <a:off x="1295400" y="1066800"/>
+            <a:ext cx="5581650" cy="2971800"/>
+          </a:xfrm>
+          <a:prstGeom prst="rect">
+            <a:avLst/>
+          </a:prstGeom>
+          <a:noFill/>
+          <a:ln>
+            <a:noFill/>
+          </a:ln>
+        </p:spPr>
+      </p:pic>
+      <p:pic>
+        <p:nvPicPr>
+          <p:cNvPr id="8" name="Picture 7"/>
+          <p:cNvPicPr/>
+          <p:nvPr/>
+        </p:nvPicPr>
+        <p:blipFill>
+          <a:blip r:embed="rId3">
+            <a:extLst>
+              <a:ext uri="{28A0092B-C50C-407E-A947-70E740481C1C}">
+                <a14:useLocalDpi xmlns:a14="http://schemas.microsoft.com/office/drawing/2010/main" val="0"/>
+              </a:ext>
+            </a:extLst>
+          </a:blip>
+          <a:srcRect/>
+          <a:stretch>
+            <a:fillRect/>
+          </a:stretch>
+        </p:blipFill>
+        <p:spPr bwMode="auto">
+          <a:xfrm>
+            <a:off x="1259568" y="3857625"/>
+            <a:ext cx="5581650" cy="3000375"/>
+          </a:xfrm>
+          <a:prstGeom prst="rect">
+            <a:avLst/>
+          </a:prstGeom>
+          <a:noFill/>
+          <a:ln>
+            <a:noFill/>
+          </a:ln>
+        </p:spPr>
+      </p:pic>
+    </p:spTree>
+    <p:extLst>
+      <p:ext uri="{BB962C8B-B14F-4D97-AF65-F5344CB8AC3E}">
+        <p14:creationId xmlns:p14="http://schemas.microsoft.com/office/powerpoint/2010/main" val="2284100696"/>
+      </p:ext>
+    </p:extLst>
+  </p:cSld>
+  <p:clrMapOvr>
+    <a:masterClrMapping/>
+  </p:clrMapOvr>
+  <p:timing>
+    <p:tnLst>
+      <p:par>
+        <p:cTn id="1" dur="indefinite" restart="never" nodeType="tmRoot"/>
+      </p:par>
+    </p:tnLst>
+  </p:timing>
+</p:sld>
+</file>
+
+<file path=ppt/slides/slide42.xml><?xml version="1.0" encoding="utf-8"?>
+<p:sld xmlns:a="http://schemas.openxmlformats.org/drawingml/2006/main" xmlns:r="http://schemas.openxmlformats.org/officeDocument/2006/relationships" xmlns:p="http://schemas.openxmlformats.org/presentationml/2006/main">
+  <p:cSld>
+    <p:spTree>
+      <p:nvGrpSpPr>
+        <p:cNvPr id="1" name=""/>
+        <p:cNvGrpSpPr/>
+        <p:nvPr/>
+      </p:nvGrpSpPr>
+      <p:grpSpPr>
+        <a:xfrm>
+          <a:off x="0" y="0"/>
+          <a:ext cx="0" cy="0"/>
+          <a:chOff x="0" y="0"/>
+          <a:chExt cx="0" cy="0"/>
+        </a:xfrm>
+      </p:grpSpPr>
+      <p:sp>
+        <p:nvSpPr>
+          <p:cNvPr id="2" name="Title 1"/>
+          <p:cNvSpPr>
+            <a:spLocks noGrp="1"/>
+          </p:cNvSpPr>
+          <p:nvPr>
+            <p:ph type="title"/>
+          </p:nvPr>
+        </p:nvSpPr>
+        <p:spPr/>
+        <p:txBody>
+          <a:bodyPr>
+            <a:normAutofit/>
+          </a:bodyPr>
+          <a:lstStyle/>
+          <a:p>
+            <a:r>
+              <a:rPr lang="en-US" dirty="0"/>
+              <a:t>ECG 3</a:t>
+            </a:r>
+            <a:r>
+              <a:rPr lang="en-US" dirty="0" smtClean="0"/>
+              <a:t>08: VL_EP|HT vs HOT SAX(62)</a:t>
+            </a:r>
+            <a:endParaRPr lang="en-US" dirty="0"/>
+          </a:p>
+        </p:txBody>
+      </p:sp>
+      <p:sp>
+        <p:nvSpPr>
+          <p:cNvPr id="4" name="Slide Number Placeholder 3"/>
+          <p:cNvSpPr>
+            <a:spLocks noGrp="1"/>
+          </p:cNvSpPr>
+          <p:nvPr>
+            <p:ph type="sldNum" sz="quarter" idx="12"/>
+          </p:nvPr>
+        </p:nvSpPr>
+        <p:spPr/>
+        <p:txBody>
+          <a:bodyPr/>
+          <a:lstStyle/>
+          <a:p>
+            <a:fld id="{38324C1E-6E2F-465B-B7AC-362036DEB808}" type="slidenum">
+              <a:rPr lang="en-US" smtClean="0">
+                <a:solidFill>
+                  <a:prstClr val="black">
+                    <a:tint val="75000"/>
+                  </a:prstClr>
+                </a:solidFill>
+              </a:rPr>
+              <a:pPr/>
+              <a:t>42</a:t>
+            </a:fld>
+            <a:endParaRPr lang="en-US" dirty="0">
+              <a:solidFill>
+                <a:prstClr val="black">
+                  <a:tint val="75000"/>
+                </a:prstClr>
+              </a:solidFill>
+            </a:endParaRPr>
+          </a:p>
+        </p:txBody>
+      </p:sp>
+      <p:sp>
+        <p:nvSpPr>
+          <p:cNvPr id="3" name="Content Placeholder 2"/>
+          <p:cNvSpPr>
+            <a:spLocks noGrp="1"/>
+          </p:cNvSpPr>
+          <p:nvPr>
+            <p:ph idx="1"/>
+          </p:nvPr>
+        </p:nvSpPr>
+        <p:spPr/>
+        <p:txBody>
+          <a:bodyPr/>
+          <a:lstStyle/>
+          <a:p>
+            <a:endParaRPr lang="en-US" dirty="0" smtClean="0"/>
+          </a:p>
+          <a:p>
+            <a:endParaRPr lang="en-US" dirty="0"/>
+          </a:p>
+          <a:p>
+            <a:endParaRPr lang="en-US" dirty="0" smtClean="0"/>
+          </a:p>
+          <a:p>
+            <a:endParaRPr lang="en-US" dirty="0"/>
+          </a:p>
+          <a:p>
+            <a:endParaRPr lang="en-US" dirty="0" smtClean="0"/>
+          </a:p>
+          <a:p>
+            <a:endParaRPr lang="en-US" dirty="0"/>
+          </a:p>
+        </p:txBody>
+      </p:sp>
+      <p:pic>
+        <p:nvPicPr>
+          <p:cNvPr id="7" name="Picture 6"/>
+          <p:cNvPicPr/>
+          <p:nvPr/>
+        </p:nvPicPr>
+        <p:blipFill>
+          <a:blip r:embed="rId2">
+            <a:extLst>
+              <a:ext uri="{28A0092B-C50C-407E-A947-70E740481C1C}">
+                <a14:useLocalDpi xmlns:a14="http://schemas.microsoft.com/office/drawing/2010/main" val="0"/>
+              </a:ext>
+            </a:extLst>
+          </a:blip>
+          <a:srcRect/>
+          <a:stretch>
+            <a:fillRect/>
+          </a:stretch>
+        </p:blipFill>
+        <p:spPr bwMode="auto">
+          <a:xfrm>
+            <a:off x="1436915" y="1219200"/>
+            <a:ext cx="5334000" cy="2819400"/>
+          </a:xfrm>
+          <a:prstGeom prst="rect">
+            <a:avLst/>
+          </a:prstGeom>
+          <a:noFill/>
+          <a:ln>
+            <a:noFill/>
+          </a:ln>
+        </p:spPr>
+      </p:pic>
+      <p:pic>
+        <p:nvPicPr>
+          <p:cNvPr id="8" name="Picture 7"/>
+          <p:cNvPicPr/>
+          <p:nvPr/>
+        </p:nvPicPr>
+        <p:blipFill>
+          <a:blip r:embed="rId3">
+            <a:extLst>
+              <a:ext uri="{28A0092B-C50C-407E-A947-70E740481C1C}">
+                <a14:useLocalDpi xmlns:a14="http://schemas.microsoft.com/office/drawing/2010/main" val="0"/>
+              </a:ext>
+            </a:extLst>
+          </a:blip>
+          <a:srcRect/>
+          <a:stretch>
+            <a:fillRect/>
+          </a:stretch>
+        </p:blipFill>
+        <p:spPr bwMode="auto">
+          <a:xfrm>
+            <a:off x="1362075" y="3848100"/>
+            <a:ext cx="5581650" cy="3009900"/>
+          </a:xfrm>
+          <a:prstGeom prst="rect">
+            <a:avLst/>
+          </a:prstGeom>
+          <a:noFill/>
+          <a:ln>
+            <a:noFill/>
+          </a:ln>
+        </p:spPr>
+      </p:pic>
+    </p:spTree>
+    <p:extLst>
+      <p:ext uri="{BB962C8B-B14F-4D97-AF65-F5344CB8AC3E}">
+        <p14:creationId xmlns:p14="http://schemas.microsoft.com/office/powerpoint/2010/main" val="1557103203"/>
+      </p:ext>
+    </p:extLst>
+  </p:cSld>
+  <p:clrMapOvr>
+    <a:masterClrMapping/>
+  </p:clrMapOvr>
+  <p:timing>
+    <p:tnLst>
+      <p:par>
+        <p:cTn id="1" dur="indefinite" restart="never" nodeType="tmRoot"/>
+      </p:par>
+    </p:tnLst>
+  </p:timing>
+</p:sld>
+</file>
+
+<file path=ppt/slides/slide43.xml><?xml version="1.0" encoding="utf-8"?>
+<p:sld xmlns:a="http://schemas.openxmlformats.org/drawingml/2006/main" xmlns:r="http://schemas.openxmlformats.org/officeDocument/2006/relationships" xmlns:p="http://schemas.openxmlformats.org/presentationml/2006/main">
+  <p:cSld>
+    <p:spTree>
+      <p:nvGrpSpPr>
+        <p:cNvPr id="1" name=""/>
+        <p:cNvGrpSpPr/>
+        <p:nvPr/>
+      </p:nvGrpSpPr>
+      <p:grpSpPr>
+        <a:xfrm>
+          <a:off x="0" y="0"/>
+          <a:ext cx="0" cy="0"/>
+          <a:chOff x="0" y="0"/>
+          <a:chExt cx="0" cy="0"/>
+        </a:xfrm>
+      </p:grpSpPr>
+      <p:sp>
+        <p:nvSpPr>
+          <p:cNvPr id="2" name="Title 1"/>
+          <p:cNvSpPr>
+            <a:spLocks noGrp="1"/>
+          </p:cNvSpPr>
+          <p:nvPr>
+            <p:ph type="title"/>
+          </p:nvPr>
+        </p:nvSpPr>
+        <p:spPr/>
+        <p:txBody>
+          <a:bodyPr>
+            <a:normAutofit/>
+          </a:bodyPr>
+          <a:lstStyle/>
+          <a:p>
+            <a:r>
+              <a:rPr lang="en-US" dirty="0" smtClean="0"/>
+              <a:t>ERP: VL_QR|HT vs HOT SAX(69) </a:t>
+            </a:r>
+            <a:endParaRPr lang="en-US" dirty="0"/>
+          </a:p>
+        </p:txBody>
+      </p:sp>
+      <p:sp>
+        <p:nvSpPr>
+          <p:cNvPr id="3" name="Content Placeholder 2"/>
+          <p:cNvSpPr>
+            <a:spLocks noGrp="1"/>
+          </p:cNvSpPr>
+          <p:nvPr>
+            <p:ph idx="1"/>
+          </p:nvPr>
+        </p:nvSpPr>
+        <p:spPr/>
+        <p:txBody>
+          <a:bodyPr/>
+          <a:lstStyle/>
+          <a:p>
+            <a:endParaRPr lang="en-US" dirty="0" smtClean="0"/>
+          </a:p>
+        </p:txBody>
+      </p:sp>
+      <p:sp>
+        <p:nvSpPr>
+          <p:cNvPr id="4" name="Slide Number Placeholder 3"/>
+          <p:cNvSpPr>
+            <a:spLocks noGrp="1"/>
+          </p:cNvSpPr>
+          <p:nvPr>
+            <p:ph type="sldNum" sz="quarter" idx="12"/>
+          </p:nvPr>
+        </p:nvSpPr>
+        <p:spPr/>
+        <p:txBody>
+          <a:bodyPr/>
+          <a:lstStyle/>
+          <a:p>
+            <a:fld id="{38324C1E-6E2F-465B-B7AC-362036DEB808}" type="slidenum">
+              <a:rPr lang="en-US" smtClean="0">
+                <a:solidFill>
+                  <a:prstClr val="black">
+                    <a:tint val="75000"/>
+                  </a:prstClr>
+                </a:solidFill>
+              </a:rPr>
+              <a:pPr/>
+              <a:t>43</a:t>
+            </a:fld>
+            <a:endParaRPr lang="en-US">
+              <a:solidFill>
+                <a:prstClr val="black">
+                  <a:tint val="75000"/>
+                </a:prstClr>
+              </a:solidFill>
+            </a:endParaRPr>
+          </a:p>
+        </p:txBody>
+      </p:sp>
+      <p:pic>
+        <p:nvPicPr>
+          <p:cNvPr id="9" name="Picture 8"/>
+          <p:cNvPicPr/>
+          <p:nvPr/>
+        </p:nvPicPr>
+        <p:blipFill>
+          <a:blip r:embed="rId2">
+            <a:extLst>
+              <a:ext uri="{28A0092B-C50C-407E-A947-70E740481C1C}">
+                <a14:useLocalDpi xmlns:a14="http://schemas.microsoft.com/office/drawing/2010/main" val="0"/>
+              </a:ext>
+            </a:extLst>
+          </a:blip>
+          <a:srcRect/>
+          <a:stretch>
+            <a:fillRect/>
+          </a:stretch>
+        </p:blipFill>
+        <p:spPr bwMode="auto">
+          <a:xfrm>
+            <a:off x="1042080" y="1371600"/>
+            <a:ext cx="5581650" cy="2973705"/>
+          </a:xfrm>
+          <a:prstGeom prst="rect">
+            <a:avLst/>
+          </a:prstGeom>
+          <a:noFill/>
+          <a:ln>
+            <a:noFill/>
+          </a:ln>
+        </p:spPr>
+      </p:pic>
+      <p:pic>
+        <p:nvPicPr>
+          <p:cNvPr id="10" name="Picture 9"/>
+          <p:cNvPicPr/>
+          <p:nvPr/>
+        </p:nvPicPr>
+        <p:blipFill>
+          <a:blip r:embed="rId3">
+            <a:extLst>
+              <a:ext uri="{28A0092B-C50C-407E-A947-70E740481C1C}">
+                <a14:useLocalDpi xmlns:a14="http://schemas.microsoft.com/office/drawing/2010/main" val="0"/>
+              </a:ext>
+            </a:extLst>
+          </a:blip>
+          <a:srcRect/>
+          <a:stretch>
+            <a:fillRect/>
+          </a:stretch>
+        </p:blipFill>
+        <p:spPr bwMode="auto">
+          <a:xfrm>
+            <a:off x="990600" y="4105819"/>
+            <a:ext cx="5572125" cy="2933700"/>
+          </a:xfrm>
+          <a:prstGeom prst="rect">
+            <a:avLst/>
+          </a:prstGeom>
+          <a:noFill/>
+          <a:ln>
+            <a:noFill/>
+          </a:ln>
+        </p:spPr>
+      </p:pic>
+    </p:spTree>
+    <p:extLst>
+      <p:ext uri="{BB962C8B-B14F-4D97-AF65-F5344CB8AC3E}">
+        <p14:creationId xmlns:p14="http://schemas.microsoft.com/office/powerpoint/2010/main" val="830493993"/>
+      </p:ext>
+    </p:extLst>
+  </p:cSld>
+  <p:clrMapOvr>
+    <a:masterClrMapping/>
+  </p:clrMapOvr>
+  <p:timing>
+    <p:tnLst>
+      <p:par>
+        <p:cTn id="1" dur="indefinite" restart="never" nodeType="tmRoot"/>
+      </p:par>
+    </p:tnLst>
+  </p:timing>
+</p:sld>
+</file>
+
+<file path=ppt/slides/slide44.xml><?xml version="1.0" encoding="utf-8"?>
+<p:sld xmlns:a="http://schemas.openxmlformats.org/drawingml/2006/main" xmlns:r="http://schemas.openxmlformats.org/officeDocument/2006/relationships" xmlns:p="http://schemas.openxmlformats.org/presentationml/2006/main">
+  <p:cSld>
+    <p:spTree>
+      <p:nvGrpSpPr>
+        <p:cNvPr id="1" name=""/>
+        <p:cNvGrpSpPr/>
+        <p:nvPr/>
+      </p:nvGrpSpPr>
+      <p:grpSpPr>
+        <a:xfrm>
+          <a:off x="0" y="0"/>
+          <a:ext cx="0" cy="0"/>
+          <a:chOff x="0" y="0"/>
+          <a:chExt cx="0" cy="0"/>
+        </a:xfrm>
+      </p:grpSpPr>
+      <p:sp>
+        <p:nvSpPr>
+          <p:cNvPr id="2" name="Title 1"/>
+          <p:cNvSpPr>
+            <a:spLocks noGrp="1"/>
+          </p:cNvSpPr>
+          <p:nvPr>
+            <p:ph type="title"/>
+          </p:nvPr>
+        </p:nvSpPr>
+        <p:spPr/>
+        <p:txBody>
+          <a:bodyPr>
+            <a:normAutofit/>
+          </a:bodyPr>
+          <a:lstStyle/>
+          <a:p>
+            <a:r>
+              <a:rPr lang="en-US" dirty="0" smtClean="0"/>
+              <a:t>ERP: VL_EP|HT vs HOT SAX(149)</a:t>
+            </a:r>
+            <a:endParaRPr lang="en-US" dirty="0"/>
+          </a:p>
+        </p:txBody>
+      </p:sp>
+      <p:sp>
+        <p:nvSpPr>
+          <p:cNvPr id="4" name="Slide Number Placeholder 3"/>
+          <p:cNvSpPr>
+            <a:spLocks noGrp="1"/>
+          </p:cNvSpPr>
+          <p:nvPr>
+            <p:ph type="sldNum" sz="quarter" idx="12"/>
+          </p:nvPr>
+        </p:nvSpPr>
+        <p:spPr/>
+        <p:txBody>
+          <a:bodyPr/>
+          <a:lstStyle/>
+          <a:p>
+            <a:fld id="{38324C1E-6E2F-465B-B7AC-362036DEB808}" type="slidenum">
+              <a:rPr lang="en-US" smtClean="0">
+                <a:solidFill>
+                  <a:prstClr val="black">
+                    <a:tint val="75000"/>
+                  </a:prstClr>
+                </a:solidFill>
+              </a:rPr>
+              <a:pPr/>
+              <a:t>44</a:t>
             </a:fld>
             <a:endParaRPr lang="en-US" dirty="0">
               <a:solidFill>
@@ -11665,7 +14235,7 @@
 </p:sld>
 </file>
 
-<file path=ppt/slides/slide41.xml><?xml version="1.0" encoding="utf-8"?>
+<file path=ppt/slides/slide45.xml><?xml version="1.0" encoding="utf-8"?>
 <p:sld xmlns:a="http://schemas.openxmlformats.org/drawingml/2006/main" xmlns:r="http://schemas.openxmlformats.org/officeDocument/2006/relationships" xmlns:p="http://schemas.openxmlformats.org/presentationml/2006/main">
   <p:cSld>
     <p:spTree>
@@ -11731,7 +14301,7 @@
                 </a:solidFill>
               </a:rPr>
               <a:pPr/>
-              <a:t>41</a:t>
+              <a:t>45</a:t>
             </a:fld>
             <a:endParaRPr lang="en-US">
               <a:solidFill>
@@ -11833,7 +14403,7 @@
 </p:sld>
 </file>
 
-<file path=ppt/slides/slide42.xml><?xml version="1.0" encoding="utf-8"?>
+<file path=ppt/slides/slide46.xml><?xml version="1.0" encoding="utf-8"?>
 <p:sld xmlns:a="http://schemas.openxmlformats.org/drawingml/2006/main" xmlns:r="http://schemas.openxmlformats.org/officeDocument/2006/relationships" xmlns:p="http://schemas.openxmlformats.org/presentationml/2006/main">
   <p:cSld>
     <p:spTree>
@@ -11899,7 +14469,7 @@
                 </a:solidFill>
               </a:rPr>
               <a:pPr/>
-              <a:t>42</a:t>
+              <a:t>46</a:t>
             </a:fld>
             <a:endParaRPr lang="en-US">
               <a:solidFill>
@@ -12001,7 +14571,7 @@
 </p:sld>
 </file>
 
-<file path=ppt/slides/slide43.xml><?xml version="1.0" encoding="utf-8"?>
+<file path=ppt/slides/slide47.xml><?xml version="1.0" encoding="utf-8"?>
 <p:sld xmlns:a="http://schemas.openxmlformats.org/drawingml/2006/main" xmlns:r="http://schemas.openxmlformats.org/officeDocument/2006/relationships" xmlns:p="http://schemas.openxmlformats.org/presentationml/2006/main">
   <p:cSld>
     <p:spTree>
@@ -12071,7 +14641,7 @@
                 </a:solidFill>
               </a:rPr>
               <a:pPr/>
-              <a:t>43</a:t>
+              <a:t>47</a:t>
             </a:fld>
             <a:endParaRPr lang="en-US">
               <a:solidFill>
@@ -12173,7 +14743,7 @@
 </p:sld>
 </file>
 
-<file path=ppt/slides/slide44.xml><?xml version="1.0" encoding="utf-8"?>
+<file path=ppt/slides/slide48.xml><?xml version="1.0" encoding="utf-8"?>
 <p:sld xmlns:a="http://schemas.openxmlformats.org/drawingml/2006/main" xmlns:r="http://schemas.openxmlformats.org/officeDocument/2006/relationships" xmlns:p="http://schemas.openxmlformats.org/presentationml/2006/main">
   <p:cSld>
     <p:spTree>
@@ -12274,7 +14844,7 @@
                 </a:solidFill>
               </a:rPr>
               <a:pPr/>
-              <a:t>44</a:t>
+              <a:t>48</a:t>
             </a:fld>
             <a:endParaRPr lang="en-US">
               <a:solidFill>
@@ -12372,7 +14942,7 @@
 </p:sld>
 </file>
 
-<file path=ppt/slides/slide45.xml><?xml version="1.0" encoding="utf-8"?>
+<file path=ppt/slides/slide49.xml><?xml version="1.0" encoding="utf-8"?>
 <p:sld xmlns:a="http://schemas.openxmlformats.org/drawingml/2006/main" xmlns:r="http://schemas.openxmlformats.org/officeDocument/2006/relationships" xmlns:p="http://schemas.openxmlformats.org/presentationml/2006/main">
   <p:cSld>
     <p:spTree>
@@ -12442,7 +15012,7 @@
                 </a:solidFill>
               </a:rPr>
               <a:pPr/>
-              <a:t>45</a:t>
+              <a:t>49</a:t>
             </a:fld>
             <a:endParaRPr lang="en-US">
               <a:solidFill>
@@ -12544,7 +15114,7 @@
 </p:sld>
 </file>
 
-<file path=ppt/slides/slide46.xml><?xml version="1.0" encoding="utf-8"?>
+<file path=ppt/slides/slide5.xml><?xml version="1.0" encoding="utf-8"?>
 <p:sld xmlns:a="http://schemas.openxmlformats.org/drawingml/2006/main" xmlns:r="http://schemas.openxmlformats.org/officeDocument/2006/relationships" xmlns:p="http://schemas.openxmlformats.org/presentationml/2006/main">
   <p:cSld>
     <p:spTree>
@@ -12573,6 +15143,148 @@
         </p:nvSpPr>
         <p:spPr/>
         <p:txBody>
+          <a:bodyPr/>
+          <a:lstStyle/>
+          <a:p>
+            <a:r>
+              <a:rPr lang="en-US" dirty="0"/>
+              <a:t>Introduction</a:t>
+            </a:r>
+          </a:p>
+        </p:txBody>
+      </p:sp>
+      <p:sp>
+        <p:nvSpPr>
+          <p:cNvPr id="4" name="Content Placeholder 3"/>
+          <p:cNvSpPr>
+            <a:spLocks noGrp="1"/>
+          </p:cNvSpPr>
+          <p:nvPr>
+            <p:ph idx="1"/>
+          </p:nvPr>
+        </p:nvSpPr>
+        <p:spPr/>
+        <p:txBody>
+          <a:bodyPr>
+            <a:normAutofit/>
+          </a:bodyPr>
+          <a:lstStyle/>
+          <a:p>
+            <a:r>
+              <a:rPr lang="en-US" dirty="0" smtClean="0"/>
+              <a:t>The problem to find anomaly subsequences in time series data is challenging. </a:t>
+            </a:r>
+          </a:p>
+          <a:p>
+            <a:r>
+              <a:rPr lang="en-US" dirty="0" smtClean="0"/>
+              <a:t>There are many algorithms developed to find anomaly patterns such as HOT SAX, WAT,…But they require the user to specify the length of anomaly as an input parameter.</a:t>
+            </a:r>
+          </a:p>
+          <a:p>
+            <a:r>
+              <a:rPr lang="en-US" dirty="0" smtClean="0"/>
+              <a:t>The </a:t>
+            </a:r>
+            <a:r>
+              <a:rPr lang="en-US" dirty="0"/>
+              <a:t>exact </a:t>
+            </a:r>
+            <a:r>
+              <a:rPr lang="en-US" dirty="0" smtClean="0"/>
+              <a:t>lengths </a:t>
+            </a:r>
+            <a:r>
+              <a:rPr lang="en-US" dirty="0"/>
+              <a:t>of the </a:t>
+            </a:r>
+            <a:r>
+              <a:rPr lang="en-US" dirty="0" smtClean="0"/>
+              <a:t>unusual subsequence are vary and are often </a:t>
+            </a:r>
+            <a:r>
+              <a:rPr lang="en-US" dirty="0"/>
+              <a:t>unknown</a:t>
+            </a:r>
+            <a:r>
+              <a:rPr lang="en-US" dirty="0" smtClean="0"/>
+              <a:t>.</a:t>
+            </a:r>
+          </a:p>
+        </p:txBody>
+      </p:sp>
+      <p:sp>
+        <p:nvSpPr>
+          <p:cNvPr id="3" name="Slide Number Placeholder 2"/>
+          <p:cNvSpPr>
+            <a:spLocks noGrp="1"/>
+          </p:cNvSpPr>
+          <p:nvPr>
+            <p:ph type="sldNum" sz="quarter" idx="12"/>
+          </p:nvPr>
+        </p:nvSpPr>
+        <p:spPr/>
+        <p:txBody>
+          <a:bodyPr/>
+          <a:lstStyle/>
+          <a:p>
+            <a:fld id="{38324C1E-6E2F-465B-B7AC-362036DEB808}" type="slidenum">
+              <a:rPr lang="en-US" smtClean="0"/>
+              <a:t>5</a:t>
+            </a:fld>
+            <a:endParaRPr lang="en-US"/>
+          </a:p>
+        </p:txBody>
+      </p:sp>
+    </p:spTree>
+    <p:extLst>
+      <p:ext uri="{BB962C8B-B14F-4D97-AF65-F5344CB8AC3E}">
+        <p14:creationId xmlns:p14="http://schemas.microsoft.com/office/powerpoint/2010/main" val="2947361703"/>
+      </p:ext>
+    </p:extLst>
+  </p:cSld>
+  <p:clrMapOvr>
+    <a:masterClrMapping/>
+  </p:clrMapOvr>
+  <p:timing>
+    <p:tnLst>
+      <p:par>
+        <p:cTn id="1" dur="indefinite" restart="never" nodeType="tmRoot"/>
+      </p:par>
+    </p:tnLst>
+  </p:timing>
+</p:sld>
+</file>
+
+<file path=ppt/slides/slide50.xml><?xml version="1.0" encoding="utf-8"?>
+<p:sld xmlns:a="http://schemas.openxmlformats.org/drawingml/2006/main" xmlns:r="http://schemas.openxmlformats.org/officeDocument/2006/relationships" xmlns:p="http://schemas.openxmlformats.org/presentationml/2006/main">
+  <p:cSld>
+    <p:spTree>
+      <p:nvGrpSpPr>
+        <p:cNvPr id="1" name=""/>
+        <p:cNvGrpSpPr/>
+        <p:nvPr/>
+      </p:nvGrpSpPr>
+      <p:grpSpPr>
+        <a:xfrm>
+          <a:off x="0" y="0"/>
+          <a:ext cx="0" cy="0"/>
+          <a:chOff x="0" y="0"/>
+          <a:chExt cx="0" cy="0"/>
+        </a:xfrm>
+      </p:grpSpPr>
+      <p:sp>
+        <p:nvSpPr>
+          <p:cNvPr id="2" name="Title 1"/>
+          <p:cNvSpPr>
+            <a:spLocks noGrp="1"/>
+          </p:cNvSpPr>
+          <p:nvPr>
+            <p:ph type="title"/>
+          </p:nvPr>
+        </p:nvSpPr>
+        <p:spPr/>
+        <p:txBody>
           <a:bodyPr>
             <a:normAutofit fontScale="90000"/>
           </a:bodyPr>
@@ -12626,7 +15338,7 @@
                 </a:solidFill>
               </a:rPr>
               <a:pPr/>
-              <a:t>46</a:t>
+              <a:t>50</a:t>
             </a:fld>
             <a:endParaRPr lang="en-US">
               <a:solidFill>
@@ -12728,7 +15440,7 @@
 </p:sld>
 </file>
 
-<file path=ppt/slides/slide47.xml><?xml version="1.0" encoding="utf-8"?>
+<file path=ppt/slides/slide51.xml><?xml version="1.0" encoding="utf-8"?>
 <p:sld xmlns:a="http://schemas.openxmlformats.org/drawingml/2006/main" xmlns:r="http://schemas.openxmlformats.org/officeDocument/2006/relationships" xmlns:p="http://schemas.openxmlformats.org/presentationml/2006/main">
   <p:cSld>
     <p:spTree>
@@ -12794,7 +15506,7 @@
                 </a:solidFill>
               </a:rPr>
               <a:pPr/>
-              <a:t>47</a:t>
+              <a:t>51</a:t>
             </a:fld>
             <a:endParaRPr lang="en-US">
               <a:solidFill>
@@ -12896,7 +15608,7 @@
 </p:sld>
 </file>
 
-<file path=ppt/slides/slide48.xml><?xml version="1.0" encoding="utf-8"?>
+<file path=ppt/slides/slide52.xml><?xml version="1.0" encoding="utf-8"?>
 <p:sld xmlns:a="http://schemas.openxmlformats.org/drawingml/2006/main" xmlns:r="http://schemas.openxmlformats.org/officeDocument/2006/relationships" xmlns:p="http://schemas.openxmlformats.org/presentationml/2006/main">
   <p:cSld>
     <p:spTree>
@@ -12974,7 +15686,7 @@
                 </a:solidFill>
               </a:rPr>
               <a:pPr/>
-              <a:t>48</a:t>
+              <a:t>52</a:t>
             </a:fld>
             <a:endParaRPr lang="en-US">
               <a:solidFill>
@@ -13076,7 +15788,7 @@
 </p:sld>
 </file>
 
-<file path=ppt/slides/slide49.xml><?xml version="1.0" encoding="utf-8"?>
+<file path=ppt/slides/slide53.xml><?xml version="1.0" encoding="utf-8"?>
 <p:sld xmlns:a="http://schemas.openxmlformats.org/drawingml/2006/main" xmlns:r="http://schemas.openxmlformats.org/officeDocument/2006/relationships" xmlns:p="http://schemas.openxmlformats.org/presentationml/2006/main">
   <p:cSld>
     <p:spTree>
@@ -13140,7 +15852,7 @@
                 </a:solidFill>
               </a:rPr>
               <a:pPr/>
-              <a:t>49</a:t>
+              <a:t>53</a:t>
             </a:fld>
             <a:endParaRPr lang="en-US">
               <a:solidFill>
@@ -13242,7 +15954,7 @@
 </p:sld>
 </file>
 
-<file path=ppt/slides/slide5.xml><?xml version="1.0" encoding="utf-8"?>
+<file path=ppt/slides/slide54.xml><?xml version="1.0" encoding="utf-8"?>
 <p:sld xmlns:a="http://schemas.openxmlformats.org/drawingml/2006/main" xmlns:r="http://schemas.openxmlformats.org/officeDocument/2006/relationships" xmlns:p="http://schemas.openxmlformats.org/presentationml/2006/main">
   <p:cSld>
     <p:spTree>
@@ -13276,148 +15988,6 @@
           <a:p>
             <a:r>
               <a:rPr lang="en-US" dirty="0"/>
-              <a:t>Introduction</a:t>
-            </a:r>
-          </a:p>
-        </p:txBody>
-      </p:sp>
-      <p:sp>
-        <p:nvSpPr>
-          <p:cNvPr id="4" name="Content Placeholder 3"/>
-          <p:cNvSpPr>
-            <a:spLocks noGrp="1"/>
-          </p:cNvSpPr>
-          <p:nvPr>
-            <p:ph idx="1"/>
-          </p:nvPr>
-        </p:nvSpPr>
-        <p:spPr/>
-        <p:txBody>
-          <a:bodyPr>
-            <a:normAutofit/>
-          </a:bodyPr>
-          <a:lstStyle/>
-          <a:p>
-            <a:r>
-              <a:rPr lang="en-US" dirty="0" smtClean="0"/>
-              <a:t>The problem to find anomaly subsequences in time series data is challenging. </a:t>
-            </a:r>
-          </a:p>
-          <a:p>
-            <a:r>
-              <a:rPr lang="en-US" dirty="0" smtClean="0"/>
-              <a:t>There are many algorithms developed to find anomaly patterns such as HOT SAX, WAT,…But they require the user to specify the length of anomaly as an input parameter.</a:t>
-            </a:r>
-          </a:p>
-          <a:p>
-            <a:r>
-              <a:rPr lang="en-US" dirty="0" smtClean="0"/>
-              <a:t>The </a:t>
-            </a:r>
-            <a:r>
-              <a:rPr lang="en-US" dirty="0"/>
-              <a:t>exact </a:t>
-            </a:r>
-            <a:r>
-              <a:rPr lang="en-US" dirty="0" smtClean="0"/>
-              <a:t>lengths </a:t>
-            </a:r>
-            <a:r>
-              <a:rPr lang="en-US" dirty="0"/>
-              <a:t>of the </a:t>
-            </a:r>
-            <a:r>
-              <a:rPr lang="en-US" dirty="0" smtClean="0"/>
-              <a:t>unusual subsequence are vary and are often </a:t>
-            </a:r>
-            <a:r>
-              <a:rPr lang="en-US" dirty="0"/>
-              <a:t>unknown</a:t>
-            </a:r>
-            <a:r>
-              <a:rPr lang="en-US" dirty="0" smtClean="0"/>
-              <a:t>.</a:t>
-            </a:r>
-          </a:p>
-        </p:txBody>
-      </p:sp>
-      <p:sp>
-        <p:nvSpPr>
-          <p:cNvPr id="3" name="Slide Number Placeholder 2"/>
-          <p:cNvSpPr>
-            <a:spLocks noGrp="1"/>
-          </p:cNvSpPr>
-          <p:nvPr>
-            <p:ph type="sldNum" sz="quarter" idx="12"/>
-          </p:nvPr>
-        </p:nvSpPr>
-        <p:spPr/>
-        <p:txBody>
-          <a:bodyPr/>
-          <a:lstStyle/>
-          <a:p>
-            <a:fld id="{38324C1E-6E2F-465B-B7AC-362036DEB808}" type="slidenum">
-              <a:rPr lang="en-US" smtClean="0"/>
-              <a:t>5</a:t>
-            </a:fld>
-            <a:endParaRPr lang="en-US"/>
-          </a:p>
-        </p:txBody>
-      </p:sp>
-    </p:spTree>
-    <p:extLst>
-      <p:ext uri="{BB962C8B-B14F-4D97-AF65-F5344CB8AC3E}">
-        <p14:creationId xmlns:p14="http://schemas.microsoft.com/office/powerpoint/2010/main" val="2947361703"/>
-      </p:ext>
-    </p:extLst>
-  </p:cSld>
-  <p:clrMapOvr>
-    <a:masterClrMapping/>
-  </p:clrMapOvr>
-  <p:timing>
-    <p:tnLst>
-      <p:par>
-        <p:cTn id="1" dur="indefinite" restart="never" nodeType="tmRoot"/>
-      </p:par>
-    </p:tnLst>
-  </p:timing>
-</p:sld>
-</file>
-
-<file path=ppt/slides/slide50.xml><?xml version="1.0" encoding="utf-8"?>
-<p:sld xmlns:a="http://schemas.openxmlformats.org/drawingml/2006/main" xmlns:r="http://schemas.openxmlformats.org/officeDocument/2006/relationships" xmlns:p="http://schemas.openxmlformats.org/presentationml/2006/main">
-  <p:cSld>
-    <p:spTree>
-      <p:nvGrpSpPr>
-        <p:cNvPr id="1" name=""/>
-        <p:cNvGrpSpPr/>
-        <p:nvPr/>
-      </p:nvGrpSpPr>
-      <p:grpSpPr>
-        <a:xfrm>
-          <a:off x="0" y="0"/>
-          <a:ext cx="0" cy="0"/>
-          <a:chOff x="0" y="0"/>
-          <a:chExt cx="0" cy="0"/>
-        </a:xfrm>
-      </p:grpSpPr>
-      <p:sp>
-        <p:nvSpPr>
-          <p:cNvPr id="2" name="Title 1"/>
-          <p:cNvSpPr>
-            <a:spLocks noGrp="1"/>
-          </p:cNvSpPr>
-          <p:nvPr>
-            <p:ph type="title"/>
-          </p:nvPr>
-        </p:nvSpPr>
-        <p:spPr/>
-        <p:txBody>
-          <a:bodyPr/>
-          <a:lstStyle/>
-          <a:p>
-            <a:r>
-              <a:rPr lang="en-US" dirty="0"/>
               <a:t>TEK16: VL_QR|HT vs HOT </a:t>
             </a:r>
             <a:r>
@@ -13471,7 +16041,7 @@
                 </a:solidFill>
               </a:rPr>
               <a:pPr/>
-              <a:t>50</a:t>
+              <a:t>54</a:t>
             </a:fld>
             <a:endParaRPr lang="en-US">
               <a:solidFill>
@@ -13569,7 +16139,7 @@
 </p:sld>
 </file>
 
-<file path=ppt/slides/slide51.xml><?xml version="1.0" encoding="utf-8"?>
+<file path=ppt/slides/slide55.xml><?xml version="1.0" encoding="utf-8"?>
 <p:sld xmlns:a="http://schemas.openxmlformats.org/drawingml/2006/main" xmlns:r="http://schemas.openxmlformats.org/officeDocument/2006/relationships" xmlns:p="http://schemas.openxmlformats.org/presentationml/2006/main">
   <p:cSld>
     <p:spTree>
@@ -13601,7 +16171,30 @@
           <a:bodyPr/>
           <a:lstStyle/>
           <a:p>
-            <a:endParaRPr lang="en-US"/>
+            <a:r>
+              <a:rPr lang="en-US" dirty="0" smtClean="0"/>
+              <a:t>Segmentation</a:t>
+            </a:r>
+            <a:endParaRPr lang="en-US" dirty="0"/>
+          </a:p>
+        </p:txBody>
+      </p:sp>
+      <p:sp>
+        <p:nvSpPr>
+          <p:cNvPr id="3" name="Content Placeholder 2"/>
+          <p:cNvSpPr>
+            <a:spLocks noGrp="1"/>
+          </p:cNvSpPr>
+          <p:nvPr>
+            <p:ph idx="1"/>
+          </p:nvPr>
+        </p:nvSpPr>
+        <p:spPr/>
+        <p:txBody>
+          <a:bodyPr/>
+          <a:lstStyle/>
+          <a:p>
+            <a:endParaRPr lang="en-US" dirty="0"/>
           </a:p>
         </p:txBody>
       </p:sp>
@@ -13622,7 +16215,140 @@
           <a:p>
             <a:fld id="{38324C1E-6E2F-465B-B7AC-362036DEB808}" type="slidenum">
               <a:rPr lang="en-US" smtClean="0"/>
-              <a:t>51</a:t>
+              <a:t>55</a:t>
+            </a:fld>
+            <a:endParaRPr lang="en-US"/>
+          </a:p>
+        </p:txBody>
+      </p:sp>
+      <p:pic>
+        <p:nvPicPr>
+          <p:cNvPr id="19458" name="Picture 2"/>
+          <p:cNvPicPr>
+            <a:picLocks noChangeAspect="1" noChangeArrowheads="1"/>
+          </p:cNvPicPr>
+          <p:nvPr/>
+        </p:nvPicPr>
+        <p:blipFill>
+          <a:blip r:embed="rId2">
+            <a:extLst>
+              <a:ext uri="{28A0092B-C50C-407E-A947-70E740481C1C}">
+                <a14:useLocalDpi xmlns:a14="http://schemas.microsoft.com/office/drawing/2010/main" val="0"/>
+              </a:ext>
+            </a:extLst>
+          </a:blip>
+          <a:srcRect/>
+          <a:stretch>
+            <a:fillRect/>
+          </a:stretch>
+        </p:blipFill>
+        <p:spPr bwMode="auto">
+          <a:xfrm>
+            <a:off x="1447800" y="1066800"/>
+            <a:ext cx="5791200" cy="5248275"/>
+          </a:xfrm>
+          <a:prstGeom prst="rect">
+            <a:avLst/>
+          </a:prstGeom>
+          <a:noFill/>
+          <a:ln>
+            <a:noFill/>
+          </a:ln>
+          <a:extLst>
+            <a:ext uri="{909E8E84-426E-40DD-AFC4-6F175D3DCCD1}">
+              <a14:hiddenFill xmlns:a14="http://schemas.microsoft.com/office/drawing/2010/main">
+                <a:solidFill>
+                  <a:schemeClr val="accent1"/>
+                </a:solidFill>
+              </a14:hiddenFill>
+            </a:ext>
+            <a:ext uri="{91240B29-F687-4F45-9708-019B960494DF}">
+              <a14:hiddenLine xmlns:a14="http://schemas.microsoft.com/office/drawing/2010/main" w="9525">
+                <a:solidFill>
+                  <a:schemeClr val="tx1"/>
+                </a:solidFill>
+                <a:miter lim="800000"/>
+                <a:headEnd/>
+                <a:tailEnd/>
+              </a14:hiddenLine>
+            </a:ext>
+          </a:extLst>
+        </p:spPr>
+      </p:pic>
+    </p:spTree>
+    <p:extLst>
+      <p:ext uri="{BB962C8B-B14F-4D97-AF65-F5344CB8AC3E}">
+        <p14:creationId xmlns:p14="http://schemas.microsoft.com/office/powerpoint/2010/main" val="1678944958"/>
+      </p:ext>
+    </p:extLst>
+  </p:cSld>
+  <p:clrMapOvr>
+    <a:masterClrMapping/>
+  </p:clrMapOvr>
+  <p:timing>
+    <p:tnLst>
+      <p:par>
+        <p:cTn id="1" dur="indefinite" restart="never" nodeType="tmRoot"/>
+      </p:par>
+    </p:tnLst>
+  </p:timing>
+</p:sld>
+</file>
+
+<file path=ppt/slides/slide56.xml><?xml version="1.0" encoding="utf-8"?>
+<p:sld xmlns:a="http://schemas.openxmlformats.org/drawingml/2006/main" xmlns:r="http://schemas.openxmlformats.org/officeDocument/2006/relationships" xmlns:p="http://schemas.openxmlformats.org/presentationml/2006/main">
+  <p:cSld>
+    <p:spTree>
+      <p:nvGrpSpPr>
+        <p:cNvPr id="1" name=""/>
+        <p:cNvGrpSpPr/>
+        <p:nvPr/>
+      </p:nvGrpSpPr>
+      <p:grpSpPr>
+        <a:xfrm>
+          <a:off x="0" y="0"/>
+          <a:ext cx="0" cy="0"/>
+          <a:chOff x="0" y="0"/>
+          <a:chExt cx="0" cy="0"/>
+        </a:xfrm>
+      </p:grpSpPr>
+      <p:sp>
+        <p:nvSpPr>
+          <p:cNvPr id="2" name="Title 1"/>
+          <p:cNvSpPr>
+            <a:spLocks noGrp="1"/>
+          </p:cNvSpPr>
+          <p:nvPr>
+            <p:ph type="title"/>
+          </p:nvPr>
+        </p:nvSpPr>
+        <p:spPr/>
+        <p:txBody>
+          <a:bodyPr/>
+          <a:lstStyle/>
+          <a:p>
+            <a:endParaRPr lang="en-US"/>
+          </a:p>
+        </p:txBody>
+      </p:sp>
+      <p:sp>
+        <p:nvSpPr>
+          <p:cNvPr id="4" name="Slide Number Placeholder 3"/>
+          <p:cNvSpPr>
+            <a:spLocks noGrp="1"/>
+          </p:cNvSpPr>
+          <p:nvPr>
+            <p:ph type="sldNum" sz="quarter" idx="12"/>
+          </p:nvPr>
+        </p:nvSpPr>
+        <p:spPr/>
+        <p:txBody>
+          <a:bodyPr/>
+          <a:lstStyle/>
+          <a:p>
+            <a:fld id="{38324C1E-6E2F-465B-B7AC-362036DEB808}" type="slidenum">
+              <a:rPr lang="en-US" smtClean="0"/>
+              <a:t>56</a:t>
             </a:fld>
             <a:endParaRPr lang="en-US"/>
           </a:p>
@@ -13721,7 +16447,7 @@
 </p:sld>
 </file>
 
-<file path=ppt/slides/slide52.xml><?xml version="1.0" encoding="utf-8"?>
+<file path=ppt/slides/slide57.xml><?xml version="1.0" encoding="utf-8"?>
 <p:sld xmlns:a="http://schemas.openxmlformats.org/drawingml/2006/main" xmlns:r="http://schemas.openxmlformats.org/officeDocument/2006/relationships" xmlns:p="http://schemas.openxmlformats.org/presentationml/2006/main">
   <p:cSld>
     <p:spTree>
@@ -14271,7 +16997,7 @@
           <a:p>
             <a:fld id="{38324C1E-6E2F-465B-B7AC-362036DEB808}" type="slidenum">
               <a:rPr lang="en-US" smtClean="0"/>
-              <a:t>52</a:t>
+              <a:t>57</a:t>
             </a:fld>
             <a:endParaRPr lang="en-US"/>
           </a:p>
@@ -14297,7 +17023,7 @@
 </p:sld>
 </file>
 
-<file path=ppt/slides/slide53.xml><?xml version="1.0" encoding="utf-8"?>
+<file path=ppt/slides/slide58.xml><?xml version="1.0" encoding="utf-8"?>
 <p:sld xmlns:a="http://schemas.openxmlformats.org/drawingml/2006/main" xmlns:r="http://schemas.openxmlformats.org/officeDocument/2006/relationships" xmlns:p="http://schemas.openxmlformats.org/presentationml/2006/main">
   <p:cSld>
     <p:spTree>
@@ -14369,7 +17095,7 @@
           <a:p>
             <a:fld id="{38324C1E-6E2F-465B-B7AC-362036DEB808}" type="slidenum">
               <a:rPr lang="en-US" smtClean="0"/>
-              <a:t>53</a:t>
+              <a:t>58</a:t>
             </a:fld>
             <a:endParaRPr lang="en-US"/>
           </a:p>
@@ -14824,7 +17550,7 @@
 </p:sld>
 </file>
 
-<file path=ppt/slides/slide54.xml><?xml version="1.0" encoding="utf-8"?>
+<file path=ppt/slides/slide59.xml><?xml version="1.0" encoding="utf-8"?>
 <p:sld xmlns:a="http://schemas.openxmlformats.org/drawingml/2006/main" xmlns:r="http://schemas.openxmlformats.org/officeDocument/2006/relationships" xmlns:p="http://schemas.openxmlformats.org/presentationml/2006/main">
   <p:cSld>
     <p:spTree>
@@ -14896,7 +17622,7 @@
           <a:p>
             <a:fld id="{38324C1E-6E2F-465B-B7AC-362036DEB808}" type="slidenum">
               <a:rPr lang="en-US" smtClean="0"/>
-              <a:t>54</a:t>
+              <a:t>59</a:t>
             </a:fld>
             <a:endParaRPr lang="en-US"/>
           </a:p>
@@ -14915,7 +17641,7 @@
 </p:sld>
 </file>
 
-<file path=ppt/slides/slide55.xml><?xml version="1.0" encoding="utf-8"?>
+<file path=ppt/slides/slide6.xml><?xml version="1.0" encoding="utf-8"?>
 <p:sld xmlns:a="http://schemas.openxmlformats.org/drawingml/2006/main" xmlns:r="http://schemas.openxmlformats.org/officeDocument/2006/relationships" xmlns:p="http://schemas.openxmlformats.org/presentationml/2006/main">
   <p:cSld>
     <p:spTree>
@@ -14957,6 +17683,53 @@
       </p:sp>
       <p:sp>
         <p:nvSpPr>
+          <p:cNvPr id="3" name="Content Placeholder 2"/>
+          <p:cNvSpPr>
+            <a:spLocks noGrp="1"/>
+          </p:cNvSpPr>
+          <p:nvPr>
+            <p:ph idx="1"/>
+          </p:nvPr>
+        </p:nvSpPr>
+        <p:spPr/>
+        <p:txBody>
+          <a:bodyPr/>
+          <a:lstStyle/>
+          <a:p>
+            <a:r>
+              <a:rPr lang="en-US" dirty="0"/>
+              <a:t>Find discord of length </a:t>
+            </a:r>
+            <a:r>
+              <a:rPr lang="en-US" i="1" dirty="0"/>
+              <a:t>n.</a:t>
+            </a:r>
+          </a:p>
+          <a:p>
+            <a:r>
+              <a:rPr lang="en-US" dirty="0"/>
+              <a:t>A discord is a subsequence which have largest nearest neighbor distance.</a:t>
+            </a:r>
+          </a:p>
+          <a:p>
+            <a:r>
+              <a:rPr lang="en-US" dirty="0"/>
+              <a:t>Use heuristic to improve brute-force.</a:t>
+            </a:r>
+          </a:p>
+          <a:p>
+            <a:r>
+              <a:rPr lang="en-US" dirty="0"/>
+              <a:t>Distance function: Euclid distance.</a:t>
+            </a:r>
+          </a:p>
+          <a:p>
+            <a:endParaRPr lang="en-US" dirty="0"/>
+          </a:p>
+        </p:txBody>
+      </p:sp>
+      <p:sp>
+        <p:nvSpPr>
           <p:cNvPr id="4" name="Slide Number Placeholder 3"/>
           <p:cNvSpPr>
             <a:spLocks noGrp="1"/>
@@ -14979,7 +17752,103 @@
                 </a:solidFill>
               </a:rPr>
               <a:pPr/>
-              <a:t>55</a:t>
+              <a:t>6</a:t>
+            </a:fld>
+            <a:endParaRPr lang="en-US">
+              <a:solidFill>
+                <a:prstClr val="black">
+                  <a:tint val="75000"/>
+                </a:prstClr>
+              </a:solidFill>
+            </a:endParaRPr>
+          </a:p>
+        </p:txBody>
+      </p:sp>
+    </p:spTree>
+    <p:extLst>
+      <p:ext uri="{BB962C8B-B14F-4D97-AF65-F5344CB8AC3E}">
+        <p14:creationId xmlns:p14="http://schemas.microsoft.com/office/powerpoint/2010/main" val="3665667856"/>
+      </p:ext>
+    </p:extLst>
+  </p:cSld>
+  <p:clrMapOvr>
+    <a:masterClrMapping/>
+  </p:clrMapOvr>
+  <p:timing>
+    <p:tnLst>
+      <p:par>
+        <p:cTn id="1" dur="indefinite" restart="never" nodeType="tmRoot"/>
+      </p:par>
+    </p:tnLst>
+  </p:timing>
+</p:sld>
+</file>
+
+<file path=ppt/slides/slide60.xml><?xml version="1.0" encoding="utf-8"?>
+<p:sld xmlns:a="http://schemas.openxmlformats.org/drawingml/2006/main" xmlns:r="http://schemas.openxmlformats.org/officeDocument/2006/relationships" xmlns:p="http://schemas.openxmlformats.org/presentationml/2006/main">
+  <p:cSld>
+    <p:spTree>
+      <p:nvGrpSpPr>
+        <p:cNvPr id="1" name=""/>
+        <p:cNvGrpSpPr/>
+        <p:nvPr/>
+      </p:nvGrpSpPr>
+      <p:grpSpPr>
+        <a:xfrm>
+          <a:off x="0" y="0"/>
+          <a:ext cx="0" cy="0"/>
+          <a:chOff x="0" y="0"/>
+          <a:chExt cx="0" cy="0"/>
+        </a:xfrm>
+      </p:grpSpPr>
+      <p:sp>
+        <p:nvSpPr>
+          <p:cNvPr id="2" name="Title 1"/>
+          <p:cNvSpPr>
+            <a:spLocks noGrp="1"/>
+          </p:cNvSpPr>
+          <p:nvPr>
+            <p:ph type="title"/>
+          </p:nvPr>
+        </p:nvSpPr>
+        <p:spPr/>
+        <p:txBody>
+          <a:bodyPr/>
+          <a:lstStyle/>
+          <a:p>
+            <a:r>
+              <a:rPr lang="en-US" dirty="0" smtClean="0"/>
+              <a:t>HOT SAX</a:t>
+            </a:r>
+            <a:endParaRPr lang="en-US" dirty="0"/>
+          </a:p>
+        </p:txBody>
+      </p:sp>
+      <p:sp>
+        <p:nvSpPr>
+          <p:cNvPr id="4" name="Slide Number Placeholder 3"/>
+          <p:cNvSpPr>
+            <a:spLocks noGrp="1"/>
+          </p:cNvSpPr>
+          <p:nvPr>
+            <p:ph type="sldNum" sz="quarter" idx="12"/>
+          </p:nvPr>
+        </p:nvSpPr>
+        <p:spPr/>
+        <p:txBody>
+          <a:bodyPr/>
+          <a:lstStyle/>
+          <a:p>
+            <a:fld id="{38324C1E-6E2F-465B-B7AC-362036DEB808}" type="slidenum">
+              <a:rPr lang="en-US" smtClean="0">
+                <a:solidFill>
+                  <a:prstClr val="black">
+                    <a:tint val="75000"/>
+                  </a:prstClr>
+                </a:solidFill>
+              </a:rPr>
+              <a:pPr/>
+              <a:t>60</a:t>
             </a:fld>
             <a:endParaRPr lang="en-US">
               <a:solidFill>
@@ -15077,7 +17946,7 @@
 </p:sld>
 </file>
 
-<file path=ppt/slides/slide56.xml><?xml version="1.0" encoding="utf-8"?>
+<file path=ppt/slides/slide61.xml><?xml version="1.0" encoding="utf-8"?>
 <p:sld xmlns:a="http://schemas.openxmlformats.org/drawingml/2006/main" xmlns:r="http://schemas.openxmlformats.org/officeDocument/2006/relationships" xmlns:p="http://schemas.openxmlformats.org/presentationml/2006/main">
   <p:cSld>
     <p:spTree>
@@ -15195,7 +18064,7 @@
                 </a:solidFill>
               </a:rPr>
               <a:pPr/>
-              <a:t>56</a:t>
+              <a:t>61</a:t>
             </a:fld>
             <a:endParaRPr lang="en-US">
               <a:solidFill>
@@ -15227,7 +18096,7 @@
 </p:sld>
 </file>
 
-<file path=ppt/slides/slide57.xml><?xml version="1.0" encoding="utf-8"?>
+<file path=ppt/slides/slide62.xml><?xml version="1.0" encoding="utf-8"?>
 <p:sld xmlns:a="http://schemas.openxmlformats.org/drawingml/2006/main" xmlns:r="http://schemas.openxmlformats.org/officeDocument/2006/relationships" xmlns:p="http://schemas.openxmlformats.org/presentationml/2006/main">
   <p:cSld>
     <p:spTree>
@@ -15291,7 +18160,7 @@
                 </a:solidFill>
               </a:rPr>
               <a:pPr/>
-              <a:t>57</a:t>
+              <a:t>62</a:t>
             </a:fld>
             <a:endParaRPr lang="en-US">
               <a:solidFill>
@@ -15375,7 +18244,7 @@
 </p:sld>
 </file>
 
-<file path=ppt/slides/slide58.xml><?xml version="1.0" encoding="utf-8"?>
+<file path=ppt/slides/slide63.xml><?xml version="1.0" encoding="utf-8"?>
 <p:sld xmlns:a="http://schemas.openxmlformats.org/drawingml/2006/main" xmlns:r="http://schemas.openxmlformats.org/officeDocument/2006/relationships" xmlns:p="http://schemas.openxmlformats.org/presentationml/2006/main">
   <p:cSld>
     <p:spTree>
@@ -15780,7 +18649,7 @@
                 </a:solidFill>
               </a:rPr>
               <a:pPr/>
-              <a:t>58</a:t>
+              <a:t>63</a:t>
             </a:fld>
             <a:endParaRPr lang="en-US">
               <a:solidFill>
@@ -15812,7 +18681,7 @@
 </p:sld>
 </file>
 
-<file path=ppt/slides/slide59.xml><?xml version="1.0" encoding="utf-8"?>
+<file path=ppt/slides/slide64.xml><?xml version="1.0" encoding="utf-8"?>
 <p:sld xmlns:a="http://schemas.openxmlformats.org/drawingml/2006/main" xmlns:r="http://schemas.openxmlformats.org/officeDocument/2006/relationships" xmlns:p="http://schemas.openxmlformats.org/presentationml/2006/main">
   <p:cSld>
     <p:spTree>
@@ -15883,7 +18752,7 @@
                 </a:solidFill>
               </a:rPr>
               <a:pPr/>
-              <a:t>59</a:t>
+              <a:t>64</a:t>
             </a:fld>
             <a:endParaRPr lang="en-US">
               <a:solidFill>
@@ -15971,7 +18840,7 @@
 </p:sld>
 </file>
 
-<file path=ppt/slides/slide6.xml><?xml version="1.0" encoding="utf-8"?>
+<file path=ppt/slides/slide65.xml><?xml version="1.0" encoding="utf-8"?>
 <p:sld xmlns:a="http://schemas.openxmlformats.org/drawingml/2006/main" xmlns:r="http://schemas.openxmlformats.org/officeDocument/2006/relationships" xmlns:p="http://schemas.openxmlformats.org/presentationml/2006/main">
   <p:cSld>
     <p:spTree>
@@ -15998,14 +18867,21 @@
             <p:ph type="title"/>
           </p:nvPr>
         </p:nvSpPr>
-        <p:spPr/>
-        <p:txBody>
-          <a:bodyPr/>
+        <p:spPr>
+          <a:xfrm>
+            <a:off x="457200" y="274638"/>
+            <a:ext cx="8229600" cy="715962"/>
+          </a:xfrm>
+        </p:spPr>
+        <p:txBody>
+          <a:bodyPr>
+            <a:normAutofit fontScale="90000"/>
+          </a:bodyPr>
           <a:lstStyle/>
           <a:p>
             <a:r>
               <a:rPr lang="en-US" dirty="0" smtClean="0"/>
-              <a:t>HOT SAX</a:t>
+              <a:t>Extreme points</a:t>
             </a:r>
             <a:endParaRPr lang="en-US" dirty="0"/>
           </a:p>
@@ -16021,40 +18897,68 @@
             <p:ph idx="1"/>
           </p:nvPr>
         </p:nvSpPr>
-        <p:spPr/>
-        <p:txBody>
-          <a:bodyPr/>
-          <a:lstStyle/>
-          <a:p>
+        <p:spPr>
+          <a:xfrm>
+            <a:off x="457200" y="1524000"/>
+            <a:ext cx="8229600" cy="4525963"/>
+          </a:xfrm>
+        </p:spPr>
+        <p:txBody>
+          <a:bodyPr>
+            <a:normAutofit/>
+          </a:bodyPr>
+          <a:lstStyle/>
+          <a:p>
+            <a:pPr marL="0" indent="0">
+              <a:buNone/>
+            </a:pPr>
+            <a:endParaRPr lang="en-US" dirty="0" smtClean="0"/>
+          </a:p>
+          <a:p>
+            <a:pPr marL="0" indent="0">
+              <a:buNone/>
+            </a:pPr>
             <a:r>
               <a:rPr lang="en-US" dirty="0"/>
-              <a:t>Find discord of length </a:t>
-            </a:r>
-            <a:r>
-              <a:rPr lang="en-US" i="1" dirty="0"/>
-              <a:t>n.</a:t>
-            </a:r>
-          </a:p>
-          <a:p>
-            <a:r>
-              <a:rPr lang="en-US" dirty="0"/>
-              <a:t>A discord is a subsequence which have largest nearest neighbor distance.</a:t>
-            </a:r>
-          </a:p>
-          <a:p>
-            <a:r>
-              <a:rPr lang="en-US" dirty="0"/>
-              <a:t>Use heuristic to improve brute-force.</a:t>
-            </a:r>
-          </a:p>
-          <a:p>
-            <a:r>
-              <a:rPr lang="en-US" dirty="0"/>
-              <a:t>Distance function: Euclid distance.</a:t>
-            </a:r>
-          </a:p>
-          <a:p>
-            <a:endParaRPr lang="en-US" dirty="0"/>
+              <a:t>	</a:t>
+            </a:r>
+            <a:endParaRPr lang="en-US" dirty="0" smtClean="0"/>
+          </a:p>
+          <a:p>
+            <a:pPr marL="0" indent="0">
+              <a:buNone/>
+            </a:pPr>
+            <a:endParaRPr lang="en-US" sz="2000" dirty="0"/>
+          </a:p>
+          <a:p>
+            <a:pPr marL="0" indent="0">
+              <a:buNone/>
+            </a:pPr>
+            <a:endParaRPr lang="en-US" sz="2000" dirty="0" smtClean="0"/>
+          </a:p>
+          <a:p>
+            <a:pPr marL="0" indent="0">
+              <a:buNone/>
+            </a:pPr>
+            <a:endParaRPr lang="en-US" sz="2000" dirty="0"/>
+          </a:p>
+          <a:p>
+            <a:pPr marL="0" indent="0">
+              <a:buNone/>
+            </a:pPr>
+            <a:endParaRPr lang="en-US" sz="2000" dirty="0" smtClean="0"/>
+          </a:p>
+          <a:p>
+            <a:pPr marL="0" indent="0">
+              <a:buNone/>
+            </a:pPr>
+            <a:endParaRPr lang="en-US" sz="2000" dirty="0" smtClean="0"/>
+          </a:p>
+          <a:p>
+            <a:pPr marL="0" indent="0">
+              <a:buNone/>
+            </a:pPr>
+            <a:endParaRPr lang="en-US" sz="2000" dirty="0"/>
           </a:p>
         </p:txBody>
       </p:sp>
@@ -16082,185 +18986,7 @@
                 </a:solidFill>
               </a:rPr>
               <a:pPr/>
-              <a:t>6</a:t>
-            </a:fld>
-            <a:endParaRPr lang="en-US">
-              <a:solidFill>
-                <a:prstClr val="black">
-                  <a:tint val="75000"/>
-                </a:prstClr>
-              </a:solidFill>
-            </a:endParaRPr>
-          </a:p>
-        </p:txBody>
-      </p:sp>
-    </p:spTree>
-    <p:extLst>
-      <p:ext uri="{BB962C8B-B14F-4D97-AF65-F5344CB8AC3E}">
-        <p14:creationId xmlns:p14="http://schemas.microsoft.com/office/powerpoint/2010/main" val="3665667856"/>
-      </p:ext>
-    </p:extLst>
-  </p:cSld>
-  <p:clrMapOvr>
-    <a:masterClrMapping/>
-  </p:clrMapOvr>
-  <p:timing>
-    <p:tnLst>
-      <p:par>
-        <p:cTn id="1" dur="indefinite" restart="never" nodeType="tmRoot"/>
-      </p:par>
-    </p:tnLst>
-  </p:timing>
-</p:sld>
-</file>
-
-<file path=ppt/slides/slide60.xml><?xml version="1.0" encoding="utf-8"?>
-<p:sld xmlns:a="http://schemas.openxmlformats.org/drawingml/2006/main" xmlns:r="http://schemas.openxmlformats.org/officeDocument/2006/relationships" xmlns:p="http://schemas.openxmlformats.org/presentationml/2006/main">
-  <p:cSld>
-    <p:spTree>
-      <p:nvGrpSpPr>
-        <p:cNvPr id="1" name=""/>
-        <p:cNvGrpSpPr/>
-        <p:nvPr/>
-      </p:nvGrpSpPr>
-      <p:grpSpPr>
-        <a:xfrm>
-          <a:off x="0" y="0"/>
-          <a:ext cx="0" cy="0"/>
-          <a:chOff x="0" y="0"/>
-          <a:chExt cx="0" cy="0"/>
-        </a:xfrm>
-      </p:grpSpPr>
-      <p:sp>
-        <p:nvSpPr>
-          <p:cNvPr id="2" name="Title 1"/>
-          <p:cNvSpPr>
-            <a:spLocks noGrp="1"/>
-          </p:cNvSpPr>
-          <p:nvPr>
-            <p:ph type="title"/>
-          </p:nvPr>
-        </p:nvSpPr>
-        <p:spPr>
-          <a:xfrm>
-            <a:off x="457200" y="274638"/>
-            <a:ext cx="8229600" cy="715962"/>
-          </a:xfrm>
-        </p:spPr>
-        <p:txBody>
-          <a:bodyPr>
-            <a:normAutofit fontScale="90000"/>
-          </a:bodyPr>
-          <a:lstStyle/>
-          <a:p>
-            <a:r>
-              <a:rPr lang="en-US" dirty="0" smtClean="0"/>
-              <a:t>Extreme points</a:t>
-            </a:r>
-            <a:endParaRPr lang="en-US" dirty="0"/>
-          </a:p>
-        </p:txBody>
-      </p:sp>
-      <p:sp>
-        <p:nvSpPr>
-          <p:cNvPr id="3" name="Content Placeholder 2"/>
-          <p:cNvSpPr>
-            <a:spLocks noGrp="1"/>
-          </p:cNvSpPr>
-          <p:nvPr>
-            <p:ph idx="1"/>
-          </p:nvPr>
-        </p:nvSpPr>
-        <p:spPr>
-          <a:xfrm>
-            <a:off x="457200" y="1524000"/>
-            <a:ext cx="8229600" cy="4525963"/>
-          </a:xfrm>
-        </p:spPr>
-        <p:txBody>
-          <a:bodyPr>
-            <a:normAutofit/>
-          </a:bodyPr>
-          <a:lstStyle/>
-          <a:p>
-            <a:pPr marL="0" indent="0">
-              <a:buNone/>
-            </a:pPr>
-            <a:endParaRPr lang="en-US" dirty="0" smtClean="0"/>
-          </a:p>
-          <a:p>
-            <a:pPr marL="0" indent="0">
-              <a:buNone/>
-            </a:pPr>
-            <a:r>
-              <a:rPr lang="en-US" dirty="0"/>
-              <a:t>	</a:t>
-            </a:r>
-            <a:endParaRPr lang="en-US" dirty="0" smtClean="0"/>
-          </a:p>
-          <a:p>
-            <a:pPr marL="0" indent="0">
-              <a:buNone/>
-            </a:pPr>
-            <a:endParaRPr lang="en-US" sz="2000" dirty="0"/>
-          </a:p>
-          <a:p>
-            <a:pPr marL="0" indent="0">
-              <a:buNone/>
-            </a:pPr>
-            <a:endParaRPr lang="en-US" sz="2000" dirty="0" smtClean="0"/>
-          </a:p>
-          <a:p>
-            <a:pPr marL="0" indent="0">
-              <a:buNone/>
-            </a:pPr>
-            <a:endParaRPr lang="en-US" sz="2000" dirty="0"/>
-          </a:p>
-          <a:p>
-            <a:pPr marL="0" indent="0">
-              <a:buNone/>
-            </a:pPr>
-            <a:endParaRPr lang="en-US" sz="2000" dirty="0" smtClean="0"/>
-          </a:p>
-          <a:p>
-            <a:pPr marL="0" indent="0">
-              <a:buNone/>
-            </a:pPr>
-            <a:endParaRPr lang="en-US" sz="2000" dirty="0" smtClean="0"/>
-          </a:p>
-          <a:p>
-            <a:pPr marL="0" indent="0">
-              <a:buNone/>
-            </a:pPr>
-            <a:endParaRPr lang="en-US" sz="2000" dirty="0"/>
-          </a:p>
-        </p:txBody>
-      </p:sp>
-      <p:sp>
-        <p:nvSpPr>
-          <p:cNvPr id="4" name="Slide Number Placeholder 3"/>
-          <p:cNvSpPr>
-            <a:spLocks noGrp="1"/>
-          </p:cNvSpPr>
-          <p:nvPr>
-            <p:ph type="sldNum" sz="quarter" idx="12"/>
-          </p:nvPr>
-        </p:nvSpPr>
-        <p:spPr/>
-        <p:txBody>
-          <a:bodyPr/>
-          <a:lstStyle/>
-          <a:p>
-            <a:fld id="{38324C1E-6E2F-465B-B7AC-362036DEB808}" type="slidenum">
-              <a:rPr lang="en-US" smtClean="0">
-                <a:solidFill>
-                  <a:prstClr val="black">
-                    <a:tint val="75000"/>
-                  </a:prstClr>
-                </a:solidFill>
-              </a:rPr>
-              <a:pPr/>
-              <a:t>60</a:t>
+              <a:t>65</a:t>
             </a:fld>
             <a:endParaRPr lang="en-US">
               <a:solidFill>
@@ -16597,7 +19323,7 @@
 </p:sld>
 </file>
 
-<file path=ppt/slides/slide61.xml><?xml version="1.0" encoding="utf-8"?>
+<file path=ppt/slides/slide66.xml><?xml version="1.0" encoding="utf-8"?>
 <p:sld xmlns:a="http://schemas.openxmlformats.org/drawingml/2006/main" xmlns:r="http://schemas.openxmlformats.org/officeDocument/2006/relationships" xmlns:p="http://schemas.openxmlformats.org/presentationml/2006/main">
   <p:cSld>
     <p:spTree>
@@ -16664,7 +19390,7 @@
                 </a:solidFill>
               </a:rPr>
               <a:pPr/>
-              <a:t>61</a:t>
+              <a:t>66</a:t>
             </a:fld>
             <a:endParaRPr lang="en-US">
               <a:solidFill>
@@ -16736,6 +19462,397 @@
     <p:extLst>
       <p:ext uri="{BB962C8B-B14F-4D97-AF65-F5344CB8AC3E}">
         <p14:creationId xmlns:p14="http://schemas.microsoft.com/office/powerpoint/2010/main" val="1666252949"/>
+      </p:ext>
+    </p:extLst>
+  </p:cSld>
+  <p:clrMapOvr>
+    <a:masterClrMapping/>
+  </p:clrMapOvr>
+  <p:timing>
+    <p:tnLst>
+      <p:par>
+        <p:cTn id="1" dur="indefinite" restart="never" nodeType="tmRoot"/>
+      </p:par>
+    </p:tnLst>
+  </p:timing>
+</p:sld>
+</file>
+
+<file path=ppt/slides/slide67.xml><?xml version="1.0" encoding="utf-8"?>
+<p:sld xmlns:a="http://schemas.openxmlformats.org/drawingml/2006/main" xmlns:r="http://schemas.openxmlformats.org/officeDocument/2006/relationships" xmlns:p="http://schemas.openxmlformats.org/presentationml/2006/main">
+  <p:cSld>
+    <p:spTree>
+      <p:nvGrpSpPr>
+        <p:cNvPr id="1" name=""/>
+        <p:cNvGrpSpPr/>
+        <p:nvPr/>
+      </p:nvGrpSpPr>
+      <p:grpSpPr>
+        <a:xfrm>
+          <a:off x="0" y="0"/>
+          <a:ext cx="0" cy="0"/>
+          <a:chOff x="0" y="0"/>
+          <a:chExt cx="0" cy="0"/>
+        </a:xfrm>
+      </p:grpSpPr>
+      <p:sp>
+        <p:nvSpPr>
+          <p:cNvPr id="2" name="Title 1"/>
+          <p:cNvSpPr>
+            <a:spLocks noGrp="1"/>
+          </p:cNvSpPr>
+          <p:nvPr>
+            <p:ph type="title"/>
+          </p:nvPr>
+        </p:nvSpPr>
+        <p:spPr/>
+        <p:txBody>
+          <a:bodyPr/>
+          <a:lstStyle/>
+          <a:p>
+            <a:r>
+              <a:rPr lang="en-US" dirty="0"/>
+              <a:t>Experimental Evaluation</a:t>
+            </a:r>
+          </a:p>
+        </p:txBody>
+      </p:sp>
+      <p:sp>
+        <p:nvSpPr>
+          <p:cNvPr id="3" name="Content Placeholder 2"/>
+          <p:cNvSpPr>
+            <a:spLocks noGrp="1"/>
+          </p:cNvSpPr>
+          <p:nvPr>
+            <p:ph idx="1"/>
+          </p:nvPr>
+        </p:nvSpPr>
+        <p:spPr/>
+        <p:txBody>
+          <a:bodyPr/>
+          <a:lstStyle/>
+          <a:p>
+            <a:r>
+              <a:rPr lang="en-ZA" dirty="0"/>
+              <a:t>Experiments environment : </a:t>
+            </a:r>
+            <a:r>
+              <a:rPr lang="en-US" dirty="0" smtClean="0"/>
+              <a:t> Intel</a:t>
+            </a:r>
+            <a:r>
+              <a:rPr lang="en-US" dirty="0"/>
+              <a:t>® Core™ 2 Duo 2.0GHz, Ram 3072MB </a:t>
+            </a:r>
+            <a:r>
+              <a:rPr lang="en-US" dirty="0" smtClean="0"/>
+              <a:t>PC</a:t>
+            </a:r>
+          </a:p>
+          <a:p>
+            <a:r>
+              <a:rPr lang="en-US" dirty="0" smtClean="0"/>
+              <a:t>All algorithms are implemented in </a:t>
+            </a:r>
+            <a:r>
+              <a:rPr lang="en-US" dirty="0"/>
+              <a:t>Microsoft Visual C</a:t>
+            </a:r>
+            <a:r>
+              <a:rPr lang="en-US" dirty="0" smtClean="0"/>
+              <a:t># programing language</a:t>
+            </a:r>
+            <a:endParaRPr lang="en-US" dirty="0"/>
+          </a:p>
+        </p:txBody>
+      </p:sp>
+      <p:sp>
+        <p:nvSpPr>
+          <p:cNvPr id="4" name="Slide Number Placeholder 3"/>
+          <p:cNvSpPr>
+            <a:spLocks noGrp="1"/>
+          </p:cNvSpPr>
+          <p:nvPr>
+            <p:ph type="sldNum" sz="quarter" idx="12"/>
+          </p:nvPr>
+        </p:nvSpPr>
+        <p:spPr/>
+        <p:txBody>
+          <a:bodyPr/>
+          <a:lstStyle/>
+          <a:p>
+            <a:fld id="{38324C1E-6E2F-465B-B7AC-362036DEB808}" type="slidenum">
+              <a:rPr lang="en-US" smtClean="0">
+                <a:solidFill>
+                  <a:prstClr val="black">
+                    <a:tint val="75000"/>
+                  </a:prstClr>
+                </a:solidFill>
+              </a:rPr>
+              <a:pPr/>
+              <a:t>67</a:t>
+            </a:fld>
+            <a:endParaRPr lang="en-US">
+              <a:solidFill>
+                <a:prstClr val="black">
+                  <a:tint val="75000"/>
+                </a:prstClr>
+              </a:solidFill>
+            </a:endParaRPr>
+          </a:p>
+        </p:txBody>
+      </p:sp>
+    </p:spTree>
+    <p:extLst>
+      <p:ext uri="{BB962C8B-B14F-4D97-AF65-F5344CB8AC3E}">
+        <p14:creationId xmlns:p14="http://schemas.microsoft.com/office/powerpoint/2010/main" val="2359241808"/>
+      </p:ext>
+    </p:extLst>
+  </p:cSld>
+  <p:clrMapOvr>
+    <a:masterClrMapping/>
+  </p:clrMapOvr>
+  <p:timing>
+    <p:tnLst>
+      <p:par>
+        <p:cTn id="1" dur="indefinite" restart="never" nodeType="tmRoot"/>
+      </p:par>
+    </p:tnLst>
+  </p:timing>
+</p:sld>
+</file>
+
+<file path=ppt/slides/slide68.xml><?xml version="1.0" encoding="utf-8"?>
+<p:sld xmlns:a="http://schemas.openxmlformats.org/drawingml/2006/main" xmlns:r="http://schemas.openxmlformats.org/officeDocument/2006/relationships" xmlns:p="http://schemas.openxmlformats.org/presentationml/2006/main">
+  <p:cSld>
+    <p:spTree>
+      <p:nvGrpSpPr>
+        <p:cNvPr id="1" name=""/>
+        <p:cNvGrpSpPr/>
+        <p:nvPr/>
+      </p:nvGrpSpPr>
+      <p:grpSpPr>
+        <a:xfrm>
+          <a:off x="0" y="0"/>
+          <a:ext cx="0" cy="0"/>
+          <a:chOff x="0" y="0"/>
+          <a:chExt cx="0" cy="0"/>
+        </a:xfrm>
+      </p:grpSpPr>
+      <p:sp>
+        <p:nvSpPr>
+          <p:cNvPr id="2" name="Title 1"/>
+          <p:cNvSpPr>
+            <a:spLocks noGrp="1"/>
+          </p:cNvSpPr>
+          <p:nvPr>
+            <p:ph type="title"/>
+          </p:nvPr>
+        </p:nvSpPr>
+        <p:spPr/>
+        <p:txBody>
+          <a:bodyPr/>
+          <a:lstStyle/>
+          <a:p>
+            <a:endParaRPr lang="en-US"/>
+          </a:p>
+        </p:txBody>
+      </p:sp>
+      <p:sp>
+        <p:nvSpPr>
+          <p:cNvPr id="3" name="Content Placeholder 2"/>
+          <p:cNvSpPr>
+            <a:spLocks noGrp="1"/>
+          </p:cNvSpPr>
+          <p:nvPr>
+            <p:ph idx="1"/>
+          </p:nvPr>
+        </p:nvSpPr>
+        <p:spPr/>
+        <p:txBody>
+          <a:bodyPr/>
+          <a:lstStyle/>
+          <a:p>
+            <a:endParaRPr lang="en-US" dirty="0"/>
+          </a:p>
+        </p:txBody>
+      </p:sp>
+      <p:sp>
+        <p:nvSpPr>
+          <p:cNvPr id="4" name="Slide Number Placeholder 3"/>
+          <p:cNvSpPr>
+            <a:spLocks noGrp="1"/>
+          </p:cNvSpPr>
+          <p:nvPr>
+            <p:ph type="sldNum" sz="quarter" idx="12"/>
+          </p:nvPr>
+        </p:nvSpPr>
+        <p:spPr/>
+        <p:txBody>
+          <a:bodyPr/>
+          <a:lstStyle/>
+          <a:p>
+            <a:fld id="{38324C1E-6E2F-465B-B7AC-362036DEB808}" type="slidenum">
+              <a:rPr lang="en-US" smtClean="0">
+                <a:solidFill>
+                  <a:prstClr val="black">
+                    <a:tint val="75000"/>
+                  </a:prstClr>
+                </a:solidFill>
+              </a:rPr>
+              <a:pPr/>
+              <a:t>68</a:t>
+            </a:fld>
+            <a:endParaRPr lang="en-US">
+              <a:solidFill>
+                <a:prstClr val="black">
+                  <a:tint val="75000"/>
+                </a:prstClr>
+              </a:solidFill>
+            </a:endParaRPr>
+          </a:p>
+        </p:txBody>
+      </p:sp>
+      <p:graphicFrame>
+        <p:nvGraphicFramePr>
+          <p:cNvPr id="8" name="Chart 7"/>
+          <p:cNvGraphicFramePr>
+            <a:graphicFrameLocks/>
+          </p:cNvGraphicFramePr>
+          <p:nvPr>
+            <p:extLst>
+              <p:ext uri="{D42A27DB-BD31-4B8C-83A1-F6EECF244321}">
+                <p14:modId xmlns:p14="http://schemas.microsoft.com/office/powerpoint/2010/main" val="3645900173"/>
+              </p:ext>
+            </p:extLst>
+          </p:nvPr>
+        </p:nvGraphicFramePr>
+        <p:xfrm>
+          <a:off x="457200" y="1600200"/>
+          <a:ext cx="7543800" cy="4267200"/>
+        </p:xfrm>
+        <a:graphic>
+          <a:graphicData uri="http://schemas.openxmlformats.org/drawingml/2006/chart">
+            <c:chart xmlns:c="http://schemas.openxmlformats.org/drawingml/2006/chart" xmlns:r="http://schemas.openxmlformats.org/officeDocument/2006/relationships" r:id="rId2"/>
+          </a:graphicData>
+        </a:graphic>
+      </p:graphicFrame>
+    </p:spTree>
+    <p:extLst>
+      <p:ext uri="{BB962C8B-B14F-4D97-AF65-F5344CB8AC3E}">
+        <p14:creationId xmlns:p14="http://schemas.microsoft.com/office/powerpoint/2010/main" val="256790727"/>
+      </p:ext>
+    </p:extLst>
+  </p:cSld>
+  <p:clrMapOvr>
+    <a:masterClrMapping/>
+  </p:clrMapOvr>
+  <p:timing>
+    <p:tnLst>
+      <p:par>
+        <p:cTn id="1" dur="indefinite" restart="never" nodeType="tmRoot"/>
+      </p:par>
+    </p:tnLst>
+  </p:timing>
+</p:sld>
+</file>
+
+<file path=ppt/slides/slide69.xml><?xml version="1.0" encoding="utf-8"?>
+<p:sld xmlns:a="http://schemas.openxmlformats.org/drawingml/2006/main" xmlns:r="http://schemas.openxmlformats.org/officeDocument/2006/relationships" xmlns:p="http://schemas.openxmlformats.org/presentationml/2006/main">
+  <p:cSld>
+    <p:spTree>
+      <p:nvGrpSpPr>
+        <p:cNvPr id="1" name=""/>
+        <p:cNvGrpSpPr/>
+        <p:nvPr/>
+      </p:nvGrpSpPr>
+      <p:grpSpPr>
+        <a:xfrm>
+          <a:off x="0" y="0"/>
+          <a:ext cx="0" cy="0"/>
+          <a:chOff x="0" y="0"/>
+          <a:chExt cx="0" cy="0"/>
+        </a:xfrm>
+      </p:grpSpPr>
+      <p:sp>
+        <p:nvSpPr>
+          <p:cNvPr id="2" name="Title 1"/>
+          <p:cNvSpPr>
+            <a:spLocks noGrp="1"/>
+          </p:cNvSpPr>
+          <p:nvPr>
+            <p:ph type="title"/>
+          </p:nvPr>
+        </p:nvSpPr>
+        <p:spPr/>
+        <p:txBody>
+          <a:bodyPr/>
+          <a:lstStyle/>
+          <a:p>
+            <a:endParaRPr lang="en-US"/>
+          </a:p>
+        </p:txBody>
+      </p:sp>
+      <p:sp>
+        <p:nvSpPr>
+          <p:cNvPr id="4" name="Slide Number Placeholder 3"/>
+          <p:cNvSpPr>
+            <a:spLocks noGrp="1"/>
+          </p:cNvSpPr>
+          <p:nvPr>
+            <p:ph type="sldNum" sz="quarter" idx="12"/>
+          </p:nvPr>
+        </p:nvSpPr>
+        <p:spPr/>
+        <p:txBody>
+          <a:bodyPr/>
+          <a:lstStyle/>
+          <a:p>
+            <a:fld id="{38324C1E-6E2F-465B-B7AC-362036DEB808}" type="slidenum">
+              <a:rPr lang="en-US" smtClean="0">
+                <a:solidFill>
+                  <a:prstClr val="black">
+                    <a:tint val="75000"/>
+                  </a:prstClr>
+                </a:solidFill>
+              </a:rPr>
+              <a:pPr/>
+              <a:t>69</a:t>
+            </a:fld>
+            <a:endParaRPr lang="en-US">
+              <a:solidFill>
+                <a:prstClr val="black">
+                  <a:tint val="75000"/>
+                </a:prstClr>
+              </a:solidFill>
+            </a:endParaRPr>
+          </a:p>
+        </p:txBody>
+      </p:sp>
+      <p:graphicFrame>
+        <p:nvGraphicFramePr>
+          <p:cNvPr id="5" name="Content Placeholder 4"/>
+          <p:cNvGraphicFramePr>
+            <a:graphicFrameLocks noGrp="1"/>
+          </p:cNvGraphicFramePr>
+          <p:nvPr>
+            <p:ph idx="1"/>
+          </p:nvPr>
+        </p:nvGraphicFramePr>
+        <p:xfrm>
+          <a:off x="457200" y="1600200"/>
+          <a:ext cx="8229600" cy="4525963"/>
+        </p:xfrm>
+        <a:graphic>
+          <a:graphicData uri="http://schemas.openxmlformats.org/drawingml/2006/chart">
+            <c:chart xmlns:c="http://schemas.openxmlformats.org/drawingml/2006/chart" xmlns:r="http://schemas.openxmlformats.org/officeDocument/2006/relationships" r:id="rId2"/>
+          </a:graphicData>
+        </a:graphic>
+      </p:graphicFrame>
+    </p:spTree>
+    <p:extLst>
+      <p:ext uri="{BB962C8B-B14F-4D97-AF65-F5344CB8AC3E}">
+        <p14:creationId xmlns:p14="http://schemas.microsoft.com/office/powerpoint/2010/main" val="511626448"/>
       </p:ext>
     </p:extLst>
   </p:cSld>
@@ -17689,7 +20806,6 @@
               <a:rPr lang="en-US" sz="2300" dirty="0" smtClean="0"/>
               <a:t>)).</a:t>
             </a:r>
-            <a:endParaRPr lang="en-US" sz="2300" dirty="0" smtClean="0"/>
           </a:p>
         </p:txBody>
       </p:sp>

--- a/Report/pre.pptx
+++ b/Report/pre.pptx
@@ -5,7 +5,7 @@
     <p:sldMasterId id="2147483900" r:id="rId1"/>
   </p:sldMasterIdLst>
   <p:notesMasterIdLst>
-    <p:notesMasterId r:id="rId71"/>
+    <p:notesMasterId r:id="rId73"/>
   </p:notesMasterIdLst>
   <p:sldIdLst>
     <p:sldId id="256" r:id="rId2"/>
@@ -34,49 +34,51 @@
     <p:sldId id="362" r:id="rId25"/>
     <p:sldId id="366" r:id="rId26"/>
     <p:sldId id="365" r:id="rId27"/>
-    <p:sldId id="473" r:id="rId28"/>
-    <p:sldId id="474" r:id="rId29"/>
-    <p:sldId id="475" r:id="rId30"/>
-    <p:sldId id="476" r:id="rId31"/>
-    <p:sldId id="418" r:id="rId32"/>
-    <p:sldId id="437" r:id="rId33"/>
-    <p:sldId id="472" r:id="rId34"/>
+    <p:sldId id="478" r:id="rId28"/>
+    <p:sldId id="473" r:id="rId29"/>
+    <p:sldId id="474" r:id="rId30"/>
+    <p:sldId id="475" r:id="rId31"/>
+    <p:sldId id="476" r:id="rId32"/>
+    <p:sldId id="418" r:id="rId33"/>
+    <p:sldId id="479" r:id="rId34"/>
     <p:sldId id="372" r:id="rId35"/>
     <p:sldId id="301" r:id="rId36"/>
     <p:sldId id="314" r:id="rId37"/>
     <p:sldId id="417" r:id="rId38"/>
     <p:sldId id="443" r:id="rId39"/>
-    <p:sldId id="444" r:id="rId40"/>
-    <p:sldId id="445" r:id="rId41"/>
-    <p:sldId id="446" r:id="rId42"/>
-    <p:sldId id="447" r:id="rId43"/>
-    <p:sldId id="448" r:id="rId44"/>
-    <p:sldId id="449" r:id="rId45"/>
-    <p:sldId id="450" r:id="rId46"/>
-    <p:sldId id="451" r:id="rId47"/>
-    <p:sldId id="452" r:id="rId48"/>
-    <p:sldId id="453" r:id="rId49"/>
-    <p:sldId id="454" r:id="rId50"/>
-    <p:sldId id="455" r:id="rId51"/>
-    <p:sldId id="456" r:id="rId52"/>
-    <p:sldId id="457" r:id="rId53"/>
-    <p:sldId id="458" r:id="rId54"/>
-    <p:sldId id="459" r:id="rId55"/>
-    <p:sldId id="477" r:id="rId56"/>
-    <p:sldId id="405" r:id="rId57"/>
-    <p:sldId id="406" r:id="rId58"/>
-    <p:sldId id="407" r:id="rId59"/>
-    <p:sldId id="439" r:id="rId60"/>
-    <p:sldId id="440" r:id="rId61"/>
-    <p:sldId id="441" r:id="rId62"/>
-    <p:sldId id="442" r:id="rId63"/>
-    <p:sldId id="461" r:id="rId64"/>
-    <p:sldId id="464" r:id="rId65"/>
-    <p:sldId id="467" r:id="rId66"/>
-    <p:sldId id="468" r:id="rId67"/>
-    <p:sldId id="469" r:id="rId68"/>
-    <p:sldId id="470" r:id="rId69"/>
-    <p:sldId id="471" r:id="rId70"/>
+    <p:sldId id="480" r:id="rId40"/>
+    <p:sldId id="481" r:id="rId41"/>
+    <p:sldId id="444" r:id="rId42"/>
+    <p:sldId id="445" r:id="rId43"/>
+    <p:sldId id="446" r:id="rId44"/>
+    <p:sldId id="447" r:id="rId45"/>
+    <p:sldId id="448" r:id="rId46"/>
+    <p:sldId id="449" r:id="rId47"/>
+    <p:sldId id="450" r:id="rId48"/>
+    <p:sldId id="451" r:id="rId49"/>
+    <p:sldId id="452" r:id="rId50"/>
+    <p:sldId id="453" r:id="rId51"/>
+    <p:sldId id="454" r:id="rId52"/>
+    <p:sldId id="455" r:id="rId53"/>
+    <p:sldId id="456" r:id="rId54"/>
+    <p:sldId id="457" r:id="rId55"/>
+    <p:sldId id="458" r:id="rId56"/>
+    <p:sldId id="459" r:id="rId57"/>
+    <p:sldId id="477" r:id="rId58"/>
+    <p:sldId id="406" r:id="rId59"/>
+    <p:sldId id="407" r:id="rId60"/>
+    <p:sldId id="439" r:id="rId61"/>
+    <p:sldId id="440" r:id="rId62"/>
+    <p:sldId id="441" r:id="rId63"/>
+    <p:sldId id="442" r:id="rId64"/>
+    <p:sldId id="461" r:id="rId65"/>
+    <p:sldId id="464" r:id="rId66"/>
+    <p:sldId id="467" r:id="rId67"/>
+    <p:sldId id="468" r:id="rId68"/>
+    <p:sldId id="469" r:id="rId69"/>
+    <p:sldId id="470" r:id="rId70"/>
+    <p:sldId id="471" r:id="rId71"/>
+    <p:sldId id="482" r:id="rId72"/>
   </p:sldIdLst>
   <p:sldSz cx="9144000" cy="6858000" type="screen4x3"/>
   <p:notesSz cx="6858000" cy="9144000"/>
@@ -179,6 +181,380 @@
 </file>
 
 <file path=ppt/charts/chart1.xml><?xml version="1.0" encoding="utf-8"?>
+<c:chartSpace xmlns:c="http://schemas.openxmlformats.org/drawingml/2006/chart" xmlns:a="http://schemas.openxmlformats.org/drawingml/2006/main" xmlns:r="http://schemas.openxmlformats.org/officeDocument/2006/relationships">
+  <c:date1904 val="0"/>
+  <c:lang val="en-US"/>
+  <c:roundedCorners val="0"/>
+  <mc:AlternateContent xmlns:mc="http://schemas.openxmlformats.org/markup-compatibility/2006">
+    <mc:Choice xmlns:c14="http://schemas.microsoft.com/office/drawing/2007/8/2/chart" Requires="c14">
+      <c14:style val="102"/>
+    </mc:Choice>
+    <mc:Fallback>
+      <c:style val="2"/>
+    </mc:Fallback>
+  </mc:AlternateContent>
+  <c:clrMapOvr bg1="lt1" tx1="dk1" bg2="lt2" tx2="dk2" accent1="accent1" accent2="accent2" accent3="accent3" accent4="accent4" accent5="accent5" accent6="accent6" hlink="hlink" folHlink="folHlink"/>
+  <c:chart>
+    <c:autoTitleDeleted val="0"/>
+    <c:plotArea>
+      <c:layout/>
+      <c:lineChart>
+        <c:grouping val="standard"/>
+        <c:varyColors val="0"/>
+        <c:ser>
+          <c:idx val="0"/>
+          <c:order val="0"/>
+          <c:tx>
+            <c:strRef>
+              <c:f>Sheet1!$A$1</c:f>
+              <c:strCache>
+                <c:ptCount val="1"/>
+                <c:pt idx="0">
+                  <c:v>VL_QR|HT</c:v>
+                </c:pt>
+              </c:strCache>
+            </c:strRef>
+          </c:tx>
+          <c:marker>
+            <c:symbol val="none"/>
+          </c:marker>
+          <c:val>
+            <c:numRef>
+              <c:f>Sheet1!$A$2:$A$9</c:f>
+              <c:numCache>
+                <c:formatCode>General</c:formatCode>
+                <c:ptCount val="8"/>
+                <c:pt idx="0">
+                  <c:v>16.3</c:v>
+                </c:pt>
+                <c:pt idx="1">
+                  <c:v>71.400000000000006</c:v>
+                </c:pt>
+                <c:pt idx="2">
+                  <c:v>15.9</c:v>
+                </c:pt>
+                <c:pt idx="3">
+                  <c:v>1.2</c:v>
+                </c:pt>
+                <c:pt idx="4">
+                  <c:v>3.3</c:v>
+                </c:pt>
+                <c:pt idx="5">
+                  <c:v>3.1</c:v>
+                </c:pt>
+                <c:pt idx="6">
+                  <c:v>0.85</c:v>
+                </c:pt>
+                <c:pt idx="7">
+                  <c:v>19.100000000000001</c:v>
+                </c:pt>
+              </c:numCache>
+            </c:numRef>
+          </c:val>
+          <c:smooth val="0"/>
+        </c:ser>
+        <c:ser>
+          <c:idx val="1"/>
+          <c:order val="1"/>
+          <c:tx>
+            <c:strRef>
+              <c:f>Sheet1!$B$1</c:f>
+              <c:strCache>
+                <c:ptCount val="1"/>
+                <c:pt idx="0">
+                  <c:v>VL_EP|HT</c:v>
+                </c:pt>
+              </c:strCache>
+            </c:strRef>
+          </c:tx>
+          <c:marker>
+            <c:symbol val="none"/>
+          </c:marker>
+          <c:val>
+            <c:numRef>
+              <c:f>Sheet1!$B$2:$B$9</c:f>
+              <c:numCache>
+                <c:formatCode>General</c:formatCode>
+                <c:ptCount val="8"/>
+                <c:pt idx="0">
+                  <c:v>13.1</c:v>
+                </c:pt>
+                <c:pt idx="1">
+                  <c:v>0</c:v>
+                </c:pt>
+                <c:pt idx="2">
+                  <c:v>42.3</c:v>
+                </c:pt>
+                <c:pt idx="3">
+                  <c:v>10.5</c:v>
+                </c:pt>
+                <c:pt idx="4">
+                  <c:v>19.3</c:v>
+                </c:pt>
+                <c:pt idx="5">
+                  <c:v>9.8699999999999992</c:v>
+                </c:pt>
+                <c:pt idx="6">
+                  <c:v>8.5</c:v>
+                </c:pt>
+                <c:pt idx="7">
+                  <c:v>36.9</c:v>
+                </c:pt>
+              </c:numCache>
+            </c:numRef>
+          </c:val>
+          <c:smooth val="0"/>
+        </c:ser>
+        <c:dLbls>
+          <c:showLegendKey val="0"/>
+          <c:showVal val="0"/>
+          <c:showCatName val="0"/>
+          <c:showSerName val="0"/>
+          <c:showPercent val="0"/>
+          <c:showBubbleSize val="0"/>
+        </c:dLbls>
+        <c:marker val="1"/>
+        <c:smooth val="0"/>
+        <c:axId val="150076032"/>
+        <c:axId val="152068480"/>
+      </c:lineChart>
+      <c:catAx>
+        <c:axId val="150076032"/>
+        <c:scaling>
+          <c:orientation val="minMax"/>
+        </c:scaling>
+        <c:delete val="0"/>
+        <c:axPos val="b"/>
+        <c:majorTickMark val="out"/>
+        <c:minorTickMark val="none"/>
+        <c:tickLblPos val="nextTo"/>
+        <c:crossAx val="152068480"/>
+        <c:crosses val="autoZero"/>
+        <c:auto val="1"/>
+        <c:lblAlgn val="ctr"/>
+        <c:lblOffset val="100"/>
+        <c:noMultiLvlLbl val="0"/>
+      </c:catAx>
+      <c:valAx>
+        <c:axId val="152068480"/>
+        <c:scaling>
+          <c:orientation val="minMax"/>
+        </c:scaling>
+        <c:delete val="0"/>
+        <c:axPos val="l"/>
+        <c:majorGridlines/>
+        <c:numFmt formatCode="General" sourceLinked="1"/>
+        <c:majorTickMark val="out"/>
+        <c:minorTickMark val="none"/>
+        <c:tickLblPos val="nextTo"/>
+        <c:crossAx val="150076032"/>
+        <c:crosses val="autoZero"/>
+        <c:crossBetween val="between"/>
+      </c:valAx>
+    </c:plotArea>
+    <c:legend>
+      <c:legendPos val="r"/>
+      <c:layout/>
+      <c:overlay val="0"/>
+    </c:legend>
+    <c:plotVisOnly val="1"/>
+    <c:dispBlanksAs val="gap"/>
+    <c:showDLblsOverMax val="0"/>
+  </c:chart>
+  <c:externalData r:id="rId2">
+    <c:autoUpdate val="0"/>
+  </c:externalData>
+</c:chartSpace>
+</file>
+
+<file path=ppt/charts/chart2.xml><?xml version="1.0" encoding="utf-8"?>
+<c:chartSpace xmlns:c="http://schemas.openxmlformats.org/drawingml/2006/chart" xmlns:a="http://schemas.openxmlformats.org/drawingml/2006/main" xmlns:r="http://schemas.openxmlformats.org/officeDocument/2006/relationships">
+  <c:date1904 val="0"/>
+  <c:lang val="en-US"/>
+  <c:roundedCorners val="0"/>
+  <mc:AlternateContent xmlns:mc="http://schemas.openxmlformats.org/markup-compatibility/2006">
+    <mc:Choice xmlns:c14="http://schemas.microsoft.com/office/drawing/2007/8/2/chart" Requires="c14">
+      <c14:style val="102"/>
+    </mc:Choice>
+    <mc:Fallback>
+      <c:style val="2"/>
+    </mc:Fallback>
+  </mc:AlternateContent>
+  <c:clrMapOvr bg1="lt1" tx1="dk1" bg2="lt2" tx2="dk2" accent1="accent1" accent2="accent2" accent3="accent3" accent4="accent4" accent5="accent5" accent6="accent6" hlink="hlink" folHlink="folHlink"/>
+  <c:chart>
+    <c:autoTitleDeleted val="0"/>
+    <c:plotArea>
+      <c:layout/>
+      <c:lineChart>
+        <c:grouping val="standard"/>
+        <c:varyColors val="0"/>
+        <c:ser>
+          <c:idx val="0"/>
+          <c:order val="0"/>
+          <c:tx>
+            <c:strRef>
+              <c:f>Sheet1!$A$64</c:f>
+              <c:strCache>
+                <c:ptCount val="1"/>
+                <c:pt idx="0">
+                  <c:v>VL_QR|HT</c:v>
+                </c:pt>
+              </c:strCache>
+            </c:strRef>
+          </c:tx>
+          <c:marker>
+            <c:symbol val="none"/>
+          </c:marker>
+          <c:val>
+            <c:numRef>
+              <c:f>Sheet1!$A$65:$A$72</c:f>
+              <c:numCache>
+                <c:formatCode>General</c:formatCode>
+                <c:ptCount val="8"/>
+                <c:pt idx="0">
+                  <c:v>1</c:v>
+                </c:pt>
+                <c:pt idx="1">
+                  <c:v>1</c:v>
+                </c:pt>
+                <c:pt idx="2">
+                  <c:v>1</c:v>
+                </c:pt>
+                <c:pt idx="3">
+                  <c:v>1</c:v>
+                </c:pt>
+                <c:pt idx="4">
+                  <c:v>6</c:v>
+                </c:pt>
+                <c:pt idx="5">
+                  <c:v>1</c:v>
+                </c:pt>
+                <c:pt idx="6">
+                  <c:v>2</c:v>
+                </c:pt>
+                <c:pt idx="7">
+                  <c:v>1</c:v>
+                </c:pt>
+              </c:numCache>
+            </c:numRef>
+          </c:val>
+          <c:smooth val="0"/>
+        </c:ser>
+        <c:ser>
+          <c:idx val="1"/>
+          <c:order val="1"/>
+          <c:tx>
+            <c:strRef>
+              <c:f>Sheet1!$B$64</c:f>
+              <c:strCache>
+                <c:ptCount val="1"/>
+                <c:pt idx="0">
+                  <c:v>VL_QR|DTW</c:v>
+                </c:pt>
+              </c:strCache>
+            </c:strRef>
+          </c:tx>
+          <c:marker>
+            <c:symbol val="none"/>
+          </c:marker>
+          <c:val>
+            <c:numRef>
+              <c:f>Sheet1!$B$65:$B$72</c:f>
+              <c:numCache>
+                <c:formatCode>General</c:formatCode>
+                <c:ptCount val="8"/>
+                <c:pt idx="0">
+                  <c:v>14</c:v>
+                </c:pt>
+                <c:pt idx="1">
+                  <c:v>11</c:v>
+                </c:pt>
+                <c:pt idx="2">
+                  <c:v>5</c:v>
+                </c:pt>
+                <c:pt idx="3">
+                  <c:v>4</c:v>
+                </c:pt>
+                <c:pt idx="4">
+                  <c:v>200</c:v>
+                </c:pt>
+                <c:pt idx="5">
+                  <c:v>24</c:v>
+                </c:pt>
+                <c:pt idx="6">
+                  <c:v>194</c:v>
+                </c:pt>
+                <c:pt idx="7">
+                  <c:v>81</c:v>
+                </c:pt>
+              </c:numCache>
+            </c:numRef>
+          </c:val>
+          <c:smooth val="0"/>
+        </c:ser>
+        <c:dLbls>
+          <c:showLegendKey val="0"/>
+          <c:showVal val="0"/>
+          <c:showCatName val="0"/>
+          <c:showSerName val="0"/>
+          <c:showPercent val="0"/>
+          <c:showBubbleSize val="0"/>
+        </c:dLbls>
+        <c:marker val="1"/>
+        <c:smooth val="0"/>
+        <c:axId val="150215680"/>
+        <c:axId val="150225664"/>
+      </c:lineChart>
+      <c:catAx>
+        <c:axId val="150215680"/>
+        <c:scaling>
+          <c:orientation val="minMax"/>
+        </c:scaling>
+        <c:delete val="0"/>
+        <c:axPos val="b"/>
+        <c:majorTickMark val="out"/>
+        <c:minorTickMark val="none"/>
+        <c:tickLblPos val="nextTo"/>
+        <c:crossAx val="150225664"/>
+        <c:crosses val="autoZero"/>
+        <c:auto val="1"/>
+        <c:lblAlgn val="ctr"/>
+        <c:lblOffset val="100"/>
+        <c:noMultiLvlLbl val="0"/>
+      </c:catAx>
+      <c:valAx>
+        <c:axId val="150225664"/>
+        <c:scaling>
+          <c:orientation val="minMax"/>
+        </c:scaling>
+        <c:delete val="0"/>
+        <c:axPos val="l"/>
+        <c:majorGridlines/>
+        <c:numFmt formatCode="General" sourceLinked="1"/>
+        <c:majorTickMark val="out"/>
+        <c:minorTickMark val="none"/>
+        <c:tickLblPos val="nextTo"/>
+        <c:crossAx val="150215680"/>
+        <c:crosses val="autoZero"/>
+        <c:crossBetween val="between"/>
+      </c:valAx>
+    </c:plotArea>
+    <c:legend>
+      <c:legendPos val="r"/>
+      <c:layout/>
+      <c:overlay val="0"/>
+    </c:legend>
+    <c:plotVisOnly val="1"/>
+    <c:dispBlanksAs val="gap"/>
+    <c:showDLblsOverMax val="0"/>
+  </c:chart>
+  <c:externalData r:id="rId2">
+    <c:autoUpdate val="0"/>
+  </c:externalData>
+</c:chartSpace>
+</file>
+
+<file path=ppt/charts/chart3.xml><?xml version="1.0" encoding="utf-8"?>
 <c:chartSpace xmlns:c="http://schemas.openxmlformats.org/drawingml/2006/chart" xmlns:a="http://schemas.openxmlformats.org/drawingml/2006/main" xmlns:r="http://schemas.openxmlformats.org/officeDocument/2006/relationships">
   <c:date1904 val="0"/>
   <c:lang val="en-US"/>
@@ -437,11 +813,11 @@
         </c:dLbls>
         <c:marker val="1"/>
         <c:smooth val="0"/>
-        <c:axId val="152190976"/>
-        <c:axId val="151898752"/>
+        <c:axId val="158080384"/>
+        <c:axId val="158078848"/>
       </c:lineChart>
       <c:valAx>
-        <c:axId val="151898752"/>
+        <c:axId val="158078848"/>
         <c:scaling>
           <c:orientation val="minMax"/>
         </c:scaling>
@@ -477,12 +853,12 @@
             <a:endParaRPr lang="en-US"/>
           </a:p>
         </c:txPr>
-        <c:crossAx val="152190976"/>
+        <c:crossAx val="158080384"/>
         <c:crosses val="autoZero"/>
         <c:crossBetween val="between"/>
       </c:valAx>
       <c:catAx>
-        <c:axId val="152190976"/>
+        <c:axId val="158080384"/>
         <c:scaling>
           <c:orientation val="minMax"/>
         </c:scaling>
@@ -509,7 +885,7 @@
             <a:endParaRPr lang="en-US"/>
           </a:p>
         </c:txPr>
-        <c:crossAx val="151898752"/>
+        <c:crossAx val="158078848"/>
         <c:crosses val="autoZero"/>
         <c:auto val="1"/>
         <c:lblAlgn val="ctr"/>
@@ -562,7 +938,7 @@
 </c:chartSpace>
 </file>
 
-<file path=ppt/charts/chart2.xml><?xml version="1.0" encoding="utf-8"?>
+<file path=ppt/charts/chart4.xml><?xml version="1.0" encoding="utf-8"?>
 <c:chartSpace xmlns:c="http://schemas.openxmlformats.org/drawingml/2006/chart" xmlns:a="http://schemas.openxmlformats.org/drawingml/2006/main" xmlns:r="http://schemas.openxmlformats.org/officeDocument/2006/relationships">
   <c:date1904 val="0"/>
   <c:lang val="en-US"/>
@@ -775,11 +1151,11 @@
         </c:dLbls>
         <c:marker val="1"/>
         <c:smooth val="0"/>
-        <c:axId val="152618112"/>
-        <c:axId val="152616320"/>
+        <c:axId val="158959872"/>
+        <c:axId val="158958336"/>
       </c:lineChart>
       <c:valAx>
-        <c:axId val="152616320"/>
+        <c:axId val="158958336"/>
         <c:scaling>
           <c:orientation val="minMax"/>
         </c:scaling>
@@ -815,12 +1191,12 @@
             <a:endParaRPr lang="en-US"/>
           </a:p>
         </c:txPr>
-        <c:crossAx val="152618112"/>
+        <c:crossAx val="158959872"/>
         <c:crosses val="autoZero"/>
         <c:crossBetween val="between"/>
       </c:valAx>
       <c:catAx>
-        <c:axId val="152618112"/>
+        <c:axId val="158959872"/>
         <c:scaling>
           <c:orientation val="minMax"/>
         </c:scaling>
@@ -847,7 +1223,7 @@
             <a:endParaRPr lang="en-US"/>
           </a:p>
         </c:txPr>
-        <c:crossAx val="152616320"/>
+        <c:crossAx val="158958336"/>
         <c:crosses val="autoZero"/>
         <c:auto val="1"/>
         <c:lblAlgn val="ctr"/>
@@ -982,7 +1358,7 @@
           <a:p>
             <a:fld id="{B254F1C8-CC3D-498E-B2CE-23BA4A379260}" type="datetimeFigureOut">
               <a:rPr lang="en-US" smtClean="0"/>
-              <a:t>7/18/2016</a:t>
+              <a:t>7/19/2016</a:t>
             </a:fld>
             <a:endParaRPr lang="en-US"/>
           </a:p>
@@ -2194,7 +2570,7 @@
                 </a:solidFill>
               </a:rPr>
               <a:pPr/>
-              <a:t>60</a:t>
+              <a:t>61</a:t>
             </a:fld>
             <a:endParaRPr lang="en-US">
               <a:solidFill>
@@ -2287,7 +2663,7 @@
                 </a:solidFill>
               </a:rPr>
               <a:pPr/>
-              <a:t>64</a:t>
+              <a:t>65</a:t>
             </a:fld>
             <a:endParaRPr lang="en-US">
               <a:solidFill>
@@ -2491,7 +2867,7 @@
           <a:p>
             <a:fld id="{B329DD22-3901-4017-BEC8-FE8750DFA061}" type="datetime1">
               <a:rPr lang="en-US" smtClean="0"/>
-              <a:t>7/18/2016</a:t>
+              <a:t>7/19/2016</a:t>
             </a:fld>
             <a:endParaRPr lang="en-US"/>
           </a:p>
@@ -2665,7 +3041,7 @@
           <a:p>
             <a:fld id="{115BC933-04EF-4125-ADB5-D4BD0A1A7597}" type="datetime1">
               <a:rPr lang="en-US" smtClean="0"/>
-              <a:t>7/18/2016</a:t>
+              <a:t>7/19/2016</a:t>
             </a:fld>
             <a:endParaRPr lang="en-US"/>
           </a:p>
@@ -2849,7 +3225,7 @@
           <a:p>
             <a:fld id="{17EB61BA-192C-433C-B416-72651F1A78EB}" type="datetime1">
               <a:rPr lang="en-US" smtClean="0"/>
-              <a:t>7/18/2016</a:t>
+              <a:t>7/19/2016</a:t>
             </a:fld>
             <a:endParaRPr lang="en-US"/>
           </a:p>
@@ -3023,7 +3399,7 @@
           <a:p>
             <a:fld id="{A7AAD14A-2C09-4031-875B-FB5485C85F52}" type="datetime1">
               <a:rPr lang="en-US" smtClean="0"/>
-              <a:t>7/18/2016</a:t>
+              <a:t>7/19/2016</a:t>
             </a:fld>
             <a:endParaRPr lang="en-US"/>
           </a:p>
@@ -3273,7 +3649,7 @@
           <a:p>
             <a:fld id="{5F71CD92-15F1-49C0-B076-705046C4361F}" type="datetime1">
               <a:rPr lang="en-US" smtClean="0"/>
-              <a:t>7/18/2016</a:t>
+              <a:t>7/19/2016</a:t>
             </a:fld>
             <a:endParaRPr lang="en-US"/>
           </a:p>
@@ -3565,7 +3941,7 @@
           <a:p>
             <a:fld id="{114BFDAB-3BD4-4BC8-9BA6-6E4ABE132CE6}" type="datetime1">
               <a:rPr lang="en-US" smtClean="0"/>
-              <a:t>7/18/2016</a:t>
+              <a:t>7/19/2016</a:t>
             </a:fld>
             <a:endParaRPr lang="en-US"/>
           </a:p>
@@ -3991,7 +4367,7 @@
           <a:p>
             <a:fld id="{34FCCD49-AB6B-49EC-B1AF-BDD79E29A726}" type="datetime1">
               <a:rPr lang="en-US" smtClean="0"/>
-              <a:t>7/18/2016</a:t>
+              <a:t>7/19/2016</a:t>
             </a:fld>
             <a:endParaRPr lang="en-US"/>
           </a:p>
@@ -4113,7 +4489,7 @@
           <a:p>
             <a:fld id="{0E5F5D71-C980-4D30-8EE3-BAE218D8A89F}" type="datetime1">
               <a:rPr lang="en-US" smtClean="0"/>
-              <a:t>7/18/2016</a:t>
+              <a:t>7/19/2016</a:t>
             </a:fld>
             <a:endParaRPr lang="en-US"/>
           </a:p>
@@ -4212,7 +4588,7 @@
           <a:p>
             <a:fld id="{3AF8CC4E-4914-4E8E-BF6E-87F5D8F00C88}" type="datetime1">
               <a:rPr lang="en-US" smtClean="0"/>
-              <a:t>7/18/2016</a:t>
+              <a:t>7/19/2016</a:t>
             </a:fld>
             <a:endParaRPr lang="en-US"/>
           </a:p>
@@ -4493,7 +4869,7 @@
           <a:p>
             <a:fld id="{40A97A51-EA70-40F7-9C72-010BE2156940}" type="datetime1">
               <a:rPr lang="en-US" smtClean="0"/>
-              <a:t>7/18/2016</a:t>
+              <a:t>7/19/2016</a:t>
             </a:fld>
             <a:endParaRPr lang="en-US"/>
           </a:p>
@@ -4750,7 +5126,7 @@
           <a:p>
             <a:fld id="{81C508AD-95BA-4196-BE39-DD6DCC1516CB}" type="datetime1">
               <a:rPr lang="en-US" smtClean="0"/>
-              <a:t>7/18/2016</a:t>
+              <a:t>7/19/2016</a:t>
             </a:fld>
             <a:endParaRPr lang="en-US"/>
           </a:p>
@@ -4967,7 +5343,7 @@
           <a:p>
             <a:fld id="{21D2C01F-FF40-4B38-A4B4-3E540EF55F9E}" type="datetime1">
               <a:rPr lang="en-US" smtClean="0"/>
-              <a:t>7/18/2016</a:t>
+              <a:t>7/19/2016</a:t>
             </a:fld>
             <a:endParaRPr lang="en-US"/>
           </a:p>
@@ -6959,7 +7335,7 @@
           <a:graphicData uri="http://schemas.openxmlformats.org/presentationml/2006/ole">
             <mc:AlternateContent xmlns:mc="http://schemas.openxmlformats.org/markup-compatibility/2006">
               <mc:Choice xmlns:v="urn:schemas-microsoft-com:vml" Requires="v">
-                <p:oleObj spid="_x0000_s13326" name="Equation" r:id="rId4" imgW="2590560" imgH="304560" progId="Equation.3">
+                <p:oleObj spid="_x0000_s13328" name="Equation" r:id="rId4" imgW="2590560" imgH="304560" progId="Equation.3">
                   <p:embed/>
                 </p:oleObj>
               </mc:Choice>
@@ -7686,7 +8062,7 @@
           <a:graphicData uri="http://schemas.openxmlformats.org/presentationml/2006/ole">
             <mc:AlternateContent xmlns:mc="http://schemas.openxmlformats.org/markup-compatibility/2006">
               <mc:Choice xmlns:v="urn:schemas-microsoft-com:vml" Requires="v">
-                <p:oleObj spid="_x0000_s9303" name="Equation" r:id="rId3" imgW="2590560" imgH="304560" progId="Equation.3">
+                <p:oleObj spid="_x0000_s9305" name="Equation" r:id="rId3" imgW="2590560" imgH="304560" progId="Equation.3">
                   <p:embed/>
                 </p:oleObj>
               </mc:Choice>
@@ -8681,7 +9057,7 @@
           <a:graphicData uri="http://schemas.openxmlformats.org/presentationml/2006/ole">
             <mc:AlternateContent xmlns:mc="http://schemas.openxmlformats.org/markup-compatibility/2006">
               <mc:Choice xmlns:v="urn:schemas-microsoft-com:vml" Requires="v">
-                <p:oleObj spid="_x0000_s6548" name="Equation" r:id="rId3" imgW="2209680" imgH="482400" progId="Equation.3">
+                <p:oleObj spid="_x0000_s6556" name="Equation" r:id="rId3" imgW="2209680" imgH="482400" progId="Equation.3">
                   <p:embed/>
                 </p:oleObj>
               </mc:Choice>
@@ -8738,7 +9114,7 @@
           <a:graphicData uri="http://schemas.openxmlformats.org/presentationml/2006/ole">
             <mc:AlternateContent xmlns:mc="http://schemas.openxmlformats.org/markup-compatibility/2006">
               <mc:Choice xmlns:v="urn:schemas-microsoft-com:vml" Requires="v">
-                <p:oleObj spid="_x0000_s6549" name="Equation" r:id="rId5" imgW="1218960" imgH="431640" progId="Equation.3">
+                <p:oleObj spid="_x0000_s6557" name="Equation" r:id="rId5" imgW="1218960" imgH="431640" progId="Equation.3">
                   <p:embed/>
                 </p:oleObj>
               </mc:Choice>
@@ -8795,7 +9171,7 @@
           <a:graphicData uri="http://schemas.openxmlformats.org/presentationml/2006/ole">
             <mc:AlternateContent xmlns:mc="http://schemas.openxmlformats.org/markup-compatibility/2006">
               <mc:Choice xmlns:v="urn:schemas-microsoft-com:vml" Requires="v">
-                <p:oleObj spid="_x0000_s6550" name="Equation" r:id="rId7" imgW="914400" imgH="198720" progId="Equation.DSMT4">
+                <p:oleObj spid="_x0000_s6558" name="Equation" r:id="rId7" imgW="914400" imgH="198720" progId="Equation.DSMT4">
                   <p:embed/>
                 </p:oleObj>
               </mc:Choice>
@@ -8852,7 +9228,7 @@
           <a:graphicData uri="http://schemas.openxmlformats.org/presentationml/2006/ole">
             <mc:AlternateContent xmlns:mc="http://schemas.openxmlformats.org/markup-compatibility/2006">
               <mc:Choice xmlns:v="urn:schemas-microsoft-com:vml" Requires="v">
-                <p:oleObj spid="_x0000_s6551" name="Equation" r:id="rId9" imgW="914400" imgH="198720" progId="Equation.DSMT4">
+                <p:oleObj spid="_x0000_s6559" name="Equation" r:id="rId9" imgW="914400" imgH="198720" progId="Equation.DSMT4">
                   <p:embed/>
                 </p:oleObj>
               </mc:Choice>
@@ -10818,6 +11194,110 @@
           <a:lstStyle/>
           <a:p>
             <a:r>
+              <a:rPr lang="en-US" dirty="0"/>
+              <a:t>Positions of anomaly patterns detected by VL_QR|HT and VL_EP|HT</a:t>
+            </a:r>
+          </a:p>
+        </p:txBody>
+      </p:sp>
+      <p:sp>
+        <p:nvSpPr>
+          <p:cNvPr id="4" name="Slide Number Placeholder 3"/>
+          <p:cNvSpPr>
+            <a:spLocks noGrp="1"/>
+          </p:cNvSpPr>
+          <p:nvPr>
+            <p:ph type="sldNum" sz="quarter" idx="12"/>
+          </p:nvPr>
+        </p:nvSpPr>
+        <p:spPr/>
+        <p:txBody>
+          <a:bodyPr/>
+          <a:lstStyle/>
+          <a:p>
+            <a:fld id="{38324C1E-6E2F-465B-B7AC-362036DEB808}" type="slidenum">
+              <a:rPr lang="en-US" smtClean="0"/>
+              <a:t>27</a:t>
+            </a:fld>
+            <a:endParaRPr lang="en-US"/>
+          </a:p>
+        </p:txBody>
+      </p:sp>
+      <p:graphicFrame>
+        <p:nvGraphicFramePr>
+          <p:cNvPr id="5" name="Content Placeholder 4"/>
+          <p:cNvGraphicFramePr>
+            <a:graphicFrameLocks noGrp="1"/>
+          </p:cNvGraphicFramePr>
+          <p:nvPr>
+            <p:ph idx="1"/>
+          </p:nvPr>
+        </p:nvGraphicFramePr>
+        <p:xfrm>
+          <a:off x="457200" y="1600200"/>
+          <a:ext cx="8229600" cy="4525963"/>
+        </p:xfrm>
+        <a:graphic>
+          <a:graphicData uri="http://schemas.openxmlformats.org/drawingml/2006/chart">
+            <c:chart xmlns:c="http://schemas.openxmlformats.org/drawingml/2006/chart" xmlns:r="http://schemas.openxmlformats.org/officeDocument/2006/relationships" r:id="rId2"/>
+          </a:graphicData>
+        </a:graphic>
+      </p:graphicFrame>
+    </p:spTree>
+    <p:extLst>
+      <p:ext uri="{BB962C8B-B14F-4D97-AF65-F5344CB8AC3E}">
+        <p14:creationId xmlns:p14="http://schemas.microsoft.com/office/powerpoint/2010/main" val="2926951410"/>
+      </p:ext>
+    </p:extLst>
+  </p:cSld>
+  <p:clrMapOvr>
+    <a:masterClrMapping/>
+  </p:clrMapOvr>
+  <p:timing>
+    <p:tnLst>
+      <p:par>
+        <p:cTn id="1" dur="indefinite" restart="never" nodeType="tmRoot"/>
+      </p:par>
+    </p:tnLst>
+  </p:timing>
+</p:sld>
+</file>
+
+<file path=ppt/slides/slide28.xml><?xml version="1.0" encoding="utf-8"?>
+<p:sld xmlns:a="http://schemas.openxmlformats.org/drawingml/2006/main" xmlns:r="http://schemas.openxmlformats.org/officeDocument/2006/relationships" xmlns:p="http://schemas.openxmlformats.org/presentationml/2006/main">
+  <p:cSld>
+    <p:spTree>
+      <p:nvGrpSpPr>
+        <p:cNvPr id="1" name=""/>
+        <p:cNvGrpSpPr/>
+        <p:nvPr/>
+      </p:nvGrpSpPr>
+      <p:grpSpPr>
+        <a:xfrm>
+          <a:off x="0" y="0"/>
+          <a:ext cx="0" cy="0"/>
+          <a:chOff x="0" y="0"/>
+          <a:chExt cx="0" cy="0"/>
+        </a:xfrm>
+      </p:grpSpPr>
+      <p:sp>
+        <p:nvSpPr>
+          <p:cNvPr id="2" name="Title 1"/>
+          <p:cNvSpPr>
+            <a:spLocks noGrp="1"/>
+          </p:cNvSpPr>
+          <p:nvPr>
+            <p:ph type="title"/>
+          </p:nvPr>
+        </p:nvSpPr>
+        <p:spPr/>
+        <p:txBody>
+          <a:bodyPr>
+            <a:normAutofit fontScale="90000"/>
+          </a:bodyPr>
+          <a:lstStyle/>
+          <a:p>
+            <a:r>
               <a:rPr lang="en-US" dirty="0" smtClean="0"/>
               <a:t>ECG 308: VL_QR|HT vs HOT SAX(35) </a:t>
             </a:r>
@@ -10868,7 +11348,7 @@
                 </a:solidFill>
               </a:rPr>
               <a:pPr/>
-              <a:t>27</a:t>
+              <a:t>28</a:t>
             </a:fld>
             <a:endParaRPr lang="en-US">
               <a:solidFill>
@@ -10966,7 +11446,7 @@
 </p:sld>
 </file>
 
-<file path=ppt/slides/slide28.xml><?xml version="1.0" encoding="utf-8"?>
+<file path=ppt/slides/slide29.xml><?xml version="1.0" encoding="utf-8"?>
 <p:sld xmlns:a="http://schemas.openxmlformats.org/drawingml/2006/main" xmlns:r="http://schemas.openxmlformats.org/officeDocument/2006/relationships" xmlns:p="http://schemas.openxmlformats.org/presentationml/2006/main">
   <p:cSld>
     <p:spTree>
@@ -11036,7 +11516,7 @@
                 </a:solidFill>
               </a:rPr>
               <a:pPr/>
-              <a:t>28</a:t>
+              <a:t>29</a:t>
             </a:fld>
             <a:endParaRPr lang="en-US" dirty="0">
               <a:solidFill>
@@ -11168,7 +11648,7 @@
 </p:sld>
 </file>
 
-<file path=ppt/slides/slide29.xml><?xml version="1.0" encoding="utf-8"?>
+<file path=ppt/slides/slide3.xml><?xml version="1.0" encoding="utf-8"?>
 <p:sld xmlns:a="http://schemas.openxmlformats.org/drawingml/2006/main" xmlns:r="http://schemas.openxmlformats.org/officeDocument/2006/relationships" xmlns:p="http://schemas.openxmlformats.org/presentationml/2006/main">
   <p:cSld>
     <p:spTree>
@@ -11202,6 +11682,172 @@
           <a:p>
             <a:r>
               <a:rPr lang="en-US" dirty="0" smtClean="0"/>
+              <a:t>Introduction</a:t>
+            </a:r>
+            <a:endParaRPr lang="en-US" dirty="0"/>
+          </a:p>
+        </p:txBody>
+      </p:sp>
+      <p:sp>
+        <p:nvSpPr>
+          <p:cNvPr id="3" name="Slide Number Placeholder 2"/>
+          <p:cNvSpPr>
+            <a:spLocks noGrp="1"/>
+          </p:cNvSpPr>
+          <p:nvPr>
+            <p:ph type="sldNum" sz="quarter" idx="12"/>
+          </p:nvPr>
+        </p:nvSpPr>
+        <p:spPr/>
+        <p:txBody>
+          <a:bodyPr/>
+          <a:lstStyle/>
+          <a:p>
+            <a:fld id="{38324C1E-6E2F-465B-B7AC-362036DEB808}" type="slidenum">
+              <a:rPr lang="en-US" smtClean="0"/>
+              <a:t>3</a:t>
+            </a:fld>
+            <a:endParaRPr lang="en-US"/>
+          </a:p>
+        </p:txBody>
+      </p:sp>
+      <p:sp>
+        <p:nvSpPr>
+          <p:cNvPr id="5" name="TextBox 4"/>
+          <p:cNvSpPr txBox="1"/>
+          <p:nvPr/>
+        </p:nvSpPr>
+        <p:spPr>
+          <a:xfrm>
+            <a:off x="533400" y="1524000"/>
+            <a:ext cx="8229600" cy="4647426"/>
+          </a:xfrm>
+          <a:prstGeom prst="rect">
+            <a:avLst/>
+          </a:prstGeom>
+          <a:noFill/>
+        </p:spPr>
+        <p:txBody>
+          <a:bodyPr wrap="square" rtlCol="0">
+            <a:spAutoFit/>
+          </a:bodyPr>
+          <a:lstStyle/>
+          <a:p>
+            <a:pPr marL="285750" indent="-285750">
+              <a:buFont typeface="Arial" pitchFamily="34" charset="0"/>
+              <a:buChar char="•"/>
+            </a:pPr>
+            <a:r>
+              <a:rPr lang="en-US" sz="2800" dirty="0" smtClean="0">
+                <a:latin typeface="+mj-lt"/>
+              </a:rPr>
+              <a:t>A time series is a sequence of data points made over a continuous time interval</a:t>
+            </a:r>
+          </a:p>
+          <a:p>
+            <a:pPr marL="285750" indent="-285750">
+              <a:buFont typeface="Arial" pitchFamily="34" charset="0"/>
+              <a:buChar char="•"/>
+            </a:pPr>
+            <a:r>
+              <a:rPr lang="en-US" sz="2800" dirty="0"/>
+              <a:t>Anomaly </a:t>
+            </a:r>
+            <a:r>
+              <a:rPr lang="en-US" sz="2800" dirty="0" smtClean="0"/>
+              <a:t>Patterns are subsequences that do </a:t>
+            </a:r>
+            <a:r>
+              <a:rPr lang="en-US" sz="2800" dirty="0"/>
+              <a:t>not conform to a well deﬁned notion of </a:t>
+            </a:r>
+            <a:r>
+              <a:rPr lang="en-US" sz="2800" dirty="0" smtClean="0"/>
+              <a:t>normal behavior</a:t>
+            </a:r>
+            <a:endParaRPr lang="en-US" sz="2800" dirty="0" smtClean="0">
+              <a:latin typeface="+mj-lt"/>
+            </a:endParaRPr>
+          </a:p>
+          <a:p>
+            <a:pPr marL="285750" indent="-285750">
+              <a:buFont typeface="Arial" pitchFamily="34" charset="0"/>
+              <a:buChar char="•"/>
+            </a:pPr>
+            <a:r>
+              <a:rPr lang="en-US" sz="3200" dirty="0"/>
+              <a:t>Application areas that explore such time series anomalies include fault diagnostics, intrusion detection, fraud detection, auditing and data cleansing</a:t>
+            </a:r>
+            <a:endParaRPr lang="en-US" sz="3200" dirty="0" smtClean="0">
+              <a:latin typeface="+mj-lt"/>
+            </a:endParaRPr>
+          </a:p>
+          <a:p>
+            <a:endParaRPr lang="en-US" sz="3200" dirty="0" smtClean="0">
+              <a:latin typeface="+mj-lt"/>
+            </a:endParaRPr>
+          </a:p>
+          <a:p>
+            <a:endParaRPr lang="en-US" sz="2400" dirty="0" smtClean="0">
+              <a:latin typeface="+mj-lt"/>
+            </a:endParaRPr>
+          </a:p>
+        </p:txBody>
+      </p:sp>
+    </p:spTree>
+    <p:extLst>
+      <p:ext uri="{BB962C8B-B14F-4D97-AF65-F5344CB8AC3E}">
+        <p14:creationId xmlns:p14="http://schemas.microsoft.com/office/powerpoint/2010/main" val="583393979"/>
+      </p:ext>
+    </p:extLst>
+  </p:cSld>
+  <p:clrMapOvr>
+    <a:masterClrMapping/>
+  </p:clrMapOvr>
+  <p:timing>
+    <p:tnLst>
+      <p:par>
+        <p:cTn id="1" dur="indefinite" restart="never" nodeType="tmRoot"/>
+      </p:par>
+    </p:tnLst>
+  </p:timing>
+</p:sld>
+</file>
+
+<file path=ppt/slides/slide30.xml><?xml version="1.0" encoding="utf-8"?>
+<p:sld xmlns:a="http://schemas.openxmlformats.org/drawingml/2006/main" xmlns:r="http://schemas.openxmlformats.org/officeDocument/2006/relationships" xmlns:p="http://schemas.openxmlformats.org/presentationml/2006/main">
+  <p:cSld>
+    <p:spTree>
+      <p:nvGrpSpPr>
+        <p:cNvPr id="1" name=""/>
+        <p:cNvGrpSpPr/>
+        <p:nvPr/>
+      </p:nvGrpSpPr>
+      <p:grpSpPr>
+        <a:xfrm>
+          <a:off x="0" y="0"/>
+          <a:ext cx="0" cy="0"/>
+          <a:chOff x="0" y="0"/>
+          <a:chExt cx="0" cy="0"/>
+        </a:xfrm>
+      </p:grpSpPr>
+      <p:sp>
+        <p:nvSpPr>
+          <p:cNvPr id="2" name="Title 1"/>
+          <p:cNvSpPr>
+            <a:spLocks noGrp="1"/>
+          </p:cNvSpPr>
+          <p:nvPr>
+            <p:ph type="title"/>
+          </p:nvPr>
+        </p:nvSpPr>
+        <p:spPr/>
+        <p:txBody>
+          <a:bodyPr/>
+          <a:lstStyle/>
+          <a:p>
+            <a:r>
+              <a:rPr lang="en-US" dirty="0" smtClean="0"/>
               <a:t>TEK16: VL_QR|HT vs HOT SAX(136)</a:t>
             </a:r>
             <a:endParaRPr lang="en-US" dirty="0"/>
@@ -11232,7 +11878,7 @@
                 </a:solidFill>
               </a:rPr>
               <a:pPr/>
-              <a:t>29</a:t>
+              <a:t>30</a:t>
             </a:fld>
             <a:endParaRPr lang="en-US">
               <a:solidFill>
@@ -11334,7 +11980,7 @@
 </p:sld>
 </file>
 
-<file path=ppt/slides/slide3.xml><?xml version="1.0" encoding="utf-8"?>
+<file path=ppt/slides/slide31.xml><?xml version="1.0" encoding="utf-8"?>
 <p:sld xmlns:a="http://schemas.openxmlformats.org/drawingml/2006/main" xmlns:r="http://schemas.openxmlformats.org/officeDocument/2006/relationships" xmlns:p="http://schemas.openxmlformats.org/presentationml/2006/main">
   <p:cSld>
     <p:spTree>
@@ -11367,174 +12013,16 @@
           <a:lstStyle/>
           <a:p>
             <a:r>
+              <a:rPr lang="en-US" dirty="0"/>
+              <a:t>TEK16: </a:t>
+            </a:r>
+            <a:r>
               <a:rPr lang="en-US" dirty="0" smtClean="0"/>
-              <a:t>Introduction</a:t>
-            </a:r>
-            <a:endParaRPr lang="en-US" dirty="0"/>
-          </a:p>
-        </p:txBody>
-      </p:sp>
-      <p:sp>
-        <p:nvSpPr>
-          <p:cNvPr id="3" name="Slide Number Placeholder 2"/>
-          <p:cNvSpPr>
-            <a:spLocks noGrp="1"/>
-          </p:cNvSpPr>
-          <p:nvPr>
-            <p:ph type="sldNum" sz="quarter" idx="12"/>
-          </p:nvPr>
-        </p:nvSpPr>
-        <p:spPr/>
-        <p:txBody>
-          <a:bodyPr/>
-          <a:lstStyle/>
-          <a:p>
-            <a:fld id="{38324C1E-6E2F-465B-B7AC-362036DEB808}" type="slidenum">
-              <a:rPr lang="en-US" smtClean="0"/>
-              <a:t>3</a:t>
-            </a:fld>
-            <a:endParaRPr lang="en-US"/>
-          </a:p>
-        </p:txBody>
-      </p:sp>
-      <p:sp>
-        <p:nvSpPr>
-          <p:cNvPr id="5" name="TextBox 4"/>
-          <p:cNvSpPr txBox="1"/>
-          <p:nvPr/>
-        </p:nvSpPr>
-        <p:spPr>
-          <a:xfrm>
-            <a:off x="533400" y="1524000"/>
-            <a:ext cx="8229600" cy="4647426"/>
-          </a:xfrm>
-          <a:prstGeom prst="rect">
-            <a:avLst/>
-          </a:prstGeom>
-          <a:noFill/>
-        </p:spPr>
-        <p:txBody>
-          <a:bodyPr wrap="square" rtlCol="0">
-            <a:spAutoFit/>
-          </a:bodyPr>
-          <a:lstStyle/>
-          <a:p>
-            <a:pPr marL="285750" indent="-285750">
-              <a:buFont typeface="Arial" pitchFamily="34" charset="0"/>
-              <a:buChar char="•"/>
-            </a:pPr>
-            <a:r>
-              <a:rPr lang="en-US" sz="2800" dirty="0" smtClean="0">
-                <a:latin typeface="+mj-lt"/>
-              </a:rPr>
-              <a:t>A time series is a sequence of data points made over a continuous time interval</a:t>
-            </a:r>
-          </a:p>
-          <a:p>
-            <a:pPr marL="285750" indent="-285750">
-              <a:buFont typeface="Arial" pitchFamily="34" charset="0"/>
-              <a:buChar char="•"/>
-            </a:pPr>
-            <a:r>
-              <a:rPr lang="en-US" sz="2800" dirty="0"/>
-              <a:t>Anomaly </a:t>
-            </a:r>
-            <a:r>
-              <a:rPr lang="en-US" sz="2800" dirty="0" smtClean="0"/>
-              <a:t>Patterns are subsequences that do </a:t>
-            </a:r>
-            <a:r>
-              <a:rPr lang="en-US" sz="2800" dirty="0"/>
-              <a:t>not conform to a well deﬁned notion of </a:t>
-            </a:r>
-            <a:r>
-              <a:rPr lang="en-US" sz="2800" dirty="0" smtClean="0"/>
-              <a:t>normal behavior</a:t>
-            </a:r>
-            <a:endParaRPr lang="en-US" sz="2800" dirty="0" smtClean="0">
-              <a:latin typeface="+mj-lt"/>
-            </a:endParaRPr>
-          </a:p>
-          <a:p>
-            <a:pPr marL="285750" indent="-285750">
-              <a:buFont typeface="Arial" pitchFamily="34" charset="0"/>
-              <a:buChar char="•"/>
-            </a:pPr>
-            <a:r>
-              <a:rPr lang="en-US" sz="3200" dirty="0"/>
-              <a:t>Application areas that explore such time series anomalies include fault diagnostics, intrusion detection, fraud detection, auditing and data cleansing</a:t>
-            </a:r>
-            <a:endParaRPr lang="en-US" sz="3200" dirty="0" smtClean="0">
-              <a:latin typeface="+mj-lt"/>
-            </a:endParaRPr>
-          </a:p>
-          <a:p>
-            <a:endParaRPr lang="en-US" sz="3200" dirty="0" smtClean="0">
-              <a:latin typeface="+mj-lt"/>
-            </a:endParaRPr>
-          </a:p>
-          <a:p>
-            <a:endParaRPr lang="en-US" sz="2400" dirty="0" smtClean="0">
-              <a:latin typeface="+mj-lt"/>
-            </a:endParaRPr>
-          </a:p>
-        </p:txBody>
-      </p:sp>
-    </p:spTree>
-    <p:extLst>
-      <p:ext uri="{BB962C8B-B14F-4D97-AF65-F5344CB8AC3E}">
-        <p14:creationId xmlns:p14="http://schemas.microsoft.com/office/powerpoint/2010/main" val="583393979"/>
-      </p:ext>
-    </p:extLst>
-  </p:cSld>
-  <p:clrMapOvr>
-    <a:masterClrMapping/>
-  </p:clrMapOvr>
-  <p:timing>
-    <p:tnLst>
-      <p:par>
-        <p:cTn id="1" dur="indefinite" restart="never" nodeType="tmRoot"/>
-      </p:par>
-    </p:tnLst>
-  </p:timing>
-</p:sld>
-</file>
-
-<file path=ppt/slides/slide30.xml><?xml version="1.0" encoding="utf-8"?>
-<p:sld xmlns:a="http://schemas.openxmlformats.org/drawingml/2006/main" xmlns:r="http://schemas.openxmlformats.org/officeDocument/2006/relationships" xmlns:p="http://schemas.openxmlformats.org/presentationml/2006/main">
-  <p:cSld>
-    <p:spTree>
-      <p:nvGrpSpPr>
-        <p:cNvPr id="1" name=""/>
-        <p:cNvGrpSpPr/>
-        <p:nvPr/>
-      </p:nvGrpSpPr>
-      <p:grpSpPr>
-        <a:xfrm>
-          <a:off x="0" y="0"/>
-          <a:ext cx="0" cy="0"/>
-          <a:chOff x="0" y="0"/>
-          <a:chExt cx="0" cy="0"/>
-        </a:xfrm>
-      </p:grpSpPr>
-      <p:sp>
-        <p:nvSpPr>
-          <p:cNvPr id="2" name="Title 1"/>
-          <p:cNvSpPr>
-            <a:spLocks noGrp="1"/>
-          </p:cNvSpPr>
-          <p:nvPr>
-            <p:ph type="title"/>
-          </p:nvPr>
-        </p:nvSpPr>
-        <p:spPr/>
-        <p:txBody>
-          <a:bodyPr/>
-          <a:lstStyle/>
-          <a:p>
+              <a:t>VL_EP|HT </a:t>
+            </a:r>
             <a:r>
               <a:rPr lang="en-US" dirty="0"/>
-              <a:t>TEK16: VL_QR|HT vs HOT </a:t>
+              <a:t>vs HOT </a:t>
             </a:r>
             <a:r>
               <a:rPr lang="en-US" dirty="0" smtClean="0"/>
@@ -11587,7 +12075,7 @@
                 </a:solidFill>
               </a:rPr>
               <a:pPr/>
-              <a:t>30</a:t>
+              <a:t>31</a:t>
             </a:fld>
             <a:endParaRPr lang="en-US">
               <a:solidFill>
@@ -11685,7 +12173,7 @@
 </p:sld>
 </file>
 
-<file path=ppt/slides/slide31.xml><?xml version="1.0" encoding="utf-8"?>
+<file path=ppt/slides/slide32.xml><?xml version="1.0" encoding="utf-8"?>
 <p:sld xmlns:a="http://schemas.openxmlformats.org/drawingml/2006/main" xmlns:r="http://schemas.openxmlformats.org/officeDocument/2006/relationships" xmlns:p="http://schemas.openxmlformats.org/presentationml/2006/main">
   <p:cSld>
     <p:spTree>
@@ -11763,7 +12251,7 @@
           <a:p>
             <a:fld id="{38324C1E-6E2F-465B-B7AC-362036DEB808}" type="slidenum">
               <a:rPr lang="en-US" smtClean="0"/>
-              <a:t>31</a:t>
+              <a:t>32</a:t>
             </a:fld>
             <a:endParaRPr lang="en-US"/>
           </a:p>
@@ -11843,157 +12331,6 @@
 </p:sld>
 </file>
 
-<file path=ppt/slides/slide32.xml><?xml version="1.0" encoding="utf-8"?>
-<p:sld xmlns:a="http://schemas.openxmlformats.org/drawingml/2006/main" xmlns:r="http://schemas.openxmlformats.org/officeDocument/2006/relationships" xmlns:p="http://schemas.openxmlformats.org/presentationml/2006/main">
-  <p:cSld>
-    <p:spTree>
-      <p:nvGrpSpPr>
-        <p:cNvPr id="1" name=""/>
-        <p:cNvGrpSpPr/>
-        <p:nvPr/>
-      </p:nvGrpSpPr>
-      <p:grpSpPr>
-        <a:xfrm>
-          <a:off x="0" y="0"/>
-          <a:ext cx="0" cy="0"/>
-          <a:chOff x="0" y="0"/>
-          <a:chExt cx="0" cy="0"/>
-        </a:xfrm>
-      </p:grpSpPr>
-      <p:sp>
-        <p:nvSpPr>
-          <p:cNvPr id="2" name="Title 1"/>
-          <p:cNvSpPr>
-            <a:spLocks noGrp="1"/>
-          </p:cNvSpPr>
-          <p:nvPr>
-            <p:ph type="title"/>
-          </p:nvPr>
-        </p:nvSpPr>
-        <p:spPr/>
-        <p:txBody>
-          <a:bodyPr>
-            <a:normAutofit fontScale="90000"/>
-          </a:bodyPr>
-          <a:lstStyle/>
-          <a:p>
-            <a:r>
-              <a:rPr lang="en-US" dirty="0" smtClean="0"/>
-              <a:t>Parameters between VL_QR|HT and VL_EP|HT</a:t>
-            </a:r>
-            <a:endParaRPr lang="en-US" dirty="0"/>
-          </a:p>
-        </p:txBody>
-      </p:sp>
-      <p:sp>
-        <p:nvSpPr>
-          <p:cNvPr id="4" name="Slide Number Placeholder 3"/>
-          <p:cNvSpPr>
-            <a:spLocks noGrp="1"/>
-          </p:cNvSpPr>
-          <p:nvPr>
-            <p:ph type="sldNum" sz="quarter" idx="12"/>
-          </p:nvPr>
-        </p:nvSpPr>
-        <p:spPr/>
-        <p:txBody>
-          <a:bodyPr/>
-          <a:lstStyle/>
-          <a:p>
-            <a:fld id="{38324C1E-6E2F-465B-B7AC-362036DEB808}" type="slidenum">
-              <a:rPr lang="en-US" smtClean="0"/>
-              <a:t>32</a:t>
-            </a:fld>
-            <a:endParaRPr lang="en-US"/>
-          </a:p>
-        </p:txBody>
-      </p:sp>
-      <p:pic>
-        <p:nvPicPr>
-          <p:cNvPr id="10243" name="Picture 3"/>
-          <p:cNvPicPr>
-            <a:picLocks noGrp="1" noChangeAspect="1" noChangeArrowheads="1"/>
-          </p:cNvPicPr>
-          <p:nvPr>
-            <p:ph idx="1"/>
-          </p:nvPr>
-        </p:nvPicPr>
-        <p:blipFill>
-          <a:blip r:embed="rId2" cstate="print">
-            <a:extLst>
-              <a:ext uri="{28A0092B-C50C-407E-A947-70E740481C1C}">
-                <a14:useLocalDpi xmlns:a14="http://schemas.microsoft.com/office/drawing/2010/main" val="0"/>
-              </a:ext>
-            </a:extLst>
-          </a:blip>
-          <a:srcRect/>
-          <a:stretch>
-            <a:fillRect/>
-          </a:stretch>
-        </p:blipFill>
-        <p:spPr bwMode="auto">
-          <a:xfrm>
-            <a:off x="1066800" y="1828800"/>
-            <a:ext cx="6914240" cy="4267200"/>
-          </a:xfrm>
-          <a:prstGeom prst="rect">
-            <a:avLst/>
-          </a:prstGeom>
-          <a:noFill/>
-          <a:ln>
-            <a:noFill/>
-          </a:ln>
-          <a:effectLst/>
-          <a:extLst>
-            <a:ext uri="{909E8E84-426E-40DD-AFC4-6F175D3DCCD1}">
-              <a14:hiddenFill xmlns:a14="http://schemas.microsoft.com/office/drawing/2010/main">
-                <a:solidFill>
-                  <a:schemeClr val="accent1"/>
-                </a:solidFill>
-              </a14:hiddenFill>
-            </a:ext>
-            <a:ext uri="{91240B29-F687-4F45-9708-019B960494DF}">
-              <a14:hiddenLine xmlns:a14="http://schemas.microsoft.com/office/drawing/2010/main" w="9525">
-                <a:solidFill>
-                  <a:schemeClr val="tx1"/>
-                </a:solidFill>
-                <a:miter lim="800000"/>
-                <a:headEnd/>
-                <a:tailEnd/>
-              </a14:hiddenLine>
-            </a:ext>
-            <a:ext uri="{AF507438-7753-43E0-B8FC-AC1667EBCBE1}">
-              <a14:hiddenEffects xmlns:a14="http://schemas.microsoft.com/office/drawing/2010/main">
-                <a:effectLst>
-                  <a:outerShdw dist="35921" dir="2700000" algn="ctr" rotWithShape="0">
-                    <a:schemeClr val="bg2"/>
-                  </a:outerShdw>
-                </a:effectLst>
-              </a14:hiddenEffects>
-            </a:ext>
-          </a:extLst>
-        </p:spPr>
-      </p:pic>
-    </p:spTree>
-    <p:extLst>
-      <p:ext uri="{BB962C8B-B14F-4D97-AF65-F5344CB8AC3E}">
-        <p14:creationId xmlns:p14="http://schemas.microsoft.com/office/powerpoint/2010/main" val="2163489341"/>
-      </p:ext>
-    </p:extLst>
-  </p:cSld>
-  <p:clrMapOvr>
-    <a:masterClrMapping/>
-  </p:clrMapOvr>
-  <p:timing>
-    <p:tnLst>
-      <p:par>
-        <p:cTn id="1" dur="indefinite" restart="never" nodeType="tmRoot"/>
-      </p:par>
-    </p:tnLst>
-  </p:timing>
-</p:sld>
-</file>
-
 <file path=ppt/slides/slide33.xml><?xml version="1.0" encoding="utf-8"?>
 <p:sld xmlns:a="http://schemas.openxmlformats.org/drawingml/2006/main" xmlns:r="http://schemas.openxmlformats.org/officeDocument/2006/relationships" xmlns:p="http://schemas.openxmlformats.org/presentationml/2006/main">
   <p:cSld>
@@ -12030,32 +12367,8 @@
           <a:p>
             <a:r>
               <a:rPr lang="en-US" dirty="0"/>
-              <a:t>Running </a:t>
-            </a:r>
-            <a:r>
-              <a:rPr lang="en-US" dirty="0" smtClean="0"/>
-              <a:t>time between VL_QR|HT and Original Algorithm</a:t>
-            </a:r>
-            <a:endParaRPr lang="en-US" dirty="0"/>
-          </a:p>
-        </p:txBody>
-      </p:sp>
-      <p:sp>
-        <p:nvSpPr>
-          <p:cNvPr id="3" name="Content Placeholder 2"/>
-          <p:cNvSpPr>
-            <a:spLocks noGrp="1"/>
-          </p:cNvSpPr>
-          <p:nvPr>
-            <p:ph idx="1"/>
-          </p:nvPr>
-        </p:nvSpPr>
-        <p:spPr/>
-        <p:txBody>
-          <a:bodyPr/>
-          <a:lstStyle/>
-          <a:p>
-            <a:endParaRPr lang="en-US" dirty="0"/>
+              <a:t>Running time between VL_QR|HT and Original Algorithm</a:t>
+            </a:r>
           </a:p>
         </p:txBody>
       </p:sp>
@@ -12079,6 +12392,915 @@
               <a:t>33</a:t>
             </a:fld>
             <a:endParaRPr lang="en-US"/>
+          </a:p>
+        </p:txBody>
+      </p:sp>
+      <p:graphicFrame>
+        <p:nvGraphicFramePr>
+          <p:cNvPr id="5" name="Content Placeholder 4"/>
+          <p:cNvGraphicFramePr>
+            <a:graphicFrameLocks noGrp="1"/>
+          </p:cNvGraphicFramePr>
+          <p:nvPr>
+            <p:ph idx="1"/>
+          </p:nvPr>
+        </p:nvGraphicFramePr>
+        <p:xfrm>
+          <a:off x="457200" y="1600200"/>
+          <a:ext cx="8229600" cy="4525963"/>
+        </p:xfrm>
+        <a:graphic>
+          <a:graphicData uri="http://schemas.openxmlformats.org/drawingml/2006/chart">
+            <c:chart xmlns:c="http://schemas.openxmlformats.org/drawingml/2006/chart" xmlns:r="http://schemas.openxmlformats.org/officeDocument/2006/relationships" r:id="rId2"/>
+          </a:graphicData>
+        </a:graphic>
+      </p:graphicFrame>
+    </p:spTree>
+    <p:extLst>
+      <p:ext uri="{BB962C8B-B14F-4D97-AF65-F5344CB8AC3E}">
+        <p14:creationId xmlns:p14="http://schemas.microsoft.com/office/powerpoint/2010/main" val="2932570977"/>
+      </p:ext>
+    </p:extLst>
+  </p:cSld>
+  <p:clrMapOvr>
+    <a:masterClrMapping/>
+  </p:clrMapOvr>
+  <p:timing>
+    <p:tnLst>
+      <p:par>
+        <p:cTn id="1" dur="indefinite" restart="never" nodeType="tmRoot"/>
+      </p:par>
+    </p:tnLst>
+  </p:timing>
+</p:sld>
+</file>
+
+<file path=ppt/slides/slide34.xml><?xml version="1.0" encoding="utf-8"?>
+<p:sld xmlns:a="http://schemas.openxmlformats.org/drawingml/2006/main" xmlns:r="http://schemas.openxmlformats.org/officeDocument/2006/relationships" xmlns:p="http://schemas.openxmlformats.org/presentationml/2006/main">
+  <p:cSld>
+    <p:spTree>
+      <p:nvGrpSpPr>
+        <p:cNvPr id="1" name=""/>
+        <p:cNvGrpSpPr/>
+        <p:nvPr/>
+      </p:nvGrpSpPr>
+      <p:grpSpPr>
+        <a:xfrm>
+          <a:off x="0" y="0"/>
+          <a:ext cx="0" cy="0"/>
+          <a:chOff x="0" y="0"/>
+          <a:chExt cx="0" cy="0"/>
+        </a:xfrm>
+      </p:grpSpPr>
+      <p:sp>
+        <p:nvSpPr>
+          <p:cNvPr id="2" name="Title 1"/>
+          <p:cNvSpPr>
+            <a:spLocks noGrp="1"/>
+          </p:cNvSpPr>
+          <p:nvPr>
+            <p:ph type="title"/>
+          </p:nvPr>
+        </p:nvSpPr>
+        <p:spPr/>
+        <p:txBody>
+          <a:bodyPr/>
+          <a:lstStyle/>
+          <a:p>
+            <a:r>
+              <a:rPr lang="en-US" dirty="0" smtClean="0"/>
+              <a:t>Conclusion</a:t>
+            </a:r>
+            <a:endParaRPr lang="en-US" dirty="0"/>
+          </a:p>
+        </p:txBody>
+      </p:sp>
+      <p:sp>
+        <p:nvSpPr>
+          <p:cNvPr id="3" name="Content Placeholder 2"/>
+          <p:cNvSpPr>
+            <a:spLocks noGrp="1"/>
+          </p:cNvSpPr>
+          <p:nvPr>
+            <p:ph idx="1"/>
+          </p:nvPr>
+        </p:nvSpPr>
+        <p:spPr/>
+        <p:txBody>
+          <a:bodyPr>
+            <a:normAutofit fontScale="77500" lnSpcReduction="20000"/>
+          </a:bodyPr>
+          <a:lstStyle/>
+          <a:p>
+            <a:r>
+              <a:rPr lang="en-US" dirty="0" smtClean="0"/>
+              <a:t>VL_QR|HT </a:t>
+            </a:r>
+            <a:r>
+              <a:rPr lang="en-US" dirty="0"/>
+              <a:t>and </a:t>
+            </a:r>
+            <a:r>
+              <a:rPr lang="en-US" dirty="0" smtClean="0"/>
+              <a:t>VL_EP|HT bring </a:t>
+            </a:r>
+            <a:r>
+              <a:rPr lang="en-US" dirty="0"/>
+              <a:t>out a remarkable improvement for the original algorithm in time efficiency without compromising anomaly detection accuracy. </a:t>
+            </a:r>
+            <a:endParaRPr lang="en-US" dirty="0" smtClean="0"/>
+          </a:p>
+          <a:p>
+            <a:r>
+              <a:rPr lang="en-US" dirty="0" smtClean="0"/>
+              <a:t>Experimental </a:t>
+            </a:r>
+            <a:r>
+              <a:rPr lang="en-US" dirty="0"/>
+              <a:t>results on eight datasets demonstrate </a:t>
+            </a:r>
+            <a:r>
+              <a:rPr lang="en-US" dirty="0" smtClean="0"/>
+              <a:t>these algorithms </a:t>
+            </a:r>
+            <a:r>
+              <a:rPr lang="en-US" dirty="0"/>
+              <a:t>outperform the VL_QR|DTW in time efficiency. </a:t>
+            </a:r>
+            <a:endParaRPr lang="en-US" dirty="0" smtClean="0"/>
+          </a:p>
+          <a:p>
+            <a:r>
+              <a:rPr lang="en-US" dirty="0" smtClean="0"/>
+              <a:t>Not </a:t>
+            </a:r>
+            <a:r>
+              <a:rPr lang="en-US" dirty="0"/>
+              <a:t>easy to estimate the regression error threshold </a:t>
+            </a:r>
+            <a:r>
+              <a:rPr lang="en-US" i="1" dirty="0">
+                <a:sym typeface="Symbol"/>
+              </a:rPr>
+              <a:t></a:t>
+            </a:r>
+            <a:r>
+              <a:rPr lang="en-US" i="1" baseline="-25000" dirty="0"/>
+              <a:t>1</a:t>
+            </a:r>
+            <a:r>
+              <a:rPr lang="en-US" baseline="-25000" dirty="0"/>
+              <a:t> </a:t>
+            </a:r>
+            <a:r>
+              <a:rPr lang="en-US" dirty="0"/>
+              <a:t>and the non-self match threshold </a:t>
+            </a:r>
+            <a:r>
+              <a:rPr lang="en-US" i="1" dirty="0">
+                <a:sym typeface="Symbol"/>
+              </a:rPr>
+              <a:t></a:t>
+            </a:r>
+            <a:r>
+              <a:rPr lang="en-US" i="1" baseline="-25000" dirty="0"/>
+              <a:t>2</a:t>
+            </a:r>
+            <a:r>
+              <a:rPr lang="en-US" baseline="-25000" dirty="0"/>
+              <a:t> </a:t>
+            </a:r>
+            <a:r>
+              <a:rPr lang="en-US" dirty="0"/>
+              <a:t>in the segmentation phase </a:t>
+            </a:r>
+            <a:r>
+              <a:rPr lang="en-US" dirty="0" smtClean="0"/>
+              <a:t>of </a:t>
+            </a:r>
+            <a:r>
+              <a:rPr lang="en-US" dirty="0"/>
+              <a:t>VL_QR|HT.  </a:t>
+            </a:r>
+            <a:endParaRPr lang="en-US" dirty="0" smtClean="0"/>
+          </a:p>
+          <a:p>
+            <a:r>
+              <a:rPr lang="en-US" dirty="0" smtClean="0"/>
+              <a:t>Not </a:t>
+            </a:r>
+            <a:r>
+              <a:rPr lang="en-US" dirty="0"/>
+              <a:t>easy to find </a:t>
+            </a:r>
+            <a:r>
+              <a:rPr lang="en-US" dirty="0" smtClean="0"/>
+              <a:t>the </a:t>
+            </a:r>
+            <a:r>
+              <a:rPr lang="en-US" i="1" dirty="0" smtClean="0"/>
+              <a:t>R</a:t>
+            </a:r>
+            <a:r>
+              <a:rPr lang="en-US" dirty="0" smtClean="0"/>
+              <a:t> </a:t>
+            </a:r>
+            <a:r>
+              <a:rPr lang="en-US" dirty="0"/>
+              <a:t>in </a:t>
+            </a:r>
+            <a:r>
+              <a:rPr lang="en-US" dirty="0" smtClean="0"/>
+              <a:t>VL_EP|HT.</a:t>
+            </a:r>
+            <a:endParaRPr lang="en-US" i="1" dirty="0" smtClean="0"/>
+          </a:p>
+          <a:p>
+            <a:r>
+              <a:rPr lang="en-US" dirty="0" smtClean="0"/>
+              <a:t>Future work:  apply </a:t>
+            </a:r>
+            <a:r>
+              <a:rPr lang="en-US" dirty="0"/>
+              <a:t>some more advanced method of time series </a:t>
+            </a:r>
+            <a:r>
+              <a:rPr lang="en-US" dirty="0" smtClean="0"/>
+              <a:t>segmentation which is easy to find suitable parameters</a:t>
+            </a:r>
+            <a:endParaRPr lang="en-US" dirty="0"/>
+          </a:p>
+          <a:p>
+            <a:endParaRPr lang="en-US" dirty="0"/>
+          </a:p>
+        </p:txBody>
+      </p:sp>
+      <p:sp>
+        <p:nvSpPr>
+          <p:cNvPr id="4" name="Slide Number Placeholder 3"/>
+          <p:cNvSpPr>
+            <a:spLocks noGrp="1"/>
+          </p:cNvSpPr>
+          <p:nvPr>
+            <p:ph type="sldNum" sz="quarter" idx="12"/>
+          </p:nvPr>
+        </p:nvSpPr>
+        <p:spPr/>
+        <p:txBody>
+          <a:bodyPr/>
+          <a:lstStyle/>
+          <a:p>
+            <a:fld id="{38324C1E-6E2F-465B-B7AC-362036DEB808}" type="slidenum">
+              <a:rPr lang="en-US" smtClean="0"/>
+              <a:t>34</a:t>
+            </a:fld>
+            <a:endParaRPr lang="en-US"/>
+          </a:p>
+        </p:txBody>
+      </p:sp>
+    </p:spTree>
+    <p:extLst>
+      <p:ext uri="{BB962C8B-B14F-4D97-AF65-F5344CB8AC3E}">
+        <p14:creationId xmlns:p14="http://schemas.microsoft.com/office/powerpoint/2010/main" val="2678675720"/>
+      </p:ext>
+    </p:extLst>
+  </p:cSld>
+  <p:clrMapOvr>
+    <a:masterClrMapping/>
+  </p:clrMapOvr>
+  <p:timing>
+    <p:tnLst>
+      <p:par>
+        <p:cTn id="1" dur="indefinite" restart="never" nodeType="tmRoot"/>
+      </p:par>
+    </p:tnLst>
+  </p:timing>
+</p:sld>
+</file>
+
+<file path=ppt/slides/slide35.xml><?xml version="1.0" encoding="utf-8"?>
+<p:sld xmlns:a="http://schemas.openxmlformats.org/drawingml/2006/main" xmlns:r="http://schemas.openxmlformats.org/officeDocument/2006/relationships" xmlns:p="http://schemas.openxmlformats.org/presentationml/2006/main">
+  <p:cSld>
+    <p:spTree>
+      <p:nvGrpSpPr>
+        <p:cNvPr id="1" name=""/>
+        <p:cNvGrpSpPr/>
+        <p:nvPr/>
+      </p:nvGrpSpPr>
+      <p:grpSpPr>
+        <a:xfrm>
+          <a:off x="0" y="0"/>
+          <a:ext cx="0" cy="0"/>
+          <a:chOff x="0" y="0"/>
+          <a:chExt cx="0" cy="0"/>
+        </a:xfrm>
+      </p:grpSpPr>
+      <p:sp>
+        <p:nvSpPr>
+          <p:cNvPr id="2" name="Title 1"/>
+          <p:cNvSpPr>
+            <a:spLocks noGrp="1"/>
+          </p:cNvSpPr>
+          <p:nvPr>
+            <p:ph type="title"/>
+          </p:nvPr>
+        </p:nvSpPr>
+        <p:spPr>
+          <a:xfrm>
+            <a:off x="457200" y="152400"/>
+            <a:ext cx="8229600" cy="609600"/>
+          </a:xfrm>
+        </p:spPr>
+        <p:txBody>
+          <a:bodyPr>
+            <a:normAutofit fontScale="90000"/>
+          </a:bodyPr>
+          <a:lstStyle/>
+          <a:p>
+            <a:r>
+              <a:rPr lang="en-US" sz="3600" cap="small" dirty="0" smtClean="0"/>
+              <a:t/>
+            </a:r>
+            <a:br>
+              <a:rPr lang="en-US" sz="3600" cap="small" dirty="0" smtClean="0"/>
+            </a:br>
+            <a:r>
+              <a:rPr lang="en-US" sz="3600" cap="small" dirty="0" smtClean="0"/>
+              <a:t>References</a:t>
+            </a:r>
+            <a:r>
+              <a:rPr lang="en-US" sz="3600" cap="small" dirty="0"/>
+              <a:t/>
+            </a:r>
+            <a:br>
+              <a:rPr lang="en-US" sz="3600" cap="small" dirty="0"/>
+            </a:br>
+            <a:endParaRPr lang="en-US" sz="4100" dirty="0"/>
+          </a:p>
+        </p:txBody>
+      </p:sp>
+      <p:sp>
+        <p:nvSpPr>
+          <p:cNvPr id="3" name="Content Placeholder 2"/>
+          <p:cNvSpPr>
+            <a:spLocks noGrp="1"/>
+          </p:cNvSpPr>
+          <p:nvPr>
+            <p:ph idx="1"/>
+          </p:nvPr>
+        </p:nvSpPr>
+        <p:spPr>
+          <a:xfrm>
+            <a:off x="533400" y="1066800"/>
+            <a:ext cx="7696200" cy="5105400"/>
+          </a:xfrm>
+        </p:spPr>
+        <p:txBody>
+          <a:bodyPr>
+            <a:normAutofit fontScale="77500" lnSpcReduction="20000"/>
+          </a:bodyPr>
+          <a:lstStyle/>
+          <a:p>
+            <a:pPr lvl="0"/>
+            <a:r>
+              <a:rPr lang="en-US" sz="2700" dirty="0" smtClean="0"/>
+              <a:t>E</a:t>
+            </a:r>
+            <a:r>
+              <a:rPr lang="en-US" sz="2700" dirty="0"/>
+              <a:t>. Keogh, J. Lin, and A. Fu, “HOT SAX: efficiently finding the most unusual time series subsequence”, Proc. of 5th  ICDM, Houston, Texas, pp. 226–233, 2005.</a:t>
+            </a:r>
+          </a:p>
+          <a:p>
+            <a:pPr lvl="0"/>
+            <a:r>
+              <a:rPr lang="en-US" sz="2700" dirty="0"/>
+              <a:t>E. Keogh, www.cs.ucr.edu/~eamonn/discords/ (accessed on January 24 - 2015).</a:t>
+            </a:r>
+          </a:p>
+          <a:p>
+            <a:pPr lvl="0"/>
+            <a:r>
+              <a:rPr lang="en-US" sz="2700" dirty="0" smtClean="0"/>
+              <a:t>M</a:t>
+            </a:r>
+            <a:r>
+              <a:rPr lang="en-US" sz="2700" dirty="0"/>
+              <a:t>. </a:t>
+            </a:r>
+            <a:r>
+              <a:rPr lang="en-US" sz="2700" dirty="0" err="1"/>
+              <a:t>Leng</a:t>
+            </a:r>
+            <a:r>
+              <a:rPr lang="en-US" sz="2700" dirty="0"/>
+              <a:t>, X. Chen and L. Li, “Variable length methods for detecting anomaly patterns in time series”, Proc. of Int. Symposium on. Computational Intelligence and Design (ISCID'08), Vol. 2, 2008.</a:t>
+            </a:r>
+          </a:p>
+          <a:p>
+            <a:pPr lvl="0"/>
+            <a:r>
+              <a:rPr lang="en-US" sz="2700" dirty="0" smtClean="0"/>
+              <a:t>K</a:t>
+            </a:r>
+            <a:r>
+              <a:rPr lang="en-US" sz="2700" dirty="0"/>
+              <a:t>. B. Pratt and E. Fink, “Search for patterns in compressed time series”, International Journal of Image and Graphics , vol. 2, no. 1, pp. 89-106, 2002.</a:t>
+            </a:r>
+          </a:p>
+          <a:p>
+            <a:pPr lvl="0"/>
+            <a:r>
+              <a:rPr lang="en-US" sz="2700" dirty="0"/>
+              <a:t>H. </a:t>
+            </a:r>
+            <a:r>
+              <a:rPr lang="en-US" sz="2700" dirty="0" err="1"/>
+              <a:t>Sakoe</a:t>
+            </a:r>
+            <a:r>
+              <a:rPr lang="en-US" sz="2700" dirty="0"/>
+              <a:t> and S. Chiba, “Dynamic programming algorithm optimization for spoken word recognition”, IEEE Trans. Acoustics, Speech, and Signal Proc., vol. ASSP-26, pp. 43-49, 1978.</a:t>
+            </a:r>
+          </a:p>
+          <a:p>
+            <a:pPr lvl="0"/>
+            <a:r>
+              <a:rPr lang="en-US" sz="2700" dirty="0" smtClean="0"/>
+              <a:t>C</a:t>
+            </a:r>
+            <a:r>
+              <a:rPr lang="en-US" sz="2700" dirty="0"/>
+              <a:t>. D. Truong, H. N. Tin, D. T. Anh,  “ Combining motif information and neural network for time series prediction”, Int. Journal of Business Intelligence and Data Mining,  vol. 7, no. 4, pp. 318-339, 2012.</a:t>
+            </a:r>
+          </a:p>
+          <a:p>
+            <a:endParaRPr lang="en-US" sz="2000" dirty="0"/>
+          </a:p>
+        </p:txBody>
+      </p:sp>
+      <p:sp>
+        <p:nvSpPr>
+          <p:cNvPr id="4" name="Slide Number Placeholder 3"/>
+          <p:cNvSpPr>
+            <a:spLocks noGrp="1"/>
+          </p:cNvSpPr>
+          <p:nvPr>
+            <p:ph type="sldNum" sz="quarter" idx="12"/>
+          </p:nvPr>
+        </p:nvSpPr>
+        <p:spPr/>
+        <p:txBody>
+          <a:bodyPr/>
+          <a:lstStyle/>
+          <a:p>
+            <a:fld id="{38324C1E-6E2F-465B-B7AC-362036DEB808}" type="slidenum">
+              <a:rPr lang="en-US" smtClean="0"/>
+              <a:t>35</a:t>
+            </a:fld>
+            <a:endParaRPr lang="en-US"/>
+          </a:p>
+        </p:txBody>
+      </p:sp>
+    </p:spTree>
+    <p:extLst>
+      <p:ext uri="{BB962C8B-B14F-4D97-AF65-F5344CB8AC3E}">
+        <p14:creationId xmlns:p14="http://schemas.microsoft.com/office/powerpoint/2010/main" val="3386409769"/>
+      </p:ext>
+    </p:extLst>
+  </p:cSld>
+  <p:clrMapOvr>
+    <a:masterClrMapping/>
+  </p:clrMapOvr>
+  <p:timing>
+    <p:tnLst>
+      <p:par>
+        <p:cTn id="1" dur="indefinite" restart="never" nodeType="tmRoot"/>
+      </p:par>
+    </p:tnLst>
+  </p:timing>
+</p:sld>
+</file>
+
+<file path=ppt/slides/slide36.xml><?xml version="1.0" encoding="utf-8"?>
+<p:sld xmlns:a="http://schemas.openxmlformats.org/drawingml/2006/main" xmlns:r="http://schemas.openxmlformats.org/officeDocument/2006/relationships" xmlns:p="http://schemas.openxmlformats.org/presentationml/2006/main">
+  <p:cSld>
+    <p:spTree>
+      <p:nvGrpSpPr>
+        <p:cNvPr id="1" name=""/>
+        <p:cNvGrpSpPr/>
+        <p:nvPr/>
+      </p:nvGrpSpPr>
+      <p:grpSpPr>
+        <a:xfrm>
+          <a:off x="0" y="0"/>
+          <a:ext cx="0" cy="0"/>
+          <a:chOff x="0" y="0"/>
+          <a:chExt cx="0" cy="0"/>
+        </a:xfrm>
+      </p:grpSpPr>
+      <p:sp>
+        <p:nvSpPr>
+          <p:cNvPr id="2" name="Title 1"/>
+          <p:cNvSpPr>
+            <a:spLocks noGrp="1"/>
+          </p:cNvSpPr>
+          <p:nvPr>
+            <p:ph type="title"/>
+          </p:nvPr>
+        </p:nvSpPr>
+        <p:spPr>
+          <a:xfrm>
+            <a:off x="457200" y="655638"/>
+            <a:ext cx="8229600" cy="868362"/>
+          </a:xfrm>
+        </p:spPr>
+        <p:txBody>
+          <a:bodyPr>
+            <a:normAutofit/>
+          </a:bodyPr>
+          <a:lstStyle/>
+          <a:p>
+            <a:r>
+              <a:rPr lang="en-US" sz="4100" dirty="0" smtClean="0"/>
+              <a:t>Q &amp; A</a:t>
+            </a:r>
+            <a:endParaRPr lang="en-US" sz="4100" dirty="0"/>
+          </a:p>
+        </p:txBody>
+      </p:sp>
+      <p:sp>
+        <p:nvSpPr>
+          <p:cNvPr id="3" name="Slide Number Placeholder 2"/>
+          <p:cNvSpPr>
+            <a:spLocks noGrp="1"/>
+          </p:cNvSpPr>
+          <p:nvPr>
+            <p:ph type="sldNum" sz="quarter" idx="12"/>
+          </p:nvPr>
+        </p:nvSpPr>
+        <p:spPr/>
+        <p:txBody>
+          <a:bodyPr/>
+          <a:lstStyle/>
+          <a:p>
+            <a:fld id="{38324C1E-6E2F-465B-B7AC-362036DEB808}" type="slidenum">
+              <a:rPr lang="en-US" smtClean="0"/>
+              <a:t>36</a:t>
+            </a:fld>
+            <a:endParaRPr lang="en-US"/>
+          </a:p>
+        </p:txBody>
+      </p:sp>
+      <p:sp>
+        <p:nvSpPr>
+          <p:cNvPr id="4" name="TextBox 3"/>
+          <p:cNvSpPr txBox="1"/>
+          <p:nvPr/>
+        </p:nvSpPr>
+        <p:spPr>
+          <a:xfrm>
+            <a:off x="1143000" y="3086725"/>
+            <a:ext cx="6858000" cy="723275"/>
+          </a:xfrm>
+          <a:prstGeom prst="rect">
+            <a:avLst/>
+          </a:prstGeom>
+          <a:noFill/>
+        </p:spPr>
+        <p:txBody>
+          <a:bodyPr wrap="square" rtlCol="0">
+            <a:spAutoFit/>
+          </a:bodyPr>
+          <a:lstStyle/>
+          <a:p>
+            <a:pPr algn="ctr"/>
+            <a:r>
+              <a:rPr lang="en-US" sz="4100" dirty="0" smtClean="0">
+                <a:latin typeface="+mj-lt"/>
+              </a:rPr>
+              <a:t>Thank you!</a:t>
+            </a:r>
+            <a:endParaRPr lang="en-US" sz="4100" dirty="0">
+              <a:latin typeface="+mj-lt"/>
+            </a:endParaRPr>
+          </a:p>
+        </p:txBody>
+      </p:sp>
+    </p:spTree>
+    <p:extLst>
+      <p:ext uri="{BB962C8B-B14F-4D97-AF65-F5344CB8AC3E}">
+        <p14:creationId xmlns:p14="http://schemas.microsoft.com/office/powerpoint/2010/main" val="1866054366"/>
+      </p:ext>
+    </p:extLst>
+  </p:cSld>
+  <p:clrMapOvr>
+    <a:masterClrMapping/>
+  </p:clrMapOvr>
+  <p:timing>
+    <p:tnLst>
+      <p:par>
+        <p:cTn id="1" dur="indefinite" restart="never" nodeType="tmRoot"/>
+      </p:par>
+    </p:tnLst>
+  </p:timing>
+</p:sld>
+</file>
+
+<file path=ppt/slides/slide37.xml><?xml version="1.0" encoding="utf-8"?>
+<p:sld xmlns:a="http://schemas.openxmlformats.org/drawingml/2006/main" xmlns:r="http://schemas.openxmlformats.org/officeDocument/2006/relationships" xmlns:p="http://schemas.openxmlformats.org/presentationml/2006/main">
+  <p:cSld>
+    <p:spTree>
+      <p:nvGrpSpPr>
+        <p:cNvPr id="1" name=""/>
+        <p:cNvGrpSpPr/>
+        <p:nvPr/>
+      </p:nvGrpSpPr>
+      <p:grpSpPr>
+        <a:xfrm>
+          <a:off x="0" y="0"/>
+          <a:ext cx="0" cy="0"/>
+          <a:chOff x="0" y="0"/>
+          <a:chExt cx="0" cy="0"/>
+        </a:xfrm>
+      </p:grpSpPr>
+      <p:sp>
+        <p:nvSpPr>
+          <p:cNvPr id="2" name="Title 1"/>
+          <p:cNvSpPr>
+            <a:spLocks noGrp="1"/>
+          </p:cNvSpPr>
+          <p:nvPr>
+            <p:ph type="title"/>
+          </p:nvPr>
+        </p:nvSpPr>
+        <p:spPr/>
+        <p:txBody>
+          <a:bodyPr/>
+          <a:lstStyle/>
+          <a:p>
+            <a:endParaRPr lang="en-US"/>
+          </a:p>
+        </p:txBody>
+      </p:sp>
+      <p:sp>
+        <p:nvSpPr>
+          <p:cNvPr id="3" name="Content Placeholder 2"/>
+          <p:cNvSpPr>
+            <a:spLocks noGrp="1"/>
+          </p:cNvSpPr>
+          <p:nvPr>
+            <p:ph idx="1"/>
+          </p:nvPr>
+        </p:nvSpPr>
+        <p:spPr/>
+        <p:txBody>
+          <a:bodyPr/>
+          <a:lstStyle/>
+          <a:p>
+            <a:endParaRPr lang="en-US"/>
+          </a:p>
+        </p:txBody>
+      </p:sp>
+      <p:sp>
+        <p:nvSpPr>
+          <p:cNvPr id="4" name="Slide Number Placeholder 3"/>
+          <p:cNvSpPr>
+            <a:spLocks noGrp="1"/>
+          </p:cNvSpPr>
+          <p:nvPr>
+            <p:ph type="sldNum" sz="quarter" idx="12"/>
+          </p:nvPr>
+        </p:nvSpPr>
+        <p:spPr/>
+        <p:txBody>
+          <a:bodyPr/>
+          <a:lstStyle/>
+          <a:p>
+            <a:fld id="{38324C1E-6E2F-465B-B7AC-362036DEB808}" type="slidenum">
+              <a:rPr lang="en-US" smtClean="0"/>
+              <a:t>37</a:t>
+            </a:fld>
+            <a:endParaRPr lang="en-US"/>
+          </a:p>
+        </p:txBody>
+      </p:sp>
+    </p:spTree>
+    <p:extLst>
+      <p:ext uri="{BB962C8B-B14F-4D97-AF65-F5344CB8AC3E}">
+        <p14:creationId xmlns:p14="http://schemas.microsoft.com/office/powerpoint/2010/main" val="1528571006"/>
+      </p:ext>
+    </p:extLst>
+  </p:cSld>
+  <p:clrMapOvr>
+    <a:masterClrMapping/>
+  </p:clrMapOvr>
+  <p:timing>
+    <p:tnLst>
+      <p:par>
+        <p:cTn id="1" dur="indefinite" restart="never" nodeType="tmRoot"/>
+      </p:par>
+    </p:tnLst>
+  </p:timing>
+</p:sld>
+</file>
+
+<file path=ppt/slides/slide38.xml><?xml version="1.0" encoding="utf-8"?>
+<p:sld xmlns:a="http://schemas.openxmlformats.org/drawingml/2006/main" xmlns:r="http://schemas.openxmlformats.org/officeDocument/2006/relationships" xmlns:p="http://schemas.openxmlformats.org/presentationml/2006/main">
+  <p:cSld>
+    <p:spTree>
+      <p:nvGrpSpPr>
+        <p:cNvPr id="1" name=""/>
+        <p:cNvGrpSpPr/>
+        <p:nvPr/>
+      </p:nvGrpSpPr>
+      <p:grpSpPr>
+        <a:xfrm>
+          <a:off x="0" y="0"/>
+          <a:ext cx="0" cy="0"/>
+          <a:chOff x="0" y="0"/>
+          <a:chExt cx="0" cy="0"/>
+        </a:xfrm>
+      </p:grpSpPr>
+      <p:sp>
+        <p:nvSpPr>
+          <p:cNvPr id="2" name="Title 1"/>
+          <p:cNvSpPr>
+            <a:spLocks noGrp="1"/>
+          </p:cNvSpPr>
+          <p:nvPr>
+            <p:ph type="title"/>
+          </p:nvPr>
+        </p:nvSpPr>
+        <p:spPr/>
+        <p:txBody>
+          <a:bodyPr/>
+          <a:lstStyle/>
+          <a:p>
+            <a:endParaRPr lang="en-US"/>
+          </a:p>
+        </p:txBody>
+      </p:sp>
+      <p:sp>
+        <p:nvSpPr>
+          <p:cNvPr id="3" name="Content Placeholder 2"/>
+          <p:cNvSpPr>
+            <a:spLocks noGrp="1"/>
+          </p:cNvSpPr>
+          <p:nvPr>
+            <p:ph idx="1"/>
+          </p:nvPr>
+        </p:nvSpPr>
+        <p:spPr/>
+        <p:txBody>
+          <a:bodyPr/>
+          <a:lstStyle/>
+          <a:p>
+            <a:endParaRPr lang="en-US"/>
+          </a:p>
+        </p:txBody>
+      </p:sp>
+      <p:sp>
+        <p:nvSpPr>
+          <p:cNvPr id="4" name="Slide Number Placeholder 3"/>
+          <p:cNvSpPr>
+            <a:spLocks noGrp="1"/>
+          </p:cNvSpPr>
+          <p:nvPr>
+            <p:ph type="sldNum" sz="quarter" idx="12"/>
+          </p:nvPr>
+        </p:nvSpPr>
+        <p:spPr/>
+        <p:txBody>
+          <a:bodyPr/>
+          <a:lstStyle/>
+          <a:p>
+            <a:fld id="{38324C1E-6E2F-465B-B7AC-362036DEB808}" type="slidenum">
+              <a:rPr lang="en-US" smtClean="0"/>
+              <a:t>38</a:t>
+            </a:fld>
+            <a:endParaRPr lang="en-US"/>
+          </a:p>
+        </p:txBody>
+      </p:sp>
+    </p:spTree>
+    <p:extLst>
+      <p:ext uri="{BB962C8B-B14F-4D97-AF65-F5344CB8AC3E}">
+        <p14:creationId xmlns:p14="http://schemas.microsoft.com/office/powerpoint/2010/main" val="3191652677"/>
+      </p:ext>
+    </p:extLst>
+  </p:cSld>
+  <p:clrMapOvr>
+    <a:masterClrMapping/>
+  </p:clrMapOvr>
+  <p:timing>
+    <p:tnLst>
+      <p:par>
+        <p:cTn id="1" dur="indefinite" restart="never" nodeType="tmRoot"/>
+      </p:par>
+    </p:tnLst>
+  </p:timing>
+</p:sld>
+</file>
+
+<file path=ppt/slides/slide39.xml><?xml version="1.0" encoding="utf-8"?>
+<p:sld xmlns:a="http://schemas.openxmlformats.org/drawingml/2006/main" xmlns:r="http://schemas.openxmlformats.org/officeDocument/2006/relationships" xmlns:p="http://schemas.openxmlformats.org/presentationml/2006/main">
+  <p:cSld>
+    <p:spTree>
+      <p:nvGrpSpPr>
+        <p:cNvPr id="1" name=""/>
+        <p:cNvGrpSpPr/>
+        <p:nvPr/>
+      </p:nvGrpSpPr>
+      <p:grpSpPr>
+        <a:xfrm>
+          <a:off x="0" y="0"/>
+          <a:ext cx="0" cy="0"/>
+          <a:chOff x="0" y="0"/>
+          <a:chExt cx="0" cy="0"/>
+        </a:xfrm>
+      </p:grpSpPr>
+      <p:sp>
+        <p:nvSpPr>
+          <p:cNvPr id="2" name="Title 1"/>
+          <p:cNvSpPr>
+            <a:spLocks noGrp="1"/>
+          </p:cNvSpPr>
+          <p:nvPr>
+            <p:ph type="title"/>
+          </p:nvPr>
+        </p:nvSpPr>
+        <p:spPr/>
+        <p:txBody>
+          <a:bodyPr>
+            <a:normAutofit fontScale="90000"/>
+          </a:bodyPr>
+          <a:lstStyle/>
+          <a:p>
+            <a:r>
+              <a:rPr lang="en-US" dirty="0"/>
+              <a:t>Running </a:t>
+            </a:r>
+            <a:r>
+              <a:rPr lang="en-US" dirty="0" smtClean="0"/>
+              <a:t>time between VL_QR|HT and Original Algorithm</a:t>
+            </a:r>
+            <a:endParaRPr lang="en-US" dirty="0"/>
+          </a:p>
+        </p:txBody>
+      </p:sp>
+      <p:sp>
+        <p:nvSpPr>
+          <p:cNvPr id="3" name="Content Placeholder 2"/>
+          <p:cNvSpPr>
+            <a:spLocks noGrp="1"/>
+          </p:cNvSpPr>
+          <p:nvPr>
+            <p:ph idx="1"/>
+          </p:nvPr>
+        </p:nvSpPr>
+        <p:spPr/>
+        <p:txBody>
+          <a:bodyPr/>
+          <a:lstStyle/>
+          <a:p>
+            <a:endParaRPr lang="en-US" dirty="0"/>
+          </a:p>
+        </p:txBody>
+      </p:sp>
+      <p:sp>
+        <p:nvSpPr>
+          <p:cNvPr id="4" name="Slide Number Placeholder 3"/>
+          <p:cNvSpPr>
+            <a:spLocks noGrp="1"/>
+          </p:cNvSpPr>
+          <p:nvPr>
+            <p:ph type="sldNum" sz="quarter" idx="12"/>
+          </p:nvPr>
+        </p:nvSpPr>
+        <p:spPr/>
+        <p:txBody>
+          <a:bodyPr/>
+          <a:lstStyle/>
+          <a:p>
+            <a:fld id="{38324C1E-6E2F-465B-B7AC-362036DEB808}" type="slidenum">
+              <a:rPr lang="en-US" smtClean="0">
+                <a:solidFill>
+                  <a:prstClr val="black">
+                    <a:tint val="75000"/>
+                  </a:prstClr>
+                </a:solidFill>
+              </a:rPr>
+              <a:pPr/>
+              <a:t>39</a:t>
+            </a:fld>
+            <a:endParaRPr lang="en-US">
+              <a:solidFill>
+                <a:prstClr val="black">
+                  <a:tint val="75000"/>
+                </a:prstClr>
+              </a:solidFill>
+            </a:endParaRPr>
           </a:p>
         </p:txBody>
       </p:sp>
@@ -12139,963 +13361,7 @@
     </p:spTree>
     <p:extLst>
       <p:ext uri="{BB962C8B-B14F-4D97-AF65-F5344CB8AC3E}">
-        <p14:creationId xmlns:p14="http://schemas.microsoft.com/office/powerpoint/2010/main" val="965049303"/>
-      </p:ext>
-    </p:extLst>
-  </p:cSld>
-  <p:clrMapOvr>
-    <a:masterClrMapping/>
-  </p:clrMapOvr>
-  <p:timing>
-    <p:tnLst>
-      <p:par>
-        <p:cTn id="1" dur="indefinite" restart="never" nodeType="tmRoot"/>
-      </p:par>
-    </p:tnLst>
-  </p:timing>
-</p:sld>
-</file>
-
-<file path=ppt/slides/slide34.xml><?xml version="1.0" encoding="utf-8"?>
-<p:sld xmlns:a="http://schemas.openxmlformats.org/drawingml/2006/main" xmlns:r="http://schemas.openxmlformats.org/officeDocument/2006/relationships" xmlns:p="http://schemas.openxmlformats.org/presentationml/2006/main">
-  <p:cSld>
-    <p:spTree>
-      <p:nvGrpSpPr>
-        <p:cNvPr id="1" name=""/>
-        <p:cNvGrpSpPr/>
-        <p:nvPr/>
-      </p:nvGrpSpPr>
-      <p:grpSpPr>
-        <a:xfrm>
-          <a:off x="0" y="0"/>
-          <a:ext cx="0" cy="0"/>
-          <a:chOff x="0" y="0"/>
-          <a:chExt cx="0" cy="0"/>
-        </a:xfrm>
-      </p:grpSpPr>
-      <p:sp>
-        <p:nvSpPr>
-          <p:cNvPr id="2" name="Title 1"/>
-          <p:cNvSpPr>
-            <a:spLocks noGrp="1"/>
-          </p:cNvSpPr>
-          <p:nvPr>
-            <p:ph type="title"/>
-          </p:nvPr>
-        </p:nvSpPr>
-        <p:spPr/>
-        <p:txBody>
-          <a:bodyPr/>
-          <a:lstStyle/>
-          <a:p>
-            <a:r>
-              <a:rPr lang="en-US" dirty="0" smtClean="0"/>
-              <a:t>Conclusion</a:t>
-            </a:r>
-            <a:endParaRPr lang="en-US" dirty="0"/>
-          </a:p>
-        </p:txBody>
-      </p:sp>
-      <p:sp>
-        <p:nvSpPr>
-          <p:cNvPr id="3" name="Content Placeholder 2"/>
-          <p:cNvSpPr>
-            <a:spLocks noGrp="1"/>
-          </p:cNvSpPr>
-          <p:nvPr>
-            <p:ph idx="1"/>
-          </p:nvPr>
-        </p:nvSpPr>
-        <p:spPr/>
-        <p:txBody>
-          <a:bodyPr>
-            <a:normAutofit fontScale="77500" lnSpcReduction="20000"/>
-          </a:bodyPr>
-          <a:lstStyle/>
-          <a:p>
-            <a:r>
-              <a:rPr lang="en-US" dirty="0" smtClean="0"/>
-              <a:t>VL_QR|HT </a:t>
-            </a:r>
-            <a:r>
-              <a:rPr lang="en-US" dirty="0"/>
-              <a:t>and </a:t>
-            </a:r>
-            <a:r>
-              <a:rPr lang="en-US" dirty="0" smtClean="0"/>
-              <a:t>VL_EP|HT bring </a:t>
-            </a:r>
-            <a:r>
-              <a:rPr lang="en-US" dirty="0"/>
-              <a:t>out a remarkable improvement for the original algorithm in time efficiency without compromising anomaly detection accuracy. </a:t>
-            </a:r>
-            <a:endParaRPr lang="en-US" dirty="0" smtClean="0"/>
-          </a:p>
-          <a:p>
-            <a:r>
-              <a:rPr lang="en-US" dirty="0" smtClean="0"/>
-              <a:t>Experimental </a:t>
-            </a:r>
-            <a:r>
-              <a:rPr lang="en-US" dirty="0"/>
-              <a:t>results on eight datasets demonstrate </a:t>
-            </a:r>
-            <a:r>
-              <a:rPr lang="en-US" dirty="0" smtClean="0"/>
-              <a:t>these algorithms </a:t>
-            </a:r>
-            <a:r>
-              <a:rPr lang="en-US" dirty="0"/>
-              <a:t>outperform the VL_QR|DTW in time efficiency. </a:t>
-            </a:r>
-            <a:endParaRPr lang="en-US" dirty="0" smtClean="0"/>
-          </a:p>
-          <a:p>
-            <a:r>
-              <a:rPr lang="en-US" dirty="0" smtClean="0"/>
-              <a:t>Not </a:t>
-            </a:r>
-            <a:r>
-              <a:rPr lang="en-US" dirty="0"/>
-              <a:t>easy to estimate the regression error threshold </a:t>
-            </a:r>
-            <a:r>
-              <a:rPr lang="en-US" i="1" dirty="0">
-                <a:sym typeface="Symbol"/>
-              </a:rPr>
-              <a:t></a:t>
-            </a:r>
-            <a:r>
-              <a:rPr lang="en-US" i="1" baseline="-25000" dirty="0"/>
-              <a:t>1</a:t>
-            </a:r>
-            <a:r>
-              <a:rPr lang="en-US" baseline="-25000" dirty="0"/>
-              <a:t> </a:t>
-            </a:r>
-            <a:r>
-              <a:rPr lang="en-US" dirty="0"/>
-              <a:t>and the non-self match threshold </a:t>
-            </a:r>
-            <a:r>
-              <a:rPr lang="en-US" i="1" dirty="0">
-                <a:sym typeface="Symbol"/>
-              </a:rPr>
-              <a:t></a:t>
-            </a:r>
-            <a:r>
-              <a:rPr lang="en-US" i="1" baseline="-25000" dirty="0"/>
-              <a:t>2</a:t>
-            </a:r>
-            <a:r>
-              <a:rPr lang="en-US" baseline="-25000" dirty="0"/>
-              <a:t> </a:t>
-            </a:r>
-            <a:r>
-              <a:rPr lang="en-US" dirty="0"/>
-              <a:t>in the segmentation phase </a:t>
-            </a:r>
-            <a:r>
-              <a:rPr lang="en-US" dirty="0" smtClean="0"/>
-              <a:t>of </a:t>
-            </a:r>
-            <a:r>
-              <a:rPr lang="en-US" dirty="0"/>
-              <a:t>VL_QR|HT.  </a:t>
-            </a:r>
-            <a:endParaRPr lang="en-US" dirty="0" smtClean="0"/>
-          </a:p>
-          <a:p>
-            <a:r>
-              <a:rPr lang="en-US" dirty="0" smtClean="0"/>
-              <a:t>Not </a:t>
-            </a:r>
-            <a:r>
-              <a:rPr lang="en-US" dirty="0"/>
-              <a:t>easy to find </a:t>
-            </a:r>
-            <a:r>
-              <a:rPr lang="en-US" dirty="0" smtClean="0"/>
-              <a:t>the </a:t>
-            </a:r>
-            <a:r>
-              <a:rPr lang="en-US" i="1" dirty="0" smtClean="0"/>
-              <a:t>R</a:t>
-            </a:r>
-            <a:r>
-              <a:rPr lang="en-US" dirty="0" smtClean="0"/>
-              <a:t> </a:t>
-            </a:r>
-            <a:r>
-              <a:rPr lang="en-US" dirty="0"/>
-              <a:t>in </a:t>
-            </a:r>
-            <a:r>
-              <a:rPr lang="en-US" dirty="0" smtClean="0"/>
-              <a:t>VL_EP|HT</a:t>
-            </a:r>
-            <a:r>
-              <a:rPr lang="en-US" dirty="0" smtClean="0"/>
-              <a:t>.</a:t>
-            </a:r>
-            <a:endParaRPr lang="en-US" i="1" dirty="0" smtClean="0"/>
-          </a:p>
-          <a:p>
-            <a:r>
-              <a:rPr lang="en-US" dirty="0" smtClean="0"/>
-              <a:t>Future work:  apply </a:t>
-            </a:r>
-            <a:r>
-              <a:rPr lang="en-US" dirty="0"/>
-              <a:t>some more advanced method of time series </a:t>
-            </a:r>
-            <a:r>
-              <a:rPr lang="en-US" dirty="0" smtClean="0"/>
-              <a:t>segmentation </a:t>
-            </a:r>
-            <a:r>
-              <a:rPr lang="en-US" dirty="0" smtClean="0"/>
-              <a:t>which </a:t>
-            </a:r>
-            <a:r>
-              <a:rPr lang="en-US" dirty="0" smtClean="0"/>
-              <a:t>is easy to find suitable parameters</a:t>
-            </a:r>
-            <a:endParaRPr lang="en-US" dirty="0"/>
-          </a:p>
-          <a:p>
-            <a:endParaRPr lang="en-US" dirty="0"/>
-          </a:p>
-        </p:txBody>
-      </p:sp>
-      <p:sp>
-        <p:nvSpPr>
-          <p:cNvPr id="4" name="Slide Number Placeholder 3"/>
-          <p:cNvSpPr>
-            <a:spLocks noGrp="1"/>
-          </p:cNvSpPr>
-          <p:nvPr>
-            <p:ph type="sldNum" sz="quarter" idx="12"/>
-          </p:nvPr>
-        </p:nvSpPr>
-        <p:spPr/>
-        <p:txBody>
-          <a:bodyPr/>
-          <a:lstStyle/>
-          <a:p>
-            <a:fld id="{38324C1E-6E2F-465B-B7AC-362036DEB808}" type="slidenum">
-              <a:rPr lang="en-US" smtClean="0"/>
-              <a:t>34</a:t>
-            </a:fld>
-            <a:endParaRPr lang="en-US"/>
-          </a:p>
-        </p:txBody>
-      </p:sp>
-    </p:spTree>
-    <p:extLst>
-      <p:ext uri="{BB962C8B-B14F-4D97-AF65-F5344CB8AC3E}">
-        <p14:creationId xmlns:p14="http://schemas.microsoft.com/office/powerpoint/2010/main" val="2678675720"/>
-      </p:ext>
-    </p:extLst>
-  </p:cSld>
-  <p:clrMapOvr>
-    <a:masterClrMapping/>
-  </p:clrMapOvr>
-  <p:timing>
-    <p:tnLst>
-      <p:par>
-        <p:cTn id="1" dur="indefinite" restart="never" nodeType="tmRoot"/>
-      </p:par>
-    </p:tnLst>
-  </p:timing>
-</p:sld>
-</file>
-
-<file path=ppt/slides/slide35.xml><?xml version="1.0" encoding="utf-8"?>
-<p:sld xmlns:a="http://schemas.openxmlformats.org/drawingml/2006/main" xmlns:r="http://schemas.openxmlformats.org/officeDocument/2006/relationships" xmlns:p="http://schemas.openxmlformats.org/presentationml/2006/main">
-  <p:cSld>
-    <p:spTree>
-      <p:nvGrpSpPr>
-        <p:cNvPr id="1" name=""/>
-        <p:cNvGrpSpPr/>
-        <p:nvPr/>
-      </p:nvGrpSpPr>
-      <p:grpSpPr>
-        <a:xfrm>
-          <a:off x="0" y="0"/>
-          <a:ext cx="0" cy="0"/>
-          <a:chOff x="0" y="0"/>
-          <a:chExt cx="0" cy="0"/>
-        </a:xfrm>
-      </p:grpSpPr>
-      <p:sp>
-        <p:nvSpPr>
-          <p:cNvPr id="2" name="Title 1"/>
-          <p:cNvSpPr>
-            <a:spLocks noGrp="1"/>
-          </p:cNvSpPr>
-          <p:nvPr>
-            <p:ph type="title"/>
-          </p:nvPr>
-        </p:nvSpPr>
-        <p:spPr>
-          <a:xfrm>
-            <a:off x="457200" y="152400"/>
-            <a:ext cx="8229600" cy="609600"/>
-          </a:xfrm>
-        </p:spPr>
-        <p:txBody>
-          <a:bodyPr>
-            <a:normAutofit fontScale="90000"/>
-          </a:bodyPr>
-          <a:lstStyle/>
-          <a:p>
-            <a:r>
-              <a:rPr lang="en-US" sz="3600" cap="small" dirty="0" smtClean="0"/>
-              <a:t/>
-            </a:r>
-            <a:br>
-              <a:rPr lang="en-US" sz="3600" cap="small" dirty="0" smtClean="0"/>
-            </a:br>
-            <a:r>
-              <a:rPr lang="en-US" sz="3600" cap="small" dirty="0" smtClean="0"/>
-              <a:t>References</a:t>
-            </a:r>
-            <a:r>
-              <a:rPr lang="en-US" sz="3600" cap="small" dirty="0"/>
-              <a:t/>
-            </a:r>
-            <a:br>
-              <a:rPr lang="en-US" sz="3600" cap="small" dirty="0"/>
-            </a:br>
-            <a:endParaRPr lang="en-US" sz="4100" dirty="0"/>
-          </a:p>
-        </p:txBody>
-      </p:sp>
-      <p:sp>
-        <p:nvSpPr>
-          <p:cNvPr id="3" name="Content Placeholder 2"/>
-          <p:cNvSpPr>
-            <a:spLocks noGrp="1"/>
-          </p:cNvSpPr>
-          <p:nvPr>
-            <p:ph idx="1"/>
-          </p:nvPr>
-        </p:nvSpPr>
-        <p:spPr>
-          <a:xfrm>
-            <a:off x="533400" y="1066800"/>
-            <a:ext cx="7696200" cy="5105400"/>
-          </a:xfrm>
-        </p:spPr>
-        <p:txBody>
-          <a:bodyPr>
-            <a:normAutofit fontScale="77500" lnSpcReduction="20000"/>
-          </a:bodyPr>
-          <a:lstStyle/>
-          <a:p>
-            <a:pPr lvl="0"/>
-            <a:r>
-              <a:rPr lang="en-US" sz="2700" dirty="0" smtClean="0"/>
-              <a:t>E</a:t>
-            </a:r>
-            <a:r>
-              <a:rPr lang="en-US" sz="2700" dirty="0"/>
-              <a:t>. Keogh, J. Lin, and A. Fu, “HOT SAX: efficiently finding the most unusual time series subsequence”, Proc. of 5th  ICDM, Houston, Texas, pp. 226–233, 2005.</a:t>
-            </a:r>
-          </a:p>
-          <a:p>
-            <a:pPr lvl="0"/>
-            <a:r>
-              <a:rPr lang="en-US" sz="2700" dirty="0"/>
-              <a:t>E. Keogh, www.cs.ucr.edu/~eamonn/discords/ (accessed on January 24 - 2015).</a:t>
-            </a:r>
-          </a:p>
-          <a:p>
-            <a:pPr lvl="0"/>
-            <a:r>
-              <a:rPr lang="en-US" sz="2700" dirty="0" smtClean="0"/>
-              <a:t>M</a:t>
-            </a:r>
-            <a:r>
-              <a:rPr lang="en-US" sz="2700" dirty="0"/>
-              <a:t>. </a:t>
-            </a:r>
-            <a:r>
-              <a:rPr lang="en-US" sz="2700" dirty="0" err="1"/>
-              <a:t>Leng</a:t>
-            </a:r>
-            <a:r>
-              <a:rPr lang="en-US" sz="2700" dirty="0"/>
-              <a:t>, X. Chen and L. Li, “Variable length methods for detecting anomaly patterns in time series”, Proc. of Int. Symposium on. Computational Intelligence and Design (ISCID'08), Vol. 2, 2008.</a:t>
-            </a:r>
-          </a:p>
-          <a:p>
-            <a:pPr lvl="0"/>
-            <a:r>
-              <a:rPr lang="en-US" sz="2700" dirty="0" smtClean="0"/>
-              <a:t>K</a:t>
-            </a:r>
-            <a:r>
-              <a:rPr lang="en-US" sz="2700" dirty="0"/>
-              <a:t>. B. Pratt and E. Fink, “Search for patterns in compressed time series”, International Journal of Image and Graphics , vol. 2, no. 1, pp. 89-106, 2002.</a:t>
-            </a:r>
-          </a:p>
-          <a:p>
-            <a:pPr lvl="0"/>
-            <a:r>
-              <a:rPr lang="en-US" sz="2700" dirty="0"/>
-              <a:t>H. </a:t>
-            </a:r>
-            <a:r>
-              <a:rPr lang="en-US" sz="2700" dirty="0" err="1"/>
-              <a:t>Sakoe</a:t>
-            </a:r>
-            <a:r>
-              <a:rPr lang="en-US" sz="2700" dirty="0"/>
-              <a:t> and S. Chiba, “Dynamic programming algorithm optimization for spoken word recognition”, IEEE Trans. Acoustics, Speech, and Signal Proc., vol. ASSP-26, pp. 43-49, 1978.</a:t>
-            </a:r>
-          </a:p>
-          <a:p>
-            <a:pPr lvl="0"/>
-            <a:r>
-              <a:rPr lang="en-US" sz="2700" dirty="0" smtClean="0"/>
-              <a:t>C</a:t>
-            </a:r>
-            <a:r>
-              <a:rPr lang="en-US" sz="2700" dirty="0"/>
-              <a:t>. D. Truong, H. N. Tin, D. T. Anh,  “ Combining motif information and neural network for time series prediction”, Int. Journal of Business Intelligence and Data Mining,  vol. 7, no. 4, pp. 318-339, 2012.</a:t>
-            </a:r>
-          </a:p>
-          <a:p>
-            <a:endParaRPr lang="en-US" sz="2000" dirty="0"/>
-          </a:p>
-        </p:txBody>
-      </p:sp>
-      <p:sp>
-        <p:nvSpPr>
-          <p:cNvPr id="4" name="Slide Number Placeholder 3"/>
-          <p:cNvSpPr>
-            <a:spLocks noGrp="1"/>
-          </p:cNvSpPr>
-          <p:nvPr>
-            <p:ph type="sldNum" sz="quarter" idx="12"/>
-          </p:nvPr>
-        </p:nvSpPr>
-        <p:spPr/>
-        <p:txBody>
-          <a:bodyPr/>
-          <a:lstStyle/>
-          <a:p>
-            <a:fld id="{38324C1E-6E2F-465B-B7AC-362036DEB808}" type="slidenum">
-              <a:rPr lang="en-US" smtClean="0"/>
-              <a:t>35</a:t>
-            </a:fld>
-            <a:endParaRPr lang="en-US"/>
-          </a:p>
-        </p:txBody>
-      </p:sp>
-    </p:spTree>
-    <p:extLst>
-      <p:ext uri="{BB962C8B-B14F-4D97-AF65-F5344CB8AC3E}">
-        <p14:creationId xmlns:p14="http://schemas.microsoft.com/office/powerpoint/2010/main" val="3386409769"/>
-      </p:ext>
-    </p:extLst>
-  </p:cSld>
-  <p:clrMapOvr>
-    <a:masterClrMapping/>
-  </p:clrMapOvr>
-  <p:timing>
-    <p:tnLst>
-      <p:par>
-        <p:cTn id="1" dur="indefinite" restart="never" nodeType="tmRoot"/>
-      </p:par>
-    </p:tnLst>
-  </p:timing>
-</p:sld>
-</file>
-
-<file path=ppt/slides/slide36.xml><?xml version="1.0" encoding="utf-8"?>
-<p:sld xmlns:a="http://schemas.openxmlformats.org/drawingml/2006/main" xmlns:r="http://schemas.openxmlformats.org/officeDocument/2006/relationships" xmlns:p="http://schemas.openxmlformats.org/presentationml/2006/main">
-  <p:cSld>
-    <p:spTree>
-      <p:nvGrpSpPr>
-        <p:cNvPr id="1" name=""/>
-        <p:cNvGrpSpPr/>
-        <p:nvPr/>
-      </p:nvGrpSpPr>
-      <p:grpSpPr>
-        <a:xfrm>
-          <a:off x="0" y="0"/>
-          <a:ext cx="0" cy="0"/>
-          <a:chOff x="0" y="0"/>
-          <a:chExt cx="0" cy="0"/>
-        </a:xfrm>
-      </p:grpSpPr>
-      <p:sp>
-        <p:nvSpPr>
-          <p:cNvPr id="2" name="Title 1"/>
-          <p:cNvSpPr>
-            <a:spLocks noGrp="1"/>
-          </p:cNvSpPr>
-          <p:nvPr>
-            <p:ph type="title"/>
-          </p:nvPr>
-        </p:nvSpPr>
-        <p:spPr>
-          <a:xfrm>
-            <a:off x="457200" y="655638"/>
-            <a:ext cx="8229600" cy="868362"/>
-          </a:xfrm>
-        </p:spPr>
-        <p:txBody>
-          <a:bodyPr>
-            <a:normAutofit/>
-          </a:bodyPr>
-          <a:lstStyle/>
-          <a:p>
-            <a:r>
-              <a:rPr lang="en-US" sz="4100" dirty="0" smtClean="0"/>
-              <a:t>Q &amp; A</a:t>
-            </a:r>
-            <a:endParaRPr lang="en-US" sz="4100" dirty="0"/>
-          </a:p>
-        </p:txBody>
-      </p:sp>
-      <p:sp>
-        <p:nvSpPr>
-          <p:cNvPr id="3" name="Slide Number Placeholder 2"/>
-          <p:cNvSpPr>
-            <a:spLocks noGrp="1"/>
-          </p:cNvSpPr>
-          <p:nvPr>
-            <p:ph type="sldNum" sz="quarter" idx="12"/>
-          </p:nvPr>
-        </p:nvSpPr>
-        <p:spPr/>
-        <p:txBody>
-          <a:bodyPr/>
-          <a:lstStyle/>
-          <a:p>
-            <a:fld id="{38324C1E-6E2F-465B-B7AC-362036DEB808}" type="slidenum">
-              <a:rPr lang="en-US" smtClean="0"/>
-              <a:t>36</a:t>
-            </a:fld>
-            <a:endParaRPr lang="en-US"/>
-          </a:p>
-        </p:txBody>
-      </p:sp>
-      <p:sp>
-        <p:nvSpPr>
-          <p:cNvPr id="4" name="TextBox 3"/>
-          <p:cNvSpPr txBox="1"/>
-          <p:nvPr/>
-        </p:nvSpPr>
-        <p:spPr>
-          <a:xfrm>
-            <a:off x="1143000" y="3086725"/>
-            <a:ext cx="6858000" cy="723275"/>
-          </a:xfrm>
-          <a:prstGeom prst="rect">
-            <a:avLst/>
-          </a:prstGeom>
-          <a:noFill/>
-        </p:spPr>
-        <p:txBody>
-          <a:bodyPr wrap="square" rtlCol="0">
-            <a:spAutoFit/>
-          </a:bodyPr>
-          <a:lstStyle/>
-          <a:p>
-            <a:pPr algn="ctr"/>
-            <a:r>
-              <a:rPr lang="en-US" sz="4100" dirty="0" smtClean="0">
-                <a:latin typeface="+mj-lt"/>
-              </a:rPr>
-              <a:t>Thank you!</a:t>
-            </a:r>
-            <a:endParaRPr lang="en-US" sz="4100" dirty="0">
-              <a:latin typeface="+mj-lt"/>
-            </a:endParaRPr>
-          </a:p>
-        </p:txBody>
-      </p:sp>
-    </p:spTree>
-    <p:extLst>
-      <p:ext uri="{BB962C8B-B14F-4D97-AF65-F5344CB8AC3E}">
-        <p14:creationId xmlns:p14="http://schemas.microsoft.com/office/powerpoint/2010/main" val="1866054366"/>
-      </p:ext>
-    </p:extLst>
-  </p:cSld>
-  <p:clrMapOvr>
-    <a:masterClrMapping/>
-  </p:clrMapOvr>
-  <p:timing>
-    <p:tnLst>
-      <p:par>
-        <p:cTn id="1" dur="indefinite" restart="never" nodeType="tmRoot"/>
-      </p:par>
-    </p:tnLst>
-  </p:timing>
-</p:sld>
-</file>
-
-<file path=ppt/slides/slide37.xml><?xml version="1.0" encoding="utf-8"?>
-<p:sld xmlns:a="http://schemas.openxmlformats.org/drawingml/2006/main" xmlns:r="http://schemas.openxmlformats.org/officeDocument/2006/relationships" xmlns:p="http://schemas.openxmlformats.org/presentationml/2006/main">
-  <p:cSld>
-    <p:spTree>
-      <p:nvGrpSpPr>
-        <p:cNvPr id="1" name=""/>
-        <p:cNvGrpSpPr/>
-        <p:nvPr/>
-      </p:nvGrpSpPr>
-      <p:grpSpPr>
-        <a:xfrm>
-          <a:off x="0" y="0"/>
-          <a:ext cx="0" cy="0"/>
-          <a:chOff x="0" y="0"/>
-          <a:chExt cx="0" cy="0"/>
-        </a:xfrm>
-      </p:grpSpPr>
-      <p:sp>
-        <p:nvSpPr>
-          <p:cNvPr id="2" name="Title 1"/>
-          <p:cNvSpPr>
-            <a:spLocks noGrp="1"/>
-          </p:cNvSpPr>
-          <p:nvPr>
-            <p:ph type="title"/>
-          </p:nvPr>
-        </p:nvSpPr>
-        <p:spPr/>
-        <p:txBody>
-          <a:bodyPr/>
-          <a:lstStyle/>
-          <a:p>
-            <a:endParaRPr lang="en-US"/>
-          </a:p>
-        </p:txBody>
-      </p:sp>
-      <p:sp>
-        <p:nvSpPr>
-          <p:cNvPr id="3" name="Content Placeholder 2"/>
-          <p:cNvSpPr>
-            <a:spLocks noGrp="1"/>
-          </p:cNvSpPr>
-          <p:nvPr>
-            <p:ph idx="1"/>
-          </p:nvPr>
-        </p:nvSpPr>
-        <p:spPr/>
-        <p:txBody>
-          <a:bodyPr/>
-          <a:lstStyle/>
-          <a:p>
-            <a:endParaRPr lang="en-US"/>
-          </a:p>
-        </p:txBody>
-      </p:sp>
-      <p:sp>
-        <p:nvSpPr>
-          <p:cNvPr id="4" name="Slide Number Placeholder 3"/>
-          <p:cNvSpPr>
-            <a:spLocks noGrp="1"/>
-          </p:cNvSpPr>
-          <p:nvPr>
-            <p:ph type="sldNum" sz="quarter" idx="12"/>
-          </p:nvPr>
-        </p:nvSpPr>
-        <p:spPr/>
-        <p:txBody>
-          <a:bodyPr/>
-          <a:lstStyle/>
-          <a:p>
-            <a:fld id="{38324C1E-6E2F-465B-B7AC-362036DEB808}" type="slidenum">
-              <a:rPr lang="en-US" smtClean="0"/>
-              <a:t>37</a:t>
-            </a:fld>
-            <a:endParaRPr lang="en-US"/>
-          </a:p>
-        </p:txBody>
-      </p:sp>
-    </p:spTree>
-    <p:extLst>
-      <p:ext uri="{BB962C8B-B14F-4D97-AF65-F5344CB8AC3E}">
-        <p14:creationId xmlns:p14="http://schemas.microsoft.com/office/powerpoint/2010/main" val="1528571006"/>
-      </p:ext>
-    </p:extLst>
-  </p:cSld>
-  <p:clrMapOvr>
-    <a:masterClrMapping/>
-  </p:clrMapOvr>
-  <p:timing>
-    <p:tnLst>
-      <p:par>
-        <p:cTn id="1" dur="indefinite" restart="never" nodeType="tmRoot"/>
-      </p:par>
-    </p:tnLst>
-  </p:timing>
-</p:sld>
-</file>
-
-<file path=ppt/slides/slide38.xml><?xml version="1.0" encoding="utf-8"?>
-<p:sld xmlns:a="http://schemas.openxmlformats.org/drawingml/2006/main" xmlns:r="http://schemas.openxmlformats.org/officeDocument/2006/relationships" xmlns:p="http://schemas.openxmlformats.org/presentationml/2006/main">
-  <p:cSld>
-    <p:spTree>
-      <p:nvGrpSpPr>
-        <p:cNvPr id="1" name=""/>
-        <p:cNvGrpSpPr/>
-        <p:nvPr/>
-      </p:nvGrpSpPr>
-      <p:grpSpPr>
-        <a:xfrm>
-          <a:off x="0" y="0"/>
-          <a:ext cx="0" cy="0"/>
-          <a:chOff x="0" y="0"/>
-          <a:chExt cx="0" cy="0"/>
-        </a:xfrm>
-      </p:grpSpPr>
-      <p:sp>
-        <p:nvSpPr>
-          <p:cNvPr id="2" name="Title 1"/>
-          <p:cNvSpPr>
-            <a:spLocks noGrp="1"/>
-          </p:cNvSpPr>
-          <p:nvPr>
-            <p:ph type="title"/>
-          </p:nvPr>
-        </p:nvSpPr>
-        <p:spPr/>
-        <p:txBody>
-          <a:bodyPr/>
-          <a:lstStyle/>
-          <a:p>
-            <a:endParaRPr lang="en-US"/>
-          </a:p>
-        </p:txBody>
-      </p:sp>
-      <p:sp>
-        <p:nvSpPr>
-          <p:cNvPr id="3" name="Content Placeholder 2"/>
-          <p:cNvSpPr>
-            <a:spLocks noGrp="1"/>
-          </p:cNvSpPr>
-          <p:nvPr>
-            <p:ph idx="1"/>
-          </p:nvPr>
-        </p:nvSpPr>
-        <p:spPr/>
-        <p:txBody>
-          <a:bodyPr/>
-          <a:lstStyle/>
-          <a:p>
-            <a:endParaRPr lang="en-US"/>
-          </a:p>
-        </p:txBody>
-      </p:sp>
-      <p:sp>
-        <p:nvSpPr>
-          <p:cNvPr id="4" name="Slide Number Placeholder 3"/>
-          <p:cNvSpPr>
-            <a:spLocks noGrp="1"/>
-          </p:cNvSpPr>
-          <p:nvPr>
-            <p:ph type="sldNum" sz="quarter" idx="12"/>
-          </p:nvPr>
-        </p:nvSpPr>
-        <p:spPr/>
-        <p:txBody>
-          <a:bodyPr/>
-          <a:lstStyle/>
-          <a:p>
-            <a:fld id="{38324C1E-6E2F-465B-B7AC-362036DEB808}" type="slidenum">
-              <a:rPr lang="en-US" smtClean="0"/>
-              <a:t>38</a:t>
-            </a:fld>
-            <a:endParaRPr lang="en-US"/>
-          </a:p>
-        </p:txBody>
-      </p:sp>
-    </p:spTree>
-    <p:extLst>
-      <p:ext uri="{BB962C8B-B14F-4D97-AF65-F5344CB8AC3E}">
-        <p14:creationId xmlns:p14="http://schemas.microsoft.com/office/powerpoint/2010/main" val="3191652677"/>
-      </p:ext>
-    </p:extLst>
-  </p:cSld>
-  <p:clrMapOvr>
-    <a:masterClrMapping/>
-  </p:clrMapOvr>
-</p:sld>
-</file>
-
-<file path=ppt/slides/slide39.xml><?xml version="1.0" encoding="utf-8"?>
-<p:sld xmlns:a="http://schemas.openxmlformats.org/drawingml/2006/main" xmlns:r="http://schemas.openxmlformats.org/officeDocument/2006/relationships" xmlns:p="http://schemas.openxmlformats.org/presentationml/2006/main">
-  <p:cSld>
-    <p:spTree>
-      <p:nvGrpSpPr>
-        <p:cNvPr id="1" name=""/>
-        <p:cNvGrpSpPr/>
-        <p:nvPr/>
-      </p:nvGrpSpPr>
-      <p:grpSpPr>
-        <a:xfrm>
-          <a:off x="0" y="0"/>
-          <a:ext cx="0" cy="0"/>
-          <a:chOff x="0" y="0"/>
-          <a:chExt cx="0" cy="0"/>
-        </a:xfrm>
-      </p:grpSpPr>
-      <p:sp>
-        <p:nvSpPr>
-          <p:cNvPr id="2" name="Title 1"/>
-          <p:cNvSpPr>
-            <a:spLocks noGrp="1"/>
-          </p:cNvSpPr>
-          <p:nvPr>
-            <p:ph type="title"/>
-          </p:nvPr>
-        </p:nvSpPr>
-        <p:spPr/>
-        <p:txBody>
-          <a:bodyPr>
-            <a:normAutofit fontScale="90000"/>
-          </a:bodyPr>
-          <a:lstStyle/>
-          <a:p>
-            <a:r>
-              <a:rPr lang="en-US" dirty="0" smtClean="0"/>
-              <a:t>ECG 108: VL_QR|HT vs HOT SAX(135) </a:t>
-            </a:r>
-            <a:endParaRPr lang="en-US" dirty="0"/>
-          </a:p>
-        </p:txBody>
-      </p:sp>
-      <p:sp>
-        <p:nvSpPr>
-          <p:cNvPr id="3" name="Content Placeholder 2"/>
-          <p:cNvSpPr>
-            <a:spLocks noGrp="1"/>
-          </p:cNvSpPr>
-          <p:nvPr>
-            <p:ph idx="1"/>
-          </p:nvPr>
-        </p:nvSpPr>
-        <p:spPr/>
-        <p:txBody>
-          <a:bodyPr/>
-          <a:lstStyle/>
-          <a:p>
-            <a:endParaRPr lang="en-US" dirty="0" smtClean="0"/>
-          </a:p>
-        </p:txBody>
-      </p:sp>
-      <p:sp>
-        <p:nvSpPr>
-          <p:cNvPr id="4" name="Slide Number Placeholder 3"/>
-          <p:cNvSpPr>
-            <a:spLocks noGrp="1"/>
-          </p:cNvSpPr>
-          <p:nvPr>
-            <p:ph type="sldNum" sz="quarter" idx="12"/>
-          </p:nvPr>
-        </p:nvSpPr>
-        <p:spPr/>
-        <p:txBody>
-          <a:bodyPr/>
-          <a:lstStyle/>
-          <a:p>
-            <a:fld id="{38324C1E-6E2F-465B-B7AC-362036DEB808}" type="slidenum">
-              <a:rPr lang="en-US" smtClean="0">
-                <a:solidFill>
-                  <a:prstClr val="black">
-                    <a:tint val="75000"/>
-                  </a:prstClr>
-                </a:solidFill>
-              </a:rPr>
-              <a:pPr/>
-              <a:t>39</a:t>
-            </a:fld>
-            <a:endParaRPr lang="en-US">
-              <a:solidFill>
-                <a:prstClr val="black">
-                  <a:tint val="75000"/>
-                </a:prstClr>
-              </a:solidFill>
-            </a:endParaRPr>
-          </a:p>
-        </p:txBody>
-      </p:sp>
-      <p:pic>
-        <p:nvPicPr>
-          <p:cNvPr id="13" name="Picture 12"/>
-          <p:cNvPicPr/>
-          <p:nvPr/>
-        </p:nvPicPr>
-        <p:blipFill>
-          <a:blip r:embed="rId2">
-            <a:extLst>
-              <a:ext uri="{28A0092B-C50C-407E-A947-70E740481C1C}">
-                <a14:useLocalDpi xmlns:a14="http://schemas.microsoft.com/office/drawing/2010/main" val="0"/>
-              </a:ext>
-            </a:extLst>
-          </a:blip>
-          <a:srcRect/>
-          <a:stretch>
-            <a:fillRect/>
-          </a:stretch>
-        </p:blipFill>
-        <p:spPr bwMode="auto">
-          <a:xfrm>
-            <a:off x="1560286" y="1295400"/>
-            <a:ext cx="5467350" cy="2453640"/>
-          </a:xfrm>
-          <a:prstGeom prst="rect">
-            <a:avLst/>
-          </a:prstGeom>
-          <a:noFill/>
-          <a:ln>
-            <a:noFill/>
-          </a:ln>
-        </p:spPr>
-      </p:pic>
-      <p:pic>
-        <p:nvPicPr>
-          <p:cNvPr id="14" name="Picture 13"/>
-          <p:cNvPicPr/>
-          <p:nvPr/>
-        </p:nvPicPr>
-        <p:blipFill>
-          <a:blip r:embed="rId3">
-            <a:extLst>
-              <a:ext uri="{28A0092B-C50C-407E-A947-70E740481C1C}">
-                <a14:useLocalDpi xmlns:a14="http://schemas.microsoft.com/office/drawing/2010/main" val="0"/>
-              </a:ext>
-            </a:extLst>
-          </a:blip>
-          <a:srcRect/>
-          <a:stretch>
-            <a:fillRect/>
-          </a:stretch>
-        </p:blipFill>
-        <p:spPr bwMode="auto">
-          <a:xfrm>
-            <a:off x="1560286" y="3749040"/>
-            <a:ext cx="5467350" cy="2819401"/>
-          </a:xfrm>
-          <a:prstGeom prst="rect">
-            <a:avLst/>
-          </a:prstGeom>
-          <a:noFill/>
-          <a:ln>
-            <a:noFill/>
-          </a:ln>
-        </p:spPr>
-      </p:pic>
-    </p:spTree>
-    <p:extLst>
-      <p:ext uri="{BB962C8B-B14F-4D97-AF65-F5344CB8AC3E}">
-        <p14:creationId xmlns:p14="http://schemas.microsoft.com/office/powerpoint/2010/main" val="2737283636"/>
+        <p14:creationId xmlns:p14="http://schemas.microsoft.com/office/powerpoint/2010/main" val="779037012"/>
       </p:ext>
     </p:extLst>
   </p:cSld>
@@ -13332,14 +13598,180 @@
           <a:lstStyle/>
           <a:p>
             <a:r>
-              <a:rPr lang="en-US" dirty="0"/>
-              <a:t>ECG </a:t>
-            </a:r>
-            <a:r>
               <a:rPr lang="en-US" dirty="0" smtClean="0"/>
-              <a:t>108: VL_EP|HT vs HOT SAX(588)</a:t>
+              <a:t>Parameters between VL_QR|HT and VL_EP|HT</a:t>
             </a:r>
             <a:endParaRPr lang="en-US" dirty="0"/>
+          </a:p>
+        </p:txBody>
+      </p:sp>
+      <p:sp>
+        <p:nvSpPr>
+          <p:cNvPr id="4" name="Slide Number Placeholder 3"/>
+          <p:cNvSpPr>
+            <a:spLocks noGrp="1"/>
+          </p:cNvSpPr>
+          <p:nvPr>
+            <p:ph type="sldNum" sz="quarter" idx="12"/>
+          </p:nvPr>
+        </p:nvSpPr>
+        <p:spPr/>
+        <p:txBody>
+          <a:bodyPr/>
+          <a:lstStyle/>
+          <a:p>
+            <a:fld id="{38324C1E-6E2F-465B-B7AC-362036DEB808}" type="slidenum">
+              <a:rPr lang="en-US" smtClean="0"/>
+              <a:t>40</a:t>
+            </a:fld>
+            <a:endParaRPr lang="en-US"/>
+          </a:p>
+        </p:txBody>
+      </p:sp>
+      <p:pic>
+        <p:nvPicPr>
+          <p:cNvPr id="10243" name="Picture 3"/>
+          <p:cNvPicPr>
+            <a:picLocks noGrp="1" noChangeAspect="1" noChangeArrowheads="1"/>
+          </p:cNvPicPr>
+          <p:nvPr>
+            <p:ph idx="1"/>
+          </p:nvPr>
+        </p:nvPicPr>
+        <p:blipFill>
+          <a:blip r:embed="rId2" cstate="print">
+            <a:extLst>
+              <a:ext uri="{28A0092B-C50C-407E-A947-70E740481C1C}">
+                <a14:useLocalDpi xmlns:a14="http://schemas.microsoft.com/office/drawing/2010/main" val="0"/>
+              </a:ext>
+            </a:extLst>
+          </a:blip>
+          <a:srcRect/>
+          <a:stretch>
+            <a:fillRect/>
+          </a:stretch>
+        </p:blipFill>
+        <p:spPr bwMode="auto">
+          <a:xfrm>
+            <a:off x="1066800" y="1828800"/>
+            <a:ext cx="6914240" cy="4267200"/>
+          </a:xfrm>
+          <a:prstGeom prst="rect">
+            <a:avLst/>
+          </a:prstGeom>
+          <a:noFill/>
+          <a:ln>
+            <a:noFill/>
+          </a:ln>
+          <a:effectLst/>
+          <a:extLst>
+            <a:ext uri="{909E8E84-426E-40DD-AFC4-6F175D3DCCD1}">
+              <a14:hiddenFill xmlns:a14="http://schemas.microsoft.com/office/drawing/2010/main">
+                <a:solidFill>
+                  <a:schemeClr val="accent1"/>
+                </a:solidFill>
+              </a14:hiddenFill>
+            </a:ext>
+            <a:ext uri="{91240B29-F687-4F45-9708-019B960494DF}">
+              <a14:hiddenLine xmlns:a14="http://schemas.microsoft.com/office/drawing/2010/main" w="9525">
+                <a:solidFill>
+                  <a:schemeClr val="tx1"/>
+                </a:solidFill>
+                <a:miter lim="800000"/>
+                <a:headEnd/>
+                <a:tailEnd/>
+              </a14:hiddenLine>
+            </a:ext>
+            <a:ext uri="{AF507438-7753-43E0-B8FC-AC1667EBCBE1}">
+              <a14:hiddenEffects xmlns:a14="http://schemas.microsoft.com/office/drawing/2010/main">
+                <a:effectLst>
+                  <a:outerShdw dist="35921" dir="2700000" algn="ctr" rotWithShape="0">
+                    <a:schemeClr val="bg2"/>
+                  </a:outerShdw>
+                </a:effectLst>
+              </a14:hiddenEffects>
+            </a:ext>
+          </a:extLst>
+        </p:spPr>
+      </p:pic>
+    </p:spTree>
+    <p:extLst>
+      <p:ext uri="{BB962C8B-B14F-4D97-AF65-F5344CB8AC3E}">
+        <p14:creationId xmlns:p14="http://schemas.microsoft.com/office/powerpoint/2010/main" val="714673956"/>
+      </p:ext>
+    </p:extLst>
+  </p:cSld>
+  <p:clrMapOvr>
+    <a:masterClrMapping/>
+  </p:clrMapOvr>
+  <p:timing>
+    <p:tnLst>
+      <p:par>
+        <p:cTn id="1" dur="indefinite" restart="never" nodeType="tmRoot"/>
+      </p:par>
+    </p:tnLst>
+  </p:timing>
+</p:sld>
+</file>
+
+<file path=ppt/slides/slide41.xml><?xml version="1.0" encoding="utf-8"?>
+<p:sld xmlns:a="http://schemas.openxmlformats.org/drawingml/2006/main" xmlns:r="http://schemas.openxmlformats.org/officeDocument/2006/relationships" xmlns:p="http://schemas.openxmlformats.org/presentationml/2006/main">
+  <p:cSld>
+    <p:spTree>
+      <p:nvGrpSpPr>
+        <p:cNvPr id="1" name=""/>
+        <p:cNvGrpSpPr/>
+        <p:nvPr/>
+      </p:nvGrpSpPr>
+      <p:grpSpPr>
+        <a:xfrm>
+          <a:off x="0" y="0"/>
+          <a:ext cx="0" cy="0"/>
+          <a:chOff x="0" y="0"/>
+          <a:chExt cx="0" cy="0"/>
+        </a:xfrm>
+      </p:grpSpPr>
+      <p:sp>
+        <p:nvSpPr>
+          <p:cNvPr id="2" name="Title 1"/>
+          <p:cNvSpPr>
+            <a:spLocks noGrp="1"/>
+          </p:cNvSpPr>
+          <p:nvPr>
+            <p:ph type="title"/>
+          </p:nvPr>
+        </p:nvSpPr>
+        <p:spPr/>
+        <p:txBody>
+          <a:bodyPr>
+            <a:normAutofit fontScale="90000"/>
+          </a:bodyPr>
+          <a:lstStyle/>
+          <a:p>
+            <a:r>
+              <a:rPr lang="en-US" dirty="0" smtClean="0"/>
+              <a:t>ECG 108: VL_QR|HT vs HOT SAX(135) </a:t>
+            </a:r>
+            <a:endParaRPr lang="en-US" dirty="0"/>
+          </a:p>
+        </p:txBody>
+      </p:sp>
+      <p:sp>
+        <p:nvSpPr>
+          <p:cNvPr id="3" name="Content Placeholder 2"/>
+          <p:cNvSpPr>
+            <a:spLocks noGrp="1"/>
+          </p:cNvSpPr>
+          <p:nvPr>
+            <p:ph idx="1"/>
+          </p:nvPr>
+        </p:nvSpPr>
+        <p:spPr/>
+        <p:txBody>
+          <a:bodyPr/>
+          <a:lstStyle/>
+          <a:p>
+            <a:endParaRPr lang="en-US" dirty="0" smtClean="0"/>
           </a:p>
         </p:txBody>
       </p:sp>
@@ -13367,7 +13799,175 @@
                 </a:solidFill>
               </a:rPr>
               <a:pPr/>
-              <a:t>40</a:t>
+              <a:t>41</a:t>
+            </a:fld>
+            <a:endParaRPr lang="en-US">
+              <a:solidFill>
+                <a:prstClr val="black">
+                  <a:tint val="75000"/>
+                </a:prstClr>
+              </a:solidFill>
+            </a:endParaRPr>
+          </a:p>
+        </p:txBody>
+      </p:sp>
+      <p:pic>
+        <p:nvPicPr>
+          <p:cNvPr id="13" name="Picture 12"/>
+          <p:cNvPicPr/>
+          <p:nvPr/>
+        </p:nvPicPr>
+        <p:blipFill>
+          <a:blip r:embed="rId2">
+            <a:extLst>
+              <a:ext uri="{28A0092B-C50C-407E-A947-70E740481C1C}">
+                <a14:useLocalDpi xmlns:a14="http://schemas.microsoft.com/office/drawing/2010/main" val="0"/>
+              </a:ext>
+            </a:extLst>
+          </a:blip>
+          <a:srcRect/>
+          <a:stretch>
+            <a:fillRect/>
+          </a:stretch>
+        </p:blipFill>
+        <p:spPr bwMode="auto">
+          <a:xfrm>
+            <a:off x="1560286" y="1295400"/>
+            <a:ext cx="5467350" cy="2453640"/>
+          </a:xfrm>
+          <a:prstGeom prst="rect">
+            <a:avLst/>
+          </a:prstGeom>
+          <a:noFill/>
+          <a:ln>
+            <a:noFill/>
+          </a:ln>
+        </p:spPr>
+      </p:pic>
+      <p:pic>
+        <p:nvPicPr>
+          <p:cNvPr id="14" name="Picture 13"/>
+          <p:cNvPicPr/>
+          <p:nvPr/>
+        </p:nvPicPr>
+        <p:blipFill>
+          <a:blip r:embed="rId3">
+            <a:extLst>
+              <a:ext uri="{28A0092B-C50C-407E-A947-70E740481C1C}">
+                <a14:useLocalDpi xmlns:a14="http://schemas.microsoft.com/office/drawing/2010/main" val="0"/>
+              </a:ext>
+            </a:extLst>
+          </a:blip>
+          <a:srcRect/>
+          <a:stretch>
+            <a:fillRect/>
+          </a:stretch>
+        </p:blipFill>
+        <p:spPr bwMode="auto">
+          <a:xfrm>
+            <a:off x="1560286" y="3749040"/>
+            <a:ext cx="5467350" cy="2819401"/>
+          </a:xfrm>
+          <a:prstGeom prst="rect">
+            <a:avLst/>
+          </a:prstGeom>
+          <a:noFill/>
+          <a:ln>
+            <a:noFill/>
+          </a:ln>
+        </p:spPr>
+      </p:pic>
+    </p:spTree>
+    <p:extLst>
+      <p:ext uri="{BB962C8B-B14F-4D97-AF65-F5344CB8AC3E}">
+        <p14:creationId xmlns:p14="http://schemas.microsoft.com/office/powerpoint/2010/main" val="2737283636"/>
+      </p:ext>
+    </p:extLst>
+  </p:cSld>
+  <p:clrMapOvr>
+    <a:masterClrMapping/>
+  </p:clrMapOvr>
+  <p:timing>
+    <p:tnLst>
+      <p:par>
+        <p:cTn id="1" dur="indefinite" restart="never" nodeType="tmRoot"/>
+      </p:par>
+    </p:tnLst>
+  </p:timing>
+</p:sld>
+</file>
+
+<file path=ppt/slides/slide42.xml><?xml version="1.0" encoding="utf-8"?>
+<p:sld xmlns:a="http://schemas.openxmlformats.org/drawingml/2006/main" xmlns:r="http://schemas.openxmlformats.org/officeDocument/2006/relationships" xmlns:p="http://schemas.openxmlformats.org/presentationml/2006/main">
+  <p:cSld>
+    <p:spTree>
+      <p:nvGrpSpPr>
+        <p:cNvPr id="1" name=""/>
+        <p:cNvGrpSpPr/>
+        <p:nvPr/>
+      </p:nvGrpSpPr>
+      <p:grpSpPr>
+        <a:xfrm>
+          <a:off x="0" y="0"/>
+          <a:ext cx="0" cy="0"/>
+          <a:chOff x="0" y="0"/>
+          <a:chExt cx="0" cy="0"/>
+        </a:xfrm>
+      </p:grpSpPr>
+      <p:sp>
+        <p:nvSpPr>
+          <p:cNvPr id="2" name="Title 1"/>
+          <p:cNvSpPr>
+            <a:spLocks noGrp="1"/>
+          </p:cNvSpPr>
+          <p:nvPr>
+            <p:ph type="title"/>
+          </p:nvPr>
+        </p:nvSpPr>
+        <p:spPr/>
+        <p:txBody>
+          <a:bodyPr>
+            <a:normAutofit fontScale="90000"/>
+          </a:bodyPr>
+          <a:lstStyle/>
+          <a:p>
+            <a:r>
+              <a:rPr lang="en-US" dirty="0"/>
+              <a:t>ECG </a:t>
+            </a:r>
+            <a:r>
+              <a:rPr lang="en-US" dirty="0" smtClean="0"/>
+              <a:t>108: VL_EP|HT vs HOT SAX(588)</a:t>
+            </a:r>
+            <a:endParaRPr lang="en-US" dirty="0"/>
+          </a:p>
+        </p:txBody>
+      </p:sp>
+      <p:sp>
+        <p:nvSpPr>
+          <p:cNvPr id="4" name="Slide Number Placeholder 3"/>
+          <p:cNvSpPr>
+            <a:spLocks noGrp="1"/>
+          </p:cNvSpPr>
+          <p:nvPr>
+            <p:ph type="sldNum" sz="quarter" idx="12"/>
+          </p:nvPr>
+        </p:nvSpPr>
+        <p:spPr/>
+        <p:txBody>
+          <a:bodyPr/>
+          <a:lstStyle/>
+          <a:p>
+            <a:fld id="{38324C1E-6E2F-465B-B7AC-362036DEB808}" type="slidenum">
+              <a:rPr lang="en-US" smtClean="0">
+                <a:solidFill>
+                  <a:prstClr val="black">
+                    <a:tint val="75000"/>
+                  </a:prstClr>
+                </a:solidFill>
+              </a:rPr>
+              <a:pPr/>
+              <a:t>42</a:t>
             </a:fld>
             <a:endParaRPr lang="en-US">
               <a:solidFill>
@@ -13469,7 +14069,7 @@
 </p:sld>
 </file>
 
-<file path=ppt/slides/slide41.xml><?xml version="1.0" encoding="utf-8"?>
+<file path=ppt/slides/slide43.xml><?xml version="1.0" encoding="utf-8"?>
 <p:sld xmlns:a="http://schemas.openxmlformats.org/drawingml/2006/main" xmlns:r="http://schemas.openxmlformats.org/officeDocument/2006/relationships" xmlns:p="http://schemas.openxmlformats.org/presentationml/2006/main">
   <p:cSld>
     <p:spTree>
@@ -13554,7 +14154,7 @@
                 </a:solidFill>
               </a:rPr>
               <a:pPr/>
-              <a:t>41</a:t>
+              <a:t>43</a:t>
             </a:fld>
             <a:endParaRPr lang="en-US">
               <a:solidFill>
@@ -13652,7 +14252,7 @@
 </p:sld>
 </file>
 
-<file path=ppt/slides/slide42.xml><?xml version="1.0" encoding="utf-8"?>
+<file path=ppt/slides/slide44.xml><?xml version="1.0" encoding="utf-8"?>
 <p:sld xmlns:a="http://schemas.openxmlformats.org/drawingml/2006/main" xmlns:r="http://schemas.openxmlformats.org/officeDocument/2006/relationships" xmlns:p="http://schemas.openxmlformats.org/presentationml/2006/main">
   <p:cSld>
     <p:spTree>
@@ -13722,7 +14322,7 @@
                 </a:solidFill>
               </a:rPr>
               <a:pPr/>
-              <a:t>42</a:t>
+              <a:t>44</a:t>
             </a:fld>
             <a:endParaRPr lang="en-US" dirty="0">
               <a:solidFill>
@@ -13854,7 +14454,7 @@
 </p:sld>
 </file>
 
-<file path=ppt/slides/slide43.xml><?xml version="1.0" encoding="utf-8"?>
+<file path=ppt/slides/slide45.xml><?xml version="1.0" encoding="utf-8"?>
 <p:sld xmlns:a="http://schemas.openxmlformats.org/drawingml/2006/main" xmlns:r="http://schemas.openxmlformats.org/officeDocument/2006/relationships" xmlns:p="http://schemas.openxmlformats.org/presentationml/2006/main">
   <p:cSld>
     <p:spTree>
@@ -13939,7 +14539,7 @@
                 </a:solidFill>
               </a:rPr>
               <a:pPr/>
-              <a:t>43</a:t>
+              <a:t>45</a:t>
             </a:fld>
             <a:endParaRPr lang="en-US">
               <a:solidFill>
@@ -14037,7 +14637,7 @@
 </p:sld>
 </file>
 
-<file path=ppt/slides/slide44.xml><?xml version="1.0" encoding="utf-8"?>
+<file path=ppt/slides/slide46.xml><?xml version="1.0" encoding="utf-8"?>
 <p:sld xmlns:a="http://schemas.openxmlformats.org/drawingml/2006/main" xmlns:r="http://schemas.openxmlformats.org/officeDocument/2006/relationships" xmlns:p="http://schemas.openxmlformats.org/presentationml/2006/main">
   <p:cSld>
     <p:spTree>
@@ -14103,7 +14703,7 @@
                 </a:solidFill>
               </a:rPr>
               <a:pPr/>
-              <a:t>44</a:t>
+              <a:t>46</a:t>
             </a:fld>
             <a:endParaRPr lang="en-US" dirty="0">
               <a:solidFill>
@@ -14235,7 +14835,7 @@
 </p:sld>
 </file>
 
-<file path=ppt/slides/slide45.xml><?xml version="1.0" encoding="utf-8"?>
+<file path=ppt/slides/slide47.xml><?xml version="1.0" encoding="utf-8"?>
 <p:sld xmlns:a="http://schemas.openxmlformats.org/drawingml/2006/main" xmlns:r="http://schemas.openxmlformats.org/officeDocument/2006/relationships" xmlns:p="http://schemas.openxmlformats.org/presentationml/2006/main">
   <p:cSld>
     <p:spTree>
@@ -14301,7 +14901,7 @@
                 </a:solidFill>
               </a:rPr>
               <a:pPr/>
-              <a:t>45</a:t>
+              <a:t>47</a:t>
             </a:fld>
             <a:endParaRPr lang="en-US">
               <a:solidFill>
@@ -14403,7 +15003,7 @@
 </p:sld>
 </file>
 
-<file path=ppt/slides/slide46.xml><?xml version="1.0" encoding="utf-8"?>
+<file path=ppt/slides/slide48.xml><?xml version="1.0" encoding="utf-8"?>
 <p:sld xmlns:a="http://schemas.openxmlformats.org/drawingml/2006/main" xmlns:r="http://schemas.openxmlformats.org/officeDocument/2006/relationships" xmlns:p="http://schemas.openxmlformats.org/presentationml/2006/main">
   <p:cSld>
     <p:spTree>
@@ -14469,7 +15069,7 @@
                 </a:solidFill>
               </a:rPr>
               <a:pPr/>
-              <a:t>46</a:t>
+              <a:t>48</a:t>
             </a:fld>
             <a:endParaRPr lang="en-US">
               <a:solidFill>
@@ -14571,7 +15171,7 @@
 </p:sld>
 </file>
 
-<file path=ppt/slides/slide47.xml><?xml version="1.0" encoding="utf-8"?>
+<file path=ppt/slides/slide49.xml><?xml version="1.0" encoding="utf-8"?>
 <p:sld xmlns:a="http://schemas.openxmlformats.org/drawingml/2006/main" xmlns:r="http://schemas.openxmlformats.org/officeDocument/2006/relationships" xmlns:p="http://schemas.openxmlformats.org/presentationml/2006/main">
   <p:cSld>
     <p:spTree>
@@ -14641,7 +15241,7 @@
                 </a:solidFill>
               </a:rPr>
               <a:pPr/>
-              <a:t>47</a:t>
+              <a:t>49</a:t>
             </a:fld>
             <a:endParaRPr lang="en-US">
               <a:solidFill>
@@ -14743,7 +15343,7 @@
 </p:sld>
 </file>
 
-<file path=ppt/slides/slide48.xml><?xml version="1.0" encoding="utf-8"?>
+<file path=ppt/slides/slide5.xml><?xml version="1.0" encoding="utf-8"?>
 <p:sld xmlns:a="http://schemas.openxmlformats.org/drawingml/2006/main" xmlns:r="http://schemas.openxmlformats.org/officeDocument/2006/relationships" xmlns:p="http://schemas.openxmlformats.org/presentationml/2006/main">
   <p:cSld>
     <p:spTree>
@@ -14772,6 +15372,148 @@
         </p:nvSpPr>
         <p:spPr/>
         <p:txBody>
+          <a:bodyPr/>
+          <a:lstStyle/>
+          <a:p>
+            <a:r>
+              <a:rPr lang="en-US" dirty="0"/>
+              <a:t>Introduction</a:t>
+            </a:r>
+          </a:p>
+        </p:txBody>
+      </p:sp>
+      <p:sp>
+        <p:nvSpPr>
+          <p:cNvPr id="4" name="Content Placeholder 3"/>
+          <p:cNvSpPr>
+            <a:spLocks noGrp="1"/>
+          </p:cNvSpPr>
+          <p:nvPr>
+            <p:ph idx="1"/>
+          </p:nvPr>
+        </p:nvSpPr>
+        <p:spPr/>
+        <p:txBody>
+          <a:bodyPr>
+            <a:normAutofit/>
+          </a:bodyPr>
+          <a:lstStyle/>
+          <a:p>
+            <a:r>
+              <a:rPr lang="en-US" dirty="0" smtClean="0"/>
+              <a:t>The problem to find anomaly subsequences in time series data is challenging. </a:t>
+            </a:r>
+          </a:p>
+          <a:p>
+            <a:r>
+              <a:rPr lang="en-US" dirty="0" smtClean="0"/>
+              <a:t>There are many algorithms developed to find anomaly patterns such as HOT SAX, WAT,…But they require the user to specify the length of anomaly as an input parameter.</a:t>
+            </a:r>
+          </a:p>
+          <a:p>
+            <a:r>
+              <a:rPr lang="en-US" dirty="0" smtClean="0"/>
+              <a:t>The </a:t>
+            </a:r>
+            <a:r>
+              <a:rPr lang="en-US" dirty="0"/>
+              <a:t>exact </a:t>
+            </a:r>
+            <a:r>
+              <a:rPr lang="en-US" dirty="0" smtClean="0"/>
+              <a:t>lengths </a:t>
+            </a:r>
+            <a:r>
+              <a:rPr lang="en-US" dirty="0"/>
+              <a:t>of the </a:t>
+            </a:r>
+            <a:r>
+              <a:rPr lang="en-US" dirty="0" smtClean="0"/>
+              <a:t>unusual subsequence are vary and are often </a:t>
+            </a:r>
+            <a:r>
+              <a:rPr lang="en-US" dirty="0"/>
+              <a:t>unknown</a:t>
+            </a:r>
+            <a:r>
+              <a:rPr lang="en-US" dirty="0" smtClean="0"/>
+              <a:t>.</a:t>
+            </a:r>
+          </a:p>
+        </p:txBody>
+      </p:sp>
+      <p:sp>
+        <p:nvSpPr>
+          <p:cNvPr id="3" name="Slide Number Placeholder 2"/>
+          <p:cNvSpPr>
+            <a:spLocks noGrp="1"/>
+          </p:cNvSpPr>
+          <p:nvPr>
+            <p:ph type="sldNum" sz="quarter" idx="12"/>
+          </p:nvPr>
+        </p:nvSpPr>
+        <p:spPr/>
+        <p:txBody>
+          <a:bodyPr/>
+          <a:lstStyle/>
+          <a:p>
+            <a:fld id="{38324C1E-6E2F-465B-B7AC-362036DEB808}" type="slidenum">
+              <a:rPr lang="en-US" smtClean="0"/>
+              <a:t>5</a:t>
+            </a:fld>
+            <a:endParaRPr lang="en-US"/>
+          </a:p>
+        </p:txBody>
+      </p:sp>
+    </p:spTree>
+    <p:extLst>
+      <p:ext uri="{BB962C8B-B14F-4D97-AF65-F5344CB8AC3E}">
+        <p14:creationId xmlns:p14="http://schemas.microsoft.com/office/powerpoint/2010/main" val="2947361703"/>
+      </p:ext>
+    </p:extLst>
+  </p:cSld>
+  <p:clrMapOvr>
+    <a:masterClrMapping/>
+  </p:clrMapOvr>
+  <p:timing>
+    <p:tnLst>
+      <p:par>
+        <p:cTn id="1" dur="indefinite" restart="never" nodeType="tmRoot"/>
+      </p:par>
+    </p:tnLst>
+  </p:timing>
+</p:sld>
+</file>
+
+<file path=ppt/slides/slide50.xml><?xml version="1.0" encoding="utf-8"?>
+<p:sld xmlns:a="http://schemas.openxmlformats.org/drawingml/2006/main" xmlns:r="http://schemas.openxmlformats.org/officeDocument/2006/relationships" xmlns:p="http://schemas.openxmlformats.org/presentationml/2006/main">
+  <p:cSld>
+    <p:spTree>
+      <p:nvGrpSpPr>
+        <p:cNvPr id="1" name=""/>
+        <p:cNvGrpSpPr/>
+        <p:nvPr/>
+      </p:nvGrpSpPr>
+      <p:grpSpPr>
+        <a:xfrm>
+          <a:off x="0" y="0"/>
+          <a:ext cx="0" cy="0"/>
+          <a:chOff x="0" y="0"/>
+          <a:chExt cx="0" cy="0"/>
+        </a:xfrm>
+      </p:grpSpPr>
+      <p:sp>
+        <p:nvSpPr>
+          <p:cNvPr id="2" name="Title 1"/>
+          <p:cNvSpPr>
+            <a:spLocks noGrp="1"/>
+          </p:cNvSpPr>
+          <p:nvPr>
+            <p:ph type="title"/>
+          </p:nvPr>
+        </p:nvSpPr>
+        <p:spPr/>
+        <p:txBody>
           <a:bodyPr>
             <a:normAutofit fontScale="90000"/>
           </a:bodyPr>
@@ -14844,7 +15586,7 @@
                 </a:solidFill>
               </a:rPr>
               <a:pPr/>
-              <a:t>48</a:t>
+              <a:t>50</a:t>
             </a:fld>
             <a:endParaRPr lang="en-US">
               <a:solidFill>
@@ -14942,7 +15684,7 @@
 </p:sld>
 </file>
 
-<file path=ppt/slides/slide49.xml><?xml version="1.0" encoding="utf-8"?>
+<file path=ppt/slides/slide51.xml><?xml version="1.0" encoding="utf-8"?>
 <p:sld xmlns:a="http://schemas.openxmlformats.org/drawingml/2006/main" xmlns:r="http://schemas.openxmlformats.org/officeDocument/2006/relationships" xmlns:p="http://schemas.openxmlformats.org/presentationml/2006/main">
   <p:cSld>
     <p:spTree>
@@ -15012,7 +15754,7 @@
                 </a:solidFill>
               </a:rPr>
               <a:pPr/>
-              <a:t>49</a:t>
+              <a:t>51</a:t>
             </a:fld>
             <a:endParaRPr lang="en-US">
               <a:solidFill>
@@ -15114,7 +15856,7 @@
 </p:sld>
 </file>
 
-<file path=ppt/slides/slide5.xml><?xml version="1.0" encoding="utf-8"?>
+<file path=ppt/slides/slide52.xml><?xml version="1.0" encoding="utf-8"?>
 <p:sld xmlns:a="http://schemas.openxmlformats.org/drawingml/2006/main" xmlns:r="http://schemas.openxmlformats.org/officeDocument/2006/relationships" xmlns:p="http://schemas.openxmlformats.org/presentationml/2006/main">
   <p:cSld>
     <p:spTree>
@@ -15143,148 +15885,6 @@
         </p:nvSpPr>
         <p:spPr/>
         <p:txBody>
-          <a:bodyPr/>
-          <a:lstStyle/>
-          <a:p>
-            <a:r>
-              <a:rPr lang="en-US" dirty="0"/>
-              <a:t>Introduction</a:t>
-            </a:r>
-          </a:p>
-        </p:txBody>
-      </p:sp>
-      <p:sp>
-        <p:nvSpPr>
-          <p:cNvPr id="4" name="Content Placeholder 3"/>
-          <p:cNvSpPr>
-            <a:spLocks noGrp="1"/>
-          </p:cNvSpPr>
-          <p:nvPr>
-            <p:ph idx="1"/>
-          </p:nvPr>
-        </p:nvSpPr>
-        <p:spPr/>
-        <p:txBody>
-          <a:bodyPr>
-            <a:normAutofit/>
-          </a:bodyPr>
-          <a:lstStyle/>
-          <a:p>
-            <a:r>
-              <a:rPr lang="en-US" dirty="0" smtClean="0"/>
-              <a:t>The problem to find anomaly subsequences in time series data is challenging. </a:t>
-            </a:r>
-          </a:p>
-          <a:p>
-            <a:r>
-              <a:rPr lang="en-US" dirty="0" smtClean="0"/>
-              <a:t>There are many algorithms developed to find anomaly patterns such as HOT SAX, WAT,…But they require the user to specify the length of anomaly as an input parameter.</a:t>
-            </a:r>
-          </a:p>
-          <a:p>
-            <a:r>
-              <a:rPr lang="en-US" dirty="0" smtClean="0"/>
-              <a:t>The </a:t>
-            </a:r>
-            <a:r>
-              <a:rPr lang="en-US" dirty="0"/>
-              <a:t>exact </a:t>
-            </a:r>
-            <a:r>
-              <a:rPr lang="en-US" dirty="0" smtClean="0"/>
-              <a:t>lengths </a:t>
-            </a:r>
-            <a:r>
-              <a:rPr lang="en-US" dirty="0"/>
-              <a:t>of the </a:t>
-            </a:r>
-            <a:r>
-              <a:rPr lang="en-US" dirty="0" smtClean="0"/>
-              <a:t>unusual subsequence are vary and are often </a:t>
-            </a:r>
-            <a:r>
-              <a:rPr lang="en-US" dirty="0"/>
-              <a:t>unknown</a:t>
-            </a:r>
-            <a:r>
-              <a:rPr lang="en-US" dirty="0" smtClean="0"/>
-              <a:t>.</a:t>
-            </a:r>
-          </a:p>
-        </p:txBody>
-      </p:sp>
-      <p:sp>
-        <p:nvSpPr>
-          <p:cNvPr id="3" name="Slide Number Placeholder 2"/>
-          <p:cNvSpPr>
-            <a:spLocks noGrp="1"/>
-          </p:cNvSpPr>
-          <p:nvPr>
-            <p:ph type="sldNum" sz="quarter" idx="12"/>
-          </p:nvPr>
-        </p:nvSpPr>
-        <p:spPr/>
-        <p:txBody>
-          <a:bodyPr/>
-          <a:lstStyle/>
-          <a:p>
-            <a:fld id="{38324C1E-6E2F-465B-B7AC-362036DEB808}" type="slidenum">
-              <a:rPr lang="en-US" smtClean="0"/>
-              <a:t>5</a:t>
-            </a:fld>
-            <a:endParaRPr lang="en-US"/>
-          </a:p>
-        </p:txBody>
-      </p:sp>
-    </p:spTree>
-    <p:extLst>
-      <p:ext uri="{BB962C8B-B14F-4D97-AF65-F5344CB8AC3E}">
-        <p14:creationId xmlns:p14="http://schemas.microsoft.com/office/powerpoint/2010/main" val="2947361703"/>
-      </p:ext>
-    </p:extLst>
-  </p:cSld>
-  <p:clrMapOvr>
-    <a:masterClrMapping/>
-  </p:clrMapOvr>
-  <p:timing>
-    <p:tnLst>
-      <p:par>
-        <p:cTn id="1" dur="indefinite" restart="never" nodeType="tmRoot"/>
-      </p:par>
-    </p:tnLst>
-  </p:timing>
-</p:sld>
-</file>
-
-<file path=ppt/slides/slide50.xml><?xml version="1.0" encoding="utf-8"?>
-<p:sld xmlns:a="http://schemas.openxmlformats.org/drawingml/2006/main" xmlns:r="http://schemas.openxmlformats.org/officeDocument/2006/relationships" xmlns:p="http://schemas.openxmlformats.org/presentationml/2006/main">
-  <p:cSld>
-    <p:spTree>
-      <p:nvGrpSpPr>
-        <p:cNvPr id="1" name=""/>
-        <p:cNvGrpSpPr/>
-        <p:nvPr/>
-      </p:nvGrpSpPr>
-      <p:grpSpPr>
-        <a:xfrm>
-          <a:off x="0" y="0"/>
-          <a:ext cx="0" cy="0"/>
-          <a:chOff x="0" y="0"/>
-          <a:chExt cx="0" cy="0"/>
-        </a:xfrm>
-      </p:grpSpPr>
-      <p:sp>
-        <p:nvSpPr>
-          <p:cNvPr id="2" name="Title 1"/>
-          <p:cNvSpPr>
-            <a:spLocks noGrp="1"/>
-          </p:cNvSpPr>
-          <p:nvPr>
-            <p:ph type="title"/>
-          </p:nvPr>
-        </p:nvSpPr>
-        <p:spPr/>
-        <p:txBody>
           <a:bodyPr>
             <a:normAutofit fontScale="90000"/>
           </a:bodyPr>
@@ -15338,7 +15938,7 @@
                 </a:solidFill>
               </a:rPr>
               <a:pPr/>
-              <a:t>50</a:t>
+              <a:t>52</a:t>
             </a:fld>
             <a:endParaRPr lang="en-US">
               <a:solidFill>
@@ -15440,7 +16040,7 @@
 </p:sld>
 </file>
 
-<file path=ppt/slides/slide51.xml><?xml version="1.0" encoding="utf-8"?>
+<file path=ppt/slides/slide53.xml><?xml version="1.0" encoding="utf-8"?>
 <p:sld xmlns:a="http://schemas.openxmlformats.org/drawingml/2006/main" xmlns:r="http://schemas.openxmlformats.org/officeDocument/2006/relationships" xmlns:p="http://schemas.openxmlformats.org/presentationml/2006/main">
   <p:cSld>
     <p:spTree>
@@ -15506,7 +16106,7 @@
                 </a:solidFill>
               </a:rPr>
               <a:pPr/>
-              <a:t>51</a:t>
+              <a:t>53</a:t>
             </a:fld>
             <a:endParaRPr lang="en-US">
               <a:solidFill>
@@ -15608,7 +16208,7 @@
 </p:sld>
 </file>
 
-<file path=ppt/slides/slide52.xml><?xml version="1.0" encoding="utf-8"?>
+<file path=ppt/slides/slide54.xml><?xml version="1.0" encoding="utf-8"?>
 <p:sld xmlns:a="http://schemas.openxmlformats.org/drawingml/2006/main" xmlns:r="http://schemas.openxmlformats.org/officeDocument/2006/relationships" xmlns:p="http://schemas.openxmlformats.org/presentationml/2006/main">
   <p:cSld>
     <p:spTree>
@@ -15686,7 +16286,7 @@
                 </a:solidFill>
               </a:rPr>
               <a:pPr/>
-              <a:t>52</a:t>
+              <a:t>54</a:t>
             </a:fld>
             <a:endParaRPr lang="en-US">
               <a:solidFill>
@@ -15788,7 +16388,7 @@
 </p:sld>
 </file>
 
-<file path=ppt/slides/slide53.xml><?xml version="1.0" encoding="utf-8"?>
+<file path=ppt/slides/slide55.xml><?xml version="1.0" encoding="utf-8"?>
 <p:sld xmlns:a="http://schemas.openxmlformats.org/drawingml/2006/main" xmlns:r="http://schemas.openxmlformats.org/officeDocument/2006/relationships" xmlns:p="http://schemas.openxmlformats.org/presentationml/2006/main">
   <p:cSld>
     <p:spTree>
@@ -15852,7 +16452,7 @@
                 </a:solidFill>
               </a:rPr>
               <a:pPr/>
-              <a:t>53</a:t>
+              <a:t>55</a:t>
             </a:fld>
             <a:endParaRPr lang="en-US">
               <a:solidFill>
@@ -15954,7 +16554,7 @@
 </p:sld>
 </file>
 
-<file path=ppt/slides/slide54.xml><?xml version="1.0" encoding="utf-8"?>
+<file path=ppt/slides/slide56.xml><?xml version="1.0" encoding="utf-8"?>
 <p:sld xmlns:a="http://schemas.openxmlformats.org/drawingml/2006/main" xmlns:r="http://schemas.openxmlformats.org/officeDocument/2006/relationships" xmlns:p="http://schemas.openxmlformats.org/presentationml/2006/main">
   <p:cSld>
     <p:spTree>
@@ -16041,7 +16641,7 @@
                 </a:solidFill>
               </a:rPr>
               <a:pPr/>
-              <a:t>54</a:t>
+              <a:t>56</a:t>
             </a:fld>
             <a:endParaRPr lang="en-US">
               <a:solidFill>
@@ -16139,7 +16739,7 @@
 </p:sld>
 </file>
 
-<file path=ppt/slides/slide55.xml><?xml version="1.0" encoding="utf-8"?>
+<file path=ppt/slides/slide57.xml><?xml version="1.0" encoding="utf-8"?>
 <p:sld xmlns:a="http://schemas.openxmlformats.org/drawingml/2006/main" xmlns:r="http://schemas.openxmlformats.org/officeDocument/2006/relationships" xmlns:p="http://schemas.openxmlformats.org/presentationml/2006/main">
   <p:cSld>
     <p:spTree>
@@ -16215,7 +16815,7 @@
           <a:p>
             <a:fld id="{38324C1E-6E2F-465B-B7AC-362036DEB808}" type="slidenum">
               <a:rPr lang="en-US" smtClean="0"/>
-              <a:t>55</a:t>
+              <a:t>57</a:t>
             </a:fld>
             <a:endParaRPr lang="en-US"/>
           </a:p>
@@ -16295,734 +16895,6 @@
 </p:sld>
 </file>
 
-<file path=ppt/slides/slide56.xml><?xml version="1.0" encoding="utf-8"?>
-<p:sld xmlns:a="http://schemas.openxmlformats.org/drawingml/2006/main" xmlns:r="http://schemas.openxmlformats.org/officeDocument/2006/relationships" xmlns:p="http://schemas.openxmlformats.org/presentationml/2006/main">
-  <p:cSld>
-    <p:spTree>
-      <p:nvGrpSpPr>
-        <p:cNvPr id="1" name=""/>
-        <p:cNvGrpSpPr/>
-        <p:nvPr/>
-      </p:nvGrpSpPr>
-      <p:grpSpPr>
-        <a:xfrm>
-          <a:off x="0" y="0"/>
-          <a:ext cx="0" cy="0"/>
-          <a:chOff x="0" y="0"/>
-          <a:chExt cx="0" cy="0"/>
-        </a:xfrm>
-      </p:grpSpPr>
-      <p:sp>
-        <p:nvSpPr>
-          <p:cNvPr id="2" name="Title 1"/>
-          <p:cNvSpPr>
-            <a:spLocks noGrp="1"/>
-          </p:cNvSpPr>
-          <p:nvPr>
-            <p:ph type="title"/>
-          </p:nvPr>
-        </p:nvSpPr>
-        <p:spPr/>
-        <p:txBody>
-          <a:bodyPr/>
-          <a:lstStyle/>
-          <a:p>
-            <a:endParaRPr lang="en-US"/>
-          </a:p>
-        </p:txBody>
-      </p:sp>
-      <p:sp>
-        <p:nvSpPr>
-          <p:cNvPr id="4" name="Slide Number Placeholder 3"/>
-          <p:cNvSpPr>
-            <a:spLocks noGrp="1"/>
-          </p:cNvSpPr>
-          <p:nvPr>
-            <p:ph type="sldNum" sz="quarter" idx="12"/>
-          </p:nvPr>
-        </p:nvSpPr>
-        <p:spPr/>
-        <p:txBody>
-          <a:bodyPr/>
-          <a:lstStyle/>
-          <a:p>
-            <a:fld id="{38324C1E-6E2F-465B-B7AC-362036DEB808}" type="slidenum">
-              <a:rPr lang="en-US" smtClean="0"/>
-              <a:t>56</a:t>
-            </a:fld>
-            <a:endParaRPr lang="en-US"/>
-          </a:p>
-        </p:txBody>
-      </p:sp>
-      <p:sp>
-        <p:nvSpPr>
-          <p:cNvPr id="5" name="Content Placeholder 4"/>
-          <p:cNvSpPr>
-            <a:spLocks noGrp="1"/>
-          </p:cNvSpPr>
-          <p:nvPr>
-            <p:ph idx="1"/>
-          </p:nvPr>
-        </p:nvSpPr>
-        <p:spPr/>
-        <p:txBody>
-          <a:bodyPr/>
-          <a:lstStyle/>
-          <a:p>
-            <a:endParaRPr lang="en-US"/>
-          </a:p>
-        </p:txBody>
-      </p:sp>
-      <p:pic>
-        <p:nvPicPr>
-          <p:cNvPr id="10243" name="Picture 3"/>
-          <p:cNvPicPr>
-            <a:picLocks noChangeAspect="1" noChangeArrowheads="1"/>
-          </p:cNvPicPr>
-          <p:nvPr/>
-        </p:nvPicPr>
-        <p:blipFill>
-          <a:blip r:embed="rId2">
-            <a:extLst>
-              <a:ext uri="{28A0092B-C50C-407E-A947-70E740481C1C}">
-                <a14:useLocalDpi xmlns:a14="http://schemas.microsoft.com/office/drawing/2010/main" val="0"/>
-              </a:ext>
-            </a:extLst>
-          </a:blip>
-          <a:srcRect/>
-          <a:stretch>
-            <a:fillRect/>
-          </a:stretch>
-        </p:blipFill>
-        <p:spPr bwMode="auto">
-          <a:xfrm>
-            <a:off x="446359" y="533400"/>
-            <a:ext cx="7930995" cy="5638800"/>
-          </a:xfrm>
-          <a:prstGeom prst="rect">
-            <a:avLst/>
-          </a:prstGeom>
-          <a:noFill/>
-          <a:ln>
-            <a:noFill/>
-          </a:ln>
-          <a:extLst>
-            <a:ext uri="{909E8E84-426E-40DD-AFC4-6F175D3DCCD1}">
-              <a14:hiddenFill xmlns:a14="http://schemas.microsoft.com/office/drawing/2010/main">
-                <a:solidFill>
-                  <a:schemeClr val="accent1"/>
-                </a:solidFill>
-              </a14:hiddenFill>
-            </a:ext>
-            <a:ext uri="{91240B29-F687-4F45-9708-019B960494DF}">
-              <a14:hiddenLine xmlns:a14="http://schemas.microsoft.com/office/drawing/2010/main" w="9525">
-                <a:solidFill>
-                  <a:schemeClr val="tx1"/>
-                </a:solidFill>
-                <a:miter lim="800000"/>
-                <a:headEnd/>
-                <a:tailEnd/>
-              </a14:hiddenLine>
-            </a:ext>
-          </a:extLst>
-        </p:spPr>
-      </p:pic>
-    </p:spTree>
-    <p:extLst>
-      <p:ext uri="{BB962C8B-B14F-4D97-AF65-F5344CB8AC3E}">
-        <p14:creationId xmlns:p14="http://schemas.microsoft.com/office/powerpoint/2010/main" val="663171300"/>
-      </p:ext>
-    </p:extLst>
-  </p:cSld>
-  <p:clrMapOvr>
-    <a:masterClrMapping/>
-  </p:clrMapOvr>
-  <p:timing>
-    <p:tnLst>
-      <p:par>
-        <p:cTn id="1" dur="indefinite" restart="never" nodeType="tmRoot"/>
-      </p:par>
-    </p:tnLst>
-  </p:timing>
-</p:sld>
-</file>
-
-<file path=ppt/slides/slide57.xml><?xml version="1.0" encoding="utf-8"?>
-<p:sld xmlns:a="http://schemas.openxmlformats.org/drawingml/2006/main" xmlns:r="http://schemas.openxmlformats.org/officeDocument/2006/relationships" xmlns:p="http://schemas.openxmlformats.org/presentationml/2006/main">
-  <p:cSld>
-    <p:spTree>
-      <p:nvGrpSpPr>
-        <p:cNvPr id="1" name=""/>
-        <p:cNvGrpSpPr/>
-        <p:nvPr/>
-      </p:nvGrpSpPr>
-      <p:grpSpPr>
-        <a:xfrm>
-          <a:off x="0" y="0"/>
-          <a:ext cx="0" cy="0"/>
-          <a:chOff x="0" y="0"/>
-          <a:chExt cx="0" cy="0"/>
-        </a:xfrm>
-      </p:grpSpPr>
-      <p:sp>
-        <p:nvSpPr>
-          <p:cNvPr id="2" name="Title 1"/>
-          <p:cNvSpPr>
-            <a:spLocks noGrp="1"/>
-          </p:cNvSpPr>
-          <p:nvPr>
-            <p:ph type="title"/>
-          </p:nvPr>
-        </p:nvSpPr>
-        <p:spPr/>
-        <p:txBody>
-          <a:bodyPr/>
-          <a:lstStyle/>
-          <a:p>
-            <a:endParaRPr lang="en-US"/>
-          </a:p>
-        </p:txBody>
-      </p:sp>
-      <p:sp>
-        <p:nvSpPr>
-          <p:cNvPr id="3" name="Content Placeholder 2"/>
-          <p:cNvSpPr>
-            <a:spLocks noGrp="1"/>
-          </p:cNvSpPr>
-          <p:nvPr>
-            <p:ph idx="1"/>
-          </p:nvPr>
-        </p:nvSpPr>
-        <p:spPr/>
-        <p:txBody>
-          <a:bodyPr>
-            <a:normAutofit fontScale="70000" lnSpcReduction="20000"/>
-          </a:bodyPr>
-          <a:lstStyle/>
-          <a:p>
-            <a:r>
-              <a:rPr lang="en-US" i="1" dirty="0" err="1"/>
-              <a:t>i</a:t>
-            </a:r>
-            <a:r>
-              <a:rPr lang="en-US" i="1" dirty="0"/>
-              <a:t> = FIND-FIRST-TWO </a:t>
-            </a:r>
-            <a:endParaRPr lang="en-US" dirty="0"/>
-          </a:p>
-          <a:p>
-            <a:r>
-              <a:rPr lang="en-US" b="1" i="1" dirty="0"/>
-              <a:t>if</a:t>
-            </a:r>
-            <a:r>
-              <a:rPr lang="en-US" i="1" dirty="0"/>
-              <a:t> </a:t>
-            </a:r>
-            <a:r>
-              <a:rPr lang="en-US" i="1" dirty="0" err="1"/>
-              <a:t>i</a:t>
-            </a:r>
-            <a:r>
-              <a:rPr lang="en-US" i="1" dirty="0"/>
-              <a:t> &lt; n and T[</a:t>
-            </a:r>
-            <a:r>
-              <a:rPr lang="en-US" i="1" dirty="0" err="1"/>
-              <a:t>i</a:t>
-            </a:r>
-            <a:r>
-              <a:rPr lang="en-US" i="1" dirty="0"/>
-              <a:t>] &gt; T[1] </a:t>
-            </a:r>
-            <a:r>
-              <a:rPr lang="en-US" b="1" i="1" dirty="0"/>
-              <a:t>then</a:t>
-            </a:r>
-            <a:r>
-              <a:rPr lang="en-US" i="1" dirty="0"/>
-              <a:t> </a:t>
-            </a:r>
-            <a:r>
-              <a:rPr lang="en-US" i="1" dirty="0" err="1"/>
-              <a:t>i</a:t>
-            </a:r>
-            <a:r>
-              <a:rPr lang="en-US" i="1" dirty="0"/>
-              <a:t> = FIND-MIN(</a:t>
-            </a:r>
-            <a:r>
-              <a:rPr lang="en-US" i="1" dirty="0" err="1"/>
-              <a:t>i</a:t>
-            </a:r>
-            <a:r>
-              <a:rPr lang="en-US" i="1" dirty="0"/>
-              <a:t>) </a:t>
-            </a:r>
-            <a:endParaRPr lang="en-US" dirty="0"/>
-          </a:p>
-          <a:p>
-            <a:r>
-              <a:rPr lang="en-US" b="1" i="1" dirty="0"/>
-              <a:t>while</a:t>
-            </a:r>
-            <a:r>
-              <a:rPr lang="en-US" i="1" dirty="0"/>
-              <a:t> </a:t>
-            </a:r>
-            <a:r>
-              <a:rPr lang="en-US" i="1" dirty="0" err="1"/>
-              <a:t>i</a:t>
-            </a:r>
-            <a:r>
-              <a:rPr lang="en-US" i="1" dirty="0"/>
-              <a:t> &lt; n </a:t>
-            </a:r>
-            <a:r>
-              <a:rPr lang="en-US" b="1" i="1" dirty="0"/>
-              <a:t>do</a:t>
-            </a:r>
-            <a:r>
-              <a:rPr lang="en-US" i="1" dirty="0"/>
-              <a:t>   </a:t>
-            </a:r>
-            <a:r>
-              <a:rPr lang="en-US" i="1" dirty="0" err="1"/>
-              <a:t>i</a:t>
-            </a:r>
-            <a:r>
-              <a:rPr lang="en-US" i="1" dirty="0"/>
-              <a:t> = FIND-MAX(</a:t>
-            </a:r>
-            <a:r>
-              <a:rPr lang="en-US" i="1" dirty="0" err="1"/>
-              <a:t>i</a:t>
-            </a:r>
-            <a:r>
-              <a:rPr lang="en-US" i="1" dirty="0"/>
-              <a:t>);  </a:t>
-            </a:r>
-            <a:r>
-              <a:rPr lang="en-US" i="1" dirty="0" err="1"/>
-              <a:t>i</a:t>
-            </a:r>
-            <a:r>
-              <a:rPr lang="en-US" i="1" dirty="0"/>
-              <a:t> = FIND-MIN(</a:t>
-            </a:r>
-            <a:r>
-              <a:rPr lang="en-US" i="1" dirty="0" err="1"/>
-              <a:t>i</a:t>
-            </a:r>
-            <a:r>
-              <a:rPr lang="en-US" i="1" dirty="0"/>
-              <a:t>) </a:t>
-            </a:r>
-            <a:endParaRPr lang="en-US" dirty="0"/>
-          </a:p>
-          <a:p>
-            <a:r>
-              <a:rPr lang="en-US" i="1" dirty="0"/>
-              <a:t>---------------------------------------------------------------------------------</a:t>
-            </a:r>
-            <a:endParaRPr lang="en-US" dirty="0"/>
-          </a:p>
-          <a:p>
-            <a:r>
-              <a:rPr lang="en-US" i="1" dirty="0"/>
-              <a:t>FIND-FIRST-TWO </a:t>
-            </a:r>
-            <a:endParaRPr lang="en-US" dirty="0"/>
-          </a:p>
-          <a:p>
-            <a:r>
-              <a:rPr lang="en-US" i="1" dirty="0" err="1"/>
-              <a:t>iMin</a:t>
-            </a:r>
-            <a:r>
-              <a:rPr lang="en-US" i="1" dirty="0"/>
-              <a:t> = 1; </a:t>
-            </a:r>
-            <a:r>
-              <a:rPr lang="en-US" i="1" dirty="0" err="1"/>
-              <a:t>iMax</a:t>
-            </a:r>
-            <a:r>
-              <a:rPr lang="en-US" i="1" dirty="0"/>
-              <a:t> = 1; </a:t>
-            </a:r>
-            <a:r>
-              <a:rPr lang="en-US" i="1" dirty="0" err="1"/>
-              <a:t>i</a:t>
-            </a:r>
-            <a:r>
-              <a:rPr lang="en-US" i="1" dirty="0"/>
-              <a:t> = 2 </a:t>
-            </a:r>
-            <a:endParaRPr lang="en-US" dirty="0"/>
-          </a:p>
-          <a:p>
-            <a:r>
-              <a:rPr lang="en-US" b="1" i="1" dirty="0"/>
-              <a:t>while</a:t>
-            </a:r>
-            <a:r>
-              <a:rPr lang="en-US" i="1" dirty="0"/>
-              <a:t> </a:t>
-            </a:r>
-            <a:r>
-              <a:rPr lang="en-US" i="1" dirty="0" err="1"/>
-              <a:t>i</a:t>
-            </a:r>
-            <a:r>
-              <a:rPr lang="en-US" i="1" dirty="0"/>
-              <a:t> &lt; n </a:t>
-            </a:r>
-            <a:r>
-              <a:rPr lang="en-US" b="1" i="1" dirty="0"/>
-              <a:t>and</a:t>
-            </a:r>
-            <a:r>
-              <a:rPr lang="en-US" i="1" dirty="0"/>
-              <a:t> T[</a:t>
-            </a:r>
-            <a:r>
-              <a:rPr lang="en-US" i="1" dirty="0" err="1"/>
-              <a:t>i</a:t>
-            </a:r>
-            <a:r>
-              <a:rPr lang="en-US" i="1" dirty="0"/>
-              <a:t>] / T[</a:t>
-            </a:r>
-            <a:r>
-              <a:rPr lang="en-US" i="1" dirty="0" err="1"/>
-              <a:t>iMin</a:t>
-            </a:r>
-            <a:r>
-              <a:rPr lang="en-US" i="1" dirty="0"/>
-              <a:t>] &lt; R </a:t>
-            </a:r>
-            <a:r>
-              <a:rPr lang="en-US" b="1" i="1" dirty="0"/>
-              <a:t>and</a:t>
-            </a:r>
-            <a:r>
-              <a:rPr lang="en-US" i="1" dirty="0"/>
-              <a:t> T[</a:t>
-            </a:r>
-            <a:r>
-              <a:rPr lang="en-US" i="1" dirty="0" err="1"/>
-              <a:t>iMax</a:t>
-            </a:r>
-            <a:r>
-              <a:rPr lang="en-US" i="1" dirty="0"/>
-              <a:t>] / T[</a:t>
-            </a:r>
-            <a:r>
-              <a:rPr lang="en-US" i="1" dirty="0" err="1"/>
-              <a:t>i</a:t>
-            </a:r>
-            <a:r>
-              <a:rPr lang="en-US" i="1" dirty="0"/>
-              <a:t>] &lt; R </a:t>
-            </a:r>
-            <a:r>
-              <a:rPr lang="en-US" b="1" i="1" dirty="0"/>
-              <a:t>do</a:t>
-            </a:r>
-            <a:r>
-              <a:rPr lang="en-US" i="1" dirty="0"/>
-              <a:t> </a:t>
-            </a:r>
-            <a:endParaRPr lang="en-US" dirty="0"/>
-          </a:p>
-          <a:p>
-            <a:r>
-              <a:rPr lang="en-US" i="1" dirty="0"/>
-              <a:t>  </a:t>
-            </a:r>
-            <a:r>
-              <a:rPr lang="en-US" b="1" i="1" dirty="0"/>
-              <a:t>if</a:t>
-            </a:r>
-            <a:r>
-              <a:rPr lang="en-US" i="1" dirty="0"/>
-              <a:t> T[</a:t>
-            </a:r>
-            <a:r>
-              <a:rPr lang="en-US" i="1" dirty="0" err="1"/>
-              <a:t>i</a:t>
-            </a:r>
-            <a:r>
-              <a:rPr lang="en-US" i="1" dirty="0"/>
-              <a:t>] &lt; T[</a:t>
-            </a:r>
-            <a:r>
-              <a:rPr lang="en-US" i="1" dirty="0" err="1"/>
-              <a:t>iMin</a:t>
-            </a:r>
-            <a:r>
-              <a:rPr lang="en-US" i="1" dirty="0"/>
-              <a:t>] </a:t>
-            </a:r>
-            <a:r>
-              <a:rPr lang="en-US" b="1" i="1" dirty="0"/>
-              <a:t>then</a:t>
-            </a:r>
-            <a:r>
-              <a:rPr lang="en-US" i="1" dirty="0"/>
-              <a:t> </a:t>
-            </a:r>
-            <a:r>
-              <a:rPr lang="en-US" i="1" dirty="0" err="1"/>
-              <a:t>iMin</a:t>
-            </a:r>
-            <a:r>
-              <a:rPr lang="en-US" i="1" dirty="0"/>
-              <a:t> = </a:t>
-            </a:r>
-            <a:r>
-              <a:rPr lang="en-US" i="1" dirty="0" err="1"/>
-              <a:t>i</a:t>
-            </a:r>
-            <a:r>
-              <a:rPr lang="en-US" i="1" dirty="0"/>
-              <a:t> </a:t>
-            </a:r>
-            <a:endParaRPr lang="en-US" dirty="0"/>
-          </a:p>
-          <a:p>
-            <a:r>
-              <a:rPr lang="en-US" i="1" dirty="0"/>
-              <a:t>  </a:t>
-            </a:r>
-            <a:r>
-              <a:rPr lang="en-US" b="1" i="1" dirty="0"/>
-              <a:t>if</a:t>
-            </a:r>
-            <a:r>
-              <a:rPr lang="en-US" i="1" dirty="0"/>
-              <a:t> T[</a:t>
-            </a:r>
-            <a:r>
-              <a:rPr lang="en-US" i="1" dirty="0" err="1"/>
-              <a:t>i</a:t>
-            </a:r>
-            <a:r>
-              <a:rPr lang="en-US" i="1" dirty="0"/>
-              <a:t>] &gt; T[</a:t>
-            </a:r>
-            <a:r>
-              <a:rPr lang="en-US" i="1" dirty="0" err="1"/>
-              <a:t>iMax</a:t>
-            </a:r>
-            <a:r>
-              <a:rPr lang="en-US" i="1" dirty="0"/>
-              <a:t>] </a:t>
-            </a:r>
-            <a:r>
-              <a:rPr lang="en-US" b="1" i="1" dirty="0"/>
-              <a:t>then</a:t>
-            </a:r>
-            <a:r>
-              <a:rPr lang="en-US" i="1" dirty="0"/>
-              <a:t> </a:t>
-            </a:r>
-            <a:r>
-              <a:rPr lang="en-US" i="1" dirty="0" err="1"/>
-              <a:t>iMax</a:t>
-            </a:r>
-            <a:r>
-              <a:rPr lang="en-US" i="1" dirty="0"/>
-              <a:t> = </a:t>
-            </a:r>
-            <a:r>
-              <a:rPr lang="en-US" i="1" dirty="0" err="1"/>
-              <a:t>i</a:t>
-            </a:r>
-            <a:r>
-              <a:rPr lang="en-US" i="1" dirty="0"/>
-              <a:t> </a:t>
-            </a:r>
-            <a:endParaRPr lang="en-US" dirty="0"/>
-          </a:p>
-          <a:p>
-            <a:r>
-              <a:rPr lang="en-US" b="1" i="1" dirty="0"/>
-              <a:t>if</a:t>
-            </a:r>
-            <a:r>
-              <a:rPr lang="en-US" i="1" dirty="0"/>
-              <a:t> </a:t>
-            </a:r>
-            <a:r>
-              <a:rPr lang="en-US" i="1" dirty="0" err="1"/>
-              <a:t>iMin</a:t>
-            </a:r>
-            <a:r>
-              <a:rPr lang="en-US" i="1" dirty="0"/>
-              <a:t> &lt; </a:t>
-            </a:r>
-            <a:r>
-              <a:rPr lang="en-US" i="1" dirty="0" err="1"/>
-              <a:t>iMax</a:t>
-            </a:r>
-            <a:r>
-              <a:rPr lang="en-US" i="1" dirty="0"/>
-              <a:t> </a:t>
-            </a:r>
-            <a:r>
-              <a:rPr lang="en-US" b="1" i="1" dirty="0"/>
-              <a:t>then</a:t>
-            </a:r>
-            <a:r>
-              <a:rPr lang="en-US" i="1" dirty="0"/>
-              <a:t>  output(T[</a:t>
-            </a:r>
-            <a:r>
-              <a:rPr lang="en-US" i="1" dirty="0" err="1"/>
-              <a:t>iMin</a:t>
-            </a:r>
-            <a:r>
-              <a:rPr lang="en-US" i="1" dirty="0"/>
-              <a:t>], </a:t>
-            </a:r>
-            <a:r>
-              <a:rPr lang="en-US" i="1" dirty="0" err="1"/>
-              <a:t>iMin</a:t>
-            </a:r>
-            <a:r>
-              <a:rPr lang="en-US" i="1" dirty="0"/>
-              <a:t>); output(T[</a:t>
-            </a:r>
-            <a:r>
-              <a:rPr lang="en-US" i="1" dirty="0" err="1"/>
-              <a:t>iMax</a:t>
-            </a:r>
-            <a:r>
-              <a:rPr lang="en-US" i="1" dirty="0"/>
-              <a:t>], </a:t>
-            </a:r>
-            <a:r>
-              <a:rPr lang="en-US" i="1" dirty="0" err="1"/>
-              <a:t>iMax</a:t>
-            </a:r>
-            <a:r>
-              <a:rPr lang="en-US" i="1" dirty="0"/>
-              <a:t>) </a:t>
-            </a:r>
-            <a:endParaRPr lang="en-US" dirty="0"/>
-          </a:p>
-          <a:p>
-            <a:r>
-              <a:rPr lang="en-US" b="1" i="1" dirty="0"/>
-              <a:t>else </a:t>
-            </a:r>
-            <a:r>
-              <a:rPr lang="en-US" i="1" dirty="0"/>
-              <a:t> output(T[</a:t>
-            </a:r>
-            <a:r>
-              <a:rPr lang="en-US" i="1" dirty="0" err="1"/>
-              <a:t>iMax</a:t>
-            </a:r>
-            <a:r>
-              <a:rPr lang="en-US" i="1" dirty="0"/>
-              <a:t>], </a:t>
-            </a:r>
-            <a:r>
-              <a:rPr lang="en-US" i="1" dirty="0" err="1"/>
-              <a:t>iMax</a:t>
-            </a:r>
-            <a:r>
-              <a:rPr lang="en-US" i="1" dirty="0"/>
-              <a:t>); output(T[</a:t>
-            </a:r>
-            <a:r>
-              <a:rPr lang="en-US" i="1" dirty="0" err="1"/>
-              <a:t>iMin</a:t>
-            </a:r>
-            <a:r>
-              <a:rPr lang="en-US" i="1" dirty="0"/>
-              <a:t>], </a:t>
-            </a:r>
-            <a:r>
-              <a:rPr lang="en-US" i="1" dirty="0" err="1"/>
-              <a:t>iMin</a:t>
-            </a:r>
-            <a:r>
-              <a:rPr lang="en-US" i="1" dirty="0"/>
-              <a:t>) </a:t>
-            </a:r>
-            <a:endParaRPr lang="en-US" dirty="0"/>
-          </a:p>
-          <a:p>
-            <a:r>
-              <a:rPr lang="en-US" b="1" i="1" dirty="0"/>
-              <a:t>return</a:t>
-            </a:r>
-            <a:r>
-              <a:rPr lang="en-US" i="1" dirty="0"/>
-              <a:t> </a:t>
-            </a:r>
-            <a:r>
-              <a:rPr lang="en-US" i="1" dirty="0" err="1"/>
-              <a:t>i</a:t>
-            </a:r>
-            <a:r>
-              <a:rPr lang="en-US" i="1" dirty="0"/>
-              <a:t> </a:t>
-            </a:r>
-            <a:endParaRPr lang="en-US" dirty="0"/>
-          </a:p>
-          <a:p>
-            <a:endParaRPr lang="en-US" dirty="0"/>
-          </a:p>
-        </p:txBody>
-      </p:sp>
-      <p:sp>
-        <p:nvSpPr>
-          <p:cNvPr id="4" name="Slide Number Placeholder 3"/>
-          <p:cNvSpPr>
-            <a:spLocks noGrp="1"/>
-          </p:cNvSpPr>
-          <p:nvPr>
-            <p:ph type="sldNum" sz="quarter" idx="12"/>
-          </p:nvPr>
-        </p:nvSpPr>
-        <p:spPr/>
-        <p:txBody>
-          <a:bodyPr/>
-          <a:lstStyle/>
-          <a:p>
-            <a:fld id="{38324C1E-6E2F-465B-B7AC-362036DEB808}" type="slidenum">
-              <a:rPr lang="en-US" smtClean="0"/>
-              <a:t>57</a:t>
-            </a:fld>
-            <a:endParaRPr lang="en-US"/>
-          </a:p>
-        </p:txBody>
-      </p:sp>
-    </p:spTree>
-    <p:extLst>
-      <p:ext uri="{BB962C8B-B14F-4D97-AF65-F5344CB8AC3E}">
-        <p14:creationId xmlns:p14="http://schemas.microsoft.com/office/powerpoint/2010/main" val="1561471715"/>
-      </p:ext>
-    </p:extLst>
-  </p:cSld>
-  <p:clrMapOvr>
-    <a:masterClrMapping/>
-  </p:clrMapOvr>
-  <p:timing>
-    <p:tnLst>
-      <p:par>
-        <p:cTn id="1" dur="indefinite" restart="never" nodeType="tmRoot"/>
-      </p:par>
-    </p:tnLst>
-  </p:timing>
-</p:sld>
-</file>
-
 <file path=ppt/slides/slide58.xml><?xml version="1.0" encoding="utf-8"?>
 <p:sld xmlns:a="http://schemas.openxmlformats.org/drawingml/2006/main" xmlns:r="http://schemas.openxmlformats.org/officeDocument/2006/relationships" xmlns:p="http://schemas.openxmlformats.org/presentationml/2006/main">
   <p:cSld>
@@ -17055,7 +16927,11 @@
           <a:bodyPr/>
           <a:lstStyle/>
           <a:p>
-            <a:endParaRPr lang="en-US"/>
+            <a:r>
+              <a:rPr lang="en-US" dirty="0" smtClean="0"/>
+              <a:t>IEP</a:t>
+            </a:r>
+            <a:endParaRPr lang="en-US" dirty="0"/>
           </a:p>
         </p:txBody>
       </p:sp>
@@ -17071,8 +16947,486 @@
         </p:nvSpPr>
         <p:spPr/>
         <p:txBody>
-          <a:bodyPr/>
-          <a:lstStyle/>
+          <a:bodyPr>
+            <a:normAutofit fontScale="70000" lnSpcReduction="20000"/>
+          </a:bodyPr>
+          <a:lstStyle/>
+          <a:p>
+            <a:r>
+              <a:rPr lang="en-US" i="1" dirty="0" err="1"/>
+              <a:t>i</a:t>
+            </a:r>
+            <a:r>
+              <a:rPr lang="en-US" i="1" dirty="0"/>
+              <a:t> = FIND-FIRST-TWO </a:t>
+            </a:r>
+            <a:endParaRPr lang="en-US" dirty="0"/>
+          </a:p>
+          <a:p>
+            <a:r>
+              <a:rPr lang="en-US" b="1" i="1" dirty="0"/>
+              <a:t>if</a:t>
+            </a:r>
+            <a:r>
+              <a:rPr lang="en-US" i="1" dirty="0"/>
+              <a:t> </a:t>
+            </a:r>
+            <a:r>
+              <a:rPr lang="en-US" i="1" dirty="0" err="1"/>
+              <a:t>i</a:t>
+            </a:r>
+            <a:r>
+              <a:rPr lang="en-US" i="1" dirty="0"/>
+              <a:t> &lt; n and T[</a:t>
+            </a:r>
+            <a:r>
+              <a:rPr lang="en-US" i="1" dirty="0" err="1"/>
+              <a:t>i</a:t>
+            </a:r>
+            <a:r>
+              <a:rPr lang="en-US" i="1" dirty="0"/>
+              <a:t>] &gt; T[1] </a:t>
+            </a:r>
+            <a:r>
+              <a:rPr lang="en-US" b="1" i="1" dirty="0"/>
+              <a:t>then</a:t>
+            </a:r>
+            <a:r>
+              <a:rPr lang="en-US" i="1" dirty="0"/>
+              <a:t> </a:t>
+            </a:r>
+            <a:r>
+              <a:rPr lang="en-US" i="1" dirty="0" err="1"/>
+              <a:t>i</a:t>
+            </a:r>
+            <a:r>
+              <a:rPr lang="en-US" i="1" dirty="0"/>
+              <a:t> = FIND-MIN(</a:t>
+            </a:r>
+            <a:r>
+              <a:rPr lang="en-US" i="1" dirty="0" err="1"/>
+              <a:t>i</a:t>
+            </a:r>
+            <a:r>
+              <a:rPr lang="en-US" i="1" dirty="0"/>
+              <a:t>) </a:t>
+            </a:r>
+            <a:endParaRPr lang="en-US" dirty="0"/>
+          </a:p>
+          <a:p>
+            <a:r>
+              <a:rPr lang="en-US" b="1" i="1" dirty="0"/>
+              <a:t>while</a:t>
+            </a:r>
+            <a:r>
+              <a:rPr lang="en-US" i="1" dirty="0"/>
+              <a:t> </a:t>
+            </a:r>
+            <a:r>
+              <a:rPr lang="en-US" i="1" dirty="0" err="1"/>
+              <a:t>i</a:t>
+            </a:r>
+            <a:r>
+              <a:rPr lang="en-US" i="1" dirty="0"/>
+              <a:t> &lt; n </a:t>
+            </a:r>
+            <a:r>
+              <a:rPr lang="en-US" b="1" i="1" dirty="0"/>
+              <a:t>do</a:t>
+            </a:r>
+            <a:r>
+              <a:rPr lang="en-US" i="1" dirty="0"/>
+              <a:t>   </a:t>
+            </a:r>
+            <a:r>
+              <a:rPr lang="en-US" i="1" dirty="0" err="1"/>
+              <a:t>i</a:t>
+            </a:r>
+            <a:r>
+              <a:rPr lang="en-US" i="1" dirty="0"/>
+              <a:t> = FIND-MAX(</a:t>
+            </a:r>
+            <a:r>
+              <a:rPr lang="en-US" i="1" dirty="0" err="1"/>
+              <a:t>i</a:t>
+            </a:r>
+            <a:r>
+              <a:rPr lang="en-US" i="1" dirty="0"/>
+              <a:t>);  </a:t>
+            </a:r>
+            <a:r>
+              <a:rPr lang="en-US" i="1" dirty="0" err="1"/>
+              <a:t>i</a:t>
+            </a:r>
+            <a:r>
+              <a:rPr lang="en-US" i="1" dirty="0"/>
+              <a:t> = FIND-MIN(</a:t>
+            </a:r>
+            <a:r>
+              <a:rPr lang="en-US" i="1" dirty="0" err="1"/>
+              <a:t>i</a:t>
+            </a:r>
+            <a:r>
+              <a:rPr lang="en-US" i="1" dirty="0"/>
+              <a:t>) </a:t>
+            </a:r>
+            <a:endParaRPr lang="en-US" dirty="0"/>
+          </a:p>
+          <a:p>
+            <a:r>
+              <a:rPr lang="en-US" i="1" dirty="0"/>
+              <a:t>---------------------------------------------------------------------------------</a:t>
+            </a:r>
+            <a:endParaRPr lang="en-US" dirty="0"/>
+          </a:p>
+          <a:p>
+            <a:r>
+              <a:rPr lang="en-US" i="1" dirty="0"/>
+              <a:t>FIND-FIRST-TWO </a:t>
+            </a:r>
+            <a:endParaRPr lang="en-US" dirty="0"/>
+          </a:p>
+          <a:p>
+            <a:r>
+              <a:rPr lang="en-US" i="1" dirty="0" err="1"/>
+              <a:t>iMin</a:t>
+            </a:r>
+            <a:r>
+              <a:rPr lang="en-US" i="1" dirty="0"/>
+              <a:t> = 1; </a:t>
+            </a:r>
+            <a:r>
+              <a:rPr lang="en-US" i="1" dirty="0" err="1"/>
+              <a:t>iMax</a:t>
+            </a:r>
+            <a:r>
+              <a:rPr lang="en-US" i="1" dirty="0"/>
+              <a:t> = 1; </a:t>
+            </a:r>
+            <a:r>
+              <a:rPr lang="en-US" i="1" dirty="0" err="1"/>
+              <a:t>i</a:t>
+            </a:r>
+            <a:r>
+              <a:rPr lang="en-US" i="1" dirty="0"/>
+              <a:t> = 2 </a:t>
+            </a:r>
+            <a:endParaRPr lang="en-US" dirty="0"/>
+          </a:p>
+          <a:p>
+            <a:r>
+              <a:rPr lang="en-US" b="1" i="1" dirty="0"/>
+              <a:t>while</a:t>
+            </a:r>
+            <a:r>
+              <a:rPr lang="en-US" i="1" dirty="0"/>
+              <a:t> </a:t>
+            </a:r>
+            <a:r>
+              <a:rPr lang="en-US" i="1" dirty="0" err="1"/>
+              <a:t>i</a:t>
+            </a:r>
+            <a:r>
+              <a:rPr lang="en-US" i="1" dirty="0"/>
+              <a:t> &lt; n </a:t>
+            </a:r>
+            <a:r>
+              <a:rPr lang="en-US" b="1" i="1" dirty="0"/>
+              <a:t>and</a:t>
+            </a:r>
+            <a:r>
+              <a:rPr lang="en-US" i="1" dirty="0"/>
+              <a:t> T[</a:t>
+            </a:r>
+            <a:r>
+              <a:rPr lang="en-US" i="1" dirty="0" err="1"/>
+              <a:t>i</a:t>
+            </a:r>
+            <a:r>
+              <a:rPr lang="en-US" i="1" dirty="0"/>
+              <a:t>] / T[</a:t>
+            </a:r>
+            <a:r>
+              <a:rPr lang="en-US" i="1" dirty="0" err="1"/>
+              <a:t>iMin</a:t>
+            </a:r>
+            <a:r>
+              <a:rPr lang="en-US" i="1" dirty="0"/>
+              <a:t>] &lt; R </a:t>
+            </a:r>
+            <a:r>
+              <a:rPr lang="en-US" b="1" i="1" dirty="0"/>
+              <a:t>and</a:t>
+            </a:r>
+            <a:r>
+              <a:rPr lang="en-US" i="1" dirty="0"/>
+              <a:t> T[</a:t>
+            </a:r>
+            <a:r>
+              <a:rPr lang="en-US" i="1" dirty="0" err="1"/>
+              <a:t>iMax</a:t>
+            </a:r>
+            <a:r>
+              <a:rPr lang="en-US" i="1" dirty="0"/>
+              <a:t>] / T[</a:t>
+            </a:r>
+            <a:r>
+              <a:rPr lang="en-US" i="1" dirty="0" err="1"/>
+              <a:t>i</a:t>
+            </a:r>
+            <a:r>
+              <a:rPr lang="en-US" i="1" dirty="0"/>
+              <a:t>] &lt; R </a:t>
+            </a:r>
+            <a:r>
+              <a:rPr lang="en-US" b="1" i="1" dirty="0"/>
+              <a:t>do</a:t>
+            </a:r>
+            <a:r>
+              <a:rPr lang="en-US" i="1" dirty="0"/>
+              <a:t> </a:t>
+            </a:r>
+            <a:endParaRPr lang="en-US" dirty="0"/>
+          </a:p>
+          <a:p>
+            <a:r>
+              <a:rPr lang="en-US" i="1" dirty="0"/>
+              <a:t>  </a:t>
+            </a:r>
+            <a:r>
+              <a:rPr lang="en-US" b="1" i="1" dirty="0"/>
+              <a:t>if</a:t>
+            </a:r>
+            <a:r>
+              <a:rPr lang="en-US" i="1" dirty="0"/>
+              <a:t> T[</a:t>
+            </a:r>
+            <a:r>
+              <a:rPr lang="en-US" i="1" dirty="0" err="1"/>
+              <a:t>i</a:t>
+            </a:r>
+            <a:r>
+              <a:rPr lang="en-US" i="1" dirty="0"/>
+              <a:t>] &lt; T[</a:t>
+            </a:r>
+            <a:r>
+              <a:rPr lang="en-US" i="1" dirty="0" err="1"/>
+              <a:t>iMin</a:t>
+            </a:r>
+            <a:r>
+              <a:rPr lang="en-US" i="1" dirty="0"/>
+              <a:t>] </a:t>
+            </a:r>
+            <a:r>
+              <a:rPr lang="en-US" b="1" i="1" dirty="0"/>
+              <a:t>then</a:t>
+            </a:r>
+            <a:r>
+              <a:rPr lang="en-US" i="1" dirty="0"/>
+              <a:t> </a:t>
+            </a:r>
+            <a:r>
+              <a:rPr lang="en-US" i="1" dirty="0" err="1"/>
+              <a:t>iMin</a:t>
+            </a:r>
+            <a:r>
+              <a:rPr lang="en-US" i="1" dirty="0"/>
+              <a:t> = </a:t>
+            </a:r>
+            <a:r>
+              <a:rPr lang="en-US" i="1" dirty="0" err="1"/>
+              <a:t>i</a:t>
+            </a:r>
+            <a:r>
+              <a:rPr lang="en-US" i="1" dirty="0"/>
+              <a:t> </a:t>
+            </a:r>
+            <a:endParaRPr lang="en-US" dirty="0"/>
+          </a:p>
+          <a:p>
+            <a:r>
+              <a:rPr lang="en-US" i="1" dirty="0"/>
+              <a:t>  </a:t>
+            </a:r>
+            <a:r>
+              <a:rPr lang="en-US" b="1" i="1" dirty="0"/>
+              <a:t>if</a:t>
+            </a:r>
+            <a:r>
+              <a:rPr lang="en-US" i="1" dirty="0"/>
+              <a:t> T[</a:t>
+            </a:r>
+            <a:r>
+              <a:rPr lang="en-US" i="1" dirty="0" err="1"/>
+              <a:t>i</a:t>
+            </a:r>
+            <a:r>
+              <a:rPr lang="en-US" i="1" dirty="0"/>
+              <a:t>] &gt; T[</a:t>
+            </a:r>
+            <a:r>
+              <a:rPr lang="en-US" i="1" dirty="0" err="1"/>
+              <a:t>iMax</a:t>
+            </a:r>
+            <a:r>
+              <a:rPr lang="en-US" i="1" dirty="0"/>
+              <a:t>] </a:t>
+            </a:r>
+            <a:r>
+              <a:rPr lang="en-US" b="1" i="1" dirty="0"/>
+              <a:t>then</a:t>
+            </a:r>
+            <a:r>
+              <a:rPr lang="en-US" i="1" dirty="0"/>
+              <a:t> </a:t>
+            </a:r>
+            <a:r>
+              <a:rPr lang="en-US" i="1" dirty="0" err="1"/>
+              <a:t>iMax</a:t>
+            </a:r>
+            <a:r>
+              <a:rPr lang="en-US" i="1" dirty="0"/>
+              <a:t> = </a:t>
+            </a:r>
+            <a:r>
+              <a:rPr lang="en-US" i="1" dirty="0" err="1"/>
+              <a:t>i</a:t>
+            </a:r>
+            <a:r>
+              <a:rPr lang="en-US" i="1" dirty="0"/>
+              <a:t> </a:t>
+            </a:r>
+            <a:endParaRPr lang="en-US" dirty="0"/>
+          </a:p>
+          <a:p>
+            <a:r>
+              <a:rPr lang="en-US" b="1" i="1" dirty="0"/>
+              <a:t>if</a:t>
+            </a:r>
+            <a:r>
+              <a:rPr lang="en-US" i="1" dirty="0"/>
+              <a:t> </a:t>
+            </a:r>
+            <a:r>
+              <a:rPr lang="en-US" i="1" dirty="0" err="1"/>
+              <a:t>iMin</a:t>
+            </a:r>
+            <a:r>
+              <a:rPr lang="en-US" i="1" dirty="0"/>
+              <a:t> &lt; </a:t>
+            </a:r>
+            <a:r>
+              <a:rPr lang="en-US" i="1" dirty="0" err="1"/>
+              <a:t>iMax</a:t>
+            </a:r>
+            <a:r>
+              <a:rPr lang="en-US" i="1" dirty="0"/>
+              <a:t> </a:t>
+            </a:r>
+            <a:r>
+              <a:rPr lang="en-US" b="1" i="1" dirty="0"/>
+              <a:t>then</a:t>
+            </a:r>
+            <a:r>
+              <a:rPr lang="en-US" i="1" dirty="0"/>
+              <a:t>  output(T[</a:t>
+            </a:r>
+            <a:r>
+              <a:rPr lang="en-US" i="1" dirty="0" err="1"/>
+              <a:t>iMin</a:t>
+            </a:r>
+            <a:r>
+              <a:rPr lang="en-US" i="1" dirty="0"/>
+              <a:t>], </a:t>
+            </a:r>
+            <a:r>
+              <a:rPr lang="en-US" i="1" dirty="0" err="1"/>
+              <a:t>iMin</a:t>
+            </a:r>
+            <a:r>
+              <a:rPr lang="en-US" i="1" dirty="0"/>
+              <a:t>); output(T[</a:t>
+            </a:r>
+            <a:r>
+              <a:rPr lang="en-US" i="1" dirty="0" err="1"/>
+              <a:t>iMax</a:t>
+            </a:r>
+            <a:r>
+              <a:rPr lang="en-US" i="1" dirty="0"/>
+              <a:t>], </a:t>
+            </a:r>
+            <a:r>
+              <a:rPr lang="en-US" i="1" dirty="0" err="1"/>
+              <a:t>iMax</a:t>
+            </a:r>
+            <a:r>
+              <a:rPr lang="en-US" i="1" dirty="0"/>
+              <a:t>) </a:t>
+            </a:r>
+            <a:endParaRPr lang="en-US" dirty="0"/>
+          </a:p>
+          <a:p>
+            <a:r>
+              <a:rPr lang="en-US" b="1" i="1" dirty="0"/>
+              <a:t>else </a:t>
+            </a:r>
+            <a:r>
+              <a:rPr lang="en-US" i="1" dirty="0"/>
+              <a:t> output(T[</a:t>
+            </a:r>
+            <a:r>
+              <a:rPr lang="en-US" i="1" dirty="0" err="1"/>
+              <a:t>iMax</a:t>
+            </a:r>
+            <a:r>
+              <a:rPr lang="en-US" i="1" dirty="0"/>
+              <a:t>], </a:t>
+            </a:r>
+            <a:r>
+              <a:rPr lang="en-US" i="1" dirty="0" err="1"/>
+              <a:t>iMax</a:t>
+            </a:r>
+            <a:r>
+              <a:rPr lang="en-US" i="1" dirty="0"/>
+              <a:t>); output(T[</a:t>
+            </a:r>
+            <a:r>
+              <a:rPr lang="en-US" i="1" dirty="0" err="1"/>
+              <a:t>iMin</a:t>
+            </a:r>
+            <a:r>
+              <a:rPr lang="en-US" i="1" dirty="0"/>
+              <a:t>], </a:t>
+            </a:r>
+            <a:r>
+              <a:rPr lang="en-US" i="1" dirty="0" err="1"/>
+              <a:t>iMin</a:t>
+            </a:r>
+            <a:r>
+              <a:rPr lang="en-US" i="1" dirty="0"/>
+              <a:t>) </a:t>
+            </a:r>
+            <a:endParaRPr lang="en-US" dirty="0"/>
+          </a:p>
+          <a:p>
+            <a:r>
+              <a:rPr lang="en-US" b="1" i="1" dirty="0"/>
+              <a:t>return</a:t>
+            </a:r>
+            <a:r>
+              <a:rPr lang="en-US" i="1" dirty="0"/>
+              <a:t> </a:t>
+            </a:r>
+            <a:r>
+              <a:rPr lang="en-US" i="1" dirty="0" err="1"/>
+              <a:t>i</a:t>
+            </a:r>
+            <a:r>
+              <a:rPr lang="en-US" i="1" dirty="0"/>
+              <a:t> </a:t>
+            </a:r>
+            <a:endParaRPr lang="en-US" dirty="0"/>
+          </a:p>
           <a:p>
             <a:endParaRPr lang="en-US" dirty="0"/>
           </a:p>
@@ -17101,439 +17455,10 @@
           </a:p>
         </p:txBody>
       </p:sp>
-      <p:sp>
-        <p:nvSpPr>
-          <p:cNvPr id="5" name="Rectangle 4"/>
-          <p:cNvSpPr/>
-          <p:nvPr/>
-        </p:nvSpPr>
-        <p:spPr>
-          <a:xfrm>
-            <a:off x="990600" y="1981200"/>
-            <a:ext cx="6248400" cy="3693319"/>
-          </a:xfrm>
-          <a:prstGeom prst="rect">
-            <a:avLst/>
-          </a:prstGeom>
-        </p:spPr>
-        <p:txBody>
-          <a:bodyPr wrap="square">
-            <a:spAutoFit/>
-          </a:bodyPr>
-          <a:lstStyle/>
-          <a:p>
-            <a:r>
-              <a:rPr lang="en-US" i="1" dirty="0"/>
-              <a:t>FIND-MIN(</a:t>
-            </a:r>
-            <a:r>
-              <a:rPr lang="en-US" i="1" dirty="0" err="1"/>
-              <a:t>i</a:t>
-            </a:r>
-            <a:r>
-              <a:rPr lang="en-US" i="1" dirty="0"/>
-              <a:t>)</a:t>
-            </a:r>
-            <a:endParaRPr lang="en-US" dirty="0"/>
-          </a:p>
-          <a:p>
-            <a:r>
-              <a:rPr lang="en-US" i="1" dirty="0" err="1"/>
-              <a:t>iMin</a:t>
-            </a:r>
-            <a:r>
-              <a:rPr lang="en-US" i="1" dirty="0"/>
-              <a:t> = </a:t>
-            </a:r>
-            <a:r>
-              <a:rPr lang="en-US" i="1" dirty="0" err="1"/>
-              <a:t>i</a:t>
-            </a:r>
-            <a:endParaRPr lang="en-US" dirty="0"/>
-          </a:p>
-          <a:p>
-            <a:r>
-              <a:rPr lang="en-US" b="1" i="1" dirty="0"/>
-              <a:t>while</a:t>
-            </a:r>
-            <a:r>
-              <a:rPr lang="en-US" i="1" dirty="0"/>
-              <a:t> </a:t>
-            </a:r>
-            <a:r>
-              <a:rPr lang="en-US" i="1" dirty="0" err="1"/>
-              <a:t>i</a:t>
-            </a:r>
-            <a:r>
-              <a:rPr lang="en-US" i="1" dirty="0"/>
-              <a:t> &lt; n </a:t>
-            </a:r>
-            <a:r>
-              <a:rPr lang="en-US" b="1" i="1" dirty="0"/>
-              <a:t>and</a:t>
-            </a:r>
-            <a:r>
-              <a:rPr lang="en-US" i="1" dirty="0"/>
-              <a:t> T[</a:t>
-            </a:r>
-            <a:r>
-              <a:rPr lang="en-US" i="1" dirty="0" err="1"/>
-              <a:t>i</a:t>
-            </a:r>
-            <a:r>
-              <a:rPr lang="en-US" i="1" dirty="0"/>
-              <a:t>]/T[</a:t>
-            </a:r>
-            <a:r>
-              <a:rPr lang="en-US" i="1" dirty="0" err="1"/>
-              <a:t>iMin</a:t>
-            </a:r>
-            <a:r>
-              <a:rPr lang="en-US" i="1" dirty="0"/>
-              <a:t>] &lt; R </a:t>
-            </a:r>
-            <a:r>
-              <a:rPr lang="en-US" b="1" i="1" dirty="0"/>
-              <a:t>do</a:t>
-            </a:r>
-            <a:r>
-              <a:rPr lang="en-US" i="1" dirty="0"/>
-              <a:t> </a:t>
-            </a:r>
-            <a:endParaRPr lang="en-US" dirty="0"/>
-          </a:p>
-          <a:p>
-            <a:r>
-              <a:rPr lang="en-US" i="1" dirty="0"/>
-              <a:t>  </a:t>
-            </a:r>
-            <a:r>
-              <a:rPr lang="en-US" b="1" i="1" dirty="0"/>
-              <a:t>if</a:t>
-            </a:r>
-            <a:r>
-              <a:rPr lang="en-US" i="1" dirty="0"/>
-              <a:t> T[</a:t>
-            </a:r>
-            <a:r>
-              <a:rPr lang="en-US" i="1" dirty="0" err="1"/>
-              <a:t>i</a:t>
-            </a:r>
-            <a:r>
-              <a:rPr lang="en-US" i="1" dirty="0"/>
-              <a:t>] &lt; T[</a:t>
-            </a:r>
-            <a:r>
-              <a:rPr lang="en-US" i="1" dirty="0" err="1"/>
-              <a:t>iMin</a:t>
-            </a:r>
-            <a:r>
-              <a:rPr lang="en-US" i="1" dirty="0"/>
-              <a:t>] </a:t>
-            </a:r>
-            <a:r>
-              <a:rPr lang="en-US" b="1" i="1" dirty="0"/>
-              <a:t>then</a:t>
-            </a:r>
-            <a:r>
-              <a:rPr lang="en-US" i="1" dirty="0"/>
-              <a:t> </a:t>
-            </a:r>
-            <a:r>
-              <a:rPr lang="en-US" i="1" dirty="0" err="1"/>
-              <a:t>iMin</a:t>
-            </a:r>
-            <a:r>
-              <a:rPr lang="en-US" i="1" dirty="0"/>
-              <a:t> = </a:t>
-            </a:r>
-            <a:r>
-              <a:rPr lang="en-US" i="1" dirty="0" err="1"/>
-              <a:t>i</a:t>
-            </a:r>
-            <a:r>
-              <a:rPr lang="en-US" i="1" dirty="0"/>
-              <a:t> </a:t>
-            </a:r>
-            <a:endParaRPr lang="en-US" dirty="0"/>
-          </a:p>
-          <a:p>
-            <a:r>
-              <a:rPr lang="en-US" i="1" dirty="0"/>
-              <a:t>  </a:t>
-            </a:r>
-            <a:r>
-              <a:rPr lang="en-US" i="1" dirty="0" err="1"/>
-              <a:t>i</a:t>
-            </a:r>
-            <a:r>
-              <a:rPr lang="en-US" i="1" dirty="0"/>
-              <a:t> = </a:t>
-            </a:r>
-            <a:r>
-              <a:rPr lang="en-US" i="1" dirty="0" err="1"/>
-              <a:t>i</a:t>
-            </a:r>
-            <a:r>
-              <a:rPr lang="en-US" i="1" dirty="0"/>
-              <a:t> + 1; output(T[</a:t>
-            </a:r>
-            <a:r>
-              <a:rPr lang="en-US" i="1" dirty="0" err="1"/>
-              <a:t>iMin</a:t>
-            </a:r>
-            <a:r>
-              <a:rPr lang="en-US" i="1" dirty="0"/>
-              <a:t>], </a:t>
-            </a:r>
-            <a:r>
-              <a:rPr lang="en-US" i="1" dirty="0" err="1"/>
-              <a:t>iMin</a:t>
-            </a:r>
-            <a:r>
-              <a:rPr lang="en-US" i="1" dirty="0"/>
-              <a:t>) </a:t>
-            </a:r>
-            <a:endParaRPr lang="en-US" dirty="0"/>
-          </a:p>
-          <a:p>
-            <a:r>
-              <a:rPr lang="en-US" b="1" i="1" dirty="0"/>
-              <a:t>return</a:t>
-            </a:r>
-            <a:r>
-              <a:rPr lang="en-US" i="1" dirty="0"/>
-              <a:t> </a:t>
-            </a:r>
-            <a:r>
-              <a:rPr lang="en-US" i="1" dirty="0" err="1"/>
-              <a:t>i</a:t>
-            </a:r>
-            <a:r>
-              <a:rPr lang="en-US" i="1" dirty="0"/>
-              <a:t> </a:t>
-            </a:r>
-            <a:endParaRPr lang="en-US" dirty="0"/>
-          </a:p>
-          <a:p>
-            <a:r>
-              <a:rPr lang="en-US" i="1" dirty="0"/>
-              <a:t>------------------------------------------------------------------------------------</a:t>
-            </a:r>
-            <a:endParaRPr lang="en-US" dirty="0"/>
-          </a:p>
-          <a:p>
-            <a:r>
-              <a:rPr lang="en-US" i="1" dirty="0"/>
-              <a:t>FIND-MAX(</a:t>
-            </a:r>
-            <a:r>
-              <a:rPr lang="en-US" i="1" dirty="0" err="1"/>
-              <a:t>i</a:t>
-            </a:r>
-            <a:r>
-              <a:rPr lang="en-US" i="1" dirty="0"/>
-              <a:t>) </a:t>
-            </a:r>
-            <a:endParaRPr lang="en-US" dirty="0"/>
-          </a:p>
-          <a:p>
-            <a:r>
-              <a:rPr lang="en-US" i="1" dirty="0"/>
-              <a:t>Finding the first significant maximum after the </a:t>
-            </a:r>
-            <a:r>
-              <a:rPr lang="en-US" i="1" dirty="0" err="1"/>
-              <a:t>i-th</a:t>
-            </a:r>
-            <a:r>
-              <a:rPr lang="en-US" i="1" dirty="0"/>
-              <a:t> point </a:t>
-            </a:r>
-            <a:endParaRPr lang="en-US" dirty="0"/>
-          </a:p>
-          <a:p>
-            <a:r>
-              <a:rPr lang="en-US" i="1" dirty="0" err="1"/>
-              <a:t>iMax</a:t>
-            </a:r>
-            <a:r>
-              <a:rPr lang="en-US" i="1" dirty="0"/>
-              <a:t> = </a:t>
-            </a:r>
-            <a:r>
-              <a:rPr lang="en-US" i="1" dirty="0" err="1"/>
-              <a:t>i</a:t>
-            </a:r>
-            <a:r>
-              <a:rPr lang="en-US" i="1" dirty="0"/>
-              <a:t> </a:t>
-            </a:r>
-            <a:endParaRPr lang="en-US" dirty="0"/>
-          </a:p>
-          <a:p>
-            <a:r>
-              <a:rPr lang="en-US" b="1" i="1" dirty="0"/>
-              <a:t>while</a:t>
-            </a:r>
-            <a:r>
-              <a:rPr lang="en-US" i="1" dirty="0"/>
-              <a:t> </a:t>
-            </a:r>
-            <a:r>
-              <a:rPr lang="en-US" i="1" dirty="0" err="1"/>
-              <a:t>i</a:t>
-            </a:r>
-            <a:r>
-              <a:rPr lang="en-US" i="1" dirty="0"/>
-              <a:t> &lt; n </a:t>
-            </a:r>
-            <a:r>
-              <a:rPr lang="en-US" b="1" i="1" dirty="0"/>
-              <a:t>and</a:t>
-            </a:r>
-            <a:r>
-              <a:rPr lang="en-US" i="1" dirty="0"/>
-              <a:t> T[</a:t>
-            </a:r>
-            <a:r>
-              <a:rPr lang="en-US" i="1" dirty="0" err="1"/>
-              <a:t>iMax</a:t>
-            </a:r>
-            <a:r>
-              <a:rPr lang="en-US" i="1" dirty="0"/>
-              <a:t>] / T[</a:t>
-            </a:r>
-            <a:r>
-              <a:rPr lang="en-US" i="1" dirty="0" err="1"/>
-              <a:t>i</a:t>
-            </a:r>
-            <a:r>
-              <a:rPr lang="en-US" i="1" dirty="0"/>
-              <a:t>] &lt; R </a:t>
-            </a:r>
-            <a:r>
-              <a:rPr lang="en-US" b="1" i="1" dirty="0"/>
-              <a:t>do</a:t>
-            </a:r>
-            <a:r>
-              <a:rPr lang="en-US" i="1" dirty="0"/>
-              <a:t> </a:t>
-            </a:r>
-            <a:endParaRPr lang="en-US" dirty="0"/>
-          </a:p>
-          <a:p>
-            <a:r>
-              <a:rPr lang="en-US" i="1" dirty="0"/>
-              <a:t>  </a:t>
-            </a:r>
-            <a:r>
-              <a:rPr lang="en-US" b="1" i="1" dirty="0"/>
-              <a:t>if</a:t>
-            </a:r>
-            <a:r>
-              <a:rPr lang="en-US" i="1" dirty="0"/>
-              <a:t> T[</a:t>
-            </a:r>
-            <a:r>
-              <a:rPr lang="en-US" i="1" dirty="0" err="1"/>
-              <a:t>i</a:t>
-            </a:r>
-            <a:r>
-              <a:rPr lang="en-US" i="1" dirty="0"/>
-              <a:t>] &gt; T[</a:t>
-            </a:r>
-            <a:r>
-              <a:rPr lang="en-US" i="1" dirty="0" err="1"/>
-              <a:t>iMax</a:t>
-            </a:r>
-            <a:r>
-              <a:rPr lang="en-US" i="1" dirty="0"/>
-              <a:t>] </a:t>
-            </a:r>
-            <a:r>
-              <a:rPr lang="en-US" b="1" i="1" dirty="0"/>
-              <a:t>then</a:t>
-            </a:r>
-            <a:r>
-              <a:rPr lang="en-US" i="1" dirty="0"/>
-              <a:t> </a:t>
-            </a:r>
-            <a:r>
-              <a:rPr lang="en-US" i="1" dirty="0" err="1"/>
-              <a:t>iMax</a:t>
-            </a:r>
-            <a:r>
-              <a:rPr lang="en-US" i="1" dirty="0"/>
-              <a:t> = </a:t>
-            </a:r>
-            <a:r>
-              <a:rPr lang="en-US" i="1" dirty="0" err="1"/>
-              <a:t>i</a:t>
-            </a:r>
-            <a:r>
-              <a:rPr lang="en-US" i="1" dirty="0"/>
-              <a:t> </a:t>
-            </a:r>
-            <a:endParaRPr lang="en-US" dirty="0"/>
-          </a:p>
-          <a:p>
-            <a:r>
-              <a:rPr lang="en-US" i="1" dirty="0"/>
-              <a:t>  </a:t>
-            </a:r>
-            <a:r>
-              <a:rPr lang="en-US" i="1" dirty="0" err="1"/>
-              <a:t>i</a:t>
-            </a:r>
-            <a:r>
-              <a:rPr lang="en-US" i="1" dirty="0"/>
-              <a:t> = </a:t>
-            </a:r>
-            <a:r>
-              <a:rPr lang="en-US" i="1" dirty="0" err="1"/>
-              <a:t>i</a:t>
-            </a:r>
-            <a:r>
-              <a:rPr lang="en-US" i="1" dirty="0"/>
-              <a:t> + 1; output(T[</a:t>
-            </a:r>
-            <a:r>
-              <a:rPr lang="en-US" i="1" dirty="0" err="1"/>
-              <a:t>iMax</a:t>
-            </a:r>
-            <a:r>
-              <a:rPr lang="en-US" i="1" dirty="0"/>
-              <a:t>], </a:t>
-            </a:r>
-            <a:r>
-              <a:rPr lang="en-US" i="1" dirty="0" err="1"/>
-              <a:t>iMax</a:t>
-            </a:r>
-            <a:r>
-              <a:rPr lang="en-US" i="1" dirty="0"/>
-              <a:t>); </a:t>
-            </a:r>
-            <a:r>
-              <a:rPr lang="en-US" b="1" i="1" dirty="0"/>
-              <a:t>return</a:t>
-            </a:r>
-            <a:r>
-              <a:rPr lang="en-US" i="1" dirty="0"/>
-              <a:t> </a:t>
-            </a:r>
-            <a:r>
-              <a:rPr lang="en-US" i="1" dirty="0" err="1"/>
-              <a:t>i</a:t>
-            </a:r>
-            <a:endParaRPr lang="en-US" dirty="0"/>
-          </a:p>
-        </p:txBody>
-      </p:sp>
     </p:spTree>
     <p:extLst>
       <p:ext uri="{BB962C8B-B14F-4D97-AF65-F5344CB8AC3E}">
-        <p14:creationId xmlns:p14="http://schemas.microsoft.com/office/powerpoint/2010/main" val="4071987681"/>
+        <p14:creationId xmlns:p14="http://schemas.microsoft.com/office/powerpoint/2010/main" val="1561471715"/>
       </p:ext>
     </p:extLst>
   </p:cSld>
@@ -17582,7 +17507,11 @@
           <a:bodyPr/>
           <a:lstStyle/>
           <a:p>
-            <a:endParaRPr lang="en-US"/>
+            <a:r>
+              <a:rPr lang="en-US" dirty="0" smtClean="0"/>
+              <a:t>IEP</a:t>
+            </a:r>
+            <a:endParaRPr lang="en-US" dirty="0"/>
           </a:p>
         </p:txBody>
       </p:sp>
@@ -17601,7 +17530,7 @@
           <a:bodyPr/>
           <a:lstStyle/>
           <a:p>
-            <a:endParaRPr lang="en-US"/>
+            <a:endParaRPr lang="en-US" dirty="0"/>
           </a:p>
         </p:txBody>
       </p:sp>
@@ -17628,16 +17557,452 @@
           </a:p>
         </p:txBody>
       </p:sp>
+      <p:sp>
+        <p:nvSpPr>
+          <p:cNvPr id="5" name="Rectangle 4"/>
+          <p:cNvSpPr/>
+          <p:nvPr/>
+        </p:nvSpPr>
+        <p:spPr>
+          <a:xfrm>
+            <a:off x="990600" y="1981200"/>
+            <a:ext cx="6248400" cy="3693319"/>
+          </a:xfrm>
+          <a:prstGeom prst="rect">
+            <a:avLst/>
+          </a:prstGeom>
+        </p:spPr>
+        <p:txBody>
+          <a:bodyPr wrap="square">
+            <a:spAutoFit/>
+          </a:bodyPr>
+          <a:lstStyle/>
+          <a:p>
+            <a:r>
+              <a:rPr lang="en-US" i="1" dirty="0"/>
+              <a:t>FIND-MIN(</a:t>
+            </a:r>
+            <a:r>
+              <a:rPr lang="en-US" i="1" dirty="0" err="1"/>
+              <a:t>i</a:t>
+            </a:r>
+            <a:r>
+              <a:rPr lang="en-US" i="1" dirty="0"/>
+              <a:t>)</a:t>
+            </a:r>
+            <a:endParaRPr lang="en-US" dirty="0"/>
+          </a:p>
+          <a:p>
+            <a:r>
+              <a:rPr lang="en-US" i="1" dirty="0" err="1"/>
+              <a:t>iMin</a:t>
+            </a:r>
+            <a:r>
+              <a:rPr lang="en-US" i="1" dirty="0"/>
+              <a:t> = </a:t>
+            </a:r>
+            <a:r>
+              <a:rPr lang="en-US" i="1" dirty="0" err="1"/>
+              <a:t>i</a:t>
+            </a:r>
+            <a:endParaRPr lang="en-US" dirty="0"/>
+          </a:p>
+          <a:p>
+            <a:r>
+              <a:rPr lang="en-US" b="1" i="1" dirty="0"/>
+              <a:t>while</a:t>
+            </a:r>
+            <a:r>
+              <a:rPr lang="en-US" i="1" dirty="0"/>
+              <a:t> </a:t>
+            </a:r>
+            <a:r>
+              <a:rPr lang="en-US" i="1" dirty="0" err="1"/>
+              <a:t>i</a:t>
+            </a:r>
+            <a:r>
+              <a:rPr lang="en-US" i="1" dirty="0"/>
+              <a:t> &lt; n </a:t>
+            </a:r>
+            <a:r>
+              <a:rPr lang="en-US" b="1" i="1" dirty="0"/>
+              <a:t>and</a:t>
+            </a:r>
+            <a:r>
+              <a:rPr lang="en-US" i="1" dirty="0"/>
+              <a:t> T[</a:t>
+            </a:r>
+            <a:r>
+              <a:rPr lang="en-US" i="1" dirty="0" err="1"/>
+              <a:t>i</a:t>
+            </a:r>
+            <a:r>
+              <a:rPr lang="en-US" i="1" dirty="0"/>
+              <a:t>]/T[</a:t>
+            </a:r>
+            <a:r>
+              <a:rPr lang="en-US" i="1" dirty="0" err="1"/>
+              <a:t>iMin</a:t>
+            </a:r>
+            <a:r>
+              <a:rPr lang="en-US" i="1" dirty="0"/>
+              <a:t>] &lt; R </a:t>
+            </a:r>
+            <a:r>
+              <a:rPr lang="en-US" b="1" i="1" dirty="0"/>
+              <a:t>do</a:t>
+            </a:r>
+            <a:r>
+              <a:rPr lang="en-US" i="1" dirty="0"/>
+              <a:t> </a:t>
+            </a:r>
+            <a:endParaRPr lang="en-US" dirty="0"/>
+          </a:p>
+          <a:p>
+            <a:r>
+              <a:rPr lang="en-US" i="1" dirty="0"/>
+              <a:t>  </a:t>
+            </a:r>
+            <a:r>
+              <a:rPr lang="en-US" b="1" i="1" dirty="0"/>
+              <a:t>if</a:t>
+            </a:r>
+            <a:r>
+              <a:rPr lang="en-US" i="1" dirty="0"/>
+              <a:t> T[</a:t>
+            </a:r>
+            <a:r>
+              <a:rPr lang="en-US" i="1" dirty="0" err="1"/>
+              <a:t>i</a:t>
+            </a:r>
+            <a:r>
+              <a:rPr lang="en-US" i="1" dirty="0"/>
+              <a:t>] &lt; T[</a:t>
+            </a:r>
+            <a:r>
+              <a:rPr lang="en-US" i="1" dirty="0" err="1"/>
+              <a:t>iMin</a:t>
+            </a:r>
+            <a:r>
+              <a:rPr lang="en-US" i="1" dirty="0"/>
+              <a:t>] </a:t>
+            </a:r>
+            <a:r>
+              <a:rPr lang="en-US" b="1" i="1" dirty="0"/>
+              <a:t>then</a:t>
+            </a:r>
+            <a:r>
+              <a:rPr lang="en-US" i="1" dirty="0"/>
+              <a:t> </a:t>
+            </a:r>
+            <a:r>
+              <a:rPr lang="en-US" i="1" dirty="0" err="1"/>
+              <a:t>iMin</a:t>
+            </a:r>
+            <a:r>
+              <a:rPr lang="en-US" i="1" dirty="0"/>
+              <a:t> = </a:t>
+            </a:r>
+            <a:r>
+              <a:rPr lang="en-US" i="1" dirty="0" err="1"/>
+              <a:t>i</a:t>
+            </a:r>
+            <a:r>
+              <a:rPr lang="en-US" i="1" dirty="0"/>
+              <a:t> </a:t>
+            </a:r>
+            <a:endParaRPr lang="en-US" dirty="0"/>
+          </a:p>
+          <a:p>
+            <a:r>
+              <a:rPr lang="en-US" i="1" dirty="0"/>
+              <a:t>  </a:t>
+            </a:r>
+            <a:r>
+              <a:rPr lang="en-US" i="1" dirty="0" err="1"/>
+              <a:t>i</a:t>
+            </a:r>
+            <a:r>
+              <a:rPr lang="en-US" i="1" dirty="0"/>
+              <a:t> = </a:t>
+            </a:r>
+            <a:r>
+              <a:rPr lang="en-US" i="1" dirty="0" err="1"/>
+              <a:t>i</a:t>
+            </a:r>
+            <a:r>
+              <a:rPr lang="en-US" i="1" dirty="0"/>
+              <a:t> + 1; output(T[</a:t>
+            </a:r>
+            <a:r>
+              <a:rPr lang="en-US" i="1" dirty="0" err="1"/>
+              <a:t>iMin</a:t>
+            </a:r>
+            <a:r>
+              <a:rPr lang="en-US" i="1" dirty="0"/>
+              <a:t>], </a:t>
+            </a:r>
+            <a:r>
+              <a:rPr lang="en-US" i="1" dirty="0" err="1"/>
+              <a:t>iMin</a:t>
+            </a:r>
+            <a:r>
+              <a:rPr lang="en-US" i="1" dirty="0"/>
+              <a:t>) </a:t>
+            </a:r>
+            <a:endParaRPr lang="en-US" dirty="0"/>
+          </a:p>
+          <a:p>
+            <a:r>
+              <a:rPr lang="en-US" b="1" i="1" dirty="0"/>
+              <a:t>return</a:t>
+            </a:r>
+            <a:r>
+              <a:rPr lang="en-US" i="1" dirty="0"/>
+              <a:t> </a:t>
+            </a:r>
+            <a:r>
+              <a:rPr lang="en-US" i="1" dirty="0" err="1"/>
+              <a:t>i</a:t>
+            </a:r>
+            <a:r>
+              <a:rPr lang="en-US" i="1" dirty="0"/>
+              <a:t> </a:t>
+            </a:r>
+            <a:endParaRPr lang="en-US" dirty="0"/>
+          </a:p>
+          <a:p>
+            <a:r>
+              <a:rPr lang="en-US" i="1" dirty="0"/>
+              <a:t>------------------------------------------------------------------------------------</a:t>
+            </a:r>
+            <a:endParaRPr lang="en-US" dirty="0"/>
+          </a:p>
+          <a:p>
+            <a:r>
+              <a:rPr lang="en-US" i="1" dirty="0"/>
+              <a:t>FIND-MAX(</a:t>
+            </a:r>
+            <a:r>
+              <a:rPr lang="en-US" i="1" dirty="0" err="1"/>
+              <a:t>i</a:t>
+            </a:r>
+            <a:r>
+              <a:rPr lang="en-US" i="1" dirty="0"/>
+              <a:t>) </a:t>
+            </a:r>
+            <a:endParaRPr lang="en-US" dirty="0"/>
+          </a:p>
+          <a:p>
+            <a:r>
+              <a:rPr lang="en-US" i="1" dirty="0"/>
+              <a:t>Finding the first significant maximum after the </a:t>
+            </a:r>
+            <a:r>
+              <a:rPr lang="en-US" i="1" dirty="0" err="1"/>
+              <a:t>i-th</a:t>
+            </a:r>
+            <a:r>
+              <a:rPr lang="en-US" i="1" dirty="0"/>
+              <a:t> point </a:t>
+            </a:r>
+            <a:endParaRPr lang="en-US" dirty="0"/>
+          </a:p>
+          <a:p>
+            <a:r>
+              <a:rPr lang="en-US" i="1" dirty="0" err="1"/>
+              <a:t>iMax</a:t>
+            </a:r>
+            <a:r>
+              <a:rPr lang="en-US" i="1" dirty="0"/>
+              <a:t> = </a:t>
+            </a:r>
+            <a:r>
+              <a:rPr lang="en-US" i="1" dirty="0" err="1"/>
+              <a:t>i</a:t>
+            </a:r>
+            <a:r>
+              <a:rPr lang="en-US" i="1" dirty="0"/>
+              <a:t> </a:t>
+            </a:r>
+            <a:endParaRPr lang="en-US" dirty="0"/>
+          </a:p>
+          <a:p>
+            <a:r>
+              <a:rPr lang="en-US" b="1" i="1" dirty="0"/>
+              <a:t>while</a:t>
+            </a:r>
+            <a:r>
+              <a:rPr lang="en-US" i="1" dirty="0"/>
+              <a:t> </a:t>
+            </a:r>
+            <a:r>
+              <a:rPr lang="en-US" i="1" dirty="0" err="1"/>
+              <a:t>i</a:t>
+            </a:r>
+            <a:r>
+              <a:rPr lang="en-US" i="1" dirty="0"/>
+              <a:t> &lt; n </a:t>
+            </a:r>
+            <a:r>
+              <a:rPr lang="en-US" b="1" i="1" dirty="0"/>
+              <a:t>and</a:t>
+            </a:r>
+            <a:r>
+              <a:rPr lang="en-US" i="1" dirty="0"/>
+              <a:t> T[</a:t>
+            </a:r>
+            <a:r>
+              <a:rPr lang="en-US" i="1" dirty="0" err="1"/>
+              <a:t>iMax</a:t>
+            </a:r>
+            <a:r>
+              <a:rPr lang="en-US" i="1" dirty="0"/>
+              <a:t>] / T[</a:t>
+            </a:r>
+            <a:r>
+              <a:rPr lang="en-US" i="1" dirty="0" err="1"/>
+              <a:t>i</a:t>
+            </a:r>
+            <a:r>
+              <a:rPr lang="en-US" i="1" dirty="0"/>
+              <a:t>] &lt; R </a:t>
+            </a:r>
+            <a:r>
+              <a:rPr lang="en-US" b="1" i="1" dirty="0"/>
+              <a:t>do</a:t>
+            </a:r>
+            <a:r>
+              <a:rPr lang="en-US" i="1" dirty="0"/>
+              <a:t> </a:t>
+            </a:r>
+            <a:endParaRPr lang="en-US" dirty="0"/>
+          </a:p>
+          <a:p>
+            <a:r>
+              <a:rPr lang="en-US" i="1" dirty="0"/>
+              <a:t>  </a:t>
+            </a:r>
+            <a:r>
+              <a:rPr lang="en-US" b="1" i="1" dirty="0"/>
+              <a:t>if</a:t>
+            </a:r>
+            <a:r>
+              <a:rPr lang="en-US" i="1" dirty="0"/>
+              <a:t> T[</a:t>
+            </a:r>
+            <a:r>
+              <a:rPr lang="en-US" i="1" dirty="0" err="1"/>
+              <a:t>i</a:t>
+            </a:r>
+            <a:r>
+              <a:rPr lang="en-US" i="1" dirty="0"/>
+              <a:t>] &gt; T[</a:t>
+            </a:r>
+            <a:r>
+              <a:rPr lang="en-US" i="1" dirty="0" err="1"/>
+              <a:t>iMax</a:t>
+            </a:r>
+            <a:r>
+              <a:rPr lang="en-US" i="1" dirty="0"/>
+              <a:t>] </a:t>
+            </a:r>
+            <a:r>
+              <a:rPr lang="en-US" b="1" i="1" dirty="0"/>
+              <a:t>then</a:t>
+            </a:r>
+            <a:r>
+              <a:rPr lang="en-US" i="1" dirty="0"/>
+              <a:t> </a:t>
+            </a:r>
+            <a:r>
+              <a:rPr lang="en-US" i="1" dirty="0" err="1"/>
+              <a:t>iMax</a:t>
+            </a:r>
+            <a:r>
+              <a:rPr lang="en-US" i="1" dirty="0"/>
+              <a:t> = </a:t>
+            </a:r>
+            <a:r>
+              <a:rPr lang="en-US" i="1" dirty="0" err="1"/>
+              <a:t>i</a:t>
+            </a:r>
+            <a:r>
+              <a:rPr lang="en-US" i="1" dirty="0"/>
+              <a:t> </a:t>
+            </a:r>
+            <a:endParaRPr lang="en-US" dirty="0"/>
+          </a:p>
+          <a:p>
+            <a:r>
+              <a:rPr lang="en-US" i="1" dirty="0"/>
+              <a:t>  </a:t>
+            </a:r>
+            <a:r>
+              <a:rPr lang="en-US" i="1" dirty="0" err="1"/>
+              <a:t>i</a:t>
+            </a:r>
+            <a:r>
+              <a:rPr lang="en-US" i="1" dirty="0"/>
+              <a:t> = </a:t>
+            </a:r>
+            <a:r>
+              <a:rPr lang="en-US" i="1" dirty="0" err="1"/>
+              <a:t>i</a:t>
+            </a:r>
+            <a:r>
+              <a:rPr lang="en-US" i="1" dirty="0"/>
+              <a:t> + 1; output(T[</a:t>
+            </a:r>
+            <a:r>
+              <a:rPr lang="en-US" i="1" dirty="0" err="1"/>
+              <a:t>iMax</a:t>
+            </a:r>
+            <a:r>
+              <a:rPr lang="en-US" i="1" dirty="0"/>
+              <a:t>], </a:t>
+            </a:r>
+            <a:r>
+              <a:rPr lang="en-US" i="1" dirty="0" err="1"/>
+              <a:t>iMax</a:t>
+            </a:r>
+            <a:r>
+              <a:rPr lang="en-US" i="1" dirty="0"/>
+              <a:t>); </a:t>
+            </a:r>
+            <a:r>
+              <a:rPr lang="en-US" b="1" i="1" dirty="0"/>
+              <a:t>return</a:t>
+            </a:r>
+            <a:r>
+              <a:rPr lang="en-US" i="1" dirty="0"/>
+              <a:t> </a:t>
+            </a:r>
+            <a:r>
+              <a:rPr lang="en-US" i="1" dirty="0" err="1"/>
+              <a:t>i</a:t>
+            </a:r>
+            <a:endParaRPr lang="en-US" dirty="0"/>
+          </a:p>
+        </p:txBody>
+      </p:sp>
     </p:spTree>
     <p:extLst>
       <p:ext uri="{BB962C8B-B14F-4D97-AF65-F5344CB8AC3E}">
-        <p14:creationId xmlns:p14="http://schemas.microsoft.com/office/powerpoint/2010/main" val="840610418"/>
+        <p14:creationId xmlns:p14="http://schemas.microsoft.com/office/powerpoint/2010/main" val="4071987681"/>
       </p:ext>
     </p:extLst>
   </p:cSld>
   <p:clrMapOvr>
     <a:masterClrMapping/>
   </p:clrMapOvr>
+  <p:timing>
+    <p:tnLst>
+      <p:par>
+        <p:cTn id="1" dur="indefinite" restart="never" nodeType="tmRoot"/>
+      </p:par>
+    </p:tnLst>
+  </p:timing>
 </p:sld>
 </file>
 
@@ -17816,6 +18181,97 @@
           <a:bodyPr/>
           <a:lstStyle/>
           <a:p>
+            <a:endParaRPr lang="en-US"/>
+          </a:p>
+        </p:txBody>
+      </p:sp>
+      <p:sp>
+        <p:nvSpPr>
+          <p:cNvPr id="3" name="Content Placeholder 2"/>
+          <p:cNvSpPr>
+            <a:spLocks noGrp="1"/>
+          </p:cNvSpPr>
+          <p:nvPr>
+            <p:ph idx="1"/>
+          </p:nvPr>
+        </p:nvSpPr>
+        <p:spPr/>
+        <p:txBody>
+          <a:bodyPr/>
+          <a:lstStyle/>
+          <a:p>
+            <a:endParaRPr lang="en-US"/>
+          </a:p>
+        </p:txBody>
+      </p:sp>
+      <p:sp>
+        <p:nvSpPr>
+          <p:cNvPr id="4" name="Slide Number Placeholder 3"/>
+          <p:cNvSpPr>
+            <a:spLocks noGrp="1"/>
+          </p:cNvSpPr>
+          <p:nvPr>
+            <p:ph type="sldNum" sz="quarter" idx="12"/>
+          </p:nvPr>
+        </p:nvSpPr>
+        <p:spPr/>
+        <p:txBody>
+          <a:bodyPr/>
+          <a:lstStyle/>
+          <a:p>
+            <a:fld id="{38324C1E-6E2F-465B-B7AC-362036DEB808}" type="slidenum">
+              <a:rPr lang="en-US" smtClean="0"/>
+              <a:t>60</a:t>
+            </a:fld>
+            <a:endParaRPr lang="en-US"/>
+          </a:p>
+        </p:txBody>
+      </p:sp>
+    </p:spTree>
+    <p:extLst>
+      <p:ext uri="{BB962C8B-B14F-4D97-AF65-F5344CB8AC3E}">
+        <p14:creationId xmlns:p14="http://schemas.microsoft.com/office/powerpoint/2010/main" val="840610418"/>
+      </p:ext>
+    </p:extLst>
+  </p:cSld>
+  <p:clrMapOvr>
+    <a:masterClrMapping/>
+  </p:clrMapOvr>
+</p:sld>
+</file>
+
+<file path=ppt/slides/slide61.xml><?xml version="1.0" encoding="utf-8"?>
+<p:sld xmlns:a="http://schemas.openxmlformats.org/drawingml/2006/main" xmlns:r="http://schemas.openxmlformats.org/officeDocument/2006/relationships" xmlns:p="http://schemas.openxmlformats.org/presentationml/2006/main">
+  <p:cSld>
+    <p:spTree>
+      <p:nvGrpSpPr>
+        <p:cNvPr id="1" name=""/>
+        <p:cNvGrpSpPr/>
+        <p:nvPr/>
+      </p:nvGrpSpPr>
+      <p:grpSpPr>
+        <a:xfrm>
+          <a:off x="0" y="0"/>
+          <a:ext cx="0" cy="0"/>
+          <a:chOff x="0" y="0"/>
+          <a:chExt cx="0" cy="0"/>
+        </a:xfrm>
+      </p:grpSpPr>
+      <p:sp>
+        <p:nvSpPr>
+          <p:cNvPr id="2" name="Title 1"/>
+          <p:cNvSpPr>
+            <a:spLocks noGrp="1"/>
+          </p:cNvSpPr>
+          <p:nvPr>
+            <p:ph type="title"/>
+          </p:nvPr>
+        </p:nvSpPr>
+        <p:spPr/>
+        <p:txBody>
+          <a:bodyPr/>
+          <a:lstStyle/>
+          <a:p>
             <a:r>
               <a:rPr lang="en-US" dirty="0" smtClean="0"/>
               <a:t>HOT SAX</a:t>
@@ -17848,7 +18304,7 @@
                 </a:solidFill>
               </a:rPr>
               <a:pPr/>
-              <a:t>60</a:t>
+              <a:t>61</a:t>
             </a:fld>
             <a:endParaRPr lang="en-US">
               <a:solidFill>
@@ -17946,7 +18402,7 @@
 </p:sld>
 </file>
 
-<file path=ppt/slides/slide61.xml><?xml version="1.0" encoding="utf-8"?>
+<file path=ppt/slides/slide62.xml><?xml version="1.0" encoding="utf-8"?>
 <p:sld xmlns:a="http://schemas.openxmlformats.org/drawingml/2006/main" xmlns:r="http://schemas.openxmlformats.org/officeDocument/2006/relationships" xmlns:p="http://schemas.openxmlformats.org/presentationml/2006/main">
   <p:cSld>
     <p:spTree>
@@ -18064,7 +18520,7 @@
                 </a:solidFill>
               </a:rPr>
               <a:pPr/>
-              <a:t>61</a:t>
+              <a:t>62</a:t>
             </a:fld>
             <a:endParaRPr lang="en-US">
               <a:solidFill>
@@ -18096,7 +18552,7 @@
 </p:sld>
 </file>
 
-<file path=ppt/slides/slide62.xml><?xml version="1.0" encoding="utf-8"?>
+<file path=ppt/slides/slide63.xml><?xml version="1.0" encoding="utf-8"?>
 <p:sld xmlns:a="http://schemas.openxmlformats.org/drawingml/2006/main" xmlns:r="http://schemas.openxmlformats.org/officeDocument/2006/relationships" xmlns:p="http://schemas.openxmlformats.org/presentationml/2006/main">
   <p:cSld>
     <p:spTree>
@@ -18160,7 +18616,7 @@
                 </a:solidFill>
               </a:rPr>
               <a:pPr/>
-              <a:t>62</a:t>
+              <a:t>63</a:t>
             </a:fld>
             <a:endParaRPr lang="en-US">
               <a:solidFill>
@@ -18244,7 +18700,7 @@
 </p:sld>
 </file>
 
-<file path=ppt/slides/slide63.xml><?xml version="1.0" encoding="utf-8"?>
+<file path=ppt/slides/slide64.xml><?xml version="1.0" encoding="utf-8"?>
 <p:sld xmlns:a="http://schemas.openxmlformats.org/drawingml/2006/main" xmlns:r="http://schemas.openxmlformats.org/officeDocument/2006/relationships" xmlns:p="http://schemas.openxmlformats.org/presentationml/2006/main">
   <p:cSld>
     <p:spTree>
@@ -18649,7 +19105,7 @@
                 </a:solidFill>
               </a:rPr>
               <a:pPr/>
-              <a:t>63</a:t>
+              <a:t>64</a:t>
             </a:fld>
             <a:endParaRPr lang="en-US">
               <a:solidFill>
@@ -18681,7 +19137,7 @@
 </p:sld>
 </file>
 
-<file path=ppt/slides/slide64.xml><?xml version="1.0" encoding="utf-8"?>
+<file path=ppt/slides/slide65.xml><?xml version="1.0" encoding="utf-8"?>
 <p:sld xmlns:a="http://schemas.openxmlformats.org/drawingml/2006/main" xmlns:r="http://schemas.openxmlformats.org/officeDocument/2006/relationships" xmlns:p="http://schemas.openxmlformats.org/presentationml/2006/main">
   <p:cSld>
     <p:spTree>
@@ -18752,7 +19208,7 @@
                 </a:solidFill>
               </a:rPr>
               <a:pPr/>
-              <a:t>64</a:t>
+              <a:t>65</a:t>
             </a:fld>
             <a:endParaRPr lang="en-US">
               <a:solidFill>
@@ -18840,7 +19296,7 @@
 </p:sld>
 </file>
 
-<file path=ppt/slides/slide65.xml><?xml version="1.0" encoding="utf-8"?>
+<file path=ppt/slides/slide66.xml><?xml version="1.0" encoding="utf-8"?>
 <p:sld xmlns:a="http://schemas.openxmlformats.org/drawingml/2006/main" xmlns:r="http://schemas.openxmlformats.org/officeDocument/2006/relationships" xmlns:p="http://schemas.openxmlformats.org/presentationml/2006/main">
   <p:cSld>
     <p:spTree>
@@ -18986,7 +19442,7 @@
                 </a:solidFill>
               </a:rPr>
               <a:pPr/>
-              <a:t>65</a:t>
+              <a:t>66</a:t>
             </a:fld>
             <a:endParaRPr lang="en-US">
               <a:solidFill>
@@ -19323,7 +19779,7 @@
 </p:sld>
 </file>
 
-<file path=ppt/slides/slide66.xml><?xml version="1.0" encoding="utf-8"?>
+<file path=ppt/slides/slide67.xml><?xml version="1.0" encoding="utf-8"?>
 <p:sld xmlns:a="http://schemas.openxmlformats.org/drawingml/2006/main" xmlns:r="http://schemas.openxmlformats.org/officeDocument/2006/relationships" xmlns:p="http://schemas.openxmlformats.org/presentationml/2006/main">
   <p:cSld>
     <p:spTree>
@@ -19390,7 +19846,7 @@
                 </a:solidFill>
               </a:rPr>
               <a:pPr/>
-              <a:t>66</a:t>
+              <a:t>67</a:t>
             </a:fld>
             <a:endParaRPr lang="en-US">
               <a:solidFill>
@@ -19478,150 +19934,6 @@
 </p:sld>
 </file>
 
-<file path=ppt/slides/slide67.xml><?xml version="1.0" encoding="utf-8"?>
-<p:sld xmlns:a="http://schemas.openxmlformats.org/drawingml/2006/main" xmlns:r="http://schemas.openxmlformats.org/officeDocument/2006/relationships" xmlns:p="http://schemas.openxmlformats.org/presentationml/2006/main">
-  <p:cSld>
-    <p:spTree>
-      <p:nvGrpSpPr>
-        <p:cNvPr id="1" name=""/>
-        <p:cNvGrpSpPr/>
-        <p:nvPr/>
-      </p:nvGrpSpPr>
-      <p:grpSpPr>
-        <a:xfrm>
-          <a:off x="0" y="0"/>
-          <a:ext cx="0" cy="0"/>
-          <a:chOff x="0" y="0"/>
-          <a:chExt cx="0" cy="0"/>
-        </a:xfrm>
-      </p:grpSpPr>
-      <p:sp>
-        <p:nvSpPr>
-          <p:cNvPr id="2" name="Title 1"/>
-          <p:cNvSpPr>
-            <a:spLocks noGrp="1"/>
-          </p:cNvSpPr>
-          <p:nvPr>
-            <p:ph type="title"/>
-          </p:nvPr>
-        </p:nvSpPr>
-        <p:spPr/>
-        <p:txBody>
-          <a:bodyPr/>
-          <a:lstStyle/>
-          <a:p>
-            <a:r>
-              <a:rPr lang="en-US" dirty="0"/>
-              <a:t>Experimental Evaluation</a:t>
-            </a:r>
-          </a:p>
-        </p:txBody>
-      </p:sp>
-      <p:sp>
-        <p:nvSpPr>
-          <p:cNvPr id="3" name="Content Placeholder 2"/>
-          <p:cNvSpPr>
-            <a:spLocks noGrp="1"/>
-          </p:cNvSpPr>
-          <p:nvPr>
-            <p:ph idx="1"/>
-          </p:nvPr>
-        </p:nvSpPr>
-        <p:spPr/>
-        <p:txBody>
-          <a:bodyPr/>
-          <a:lstStyle/>
-          <a:p>
-            <a:r>
-              <a:rPr lang="en-ZA" dirty="0"/>
-              <a:t>Experiments environment : </a:t>
-            </a:r>
-            <a:r>
-              <a:rPr lang="en-US" dirty="0" smtClean="0"/>
-              <a:t> Intel</a:t>
-            </a:r>
-            <a:r>
-              <a:rPr lang="en-US" dirty="0"/>
-              <a:t>® Core™ 2 Duo 2.0GHz, Ram 3072MB </a:t>
-            </a:r>
-            <a:r>
-              <a:rPr lang="en-US" dirty="0" smtClean="0"/>
-              <a:t>PC</a:t>
-            </a:r>
-          </a:p>
-          <a:p>
-            <a:r>
-              <a:rPr lang="en-US" dirty="0" smtClean="0"/>
-              <a:t>All algorithms are implemented in </a:t>
-            </a:r>
-            <a:r>
-              <a:rPr lang="en-US" dirty="0"/>
-              <a:t>Microsoft Visual C</a:t>
-            </a:r>
-            <a:r>
-              <a:rPr lang="en-US" dirty="0" smtClean="0"/>
-              <a:t># programing language</a:t>
-            </a:r>
-            <a:endParaRPr lang="en-US" dirty="0"/>
-          </a:p>
-        </p:txBody>
-      </p:sp>
-      <p:sp>
-        <p:nvSpPr>
-          <p:cNvPr id="4" name="Slide Number Placeholder 3"/>
-          <p:cNvSpPr>
-            <a:spLocks noGrp="1"/>
-          </p:cNvSpPr>
-          <p:nvPr>
-            <p:ph type="sldNum" sz="quarter" idx="12"/>
-          </p:nvPr>
-        </p:nvSpPr>
-        <p:spPr/>
-        <p:txBody>
-          <a:bodyPr/>
-          <a:lstStyle/>
-          <a:p>
-            <a:fld id="{38324C1E-6E2F-465B-B7AC-362036DEB808}" type="slidenum">
-              <a:rPr lang="en-US" smtClean="0">
-                <a:solidFill>
-                  <a:prstClr val="black">
-                    <a:tint val="75000"/>
-                  </a:prstClr>
-                </a:solidFill>
-              </a:rPr>
-              <a:pPr/>
-              <a:t>67</a:t>
-            </a:fld>
-            <a:endParaRPr lang="en-US">
-              <a:solidFill>
-                <a:prstClr val="black">
-                  <a:tint val="75000"/>
-                </a:prstClr>
-              </a:solidFill>
-            </a:endParaRPr>
-          </a:p>
-        </p:txBody>
-      </p:sp>
-    </p:spTree>
-    <p:extLst>
-      <p:ext uri="{BB962C8B-B14F-4D97-AF65-F5344CB8AC3E}">
-        <p14:creationId xmlns:p14="http://schemas.microsoft.com/office/powerpoint/2010/main" val="2359241808"/>
-      </p:ext>
-    </p:extLst>
-  </p:cSld>
-  <p:clrMapOvr>
-    <a:masterClrMapping/>
-  </p:clrMapOvr>
-  <p:timing>
-    <p:tnLst>
-      <p:par>
-        <p:cTn id="1" dur="indefinite" restart="never" nodeType="tmRoot"/>
-      </p:par>
-    </p:tnLst>
-  </p:timing>
-</p:sld>
-</file>
-
 <file path=ppt/slides/slide68.xml><?xml version="1.0" encoding="utf-8"?>
 <p:sld xmlns:a="http://schemas.openxmlformats.org/drawingml/2006/main" xmlns:r="http://schemas.openxmlformats.org/officeDocument/2006/relationships" xmlns:p="http://schemas.openxmlformats.org/presentationml/2006/main">
   <p:cSld>
@@ -19654,7 +19966,10 @@
           <a:bodyPr/>
           <a:lstStyle/>
           <a:p>
-            <a:endParaRPr lang="en-US"/>
+            <a:r>
+              <a:rPr lang="en-US" dirty="0"/>
+              <a:t>Experimental Evaluation</a:t>
+            </a:r>
           </a:p>
         </p:txBody>
       </p:sp>
@@ -19673,6 +19988,36 @@
           <a:bodyPr/>
           <a:lstStyle/>
           <a:p>
+            <a:r>
+              <a:rPr lang="en-ZA" dirty="0"/>
+              <a:t>Experiments environment : </a:t>
+            </a:r>
+            <a:r>
+              <a:rPr lang="en-US" dirty="0" smtClean="0"/>
+              <a:t> Intel</a:t>
+            </a:r>
+            <a:r>
+              <a:rPr lang="en-US" dirty="0"/>
+              <a:t>® Core™ 2 Duo 2.0GHz, Ram 3072MB </a:t>
+            </a:r>
+            <a:r>
+              <a:rPr lang="en-US" dirty="0" smtClean="0"/>
+              <a:t>PC</a:t>
+            </a:r>
+          </a:p>
+          <a:p>
+            <a:r>
+              <a:rPr lang="en-US" dirty="0" smtClean="0"/>
+              <a:t>All algorithms are implemented in </a:t>
+            </a:r>
+            <a:r>
+              <a:rPr lang="en-US" dirty="0"/>
+              <a:t>Microsoft Visual C</a:t>
+            </a:r>
+            <a:r>
+              <a:rPr lang="en-US" dirty="0" smtClean="0"/>
+              <a:t># programing language</a:t>
+            </a:r>
             <a:endParaRPr lang="en-US" dirty="0"/>
           </a:p>
         </p:txBody>
@@ -19713,34 +20058,10 @@
           </a:p>
         </p:txBody>
       </p:sp>
-      <p:graphicFrame>
-        <p:nvGraphicFramePr>
-          <p:cNvPr id="8" name="Chart 7"/>
-          <p:cNvGraphicFramePr>
-            <a:graphicFrameLocks/>
-          </p:cNvGraphicFramePr>
-          <p:nvPr>
-            <p:extLst>
-              <p:ext uri="{D42A27DB-BD31-4B8C-83A1-F6EECF244321}">
-                <p14:modId xmlns:p14="http://schemas.microsoft.com/office/powerpoint/2010/main" val="3645900173"/>
-              </p:ext>
-            </p:extLst>
-          </p:nvPr>
-        </p:nvGraphicFramePr>
-        <p:xfrm>
-          <a:off x="457200" y="1600200"/>
-          <a:ext cx="7543800" cy="4267200"/>
-        </p:xfrm>
-        <a:graphic>
-          <a:graphicData uri="http://schemas.openxmlformats.org/drawingml/2006/chart">
-            <c:chart xmlns:c="http://schemas.openxmlformats.org/drawingml/2006/chart" xmlns:r="http://schemas.openxmlformats.org/officeDocument/2006/relationships" r:id="rId2"/>
-          </a:graphicData>
-        </a:graphic>
-      </p:graphicFrame>
     </p:spTree>
     <p:extLst>
       <p:ext uri="{BB962C8B-B14F-4D97-AF65-F5344CB8AC3E}">
-        <p14:creationId xmlns:p14="http://schemas.microsoft.com/office/powerpoint/2010/main" val="256790727"/>
+        <p14:creationId xmlns:p14="http://schemas.microsoft.com/office/powerpoint/2010/main" val="2359241808"/>
       </p:ext>
     </p:extLst>
   </p:cSld>
@@ -19789,7 +20110,30 @@
           <a:bodyPr/>
           <a:lstStyle/>
           <a:p>
-            <a:endParaRPr lang="en-US"/>
+            <a:r>
+              <a:rPr lang="en-US" dirty="0"/>
+              <a:t>Homothetic Transformation</a:t>
+            </a:r>
+            <a:endParaRPr lang="en-US" dirty="0"/>
+          </a:p>
+        </p:txBody>
+      </p:sp>
+      <p:sp>
+        <p:nvSpPr>
+          <p:cNvPr id="3" name="Content Placeholder 2"/>
+          <p:cNvSpPr>
+            <a:spLocks noGrp="1"/>
+          </p:cNvSpPr>
+          <p:nvPr>
+            <p:ph idx="1"/>
+          </p:nvPr>
+        </p:nvSpPr>
+        <p:spPr/>
+        <p:txBody>
+          <a:bodyPr/>
+          <a:lstStyle/>
+          <a:p>
+            <a:endParaRPr lang="en-US" dirty="0"/>
           </a:p>
         </p:txBody>
       </p:sp>
@@ -19831,17 +20175,21 @@
       </p:sp>
       <p:graphicFrame>
         <p:nvGraphicFramePr>
-          <p:cNvPr id="5" name="Content Placeholder 4"/>
+          <p:cNvPr id="8" name="Chart 7"/>
           <p:cNvGraphicFramePr>
-            <a:graphicFrameLocks noGrp="1"/>
+            <a:graphicFrameLocks/>
           </p:cNvGraphicFramePr>
           <p:nvPr>
-            <p:ph idx="1"/>
+            <p:extLst>
+              <p:ext uri="{D42A27DB-BD31-4B8C-83A1-F6EECF244321}">
+                <p14:modId xmlns:p14="http://schemas.microsoft.com/office/powerpoint/2010/main" val="3645900173"/>
+              </p:ext>
+            </p:extLst>
           </p:nvPr>
         </p:nvGraphicFramePr>
         <p:xfrm>
           <a:off x="457200" y="1600200"/>
-          <a:ext cx="8229600" cy="4525963"/>
+          <a:ext cx="7543800" cy="4267200"/>
         </p:xfrm>
         <a:graphic>
           <a:graphicData uri="http://schemas.openxmlformats.org/drawingml/2006/chart">
@@ -19852,7 +20200,7 @@
     </p:spTree>
     <p:extLst>
       <p:ext uri="{BB962C8B-B14F-4D97-AF65-F5344CB8AC3E}">
-        <p14:creationId xmlns:p14="http://schemas.microsoft.com/office/powerpoint/2010/main" val="511626448"/>
+        <p14:creationId xmlns:p14="http://schemas.microsoft.com/office/powerpoint/2010/main" val="256790727"/>
       </p:ext>
     </p:extLst>
   </p:cSld>
@@ -20015,6 +20363,274 @@
     <p:extLst>
       <p:ext uri="{BB962C8B-B14F-4D97-AF65-F5344CB8AC3E}">
         <p14:creationId xmlns:p14="http://schemas.microsoft.com/office/powerpoint/2010/main" val="3603606952"/>
+      </p:ext>
+    </p:extLst>
+  </p:cSld>
+  <p:clrMapOvr>
+    <a:masterClrMapping/>
+  </p:clrMapOvr>
+  <p:timing>
+    <p:tnLst>
+      <p:par>
+        <p:cTn id="1" dur="indefinite" restart="never" nodeType="tmRoot"/>
+      </p:par>
+    </p:tnLst>
+  </p:timing>
+</p:sld>
+</file>
+
+<file path=ppt/slides/slide70.xml><?xml version="1.0" encoding="utf-8"?>
+<p:sld xmlns:a="http://schemas.openxmlformats.org/drawingml/2006/main" xmlns:r="http://schemas.openxmlformats.org/officeDocument/2006/relationships" xmlns:p="http://schemas.openxmlformats.org/presentationml/2006/main">
+  <p:cSld>
+    <p:spTree>
+      <p:nvGrpSpPr>
+        <p:cNvPr id="1" name=""/>
+        <p:cNvGrpSpPr/>
+        <p:nvPr/>
+      </p:nvGrpSpPr>
+      <p:grpSpPr>
+        <a:xfrm>
+          <a:off x="0" y="0"/>
+          <a:ext cx="0" cy="0"/>
+          <a:chOff x="0" y="0"/>
+          <a:chExt cx="0" cy="0"/>
+        </a:xfrm>
+      </p:grpSpPr>
+      <p:sp>
+        <p:nvSpPr>
+          <p:cNvPr id="2" name="Title 1"/>
+          <p:cNvSpPr>
+            <a:spLocks noGrp="1"/>
+          </p:cNvSpPr>
+          <p:nvPr>
+            <p:ph type="title"/>
+          </p:nvPr>
+        </p:nvSpPr>
+        <p:spPr/>
+        <p:txBody>
+          <a:bodyPr/>
+          <a:lstStyle/>
+          <a:p>
+            <a:r>
+              <a:rPr lang="en-US" dirty="0"/>
+              <a:t>Homothetic Transformation</a:t>
+            </a:r>
+            <a:endParaRPr lang="en-US" dirty="0"/>
+          </a:p>
+        </p:txBody>
+      </p:sp>
+      <p:sp>
+        <p:nvSpPr>
+          <p:cNvPr id="4" name="Slide Number Placeholder 3"/>
+          <p:cNvSpPr>
+            <a:spLocks noGrp="1"/>
+          </p:cNvSpPr>
+          <p:nvPr>
+            <p:ph type="sldNum" sz="quarter" idx="12"/>
+          </p:nvPr>
+        </p:nvSpPr>
+        <p:spPr/>
+        <p:txBody>
+          <a:bodyPr/>
+          <a:lstStyle/>
+          <a:p>
+            <a:fld id="{38324C1E-6E2F-465B-B7AC-362036DEB808}" type="slidenum">
+              <a:rPr lang="en-US" smtClean="0">
+                <a:solidFill>
+                  <a:prstClr val="black">
+                    <a:tint val="75000"/>
+                  </a:prstClr>
+                </a:solidFill>
+              </a:rPr>
+              <a:pPr/>
+              <a:t>70</a:t>
+            </a:fld>
+            <a:endParaRPr lang="en-US">
+              <a:solidFill>
+                <a:prstClr val="black">
+                  <a:tint val="75000"/>
+                </a:prstClr>
+              </a:solidFill>
+            </a:endParaRPr>
+          </a:p>
+        </p:txBody>
+      </p:sp>
+      <p:graphicFrame>
+        <p:nvGraphicFramePr>
+          <p:cNvPr id="5" name="Content Placeholder 4"/>
+          <p:cNvGraphicFramePr>
+            <a:graphicFrameLocks noGrp="1"/>
+          </p:cNvGraphicFramePr>
+          <p:nvPr>
+            <p:ph idx="1"/>
+          </p:nvPr>
+        </p:nvGraphicFramePr>
+        <p:xfrm>
+          <a:off x="457200" y="1600200"/>
+          <a:ext cx="8229600" cy="4525963"/>
+        </p:xfrm>
+        <a:graphic>
+          <a:graphicData uri="http://schemas.openxmlformats.org/drawingml/2006/chart">
+            <c:chart xmlns:c="http://schemas.openxmlformats.org/drawingml/2006/chart" xmlns:r="http://schemas.openxmlformats.org/officeDocument/2006/relationships" r:id="rId2"/>
+          </a:graphicData>
+        </a:graphic>
+      </p:graphicFrame>
+    </p:spTree>
+    <p:extLst>
+      <p:ext uri="{BB962C8B-B14F-4D97-AF65-F5344CB8AC3E}">
+        <p14:creationId xmlns:p14="http://schemas.microsoft.com/office/powerpoint/2010/main" val="511626448"/>
+      </p:ext>
+    </p:extLst>
+  </p:cSld>
+  <p:clrMapOvr>
+    <a:masterClrMapping/>
+  </p:clrMapOvr>
+  <p:timing>
+    <p:tnLst>
+      <p:par>
+        <p:cTn id="1" dur="indefinite" restart="never" nodeType="tmRoot"/>
+      </p:par>
+    </p:tnLst>
+  </p:timing>
+</p:sld>
+</file>
+
+<file path=ppt/slides/slide71.xml><?xml version="1.0" encoding="utf-8"?>
+<p:sld xmlns:a="http://schemas.openxmlformats.org/drawingml/2006/main" xmlns:r="http://schemas.openxmlformats.org/officeDocument/2006/relationships" xmlns:p="http://schemas.openxmlformats.org/presentationml/2006/main">
+  <p:cSld>
+    <p:spTree>
+      <p:nvGrpSpPr>
+        <p:cNvPr id="1" name=""/>
+        <p:cNvGrpSpPr/>
+        <p:nvPr/>
+      </p:nvGrpSpPr>
+      <p:grpSpPr>
+        <a:xfrm>
+          <a:off x="0" y="0"/>
+          <a:ext cx="0" cy="0"/>
+          <a:chOff x="0" y="0"/>
+          <a:chExt cx="0" cy="0"/>
+        </a:xfrm>
+      </p:grpSpPr>
+      <p:sp>
+        <p:nvSpPr>
+          <p:cNvPr id="2" name="Title 1"/>
+          <p:cNvSpPr>
+            <a:spLocks noGrp="1"/>
+          </p:cNvSpPr>
+          <p:nvPr>
+            <p:ph type="title"/>
+          </p:nvPr>
+        </p:nvSpPr>
+        <p:spPr/>
+        <p:txBody>
+          <a:bodyPr/>
+          <a:lstStyle/>
+          <a:p>
+            <a:endParaRPr lang="en-US"/>
+          </a:p>
+        </p:txBody>
+      </p:sp>
+      <p:sp>
+        <p:nvSpPr>
+          <p:cNvPr id="4" name="Slide Number Placeholder 3"/>
+          <p:cNvSpPr>
+            <a:spLocks noGrp="1"/>
+          </p:cNvSpPr>
+          <p:nvPr>
+            <p:ph type="sldNum" sz="quarter" idx="12"/>
+          </p:nvPr>
+        </p:nvSpPr>
+        <p:spPr/>
+        <p:txBody>
+          <a:bodyPr/>
+          <a:lstStyle/>
+          <a:p>
+            <a:fld id="{38324C1E-6E2F-465B-B7AC-362036DEB808}" type="slidenum">
+              <a:rPr lang="en-US" smtClean="0"/>
+              <a:t>71</a:t>
+            </a:fld>
+            <a:endParaRPr lang="en-US"/>
+          </a:p>
+        </p:txBody>
+      </p:sp>
+      <p:sp>
+        <p:nvSpPr>
+          <p:cNvPr id="5" name="Content Placeholder 4"/>
+          <p:cNvSpPr>
+            <a:spLocks noGrp="1"/>
+          </p:cNvSpPr>
+          <p:nvPr>
+            <p:ph idx="1"/>
+          </p:nvPr>
+        </p:nvSpPr>
+        <p:spPr/>
+        <p:txBody>
+          <a:bodyPr/>
+          <a:lstStyle/>
+          <a:p>
+            <a:endParaRPr lang="en-US"/>
+          </a:p>
+        </p:txBody>
+      </p:sp>
+      <p:pic>
+        <p:nvPicPr>
+          <p:cNvPr id="10243" name="Picture 3"/>
+          <p:cNvPicPr>
+            <a:picLocks noChangeAspect="1" noChangeArrowheads="1"/>
+          </p:cNvPicPr>
+          <p:nvPr/>
+        </p:nvPicPr>
+        <p:blipFill>
+          <a:blip r:embed="rId2">
+            <a:extLst>
+              <a:ext uri="{28A0092B-C50C-407E-A947-70E740481C1C}">
+                <a14:useLocalDpi xmlns:a14="http://schemas.microsoft.com/office/drawing/2010/main" val="0"/>
+              </a:ext>
+            </a:extLst>
+          </a:blip>
+          <a:srcRect/>
+          <a:stretch>
+            <a:fillRect/>
+          </a:stretch>
+        </p:blipFill>
+        <p:spPr bwMode="auto">
+          <a:xfrm>
+            <a:off x="446359" y="533400"/>
+            <a:ext cx="7930995" cy="5638800"/>
+          </a:xfrm>
+          <a:prstGeom prst="rect">
+            <a:avLst/>
+          </a:prstGeom>
+          <a:noFill/>
+          <a:ln>
+            <a:noFill/>
+          </a:ln>
+          <a:extLst>
+            <a:ext uri="{909E8E84-426E-40DD-AFC4-6F175D3DCCD1}">
+              <a14:hiddenFill xmlns:a14="http://schemas.microsoft.com/office/drawing/2010/main">
+                <a:solidFill>
+                  <a:schemeClr val="accent1"/>
+                </a:solidFill>
+              </a14:hiddenFill>
+            </a:ext>
+            <a:ext uri="{91240B29-F687-4F45-9708-019B960494DF}">
+              <a14:hiddenLine xmlns:a14="http://schemas.microsoft.com/office/drawing/2010/main" w="9525">
+                <a:solidFill>
+                  <a:schemeClr val="tx1"/>
+                </a:solidFill>
+                <a:miter lim="800000"/>
+                <a:headEnd/>
+                <a:tailEnd/>
+              </a14:hiddenLine>
+            </a:ext>
+          </a:extLst>
+        </p:spPr>
+      </p:pic>
+    </p:spTree>
+    <p:extLst>
+      <p:ext uri="{BB962C8B-B14F-4D97-AF65-F5344CB8AC3E}">
+        <p14:creationId xmlns:p14="http://schemas.microsoft.com/office/powerpoint/2010/main" val="4222752276"/>
       </p:ext>
     </p:extLst>
   </p:cSld>
@@ -21420,4 +22036,566 @@
   <a:objectDefaults/>
   <a:extraClrSchemeLst/>
 </a:theme>
+</file>
+
+<file path=ppt/theme/themeOverride1.xml><?xml version="1.0" encoding="utf-8"?>
+<a:themeOverride xmlns:a="http://schemas.openxmlformats.org/drawingml/2006/main">
+  <a:clrScheme name="Office">
+    <a:dk1>
+      <a:sysClr val="windowText" lastClr="000000"/>
+    </a:dk1>
+    <a:lt1>
+      <a:sysClr val="window" lastClr="FFFFFF"/>
+    </a:lt1>
+    <a:dk2>
+      <a:srgbClr val="1F497D"/>
+    </a:dk2>
+    <a:lt2>
+      <a:srgbClr val="EEECE1"/>
+    </a:lt2>
+    <a:accent1>
+      <a:srgbClr val="4F81BD"/>
+    </a:accent1>
+    <a:accent2>
+      <a:srgbClr val="C0504D"/>
+    </a:accent2>
+    <a:accent3>
+      <a:srgbClr val="9BBB59"/>
+    </a:accent3>
+    <a:accent4>
+      <a:srgbClr val="8064A2"/>
+    </a:accent4>
+    <a:accent5>
+      <a:srgbClr val="4BACC6"/>
+    </a:accent5>
+    <a:accent6>
+      <a:srgbClr val="F79646"/>
+    </a:accent6>
+    <a:hlink>
+      <a:srgbClr val="0000FF"/>
+    </a:hlink>
+    <a:folHlink>
+      <a:srgbClr val="800080"/>
+    </a:folHlink>
+  </a:clrScheme>
+  <a:fontScheme name="Office">
+    <a:majorFont>
+      <a:latin typeface="Cambria"/>
+      <a:ea typeface=""/>
+      <a:cs typeface=""/>
+      <a:font script="Jpan" typeface="ＭＳ Ｐゴシック"/>
+      <a:font script="Hang" typeface="맑은 고딕"/>
+      <a:font script="Hans" typeface="宋体"/>
+      <a:font script="Hant" typeface="新細明體"/>
+      <a:font script="Arab" typeface="Times New Roman"/>
+      <a:font script="Hebr" typeface="Times New Roman"/>
+      <a:font script="Thai" typeface="Tahoma"/>
+      <a:font script="Ethi" typeface="Nyala"/>
+      <a:font script="Beng" typeface="Vrinda"/>
+      <a:font script="Gujr" typeface="Shruti"/>
+      <a:font script="Khmr" typeface="MoolBoran"/>
+      <a:font script="Knda" typeface="Tunga"/>
+      <a:font script="Guru" typeface="Raavi"/>
+      <a:font script="Cans" typeface="Euphemia"/>
+      <a:font script="Cher" typeface="Plantagenet Cherokee"/>
+      <a:font script="Yiii" typeface="Microsoft Yi Baiti"/>
+      <a:font script="Tibt" typeface="Microsoft Himalaya"/>
+      <a:font script="Thaa" typeface="MV Boli"/>
+      <a:font script="Deva" typeface="Mangal"/>
+      <a:font script="Telu" typeface="Gautami"/>
+      <a:font script="Taml" typeface="Latha"/>
+      <a:font script="Syrc" typeface="Estrangelo Edessa"/>
+      <a:font script="Orya" typeface="Kalinga"/>
+      <a:font script="Mlym" typeface="Kartika"/>
+      <a:font script="Laoo" typeface="DokChampa"/>
+      <a:font script="Sinh" typeface="Iskoola Pota"/>
+      <a:font script="Mong" typeface="Mongolian Baiti"/>
+      <a:font script="Viet" typeface="Times New Roman"/>
+      <a:font script="Uigh" typeface="Microsoft Uighur"/>
+      <a:font script="Geor" typeface="Sylfaen"/>
+    </a:majorFont>
+    <a:minorFont>
+      <a:latin typeface="Calibri"/>
+      <a:ea typeface=""/>
+      <a:cs typeface=""/>
+      <a:font script="Jpan" typeface="ＭＳ Ｐゴシック"/>
+      <a:font script="Hang" typeface="맑은 고딕"/>
+      <a:font script="Hans" typeface="宋体"/>
+      <a:font script="Hant" typeface="新細明體"/>
+      <a:font script="Arab" typeface="Arial"/>
+      <a:font script="Hebr" typeface="Arial"/>
+      <a:font script="Thai" typeface="Tahoma"/>
+      <a:font script="Ethi" typeface="Nyala"/>
+      <a:font script="Beng" typeface="Vrinda"/>
+      <a:font script="Gujr" typeface="Shruti"/>
+      <a:font script="Khmr" typeface="DaunPenh"/>
+      <a:font script="Knda" typeface="Tunga"/>
+      <a:font script="Guru" typeface="Raavi"/>
+      <a:font script="Cans" typeface="Euphemia"/>
+      <a:font script="Cher" typeface="Plantagenet Cherokee"/>
+      <a:font script="Yiii" typeface="Microsoft Yi Baiti"/>
+      <a:font script="Tibt" typeface="Microsoft Himalaya"/>
+      <a:font script="Thaa" typeface="MV Boli"/>
+      <a:font script="Deva" typeface="Mangal"/>
+      <a:font script="Telu" typeface="Gautami"/>
+      <a:font script="Taml" typeface="Latha"/>
+      <a:font script="Syrc" typeface="Estrangelo Edessa"/>
+      <a:font script="Orya" typeface="Kalinga"/>
+      <a:font script="Mlym" typeface="Kartika"/>
+      <a:font script="Laoo" typeface="DokChampa"/>
+      <a:font script="Sinh" typeface="Iskoola Pota"/>
+      <a:font script="Mong" typeface="Mongolian Baiti"/>
+      <a:font script="Viet" typeface="Arial"/>
+      <a:font script="Uigh" typeface="Microsoft Uighur"/>
+      <a:font script="Geor" typeface="Sylfaen"/>
+    </a:minorFont>
+  </a:fontScheme>
+  <a:fmtScheme name="Office">
+    <a:fillStyleLst>
+      <a:solidFill>
+        <a:schemeClr val="phClr"/>
+      </a:solidFill>
+      <a:gradFill rotWithShape="1">
+        <a:gsLst>
+          <a:gs pos="0">
+            <a:schemeClr val="phClr">
+              <a:tint val="50000"/>
+              <a:satMod val="300000"/>
+            </a:schemeClr>
+          </a:gs>
+          <a:gs pos="35000">
+            <a:schemeClr val="phClr">
+              <a:tint val="37000"/>
+              <a:satMod val="300000"/>
+            </a:schemeClr>
+          </a:gs>
+          <a:gs pos="100000">
+            <a:schemeClr val="phClr">
+              <a:tint val="15000"/>
+              <a:satMod val="350000"/>
+            </a:schemeClr>
+          </a:gs>
+        </a:gsLst>
+        <a:lin ang="16200000" scaled="1"/>
+      </a:gradFill>
+      <a:gradFill rotWithShape="1">
+        <a:gsLst>
+          <a:gs pos="0">
+            <a:schemeClr val="phClr">
+              <a:shade val="51000"/>
+              <a:satMod val="130000"/>
+            </a:schemeClr>
+          </a:gs>
+          <a:gs pos="80000">
+            <a:schemeClr val="phClr">
+              <a:shade val="93000"/>
+              <a:satMod val="130000"/>
+            </a:schemeClr>
+          </a:gs>
+          <a:gs pos="100000">
+            <a:schemeClr val="phClr">
+              <a:shade val="94000"/>
+              <a:satMod val="135000"/>
+            </a:schemeClr>
+          </a:gs>
+        </a:gsLst>
+        <a:lin ang="16200000" scaled="0"/>
+      </a:gradFill>
+    </a:fillStyleLst>
+    <a:lnStyleLst>
+      <a:ln w="9525" cap="flat" cmpd="sng" algn="ctr">
+        <a:solidFill>
+          <a:schemeClr val="phClr">
+            <a:shade val="95000"/>
+            <a:satMod val="105000"/>
+          </a:schemeClr>
+        </a:solidFill>
+        <a:prstDash val="solid"/>
+      </a:ln>
+      <a:ln w="25400" cap="flat" cmpd="sng" algn="ctr">
+        <a:solidFill>
+          <a:schemeClr val="phClr"/>
+        </a:solidFill>
+        <a:prstDash val="solid"/>
+      </a:ln>
+      <a:ln w="38100" cap="flat" cmpd="sng" algn="ctr">
+        <a:solidFill>
+          <a:schemeClr val="phClr"/>
+        </a:solidFill>
+        <a:prstDash val="solid"/>
+      </a:ln>
+    </a:lnStyleLst>
+    <a:effectStyleLst>
+      <a:effectStyle>
+        <a:effectLst>
+          <a:outerShdw blurRad="40000" dist="20000" dir="5400000" rotWithShape="0">
+            <a:srgbClr val="000000">
+              <a:alpha val="38000"/>
+            </a:srgbClr>
+          </a:outerShdw>
+        </a:effectLst>
+      </a:effectStyle>
+      <a:effectStyle>
+        <a:effectLst>
+          <a:outerShdw blurRad="40000" dist="23000" dir="5400000" rotWithShape="0">
+            <a:srgbClr val="000000">
+              <a:alpha val="35000"/>
+            </a:srgbClr>
+          </a:outerShdw>
+        </a:effectLst>
+      </a:effectStyle>
+      <a:effectStyle>
+        <a:effectLst>
+          <a:outerShdw blurRad="40000" dist="23000" dir="5400000" rotWithShape="0">
+            <a:srgbClr val="000000">
+              <a:alpha val="35000"/>
+            </a:srgbClr>
+          </a:outerShdw>
+        </a:effectLst>
+        <a:scene3d>
+          <a:camera prst="orthographicFront">
+            <a:rot lat="0" lon="0" rev="0"/>
+          </a:camera>
+          <a:lightRig rig="threePt" dir="t">
+            <a:rot lat="0" lon="0" rev="1200000"/>
+          </a:lightRig>
+        </a:scene3d>
+        <a:sp3d>
+          <a:bevelT w="63500" h="25400"/>
+        </a:sp3d>
+      </a:effectStyle>
+    </a:effectStyleLst>
+    <a:bgFillStyleLst>
+      <a:solidFill>
+        <a:schemeClr val="phClr"/>
+      </a:solidFill>
+      <a:gradFill rotWithShape="1">
+        <a:gsLst>
+          <a:gs pos="0">
+            <a:schemeClr val="phClr">
+              <a:tint val="40000"/>
+              <a:satMod val="350000"/>
+            </a:schemeClr>
+          </a:gs>
+          <a:gs pos="40000">
+            <a:schemeClr val="phClr">
+              <a:tint val="45000"/>
+              <a:shade val="99000"/>
+              <a:satMod val="350000"/>
+            </a:schemeClr>
+          </a:gs>
+          <a:gs pos="100000">
+            <a:schemeClr val="phClr">
+              <a:shade val="20000"/>
+              <a:satMod val="255000"/>
+            </a:schemeClr>
+          </a:gs>
+        </a:gsLst>
+        <a:path path="circle">
+          <a:fillToRect l="50000" t="-80000" r="50000" b="180000"/>
+        </a:path>
+      </a:gradFill>
+      <a:gradFill rotWithShape="1">
+        <a:gsLst>
+          <a:gs pos="0">
+            <a:schemeClr val="phClr">
+              <a:tint val="80000"/>
+              <a:satMod val="300000"/>
+            </a:schemeClr>
+          </a:gs>
+          <a:gs pos="100000">
+            <a:schemeClr val="phClr">
+              <a:shade val="30000"/>
+              <a:satMod val="200000"/>
+            </a:schemeClr>
+          </a:gs>
+        </a:gsLst>
+        <a:path path="circle">
+          <a:fillToRect l="50000" t="50000" r="50000" b="50000"/>
+        </a:path>
+      </a:gradFill>
+    </a:bgFillStyleLst>
+  </a:fmtScheme>
+</a:themeOverride>
+</file>
+
+<file path=ppt/theme/themeOverride2.xml><?xml version="1.0" encoding="utf-8"?>
+<a:themeOverride xmlns:a="http://schemas.openxmlformats.org/drawingml/2006/main">
+  <a:clrScheme name="Office">
+    <a:dk1>
+      <a:sysClr val="windowText" lastClr="000000"/>
+    </a:dk1>
+    <a:lt1>
+      <a:sysClr val="window" lastClr="FFFFFF"/>
+    </a:lt1>
+    <a:dk2>
+      <a:srgbClr val="1F497D"/>
+    </a:dk2>
+    <a:lt2>
+      <a:srgbClr val="EEECE1"/>
+    </a:lt2>
+    <a:accent1>
+      <a:srgbClr val="4F81BD"/>
+    </a:accent1>
+    <a:accent2>
+      <a:srgbClr val="C0504D"/>
+    </a:accent2>
+    <a:accent3>
+      <a:srgbClr val="9BBB59"/>
+    </a:accent3>
+    <a:accent4>
+      <a:srgbClr val="8064A2"/>
+    </a:accent4>
+    <a:accent5>
+      <a:srgbClr val="4BACC6"/>
+    </a:accent5>
+    <a:accent6>
+      <a:srgbClr val="F79646"/>
+    </a:accent6>
+    <a:hlink>
+      <a:srgbClr val="0000FF"/>
+    </a:hlink>
+    <a:folHlink>
+      <a:srgbClr val="800080"/>
+    </a:folHlink>
+  </a:clrScheme>
+  <a:fontScheme name="Office">
+    <a:majorFont>
+      <a:latin typeface="Cambria"/>
+      <a:ea typeface=""/>
+      <a:cs typeface=""/>
+      <a:font script="Jpan" typeface="ＭＳ Ｐゴシック"/>
+      <a:font script="Hang" typeface="맑은 고딕"/>
+      <a:font script="Hans" typeface="宋体"/>
+      <a:font script="Hant" typeface="新細明體"/>
+      <a:font script="Arab" typeface="Times New Roman"/>
+      <a:font script="Hebr" typeface="Times New Roman"/>
+      <a:font script="Thai" typeface="Tahoma"/>
+      <a:font script="Ethi" typeface="Nyala"/>
+      <a:font script="Beng" typeface="Vrinda"/>
+      <a:font script="Gujr" typeface="Shruti"/>
+      <a:font script="Khmr" typeface="MoolBoran"/>
+      <a:font script="Knda" typeface="Tunga"/>
+      <a:font script="Guru" typeface="Raavi"/>
+      <a:font script="Cans" typeface="Euphemia"/>
+      <a:font script="Cher" typeface="Plantagenet Cherokee"/>
+      <a:font script="Yiii" typeface="Microsoft Yi Baiti"/>
+      <a:font script="Tibt" typeface="Microsoft Himalaya"/>
+      <a:font script="Thaa" typeface="MV Boli"/>
+      <a:font script="Deva" typeface="Mangal"/>
+      <a:font script="Telu" typeface="Gautami"/>
+      <a:font script="Taml" typeface="Latha"/>
+      <a:font script="Syrc" typeface="Estrangelo Edessa"/>
+      <a:font script="Orya" typeface="Kalinga"/>
+      <a:font script="Mlym" typeface="Kartika"/>
+      <a:font script="Laoo" typeface="DokChampa"/>
+      <a:font script="Sinh" typeface="Iskoola Pota"/>
+      <a:font script="Mong" typeface="Mongolian Baiti"/>
+      <a:font script="Viet" typeface="Times New Roman"/>
+      <a:font script="Uigh" typeface="Microsoft Uighur"/>
+      <a:font script="Geor" typeface="Sylfaen"/>
+    </a:majorFont>
+    <a:minorFont>
+      <a:latin typeface="Calibri"/>
+      <a:ea typeface=""/>
+      <a:cs typeface=""/>
+      <a:font script="Jpan" typeface="ＭＳ Ｐゴシック"/>
+      <a:font script="Hang" typeface="맑은 고딕"/>
+      <a:font script="Hans" typeface="宋体"/>
+      <a:font script="Hant" typeface="新細明體"/>
+      <a:font script="Arab" typeface="Arial"/>
+      <a:font script="Hebr" typeface="Arial"/>
+      <a:font script="Thai" typeface="Tahoma"/>
+      <a:font script="Ethi" typeface="Nyala"/>
+      <a:font script="Beng" typeface="Vrinda"/>
+      <a:font script="Gujr" typeface="Shruti"/>
+      <a:font script="Khmr" typeface="DaunPenh"/>
+      <a:font script="Knda" typeface="Tunga"/>
+      <a:font script="Guru" typeface="Raavi"/>
+      <a:font script="Cans" typeface="Euphemia"/>
+      <a:font script="Cher" typeface="Plantagenet Cherokee"/>
+      <a:font script="Yiii" typeface="Microsoft Yi Baiti"/>
+      <a:font script="Tibt" typeface="Microsoft Himalaya"/>
+      <a:font script="Thaa" typeface="MV Boli"/>
+      <a:font script="Deva" typeface="Mangal"/>
+      <a:font script="Telu" typeface="Gautami"/>
+      <a:font script="Taml" typeface="Latha"/>
+      <a:font script="Syrc" typeface="Estrangelo Edessa"/>
+      <a:font script="Orya" typeface="Kalinga"/>
+      <a:font script="Mlym" typeface="Kartika"/>
+      <a:font script="Laoo" typeface="DokChampa"/>
+      <a:font script="Sinh" typeface="Iskoola Pota"/>
+      <a:font script="Mong" typeface="Mongolian Baiti"/>
+      <a:font script="Viet" typeface="Arial"/>
+      <a:font script="Uigh" typeface="Microsoft Uighur"/>
+      <a:font script="Geor" typeface="Sylfaen"/>
+    </a:minorFont>
+  </a:fontScheme>
+  <a:fmtScheme name="Office">
+    <a:fillStyleLst>
+      <a:solidFill>
+        <a:schemeClr val="phClr"/>
+      </a:solidFill>
+      <a:gradFill rotWithShape="1">
+        <a:gsLst>
+          <a:gs pos="0">
+            <a:schemeClr val="phClr">
+              <a:tint val="50000"/>
+              <a:satMod val="300000"/>
+            </a:schemeClr>
+          </a:gs>
+          <a:gs pos="35000">
+            <a:schemeClr val="phClr">
+              <a:tint val="37000"/>
+              <a:satMod val="300000"/>
+            </a:schemeClr>
+          </a:gs>
+          <a:gs pos="100000">
+            <a:schemeClr val="phClr">
+              <a:tint val="15000"/>
+              <a:satMod val="350000"/>
+            </a:schemeClr>
+          </a:gs>
+        </a:gsLst>
+        <a:lin ang="16200000" scaled="1"/>
+      </a:gradFill>
+      <a:gradFill rotWithShape="1">
+        <a:gsLst>
+          <a:gs pos="0">
+            <a:schemeClr val="phClr">
+              <a:shade val="51000"/>
+              <a:satMod val="130000"/>
+            </a:schemeClr>
+          </a:gs>
+          <a:gs pos="80000">
+            <a:schemeClr val="phClr">
+              <a:shade val="93000"/>
+              <a:satMod val="130000"/>
+            </a:schemeClr>
+          </a:gs>
+          <a:gs pos="100000">
+            <a:schemeClr val="phClr">
+              <a:shade val="94000"/>
+              <a:satMod val="135000"/>
+            </a:schemeClr>
+          </a:gs>
+        </a:gsLst>
+        <a:lin ang="16200000" scaled="0"/>
+      </a:gradFill>
+    </a:fillStyleLst>
+    <a:lnStyleLst>
+      <a:ln w="9525" cap="flat" cmpd="sng" algn="ctr">
+        <a:solidFill>
+          <a:schemeClr val="phClr">
+            <a:shade val="95000"/>
+            <a:satMod val="105000"/>
+          </a:schemeClr>
+        </a:solidFill>
+        <a:prstDash val="solid"/>
+      </a:ln>
+      <a:ln w="25400" cap="flat" cmpd="sng" algn="ctr">
+        <a:solidFill>
+          <a:schemeClr val="phClr"/>
+        </a:solidFill>
+        <a:prstDash val="solid"/>
+      </a:ln>
+      <a:ln w="38100" cap="flat" cmpd="sng" algn="ctr">
+        <a:solidFill>
+          <a:schemeClr val="phClr"/>
+        </a:solidFill>
+        <a:prstDash val="solid"/>
+      </a:ln>
+    </a:lnStyleLst>
+    <a:effectStyleLst>
+      <a:effectStyle>
+        <a:effectLst>
+          <a:outerShdw blurRad="40000" dist="20000" dir="5400000" rotWithShape="0">
+            <a:srgbClr val="000000">
+              <a:alpha val="38000"/>
+            </a:srgbClr>
+          </a:outerShdw>
+        </a:effectLst>
+      </a:effectStyle>
+      <a:effectStyle>
+        <a:effectLst>
+          <a:outerShdw blurRad="40000" dist="23000" dir="5400000" rotWithShape="0">
+            <a:srgbClr val="000000">
+              <a:alpha val="35000"/>
+            </a:srgbClr>
+          </a:outerShdw>
+        </a:effectLst>
+      </a:effectStyle>
+      <a:effectStyle>
+        <a:effectLst>
+          <a:outerShdw blurRad="40000" dist="23000" dir="5400000" rotWithShape="0">
+            <a:srgbClr val="000000">
+              <a:alpha val="35000"/>
+            </a:srgbClr>
+          </a:outerShdw>
+        </a:effectLst>
+        <a:scene3d>
+          <a:camera prst="orthographicFront">
+            <a:rot lat="0" lon="0" rev="0"/>
+          </a:camera>
+          <a:lightRig rig="threePt" dir="t">
+            <a:rot lat="0" lon="0" rev="1200000"/>
+          </a:lightRig>
+        </a:scene3d>
+        <a:sp3d>
+          <a:bevelT w="63500" h="25400"/>
+        </a:sp3d>
+      </a:effectStyle>
+    </a:effectStyleLst>
+    <a:bgFillStyleLst>
+      <a:solidFill>
+        <a:schemeClr val="phClr"/>
+      </a:solidFill>
+      <a:gradFill rotWithShape="1">
+        <a:gsLst>
+          <a:gs pos="0">
+            <a:schemeClr val="phClr">
+              <a:tint val="40000"/>
+              <a:satMod val="350000"/>
+            </a:schemeClr>
+          </a:gs>
+          <a:gs pos="40000">
+            <a:schemeClr val="phClr">
+              <a:tint val="45000"/>
+              <a:shade val="99000"/>
+              <a:satMod val="350000"/>
+            </a:schemeClr>
+          </a:gs>
+          <a:gs pos="100000">
+            <a:schemeClr val="phClr">
+              <a:shade val="20000"/>
+              <a:satMod val="255000"/>
+            </a:schemeClr>
+          </a:gs>
+        </a:gsLst>
+        <a:path path="circle">
+          <a:fillToRect l="50000" t="-80000" r="50000" b="180000"/>
+        </a:path>
+      </a:gradFill>
+      <a:gradFill rotWithShape="1">
+        <a:gsLst>
+          <a:gs pos="0">
+            <a:schemeClr val="phClr">
+              <a:tint val="80000"/>
+              <a:satMod val="300000"/>
+            </a:schemeClr>
+          </a:gs>
+          <a:gs pos="100000">
+            <a:schemeClr val="phClr">
+              <a:shade val="30000"/>
+              <a:satMod val="200000"/>
+            </a:schemeClr>
+          </a:gs>
+        </a:gsLst>
+        <a:path path="circle">
+          <a:fillToRect l="50000" t="50000" r="50000" b="50000"/>
+        </a:path>
+      </a:gradFill>
+    </a:bgFillStyleLst>
+  </a:fmtScheme>
+</a:themeOverride>
 </file>
--- a/Report/pre.pptx
+++ b/Report/pre.pptx
@@ -315,11 +315,11 @@
         </c:dLbls>
         <c:marker val="1"/>
         <c:smooth val="0"/>
-        <c:axId val="150076032"/>
-        <c:axId val="152068480"/>
+        <c:axId val="121080064"/>
+        <c:axId val="121454592"/>
       </c:lineChart>
       <c:catAx>
-        <c:axId val="150076032"/>
+        <c:axId val="121080064"/>
         <c:scaling>
           <c:orientation val="minMax"/>
         </c:scaling>
@@ -328,7 +328,7 @@
         <c:majorTickMark val="out"/>
         <c:minorTickMark val="none"/>
         <c:tickLblPos val="nextTo"/>
-        <c:crossAx val="152068480"/>
+        <c:crossAx val="121454592"/>
         <c:crosses val="autoZero"/>
         <c:auto val="1"/>
         <c:lblAlgn val="ctr"/>
@@ -336,7 +336,7 @@
         <c:noMultiLvlLbl val="0"/>
       </c:catAx>
       <c:valAx>
-        <c:axId val="152068480"/>
+        <c:axId val="121454592"/>
         <c:scaling>
           <c:orientation val="minMax"/>
         </c:scaling>
@@ -347,14 +347,13 @@
         <c:majorTickMark val="out"/>
         <c:minorTickMark val="none"/>
         <c:tickLblPos val="nextTo"/>
-        <c:crossAx val="150076032"/>
+        <c:crossAx val="121080064"/>
         <c:crosses val="autoZero"/>
         <c:crossBetween val="between"/>
       </c:valAx>
     </c:plotArea>
     <c:legend>
       <c:legendPos val="r"/>
-      <c:layout/>
       <c:overlay val="0"/>
     </c:legend>
     <c:plotVisOnly val="1"/>
@@ -502,11 +501,11 @@
         </c:dLbls>
         <c:marker val="1"/>
         <c:smooth val="0"/>
-        <c:axId val="150215680"/>
-        <c:axId val="150225664"/>
+        <c:axId val="121595008"/>
+        <c:axId val="121596544"/>
       </c:lineChart>
       <c:catAx>
-        <c:axId val="150215680"/>
+        <c:axId val="121595008"/>
         <c:scaling>
           <c:orientation val="minMax"/>
         </c:scaling>
@@ -515,7 +514,7 @@
         <c:majorTickMark val="out"/>
         <c:minorTickMark val="none"/>
         <c:tickLblPos val="nextTo"/>
-        <c:crossAx val="150225664"/>
+        <c:crossAx val="121596544"/>
         <c:crosses val="autoZero"/>
         <c:auto val="1"/>
         <c:lblAlgn val="ctr"/>
@@ -523,7 +522,7 @@
         <c:noMultiLvlLbl val="0"/>
       </c:catAx>
       <c:valAx>
-        <c:axId val="150225664"/>
+        <c:axId val="121596544"/>
         <c:scaling>
           <c:orientation val="minMax"/>
         </c:scaling>
@@ -534,14 +533,13 @@
         <c:majorTickMark val="out"/>
         <c:minorTickMark val="none"/>
         <c:tickLblPos val="nextTo"/>
-        <c:crossAx val="150215680"/>
+        <c:crossAx val="121595008"/>
         <c:crosses val="autoZero"/>
         <c:crossBetween val="between"/>
       </c:valAx>
     </c:plotArea>
     <c:legend>
       <c:legendPos val="r"/>
-      <c:layout/>
       <c:overlay val="0"/>
     </c:legend>
     <c:plotVisOnly val="1"/>
@@ -813,11 +811,11 @@
         </c:dLbls>
         <c:marker val="1"/>
         <c:smooth val="0"/>
-        <c:axId val="158080384"/>
-        <c:axId val="158078848"/>
+        <c:axId val="122752384"/>
+        <c:axId val="122750848"/>
       </c:lineChart>
       <c:valAx>
-        <c:axId val="158078848"/>
+        <c:axId val="122750848"/>
         <c:scaling>
           <c:orientation val="minMax"/>
         </c:scaling>
@@ -853,12 +851,12 @@
             <a:endParaRPr lang="en-US"/>
           </a:p>
         </c:txPr>
-        <c:crossAx val="158080384"/>
+        <c:crossAx val="122752384"/>
         <c:crosses val="autoZero"/>
         <c:crossBetween val="between"/>
       </c:valAx>
       <c:catAx>
-        <c:axId val="158080384"/>
+        <c:axId val="122752384"/>
         <c:scaling>
           <c:orientation val="minMax"/>
         </c:scaling>
@@ -885,7 +883,7 @@
             <a:endParaRPr lang="en-US"/>
           </a:p>
         </c:txPr>
-        <c:crossAx val="158078848"/>
+        <c:crossAx val="122750848"/>
         <c:crosses val="autoZero"/>
         <c:auto val="1"/>
         <c:lblAlgn val="ctr"/>
@@ -904,7 +902,6 @@
     </c:plotArea>
     <c:legend>
       <c:legendPos val="r"/>
-      <c:layout/>
       <c:overlay val="0"/>
       <c:spPr>
         <a:noFill/>
@@ -1151,11 +1148,11 @@
         </c:dLbls>
         <c:marker val="1"/>
         <c:smooth val="0"/>
-        <c:axId val="158959872"/>
-        <c:axId val="158958336"/>
+        <c:axId val="150382848"/>
+        <c:axId val="150381312"/>
       </c:lineChart>
       <c:valAx>
-        <c:axId val="158958336"/>
+        <c:axId val="150381312"/>
         <c:scaling>
           <c:orientation val="minMax"/>
         </c:scaling>
@@ -1191,12 +1188,12 @@
             <a:endParaRPr lang="en-US"/>
           </a:p>
         </c:txPr>
-        <c:crossAx val="158959872"/>
+        <c:crossAx val="150382848"/>
         <c:crosses val="autoZero"/>
         <c:crossBetween val="between"/>
       </c:valAx>
       <c:catAx>
-        <c:axId val="158959872"/>
+        <c:axId val="150382848"/>
         <c:scaling>
           <c:orientation val="minMax"/>
         </c:scaling>
@@ -1223,7 +1220,7 @@
             <a:endParaRPr lang="en-US"/>
           </a:p>
         </c:txPr>
-        <c:crossAx val="158958336"/>
+        <c:crossAx val="150381312"/>
         <c:crosses val="autoZero"/>
         <c:auto val="1"/>
         <c:lblAlgn val="ctr"/>
@@ -1242,7 +1239,6 @@
     </c:plotArea>
     <c:legend>
       <c:legendPos val="r"/>
-      <c:layout/>
       <c:overlay val="0"/>
       <c:spPr>
         <a:noFill/>
@@ -5917,13 +5913,37 @@
               </a:rPr>
               <a:t> </a:t>
             </a:r>
-            <a:r>
-              <a:rPr lang="en-US" sz="2400" dirty="0" smtClean="0">
+            <a:endParaRPr lang="en-US" sz="2400" dirty="0" smtClean="0">
+              <a:solidFill>
+                <a:schemeClr val="tx1"/>
+              </a:solidFill>
+            </a:endParaRPr>
+          </a:p>
+          <a:p>
+            <a:pPr algn="l"/>
+            <a:r>
+              <a:rPr lang="en-US" sz="2400">
                 <a:solidFill>
                   <a:schemeClr val="tx1"/>
                 </a:solidFill>
               </a:rPr>
-              <a:t>(13073042)</a:t>
+              <a:t>	</a:t>
+            </a:r>
+            <a:r>
+              <a:rPr lang="en-US" sz="2400" smtClean="0">
+                <a:solidFill>
+                  <a:schemeClr val="tx1"/>
+                </a:solidFill>
+              </a:rPr>
+              <a:t>MSHV: </a:t>
+            </a:r>
+            <a:r>
+              <a:rPr lang="en-US" sz="2400" smtClean="0">
+                <a:solidFill>
+                  <a:schemeClr val="tx1"/>
+                </a:solidFill>
+              </a:rPr>
+              <a:t>13073042</a:t>
             </a:r>
             <a:endParaRPr lang="en-US" sz="2400" dirty="0">
               <a:solidFill>
@@ -7335,7 +7355,7 @@
           <a:graphicData uri="http://schemas.openxmlformats.org/presentationml/2006/ole">
             <mc:AlternateContent xmlns:mc="http://schemas.openxmlformats.org/markup-compatibility/2006">
               <mc:Choice xmlns:v="urn:schemas-microsoft-com:vml" Requires="v">
-                <p:oleObj spid="_x0000_s13328" name="Equation" r:id="rId4" imgW="2590560" imgH="304560" progId="Equation.3">
+                <p:oleObj spid="_x0000_s13329" name="Equation" r:id="rId4" imgW="2590560" imgH="304560" progId="Equation.3">
                   <p:embed/>
                 </p:oleObj>
               </mc:Choice>
@@ -8062,7 +8082,7 @@
           <a:graphicData uri="http://schemas.openxmlformats.org/presentationml/2006/ole">
             <mc:AlternateContent xmlns:mc="http://schemas.openxmlformats.org/markup-compatibility/2006">
               <mc:Choice xmlns:v="urn:schemas-microsoft-com:vml" Requires="v">
-                <p:oleObj spid="_x0000_s9305" name="Equation" r:id="rId3" imgW="2590560" imgH="304560" progId="Equation.3">
+                <p:oleObj spid="_x0000_s9306" name="Equation" r:id="rId3" imgW="2590560" imgH="304560" progId="Equation.3">
                   <p:embed/>
                 </p:oleObj>
               </mc:Choice>
@@ -9057,7 +9077,7 @@
           <a:graphicData uri="http://schemas.openxmlformats.org/presentationml/2006/ole">
             <mc:AlternateContent xmlns:mc="http://schemas.openxmlformats.org/markup-compatibility/2006">
               <mc:Choice xmlns:v="urn:schemas-microsoft-com:vml" Requires="v">
-                <p:oleObj spid="_x0000_s6556" name="Equation" r:id="rId3" imgW="2209680" imgH="482400" progId="Equation.3">
+                <p:oleObj spid="_x0000_s6560" name="Equation" r:id="rId3" imgW="2209680" imgH="482400" progId="Equation.3">
                   <p:embed/>
                 </p:oleObj>
               </mc:Choice>
@@ -9114,7 +9134,7 @@
           <a:graphicData uri="http://schemas.openxmlformats.org/presentationml/2006/ole">
             <mc:AlternateContent xmlns:mc="http://schemas.openxmlformats.org/markup-compatibility/2006">
               <mc:Choice xmlns:v="urn:schemas-microsoft-com:vml" Requires="v">
-                <p:oleObj spid="_x0000_s6557" name="Equation" r:id="rId5" imgW="1218960" imgH="431640" progId="Equation.3">
+                <p:oleObj spid="_x0000_s6561" name="Equation" r:id="rId5" imgW="1218960" imgH="431640" progId="Equation.3">
                   <p:embed/>
                 </p:oleObj>
               </mc:Choice>
@@ -9171,7 +9191,7 @@
           <a:graphicData uri="http://schemas.openxmlformats.org/presentationml/2006/ole">
             <mc:AlternateContent xmlns:mc="http://schemas.openxmlformats.org/markup-compatibility/2006">
               <mc:Choice xmlns:v="urn:schemas-microsoft-com:vml" Requires="v">
-                <p:oleObj spid="_x0000_s6558" name="Equation" r:id="rId7" imgW="914400" imgH="198720" progId="Equation.DSMT4">
+                <p:oleObj spid="_x0000_s6562" name="Equation" r:id="rId7" imgW="914400" imgH="198720" progId="Equation.DSMT4">
                   <p:embed/>
                 </p:oleObj>
               </mc:Choice>
@@ -9228,7 +9248,7 @@
           <a:graphicData uri="http://schemas.openxmlformats.org/presentationml/2006/ole">
             <mc:AlternateContent xmlns:mc="http://schemas.openxmlformats.org/markup-compatibility/2006">
               <mc:Choice xmlns:v="urn:schemas-microsoft-com:vml" Requires="v">
-                <p:oleObj spid="_x0000_s6559" name="Equation" r:id="rId9" imgW="914400" imgH="198720" progId="Equation.DSMT4">
+                <p:oleObj spid="_x0000_s6563" name="Equation" r:id="rId9" imgW="914400" imgH="198720" progId="Equation.DSMT4">
                   <p:embed/>
                 </p:oleObj>
               </mc:Choice>
@@ -20114,7 +20134,6 @@
               <a:rPr lang="en-US" dirty="0"/>
               <a:t>Homothetic Transformation</a:t>
             </a:r>
-            <a:endParaRPr lang="en-US" dirty="0"/>
           </a:p>
         </p:txBody>
       </p:sp>
@@ -20415,7 +20434,6 @@
               <a:rPr lang="en-US" dirty="0"/>
               <a:t>Homothetic Transformation</a:t>
             </a:r>
-            <a:endParaRPr lang="en-US" dirty="0"/>
           </a:p>
         </p:txBody>
       </p:sp>
